--- a/NYC Meetup.2013-04-23.pptx
+++ b/NYC Meetup.2013-04-23.pptx
@@ -4412,7 +4412,7 @@
             <a:fld id="{B61BEF0D-F0BB-DE4B-95CE-6DB70DBA9567}" type="datetimeFigureOut">
               <a:rPr lang="en-US" smtClean="0"/>
               <a:pPr/>
-              <a:t>4/13/2013</a:t>
+              <a:t>4/15/2013</a:t>
             </a:fld>
             <a:endParaRPr lang="en-US" dirty="0"/>
           </a:p>
@@ -4681,7 +4681,7 @@
             <a:fld id="{B61BEF0D-F0BB-DE4B-95CE-6DB70DBA9567}" type="datetimeFigureOut">
               <a:rPr lang="en-US" smtClean="0"/>
               <a:pPr/>
-              <a:t>4/13/2013</a:t>
+              <a:t>4/15/2013</a:t>
             </a:fld>
             <a:endParaRPr lang="en-US" dirty="0"/>
           </a:p>
@@ -4879,7 +4879,7 @@
             <a:fld id="{B61BEF0D-F0BB-DE4B-95CE-6DB70DBA9567}" type="datetimeFigureOut">
               <a:rPr lang="en-US" smtClean="0"/>
               <a:pPr/>
-              <a:t>4/13/2013</a:t>
+              <a:t>4/15/2013</a:t>
             </a:fld>
             <a:endParaRPr lang="en-US" dirty="0"/>
           </a:p>
@@ -5144,7 +5144,7 @@
             <a:fld id="{B61BEF0D-F0BB-DE4B-95CE-6DB70DBA9567}" type="datetimeFigureOut">
               <a:rPr lang="en-US" smtClean="0"/>
               <a:pPr/>
-              <a:t>4/13/2013</a:t>
+              <a:t>4/15/2013</a:t>
             </a:fld>
             <a:endParaRPr lang="en-US" dirty="0"/>
           </a:p>
@@ -5580,7 +5580,7 @@
             <a:fld id="{B61BEF0D-F0BB-DE4B-95CE-6DB70DBA9567}" type="datetimeFigureOut">
               <a:rPr lang="en-US" smtClean="0"/>
               <a:pPr/>
-              <a:t>4/13/2013</a:t>
+              <a:t>4/15/2013</a:t>
             </a:fld>
             <a:endParaRPr lang="en-US" dirty="0"/>
           </a:p>
@@ -6128,7 +6128,7 @@
             <a:fld id="{B61BEF0D-F0BB-DE4B-95CE-6DB70DBA9567}" type="datetimeFigureOut">
               <a:rPr lang="en-US" smtClean="0"/>
               <a:pPr/>
-              <a:t>4/13/2013</a:t>
+              <a:t>4/15/2013</a:t>
             </a:fld>
             <a:endParaRPr lang="en-US" dirty="0"/>
           </a:p>
@@ -6850,7 +6850,7 @@
             <a:fld id="{B61BEF0D-F0BB-DE4B-95CE-6DB70DBA9567}" type="datetimeFigureOut">
               <a:rPr lang="en-US" smtClean="0"/>
               <a:pPr/>
-              <a:t>4/13/2013</a:t>
+              <a:t>4/15/2013</a:t>
             </a:fld>
             <a:endParaRPr lang="en-US" dirty="0"/>
           </a:p>
@@ -7022,7 +7022,7 @@
             <a:fld id="{B61BEF0D-F0BB-DE4B-95CE-6DB70DBA9567}" type="datetimeFigureOut">
               <a:rPr lang="en-US" smtClean="0"/>
               <a:pPr/>
-              <a:t>4/13/2013</a:t>
+              <a:t>4/15/2013</a:t>
             </a:fld>
             <a:endParaRPr lang="en-US" dirty="0"/>
           </a:p>
@@ -7204,7 +7204,7 @@
             <a:fld id="{B61BEF0D-F0BB-DE4B-95CE-6DB70DBA9567}" type="datetimeFigureOut">
               <a:rPr lang="en-US" smtClean="0"/>
               <a:pPr/>
-              <a:t>4/13/2013</a:t>
+              <a:t>4/15/2013</a:t>
             </a:fld>
             <a:endParaRPr lang="en-US" dirty="0"/>
           </a:p>
@@ -7376,7 +7376,7 @@
             <a:fld id="{B61BEF0D-F0BB-DE4B-95CE-6DB70DBA9567}" type="datetimeFigureOut">
               <a:rPr lang="en-US" smtClean="0"/>
               <a:pPr/>
-              <a:t>4/13/2013</a:t>
+              <a:t>4/15/2013</a:t>
             </a:fld>
             <a:endParaRPr lang="en-US" dirty="0"/>
           </a:p>
@@ -7628,7 +7628,7 @@
             <a:fld id="{B61BEF0D-F0BB-DE4B-95CE-6DB70DBA9567}" type="datetimeFigureOut">
               <a:rPr lang="en-US" smtClean="0"/>
               <a:pPr/>
-              <a:t>4/13/2013</a:t>
+              <a:t>4/15/2013</a:t>
             </a:fld>
             <a:endParaRPr lang="en-US" dirty="0"/>
           </a:p>
@@ -7862,7 +7862,7 @@
             <a:fld id="{B61BEF0D-F0BB-DE4B-95CE-6DB70DBA9567}" type="datetimeFigureOut">
               <a:rPr lang="en-US" smtClean="0"/>
               <a:pPr/>
-              <a:t>4/13/2013</a:t>
+              <a:t>4/15/2013</a:t>
             </a:fld>
             <a:endParaRPr lang="en-US" dirty="0"/>
           </a:p>
@@ -8245,7 +8245,7 @@
             <a:fld id="{B61BEF0D-F0BB-DE4B-95CE-6DB70DBA9567}" type="datetimeFigureOut">
               <a:rPr lang="en-US" smtClean="0"/>
               <a:pPr/>
-              <a:t>4/13/2013</a:t>
+              <a:t>4/15/2013</a:t>
             </a:fld>
             <a:endParaRPr lang="en-US" dirty="0"/>
           </a:p>
@@ -8365,7 +8365,7 @@
             <a:fld id="{B61BEF0D-F0BB-DE4B-95CE-6DB70DBA9567}" type="datetimeFigureOut">
               <a:rPr lang="en-US" smtClean="0"/>
               <a:pPr/>
-              <a:t>4/13/2013</a:t>
+              <a:t>4/15/2013</a:t>
             </a:fld>
             <a:endParaRPr lang="en-US" dirty="0"/>
           </a:p>
@@ -8462,7 +8462,7 @@
             <a:fld id="{B61BEF0D-F0BB-DE4B-95CE-6DB70DBA9567}" type="datetimeFigureOut">
               <a:rPr lang="en-US" smtClean="0"/>
               <a:pPr/>
-              <a:t>4/13/2013</a:t>
+              <a:t>4/15/2013</a:t>
             </a:fld>
             <a:endParaRPr lang="en-US" dirty="0"/>
           </a:p>
@@ -8713,7 +8713,7 @@
             <a:fld id="{B61BEF0D-F0BB-DE4B-95CE-6DB70DBA9567}" type="datetimeFigureOut">
               <a:rPr lang="en-US" smtClean="0"/>
               <a:pPr/>
-              <a:t>4/13/2013</a:t>
+              <a:t>4/15/2013</a:t>
             </a:fld>
             <a:endParaRPr lang="en-US" dirty="0"/>
           </a:p>
@@ -8995,7 +8995,7 @@
             <a:fld id="{B61BEF0D-F0BB-DE4B-95CE-6DB70DBA9567}" type="datetimeFigureOut">
               <a:rPr lang="en-US" smtClean="0"/>
               <a:pPr/>
-              <a:t>4/13/2013</a:t>
+              <a:t>4/15/2013</a:t>
             </a:fld>
             <a:endParaRPr lang="en-US" dirty="0"/>
           </a:p>
@@ -12074,7 +12074,7 @@
             <a:fld id="{B61BEF0D-F0BB-DE4B-95CE-6DB70DBA9567}" type="datetimeFigureOut">
               <a:rPr lang="en-US" smtClean="0"/>
               <a:pPr/>
-              <a:t>4/13/2013</a:t>
+              <a:t>4/15/2013</a:t>
             </a:fld>
             <a:endParaRPr lang="en-US" dirty="0"/>
           </a:p>
@@ -12520,11 +12520,7 @@
             </a:r>
             <a:r>
               <a:rPr lang="en-US" dirty="0" smtClean="0"/>
-              <a:t> </a:t>
-            </a:r>
-            <a:r>
-              <a:rPr lang="en-US" dirty="0" smtClean="0"/>
-              <a:t>WPF</a:t>
+              <a:t> WPF</a:t>
             </a:r>
             <a:endParaRPr lang="en-US" dirty="0"/>
           </a:p>
@@ -12553,11 +12549,7 @@
           <a:p>
             <a:r>
               <a:rPr lang="en-US" dirty="0" smtClean="0"/>
-              <a:t>April 23, </a:t>
-            </a:r>
-            <a:r>
-              <a:rPr lang="en-US" dirty="0" smtClean="0"/>
-              <a:t>2013</a:t>
+              <a:t>April 23, 2013</a:t>
             </a:r>
           </a:p>
           <a:p>
@@ -12623,11 +12615,7 @@
             </a:r>
             <a:r>
               <a:rPr lang="en-US" cap="none" dirty="0" smtClean="0"/>
-              <a:t>subset </a:t>
-            </a:r>
-            <a:r>
-              <a:rPr lang="en-US" cap="none" dirty="0" smtClean="0"/>
-              <a:t>of view state</a:t>
+              <a:t>subset of view state</a:t>
             </a:r>
             <a:endParaRPr lang="en-US" cap="none" dirty="0"/>
           </a:p>
@@ -13805,7 +13793,7 @@
         </p:nvSpPr>
         <p:spPr>
           <a:xfrm>
-            <a:off x="1141410" y="3707964"/>
+            <a:off x="1141411" y="3199005"/>
             <a:ext cx="10012363" cy="2308324"/>
           </a:xfrm>
           <a:prstGeom prst="rect">
@@ -14075,7 +14063,7 @@
         <p:spPr>
           <a:xfrm>
             <a:off x="5905275" y="2469767"/>
-            <a:ext cx="484632" cy="978408"/>
+            <a:ext cx="484632" cy="627116"/>
           </a:xfrm>
           <a:prstGeom prst="downArrow">
             <a:avLst/>
@@ -14103,6 +14091,102 @@
           <a:p>
             <a:pPr algn="ctr"/>
             <a:endParaRPr lang="en-US"/>
+          </a:p>
+        </p:txBody>
+      </p:sp>
+      <p:sp>
+        <p:nvSpPr>
+          <p:cNvPr id="3" name="Rectangle 2"/>
+          <p:cNvSpPr/>
+          <p:nvPr/>
+        </p:nvSpPr>
+        <p:spPr>
+          <a:xfrm>
+            <a:off x="1860727" y="5901269"/>
+            <a:ext cx="8573728" cy="369332"/>
+          </a:xfrm>
+          <a:prstGeom prst="rect">
+            <a:avLst/>
+          </a:prstGeom>
+          <a:gradFill>
+            <a:gsLst>
+              <a:gs pos="0">
+                <a:schemeClr val="accent1">
+                  <a:lumMod val="5000"/>
+                  <a:lumOff val="95000"/>
+                </a:schemeClr>
+              </a:gs>
+              <a:gs pos="74000">
+                <a:schemeClr val="accent1">
+                  <a:lumMod val="45000"/>
+                  <a:lumOff val="55000"/>
+                </a:schemeClr>
+              </a:gs>
+              <a:gs pos="83000">
+                <a:schemeClr val="accent1">
+                  <a:lumMod val="45000"/>
+                  <a:lumOff val="55000"/>
+                </a:schemeClr>
+              </a:gs>
+              <a:gs pos="100000">
+                <a:schemeClr val="accent1">
+                  <a:lumMod val="30000"/>
+                  <a:lumOff val="70000"/>
+                </a:schemeClr>
+              </a:gs>
+            </a:gsLst>
+            <a:lin ang="5400000" scaled="1"/>
+          </a:gradFill>
+        </p:spPr>
+        <p:txBody>
+          <a:bodyPr wrap="square">
+            <a:spAutoFit/>
+          </a:bodyPr>
+          <a:lstStyle/>
+          <a:p>
+            <a:r>
+              <a:rPr lang="en-US" b="1" dirty="0" smtClean="0">
+                <a:solidFill>
+                  <a:srgbClr val="FF0000"/>
+                </a:solidFill>
+                <a:latin typeface="palatino linotype" panose="02040502050505030304" pitchFamily="18" charset="0"/>
+              </a:rPr>
+              <a:t>“Async </a:t>
+            </a:r>
+            <a:r>
+              <a:rPr lang="en-US" b="1" dirty="0">
+                <a:solidFill>
+                  <a:srgbClr val="FF0000"/>
+                </a:solidFill>
+                <a:latin typeface="palatino linotype" panose="02040502050505030304" pitchFamily="18" charset="0"/>
+              </a:rPr>
+              <a:t>in C# and F#: Asynchronous gotchas in C</a:t>
+            </a:r>
+            <a:r>
+              <a:rPr lang="en-US" b="1" dirty="0" smtClean="0">
+                <a:solidFill>
+                  <a:srgbClr val="FF0000"/>
+                </a:solidFill>
+                <a:latin typeface="palatino linotype" panose="02040502050505030304" pitchFamily="18" charset="0"/>
+              </a:rPr>
+              <a:t>#” blog post by Tomas </a:t>
+            </a:r>
+            <a:r>
+              <a:rPr lang="en-US" b="1" dirty="0" err="1" smtClean="0">
+                <a:solidFill>
+                  <a:srgbClr val="FF0000"/>
+                </a:solidFill>
+                <a:latin typeface="palatino linotype" panose="02040502050505030304" pitchFamily="18" charset="0"/>
+              </a:rPr>
+              <a:t>Petricek</a:t>
+            </a:r>
+            <a:endParaRPr lang="en-US" b="1" i="0" dirty="0">
+              <a:solidFill>
+                <a:srgbClr val="FF0000"/>
+              </a:solidFill>
+              <a:effectLst/>
+              <a:latin typeface="palatino linotype" panose="02040502050505030304" pitchFamily="18" charset="0"/>
+            </a:endParaRPr>
           </a:p>
         </p:txBody>
       </p:sp>
@@ -15050,7 +15134,7 @@
           <a:p>
             <a:r>
               <a:rPr lang="en-US" sz="2000" dirty="0" smtClean="0"/>
-              <a:t>Type checked event handlers map</a:t>
+              <a:t>Type checked event to handler mapping</a:t>
             </a:r>
           </a:p>
           <a:p>
@@ -15499,7 +15583,7 @@
           <a:p>
             <a:r>
               <a:rPr lang="en-US" sz="2000" dirty="0" smtClean="0"/>
-              <a:t>Variation of Martin’s Fowler “Presentation Model” pattern</a:t>
+              <a:t>Variation of Martin Fowler’s “Presentation Model” pattern</a:t>
             </a:r>
           </a:p>
           <a:p>
@@ -16322,7 +16406,7 @@
           <a:p>
             <a:r>
               <a:rPr lang="en-US" dirty="0" smtClean="0"/>
-              <a:t>Raises INPC.PropertyChanged from setters interceptor</a:t>
+              <a:t>Raises INPC.PropertyChanged from setter interceptor</a:t>
             </a:r>
           </a:p>
           <a:p>

--- a/NYC Meetup.2013-04-23.pptx
+++ b/NYC Meetup.2013-04-23.pptx
@@ -6,29 +6,31 @@
   </p:sldMasterIdLst>
   <p:sldIdLst>
     <p:sldId id="256" r:id="rId2"/>
-    <p:sldId id="257" r:id="rId3"/>
-    <p:sldId id="259" r:id="rId4"/>
-    <p:sldId id="260" r:id="rId5"/>
-    <p:sldId id="261" r:id="rId6"/>
-    <p:sldId id="262" r:id="rId7"/>
-    <p:sldId id="263" r:id="rId8"/>
-    <p:sldId id="264" r:id="rId9"/>
-    <p:sldId id="266" r:id="rId10"/>
-    <p:sldId id="265" r:id="rId11"/>
-    <p:sldId id="267" r:id="rId12"/>
-    <p:sldId id="268" r:id="rId13"/>
-    <p:sldId id="269" r:id="rId14"/>
-    <p:sldId id="270" r:id="rId15"/>
-    <p:sldId id="271" r:id="rId16"/>
-    <p:sldId id="272" r:id="rId17"/>
-    <p:sldId id="273" r:id="rId18"/>
-    <p:sldId id="274" r:id="rId19"/>
-    <p:sldId id="275" r:id="rId20"/>
-    <p:sldId id="276" r:id="rId21"/>
-    <p:sldId id="277" r:id="rId22"/>
-    <p:sldId id="278" r:id="rId23"/>
-    <p:sldId id="280" r:id="rId24"/>
-    <p:sldId id="279" r:id="rId25"/>
+    <p:sldId id="282" r:id="rId3"/>
+    <p:sldId id="281" r:id="rId4"/>
+    <p:sldId id="257" r:id="rId5"/>
+    <p:sldId id="260" r:id="rId6"/>
+    <p:sldId id="259" r:id="rId7"/>
+    <p:sldId id="261" r:id="rId8"/>
+    <p:sldId id="262" r:id="rId9"/>
+    <p:sldId id="263" r:id="rId10"/>
+    <p:sldId id="264" r:id="rId11"/>
+    <p:sldId id="266" r:id="rId12"/>
+    <p:sldId id="265" r:id="rId13"/>
+    <p:sldId id="267" r:id="rId14"/>
+    <p:sldId id="268" r:id="rId15"/>
+    <p:sldId id="269" r:id="rId16"/>
+    <p:sldId id="270" r:id="rId17"/>
+    <p:sldId id="271" r:id="rId18"/>
+    <p:sldId id="272" r:id="rId19"/>
+    <p:sldId id="273" r:id="rId20"/>
+    <p:sldId id="274" r:id="rId21"/>
+    <p:sldId id="275" r:id="rId22"/>
+    <p:sldId id="276" r:id="rId23"/>
+    <p:sldId id="277" r:id="rId24"/>
+    <p:sldId id="278" r:id="rId25"/>
+    <p:sldId id="280" r:id="rId26"/>
+    <p:sldId id="279" r:id="rId27"/>
   </p:sldIdLst>
   <p:sldSz cx="12192000" cy="6858000"/>
   <p:notesSz cx="6858000" cy="9144000"/>
@@ -185,7 +187,7 @@
           <a:noFill/>
           <a:extLst>
             <a:ext uri="{909E8E84-426E-40dd-AFC4-6F175D3DCCD1}">
-              <a14:hiddenFill xmlns:a14="http://schemas.microsoft.com/office/drawing/2010/main" xmlns="">
+              <a14:hiddenFill xmlns="" xmlns:a14="http://schemas.microsoft.com/office/drawing/2010/main">
                 <a:solidFill>
                   <a:srgbClr val="FFFFFF"/>
                 </a:solidFill>
@@ -245,7 +247,7 @@
             </a:ln>
             <a:extLst>
               <a:ext uri="{91240B29-F687-4f45-9708-019B960494DF}">
-                <a14:hiddenLine xmlns:a14="http://schemas.microsoft.com/office/drawing/2010/main" xmlns="" w="9525">
+                <a14:hiddenLine xmlns="" xmlns:a14="http://schemas.microsoft.com/office/drawing/2010/main" w="9525">
                   <a:solidFill>
                     <a:srgbClr val="000000"/>
                   </a:solidFill>
@@ -335,7 +337,7 @@
             </a:ln>
             <a:extLst>
               <a:ext uri="{91240B29-F687-4f45-9708-019B960494DF}">
-                <a14:hiddenLine xmlns:a14="http://schemas.microsoft.com/office/drawing/2010/main" xmlns="" w="9525">
+                <a14:hiddenLine xmlns="" xmlns:a14="http://schemas.microsoft.com/office/drawing/2010/main" w="9525">
                   <a:solidFill>
                     <a:srgbClr val="000000"/>
                   </a:solidFill>
@@ -425,7 +427,7 @@
             </a:ln>
             <a:extLst>
               <a:ext uri="{91240B29-F687-4f45-9708-019B960494DF}">
-                <a14:hiddenLine xmlns:a14="http://schemas.microsoft.com/office/drawing/2010/main" xmlns="" w="9525">
+                <a14:hiddenLine xmlns="" xmlns:a14="http://schemas.microsoft.com/office/drawing/2010/main" w="9525">
                   <a:solidFill>
                     <a:srgbClr val="000000"/>
                   </a:solidFill>
@@ -459,7 +461,7 @@
             </a:ln>
             <a:extLst>
               <a:ext uri="{91240B29-F687-4f45-9708-019B960494DF}">
-                <a14:hiddenLine xmlns:a14="http://schemas.microsoft.com/office/drawing/2010/main" xmlns="" w="9525">
+                <a14:hiddenLine xmlns="" xmlns:a14="http://schemas.microsoft.com/office/drawing/2010/main" w="9525">
                   <a:solidFill>
                     <a:srgbClr val="000000"/>
                   </a:solidFill>
@@ -549,7 +551,7 @@
             </a:ln>
             <a:extLst>
               <a:ext uri="{91240B29-F687-4f45-9708-019B960494DF}">
-                <a14:hiddenLine xmlns:a14="http://schemas.microsoft.com/office/drawing/2010/main" xmlns="" w="9525">
+                <a14:hiddenLine xmlns="" xmlns:a14="http://schemas.microsoft.com/office/drawing/2010/main" w="9525">
                   <a:solidFill>
                     <a:srgbClr val="000000"/>
                   </a:solidFill>
@@ -611,7 +613,7 @@
             </a:ln>
             <a:extLst>
               <a:ext uri="{91240B29-F687-4f45-9708-019B960494DF}">
-                <a14:hiddenLine xmlns:a14="http://schemas.microsoft.com/office/drawing/2010/main" xmlns="" w="9525">
+                <a14:hiddenLine xmlns="" xmlns:a14="http://schemas.microsoft.com/office/drawing/2010/main" w="9525">
                   <a:solidFill>
                     <a:srgbClr val="000000"/>
                   </a:solidFill>
@@ -673,7 +675,7 @@
             </a:ln>
             <a:extLst>
               <a:ext uri="{91240B29-F687-4f45-9708-019B960494DF}">
-                <a14:hiddenLine xmlns:a14="http://schemas.microsoft.com/office/drawing/2010/main" xmlns="" w="9525">
+                <a14:hiddenLine xmlns="" xmlns:a14="http://schemas.microsoft.com/office/drawing/2010/main" w="9525">
                   <a:solidFill>
                     <a:srgbClr val="000000"/>
                   </a:solidFill>
@@ -763,7 +765,7 @@
             </a:ln>
             <a:extLst>
               <a:ext uri="{91240B29-F687-4f45-9708-019B960494DF}">
-                <a14:hiddenLine xmlns:a14="http://schemas.microsoft.com/office/drawing/2010/main" xmlns="" w="9525">
+                <a14:hiddenLine xmlns="" xmlns:a14="http://schemas.microsoft.com/office/drawing/2010/main" w="9525">
                   <a:solidFill>
                     <a:srgbClr val="000000"/>
                   </a:solidFill>
@@ -825,7 +827,7 @@
             </a:ln>
             <a:extLst>
               <a:ext uri="{91240B29-F687-4f45-9708-019B960494DF}">
-                <a14:hiddenLine xmlns:a14="http://schemas.microsoft.com/office/drawing/2010/main" xmlns="" w="9525">
+                <a14:hiddenLine xmlns="" xmlns:a14="http://schemas.microsoft.com/office/drawing/2010/main" w="9525">
                   <a:solidFill>
                     <a:srgbClr val="000000"/>
                   </a:solidFill>
@@ -887,7 +889,7 @@
             </a:ln>
             <a:extLst>
               <a:ext uri="{91240B29-F687-4f45-9708-019B960494DF}">
-                <a14:hiddenLine xmlns:a14="http://schemas.microsoft.com/office/drawing/2010/main" xmlns="" w="9525">
+                <a14:hiddenLine xmlns="" xmlns:a14="http://schemas.microsoft.com/office/drawing/2010/main" w="9525">
                   <a:solidFill>
                     <a:srgbClr val="000000"/>
                   </a:solidFill>
@@ -977,7 +979,7 @@
             </a:ln>
             <a:extLst>
               <a:ext uri="{91240B29-F687-4f45-9708-019B960494DF}">
-                <a14:hiddenLine xmlns:a14="http://schemas.microsoft.com/office/drawing/2010/main" xmlns="" w="9525">
+                <a14:hiddenLine xmlns="" xmlns:a14="http://schemas.microsoft.com/office/drawing/2010/main" w="9525">
                   <a:solidFill>
                     <a:srgbClr val="000000"/>
                   </a:solidFill>
@@ -1067,7 +1069,7 @@
             </a:ln>
             <a:extLst>
               <a:ext uri="{91240B29-F687-4f45-9708-019B960494DF}">
-                <a14:hiddenLine xmlns:a14="http://schemas.microsoft.com/office/drawing/2010/main" xmlns="" w="9525">
+                <a14:hiddenLine xmlns="" xmlns:a14="http://schemas.microsoft.com/office/drawing/2010/main" w="9525">
                   <a:solidFill>
                     <a:srgbClr val="000000"/>
                   </a:solidFill>
@@ -1129,7 +1131,7 @@
             </a:ln>
             <a:extLst>
               <a:ext uri="{91240B29-F687-4f45-9708-019B960494DF}">
-                <a14:hiddenLine xmlns:a14="http://schemas.microsoft.com/office/drawing/2010/main" xmlns="" w="9525">
+                <a14:hiddenLine xmlns="" xmlns:a14="http://schemas.microsoft.com/office/drawing/2010/main" w="9525">
                   <a:solidFill>
                     <a:srgbClr val="000000"/>
                   </a:solidFill>
@@ -1239,7 +1241,7 @@
             </a:ln>
             <a:extLst>
               <a:ext uri="{91240B29-F687-4f45-9708-019B960494DF}">
-                <a14:hiddenLine xmlns:a14="http://schemas.microsoft.com/office/drawing/2010/main" xmlns="" w="9525">
+                <a14:hiddenLine xmlns="" xmlns:a14="http://schemas.microsoft.com/office/drawing/2010/main" w="9525">
                   <a:solidFill>
                     <a:srgbClr val="000000"/>
                   </a:solidFill>
@@ -1301,7 +1303,7 @@
             </a:ln>
             <a:extLst>
               <a:ext uri="{91240B29-F687-4f45-9708-019B960494DF}">
-                <a14:hiddenLine xmlns:a14="http://schemas.microsoft.com/office/drawing/2010/main" xmlns="" w="9525">
+                <a14:hiddenLine xmlns="" xmlns:a14="http://schemas.microsoft.com/office/drawing/2010/main" w="9525">
                   <a:solidFill>
                     <a:srgbClr val="000000"/>
                   </a:solidFill>
@@ -1391,7 +1393,7 @@
             </a:ln>
             <a:extLst>
               <a:ext uri="{91240B29-F687-4f45-9708-019B960494DF}">
-                <a14:hiddenLine xmlns:a14="http://schemas.microsoft.com/office/drawing/2010/main" xmlns="" w="9525">
+                <a14:hiddenLine xmlns="" xmlns:a14="http://schemas.microsoft.com/office/drawing/2010/main" w="9525">
                   <a:solidFill>
                     <a:srgbClr val="000000"/>
                   </a:solidFill>
@@ -1481,7 +1483,7 @@
             </a:ln>
             <a:extLst>
               <a:ext uri="{91240B29-F687-4f45-9708-019B960494DF}">
-                <a14:hiddenLine xmlns:a14="http://schemas.microsoft.com/office/drawing/2010/main" xmlns="" w="9525">
+                <a14:hiddenLine xmlns="" xmlns:a14="http://schemas.microsoft.com/office/drawing/2010/main" w="9525">
                   <a:solidFill>
                     <a:srgbClr val="000000"/>
                   </a:solidFill>
@@ -1543,7 +1545,7 @@
             </a:ln>
             <a:extLst>
               <a:ext uri="{91240B29-F687-4f45-9708-019B960494DF}">
-                <a14:hiddenLine xmlns:a14="http://schemas.microsoft.com/office/drawing/2010/main" xmlns="" w="9525">
+                <a14:hiddenLine xmlns="" xmlns:a14="http://schemas.microsoft.com/office/drawing/2010/main" w="9525">
                   <a:solidFill>
                     <a:srgbClr val="000000"/>
                   </a:solidFill>
@@ -1633,7 +1635,7 @@
             </a:ln>
             <a:extLst>
               <a:ext uri="{91240B29-F687-4f45-9708-019B960494DF}">
-                <a14:hiddenLine xmlns:a14="http://schemas.microsoft.com/office/drawing/2010/main" xmlns="" w="9525">
+                <a14:hiddenLine xmlns="" xmlns:a14="http://schemas.microsoft.com/office/drawing/2010/main" w="9525">
                   <a:solidFill>
                     <a:srgbClr val="000000"/>
                   </a:solidFill>
@@ -1723,7 +1725,7 @@
             </a:ln>
             <a:extLst>
               <a:ext uri="{91240B29-F687-4f45-9708-019B960494DF}">
-                <a14:hiddenLine xmlns:a14="http://schemas.microsoft.com/office/drawing/2010/main" xmlns="" w="9525">
+                <a14:hiddenLine xmlns="" xmlns:a14="http://schemas.microsoft.com/office/drawing/2010/main" w="9525">
                   <a:solidFill>
                     <a:srgbClr val="000000"/>
                   </a:solidFill>
@@ -1779,7 +1781,7 @@
             </a:ln>
             <a:extLst>
               <a:ext uri="{91240B29-F687-4f45-9708-019B960494DF}">
-                <a14:hiddenLine xmlns:a14="http://schemas.microsoft.com/office/drawing/2010/main" xmlns="" w="9525">
+                <a14:hiddenLine xmlns="" xmlns:a14="http://schemas.microsoft.com/office/drawing/2010/main" w="9525">
                   <a:solidFill>
                     <a:srgbClr val="000000"/>
                   </a:solidFill>
@@ -1869,7 +1871,7 @@
             </a:ln>
             <a:extLst>
               <a:ext uri="{91240B29-F687-4f45-9708-019B960494DF}">
-                <a14:hiddenLine xmlns:a14="http://schemas.microsoft.com/office/drawing/2010/main" xmlns="" w="9525">
+                <a14:hiddenLine xmlns="" xmlns:a14="http://schemas.microsoft.com/office/drawing/2010/main" w="9525">
                   <a:solidFill>
                     <a:srgbClr val="000000"/>
                   </a:solidFill>
@@ -1925,7 +1927,7 @@
             </a:ln>
             <a:extLst>
               <a:ext uri="{91240B29-F687-4f45-9708-019B960494DF}">
-                <a14:hiddenLine xmlns:a14="http://schemas.microsoft.com/office/drawing/2010/main" xmlns="" w="9525">
+                <a14:hiddenLine xmlns="" xmlns:a14="http://schemas.microsoft.com/office/drawing/2010/main" w="9525">
                   <a:solidFill>
                     <a:srgbClr val="000000"/>
                   </a:solidFill>
@@ -2015,7 +2017,7 @@
             </a:ln>
             <a:extLst>
               <a:ext uri="{91240B29-F687-4f45-9708-019B960494DF}">
-                <a14:hiddenLine xmlns:a14="http://schemas.microsoft.com/office/drawing/2010/main" xmlns="" w="9525">
+                <a14:hiddenLine xmlns="" xmlns:a14="http://schemas.microsoft.com/office/drawing/2010/main" w="9525">
                   <a:solidFill>
                     <a:srgbClr val="000000"/>
                   </a:solidFill>
@@ -2083,7 +2085,7 @@
             </a:ln>
             <a:extLst>
               <a:ext uri="{91240B29-F687-4f45-9708-019B960494DF}">
-                <a14:hiddenLine xmlns:a14="http://schemas.microsoft.com/office/drawing/2010/main" xmlns="" w="9525">
+                <a14:hiddenLine xmlns="" xmlns:a14="http://schemas.microsoft.com/office/drawing/2010/main" w="9525">
                   <a:solidFill>
                     <a:srgbClr val="000000"/>
                   </a:solidFill>
@@ -2173,7 +2175,7 @@
             </a:ln>
             <a:extLst>
               <a:ext uri="{91240B29-F687-4f45-9708-019B960494DF}">
-                <a14:hiddenLine xmlns:a14="http://schemas.microsoft.com/office/drawing/2010/main" xmlns="" w="9525">
+                <a14:hiddenLine xmlns="" xmlns:a14="http://schemas.microsoft.com/office/drawing/2010/main" w="9525">
                   <a:solidFill>
                     <a:srgbClr val="000000"/>
                   </a:solidFill>
@@ -2241,7 +2243,7 @@
             </a:ln>
             <a:extLst>
               <a:ext uri="{91240B29-F687-4f45-9708-019B960494DF}">
-                <a14:hiddenLine xmlns:a14="http://schemas.microsoft.com/office/drawing/2010/main" xmlns="" w="9525">
+                <a14:hiddenLine xmlns="" xmlns:a14="http://schemas.microsoft.com/office/drawing/2010/main" w="9525">
                   <a:solidFill>
                     <a:srgbClr val="000000"/>
                   </a:solidFill>
@@ -2331,7 +2333,7 @@
             </a:ln>
             <a:extLst>
               <a:ext uri="{91240B29-F687-4f45-9708-019B960494DF}">
-                <a14:hiddenLine xmlns:a14="http://schemas.microsoft.com/office/drawing/2010/main" xmlns="" w="9525">
+                <a14:hiddenLine xmlns="" xmlns:a14="http://schemas.microsoft.com/office/drawing/2010/main" w="9525">
                   <a:solidFill>
                     <a:srgbClr val="000000"/>
                   </a:solidFill>
@@ -2365,7 +2367,7 @@
             </a:ln>
             <a:extLst>
               <a:ext uri="{91240B29-F687-4f45-9708-019B960494DF}">
-                <a14:hiddenLine xmlns:a14="http://schemas.microsoft.com/office/drawing/2010/main" xmlns="" w="9525">
+                <a14:hiddenLine xmlns="" xmlns:a14="http://schemas.microsoft.com/office/drawing/2010/main" w="9525">
                   <a:solidFill>
                     <a:srgbClr val="000000"/>
                   </a:solidFill>
@@ -2455,7 +2457,7 @@
             </a:ln>
             <a:extLst>
               <a:ext uri="{91240B29-F687-4f45-9708-019B960494DF}">
-                <a14:hiddenLine xmlns:a14="http://schemas.microsoft.com/office/drawing/2010/main" xmlns="" w="9525">
+                <a14:hiddenLine xmlns="" xmlns:a14="http://schemas.microsoft.com/office/drawing/2010/main" w="9525">
                   <a:solidFill>
                     <a:srgbClr val="000000"/>
                   </a:solidFill>
@@ -2517,7 +2519,7 @@
             </a:ln>
             <a:extLst>
               <a:ext uri="{91240B29-F687-4f45-9708-019B960494DF}">
-                <a14:hiddenLine xmlns:a14="http://schemas.microsoft.com/office/drawing/2010/main" xmlns="" w="9525">
+                <a14:hiddenLine xmlns="" xmlns:a14="http://schemas.microsoft.com/office/drawing/2010/main" w="9525">
                   <a:solidFill>
                     <a:srgbClr val="000000"/>
                   </a:solidFill>
@@ -2579,7 +2581,7 @@
             </a:ln>
             <a:extLst>
               <a:ext uri="{91240B29-F687-4f45-9708-019B960494DF}">
-                <a14:hiddenLine xmlns:a14="http://schemas.microsoft.com/office/drawing/2010/main" xmlns="" w="9525">
+                <a14:hiddenLine xmlns="" xmlns:a14="http://schemas.microsoft.com/office/drawing/2010/main" w="9525">
                   <a:solidFill>
                     <a:srgbClr val="000000"/>
                   </a:solidFill>
@@ -2669,7 +2671,7 @@
             </a:ln>
             <a:extLst>
               <a:ext uri="{91240B29-F687-4f45-9708-019B960494DF}">
-                <a14:hiddenLine xmlns:a14="http://schemas.microsoft.com/office/drawing/2010/main" xmlns="" w="9525">
+                <a14:hiddenLine xmlns="" xmlns:a14="http://schemas.microsoft.com/office/drawing/2010/main" w="9525">
                   <a:solidFill>
                     <a:srgbClr val="000000"/>
                   </a:solidFill>
@@ -2737,7 +2739,7 @@
             </a:ln>
             <a:extLst>
               <a:ext uri="{91240B29-F687-4f45-9708-019B960494DF}">
-                <a14:hiddenLine xmlns:a14="http://schemas.microsoft.com/office/drawing/2010/main" xmlns="" w="9525">
+                <a14:hiddenLine xmlns="" xmlns:a14="http://schemas.microsoft.com/office/drawing/2010/main" w="9525">
                   <a:solidFill>
                     <a:srgbClr val="000000"/>
                   </a:solidFill>
@@ -2799,7 +2801,7 @@
             </a:ln>
             <a:extLst>
               <a:ext uri="{91240B29-F687-4f45-9708-019B960494DF}">
-                <a14:hiddenLine xmlns:a14="http://schemas.microsoft.com/office/drawing/2010/main" xmlns="" w="9525">
+                <a14:hiddenLine xmlns="" xmlns:a14="http://schemas.microsoft.com/office/drawing/2010/main" w="9525">
                   <a:solidFill>
                     <a:srgbClr val="000000"/>
                   </a:solidFill>
@@ -2889,7 +2891,7 @@
             </a:ln>
             <a:extLst>
               <a:ext uri="{91240B29-F687-4f45-9708-019B960494DF}">
-                <a14:hiddenLine xmlns:a14="http://schemas.microsoft.com/office/drawing/2010/main" xmlns="" w="9525">
+                <a14:hiddenLine xmlns="" xmlns:a14="http://schemas.microsoft.com/office/drawing/2010/main" w="9525">
                   <a:solidFill>
                     <a:srgbClr val="000000"/>
                   </a:solidFill>
@@ -2951,7 +2953,7 @@
             </a:ln>
             <a:extLst>
               <a:ext uri="{91240B29-F687-4f45-9708-019B960494DF}">
-                <a14:hiddenLine xmlns:a14="http://schemas.microsoft.com/office/drawing/2010/main" xmlns="" w="9525">
+                <a14:hiddenLine xmlns="" xmlns:a14="http://schemas.microsoft.com/office/drawing/2010/main" w="9525">
                   <a:solidFill>
                     <a:srgbClr val="000000"/>
                   </a:solidFill>
@@ -3041,7 +3043,7 @@
             </a:ln>
             <a:extLst>
               <a:ext uri="{91240B29-F687-4f45-9708-019B960494DF}">
-                <a14:hiddenLine xmlns:a14="http://schemas.microsoft.com/office/drawing/2010/main" xmlns="" w="9525">
+                <a14:hiddenLine xmlns="" xmlns:a14="http://schemas.microsoft.com/office/drawing/2010/main" w="9525">
                   <a:solidFill>
                     <a:srgbClr val="000000"/>
                   </a:solidFill>
@@ -3103,7 +3105,7 @@
             </a:ln>
             <a:extLst>
               <a:ext uri="{91240B29-F687-4f45-9708-019B960494DF}">
-                <a14:hiddenLine xmlns:a14="http://schemas.microsoft.com/office/drawing/2010/main" xmlns="" w="9525">
+                <a14:hiddenLine xmlns="" xmlns:a14="http://schemas.microsoft.com/office/drawing/2010/main" w="9525">
                   <a:solidFill>
                     <a:srgbClr val="000000"/>
                   </a:solidFill>
@@ -3193,7 +3195,7 @@
             </a:ln>
             <a:extLst>
               <a:ext uri="{91240B29-F687-4f45-9708-019B960494DF}">
-                <a14:hiddenLine xmlns:a14="http://schemas.microsoft.com/office/drawing/2010/main" xmlns="" w="9525">
+                <a14:hiddenLine xmlns="" xmlns:a14="http://schemas.microsoft.com/office/drawing/2010/main" w="9525">
                   <a:solidFill>
                     <a:srgbClr val="000000"/>
                   </a:solidFill>
@@ -3227,7 +3229,7 @@
             </a:ln>
             <a:extLst>
               <a:ext uri="{91240B29-F687-4f45-9708-019B960494DF}">
-                <a14:hiddenLine xmlns:a14="http://schemas.microsoft.com/office/drawing/2010/main" xmlns="" w="9525">
+                <a14:hiddenLine xmlns="" xmlns:a14="http://schemas.microsoft.com/office/drawing/2010/main" w="9525">
                   <a:solidFill>
                     <a:srgbClr val="000000"/>
                   </a:solidFill>
@@ -3292,7 +3294,7 @@
             </a:ln>
             <a:extLst>
               <a:ext uri="{91240B29-F687-4f45-9708-019B960494DF}">
-                <a14:hiddenLine xmlns:a14="http://schemas.microsoft.com/office/drawing/2010/main" xmlns="" w="9525">
+                <a14:hiddenLine xmlns="" xmlns:a14="http://schemas.microsoft.com/office/drawing/2010/main" w="9525">
                   <a:solidFill>
                     <a:srgbClr val="000000"/>
                   </a:solidFill>
@@ -3382,7 +3384,7 @@
             </a:ln>
             <a:extLst>
               <a:ext uri="{91240B29-F687-4f45-9708-019B960494DF}">
-                <a14:hiddenLine xmlns:a14="http://schemas.microsoft.com/office/drawing/2010/main" xmlns="" w="9525">
+                <a14:hiddenLine xmlns="" xmlns:a14="http://schemas.microsoft.com/office/drawing/2010/main" w="9525">
                   <a:solidFill>
                     <a:srgbClr val="000000"/>
                   </a:solidFill>
@@ -3444,7 +3446,7 @@
             </a:ln>
             <a:extLst>
               <a:ext uri="{91240B29-F687-4f45-9708-019B960494DF}">
-                <a14:hiddenLine xmlns:a14="http://schemas.microsoft.com/office/drawing/2010/main" xmlns="" w="9525">
+                <a14:hiddenLine xmlns="" xmlns:a14="http://schemas.microsoft.com/office/drawing/2010/main" w="9525">
                   <a:solidFill>
                     <a:srgbClr val="000000"/>
                   </a:solidFill>
@@ -3534,7 +3536,7 @@
             </a:ln>
             <a:extLst>
               <a:ext uri="{91240B29-F687-4f45-9708-019B960494DF}">
-                <a14:hiddenLine xmlns:a14="http://schemas.microsoft.com/office/drawing/2010/main" xmlns="" w="9525">
+                <a14:hiddenLine xmlns="" xmlns:a14="http://schemas.microsoft.com/office/drawing/2010/main" w="9525">
                   <a:solidFill>
                     <a:srgbClr val="000000"/>
                   </a:solidFill>
@@ -3624,7 +3626,7 @@
             </a:ln>
             <a:extLst>
               <a:ext uri="{91240B29-F687-4f45-9708-019B960494DF}">
-                <a14:hiddenLine xmlns:a14="http://schemas.microsoft.com/office/drawing/2010/main" xmlns="" w="9525">
+                <a14:hiddenLine xmlns="" xmlns:a14="http://schemas.microsoft.com/office/drawing/2010/main" w="9525">
                   <a:solidFill>
                     <a:srgbClr val="000000"/>
                   </a:solidFill>
@@ -3689,7 +3691,7 @@
             </a:ln>
             <a:extLst>
               <a:ext uri="{91240B29-F687-4f45-9708-019B960494DF}">
-                <a14:hiddenLine xmlns:a14="http://schemas.microsoft.com/office/drawing/2010/main" xmlns="" w="9525">
+                <a14:hiddenLine xmlns="" xmlns:a14="http://schemas.microsoft.com/office/drawing/2010/main" w="9525">
                   <a:solidFill>
                     <a:srgbClr val="000000"/>
                   </a:solidFill>
@@ -3751,7 +3753,7 @@
             </a:ln>
             <a:extLst>
               <a:ext uri="{91240B29-F687-4f45-9708-019B960494DF}">
-                <a14:hiddenLine xmlns:a14="http://schemas.microsoft.com/office/drawing/2010/main" xmlns="" w="9525">
+                <a14:hiddenLine xmlns="" xmlns:a14="http://schemas.microsoft.com/office/drawing/2010/main" w="9525">
                   <a:solidFill>
                     <a:srgbClr val="000000"/>
                   </a:solidFill>
@@ -3841,7 +3843,7 @@
             </a:ln>
             <a:extLst>
               <a:ext uri="{91240B29-F687-4f45-9708-019B960494DF}">
-                <a14:hiddenLine xmlns:a14="http://schemas.microsoft.com/office/drawing/2010/main" xmlns="" w="9525">
+                <a14:hiddenLine xmlns="" xmlns:a14="http://schemas.microsoft.com/office/drawing/2010/main" w="9525">
                   <a:solidFill>
                     <a:srgbClr val="000000"/>
                   </a:solidFill>
@@ -3931,7 +3933,7 @@
             </a:ln>
             <a:extLst>
               <a:ext uri="{91240B29-F687-4f45-9708-019B960494DF}">
-                <a14:hiddenLine xmlns:a14="http://schemas.microsoft.com/office/drawing/2010/main" xmlns="" w="9525">
+                <a14:hiddenLine xmlns="" xmlns:a14="http://schemas.microsoft.com/office/drawing/2010/main" w="9525">
                   <a:solidFill>
                     <a:srgbClr val="000000"/>
                   </a:solidFill>
@@ -3993,7 +3995,7 @@
             </a:ln>
             <a:extLst>
               <a:ext uri="{91240B29-F687-4f45-9708-019B960494DF}">
-                <a14:hiddenLine xmlns:a14="http://schemas.microsoft.com/office/drawing/2010/main" xmlns="" w="9525">
+                <a14:hiddenLine xmlns="" xmlns:a14="http://schemas.microsoft.com/office/drawing/2010/main" w="9525">
                   <a:solidFill>
                     <a:srgbClr val="000000"/>
                   </a:solidFill>
@@ -4113,7 +4115,7 @@
             </a:ln>
             <a:extLst>
               <a:ext uri="{91240B29-F687-4f45-9708-019B960494DF}">
-                <a14:hiddenLine xmlns:a14="http://schemas.microsoft.com/office/drawing/2010/main" xmlns="" w="9525">
+                <a14:hiddenLine xmlns="" xmlns:a14="http://schemas.microsoft.com/office/drawing/2010/main" w="9525">
                   <a:solidFill>
                     <a:srgbClr val="000000"/>
                   </a:solidFill>
@@ -4181,7 +4183,7 @@
             </a:ln>
             <a:extLst>
               <a:ext uri="{91240B29-F687-4f45-9708-019B960494DF}">
-                <a14:hiddenLine xmlns:a14="http://schemas.microsoft.com/office/drawing/2010/main" xmlns="" w="9525">
+                <a14:hiddenLine xmlns="" xmlns:a14="http://schemas.microsoft.com/office/drawing/2010/main" w="9525">
                   <a:solidFill>
                     <a:srgbClr val="000000"/>
                   </a:solidFill>
@@ -4271,7 +4273,7 @@
             </a:ln>
             <a:extLst>
               <a:ext uri="{91240B29-F687-4f45-9708-019B960494DF}">
-                <a14:hiddenLine xmlns:a14="http://schemas.microsoft.com/office/drawing/2010/main" xmlns="" w="9525">
+                <a14:hiddenLine xmlns="" xmlns:a14="http://schemas.microsoft.com/office/drawing/2010/main" w="9525">
                   <a:solidFill>
                     <a:srgbClr val="000000"/>
                   </a:solidFill>
@@ -4412,7 +4414,7 @@
             <a:fld id="{B61BEF0D-F0BB-DE4B-95CE-6DB70DBA9567}" type="datetimeFigureOut">
               <a:rPr lang="en-US" smtClean="0"/>
               <a:pPr/>
-              <a:t>4/15/2013</a:t>
+              <a:t>4/16/2013</a:t>
             </a:fld>
             <a:endParaRPr lang="en-US" dirty="0"/>
           </a:p>
@@ -4681,7 +4683,7 @@
             <a:fld id="{B61BEF0D-F0BB-DE4B-95CE-6DB70DBA9567}" type="datetimeFigureOut">
               <a:rPr lang="en-US" smtClean="0"/>
               <a:pPr/>
-              <a:t>4/15/2013</a:t>
+              <a:t>4/16/2013</a:t>
             </a:fld>
             <a:endParaRPr lang="en-US" dirty="0"/>
           </a:p>
@@ -4879,7 +4881,7 @@
             <a:fld id="{B61BEF0D-F0BB-DE4B-95CE-6DB70DBA9567}" type="datetimeFigureOut">
               <a:rPr lang="en-US" smtClean="0"/>
               <a:pPr/>
-              <a:t>4/15/2013</a:t>
+              <a:t>4/16/2013</a:t>
             </a:fld>
             <a:endParaRPr lang="en-US" dirty="0"/>
           </a:p>
@@ -5144,7 +5146,7 @@
             <a:fld id="{B61BEF0D-F0BB-DE4B-95CE-6DB70DBA9567}" type="datetimeFigureOut">
               <a:rPr lang="en-US" smtClean="0"/>
               <a:pPr/>
-              <a:t>4/15/2013</a:t>
+              <a:t>4/16/2013</a:t>
             </a:fld>
             <a:endParaRPr lang="en-US" dirty="0"/>
           </a:p>
@@ -5580,7 +5582,7 @@
             <a:fld id="{B61BEF0D-F0BB-DE4B-95CE-6DB70DBA9567}" type="datetimeFigureOut">
               <a:rPr lang="en-US" smtClean="0"/>
               <a:pPr/>
-              <a:t>4/15/2013</a:t>
+              <a:t>4/16/2013</a:t>
             </a:fld>
             <a:endParaRPr lang="en-US" dirty="0"/>
           </a:p>
@@ -6128,7 +6130,7 @@
             <a:fld id="{B61BEF0D-F0BB-DE4B-95CE-6DB70DBA9567}" type="datetimeFigureOut">
               <a:rPr lang="en-US" smtClean="0"/>
               <a:pPr/>
-              <a:t>4/15/2013</a:t>
+              <a:t>4/16/2013</a:t>
             </a:fld>
             <a:endParaRPr lang="en-US" dirty="0"/>
           </a:p>
@@ -6850,7 +6852,7 @@
             <a:fld id="{B61BEF0D-F0BB-DE4B-95CE-6DB70DBA9567}" type="datetimeFigureOut">
               <a:rPr lang="en-US" smtClean="0"/>
               <a:pPr/>
-              <a:t>4/15/2013</a:t>
+              <a:t>4/16/2013</a:t>
             </a:fld>
             <a:endParaRPr lang="en-US" dirty="0"/>
           </a:p>
@@ -7022,7 +7024,7 @@
             <a:fld id="{B61BEF0D-F0BB-DE4B-95CE-6DB70DBA9567}" type="datetimeFigureOut">
               <a:rPr lang="en-US" smtClean="0"/>
               <a:pPr/>
-              <a:t>4/15/2013</a:t>
+              <a:t>4/16/2013</a:t>
             </a:fld>
             <a:endParaRPr lang="en-US" dirty="0"/>
           </a:p>
@@ -7204,7 +7206,7 @@
             <a:fld id="{B61BEF0D-F0BB-DE4B-95CE-6DB70DBA9567}" type="datetimeFigureOut">
               <a:rPr lang="en-US" smtClean="0"/>
               <a:pPr/>
-              <a:t>4/15/2013</a:t>
+              <a:t>4/16/2013</a:t>
             </a:fld>
             <a:endParaRPr lang="en-US" dirty="0"/>
           </a:p>
@@ -7376,7 +7378,7 @@
             <a:fld id="{B61BEF0D-F0BB-DE4B-95CE-6DB70DBA9567}" type="datetimeFigureOut">
               <a:rPr lang="en-US" smtClean="0"/>
               <a:pPr/>
-              <a:t>4/15/2013</a:t>
+              <a:t>4/16/2013</a:t>
             </a:fld>
             <a:endParaRPr lang="en-US" dirty="0"/>
           </a:p>
@@ -7628,7 +7630,7 @@
             <a:fld id="{B61BEF0D-F0BB-DE4B-95CE-6DB70DBA9567}" type="datetimeFigureOut">
               <a:rPr lang="en-US" smtClean="0"/>
               <a:pPr/>
-              <a:t>4/15/2013</a:t>
+              <a:t>4/16/2013</a:t>
             </a:fld>
             <a:endParaRPr lang="en-US" dirty="0"/>
           </a:p>
@@ -7862,7 +7864,7 @@
             <a:fld id="{B61BEF0D-F0BB-DE4B-95CE-6DB70DBA9567}" type="datetimeFigureOut">
               <a:rPr lang="en-US" smtClean="0"/>
               <a:pPr/>
-              <a:t>4/15/2013</a:t>
+              <a:t>4/16/2013</a:t>
             </a:fld>
             <a:endParaRPr lang="en-US" dirty="0"/>
           </a:p>
@@ -8245,7 +8247,7 @@
             <a:fld id="{B61BEF0D-F0BB-DE4B-95CE-6DB70DBA9567}" type="datetimeFigureOut">
               <a:rPr lang="en-US" smtClean="0"/>
               <a:pPr/>
-              <a:t>4/15/2013</a:t>
+              <a:t>4/16/2013</a:t>
             </a:fld>
             <a:endParaRPr lang="en-US" dirty="0"/>
           </a:p>
@@ -8365,7 +8367,7 @@
             <a:fld id="{B61BEF0D-F0BB-DE4B-95CE-6DB70DBA9567}" type="datetimeFigureOut">
               <a:rPr lang="en-US" smtClean="0"/>
               <a:pPr/>
-              <a:t>4/15/2013</a:t>
+              <a:t>4/16/2013</a:t>
             </a:fld>
             <a:endParaRPr lang="en-US" dirty="0"/>
           </a:p>
@@ -8462,7 +8464,7 @@
             <a:fld id="{B61BEF0D-F0BB-DE4B-95CE-6DB70DBA9567}" type="datetimeFigureOut">
               <a:rPr lang="en-US" smtClean="0"/>
               <a:pPr/>
-              <a:t>4/15/2013</a:t>
+              <a:t>4/16/2013</a:t>
             </a:fld>
             <a:endParaRPr lang="en-US" dirty="0"/>
           </a:p>
@@ -8713,7 +8715,7 @@
             <a:fld id="{B61BEF0D-F0BB-DE4B-95CE-6DB70DBA9567}" type="datetimeFigureOut">
               <a:rPr lang="en-US" smtClean="0"/>
               <a:pPr/>
-              <a:t>4/15/2013</a:t>
+              <a:t>4/16/2013</a:t>
             </a:fld>
             <a:endParaRPr lang="en-US" dirty="0"/>
           </a:p>
@@ -8995,7 +8997,7 @@
             <a:fld id="{B61BEF0D-F0BB-DE4B-95CE-6DB70DBA9567}" type="datetimeFigureOut">
               <a:rPr lang="en-US" smtClean="0"/>
               <a:pPr/>
-              <a:t>4/15/2013</a:t>
+              <a:t>4/16/2013</a:t>
             </a:fld>
             <a:endParaRPr lang="en-US" dirty="0"/>
           </a:p>
@@ -9112,7 +9114,7 @@
           <a:noFill/>
           <a:extLst>
             <a:ext uri="{909E8E84-426E-40dd-AFC4-6F175D3DCCD1}">
-              <a14:hiddenFill xmlns:a14="http://schemas.microsoft.com/office/drawing/2010/main" xmlns="">
+              <a14:hiddenFill xmlns="" xmlns:a14="http://schemas.microsoft.com/office/drawing/2010/main">
                 <a:solidFill>
                   <a:srgbClr val="FFFFFF"/>
                 </a:solidFill>
@@ -9186,7 +9188,7 @@
               </a:ln>
               <a:extLst>
                 <a:ext uri="{91240B29-F687-4f45-9708-019B960494DF}">
-                  <a14:hiddenLine xmlns:a14="http://schemas.microsoft.com/office/drawing/2010/main" xmlns="" w="9525">
+                  <a14:hiddenLine xmlns="" xmlns:a14="http://schemas.microsoft.com/office/drawing/2010/main" w="9525">
                     <a:solidFill>
                       <a:srgbClr val="000000"/>
                     </a:solidFill>
@@ -9276,7 +9278,7 @@
               </a:ln>
               <a:extLst>
                 <a:ext uri="{91240B29-F687-4f45-9708-019B960494DF}">
-                  <a14:hiddenLine xmlns:a14="http://schemas.microsoft.com/office/drawing/2010/main" xmlns="" w="9525">
+                  <a14:hiddenLine xmlns="" xmlns:a14="http://schemas.microsoft.com/office/drawing/2010/main" w="9525">
                     <a:solidFill>
                       <a:srgbClr val="000000"/>
                     </a:solidFill>
@@ -9366,7 +9368,7 @@
               </a:ln>
               <a:extLst>
                 <a:ext uri="{91240B29-F687-4f45-9708-019B960494DF}">
-                  <a14:hiddenLine xmlns:a14="http://schemas.microsoft.com/office/drawing/2010/main" xmlns="" w="9525">
+                  <a14:hiddenLine xmlns="" xmlns:a14="http://schemas.microsoft.com/office/drawing/2010/main" w="9525">
                     <a:solidFill>
                       <a:srgbClr val="000000"/>
                     </a:solidFill>
@@ -9428,7 +9430,7 @@
               </a:ln>
               <a:extLst>
                 <a:ext uri="{91240B29-F687-4f45-9708-019B960494DF}">
-                  <a14:hiddenLine xmlns:a14="http://schemas.microsoft.com/office/drawing/2010/main" xmlns="" w="9525">
+                  <a14:hiddenLine xmlns="" xmlns:a14="http://schemas.microsoft.com/office/drawing/2010/main" w="9525">
                     <a:solidFill>
                       <a:srgbClr val="000000"/>
                     </a:solidFill>
@@ -9518,7 +9520,7 @@
               </a:ln>
               <a:extLst>
                 <a:ext uri="{91240B29-F687-4f45-9708-019B960494DF}">
-                  <a14:hiddenLine xmlns:a14="http://schemas.microsoft.com/office/drawing/2010/main" xmlns="" w="9525">
+                  <a14:hiddenLine xmlns="" xmlns:a14="http://schemas.microsoft.com/office/drawing/2010/main" w="9525">
                     <a:solidFill>
                       <a:srgbClr val="000000"/>
                     </a:solidFill>
@@ -9580,7 +9582,7 @@
               </a:ln>
               <a:extLst>
                 <a:ext uri="{91240B29-F687-4f45-9708-019B960494DF}">
-                  <a14:hiddenLine xmlns:a14="http://schemas.microsoft.com/office/drawing/2010/main" xmlns="" w="9525">
+                  <a14:hiddenLine xmlns="" xmlns:a14="http://schemas.microsoft.com/office/drawing/2010/main" w="9525">
                     <a:solidFill>
                       <a:srgbClr val="000000"/>
                     </a:solidFill>
@@ -9642,7 +9644,7 @@
               </a:ln>
               <a:extLst>
                 <a:ext uri="{91240B29-F687-4f45-9708-019B960494DF}">
-                  <a14:hiddenLine xmlns:a14="http://schemas.microsoft.com/office/drawing/2010/main" xmlns="" w="9525">
+                  <a14:hiddenLine xmlns="" xmlns:a14="http://schemas.microsoft.com/office/drawing/2010/main" w="9525">
                     <a:solidFill>
                       <a:srgbClr val="000000"/>
                     </a:solidFill>
@@ -9732,7 +9734,7 @@
               </a:ln>
               <a:extLst>
                 <a:ext uri="{91240B29-F687-4f45-9708-019B960494DF}">
-                  <a14:hiddenLine xmlns:a14="http://schemas.microsoft.com/office/drawing/2010/main" xmlns="" w="9525">
+                  <a14:hiddenLine xmlns="" xmlns:a14="http://schemas.microsoft.com/office/drawing/2010/main" w="9525">
                     <a:solidFill>
                       <a:srgbClr val="000000"/>
                     </a:solidFill>
@@ -9822,7 +9824,7 @@
               </a:ln>
               <a:extLst>
                 <a:ext uri="{91240B29-F687-4f45-9708-019B960494DF}">
-                  <a14:hiddenLine xmlns:a14="http://schemas.microsoft.com/office/drawing/2010/main" xmlns="" w="9525">
+                  <a14:hiddenLine xmlns="" xmlns:a14="http://schemas.microsoft.com/office/drawing/2010/main" w="9525">
                     <a:solidFill>
                       <a:srgbClr val="000000"/>
                     </a:solidFill>
@@ -9884,7 +9886,7 @@
               </a:ln>
               <a:extLst>
                 <a:ext uri="{91240B29-F687-4f45-9708-019B960494DF}">
-                  <a14:hiddenLine xmlns:a14="http://schemas.microsoft.com/office/drawing/2010/main" xmlns="" w="9525">
+                  <a14:hiddenLine xmlns="" xmlns:a14="http://schemas.microsoft.com/office/drawing/2010/main" w="9525">
                     <a:solidFill>
                       <a:srgbClr val="000000"/>
                     </a:solidFill>
@@ -9994,7 +9996,7 @@
               </a:ln>
               <a:extLst>
                 <a:ext uri="{91240B29-F687-4f45-9708-019B960494DF}">
-                  <a14:hiddenLine xmlns:a14="http://schemas.microsoft.com/office/drawing/2010/main" xmlns="" w="9525">
+                  <a14:hiddenLine xmlns="" xmlns:a14="http://schemas.microsoft.com/office/drawing/2010/main" w="9525">
                     <a:solidFill>
                       <a:srgbClr val="000000"/>
                     </a:solidFill>
@@ -10078,7 +10080,7 @@
               </a:ln>
               <a:extLst>
                 <a:ext uri="{91240B29-F687-4f45-9708-019B960494DF}">
-                  <a14:hiddenLine xmlns:a14="http://schemas.microsoft.com/office/drawing/2010/main" xmlns="" w="9525">
+                  <a14:hiddenLine xmlns="" xmlns:a14="http://schemas.microsoft.com/office/drawing/2010/main" w="9525">
                     <a:solidFill>
                       <a:srgbClr val="000000"/>
                     </a:solidFill>
@@ -10140,7 +10142,7 @@
               </a:ln>
               <a:extLst>
                 <a:ext uri="{91240B29-F687-4f45-9708-019B960494DF}">
-                  <a14:hiddenLine xmlns:a14="http://schemas.microsoft.com/office/drawing/2010/main" xmlns="" w="9525">
+                  <a14:hiddenLine xmlns="" xmlns:a14="http://schemas.microsoft.com/office/drawing/2010/main" w="9525">
                     <a:solidFill>
                       <a:srgbClr val="000000"/>
                     </a:solidFill>
@@ -10202,7 +10204,7 @@
               </a:ln>
               <a:extLst>
                 <a:ext uri="{91240B29-F687-4f45-9708-019B960494DF}">
-                  <a14:hiddenLine xmlns:a14="http://schemas.microsoft.com/office/drawing/2010/main" xmlns="" w="9525">
+                  <a14:hiddenLine xmlns="" xmlns:a14="http://schemas.microsoft.com/office/drawing/2010/main" w="9525">
                     <a:solidFill>
                       <a:srgbClr val="000000"/>
                     </a:solidFill>
@@ -10292,7 +10294,7 @@
               </a:ln>
               <a:extLst>
                 <a:ext uri="{91240B29-F687-4f45-9708-019B960494DF}">
-                  <a14:hiddenLine xmlns:a14="http://schemas.microsoft.com/office/drawing/2010/main" xmlns="" w="9525">
+                  <a14:hiddenLine xmlns="" xmlns:a14="http://schemas.microsoft.com/office/drawing/2010/main" w="9525">
                     <a:solidFill>
                       <a:srgbClr val="000000"/>
                     </a:solidFill>
@@ -10326,7 +10328,7 @@
               </a:ln>
               <a:extLst>
                 <a:ext uri="{91240B29-F687-4f45-9708-019B960494DF}">
-                  <a14:hiddenLine xmlns:a14="http://schemas.microsoft.com/office/drawing/2010/main" xmlns="" w="9525">
+                  <a14:hiddenLine xmlns="" xmlns:a14="http://schemas.microsoft.com/office/drawing/2010/main" w="9525">
                     <a:solidFill>
                       <a:srgbClr val="000000"/>
                     </a:solidFill>
@@ -10391,7 +10393,7 @@
               </a:ln>
               <a:extLst>
                 <a:ext uri="{91240B29-F687-4f45-9708-019B960494DF}">
-                  <a14:hiddenLine xmlns:a14="http://schemas.microsoft.com/office/drawing/2010/main" xmlns="" w="9525">
+                  <a14:hiddenLine xmlns="" xmlns:a14="http://schemas.microsoft.com/office/drawing/2010/main" w="9525">
                     <a:solidFill>
                       <a:srgbClr val="000000"/>
                     </a:solidFill>
@@ -10481,7 +10483,7 @@
               </a:ln>
               <a:extLst>
                 <a:ext uri="{91240B29-F687-4f45-9708-019B960494DF}">
-                  <a14:hiddenLine xmlns:a14="http://schemas.microsoft.com/office/drawing/2010/main" xmlns="" w="9525">
+                  <a14:hiddenLine xmlns="" xmlns:a14="http://schemas.microsoft.com/office/drawing/2010/main" w="9525">
                     <a:solidFill>
                       <a:srgbClr val="000000"/>
                     </a:solidFill>
@@ -10543,7 +10545,7 @@
               </a:ln>
               <a:extLst>
                 <a:ext uri="{91240B29-F687-4f45-9708-019B960494DF}">
-                  <a14:hiddenLine xmlns:a14="http://schemas.microsoft.com/office/drawing/2010/main" xmlns="" w="9525">
+                  <a14:hiddenLine xmlns="" xmlns:a14="http://schemas.microsoft.com/office/drawing/2010/main" w="9525">
                     <a:solidFill>
                       <a:srgbClr val="000000"/>
                     </a:solidFill>
@@ -10633,7 +10635,7 @@
               </a:ln>
               <a:extLst>
                 <a:ext uri="{91240B29-F687-4f45-9708-019B960494DF}">
-                  <a14:hiddenLine xmlns:a14="http://schemas.microsoft.com/office/drawing/2010/main" xmlns="" w="9525">
+                  <a14:hiddenLine xmlns="" xmlns:a14="http://schemas.microsoft.com/office/drawing/2010/main" w="9525">
                     <a:solidFill>
                       <a:srgbClr val="000000"/>
                     </a:solidFill>
@@ -10698,7 +10700,7 @@
               </a:ln>
               <a:extLst>
                 <a:ext uri="{91240B29-F687-4f45-9708-019B960494DF}">
-                  <a14:hiddenLine xmlns:a14="http://schemas.microsoft.com/office/drawing/2010/main" xmlns="" w="9525">
+                  <a14:hiddenLine xmlns="" xmlns:a14="http://schemas.microsoft.com/office/drawing/2010/main" w="9525">
                     <a:solidFill>
                       <a:srgbClr val="000000"/>
                     </a:solidFill>
@@ -10760,7 +10762,7 @@
               </a:ln>
               <a:extLst>
                 <a:ext uri="{91240B29-F687-4f45-9708-019B960494DF}">
-                  <a14:hiddenLine xmlns:a14="http://schemas.microsoft.com/office/drawing/2010/main" xmlns="" w="9525">
+                  <a14:hiddenLine xmlns="" xmlns:a14="http://schemas.microsoft.com/office/drawing/2010/main" w="9525">
                     <a:solidFill>
                       <a:srgbClr val="000000"/>
                     </a:solidFill>
@@ -10850,7 +10852,7 @@
               </a:ln>
               <a:extLst>
                 <a:ext uri="{91240B29-F687-4f45-9708-019B960494DF}">
-                  <a14:hiddenLine xmlns:a14="http://schemas.microsoft.com/office/drawing/2010/main" xmlns="" w="9525">
+                  <a14:hiddenLine xmlns="" xmlns:a14="http://schemas.microsoft.com/office/drawing/2010/main" w="9525">
                     <a:solidFill>
                       <a:srgbClr val="000000"/>
                     </a:solidFill>
@@ -10940,7 +10942,7 @@
               </a:ln>
               <a:extLst>
                 <a:ext uri="{91240B29-F687-4f45-9708-019B960494DF}">
-                  <a14:hiddenLine xmlns:a14="http://schemas.microsoft.com/office/drawing/2010/main" xmlns="" w="9525">
+                  <a14:hiddenLine xmlns="" xmlns:a14="http://schemas.microsoft.com/office/drawing/2010/main" w="9525">
                     <a:solidFill>
                       <a:srgbClr val="000000"/>
                     </a:solidFill>
@@ -11005,7 +11007,7 @@
               </a:ln>
               <a:extLst>
                 <a:ext uri="{91240B29-F687-4f45-9708-019B960494DF}">
-                  <a14:hiddenLine xmlns:a14="http://schemas.microsoft.com/office/drawing/2010/main" xmlns="" w="9525">
+                  <a14:hiddenLine xmlns="" xmlns:a14="http://schemas.microsoft.com/office/drawing/2010/main" w="9525">
                     <a:solidFill>
                       <a:srgbClr val="000000"/>
                     </a:solidFill>
@@ -11125,7 +11127,7 @@
               </a:ln>
               <a:extLst>
                 <a:ext uri="{91240B29-F687-4f45-9708-019B960494DF}">
-                  <a14:hiddenLine xmlns:a14="http://schemas.microsoft.com/office/drawing/2010/main" xmlns="" w="9525">
+                  <a14:hiddenLine xmlns="" xmlns:a14="http://schemas.microsoft.com/office/drawing/2010/main" w="9525">
                     <a:solidFill>
                       <a:srgbClr val="000000"/>
                     </a:solidFill>
@@ -11223,7 +11225,7 @@
               </a:ln>
               <a:extLst>
                 <a:ext uri="{91240B29-F687-4f45-9708-019B960494DF}">
-                  <a14:hiddenLine xmlns:a14="http://schemas.microsoft.com/office/drawing/2010/main" xmlns="" w="9525">
+                  <a14:hiddenLine xmlns="" xmlns:a14="http://schemas.microsoft.com/office/drawing/2010/main" w="9525">
                     <a:solidFill>
                       <a:srgbClr val="000000"/>
                     </a:solidFill>
@@ -11338,7 +11340,7 @@
               </a:ln>
               <a:extLst>
                 <a:ext uri="{91240B29-F687-4f45-9708-019B960494DF}">
-                  <a14:hiddenLine xmlns:a14="http://schemas.microsoft.com/office/drawing/2010/main" xmlns="" w="9525">
+                  <a14:hiddenLine xmlns="" xmlns:a14="http://schemas.microsoft.com/office/drawing/2010/main" w="9525">
                     <a:solidFill>
                       <a:srgbClr val="000000"/>
                     </a:solidFill>
@@ -11428,7 +11430,7 @@
               </a:ln>
               <a:extLst>
                 <a:ext uri="{91240B29-F687-4f45-9708-019B960494DF}">
-                  <a14:hiddenLine xmlns:a14="http://schemas.microsoft.com/office/drawing/2010/main" xmlns="" w="9525">
+                  <a14:hiddenLine xmlns="" xmlns:a14="http://schemas.microsoft.com/office/drawing/2010/main" w="9525">
                     <a:solidFill>
                       <a:srgbClr val="000000"/>
                     </a:solidFill>
@@ -11493,7 +11495,7 @@
               </a:ln>
               <a:extLst>
                 <a:ext uri="{91240B29-F687-4f45-9708-019B960494DF}">
-                  <a14:hiddenLine xmlns:a14="http://schemas.microsoft.com/office/drawing/2010/main" xmlns="" w="9525">
+                  <a14:hiddenLine xmlns="" xmlns:a14="http://schemas.microsoft.com/office/drawing/2010/main" w="9525">
                     <a:solidFill>
                       <a:srgbClr val="000000"/>
                     </a:solidFill>
@@ -11583,7 +11585,7 @@
               </a:ln>
               <a:extLst>
                 <a:ext uri="{91240B29-F687-4f45-9708-019B960494DF}">
-                  <a14:hiddenLine xmlns:a14="http://schemas.microsoft.com/office/drawing/2010/main" xmlns="" w="9525">
+                  <a14:hiddenLine xmlns="" xmlns:a14="http://schemas.microsoft.com/office/drawing/2010/main" w="9525">
                     <a:solidFill>
                       <a:srgbClr val="000000"/>
                     </a:solidFill>
@@ -11651,7 +11653,7 @@
               </a:ln>
               <a:extLst>
                 <a:ext uri="{91240B29-F687-4f45-9708-019B960494DF}">
-                  <a14:hiddenLine xmlns:a14="http://schemas.microsoft.com/office/drawing/2010/main" xmlns="" w="9525">
+                  <a14:hiddenLine xmlns="" xmlns:a14="http://schemas.microsoft.com/office/drawing/2010/main" w="9525">
                     <a:solidFill>
                       <a:srgbClr val="000000"/>
                     </a:solidFill>
@@ -11741,7 +11743,7 @@
               </a:ln>
               <a:extLst>
                 <a:ext uri="{91240B29-F687-4f45-9708-019B960494DF}">
-                  <a14:hiddenLine xmlns:a14="http://schemas.microsoft.com/office/drawing/2010/main" xmlns="" w="9525">
+                  <a14:hiddenLine xmlns="" xmlns:a14="http://schemas.microsoft.com/office/drawing/2010/main" w="9525">
                     <a:solidFill>
                       <a:srgbClr val="000000"/>
                     </a:solidFill>
@@ -11809,7 +11811,7 @@
               </a:ln>
               <a:extLst>
                 <a:ext uri="{91240B29-F687-4f45-9708-019B960494DF}">
-                  <a14:hiddenLine xmlns:a14="http://schemas.microsoft.com/office/drawing/2010/main" xmlns="" w="9525">
+                  <a14:hiddenLine xmlns="" xmlns:a14="http://schemas.microsoft.com/office/drawing/2010/main" w="9525">
                     <a:solidFill>
                       <a:srgbClr val="000000"/>
                     </a:solidFill>
@@ -11899,7 +11901,7 @@
               </a:ln>
               <a:extLst>
                 <a:ext uri="{91240B29-F687-4f45-9708-019B960494DF}">
-                  <a14:hiddenLine xmlns:a14="http://schemas.microsoft.com/office/drawing/2010/main" xmlns="" w="9525">
+                  <a14:hiddenLine xmlns="" xmlns:a14="http://schemas.microsoft.com/office/drawing/2010/main" w="9525">
                     <a:solidFill>
                       <a:srgbClr val="000000"/>
                     </a:solidFill>
@@ -11933,7 +11935,7 @@
               </a:ln>
               <a:extLst>
                 <a:ext uri="{91240B29-F687-4f45-9708-019B960494DF}">
-                  <a14:hiddenLine xmlns:a14="http://schemas.microsoft.com/office/drawing/2010/main" xmlns="" w="9525">
+                  <a14:hiddenLine xmlns="" xmlns:a14="http://schemas.microsoft.com/office/drawing/2010/main" w="9525">
                     <a:solidFill>
                       <a:srgbClr val="000000"/>
                     </a:solidFill>
@@ -12074,7 +12076,7 @@
             <a:fld id="{B61BEF0D-F0BB-DE4B-95CE-6DB70DBA9567}" type="datetimeFigureOut">
               <a:rPr lang="en-US" smtClean="0"/>
               <a:pPr/>
-              <a:t>4/15/2013</a:t>
+              <a:t>4/16/2013</a:t>
             </a:fld>
             <a:endParaRPr lang="en-US" dirty="0"/>
           </a:p>
@@ -12611,6 +12613,375 @@
           <a:p>
             <a:r>
               <a:rPr lang="en-US" dirty="0" smtClean="0"/>
+              <a:t>model</a:t>
+            </a:r>
+            <a:endParaRPr lang="en-US" dirty="0"/>
+          </a:p>
+        </p:txBody>
+      </p:sp>
+      <p:sp>
+        <p:nvSpPr>
+          <p:cNvPr id="3" name="Content Placeholder 2"/>
+          <p:cNvSpPr>
+            <a:spLocks noGrp="1"/>
+          </p:cNvSpPr>
+          <p:nvPr>
+            <p:ph idx="1"/>
+          </p:nvPr>
+        </p:nvSpPr>
+        <p:spPr/>
+        <p:txBody>
+          <a:bodyPr/>
+          <a:lstStyle/>
+          <a:p>
+            <a:r>
+              <a:rPr lang="en-US" dirty="0" smtClean="0"/>
+              <a:t>Not domain model</a:t>
+            </a:r>
+          </a:p>
+          <a:p>
+            <a:r>
+              <a:rPr lang="en-US" dirty="0" smtClean="0"/>
+              <a:t>Based </a:t>
+            </a:r>
+            <a:r>
+              <a:rPr lang="en-US" dirty="0" smtClean="0"/>
+              <a:t>on Castle Dynamic Proxy</a:t>
+            </a:r>
+          </a:p>
+          <a:p>
+            <a:r>
+              <a:rPr lang="en-US" dirty="0" smtClean="0"/>
+              <a:t>Raises INPC.PropertyChanged from setter interceptor</a:t>
+            </a:r>
+          </a:p>
+          <a:p>
+            <a:r>
+              <a:rPr lang="en-US" dirty="0" smtClean="0"/>
+              <a:t>Implementation: </a:t>
+            </a:r>
+            <a:r>
+              <a:rPr lang="en-US" dirty="0" smtClean="0"/>
+              <a:t>base class + factory method</a:t>
+            </a:r>
+          </a:p>
+          <a:p>
+            <a:r>
+              <a:rPr lang="en-US" dirty="0" smtClean="0"/>
+              <a:t>Support for abstract properties makes coding in F# easier</a:t>
+            </a:r>
+          </a:p>
+          <a:p>
+            <a:r>
+              <a:rPr lang="en-US" dirty="0" smtClean="0"/>
+              <a:t>DECLARATIVE (type definition only, no imperative logic)</a:t>
+            </a:r>
+            <a:endParaRPr lang="en-US" dirty="0"/>
+          </a:p>
+        </p:txBody>
+      </p:sp>
+    </p:spTree>
+    <p:extLst>
+      <p:ext uri="{BB962C8B-B14F-4D97-AF65-F5344CB8AC3E}">
+        <p14:creationId xmlns:p14="http://schemas.microsoft.com/office/powerpoint/2010/main" val="2026110272"/>
+      </p:ext>
+    </p:extLst>
+  </p:cSld>
+  <p:clrMapOvr>
+    <a:masterClrMapping/>
+  </p:clrMapOvr>
+  <p:timing>
+    <p:tnLst>
+      <p:par>
+        <p:cTn id="1" dur="indefinite" restart="never" nodeType="tmRoot"/>
+      </p:par>
+    </p:tnLst>
+  </p:timing>
+</p:sld>
+</file>
+
+<file path=ppt/slides/slide11.xml><?xml version="1.0" encoding="utf-8"?>
+<p:sld xmlns:a="http://schemas.openxmlformats.org/drawingml/2006/main" xmlns:r="http://schemas.openxmlformats.org/officeDocument/2006/relationships" xmlns:p="http://schemas.openxmlformats.org/presentationml/2006/main">
+  <p:cSld>
+    <p:spTree>
+      <p:nvGrpSpPr>
+        <p:cNvPr id="1" name=""/>
+        <p:cNvGrpSpPr/>
+        <p:nvPr/>
+      </p:nvGrpSpPr>
+      <p:grpSpPr>
+        <a:xfrm>
+          <a:off x="0" y="0"/>
+          <a:ext cx="0" cy="0"/>
+          <a:chOff x="0" y="0"/>
+          <a:chExt cx="0" cy="0"/>
+        </a:xfrm>
+      </p:grpSpPr>
+      <p:sp>
+        <p:nvSpPr>
+          <p:cNvPr id="2" name="Title 1"/>
+          <p:cNvSpPr>
+            <a:spLocks noGrp="1"/>
+          </p:cNvSpPr>
+          <p:nvPr>
+            <p:ph type="title"/>
+          </p:nvPr>
+        </p:nvSpPr>
+        <p:spPr/>
+        <p:txBody>
+          <a:bodyPr/>
+          <a:lstStyle/>
+          <a:p>
+            <a:r>
+              <a:rPr lang="en-US" dirty="0" smtClean="0"/>
+              <a:t>VIEW </a:t>
+            </a:r>
+            <a:endParaRPr lang="en-US" dirty="0"/>
+          </a:p>
+        </p:txBody>
+      </p:sp>
+      <p:sp>
+        <p:nvSpPr>
+          <p:cNvPr id="3" name="Content Placeholder 2"/>
+          <p:cNvSpPr>
+            <a:spLocks noGrp="1"/>
+          </p:cNvSpPr>
+          <p:nvPr>
+            <p:ph idx="1"/>
+          </p:nvPr>
+        </p:nvSpPr>
+        <p:spPr>
+          <a:xfrm>
+            <a:off x="1141413" y="3382131"/>
+            <a:ext cx="9905999" cy="2475744"/>
+          </a:xfrm>
+        </p:spPr>
+        <p:txBody>
+          <a:bodyPr/>
+          <a:lstStyle/>
+          <a:p>
+            <a:r>
+              <a:rPr lang="en-US" dirty="0" smtClean="0"/>
+              <a:t>Event source</a:t>
+            </a:r>
+          </a:p>
+          <a:p>
+            <a:r>
+              <a:rPr lang="en-US" dirty="0" smtClean="0"/>
+              <a:t>Data binding </a:t>
+            </a:r>
+            <a:r>
+              <a:rPr lang="en-US" dirty="0" smtClean="0"/>
+              <a:t>target (model is the </a:t>
+            </a:r>
+            <a:r>
+              <a:rPr lang="en-US" dirty="0" err="1" smtClean="0"/>
+              <a:t>DataContext</a:t>
+            </a:r>
+            <a:r>
+              <a:rPr lang="en-US" dirty="0" smtClean="0"/>
+              <a:t>)</a:t>
+            </a:r>
+          </a:p>
+          <a:p>
+            <a:r>
+              <a:rPr lang="en-US" dirty="0" smtClean="0"/>
+              <a:t>F# support for .NET events makes experience really smooth</a:t>
+            </a:r>
+            <a:endParaRPr lang="en-US" dirty="0" smtClean="0"/>
+          </a:p>
+          <a:p>
+            <a:r>
+              <a:rPr lang="en-US" dirty="0" smtClean="0"/>
+              <a:t>Capture state (callback) along with event </a:t>
+            </a:r>
+            <a:endParaRPr lang="en-US" dirty="0"/>
+          </a:p>
+        </p:txBody>
+      </p:sp>
+      <p:sp>
+        <p:nvSpPr>
+          <p:cNvPr id="7" name="Rectangle 6"/>
+          <p:cNvSpPr/>
+          <p:nvPr/>
+        </p:nvSpPr>
+        <p:spPr>
+          <a:xfrm>
+            <a:off x="1141413" y="1903561"/>
+            <a:ext cx="9905999" cy="1200329"/>
+          </a:xfrm>
+          <a:prstGeom prst="rect">
+            <a:avLst/>
+          </a:prstGeom>
+          <a:solidFill>
+            <a:schemeClr val="tx1"/>
+          </a:solidFill>
+        </p:spPr>
+        <p:txBody>
+          <a:bodyPr wrap="square">
+            <a:spAutoFit/>
+          </a:bodyPr>
+          <a:lstStyle/>
+          <a:p>
+            <a:r>
+              <a:rPr lang="en-US" dirty="0">
+                <a:solidFill>
+                  <a:srgbClr val="0000FF"/>
+                </a:solidFill>
+                <a:latin typeface="Consolas" panose="020B0609020204030204" pitchFamily="49" charset="0"/>
+              </a:rPr>
+              <a:t>type</a:t>
+            </a:r>
+            <a:r>
+              <a:rPr lang="en-US" dirty="0">
+                <a:solidFill>
+                  <a:prstClr val="black"/>
+                </a:solidFill>
+                <a:latin typeface="Consolas" panose="020B0609020204030204" pitchFamily="49" charset="0"/>
+              </a:rPr>
+              <a:t> IView&lt;'Events&gt; =</a:t>
+            </a:r>
+          </a:p>
+          <a:p>
+            <a:r>
+              <a:rPr lang="en-US" dirty="0">
+                <a:solidFill>
+                  <a:prstClr val="black"/>
+                </a:solidFill>
+                <a:latin typeface="Consolas" panose="020B0609020204030204" pitchFamily="49" charset="0"/>
+              </a:rPr>
+              <a:t>    </a:t>
+            </a:r>
+            <a:r>
+              <a:rPr lang="en-US" dirty="0">
+                <a:solidFill>
+                  <a:srgbClr val="0000FF"/>
+                </a:solidFill>
+                <a:latin typeface="Consolas" panose="020B0609020204030204" pitchFamily="49" charset="0"/>
+              </a:rPr>
+              <a:t>inherit</a:t>
+            </a:r>
+            <a:r>
+              <a:rPr lang="en-US" dirty="0">
+                <a:solidFill>
+                  <a:prstClr val="black"/>
+                </a:solidFill>
+                <a:latin typeface="Consolas" panose="020B0609020204030204" pitchFamily="49" charset="0"/>
+              </a:rPr>
+              <a:t> IObservable&lt;'Events&gt;</a:t>
+            </a:r>
+          </a:p>
+          <a:p>
+            <a:endParaRPr lang="en-US" dirty="0">
+              <a:solidFill>
+                <a:prstClr val="black"/>
+              </a:solidFill>
+              <a:latin typeface="Consolas" panose="020B0609020204030204" pitchFamily="49" charset="0"/>
+            </a:endParaRPr>
+          </a:p>
+          <a:p>
+            <a:r>
+              <a:rPr lang="en-US" dirty="0">
+                <a:solidFill>
+                  <a:prstClr val="black"/>
+                </a:solidFill>
+                <a:latin typeface="Consolas" panose="020B0609020204030204" pitchFamily="49" charset="0"/>
+              </a:rPr>
+              <a:t>    </a:t>
+            </a:r>
+            <a:r>
+              <a:rPr lang="en-US" dirty="0">
+                <a:solidFill>
+                  <a:srgbClr val="0000FF"/>
+                </a:solidFill>
+                <a:latin typeface="Consolas" panose="020B0609020204030204" pitchFamily="49" charset="0"/>
+              </a:rPr>
+              <a:t>abstract</a:t>
+            </a:r>
+            <a:r>
+              <a:rPr lang="en-US" dirty="0">
+                <a:solidFill>
+                  <a:prstClr val="black"/>
+                </a:solidFill>
+                <a:latin typeface="Consolas" panose="020B0609020204030204" pitchFamily="49" charset="0"/>
+              </a:rPr>
+              <a:t> SetBindings : obj </a:t>
+            </a:r>
+            <a:r>
+              <a:rPr lang="en-US" dirty="0">
+                <a:solidFill>
+                  <a:srgbClr val="0000FF"/>
+                </a:solidFill>
+                <a:latin typeface="Consolas" panose="020B0609020204030204" pitchFamily="49" charset="0"/>
+              </a:rPr>
+              <a:t>-&gt;</a:t>
+            </a:r>
+            <a:r>
+              <a:rPr lang="en-US" dirty="0">
+                <a:solidFill>
+                  <a:prstClr val="black"/>
+                </a:solidFill>
+                <a:latin typeface="Consolas" panose="020B0609020204030204" pitchFamily="49" charset="0"/>
+              </a:rPr>
+              <a:t> unit</a:t>
+            </a:r>
+          </a:p>
+        </p:txBody>
+      </p:sp>
+    </p:spTree>
+    <p:extLst>
+      <p:ext uri="{BB962C8B-B14F-4D97-AF65-F5344CB8AC3E}">
+        <p14:creationId xmlns:p14="http://schemas.microsoft.com/office/powerpoint/2010/main" val="3687811577"/>
+      </p:ext>
+    </p:extLst>
+  </p:cSld>
+  <p:clrMapOvr>
+    <a:masterClrMapping/>
+  </p:clrMapOvr>
+  <p:timing>
+    <p:tnLst>
+      <p:par>
+        <p:cTn id="1" dur="indefinite" restart="never" nodeType="tmRoot"/>
+      </p:par>
+    </p:tnLst>
+  </p:timing>
+</p:sld>
+</file>
+
+<file path=ppt/slides/slide12.xml><?xml version="1.0" encoding="utf-8"?>
+<p:sld xmlns:a="http://schemas.openxmlformats.org/drawingml/2006/main" xmlns:r="http://schemas.openxmlformats.org/officeDocument/2006/relationships" xmlns:p="http://schemas.openxmlformats.org/presentationml/2006/main">
+  <p:cSld>
+    <p:spTree>
+      <p:nvGrpSpPr>
+        <p:cNvPr id="1" name=""/>
+        <p:cNvGrpSpPr/>
+        <p:nvPr/>
+      </p:nvGrpSpPr>
+      <p:grpSpPr>
+        <a:xfrm>
+          <a:off x="0" y="0"/>
+          <a:ext cx="0" cy="0"/>
+          <a:chOff x="0" y="0"/>
+          <a:chExt cx="0" cy="0"/>
+        </a:xfrm>
+      </p:grpSpPr>
+      <p:sp>
+        <p:nvSpPr>
+          <p:cNvPr id="2" name="Title 1"/>
+          <p:cNvSpPr>
+            <a:spLocks noGrp="1"/>
+          </p:cNvSpPr>
+          <p:nvPr>
+            <p:ph type="title"/>
+          </p:nvPr>
+        </p:nvSpPr>
+        <p:spPr/>
+        <p:txBody>
+          <a:bodyPr/>
+          <a:lstStyle/>
+          <a:p>
+            <a:r>
+              <a:rPr lang="en-US" dirty="0" smtClean="0"/>
               <a:t>Model – </a:t>
             </a:r>
             <a:r>
@@ -12830,7 +13201,7 @@
 </p:sld>
 </file>
 
-<file path=ppt/slides/slide11.xml><?xml version="1.0" encoding="utf-8"?>
+<file path=ppt/slides/slide13.xml><?xml version="1.0" encoding="utf-8"?>
 <p:sld xmlns:a="http://schemas.openxmlformats.org/drawingml/2006/main" xmlns:r="http://schemas.openxmlformats.org/officeDocument/2006/relationships" xmlns:p="http://schemas.openxmlformats.org/presentationml/2006/main">
   <p:cSld>
     <p:spTree>
@@ -12976,7 +13347,7 @@
 </p:sld>
 </file>
 
-<file path=ppt/slides/slide12.xml><?xml version="1.0" encoding="utf-8"?>
+<file path=ppt/slides/slide14.xml><?xml version="1.0" encoding="utf-8"?>
 <p:sld xmlns:a="http://schemas.openxmlformats.org/drawingml/2006/main" xmlns:r="http://schemas.openxmlformats.org/officeDocument/2006/relationships" xmlns:p="http://schemas.openxmlformats.org/presentationml/2006/main">
   <p:cSld>
     <p:spTree>
@@ -13137,7 +13508,7 @@
 </p:sld>
 </file>
 
-<file path=ppt/slides/slide13.xml><?xml version="1.0" encoding="utf-8"?>
+<file path=ppt/slides/slide15.xml><?xml version="1.0" encoding="utf-8"?>
 <p:sld xmlns:a="http://schemas.openxmlformats.org/drawingml/2006/main" xmlns:r="http://schemas.openxmlformats.org/officeDocument/2006/relationships" xmlns:p="http://schemas.openxmlformats.org/presentationml/2006/main">
   <p:cSld>
     <p:spTree>
@@ -13444,7 +13815,7 @@
 </p:sld>
 </file>
 
-<file path=ppt/slides/slide14.xml><?xml version="1.0" encoding="utf-8"?>
+<file path=ppt/slides/slide16.xml><?xml version="1.0" encoding="utf-8"?>
 <p:sld xmlns:a="http://schemas.openxmlformats.org/drawingml/2006/main" xmlns:r="http://schemas.openxmlformats.org/officeDocument/2006/relationships" xmlns:p="http://schemas.openxmlformats.org/presentationml/2006/main">
   <p:cSld>
     <p:spTree>
@@ -13557,7 +13928,7 @@
 </p:sld>
 </file>
 
-<file path=ppt/slides/slide15.xml><?xml version="1.0" encoding="utf-8"?>
+<file path=ppt/slides/slide17.xml><?xml version="1.0" encoding="utf-8"?>
 <p:sld xmlns:a="http://schemas.openxmlformats.org/drawingml/2006/main" xmlns:r="http://schemas.openxmlformats.org/officeDocument/2006/relationships" xmlns:p="http://schemas.openxmlformats.org/presentationml/2006/main">
   <p:cSld>
     <p:spTree>
@@ -14210,7 +14581,7 @@
 </p:sld>
 </file>
 
-<file path=ppt/slides/slide16.xml><?xml version="1.0" encoding="utf-8"?>
+<file path=ppt/slides/slide18.xml><?xml version="1.0" encoding="utf-8"?>
 <p:sld xmlns:a="http://schemas.openxmlformats.org/drawingml/2006/main" xmlns:r="http://schemas.openxmlformats.org/officeDocument/2006/relationships" xmlns:p="http://schemas.openxmlformats.org/presentationml/2006/main">
   <p:cSld>
     <p:spTree>
@@ -14299,7 +14670,7 @@
 </p:sld>
 </file>
 
-<file path=ppt/slides/slide17.xml><?xml version="1.0" encoding="utf-8"?>
+<file path=ppt/slides/slide19.xml><?xml version="1.0" encoding="utf-8"?>
 <p:sld xmlns:a="http://schemas.openxmlformats.org/drawingml/2006/main" xmlns:r="http://schemas.openxmlformats.org/officeDocument/2006/relationships" xmlns:p="http://schemas.openxmlformats.org/presentationml/2006/main">
   <p:cSld>
     <p:spTree>
@@ -14381,7 +14752,141 @@
 </p:sld>
 </file>
 
-<file path=ppt/slides/slide18.xml><?xml version="1.0" encoding="utf-8"?>
+<file path=ppt/slides/slide2.xml><?xml version="1.0" encoding="utf-8"?>
+<p:sld xmlns:a="http://schemas.openxmlformats.org/drawingml/2006/main" xmlns:r="http://schemas.openxmlformats.org/officeDocument/2006/relationships" xmlns:p="http://schemas.openxmlformats.org/presentationml/2006/main">
+  <p:cSld>
+    <p:spTree>
+      <p:nvGrpSpPr>
+        <p:cNvPr id="1" name=""/>
+        <p:cNvGrpSpPr/>
+        <p:nvPr/>
+      </p:nvGrpSpPr>
+      <p:grpSpPr>
+        <a:xfrm>
+          <a:off x="0" y="0"/>
+          <a:ext cx="0" cy="0"/>
+          <a:chOff x="0" y="0"/>
+          <a:chExt cx="0" cy="0"/>
+        </a:xfrm>
+      </p:grpSpPr>
+      <p:sp>
+        <p:nvSpPr>
+          <p:cNvPr id="2" name="Title 1"/>
+          <p:cNvSpPr>
+            <a:spLocks noGrp="1"/>
+          </p:cNvSpPr>
+          <p:nvPr>
+            <p:ph type="title"/>
+          </p:nvPr>
+        </p:nvSpPr>
+        <p:spPr/>
+        <p:txBody>
+          <a:bodyPr/>
+          <a:lstStyle/>
+          <a:p>
+            <a:r>
+              <a:rPr lang="en-US" dirty="0"/>
+              <a:t>Deliverables</a:t>
+            </a:r>
+          </a:p>
+        </p:txBody>
+      </p:sp>
+      <p:sp>
+        <p:nvSpPr>
+          <p:cNvPr id="3" name="Content Placeholder 2"/>
+          <p:cNvSpPr>
+            <a:spLocks noGrp="1"/>
+          </p:cNvSpPr>
+          <p:nvPr>
+            <p:ph idx="1"/>
+          </p:nvPr>
+        </p:nvSpPr>
+        <p:spPr/>
+        <p:txBody>
+          <a:bodyPr/>
+          <a:lstStyle/>
+          <a:p>
+            <a:r>
+              <a:rPr lang="en-US" dirty="0" smtClean="0"/>
+              <a:t>Library: </a:t>
+            </a:r>
+            <a:r>
+              <a:rPr lang="en-US" dirty="0"/>
+              <a:t/>
+            </a:r>
+            <a:br>
+              <a:rPr lang="en-US" dirty="0"/>
+            </a:br>
+            <a:r>
+              <a:rPr lang="en-US" dirty="0">
+                <a:hlinkClick r:id="rId2"/>
+              </a:rPr>
+              <a:t>http://github.com/dmitry-a-morozov/fsharp-wpf-mvc-series</a:t>
+            </a:r>
+            <a:endParaRPr lang="en-US" dirty="0"/>
+          </a:p>
+          <a:p>
+            <a:r>
+              <a:rPr lang="en-US" dirty="0" smtClean="0"/>
+              <a:t>Learning series:</a:t>
+            </a:r>
+            <a:r>
+              <a:rPr lang="en-US" dirty="0"/>
+              <a:t/>
+            </a:r>
+            <a:br>
+              <a:rPr lang="en-US" dirty="0"/>
+            </a:br>
+            <a:r>
+              <a:rPr lang="en-US" dirty="0">
+                <a:hlinkClick r:id="rId3"/>
+              </a:rPr>
+              <a:t>http://</a:t>
+            </a:r>
+            <a:r>
+              <a:rPr lang="en-US" dirty="0" smtClean="0">
+                <a:hlinkClick r:id="rId3"/>
+              </a:rPr>
+              <a:t>github.com/dmitry-a-morozov/fsharp-wpf-mvc-series/wiki</a:t>
+            </a:r>
+            <a:endParaRPr lang="en-US" dirty="0" smtClean="0"/>
+          </a:p>
+          <a:p>
+            <a:r>
+              <a:rPr lang="en-US" dirty="0" smtClean="0"/>
+              <a:t>And today’s presentation </a:t>
+            </a:r>
+            <a:r>
+              <a:rPr lang="en-US" dirty="0" smtClean="0">
+                <a:sym typeface="Wingdings" panose="05000000000000000000" pitchFamily="2" charset="2"/>
+              </a:rPr>
+              <a:t></a:t>
+            </a:r>
+            <a:endParaRPr lang="en-US" dirty="0"/>
+          </a:p>
+        </p:txBody>
+      </p:sp>
+    </p:spTree>
+    <p:extLst>
+      <p:ext uri="{BB962C8B-B14F-4D97-AF65-F5344CB8AC3E}">
+        <p14:creationId xmlns:p14="http://schemas.microsoft.com/office/powerpoint/2010/main" val="362667298"/>
+      </p:ext>
+    </p:extLst>
+  </p:cSld>
+  <p:clrMapOvr>
+    <a:masterClrMapping/>
+  </p:clrMapOvr>
+  <p:timing>
+    <p:tnLst>
+      <p:par>
+        <p:cTn id="1" dur="indefinite" restart="never" nodeType="tmRoot"/>
+      </p:par>
+    </p:tnLst>
+  </p:timing>
+</p:sld>
+</file>
+
+<file path=ppt/slides/slide20.xml><?xml version="1.0" encoding="utf-8"?>
 <p:sld xmlns:a="http://schemas.openxmlformats.org/drawingml/2006/main" xmlns:r="http://schemas.openxmlformats.org/officeDocument/2006/relationships" xmlns:p="http://schemas.openxmlformats.org/presentationml/2006/main">
   <p:cSld>
     <p:spTree>
@@ -14470,315 +14975,6 @@
 </p:sld>
 </file>
 
-<file path=ppt/slides/slide19.xml><?xml version="1.0" encoding="utf-8"?>
-<p:sld xmlns:a="http://schemas.openxmlformats.org/drawingml/2006/main" xmlns:r="http://schemas.openxmlformats.org/officeDocument/2006/relationships" xmlns:p="http://schemas.openxmlformats.org/presentationml/2006/main">
-  <p:cSld>
-    <p:spTree>
-      <p:nvGrpSpPr>
-        <p:cNvPr id="1" name=""/>
-        <p:cNvGrpSpPr/>
-        <p:nvPr/>
-      </p:nvGrpSpPr>
-      <p:grpSpPr>
-        <a:xfrm>
-          <a:off x="0" y="0"/>
-          <a:ext cx="0" cy="0"/>
-          <a:chOff x="0" y="0"/>
-          <a:chExt cx="0" cy="0"/>
-        </a:xfrm>
-      </p:grpSpPr>
-      <p:sp>
-        <p:nvSpPr>
-          <p:cNvPr id="2" name="Title 1"/>
-          <p:cNvSpPr>
-            <a:spLocks noGrp="1"/>
-          </p:cNvSpPr>
-          <p:nvPr>
-            <p:ph type="title"/>
-          </p:nvPr>
-        </p:nvSpPr>
-        <p:spPr/>
-        <p:txBody>
-          <a:bodyPr/>
-          <a:lstStyle/>
-          <a:p>
-            <a:r>
-              <a:rPr lang="en-US" dirty="0" smtClean="0"/>
-              <a:t>External event sources</a:t>
-            </a:r>
-            <a:endParaRPr lang="en-US" dirty="0"/>
-          </a:p>
-        </p:txBody>
-      </p:sp>
-      <p:sp>
-        <p:nvSpPr>
-          <p:cNvPr id="3" name="Content Placeholder 2"/>
-          <p:cNvSpPr>
-            <a:spLocks noGrp="1"/>
-          </p:cNvSpPr>
-          <p:nvPr>
-            <p:ph idx="1"/>
-          </p:nvPr>
-        </p:nvSpPr>
-        <p:spPr/>
-        <p:txBody>
-          <a:bodyPr/>
-          <a:lstStyle/>
-          <a:p>
-            <a:r>
-              <a:rPr lang="en-US" dirty="0" smtClean="0"/>
-              <a:t>As easy as composing views</a:t>
-            </a:r>
-          </a:p>
-          <a:p>
-            <a:r>
-              <a:rPr lang="en-US" dirty="0" smtClean="0"/>
-              <a:t>Rx.NET helps to ensure invocation on GUI thread</a:t>
-            </a:r>
-          </a:p>
-          <a:p>
-            <a:r>
-              <a:rPr lang="en-US" dirty="0" smtClean="0"/>
-              <a:t>Another composition option</a:t>
-            </a:r>
-            <a:endParaRPr lang="en-US" dirty="0"/>
-          </a:p>
-        </p:txBody>
-      </p:sp>
-    </p:spTree>
-    <p:extLst>
-      <p:ext uri="{BB962C8B-B14F-4D97-AF65-F5344CB8AC3E}">
-        <p14:creationId xmlns:p14="http://schemas.microsoft.com/office/powerpoint/2010/main" val="1482672398"/>
-      </p:ext>
-    </p:extLst>
-  </p:cSld>
-  <p:clrMapOvr>
-    <a:masterClrMapping/>
-  </p:clrMapOvr>
-  <p:timing>
-    <p:tnLst>
-      <p:par>
-        <p:cTn id="1" dur="indefinite" restart="never" nodeType="tmRoot"/>
-      </p:par>
-    </p:tnLst>
-  </p:timing>
-</p:sld>
-</file>
-
-<file path=ppt/slides/slide2.xml><?xml version="1.0" encoding="utf-8"?>
-<p:sld xmlns:a="http://schemas.openxmlformats.org/drawingml/2006/main" xmlns:r="http://schemas.openxmlformats.org/officeDocument/2006/relationships" xmlns:p="http://schemas.openxmlformats.org/presentationml/2006/main">
-  <p:cSld>
-    <p:spTree>
-      <p:nvGrpSpPr>
-        <p:cNvPr id="1" name=""/>
-        <p:cNvGrpSpPr/>
-        <p:nvPr/>
-      </p:nvGrpSpPr>
-      <p:grpSpPr>
-        <a:xfrm>
-          <a:off x="0" y="0"/>
-          <a:ext cx="0" cy="0"/>
-          <a:chOff x="0" y="0"/>
-          <a:chExt cx="0" cy="0"/>
-        </a:xfrm>
-      </p:grpSpPr>
-      <p:sp>
-        <p:nvSpPr>
-          <p:cNvPr id="4" name="Title 3"/>
-          <p:cNvSpPr>
-            <a:spLocks noGrp="1"/>
-          </p:cNvSpPr>
-          <p:nvPr>
-            <p:ph type="title"/>
-          </p:nvPr>
-        </p:nvSpPr>
-        <p:spPr/>
-        <p:txBody>
-          <a:bodyPr/>
-          <a:lstStyle/>
-          <a:p>
-            <a:r>
-              <a:rPr lang="en-US" dirty="0" smtClean="0"/>
-              <a:t>GUI APPLICATION DEVELOPMENT</a:t>
-            </a:r>
-            <a:endParaRPr lang="en-US" dirty="0"/>
-          </a:p>
-        </p:txBody>
-      </p:sp>
-      <p:sp>
-        <p:nvSpPr>
-          <p:cNvPr id="5" name="Text Placeholder 4"/>
-          <p:cNvSpPr>
-            <a:spLocks noGrp="1"/>
-          </p:cNvSpPr>
-          <p:nvPr>
-            <p:ph type="body" sz="half" idx="2"/>
-          </p:nvPr>
-        </p:nvSpPr>
-        <p:spPr>
-          <a:xfrm>
-            <a:off x="1141410" y="3562709"/>
-            <a:ext cx="9904459" cy="2228490"/>
-          </a:xfrm>
-        </p:spPr>
-        <p:txBody>
-          <a:bodyPr/>
-          <a:lstStyle/>
-          <a:p>
-            <a:pPr marL="342900" indent="-342900">
-              <a:buFont typeface="Arial" panose="020B0604020202020204" pitchFamily="34" charset="0"/>
-              <a:buChar char="•"/>
-            </a:pPr>
-            <a:r>
-              <a:rPr lang="en-US" dirty="0" smtClean="0"/>
-              <a:t>Inherently hard</a:t>
-            </a:r>
-          </a:p>
-          <a:p>
-            <a:pPr marL="342900" indent="-342900">
-              <a:buFont typeface="Arial" panose="020B0604020202020204" pitchFamily="34" charset="0"/>
-              <a:buChar char="•"/>
-            </a:pPr>
-            <a:r>
-              <a:rPr lang="en-US" dirty="0" smtClean="0"/>
-              <a:t>Essential complexity</a:t>
-            </a:r>
-          </a:p>
-          <a:p>
-            <a:pPr marL="342900" indent="-342900">
-              <a:buFont typeface="Arial" panose="020B0604020202020204" pitchFamily="34" charset="0"/>
-              <a:buChar char="•"/>
-            </a:pPr>
-            <a:r>
-              <a:rPr lang="en-US" dirty="0" smtClean="0"/>
-              <a:t>OOP was thought as THE way to handle it</a:t>
-            </a:r>
-          </a:p>
-          <a:p>
-            <a:endParaRPr lang="en-US" dirty="0"/>
-          </a:p>
-        </p:txBody>
-      </p:sp>
-    </p:spTree>
-    <p:extLst>
-      <p:ext uri="{BB962C8B-B14F-4D97-AF65-F5344CB8AC3E}">
-        <p14:creationId xmlns:p14="http://schemas.microsoft.com/office/powerpoint/2010/main" val="3640232196"/>
-      </p:ext>
-    </p:extLst>
-  </p:cSld>
-  <p:clrMapOvr>
-    <a:masterClrMapping/>
-  </p:clrMapOvr>
-  <p:timing>
-    <p:tnLst>
-      <p:par>
-        <p:cTn id="1" dur="indefinite" restart="never" nodeType="tmRoot"/>
-      </p:par>
-    </p:tnLst>
-  </p:timing>
-</p:sld>
-</file>
-
-<file path=ppt/slides/slide20.xml><?xml version="1.0" encoding="utf-8"?>
-<p:sld xmlns:a="http://schemas.openxmlformats.org/drawingml/2006/main" xmlns:r="http://schemas.openxmlformats.org/officeDocument/2006/relationships" xmlns:p="http://schemas.openxmlformats.org/presentationml/2006/main">
-  <p:cSld>
-    <p:spTree>
-      <p:nvGrpSpPr>
-        <p:cNvPr id="1" name=""/>
-        <p:cNvGrpSpPr/>
-        <p:nvPr/>
-      </p:nvGrpSpPr>
-      <p:grpSpPr>
-        <a:xfrm>
-          <a:off x="0" y="0"/>
-          <a:ext cx="0" cy="0"/>
-          <a:chOff x="0" y="0"/>
-          <a:chExt cx="0" cy="0"/>
-        </a:xfrm>
-      </p:grpSpPr>
-      <p:sp>
-        <p:nvSpPr>
-          <p:cNvPr id="2" name="Title 1"/>
-          <p:cNvSpPr>
-            <a:spLocks noGrp="1"/>
-          </p:cNvSpPr>
-          <p:nvPr>
-            <p:ph type="title"/>
-          </p:nvPr>
-        </p:nvSpPr>
-        <p:spPr/>
-        <p:txBody>
-          <a:bodyPr/>
-          <a:lstStyle/>
-          <a:p>
-            <a:r>
-              <a:rPr lang="en-US" dirty="0" smtClean="0"/>
-              <a:t>Data binding micro dsl</a:t>
-            </a:r>
-            <a:endParaRPr lang="en-US" dirty="0"/>
-          </a:p>
-        </p:txBody>
-      </p:sp>
-      <p:sp>
-        <p:nvSpPr>
-          <p:cNvPr id="3" name="Content Placeholder 2"/>
-          <p:cNvSpPr>
-            <a:spLocks noGrp="1"/>
-          </p:cNvSpPr>
-          <p:nvPr>
-            <p:ph idx="1"/>
-          </p:nvPr>
-        </p:nvSpPr>
-        <p:spPr/>
-        <p:txBody>
-          <a:bodyPr/>
-          <a:lstStyle/>
-          <a:p>
-            <a:r>
-              <a:rPr lang="en-US" dirty="0" smtClean="0"/>
-              <a:t>Scrap </a:t>
-            </a:r>
-            <a:r>
-              <a:rPr lang="en-US" dirty="0"/>
-              <a:t>your </a:t>
-            </a:r>
-            <a:r>
-              <a:rPr lang="en-US" dirty="0" smtClean="0"/>
-              <a:t>boilerplate</a:t>
-            </a:r>
-          </a:p>
-          <a:p>
-            <a:r>
-              <a:rPr lang="en-US" dirty="0" smtClean="0"/>
-              <a:t>F# gives great tools to build internal DSLs</a:t>
-            </a:r>
-            <a:endParaRPr lang="en-US" dirty="0"/>
-          </a:p>
-          <a:p>
-            <a:endParaRPr lang="en-US" dirty="0"/>
-          </a:p>
-        </p:txBody>
-      </p:sp>
-    </p:spTree>
-    <p:extLst>
-      <p:ext uri="{BB962C8B-B14F-4D97-AF65-F5344CB8AC3E}">
-        <p14:creationId xmlns:p14="http://schemas.microsoft.com/office/powerpoint/2010/main" val="1517226537"/>
-      </p:ext>
-    </p:extLst>
-  </p:cSld>
-  <p:clrMapOvr>
-    <a:masterClrMapping/>
-  </p:clrMapOvr>
-  <p:timing>
-    <p:tnLst>
-      <p:par>
-        <p:cTn id="1" dur="indefinite" restart="never" nodeType="tmRoot"/>
-      </p:par>
-    </p:tnLst>
-  </p:timing>
-</p:sld>
-</file>
-
 <file path=ppt/slides/slide21.xml><?xml version="1.0" encoding="utf-8"?>
 <p:sld xmlns:a="http://schemas.openxmlformats.org/drawingml/2006/main" xmlns:r="http://schemas.openxmlformats.org/officeDocument/2006/relationships" xmlns:p="http://schemas.openxmlformats.org/presentationml/2006/main">
   <p:cSld>
@@ -14813,7 +15009,7 @@
           <a:p>
             <a:r>
               <a:rPr lang="en-US" dirty="0" smtClean="0"/>
-              <a:t>Derived properties</a:t>
+              <a:t>External event sources</a:t>
             </a:r>
             <a:endParaRPr lang="en-US" dirty="0"/>
           </a:p>
@@ -14831,77 +15027,25 @@
         </p:nvSpPr>
         <p:spPr/>
         <p:txBody>
-          <a:bodyPr>
-            <a:normAutofit fontScale="92500" lnSpcReduction="10000"/>
-          </a:bodyPr>
+          <a:bodyPr/>
           <a:lstStyle/>
           <a:p>
             <a:r>
-              <a:rPr lang="en-US" dirty="0"/>
-              <a:t>Scrap your </a:t>
-            </a:r>
-            <a:r>
               <a:rPr lang="en-US" dirty="0" smtClean="0"/>
-              <a:t>boilerplate</a:t>
-            </a:r>
-            <a:endParaRPr lang="en-US" dirty="0"/>
+              <a:t>As easy as composing views</a:t>
+            </a:r>
           </a:p>
           <a:p>
             <a:r>
               <a:rPr lang="en-US" dirty="0" smtClean="0"/>
-              <a:t>F# pure magic</a:t>
-            </a:r>
-          </a:p>
-          <a:p>
-            <a:pPr lvl="1"/>
-            <a:r>
-              <a:rPr lang="en-US" dirty="0"/>
-              <a:t>ReflectedDefinitionAttribute</a:t>
-            </a:r>
-            <a:endParaRPr lang="en-US" dirty="0" smtClean="0"/>
-          </a:p>
-          <a:p>
-            <a:pPr lvl="1"/>
+              <a:t>Rx.NET helps to ensure invocation on GUI thread</a:t>
+            </a:r>
+          </a:p>
+          <a:p>
             <a:r>
               <a:rPr lang="en-US" dirty="0" smtClean="0"/>
-              <a:t>Quotation</a:t>
-            </a:r>
-            <a:r>
-              <a:rPr lang="en-US" dirty="0"/>
-              <a:t> </a:t>
-            </a:r>
-            <a:endParaRPr lang="en-US" dirty="0" smtClean="0"/>
-          </a:p>
-          <a:p>
-            <a:pPr lvl="1"/>
-            <a:r>
-              <a:rPr lang="en-US" dirty="0" smtClean="0"/>
-              <a:t>Active patterns (a lot)</a:t>
-            </a:r>
-          </a:p>
-          <a:p>
-            <a:r>
-              <a:rPr lang="en-US" dirty="0" smtClean="0"/>
-              <a:t>WPF black magic</a:t>
-            </a:r>
-          </a:p>
-          <a:p>
-            <a:pPr lvl="1"/>
-            <a:r>
-              <a:rPr lang="en-US" dirty="0" smtClean="0"/>
-              <a:t>Custom dynamic dependency properties</a:t>
-            </a:r>
-          </a:p>
-          <a:p>
-            <a:pPr lvl="1"/>
-            <a:r>
-              <a:rPr lang="en-US" dirty="0" err="1" smtClean="0"/>
-              <a:t>MultiBinding</a:t>
-            </a:r>
-            <a:endParaRPr lang="en-US" dirty="0" smtClean="0"/>
-          </a:p>
-          <a:p>
-            <a:pPr lvl="1"/>
+              <a:t>Another composition option</a:t>
+            </a:r>
             <a:endParaRPr lang="en-US" dirty="0"/>
           </a:p>
         </p:txBody>
@@ -14909,7 +15053,7 @@
     </p:spTree>
     <p:extLst>
       <p:ext uri="{BB962C8B-B14F-4D97-AF65-F5344CB8AC3E}">
-        <p14:creationId xmlns:p14="http://schemas.microsoft.com/office/powerpoint/2010/main" val="2632499272"/>
+        <p14:creationId xmlns:p14="http://schemas.microsoft.com/office/powerpoint/2010/main" val="1482672398"/>
       </p:ext>
     </p:extLst>
   </p:cSld>
@@ -14960,7 +15104,7 @@
           <a:p>
             <a:r>
               <a:rPr lang="en-US" dirty="0" smtClean="0"/>
-              <a:t>F# 3.0/.net4.5</a:t>
+              <a:t>Data binding micro dsl</a:t>
             </a:r>
             <a:endParaRPr lang="en-US" dirty="0"/>
           </a:p>
@@ -14983,41 +15127,23 @@
           <a:p>
             <a:r>
               <a:rPr lang="en-US" dirty="0" smtClean="0"/>
-              <a:t>Queries</a:t>
-            </a:r>
-          </a:p>
-          <a:p>
+              <a:t>Scrap </a:t>
+            </a:r>
+            <a:r>
+              <a:rPr lang="en-US" dirty="0"/>
+              <a:t>your </a:t>
+            </a:r>
             <a:r>
               <a:rPr lang="en-US" dirty="0" smtClean="0"/>
-              <a:t>Type providers</a:t>
-            </a:r>
-          </a:p>
-          <a:p>
-            <a:pPr lvl="1"/>
+              <a:t>boilerplate</a:t>
+            </a:r>
+          </a:p>
+          <a:p>
             <a:r>
               <a:rPr lang="en-US" dirty="0" smtClean="0"/>
-              <a:t>WSDL</a:t>
-            </a:r>
-          </a:p>
-          <a:p>
-            <a:pPr lvl="1"/>
-            <a:r>
-              <a:rPr lang="en-US" dirty="0" smtClean="0"/>
-              <a:t>XAML</a:t>
-            </a:r>
-          </a:p>
-          <a:p>
-            <a:r>
-              <a:rPr lang="en-US" dirty="0" smtClean="0"/>
-              <a:t>INotifyDataErrorInfo</a:t>
-            </a:r>
-          </a:p>
-          <a:p>
-            <a:r>
-              <a:rPr lang="en-US" dirty="0"/>
-              <a:t>ExceptionDispatchInfo</a:t>
-            </a:r>
-            <a:endParaRPr lang="en-US" dirty="0" smtClean="0"/>
+              <a:t>F# gives great tools to build internal DSLs</a:t>
+            </a:r>
+            <a:endParaRPr lang="en-US" dirty="0"/>
           </a:p>
           <a:p>
             <a:endParaRPr lang="en-US" dirty="0"/>
@@ -15027,7 +15153,7 @@
     </p:spTree>
     <p:extLst>
       <p:ext uri="{BB962C8B-B14F-4D97-AF65-F5344CB8AC3E}">
-        <p14:creationId xmlns:p14="http://schemas.microsoft.com/office/powerpoint/2010/main" val="231815751"/>
+        <p14:creationId xmlns:p14="http://schemas.microsoft.com/office/powerpoint/2010/main" val="1517226537"/>
       </p:ext>
     </p:extLst>
   </p:cSld>
@@ -15078,15 +15204,7 @@
           <a:p>
             <a:r>
               <a:rPr lang="en-US" dirty="0" smtClean="0"/>
-              <a:t>F# MVC </a:t>
-            </a:r>
-            <a:r>
-              <a:rPr lang="en-US" cap="none" dirty="0" smtClean="0"/>
-              <a:t>for</a:t>
-            </a:r>
-            <a:r>
-              <a:rPr lang="en-US" dirty="0" smtClean="0"/>
-              <a:t> WPF </a:t>
+              <a:t>Derived properties</a:t>
             </a:r>
             <a:endParaRPr lang="en-US" dirty="0"/>
           </a:p>
@@ -15094,142 +15212,95 @@
       </p:sp>
       <p:sp>
         <p:nvSpPr>
-          <p:cNvPr id="11" name="Content Placeholder 10"/>
+          <p:cNvPr id="3" name="Content Placeholder 2"/>
           <p:cNvSpPr>
             <a:spLocks noGrp="1"/>
           </p:cNvSpPr>
           <p:nvPr>
-            <p:ph sz="half" idx="1"/>
+            <p:ph idx="1"/>
           </p:nvPr>
         </p:nvSpPr>
-        <p:spPr>
-          <a:xfrm>
-            <a:off x="781050" y="2249486"/>
-            <a:ext cx="4810125" cy="3541714"/>
-          </a:xfrm>
-        </p:spPr>
+        <p:spPr/>
         <p:txBody>
           <a:bodyPr>
-            <a:normAutofit/>
+            <a:normAutofit fontScale="92500" lnSpcReduction="10000"/>
           </a:bodyPr>
           <a:lstStyle/>
           <a:p>
             <a:r>
-              <a:rPr lang="en-US" sz="2000" dirty="0" smtClean="0"/>
-              <a:t>No INPC boilerplate model</a:t>
-            </a:r>
-          </a:p>
-          <a:p>
-            <a:r>
-              <a:rPr lang="en-US" sz="2000" dirty="0" smtClean="0"/>
-              <a:t>Abstract polymorphic view</a:t>
-            </a:r>
-          </a:p>
-          <a:p>
-            <a:r>
-              <a:rPr lang="en-US" sz="2000" dirty="0" smtClean="0"/>
-              <a:t>Loosely couple controller</a:t>
-            </a:r>
-          </a:p>
-          <a:p>
-            <a:r>
-              <a:rPr lang="en-US" sz="2000" dirty="0" smtClean="0"/>
-              <a:t>Type checked event to handler mapping</a:t>
-            </a:r>
-          </a:p>
-          <a:p>
-            <a:r>
-              <a:rPr lang="en-US" sz="2000" dirty="0" smtClean="0"/>
-              <a:t>Statically typed data-binding DSL</a:t>
-            </a:r>
-          </a:p>
-          <a:p>
-            <a:r>
-              <a:rPr lang="en-US" sz="2000" dirty="0" smtClean="0"/>
-              <a:t>Lightweight validation</a:t>
-            </a:r>
-          </a:p>
-        </p:txBody>
-      </p:sp>
-      <p:sp>
-        <p:nvSpPr>
-          <p:cNvPr id="12" name="Content Placeholder 11"/>
-          <p:cNvSpPr>
-            <a:spLocks noGrp="1"/>
-          </p:cNvSpPr>
-          <p:nvPr>
-            <p:ph sz="half" idx="2"/>
-          </p:nvPr>
-        </p:nvSpPr>
-        <p:spPr>
-          <a:xfrm>
-            <a:off x="5591176" y="2249486"/>
-            <a:ext cx="5867400" cy="3541714"/>
-          </a:xfrm>
-        </p:spPr>
-        <p:txBody>
-          <a:bodyPr>
-            <a:normAutofit/>
-          </a:bodyPr>
-          <a:lstStyle/>
-          <a:p>
-            <a:r>
-              <a:rPr lang="en-US" sz="2000" dirty="0" smtClean="0"/>
-              <a:t>Type system supported Async</a:t>
-            </a:r>
-            <a:endParaRPr lang="en-US" sz="2000" dirty="0"/>
-          </a:p>
-          <a:p>
-            <a:r>
-              <a:rPr lang="en-US" sz="2000" dirty="0" smtClean="0"/>
-              <a:t>Dialogs/Windows as sync/</a:t>
-            </a:r>
-            <a:r>
-              <a:rPr lang="en-US" sz="2000" dirty="0" err="1" smtClean="0"/>
-              <a:t>async</a:t>
-            </a:r>
-            <a:r>
-              <a:rPr lang="en-US" sz="2000" dirty="0" smtClean="0"/>
-              <a:t> workflows </a:t>
-            </a:r>
-          </a:p>
-          <a:p>
-            <a:r>
-              <a:rPr lang="en-US" sz="2000" dirty="0" smtClean="0"/>
-              <a:t>Reentrancy problem solved at one place</a:t>
-            </a:r>
-          </a:p>
-          <a:p>
-            <a:r>
-              <a:rPr lang="en-US" sz="2000" dirty="0" smtClean="0"/>
-              <a:t>COMPOSITION</a:t>
-            </a:r>
-          </a:p>
-          <a:p>
-            <a:r>
-              <a:rPr lang="en-US" sz="2000" dirty="0" smtClean="0"/>
-              <a:t>External event source</a:t>
-            </a:r>
-          </a:p>
-          <a:p>
-            <a:r>
-              <a:rPr lang="en-US" sz="2000" dirty="0" smtClean="0"/>
-              <a:t>Declarative derived properties</a:t>
-            </a:r>
-          </a:p>
-          <a:p>
-            <a:r>
-              <a:rPr lang="en-US" sz="2000" dirty="0" smtClean="0"/>
-              <a:t>Queries, type providers …</a:t>
-            </a:r>
-            <a:endParaRPr lang="en-US" sz="2000" dirty="0"/>
+              <a:rPr lang="en-US" dirty="0"/>
+              <a:t>Scrap your </a:t>
+            </a:r>
+            <a:r>
+              <a:rPr lang="en-US" dirty="0" smtClean="0"/>
+              <a:t>boilerplate</a:t>
+            </a:r>
+            <a:endParaRPr lang="en-US" dirty="0"/>
+          </a:p>
+          <a:p>
+            <a:r>
+              <a:rPr lang="en-US" dirty="0" smtClean="0"/>
+              <a:t>F# pure magic</a:t>
+            </a:r>
+          </a:p>
+          <a:p>
+            <a:pPr lvl="1"/>
+            <a:r>
+              <a:rPr lang="en-US" dirty="0"/>
+              <a:t>ReflectedDefinitionAttribute</a:t>
+            </a:r>
+            <a:endParaRPr lang="en-US" dirty="0" smtClean="0"/>
+          </a:p>
+          <a:p>
+            <a:pPr lvl="1"/>
+            <a:r>
+              <a:rPr lang="en-US" dirty="0" smtClean="0"/>
+              <a:t>Quotation</a:t>
+            </a:r>
+            <a:r>
+              <a:rPr lang="en-US" dirty="0"/>
+              <a:t> </a:t>
+            </a:r>
+            <a:endParaRPr lang="en-US" dirty="0" smtClean="0"/>
+          </a:p>
+          <a:p>
+            <a:pPr lvl="1"/>
+            <a:r>
+              <a:rPr lang="en-US" dirty="0" smtClean="0"/>
+              <a:t>Active patterns (a lot)</a:t>
+            </a:r>
+          </a:p>
+          <a:p>
+            <a:r>
+              <a:rPr lang="en-US" dirty="0" smtClean="0"/>
+              <a:t>WPF black magic</a:t>
+            </a:r>
+          </a:p>
+          <a:p>
+            <a:pPr lvl="1"/>
+            <a:r>
+              <a:rPr lang="en-US" dirty="0" smtClean="0"/>
+              <a:t>Custom dynamic dependency properties</a:t>
+            </a:r>
+          </a:p>
+          <a:p>
+            <a:pPr lvl="1"/>
+            <a:r>
+              <a:rPr lang="en-US" dirty="0" err="1" smtClean="0"/>
+              <a:t>MultiBinding</a:t>
+            </a:r>
+            <a:endParaRPr lang="en-US" dirty="0" smtClean="0"/>
+          </a:p>
+          <a:p>
+            <a:pPr lvl="1"/>
+            <a:endParaRPr lang="en-US" dirty="0"/>
           </a:p>
         </p:txBody>
       </p:sp>
     </p:spTree>
     <p:extLst>
       <p:ext uri="{BB962C8B-B14F-4D97-AF65-F5344CB8AC3E}">
-        <p14:creationId xmlns:p14="http://schemas.microsoft.com/office/powerpoint/2010/main" val="1134198775"/>
+        <p14:creationId xmlns:p14="http://schemas.microsoft.com/office/powerpoint/2010/main" val="2632499272"/>
       </p:ext>
     </p:extLst>
   </p:cSld>
@@ -15280,6 +15351,326 @@
           <a:p>
             <a:r>
               <a:rPr lang="en-US" dirty="0" smtClean="0"/>
+              <a:t>F# 3.0/.net4.5</a:t>
+            </a:r>
+            <a:endParaRPr lang="en-US" dirty="0"/>
+          </a:p>
+        </p:txBody>
+      </p:sp>
+      <p:sp>
+        <p:nvSpPr>
+          <p:cNvPr id="3" name="Content Placeholder 2"/>
+          <p:cNvSpPr>
+            <a:spLocks noGrp="1"/>
+          </p:cNvSpPr>
+          <p:nvPr>
+            <p:ph idx="1"/>
+          </p:nvPr>
+        </p:nvSpPr>
+        <p:spPr/>
+        <p:txBody>
+          <a:bodyPr/>
+          <a:lstStyle/>
+          <a:p>
+            <a:r>
+              <a:rPr lang="en-US" dirty="0" smtClean="0"/>
+              <a:t>Queries</a:t>
+            </a:r>
+          </a:p>
+          <a:p>
+            <a:r>
+              <a:rPr lang="en-US" dirty="0" smtClean="0"/>
+              <a:t>Type providers</a:t>
+            </a:r>
+          </a:p>
+          <a:p>
+            <a:pPr lvl="1"/>
+            <a:r>
+              <a:rPr lang="en-US" dirty="0" smtClean="0"/>
+              <a:t>WSDL</a:t>
+            </a:r>
+          </a:p>
+          <a:p>
+            <a:pPr lvl="1"/>
+            <a:r>
+              <a:rPr lang="en-US" dirty="0" smtClean="0"/>
+              <a:t>XAML</a:t>
+            </a:r>
+          </a:p>
+          <a:p>
+            <a:r>
+              <a:rPr lang="en-US" dirty="0" smtClean="0"/>
+              <a:t>INotifyDataErrorInfo</a:t>
+            </a:r>
+          </a:p>
+          <a:p>
+            <a:r>
+              <a:rPr lang="en-US" dirty="0"/>
+              <a:t>ExceptionDispatchInfo</a:t>
+            </a:r>
+            <a:endParaRPr lang="en-US" dirty="0" smtClean="0"/>
+          </a:p>
+          <a:p>
+            <a:endParaRPr lang="en-US" dirty="0"/>
+          </a:p>
+        </p:txBody>
+      </p:sp>
+    </p:spTree>
+    <p:extLst>
+      <p:ext uri="{BB962C8B-B14F-4D97-AF65-F5344CB8AC3E}">
+        <p14:creationId xmlns:p14="http://schemas.microsoft.com/office/powerpoint/2010/main" val="231815751"/>
+      </p:ext>
+    </p:extLst>
+  </p:cSld>
+  <p:clrMapOvr>
+    <a:masterClrMapping/>
+  </p:clrMapOvr>
+  <p:timing>
+    <p:tnLst>
+      <p:par>
+        <p:cTn id="1" dur="indefinite" restart="never" nodeType="tmRoot"/>
+      </p:par>
+    </p:tnLst>
+  </p:timing>
+</p:sld>
+</file>
+
+<file path=ppt/slides/slide25.xml><?xml version="1.0" encoding="utf-8"?>
+<p:sld xmlns:a="http://schemas.openxmlformats.org/drawingml/2006/main" xmlns:r="http://schemas.openxmlformats.org/officeDocument/2006/relationships" xmlns:p="http://schemas.openxmlformats.org/presentationml/2006/main">
+  <p:cSld>
+    <p:spTree>
+      <p:nvGrpSpPr>
+        <p:cNvPr id="1" name=""/>
+        <p:cNvGrpSpPr/>
+        <p:nvPr/>
+      </p:nvGrpSpPr>
+      <p:grpSpPr>
+        <a:xfrm>
+          <a:off x="0" y="0"/>
+          <a:ext cx="0" cy="0"/>
+          <a:chOff x="0" y="0"/>
+          <a:chExt cx="0" cy="0"/>
+        </a:xfrm>
+      </p:grpSpPr>
+      <p:sp>
+        <p:nvSpPr>
+          <p:cNvPr id="2" name="Title 1"/>
+          <p:cNvSpPr>
+            <a:spLocks noGrp="1"/>
+          </p:cNvSpPr>
+          <p:nvPr>
+            <p:ph type="title"/>
+          </p:nvPr>
+        </p:nvSpPr>
+        <p:spPr/>
+        <p:txBody>
+          <a:bodyPr/>
+          <a:lstStyle/>
+          <a:p>
+            <a:r>
+              <a:rPr lang="en-US" dirty="0" smtClean="0"/>
+              <a:t>F# MVC </a:t>
+            </a:r>
+            <a:r>
+              <a:rPr lang="en-US" cap="none" dirty="0" smtClean="0"/>
+              <a:t>for</a:t>
+            </a:r>
+            <a:r>
+              <a:rPr lang="en-US" dirty="0" smtClean="0"/>
+              <a:t> WPF </a:t>
+            </a:r>
+            <a:endParaRPr lang="en-US" dirty="0"/>
+          </a:p>
+        </p:txBody>
+      </p:sp>
+      <p:sp>
+        <p:nvSpPr>
+          <p:cNvPr id="11" name="Content Placeholder 10"/>
+          <p:cNvSpPr>
+            <a:spLocks noGrp="1"/>
+          </p:cNvSpPr>
+          <p:nvPr>
+            <p:ph sz="half" idx="1"/>
+          </p:nvPr>
+        </p:nvSpPr>
+        <p:spPr>
+          <a:xfrm>
+            <a:off x="781050" y="2249486"/>
+            <a:ext cx="4810125" cy="3541714"/>
+          </a:xfrm>
+        </p:spPr>
+        <p:txBody>
+          <a:bodyPr>
+            <a:normAutofit/>
+          </a:bodyPr>
+          <a:lstStyle/>
+          <a:p>
+            <a:r>
+              <a:rPr lang="en-US" sz="2000" dirty="0" smtClean="0"/>
+              <a:t>No INPC boilerplate model</a:t>
+            </a:r>
+          </a:p>
+          <a:p>
+            <a:r>
+              <a:rPr lang="en-US" sz="2000" dirty="0" smtClean="0"/>
+              <a:t>Abstract polymorphic view</a:t>
+            </a:r>
+          </a:p>
+          <a:p>
+            <a:r>
+              <a:rPr lang="en-US" sz="2000" dirty="0" smtClean="0"/>
+              <a:t>Loosely couple controller</a:t>
+            </a:r>
+          </a:p>
+          <a:p>
+            <a:r>
+              <a:rPr lang="en-US" sz="2000" dirty="0" smtClean="0"/>
+              <a:t>Type checked event to handler mapping</a:t>
+            </a:r>
+          </a:p>
+          <a:p>
+            <a:r>
+              <a:rPr lang="en-US" sz="2000" dirty="0" smtClean="0"/>
+              <a:t>Statically typed data-binding DSL</a:t>
+            </a:r>
+          </a:p>
+          <a:p>
+            <a:r>
+              <a:rPr lang="en-US" sz="2000" dirty="0" smtClean="0"/>
+              <a:t>Lightweight validation</a:t>
+            </a:r>
+          </a:p>
+        </p:txBody>
+      </p:sp>
+      <p:sp>
+        <p:nvSpPr>
+          <p:cNvPr id="12" name="Content Placeholder 11"/>
+          <p:cNvSpPr>
+            <a:spLocks noGrp="1"/>
+          </p:cNvSpPr>
+          <p:nvPr>
+            <p:ph sz="half" idx="2"/>
+          </p:nvPr>
+        </p:nvSpPr>
+        <p:spPr>
+          <a:xfrm>
+            <a:off x="5591176" y="2249486"/>
+            <a:ext cx="5867400" cy="3541714"/>
+          </a:xfrm>
+        </p:spPr>
+        <p:txBody>
+          <a:bodyPr>
+            <a:normAutofit/>
+          </a:bodyPr>
+          <a:lstStyle/>
+          <a:p>
+            <a:r>
+              <a:rPr lang="en-US" sz="2000" dirty="0" smtClean="0"/>
+              <a:t>Type system supported Async</a:t>
+            </a:r>
+            <a:endParaRPr lang="en-US" sz="2000" dirty="0"/>
+          </a:p>
+          <a:p>
+            <a:r>
+              <a:rPr lang="en-US" sz="2000" dirty="0" smtClean="0"/>
+              <a:t>Dialogs/Windows as sync/</a:t>
+            </a:r>
+            <a:r>
+              <a:rPr lang="en-US" sz="2000" dirty="0" err="1" smtClean="0"/>
+              <a:t>async</a:t>
+            </a:r>
+            <a:r>
+              <a:rPr lang="en-US" sz="2000" dirty="0" smtClean="0"/>
+              <a:t> workflows </a:t>
+            </a:r>
+          </a:p>
+          <a:p>
+            <a:r>
+              <a:rPr lang="en-US" sz="2000" dirty="0" smtClean="0"/>
+              <a:t>Reentrancy problem solved at one place</a:t>
+            </a:r>
+          </a:p>
+          <a:p>
+            <a:r>
+              <a:rPr lang="en-US" sz="2000" dirty="0" smtClean="0"/>
+              <a:t>COMPOSITION</a:t>
+            </a:r>
+          </a:p>
+          <a:p>
+            <a:r>
+              <a:rPr lang="en-US" sz="2000" dirty="0" smtClean="0"/>
+              <a:t>External event source</a:t>
+            </a:r>
+          </a:p>
+          <a:p>
+            <a:r>
+              <a:rPr lang="en-US" sz="2000" dirty="0" smtClean="0"/>
+              <a:t>Declarative derived properties</a:t>
+            </a:r>
+          </a:p>
+          <a:p>
+            <a:r>
+              <a:rPr lang="en-US" sz="2000" dirty="0" smtClean="0"/>
+              <a:t>Queries, type providers …</a:t>
+            </a:r>
+            <a:endParaRPr lang="en-US" sz="2000" dirty="0"/>
+          </a:p>
+        </p:txBody>
+      </p:sp>
+    </p:spTree>
+    <p:extLst>
+      <p:ext uri="{BB962C8B-B14F-4D97-AF65-F5344CB8AC3E}">
+        <p14:creationId xmlns:p14="http://schemas.microsoft.com/office/powerpoint/2010/main" val="1134198775"/>
+      </p:ext>
+    </p:extLst>
+  </p:cSld>
+  <p:clrMapOvr>
+    <a:masterClrMapping/>
+  </p:clrMapOvr>
+  <p:timing>
+    <p:tnLst>
+      <p:par>
+        <p:cTn id="1" dur="indefinite" restart="never" nodeType="tmRoot"/>
+      </p:par>
+    </p:tnLst>
+  </p:timing>
+</p:sld>
+</file>
+
+<file path=ppt/slides/slide26.xml><?xml version="1.0" encoding="utf-8"?>
+<p:sld xmlns:a="http://schemas.openxmlformats.org/drawingml/2006/main" xmlns:r="http://schemas.openxmlformats.org/officeDocument/2006/relationships" xmlns:p="http://schemas.openxmlformats.org/presentationml/2006/main">
+  <p:cSld>
+    <p:spTree>
+      <p:nvGrpSpPr>
+        <p:cNvPr id="1" name=""/>
+        <p:cNvGrpSpPr/>
+        <p:nvPr/>
+      </p:nvGrpSpPr>
+      <p:grpSpPr>
+        <a:xfrm>
+          <a:off x="0" y="0"/>
+          <a:ext cx="0" cy="0"/>
+          <a:chOff x="0" y="0"/>
+          <a:chExt cx="0" cy="0"/>
+        </a:xfrm>
+      </p:grpSpPr>
+      <p:sp>
+        <p:nvSpPr>
+          <p:cNvPr id="2" name="Title 1"/>
+          <p:cNvSpPr>
+            <a:spLocks noGrp="1"/>
+          </p:cNvSpPr>
+          <p:nvPr>
+            <p:ph type="title"/>
+          </p:nvPr>
+        </p:nvSpPr>
+        <p:spPr/>
+        <p:txBody>
+          <a:bodyPr/>
+          <a:lstStyle/>
+          <a:p>
+            <a:r>
+              <a:rPr lang="en-US" dirty="0" smtClean="0"/>
               <a:t>In summary</a:t>
             </a:r>
             <a:endParaRPr lang="en-US" dirty="0"/>
@@ -15304,7 +15695,7 @@
         </p:spPr>
         <p:txBody>
           <a:bodyPr>
-            <a:normAutofit fontScale="92500"/>
+            <a:normAutofit/>
           </a:bodyPr>
           <a:lstStyle/>
           <a:p>
@@ -15336,45 +15727,9 @@
             </a:r>
           </a:p>
           <a:p>
-            <a:r>
-              <a:rPr lang="en-US" dirty="0" err="1" smtClean="0"/>
-              <a:t>GitHub</a:t>
-            </a:r>
-            <a:r>
-              <a:rPr lang="en-US" dirty="0" smtClean="0"/>
-              <a:t>: </a:t>
-            </a:r>
-            <a:br>
-              <a:rPr lang="en-US" dirty="0" smtClean="0"/>
-            </a:br>
-            <a:r>
-              <a:rPr lang="en-US" dirty="0" smtClean="0">
-                <a:hlinkClick r:id="rId2"/>
-              </a:rPr>
-              <a:t>http://github.com/dmitry-a-morozov/fsharp-wpf-mvc-series</a:t>
-            </a:r>
-            <a:endParaRPr lang="en-US" dirty="0" smtClean="0"/>
-          </a:p>
-          <a:p>
-            <a:r>
-              <a:rPr lang="en-US" dirty="0" smtClean="0"/>
-              <a:t>Wiki:</a:t>
-            </a:r>
-            <a:br>
-              <a:rPr lang="en-US" dirty="0" smtClean="0"/>
-            </a:br>
-            <a:r>
-              <a:rPr lang="en-US" dirty="0" smtClean="0">
-                <a:hlinkClick r:id="rId3"/>
-              </a:rPr>
-              <a:t>http://</a:t>
-            </a:r>
-            <a:r>
-              <a:rPr lang="en-US" dirty="0">
-                <a:hlinkClick r:id="rId3"/>
-              </a:rPr>
-              <a:t>github.com/dmitry-a-morozov/fsharp-wpf-mvc-series/wiki</a:t>
-            </a:r>
+            <a:pPr marL="0" indent="0">
+              <a:buNone/>
+            </a:pPr>
             <a:r>
               <a:rPr lang="en-US" dirty="0" smtClean="0"/>
               <a:t/>
@@ -15407,6 +15762,476 @@
 </file>
 
 <file path=ppt/slides/slide3.xml><?xml version="1.0" encoding="utf-8"?>
+<p:sld xmlns:a="http://schemas.openxmlformats.org/drawingml/2006/main" xmlns:r="http://schemas.openxmlformats.org/officeDocument/2006/relationships" xmlns:p="http://schemas.openxmlformats.org/presentationml/2006/main">
+  <p:cSld>
+    <p:spTree>
+      <p:nvGrpSpPr>
+        <p:cNvPr id="1" name=""/>
+        <p:cNvGrpSpPr/>
+        <p:nvPr/>
+      </p:nvGrpSpPr>
+      <p:grpSpPr>
+        <a:xfrm>
+          <a:off x="0" y="0"/>
+          <a:ext cx="0" cy="0"/>
+          <a:chOff x="0" y="0"/>
+          <a:chExt cx="0" cy="0"/>
+        </a:xfrm>
+      </p:grpSpPr>
+      <p:sp>
+        <p:nvSpPr>
+          <p:cNvPr id="2" name="Title 1"/>
+          <p:cNvSpPr>
+            <a:spLocks noGrp="1"/>
+          </p:cNvSpPr>
+          <p:nvPr>
+            <p:ph type="title"/>
+          </p:nvPr>
+        </p:nvSpPr>
+        <p:spPr/>
+        <p:txBody>
+          <a:bodyPr/>
+          <a:lstStyle/>
+          <a:p>
+            <a:r>
+              <a:rPr lang="en-US" dirty="0" smtClean="0"/>
+              <a:t>GOALS</a:t>
+            </a:r>
+            <a:endParaRPr lang="en-US" dirty="0"/>
+          </a:p>
+        </p:txBody>
+      </p:sp>
+      <p:sp>
+        <p:nvSpPr>
+          <p:cNvPr id="3" name="Content Placeholder 2"/>
+          <p:cNvSpPr>
+            <a:spLocks noGrp="1"/>
+          </p:cNvSpPr>
+          <p:nvPr>
+            <p:ph idx="1"/>
+          </p:nvPr>
+        </p:nvSpPr>
+        <p:spPr/>
+        <p:txBody>
+          <a:bodyPr/>
+          <a:lstStyle/>
+          <a:p>
+            <a:r>
+              <a:rPr lang="en-US" dirty="0" smtClean="0"/>
+              <a:t>Deliver something useful for F# community (share experience)</a:t>
+            </a:r>
+          </a:p>
+          <a:p>
+            <a:r>
+              <a:rPr lang="en-US" dirty="0" smtClean="0"/>
+              <a:t>Support “F# is general purpose language” movement</a:t>
+            </a:r>
+          </a:p>
+          <a:p>
+            <a:r>
+              <a:rPr lang="en-US" dirty="0" smtClean="0"/>
+              <a:t>Series that back ups demo is great language tutorial</a:t>
+            </a:r>
+            <a:endParaRPr lang="en-US" dirty="0"/>
+          </a:p>
+        </p:txBody>
+      </p:sp>
+    </p:spTree>
+    <p:extLst>
+      <p:ext uri="{BB962C8B-B14F-4D97-AF65-F5344CB8AC3E}">
+        <p14:creationId xmlns:p14="http://schemas.microsoft.com/office/powerpoint/2010/main" val="2902843337"/>
+      </p:ext>
+    </p:extLst>
+  </p:cSld>
+  <p:clrMapOvr>
+    <a:masterClrMapping/>
+  </p:clrMapOvr>
+  <p:timing>
+    <p:tnLst>
+      <p:par>
+        <p:cTn id="1" dur="indefinite" restart="never" nodeType="tmRoot"/>
+      </p:par>
+    </p:tnLst>
+  </p:timing>
+</p:sld>
+</file>
+
+<file path=ppt/slides/slide4.xml><?xml version="1.0" encoding="utf-8"?>
+<p:sld xmlns:a="http://schemas.openxmlformats.org/drawingml/2006/main" xmlns:r="http://schemas.openxmlformats.org/officeDocument/2006/relationships" xmlns:p="http://schemas.openxmlformats.org/presentationml/2006/main">
+  <p:cSld>
+    <p:spTree>
+      <p:nvGrpSpPr>
+        <p:cNvPr id="1" name=""/>
+        <p:cNvGrpSpPr/>
+        <p:nvPr/>
+      </p:nvGrpSpPr>
+      <p:grpSpPr>
+        <a:xfrm>
+          <a:off x="0" y="0"/>
+          <a:ext cx="0" cy="0"/>
+          <a:chOff x="0" y="0"/>
+          <a:chExt cx="0" cy="0"/>
+        </a:xfrm>
+      </p:grpSpPr>
+      <p:sp>
+        <p:nvSpPr>
+          <p:cNvPr id="4" name="Title 3"/>
+          <p:cNvSpPr>
+            <a:spLocks noGrp="1"/>
+          </p:cNvSpPr>
+          <p:nvPr>
+            <p:ph type="title"/>
+          </p:nvPr>
+        </p:nvSpPr>
+        <p:spPr/>
+        <p:txBody>
+          <a:bodyPr/>
+          <a:lstStyle/>
+          <a:p>
+            <a:r>
+              <a:rPr lang="en-US" dirty="0" smtClean="0"/>
+              <a:t>GUI APPLICATION DEVELOPMENT</a:t>
+            </a:r>
+            <a:endParaRPr lang="en-US" dirty="0"/>
+          </a:p>
+        </p:txBody>
+      </p:sp>
+      <p:sp>
+        <p:nvSpPr>
+          <p:cNvPr id="5" name="Text Placeholder 4"/>
+          <p:cNvSpPr>
+            <a:spLocks noGrp="1"/>
+          </p:cNvSpPr>
+          <p:nvPr>
+            <p:ph type="body" sz="half" idx="2"/>
+          </p:nvPr>
+        </p:nvSpPr>
+        <p:spPr>
+          <a:xfrm>
+            <a:off x="1141410" y="3562709"/>
+            <a:ext cx="9904459" cy="2228490"/>
+          </a:xfrm>
+        </p:spPr>
+        <p:txBody>
+          <a:bodyPr/>
+          <a:lstStyle/>
+          <a:p>
+            <a:pPr marL="342900" indent="-342900">
+              <a:buFont typeface="Arial" panose="020B0604020202020204" pitchFamily="34" charset="0"/>
+              <a:buChar char="•"/>
+            </a:pPr>
+            <a:r>
+              <a:rPr lang="en-US" dirty="0" smtClean="0"/>
+              <a:t>Inherently hard</a:t>
+            </a:r>
+          </a:p>
+          <a:p>
+            <a:pPr marL="342900" indent="-342900">
+              <a:buFont typeface="Arial" panose="020B0604020202020204" pitchFamily="34" charset="0"/>
+              <a:buChar char="•"/>
+            </a:pPr>
+            <a:r>
+              <a:rPr lang="en-US" dirty="0" smtClean="0"/>
+              <a:t>Essential complexity</a:t>
+            </a:r>
+          </a:p>
+          <a:p>
+            <a:pPr marL="342900" indent="-342900">
+              <a:buFont typeface="Arial" panose="020B0604020202020204" pitchFamily="34" charset="0"/>
+              <a:buChar char="•"/>
+            </a:pPr>
+            <a:r>
+              <a:rPr lang="en-US" dirty="0" smtClean="0"/>
+              <a:t>OOP was thought as THE way to handle it</a:t>
+            </a:r>
+          </a:p>
+          <a:p>
+            <a:endParaRPr lang="en-US" dirty="0"/>
+          </a:p>
+        </p:txBody>
+      </p:sp>
+    </p:spTree>
+    <p:extLst>
+      <p:ext uri="{BB962C8B-B14F-4D97-AF65-F5344CB8AC3E}">
+        <p14:creationId xmlns:p14="http://schemas.microsoft.com/office/powerpoint/2010/main" val="3640232196"/>
+      </p:ext>
+    </p:extLst>
+  </p:cSld>
+  <p:clrMapOvr>
+    <a:masterClrMapping/>
+  </p:clrMapOvr>
+  <p:timing>
+    <p:tnLst>
+      <p:par>
+        <p:cTn id="1" dur="indefinite" restart="never" nodeType="tmRoot"/>
+      </p:par>
+    </p:tnLst>
+  </p:timing>
+</p:sld>
+</file>
+
+<file path=ppt/slides/slide5.xml><?xml version="1.0" encoding="utf-8"?>
+<p:sld xmlns:a="http://schemas.openxmlformats.org/drawingml/2006/main" xmlns:r="http://schemas.openxmlformats.org/officeDocument/2006/relationships" xmlns:p="http://schemas.openxmlformats.org/presentationml/2006/main">
+  <p:cSld>
+    <p:spTree>
+      <p:nvGrpSpPr>
+        <p:cNvPr id="1" name=""/>
+        <p:cNvGrpSpPr/>
+        <p:nvPr/>
+      </p:nvGrpSpPr>
+      <p:grpSpPr>
+        <a:xfrm>
+          <a:off x="0" y="0"/>
+          <a:ext cx="0" cy="0"/>
+          <a:chOff x="0" y="0"/>
+          <a:chExt cx="0" cy="0"/>
+        </a:xfrm>
+      </p:grpSpPr>
+      <p:sp>
+        <p:nvSpPr>
+          <p:cNvPr id="2" name="Title 1"/>
+          <p:cNvSpPr>
+            <a:spLocks noGrp="1"/>
+          </p:cNvSpPr>
+          <p:nvPr>
+            <p:ph type="title"/>
+          </p:nvPr>
+        </p:nvSpPr>
+        <p:spPr>
+          <a:xfrm>
+            <a:off x="1923690" y="361343"/>
+            <a:ext cx="9123721" cy="829282"/>
+          </a:xfrm>
+        </p:spPr>
+        <p:txBody>
+          <a:bodyPr/>
+          <a:lstStyle/>
+          <a:p>
+            <a:r>
+              <a:rPr lang="en-US" dirty="0" smtClean="0"/>
+              <a:t>Mvvm </a:t>
+            </a:r>
+            <a:r>
+              <a:rPr lang="en-US" cap="none" dirty="0" smtClean="0"/>
+              <a:t>introduction</a:t>
+            </a:r>
+            <a:endParaRPr lang="en-US" cap="none" dirty="0"/>
+          </a:p>
+        </p:txBody>
+      </p:sp>
+      <p:sp>
+        <p:nvSpPr>
+          <p:cNvPr id="3" name="Content Placeholder 2"/>
+          <p:cNvSpPr>
+            <a:spLocks noGrp="1"/>
+          </p:cNvSpPr>
+          <p:nvPr>
+            <p:ph idx="1"/>
+          </p:nvPr>
+        </p:nvSpPr>
+        <p:spPr>
+          <a:xfrm>
+            <a:off x="1923690" y="1409700"/>
+            <a:ext cx="9583947" cy="4981575"/>
+          </a:xfrm>
+        </p:spPr>
+        <p:txBody>
+          <a:bodyPr>
+            <a:noAutofit/>
+          </a:bodyPr>
+          <a:lstStyle/>
+          <a:p>
+            <a:r>
+              <a:rPr lang="en-US" sz="2000" dirty="0"/>
+              <a:t>Variation of Martin Fowler’s “Presentation Model” pattern</a:t>
+            </a:r>
+          </a:p>
+          <a:p>
+            <a:r>
+              <a:rPr lang="en-US" sz="2000" dirty="0" smtClean="0"/>
+              <a:t>Certainly </a:t>
+            </a:r>
+            <a:r>
+              <a:rPr lang="en-US" sz="2000" dirty="0" smtClean="0"/>
+              <a:t>better than old fashion “Autonomous View</a:t>
+            </a:r>
+            <a:r>
+              <a:rPr lang="en-US" sz="2000" dirty="0" smtClean="0"/>
+              <a:t>” (Code-behind) </a:t>
+            </a:r>
+            <a:endParaRPr lang="en-US" sz="2000" dirty="0" smtClean="0"/>
+          </a:p>
+          <a:p>
+            <a:r>
+              <a:rPr lang="en-US" sz="2000" dirty="0" smtClean="0"/>
+              <a:t>De-facto </a:t>
+            </a:r>
+            <a:r>
+              <a:rPr lang="en-US" sz="2000" dirty="0"/>
+              <a:t>standard for XAML-based frameworks</a:t>
+            </a:r>
+          </a:p>
+          <a:p>
+            <a:pPr lvl="1"/>
+            <a:r>
+              <a:rPr lang="en-US" dirty="0"/>
+              <a:t>WPF, Silverlight, Windows Store Apps (even </a:t>
+            </a:r>
+            <a:r>
+              <a:rPr lang="en-US" dirty="0" err="1"/>
+              <a:t>WinForms</a:t>
+            </a:r>
+            <a:r>
+              <a:rPr lang="en-US" dirty="0"/>
+              <a:t>)</a:t>
+            </a:r>
+          </a:p>
+          <a:p>
+            <a:r>
+              <a:rPr lang="en-US" sz="2000" dirty="0" smtClean="0"/>
+              <a:t>For details see </a:t>
+            </a:r>
+            <a:r>
+              <a:rPr lang="en-US" sz="2000" b="1" dirty="0"/>
+              <a:t>Chris </a:t>
+            </a:r>
+            <a:r>
+              <a:rPr lang="en-US" sz="2000" b="1" dirty="0" err="1" smtClean="0"/>
+              <a:t>Marinos’s</a:t>
+            </a:r>
+            <a:r>
+              <a:rPr lang="en-US" sz="2000" b="1" dirty="0" smtClean="0"/>
+              <a:t> “</a:t>
+            </a:r>
+            <a:r>
+              <a:rPr lang="en-US" sz="2000" b="1" dirty="0"/>
+              <a:t>Getting Your </a:t>
+            </a:r>
+            <a:r>
+              <a:rPr lang="en-US" sz="2000" b="1" dirty="0" err="1"/>
+              <a:t>Func</a:t>
+            </a:r>
+            <a:r>
+              <a:rPr lang="en-US" sz="2000" b="1" dirty="0"/>
+              <a:t>(</a:t>
+            </a:r>
+            <a:r>
+              <a:rPr lang="en-US" sz="2000" b="1" dirty="0" err="1"/>
+              <a:t>tional</a:t>
+            </a:r>
+            <a:r>
+              <a:rPr lang="en-US" sz="2000" b="1" dirty="0"/>
+              <a:t>) on with F</a:t>
+            </a:r>
+            <a:r>
+              <a:rPr lang="en-US" sz="2000" b="1" dirty="0" smtClean="0"/>
+              <a:t>#”</a:t>
+            </a:r>
+            <a:br>
+              <a:rPr lang="en-US" sz="2000" b="1" dirty="0" smtClean="0"/>
+            </a:br>
+            <a:r>
+              <a:rPr lang="en-US" sz="2000" dirty="0">
+                <a:hlinkClick r:id="rId2"/>
+              </a:rPr>
+              <a:t>http://www.meetup.com/nyc-fsharp/events/22059701/</a:t>
+            </a:r>
+            <a:endParaRPr lang="en-US" sz="2000" b="1" dirty="0"/>
+          </a:p>
+          <a:p>
+            <a:r>
+              <a:rPr lang="en-US" sz="2000" dirty="0" smtClean="0"/>
+              <a:t>Daniel </a:t>
+            </a:r>
+            <a:r>
+              <a:rPr lang="en-US" sz="2000" dirty="0" err="1" smtClean="0"/>
+              <a:t>Mohl’s</a:t>
+            </a:r>
+            <a:r>
+              <a:rPr lang="en-US" sz="2000" dirty="0" smtClean="0"/>
+              <a:t> F# Project Templates:</a:t>
+            </a:r>
+          </a:p>
+          <a:p>
+            <a:pPr lvl="1"/>
+            <a:r>
+              <a:rPr lang="en-US" b="1" dirty="0"/>
+              <a:t>F# and C# Win App (WPF, MVVM)</a:t>
+            </a:r>
+          </a:p>
+          <a:p>
+            <a:pPr lvl="1"/>
+            <a:r>
+              <a:rPr lang="en-US" b="1" dirty="0"/>
+              <a:t>F# Windows App (WPF, MVVM</a:t>
+            </a:r>
+            <a:r>
+              <a:rPr lang="en-US" b="1" dirty="0" smtClean="0"/>
+              <a:t>)</a:t>
+            </a:r>
+          </a:p>
+          <a:p>
+            <a:r>
+              <a:rPr lang="en-US" sz="2000" dirty="0" smtClean="0"/>
+              <a:t>Gustavo Guerra’s WPF helpers </a:t>
+            </a:r>
+            <a:br>
+              <a:rPr lang="en-US" sz="2000" dirty="0" smtClean="0"/>
+            </a:br>
+            <a:r>
+              <a:rPr lang="en-US" sz="2000" dirty="0" smtClean="0">
+                <a:hlinkClick r:id="rId3"/>
+              </a:rPr>
+              <a:t>http://</a:t>
+            </a:r>
+            <a:r>
+              <a:rPr lang="en-US" sz="2000" dirty="0">
+                <a:hlinkClick r:id="rId3"/>
+              </a:rPr>
+              <a:t>github.com/ovatsus/FsWpf</a:t>
+            </a:r>
+            <a:r>
+              <a:rPr lang="en-US" sz="2000" dirty="0" smtClean="0"/>
+              <a:t/>
+            </a:r>
+            <a:br>
+              <a:rPr lang="en-US" sz="2000" dirty="0" smtClean="0"/>
+            </a:br>
+            <a:r>
+              <a:rPr lang="en-US" sz="2000" dirty="0" smtClean="0"/>
+              <a:t/>
+            </a:r>
+            <a:br>
+              <a:rPr lang="en-US" sz="2000" dirty="0" smtClean="0"/>
+            </a:br>
+            <a:endParaRPr lang="en-US" sz="2000" dirty="0" smtClean="0"/>
+          </a:p>
+          <a:p>
+            <a:endParaRPr lang="en-US" sz="2000" dirty="0"/>
+          </a:p>
+        </p:txBody>
+      </p:sp>
+    </p:spTree>
+    <p:extLst>
+      <p:ext uri="{BB962C8B-B14F-4D97-AF65-F5344CB8AC3E}">
+        <p14:creationId xmlns:p14="http://schemas.microsoft.com/office/powerpoint/2010/main" val="3952447967"/>
+      </p:ext>
+    </p:extLst>
+  </p:cSld>
+  <p:clrMapOvr>
+    <a:masterClrMapping/>
+  </p:clrMapOvr>
+  <p:timing>
+    <p:tnLst>
+      <p:par>
+        <p:cTn id="1" dur="indefinite" restart="never" nodeType="tmRoot"/>
+      </p:par>
+    </p:tnLst>
+  </p:timing>
+</p:sld>
+</file>
+
+<file path=ppt/slides/slide6.xml><?xml version="1.0" encoding="utf-8"?>
 <p:sld xmlns:a="http://schemas.openxmlformats.org/drawingml/2006/main" xmlns:r="http://schemas.openxmlformats.org/officeDocument/2006/relationships" xmlns:p="http://schemas.openxmlformats.org/presentationml/2006/main">
   <p:cSld>
     <p:spTree>
@@ -15508,461 +16333,6 @@
 </p:sld>
 </file>
 
-<file path=ppt/slides/slide4.xml><?xml version="1.0" encoding="utf-8"?>
-<p:sld xmlns:a="http://schemas.openxmlformats.org/drawingml/2006/main" xmlns:r="http://schemas.openxmlformats.org/officeDocument/2006/relationships" xmlns:p="http://schemas.openxmlformats.org/presentationml/2006/main">
-  <p:cSld>
-    <p:spTree>
-      <p:nvGrpSpPr>
-        <p:cNvPr id="1" name=""/>
-        <p:cNvGrpSpPr/>
-        <p:nvPr/>
-      </p:nvGrpSpPr>
-      <p:grpSpPr>
-        <a:xfrm>
-          <a:off x="0" y="0"/>
-          <a:ext cx="0" cy="0"/>
-          <a:chOff x="0" y="0"/>
-          <a:chExt cx="0" cy="0"/>
-        </a:xfrm>
-      </p:grpSpPr>
-      <p:sp>
-        <p:nvSpPr>
-          <p:cNvPr id="2" name="Title 1"/>
-          <p:cNvSpPr>
-            <a:spLocks noGrp="1"/>
-          </p:cNvSpPr>
-          <p:nvPr>
-            <p:ph type="title"/>
-          </p:nvPr>
-        </p:nvSpPr>
-        <p:spPr>
-          <a:xfrm>
-            <a:off x="1923689" y="618518"/>
-            <a:ext cx="9123721" cy="1478570"/>
-          </a:xfrm>
-        </p:spPr>
-        <p:txBody>
-          <a:bodyPr/>
-          <a:lstStyle/>
-          <a:p>
-            <a:r>
-              <a:rPr lang="en-US" dirty="0" err="1" smtClean="0"/>
-              <a:t>Mvvm</a:t>
-            </a:r>
-            <a:endParaRPr lang="en-US" dirty="0"/>
-          </a:p>
-        </p:txBody>
-      </p:sp>
-      <p:sp>
-        <p:nvSpPr>
-          <p:cNvPr id="3" name="Content Placeholder 2"/>
-          <p:cNvSpPr>
-            <a:spLocks noGrp="1"/>
-          </p:cNvSpPr>
-          <p:nvPr>
-            <p:ph idx="1"/>
-          </p:nvPr>
-        </p:nvSpPr>
-        <p:spPr>
-          <a:xfrm>
-            <a:off x="1923690" y="1906438"/>
-            <a:ext cx="9583947" cy="4235570"/>
-          </a:xfrm>
-        </p:spPr>
-        <p:txBody>
-          <a:bodyPr>
-            <a:noAutofit/>
-          </a:bodyPr>
-          <a:lstStyle/>
-          <a:p>
-            <a:r>
-              <a:rPr lang="en-US" sz="2000" dirty="0" smtClean="0"/>
-              <a:t>Certainly better than old fashion “Autonomous View” </a:t>
-            </a:r>
-          </a:p>
-          <a:p>
-            <a:r>
-              <a:rPr lang="en-US" sz="2000" dirty="0" smtClean="0"/>
-              <a:t>Variation of Martin Fowler’s “Presentation Model” pattern</a:t>
-            </a:r>
-          </a:p>
-          <a:p>
-            <a:r>
-              <a:rPr lang="en-US" sz="2000" dirty="0"/>
-              <a:t>De-facto standard for XAML-based frameworks</a:t>
-            </a:r>
-          </a:p>
-          <a:p>
-            <a:pPr lvl="1"/>
-            <a:r>
-              <a:rPr lang="en-US" dirty="0"/>
-              <a:t>WPF, Silverlight, Windows Store Apps (even </a:t>
-            </a:r>
-            <a:r>
-              <a:rPr lang="en-US" dirty="0" err="1"/>
-              <a:t>WinForms</a:t>
-            </a:r>
-            <a:r>
-              <a:rPr lang="en-US" dirty="0"/>
-              <a:t>)</a:t>
-            </a:r>
-          </a:p>
-          <a:p>
-            <a:r>
-              <a:rPr lang="en-US" sz="2000" dirty="0" smtClean="0"/>
-              <a:t>For details see </a:t>
-            </a:r>
-            <a:r>
-              <a:rPr lang="en-US" sz="2000" b="1" dirty="0"/>
-              <a:t>Chris </a:t>
-            </a:r>
-            <a:r>
-              <a:rPr lang="en-US" sz="2000" b="1" dirty="0" err="1" smtClean="0"/>
-              <a:t>Marinos’s</a:t>
-            </a:r>
-            <a:r>
-              <a:rPr lang="en-US" sz="2000" b="1" dirty="0" smtClean="0"/>
-              <a:t> “</a:t>
-            </a:r>
-            <a:r>
-              <a:rPr lang="en-US" sz="2000" b="1" dirty="0"/>
-              <a:t>Getting Your </a:t>
-            </a:r>
-            <a:r>
-              <a:rPr lang="en-US" sz="2000" b="1" dirty="0" err="1"/>
-              <a:t>Func</a:t>
-            </a:r>
-            <a:r>
-              <a:rPr lang="en-US" sz="2000" b="1" dirty="0"/>
-              <a:t>(</a:t>
-            </a:r>
-            <a:r>
-              <a:rPr lang="en-US" sz="2000" b="1" dirty="0" err="1"/>
-              <a:t>tional</a:t>
-            </a:r>
-            <a:r>
-              <a:rPr lang="en-US" sz="2000" b="1" dirty="0"/>
-              <a:t>) on with F</a:t>
-            </a:r>
-            <a:r>
-              <a:rPr lang="en-US" sz="2000" b="1" dirty="0" smtClean="0"/>
-              <a:t>#”</a:t>
-            </a:r>
-            <a:br>
-              <a:rPr lang="en-US" sz="2000" b="1" dirty="0" smtClean="0"/>
-            </a:br>
-            <a:r>
-              <a:rPr lang="en-US" sz="2000" dirty="0">
-                <a:hlinkClick r:id="rId2"/>
-              </a:rPr>
-              <a:t>http://www.meetup.com/nyc-fsharp/events/22059701/</a:t>
-            </a:r>
-            <a:endParaRPr lang="en-US" sz="2000" b="1" dirty="0"/>
-          </a:p>
-          <a:p>
-            <a:r>
-              <a:rPr lang="en-US" sz="2000" dirty="0" smtClean="0"/>
-              <a:t>Daniel </a:t>
-            </a:r>
-            <a:r>
-              <a:rPr lang="en-US" sz="2000" dirty="0" err="1" smtClean="0"/>
-              <a:t>Mohl’s</a:t>
-            </a:r>
-            <a:r>
-              <a:rPr lang="en-US" sz="2000" dirty="0" smtClean="0"/>
-              <a:t> F# Project Templates:</a:t>
-            </a:r>
-          </a:p>
-          <a:p>
-            <a:pPr lvl="1"/>
-            <a:r>
-              <a:rPr lang="en-US" b="1" dirty="0"/>
-              <a:t>F# and C# Win App (WPF, MVVM)</a:t>
-            </a:r>
-          </a:p>
-          <a:p>
-            <a:pPr lvl="1"/>
-            <a:r>
-              <a:rPr lang="en-US" b="1" dirty="0"/>
-              <a:t>F# Windows App (WPF, MVVM)</a:t>
-            </a:r>
-          </a:p>
-          <a:p>
-            <a:pPr marL="457200" lvl="1" indent="0">
-              <a:buNone/>
-            </a:pPr>
-            <a:r>
-              <a:rPr lang="en-US" dirty="0" smtClean="0"/>
-              <a:t/>
-            </a:r>
-            <a:br>
-              <a:rPr lang="en-US" dirty="0" smtClean="0"/>
-            </a:br>
-            <a:endParaRPr lang="en-US" dirty="0" smtClean="0"/>
-          </a:p>
-          <a:p>
-            <a:endParaRPr lang="en-US" sz="2000" dirty="0"/>
-          </a:p>
-        </p:txBody>
-      </p:sp>
-    </p:spTree>
-    <p:extLst>
-      <p:ext uri="{BB962C8B-B14F-4D97-AF65-F5344CB8AC3E}">
-        <p14:creationId xmlns:p14="http://schemas.microsoft.com/office/powerpoint/2010/main" val="3952447967"/>
-      </p:ext>
-    </p:extLst>
-  </p:cSld>
-  <p:clrMapOvr>
-    <a:masterClrMapping/>
-  </p:clrMapOvr>
-  <p:timing>
-    <p:tnLst>
-      <p:par>
-        <p:cTn id="1" dur="indefinite" restart="never" nodeType="tmRoot"/>
-      </p:par>
-    </p:tnLst>
-  </p:timing>
-</p:sld>
-</file>
-
-<file path=ppt/slides/slide5.xml><?xml version="1.0" encoding="utf-8"?>
-<p:sld xmlns:a="http://schemas.openxmlformats.org/drawingml/2006/main" xmlns:r="http://schemas.openxmlformats.org/officeDocument/2006/relationships" xmlns:p="http://schemas.openxmlformats.org/presentationml/2006/main">
-  <p:cSld>
-    <p:spTree>
-      <p:nvGrpSpPr>
-        <p:cNvPr id="1" name=""/>
-        <p:cNvGrpSpPr/>
-        <p:nvPr/>
-      </p:nvGrpSpPr>
-      <p:grpSpPr>
-        <a:xfrm>
-          <a:off x="0" y="0"/>
-          <a:ext cx="0" cy="0"/>
-          <a:chOff x="0" y="0"/>
-          <a:chExt cx="0" cy="0"/>
-        </a:xfrm>
-      </p:grpSpPr>
-      <p:sp>
-        <p:nvSpPr>
-          <p:cNvPr id="2" name="Title 1"/>
-          <p:cNvSpPr>
-            <a:spLocks noGrp="1"/>
-          </p:cNvSpPr>
-          <p:nvPr>
-            <p:ph type="title"/>
-          </p:nvPr>
-        </p:nvSpPr>
-        <p:spPr>
-          <a:xfrm>
-            <a:off x="1141413" y="376109"/>
-            <a:ext cx="9905998" cy="952359"/>
-          </a:xfrm>
-        </p:spPr>
-        <p:txBody>
-          <a:bodyPr/>
-          <a:lstStyle/>
-          <a:p>
-            <a:r>
-              <a:rPr lang="en-US" dirty="0" err="1" smtClean="0"/>
-              <a:t>Mvvm</a:t>
-            </a:r>
-            <a:r>
-              <a:rPr lang="en-US" dirty="0" smtClean="0"/>
-              <a:t> shortcomings</a:t>
-            </a:r>
-            <a:endParaRPr lang="en-US" dirty="0"/>
-          </a:p>
-        </p:txBody>
-      </p:sp>
-      <p:sp>
-        <p:nvSpPr>
-          <p:cNvPr id="3" name="Content Placeholder 2"/>
-          <p:cNvSpPr>
-            <a:spLocks noGrp="1"/>
-          </p:cNvSpPr>
-          <p:nvPr>
-            <p:ph idx="1"/>
-          </p:nvPr>
-        </p:nvSpPr>
-        <p:spPr>
-          <a:xfrm>
-            <a:off x="1141412" y="1233576"/>
-            <a:ext cx="9905999" cy="5331125"/>
-          </a:xfrm>
-        </p:spPr>
-        <p:txBody>
-          <a:bodyPr/>
-          <a:lstStyle/>
-          <a:p>
-            <a:r>
-              <a:rPr lang="en-US" dirty="0" smtClean="0"/>
-              <a:t>ViewModel = Controller + Model </a:t>
-            </a:r>
-          </a:p>
-          <a:p>
-            <a:pPr lvl="1"/>
-            <a:r>
-              <a:rPr lang="en-US" dirty="0" smtClean="0"/>
-              <a:t>Grows big. Hard to manage complexity</a:t>
-            </a:r>
-          </a:p>
-          <a:p>
-            <a:pPr lvl="1"/>
-            <a:r>
-              <a:rPr lang="en-US" dirty="0" smtClean="0"/>
-              <a:t>No support for presentation logic composition</a:t>
-            </a:r>
-          </a:p>
-          <a:p>
-            <a:r>
-              <a:rPr lang="en-US" dirty="0" smtClean="0"/>
-              <a:t>A lot of boilerplate code</a:t>
-            </a:r>
-          </a:p>
-          <a:p>
-            <a:pPr lvl="1"/>
-            <a:r>
-              <a:rPr lang="en-US" dirty="0" err="1"/>
-              <a:t>INotifyPropertyChanged</a:t>
-            </a:r>
-            <a:endParaRPr lang="en-US" dirty="0"/>
-          </a:p>
-          <a:p>
-            <a:pPr lvl="1"/>
-            <a:r>
-              <a:rPr lang="en-US" dirty="0" err="1" smtClean="0"/>
-              <a:t>IDataErrorInfo</a:t>
-            </a:r>
-            <a:r>
-              <a:rPr lang="en-US" dirty="0" smtClean="0"/>
-              <a:t> or INotifyDataErrorInfo</a:t>
-            </a:r>
-          </a:p>
-          <a:p>
-            <a:pPr lvl="1"/>
-            <a:r>
-              <a:rPr lang="en-US" dirty="0" smtClean="0"/>
-              <a:t>Hooking up event handlers/commands bindings</a:t>
-            </a:r>
-          </a:p>
-          <a:p>
-            <a:r>
-              <a:rPr lang="en-US" dirty="0" smtClean="0"/>
-              <a:t>Data/Command bindings based on “magic” strings (reflection)</a:t>
-            </a:r>
-          </a:p>
-          <a:p>
-            <a:pPr lvl="1"/>
-            <a:r>
-              <a:rPr lang="en-US" dirty="0" smtClean="0"/>
-              <a:t>No support from type system/compiler</a:t>
-            </a:r>
-          </a:p>
-          <a:p>
-            <a:pPr lvl="1"/>
-            <a:r>
-              <a:rPr lang="en-US" dirty="0" smtClean="0"/>
-              <a:t>No support from IDE (refactoring/navigation)</a:t>
-            </a:r>
-            <a:endParaRPr lang="en-US" dirty="0"/>
-          </a:p>
-          <a:p>
-            <a:r>
-              <a:rPr lang="en-US" dirty="0" smtClean="0"/>
-              <a:t>Etc. </a:t>
-            </a:r>
-            <a:endParaRPr lang="en-US" dirty="0"/>
-          </a:p>
-          <a:p>
-            <a:pPr lvl="1"/>
-            <a:endParaRPr lang="en-US" dirty="0" smtClean="0"/>
-          </a:p>
-          <a:p>
-            <a:pPr lvl="1"/>
-            <a:endParaRPr lang="en-US" dirty="0"/>
-          </a:p>
-        </p:txBody>
-      </p:sp>
-    </p:spTree>
-    <p:extLst>
-      <p:ext uri="{BB962C8B-B14F-4D97-AF65-F5344CB8AC3E}">
-        <p14:creationId xmlns:p14="http://schemas.microsoft.com/office/powerpoint/2010/main" val="89264255"/>
-      </p:ext>
-    </p:extLst>
-  </p:cSld>
-  <p:clrMapOvr>
-    <a:masterClrMapping/>
-  </p:clrMapOvr>
-  <p:timing>
-    <p:tnLst>
-      <p:par>
-        <p:cTn id="1" dur="indefinite" restart="never" nodeType="tmRoot"/>
-      </p:par>
-    </p:tnLst>
-  </p:timing>
-</p:sld>
-</file>
-
-<file path=ppt/slides/slide6.xml><?xml version="1.0" encoding="utf-8"?>
-<p:sld xmlns:a="http://schemas.openxmlformats.org/drawingml/2006/main" xmlns:r="http://schemas.openxmlformats.org/officeDocument/2006/relationships" xmlns:p="http://schemas.openxmlformats.org/presentationml/2006/main">
-  <p:cSld>
-    <p:spTree>
-      <p:nvGrpSpPr>
-        <p:cNvPr id="1" name=""/>
-        <p:cNvGrpSpPr/>
-        <p:nvPr/>
-      </p:nvGrpSpPr>
-      <p:grpSpPr>
-        <a:xfrm>
-          <a:off x="0" y="0"/>
-          <a:ext cx="0" cy="0"/>
-          <a:chOff x="0" y="0"/>
-          <a:chExt cx="0" cy="0"/>
-        </a:xfrm>
-      </p:grpSpPr>
-      <p:sp>
-        <p:nvSpPr>
-          <p:cNvPr id="4" name="Title 3"/>
-          <p:cNvSpPr>
-            <a:spLocks noGrp="1"/>
-          </p:cNvSpPr>
-          <p:nvPr>
-            <p:ph type="title"/>
-          </p:nvPr>
-        </p:nvSpPr>
-        <p:spPr/>
-        <p:txBody>
-          <a:bodyPr/>
-          <a:lstStyle/>
-          <a:p>
-            <a:r>
-              <a:rPr lang="en-US" dirty="0" smtClean="0"/>
-              <a:t>Can we do better?</a:t>
-            </a:r>
-            <a:endParaRPr lang="en-US" dirty="0"/>
-          </a:p>
-        </p:txBody>
-      </p:sp>
-    </p:spTree>
-    <p:extLst>
-      <p:ext uri="{BB962C8B-B14F-4D97-AF65-F5344CB8AC3E}">
-        <p14:creationId xmlns:p14="http://schemas.microsoft.com/office/powerpoint/2010/main" val="3716489453"/>
-      </p:ext>
-    </p:extLst>
-  </p:cSld>
-  <p:clrMapOvr>
-    <a:masterClrMapping/>
-  </p:clrMapOvr>
-  <p:timing>
-    <p:tnLst>
-      <p:par>
-        <p:cTn id="1" dur="indefinite" restart="never" nodeType="tmRoot"/>
-      </p:par>
-    </p:tnLst>
-  </p:timing>
-</p:sld>
-</file>
-
 <file path=ppt/slides/slide7.xml><?xml version="1.0" encoding="utf-8"?>
 <p:sld xmlns:a="http://schemas.openxmlformats.org/drawingml/2006/main" xmlns:r="http://schemas.openxmlformats.org/officeDocument/2006/relationships" xmlns:p="http://schemas.openxmlformats.org/presentationml/2006/main">
   <p:cSld>
@@ -15992,8 +16362,8 @@
         </p:nvSpPr>
         <p:spPr>
           <a:xfrm>
-            <a:off x="974785" y="618518"/>
-            <a:ext cx="10153290" cy="1478570"/>
+            <a:off x="1141413" y="376110"/>
+            <a:ext cx="9905998" cy="643066"/>
           </a:xfrm>
         </p:spPr>
         <p:txBody>
@@ -16002,7 +16372,7 @@
           <a:p>
             <a:r>
               <a:rPr lang="en-US" dirty="0" smtClean="0"/>
-              <a:t>FIRST class EventS-Driven architecture</a:t>
+              <a:t>Mvvm shortcomings</a:t>
             </a:r>
             <a:endParaRPr lang="en-US" dirty="0"/>
           </a:p>
@@ -16020,313 +16390,143 @@
         </p:nvSpPr>
         <p:spPr>
           <a:xfrm>
-            <a:off x="974786" y="2249487"/>
-            <a:ext cx="10153290" cy="3541714"/>
+            <a:off x="1141412" y="1328468"/>
+            <a:ext cx="9905999" cy="5236233"/>
           </a:xfrm>
-          <a:solidFill>
-            <a:schemeClr val="tx1"/>
-          </a:solidFill>
         </p:spPr>
         <p:txBody>
           <a:bodyPr>
-            <a:normAutofit fontScale="70000" lnSpcReduction="20000"/>
+            <a:normAutofit/>
           </a:bodyPr>
           <a:lstStyle/>
           <a:p>
-            <a:pPr marL="0" indent="0">
-              <a:buNone/>
-            </a:pPr>
-            <a:r>
-              <a:rPr lang="en-US" dirty="0">
-                <a:solidFill>
-                  <a:srgbClr val="0000FF"/>
-                </a:solidFill>
-                <a:latin typeface="Consolas" panose="020B0609020204030204" pitchFamily="49" charset="0"/>
-              </a:rPr>
-              <a:t>type</a:t>
-            </a:r>
-            <a:r>
-              <a:rPr lang="en-US" dirty="0">
-                <a:solidFill>
-                  <a:prstClr val="black"/>
-                </a:solidFill>
-                <a:latin typeface="Consolas" panose="020B0609020204030204" pitchFamily="49" charset="0"/>
-              </a:rPr>
-              <a:t> Events = </a:t>
-            </a:r>
-          </a:p>
-          <a:p>
-            <a:pPr marL="0" indent="0">
-              <a:buNone/>
-            </a:pPr>
-            <a:r>
-              <a:rPr lang="en-US" dirty="0">
-                <a:solidFill>
-                  <a:prstClr val="black"/>
-                </a:solidFill>
-                <a:latin typeface="Consolas" panose="020B0609020204030204" pitchFamily="49" charset="0"/>
-              </a:rPr>
-              <a:t>    | Add </a:t>
-            </a:r>
-            <a:r>
-              <a:rPr lang="en-US" dirty="0">
-                <a:solidFill>
-                  <a:srgbClr val="0000FF"/>
-                </a:solidFill>
-                <a:latin typeface="Consolas" panose="020B0609020204030204" pitchFamily="49" charset="0"/>
-              </a:rPr>
-              <a:t>of</a:t>
-            </a:r>
-            <a:r>
-              <a:rPr lang="en-US" dirty="0">
-                <a:solidFill>
-                  <a:prstClr val="black"/>
-                </a:solidFill>
-                <a:latin typeface="Consolas" panose="020B0609020204030204" pitchFamily="49" charset="0"/>
-              </a:rPr>
-              <a:t> int </a:t>
-            </a:r>
-          </a:p>
-          <a:p>
-            <a:pPr marL="0" indent="0">
-              <a:buNone/>
-            </a:pPr>
-            <a:r>
-              <a:rPr lang="en-US" dirty="0">
-                <a:solidFill>
-                  <a:prstClr val="black"/>
-                </a:solidFill>
-                <a:latin typeface="Consolas" panose="020B0609020204030204" pitchFamily="49" charset="0"/>
-              </a:rPr>
-              <a:t>    | Subtract </a:t>
-            </a:r>
-            <a:r>
-              <a:rPr lang="en-US" dirty="0">
-                <a:solidFill>
-                  <a:srgbClr val="0000FF"/>
-                </a:solidFill>
-                <a:latin typeface="Consolas" panose="020B0609020204030204" pitchFamily="49" charset="0"/>
-              </a:rPr>
-              <a:t>of</a:t>
-            </a:r>
-            <a:r>
-              <a:rPr lang="en-US" dirty="0">
-                <a:solidFill>
-                  <a:prstClr val="black"/>
-                </a:solidFill>
-                <a:latin typeface="Consolas" panose="020B0609020204030204" pitchFamily="49" charset="0"/>
-              </a:rPr>
-              <a:t> int</a:t>
-            </a:r>
-          </a:p>
-          <a:p>
-            <a:pPr marL="0" indent="0">
-              <a:buNone/>
-            </a:pPr>
-            <a:endParaRPr lang="en-US" dirty="0">
-              <a:solidFill>
-                <a:prstClr val="black"/>
-              </a:solidFill>
-              <a:latin typeface="Consolas" panose="020B0609020204030204" pitchFamily="49" charset="0"/>
-            </a:endParaRPr>
-          </a:p>
-          <a:p>
-            <a:pPr marL="0" indent="0">
-              <a:buNone/>
-            </a:pPr>
-            <a:r>
-              <a:rPr lang="en-US" dirty="0">
-                <a:solidFill>
-                  <a:srgbClr val="0000FF"/>
-                </a:solidFill>
-                <a:latin typeface="Consolas" panose="020B0609020204030204" pitchFamily="49" charset="0"/>
-              </a:rPr>
-              <a:t>type</a:t>
-            </a:r>
-            <a:r>
-              <a:rPr lang="en-US" dirty="0">
-                <a:solidFill>
-                  <a:prstClr val="black"/>
-                </a:solidFill>
-                <a:latin typeface="Consolas" panose="020B0609020204030204" pitchFamily="49" charset="0"/>
-              </a:rPr>
-              <a:t> View = IEvent&lt;Events&gt;  </a:t>
-            </a:r>
-          </a:p>
-          <a:p>
-            <a:pPr marL="0" indent="0">
-              <a:buNone/>
-            </a:pPr>
-            <a:endParaRPr lang="en-US" dirty="0">
-              <a:solidFill>
-                <a:prstClr val="black"/>
-              </a:solidFill>
-              <a:latin typeface="Consolas" panose="020B0609020204030204" pitchFamily="49" charset="0"/>
-            </a:endParaRPr>
-          </a:p>
-          <a:p>
-            <a:pPr marL="0" indent="0">
-              <a:buNone/>
-            </a:pPr>
-            <a:r>
-              <a:rPr lang="en-US" dirty="0">
-                <a:solidFill>
-                  <a:srgbClr val="0000FF"/>
-                </a:solidFill>
-                <a:latin typeface="Consolas" panose="020B0609020204030204" pitchFamily="49" charset="0"/>
-              </a:rPr>
-              <a:t>type</a:t>
-            </a:r>
-            <a:r>
-              <a:rPr lang="en-US" dirty="0">
-                <a:solidFill>
-                  <a:prstClr val="black"/>
-                </a:solidFill>
-                <a:latin typeface="Consolas" panose="020B0609020204030204" pitchFamily="49" charset="0"/>
-              </a:rPr>
-              <a:t> Model = { State : int }</a:t>
-            </a:r>
-          </a:p>
-          <a:p>
-            <a:pPr marL="0" indent="0">
-              <a:buNone/>
-            </a:pPr>
-            <a:endParaRPr lang="en-US" dirty="0">
-              <a:solidFill>
-                <a:prstClr val="black"/>
-              </a:solidFill>
-              <a:latin typeface="Consolas" panose="020B0609020204030204" pitchFamily="49" charset="0"/>
-            </a:endParaRPr>
-          </a:p>
-          <a:p>
-            <a:pPr marL="0" indent="0">
-              <a:buNone/>
-            </a:pPr>
-            <a:r>
-              <a:rPr lang="en-US" dirty="0">
-                <a:solidFill>
-                  <a:srgbClr val="0000FF"/>
-                </a:solidFill>
-                <a:latin typeface="Consolas" panose="020B0609020204030204" pitchFamily="49" charset="0"/>
-              </a:rPr>
-              <a:t>type</a:t>
-            </a:r>
-            <a:r>
-              <a:rPr lang="en-US" dirty="0">
-                <a:solidFill>
-                  <a:prstClr val="black"/>
-                </a:solidFill>
-                <a:latin typeface="Consolas" panose="020B0609020204030204" pitchFamily="49" charset="0"/>
-              </a:rPr>
-              <a:t> Controller = (Events </a:t>
-            </a:r>
-            <a:r>
-              <a:rPr lang="en-US" dirty="0">
-                <a:solidFill>
-                  <a:srgbClr val="0000FF"/>
-                </a:solidFill>
-                <a:latin typeface="Consolas" panose="020B0609020204030204" pitchFamily="49" charset="0"/>
-              </a:rPr>
-              <a:t>-&gt;</a:t>
-            </a:r>
-            <a:r>
-              <a:rPr lang="en-US" dirty="0">
-                <a:solidFill>
-                  <a:prstClr val="black"/>
-                </a:solidFill>
-                <a:latin typeface="Consolas" panose="020B0609020204030204" pitchFamily="49" charset="0"/>
-              </a:rPr>
-              <a:t> Model </a:t>
-            </a:r>
-            <a:r>
-              <a:rPr lang="en-US" dirty="0">
-                <a:solidFill>
-                  <a:srgbClr val="0000FF"/>
-                </a:solidFill>
-                <a:latin typeface="Consolas" panose="020B0609020204030204" pitchFamily="49" charset="0"/>
-              </a:rPr>
-              <a:t>-&gt;</a:t>
-            </a:r>
-            <a:r>
-              <a:rPr lang="en-US" dirty="0">
-                <a:solidFill>
-                  <a:prstClr val="black"/>
-                </a:solidFill>
-                <a:latin typeface="Consolas" panose="020B0609020204030204" pitchFamily="49" charset="0"/>
-              </a:rPr>
-              <a:t> Model) </a:t>
-            </a:r>
-            <a:r>
-              <a:rPr lang="en-US" dirty="0">
-                <a:solidFill>
-                  <a:srgbClr val="0000FF"/>
-                </a:solidFill>
-                <a:latin typeface="Consolas" panose="020B0609020204030204" pitchFamily="49" charset="0"/>
-              </a:rPr>
-              <a:t>-&gt;</a:t>
-            </a:r>
-            <a:r>
-              <a:rPr lang="en-US" dirty="0">
-                <a:solidFill>
-                  <a:prstClr val="black"/>
-                </a:solidFill>
-                <a:latin typeface="Consolas" panose="020B0609020204030204" pitchFamily="49" charset="0"/>
-              </a:rPr>
-              <a:t> Model </a:t>
-            </a:r>
-            <a:r>
-              <a:rPr lang="en-US" dirty="0">
-                <a:solidFill>
-                  <a:srgbClr val="0000FF"/>
-                </a:solidFill>
-                <a:latin typeface="Consolas" panose="020B0609020204030204" pitchFamily="49" charset="0"/>
-              </a:rPr>
-              <a:t>-&gt;</a:t>
-            </a:r>
-            <a:r>
-              <a:rPr lang="en-US" dirty="0">
-                <a:solidFill>
-                  <a:prstClr val="black"/>
-                </a:solidFill>
-                <a:latin typeface="Consolas" panose="020B0609020204030204" pitchFamily="49" charset="0"/>
-              </a:rPr>
-              <a:t> IEvent&lt;Events&gt; </a:t>
-            </a:r>
-            <a:r>
-              <a:rPr lang="en-US" dirty="0">
-                <a:solidFill>
-                  <a:srgbClr val="0000FF"/>
-                </a:solidFill>
-                <a:latin typeface="Consolas" panose="020B0609020204030204" pitchFamily="49" charset="0"/>
-              </a:rPr>
-              <a:t>-&gt;</a:t>
-            </a:r>
-            <a:r>
-              <a:rPr lang="en-US" dirty="0">
-                <a:solidFill>
-                  <a:prstClr val="black"/>
-                </a:solidFill>
-                <a:latin typeface="Consolas" panose="020B0609020204030204" pitchFamily="49" charset="0"/>
-              </a:rPr>
-              <a:t> Model</a:t>
-            </a:r>
-          </a:p>
-          <a:p>
-            <a:pPr marL="0" indent="0">
-              <a:buNone/>
-            </a:pPr>
-            <a:endParaRPr lang="en-US" dirty="0">
-              <a:solidFill>
-                <a:schemeClr val="bg1"/>
-              </a:solidFill>
-            </a:endParaRPr>
+            <a:r>
+              <a:rPr lang="en-US" dirty="0" smtClean="0"/>
+              <a:t>ViewModel = Controller </a:t>
+            </a:r>
+            <a:r>
+              <a:rPr lang="en-US" dirty="0" smtClean="0"/>
+              <a:t>(imperative) + </a:t>
+            </a:r>
+            <a:r>
+              <a:rPr lang="en-US" dirty="0" smtClean="0"/>
+              <a:t>Model </a:t>
+            </a:r>
+            <a:r>
+              <a:rPr lang="en-US" dirty="0" smtClean="0"/>
+              <a:t>(declarative)</a:t>
+            </a:r>
+            <a:endParaRPr lang="en-US" dirty="0" smtClean="0"/>
+          </a:p>
+          <a:p>
+            <a:pPr lvl="1"/>
+            <a:r>
+              <a:rPr lang="en-US" dirty="0" smtClean="0"/>
+              <a:t>Hard </a:t>
+            </a:r>
+            <a:r>
+              <a:rPr lang="en-US" dirty="0" smtClean="0"/>
+              <a:t>to manage </a:t>
+            </a:r>
+            <a:r>
+              <a:rPr lang="en-US" dirty="0" smtClean="0"/>
+              <a:t>complexity once it grows (SRP ???)</a:t>
+            </a:r>
+            <a:endParaRPr lang="en-US" dirty="0" smtClean="0"/>
+          </a:p>
+          <a:p>
+            <a:pPr lvl="1"/>
+            <a:r>
+              <a:rPr lang="en-US" dirty="0" smtClean="0"/>
+              <a:t>No support for presentation logic composition</a:t>
+            </a:r>
+          </a:p>
+          <a:p>
+            <a:r>
+              <a:rPr lang="en-US" dirty="0" smtClean="0"/>
+              <a:t>A lot of boilerplate </a:t>
+            </a:r>
+            <a:r>
+              <a:rPr lang="en-US" dirty="0" smtClean="0"/>
+              <a:t>code</a:t>
+            </a:r>
+          </a:p>
+          <a:p>
+            <a:pPr lvl="1"/>
+            <a:r>
+              <a:rPr lang="en-US" dirty="0" err="1" smtClean="0"/>
+              <a:t>INotifyPropertyChanged</a:t>
+            </a:r>
+            <a:endParaRPr lang="en-US" dirty="0" smtClean="0"/>
+          </a:p>
+          <a:p>
+            <a:pPr lvl="1"/>
+            <a:r>
+              <a:rPr lang="en-US" dirty="0" smtClean="0"/>
+              <a:t>Event subscriptions, Command bindings</a:t>
+            </a:r>
+          </a:p>
+          <a:p>
+            <a:r>
+              <a:rPr lang="en-US" dirty="0" err="1" smtClean="0"/>
+              <a:t>Typeless</a:t>
+            </a:r>
+            <a:r>
+              <a:rPr lang="en-US" dirty="0" smtClean="0"/>
+              <a:t> Model-View bindings (magic strings/reflection)</a:t>
+            </a:r>
+          </a:p>
+          <a:p>
+            <a:pPr lvl="1"/>
+            <a:r>
+              <a:rPr lang="en-US" dirty="0" smtClean="0"/>
+              <a:t>No </a:t>
+            </a:r>
+            <a:r>
+              <a:rPr lang="en-US" dirty="0" smtClean="0"/>
+              <a:t>support from type system/compiler</a:t>
+            </a:r>
+          </a:p>
+          <a:p>
+            <a:pPr lvl="1"/>
+            <a:r>
+              <a:rPr lang="en-US" dirty="0" smtClean="0"/>
+              <a:t>No support from IDE (refactoring/navigation)</a:t>
+            </a:r>
+            <a:endParaRPr lang="en-US" dirty="0"/>
+          </a:p>
+          <a:p>
+            <a:r>
+              <a:rPr lang="en-US" dirty="0" smtClean="0"/>
+              <a:t>Inconsistent event processing</a:t>
+            </a:r>
+          </a:p>
+          <a:p>
+            <a:pPr lvl="1"/>
+            <a:r>
+              <a:rPr lang="en-US" dirty="0" smtClean="0"/>
+              <a:t>Commands, event handlers, blen</a:t>
+            </a:r>
+            <a:r>
+              <a:rPr lang="en-US" dirty="0" smtClean="0"/>
+              <a:t>d behaviors, etc.</a:t>
+            </a:r>
+            <a:endParaRPr lang="en-US" dirty="0"/>
+          </a:p>
+          <a:p>
+            <a:pPr lvl="1"/>
+            <a:endParaRPr lang="en-US" dirty="0" smtClean="0"/>
+          </a:p>
+          <a:p>
+            <a:pPr lvl="1"/>
+            <a:endParaRPr lang="en-US" dirty="0"/>
           </a:p>
         </p:txBody>
       </p:sp>
     </p:spTree>
     <p:extLst>
       <p:ext uri="{BB962C8B-B14F-4D97-AF65-F5344CB8AC3E}">
-        <p14:creationId xmlns:p14="http://schemas.microsoft.com/office/powerpoint/2010/main" val="2634465386"/>
+        <p14:creationId xmlns:p14="http://schemas.microsoft.com/office/powerpoint/2010/main" val="89264255"/>
       </p:ext>
     </p:extLst>
   </p:cSld>
@@ -16362,7 +16562,7 @@
       </p:grpSpPr>
       <p:sp>
         <p:nvSpPr>
-          <p:cNvPr id="2" name="Title 1"/>
+          <p:cNvPr id="4" name="Title 3"/>
           <p:cNvSpPr>
             <a:spLocks noGrp="1"/>
           </p:cNvSpPr>
@@ -16377,7 +16577,19 @@
           <a:p>
             <a:r>
               <a:rPr lang="en-US" dirty="0" smtClean="0"/>
-              <a:t>model</a:t>
+              <a:t>Can we do </a:t>
+            </a:r>
+            <a:r>
+              <a:rPr lang="en-US" dirty="0" smtClean="0"/>
+              <a:t>better </a:t>
+            </a:r>
+            <a:r>
+              <a:rPr lang="en-US" cap="none" dirty="0" smtClean="0"/>
+              <a:t>in</a:t>
+            </a:r>
+            <a:r>
+              <a:rPr lang="en-US" dirty="0" smtClean="0"/>
+              <a:t> F#?</a:t>
             </a:r>
             <a:endParaRPr lang="en-US" dirty="0"/>
           </a:p>
@@ -16400,32 +16612,10 @@
           <a:p>
             <a:r>
               <a:rPr lang="en-US" dirty="0" smtClean="0"/>
-              <a:t>Based on Castle Dynamic Proxy</a:t>
-            </a:r>
-          </a:p>
-          <a:p>
-            <a:r>
-              <a:rPr lang="en-US" dirty="0" smtClean="0"/>
-              <a:t>Raises INPC.PropertyChanged from setter interceptor</a:t>
-            </a:r>
-          </a:p>
-          <a:p>
-            <a:r>
-              <a:rPr lang="en-US" dirty="0" smtClean="0"/>
-              <a:t>Restrictions: base class + factory method</a:t>
-            </a:r>
-          </a:p>
-          <a:p>
-            <a:r>
-              <a:rPr lang="en-US" dirty="0" smtClean="0"/>
-              <a:t>Support for abstract properties makes coding in F# easier</a:t>
-            </a:r>
-          </a:p>
-          <a:p>
-            <a:r>
-              <a:rPr lang="en-US" dirty="0" smtClean="0"/>
-              <a:t>DECLARATIVE (type definition only, no imperative logic)</a:t>
-            </a:r>
+              <a:t>Classic MVVM designed with C# limitations in mind</a:t>
+            </a:r>
+          </a:p>
+          <a:p>
             <a:endParaRPr lang="en-US" dirty="0"/>
           </a:p>
         </p:txBody>
@@ -16433,7 +16623,7 @@
     </p:spTree>
     <p:extLst>
       <p:ext uri="{BB962C8B-B14F-4D97-AF65-F5344CB8AC3E}">
-        <p14:creationId xmlns:p14="http://schemas.microsoft.com/office/powerpoint/2010/main" val="2026110272"/>
+        <p14:creationId xmlns:p14="http://schemas.microsoft.com/office/powerpoint/2010/main" val="3716489453"/>
       </p:ext>
     </p:extLst>
   </p:cSld>
@@ -16477,14 +16667,19 @@
             <p:ph type="title"/>
           </p:nvPr>
         </p:nvSpPr>
-        <p:spPr/>
+        <p:spPr>
+          <a:xfrm>
+            <a:off x="974785" y="618518"/>
+            <a:ext cx="10153290" cy="705457"/>
+          </a:xfrm>
+        </p:spPr>
         <p:txBody>
           <a:bodyPr/>
           <a:lstStyle/>
           <a:p>
             <a:r>
               <a:rPr lang="en-US" dirty="0" smtClean="0"/>
-              <a:t>VIEW </a:t>
+              <a:t>FIRST class EventS-Driven architecture</a:t>
             </a:r>
             <a:endParaRPr lang="en-US" dirty="0"/>
           </a:p>
@@ -16502,54 +16697,22 @@
         </p:nvSpPr>
         <p:spPr>
           <a:xfrm>
-            <a:off x="1141412" y="2249487"/>
-            <a:ext cx="9905999" cy="1330475"/>
+            <a:off x="974786" y="1466850"/>
+            <a:ext cx="10153290" cy="4324352"/>
           </a:xfrm>
-        </p:spPr>
-        <p:txBody>
-          <a:bodyPr/>
-          <a:lstStyle/>
-          <a:p>
-            <a:r>
-              <a:rPr lang="en-US" dirty="0" smtClean="0"/>
-              <a:t>Event source</a:t>
-            </a:r>
-          </a:p>
-          <a:p>
-            <a:r>
-              <a:rPr lang="en-US" dirty="0" smtClean="0"/>
-              <a:t>Data binding target</a:t>
-            </a:r>
-          </a:p>
-          <a:p>
-            <a:endParaRPr lang="en-US" dirty="0"/>
-          </a:p>
-        </p:txBody>
-      </p:sp>
-      <p:sp>
-        <p:nvSpPr>
-          <p:cNvPr id="7" name="Rectangle 6"/>
-          <p:cNvSpPr/>
-          <p:nvPr/>
-        </p:nvSpPr>
-        <p:spPr>
-          <a:xfrm>
-            <a:off x="1141411" y="3732361"/>
-            <a:ext cx="9905999" cy="1200329"/>
-          </a:xfrm>
-          <a:prstGeom prst="rect">
-            <a:avLst/>
-          </a:prstGeom>
           <a:solidFill>
             <a:schemeClr val="tx1"/>
           </a:solidFill>
         </p:spPr>
         <p:txBody>
-          <a:bodyPr wrap="square">
-            <a:spAutoFit/>
+          <a:bodyPr>
+            <a:normAutofit fontScale="85000" lnSpcReduction="20000"/>
           </a:bodyPr>
           <a:lstStyle/>
           <a:p>
+            <a:pPr marL="0" indent="0">
+              <a:buNone/>
+            </a:pPr>
             <a:r>
               <a:rPr lang="en-US" dirty="0">
                 <a:solidFill>
@@ -16566,10 +16729,154 @@
                 </a:solidFill>
                 <a:latin typeface="Consolas" panose="020B0609020204030204" pitchFamily="49" charset="0"/>
               </a:rPr>
-              <a:t> IView&lt;'Events&gt; =</a:t>
-            </a:r>
-          </a:p>
-          <a:p>
+              <a:t> View = IEvent&lt;Events&gt;  </a:t>
+            </a:r>
+          </a:p>
+          <a:p>
+            <a:pPr marL="0" indent="0">
+              <a:buNone/>
+            </a:pPr>
+            <a:r>
+              <a:rPr lang="en-US" dirty="0" smtClean="0">
+                <a:solidFill>
+                  <a:srgbClr val="0000FF"/>
+                </a:solidFill>
+                <a:latin typeface="Consolas" panose="020B0609020204030204" pitchFamily="49" charset="0"/>
+              </a:rPr>
+              <a:t>and</a:t>
+            </a:r>
+            <a:r>
+              <a:rPr lang="en-US" dirty="0" smtClean="0">
+                <a:solidFill>
+                  <a:prstClr val="black"/>
+                </a:solidFill>
+                <a:latin typeface="Consolas" panose="020B0609020204030204" pitchFamily="49" charset="0"/>
+              </a:rPr>
+              <a:t> Events = </a:t>
+            </a:r>
+          </a:p>
+          <a:p>
+            <a:pPr marL="0" indent="0">
+              <a:buNone/>
+            </a:pPr>
+            <a:r>
+              <a:rPr lang="en-US" dirty="0" smtClean="0">
+                <a:solidFill>
+                  <a:prstClr val="black"/>
+                </a:solidFill>
+                <a:latin typeface="Consolas" panose="020B0609020204030204" pitchFamily="49" charset="0"/>
+              </a:rPr>
+              <a:t>    | Add </a:t>
+            </a:r>
+            <a:r>
+              <a:rPr lang="en-US" dirty="0" smtClean="0">
+                <a:solidFill>
+                  <a:srgbClr val="0000FF"/>
+                </a:solidFill>
+                <a:latin typeface="Consolas" panose="020B0609020204030204" pitchFamily="49" charset="0"/>
+              </a:rPr>
+              <a:t>of</a:t>
+            </a:r>
+            <a:r>
+              <a:rPr lang="en-US" dirty="0" smtClean="0">
+                <a:solidFill>
+                  <a:prstClr val="black"/>
+                </a:solidFill>
+                <a:latin typeface="Consolas" panose="020B0609020204030204" pitchFamily="49" charset="0"/>
+              </a:rPr>
+              <a:t> int </a:t>
+            </a:r>
+          </a:p>
+          <a:p>
+            <a:pPr marL="0" indent="0">
+              <a:buNone/>
+            </a:pPr>
+            <a:r>
+              <a:rPr lang="en-US" dirty="0" smtClean="0">
+                <a:solidFill>
+                  <a:prstClr val="black"/>
+                </a:solidFill>
+                <a:latin typeface="Consolas" panose="020B0609020204030204" pitchFamily="49" charset="0"/>
+              </a:rPr>
+              <a:t>    | Subtract </a:t>
+            </a:r>
+            <a:r>
+              <a:rPr lang="en-US" dirty="0" smtClean="0">
+                <a:solidFill>
+                  <a:srgbClr val="0000FF"/>
+                </a:solidFill>
+                <a:latin typeface="Consolas" panose="020B0609020204030204" pitchFamily="49" charset="0"/>
+              </a:rPr>
+              <a:t>of</a:t>
+            </a:r>
+            <a:r>
+              <a:rPr lang="en-US" dirty="0" smtClean="0">
+                <a:solidFill>
+                  <a:prstClr val="black"/>
+                </a:solidFill>
+                <a:latin typeface="Consolas" panose="020B0609020204030204" pitchFamily="49" charset="0"/>
+              </a:rPr>
+              <a:t> int</a:t>
+            </a:r>
+          </a:p>
+          <a:p>
+            <a:pPr marL="0" indent="0">
+              <a:buNone/>
+            </a:pPr>
+            <a:endParaRPr lang="en-US" dirty="0" smtClean="0">
+              <a:solidFill>
+                <a:prstClr val="black"/>
+              </a:solidFill>
+              <a:latin typeface="Consolas" panose="020B0609020204030204" pitchFamily="49" charset="0"/>
+            </a:endParaRPr>
+          </a:p>
+          <a:p>
+            <a:pPr marL="0" indent="0">
+              <a:buNone/>
+            </a:pPr>
+            <a:r>
+              <a:rPr lang="en-US" dirty="0" smtClean="0">
+                <a:solidFill>
+                  <a:srgbClr val="0000FF"/>
+                </a:solidFill>
+                <a:latin typeface="Consolas" panose="020B0609020204030204" pitchFamily="49" charset="0"/>
+              </a:rPr>
+              <a:t>type</a:t>
+            </a:r>
+            <a:r>
+              <a:rPr lang="en-US" dirty="0" smtClean="0">
+                <a:solidFill>
+                  <a:prstClr val="black"/>
+                </a:solidFill>
+                <a:latin typeface="Consolas" panose="020B0609020204030204" pitchFamily="49" charset="0"/>
+              </a:rPr>
+              <a:t> Model = { State : int }</a:t>
+            </a:r>
+          </a:p>
+          <a:p>
+            <a:pPr marL="0" indent="0">
+              <a:buNone/>
+            </a:pPr>
+            <a:endParaRPr lang="en-US" dirty="0" smtClean="0">
+              <a:solidFill>
+                <a:prstClr val="black"/>
+              </a:solidFill>
+              <a:latin typeface="Consolas" panose="020B0609020204030204" pitchFamily="49" charset="0"/>
+            </a:endParaRPr>
+          </a:p>
+          <a:p>
+            <a:pPr marL="0" indent="0">
+              <a:buNone/>
+            </a:pPr>
+            <a:r>
+              <a:rPr lang="en-US" dirty="0">
+                <a:solidFill>
+                  <a:srgbClr val="0000FF"/>
+                </a:solidFill>
+                <a:latin typeface="Consolas" panose="020B0609020204030204" pitchFamily="49" charset="0"/>
+              </a:rPr>
+              <a:t>type</a:t>
+            </a:r>
             <a:r>
               <a:rPr lang="en-US" dirty="0">
                 <a:solidFill>
@@ -16577,62 +16884,16 @@
                 </a:solidFill>
                 <a:latin typeface="Consolas" panose="020B0609020204030204" pitchFamily="49" charset="0"/>
               </a:rPr>
-              <a:t>    </a:t>
-            </a:r>
-            <a:r>
-              <a:rPr lang="en-US" dirty="0">
-                <a:solidFill>
-                  <a:srgbClr val="0000FF"/>
-                </a:solidFill>
-                <a:latin typeface="Consolas" panose="020B0609020204030204" pitchFamily="49" charset="0"/>
-              </a:rPr>
-              <a:t>inherit</a:t>
-            </a:r>
-            <a:r>
-              <a:rPr lang="en-US" dirty="0">
+              <a:t> Controller = </a:t>
+            </a:r>
+            <a:r>
+              <a:rPr lang="en-US" dirty="0" smtClean="0">
                 <a:solidFill>
                   <a:prstClr val="black"/>
                 </a:solidFill>
                 <a:latin typeface="Consolas" panose="020B0609020204030204" pitchFamily="49" charset="0"/>
               </a:rPr>
-              <a:t> IObservable&lt;'Events&gt;</a:t>
-            </a:r>
-          </a:p>
-          <a:p>
-            <a:endParaRPr lang="en-US" dirty="0">
-              <a:solidFill>
-                <a:prstClr val="black"/>
-              </a:solidFill>
-              <a:latin typeface="Consolas" panose="020B0609020204030204" pitchFamily="49" charset="0"/>
-            </a:endParaRPr>
-          </a:p>
-          <a:p>
-            <a:r>
-              <a:rPr lang="en-US" dirty="0">
-                <a:solidFill>
-                  <a:prstClr val="black"/>
-                </a:solidFill>
-                <a:latin typeface="Consolas" panose="020B0609020204030204" pitchFamily="49" charset="0"/>
-              </a:rPr>
-              <a:t>    </a:t>
-            </a:r>
-            <a:r>
-              <a:rPr lang="en-US" dirty="0">
-                <a:solidFill>
-                  <a:srgbClr val="0000FF"/>
-                </a:solidFill>
-                <a:latin typeface="Consolas" panose="020B0609020204030204" pitchFamily="49" charset="0"/>
-              </a:rPr>
-              <a:t>abstract</a:t>
-            </a:r>
-            <a:r>
-              <a:rPr lang="en-US" dirty="0">
-                <a:solidFill>
-                  <a:prstClr val="black"/>
-                </a:solidFill>
-                <a:latin typeface="Consolas" panose="020B0609020204030204" pitchFamily="49" charset="0"/>
-              </a:rPr>
-              <a:t> SetBindings : obj </a:t>
+              <a:t>Events </a:t>
             </a:r>
             <a:r>
               <a:rPr lang="en-US" dirty="0">
@@ -16650,15 +16911,149 @@
                 </a:solidFill>
                 <a:latin typeface="Consolas" panose="020B0609020204030204" pitchFamily="49" charset="0"/>
               </a:rPr>
-              <a:t> unit</a:t>
-            </a:r>
+              <a:t> Model </a:t>
+            </a:r>
+            <a:r>
+              <a:rPr lang="en-US" dirty="0">
+                <a:solidFill>
+                  <a:srgbClr val="0000FF"/>
+                </a:solidFill>
+                <a:latin typeface="Consolas" panose="020B0609020204030204" pitchFamily="49" charset="0"/>
+              </a:rPr>
+              <a:t>-&gt;</a:t>
+            </a:r>
+            <a:r>
+              <a:rPr lang="en-US" dirty="0">
+                <a:solidFill>
+                  <a:prstClr val="black"/>
+                </a:solidFill>
+                <a:latin typeface="Consolas" panose="020B0609020204030204" pitchFamily="49" charset="0"/>
+              </a:rPr>
+              <a:t> </a:t>
+            </a:r>
+            <a:r>
+              <a:rPr lang="en-US" dirty="0" smtClean="0">
+                <a:solidFill>
+                  <a:prstClr val="black"/>
+                </a:solidFill>
+                <a:latin typeface="Consolas" panose="020B0609020204030204" pitchFamily="49" charset="0"/>
+              </a:rPr>
+              <a:t>Model</a:t>
+            </a:r>
+          </a:p>
+          <a:p>
+            <a:pPr marL="0" indent="0">
+              <a:buNone/>
+            </a:pPr>
+            <a:endParaRPr lang="en-US" dirty="0" smtClean="0">
+              <a:solidFill>
+                <a:prstClr val="black"/>
+              </a:solidFill>
+              <a:latin typeface="Consolas" panose="020B0609020204030204" pitchFamily="49" charset="0"/>
+            </a:endParaRPr>
+          </a:p>
+          <a:p>
+            <a:pPr marL="0" indent="0">
+              <a:buNone/>
+            </a:pPr>
+            <a:r>
+              <a:rPr lang="en-US" dirty="0" smtClean="0">
+                <a:solidFill>
+                  <a:srgbClr val="0000FF"/>
+                </a:solidFill>
+                <a:latin typeface="Consolas" panose="020B0609020204030204" pitchFamily="49" charset="0"/>
+              </a:rPr>
+              <a:t>type</a:t>
+            </a:r>
+            <a:r>
+              <a:rPr lang="en-US" dirty="0" smtClean="0">
+                <a:solidFill>
+                  <a:prstClr val="black"/>
+                </a:solidFill>
+                <a:latin typeface="Consolas" panose="020B0609020204030204" pitchFamily="49" charset="0"/>
+              </a:rPr>
+              <a:t> Mvc </a:t>
+            </a:r>
+            <a:r>
+              <a:rPr lang="en-US" dirty="0">
+                <a:solidFill>
+                  <a:prstClr val="black"/>
+                </a:solidFill>
+                <a:latin typeface="Consolas" panose="020B0609020204030204" pitchFamily="49" charset="0"/>
+              </a:rPr>
+              <a:t>= Controller </a:t>
+            </a:r>
+            <a:r>
+              <a:rPr lang="en-US" dirty="0" smtClean="0">
+                <a:solidFill>
+                  <a:srgbClr val="0000FF"/>
+                </a:solidFill>
+                <a:latin typeface="Consolas" panose="020B0609020204030204" pitchFamily="49" charset="0"/>
+              </a:rPr>
+              <a:t>-&gt;</a:t>
+            </a:r>
+            <a:r>
+              <a:rPr lang="en-US" dirty="0" smtClean="0">
+                <a:solidFill>
+                  <a:prstClr val="black"/>
+                </a:solidFill>
+                <a:latin typeface="Consolas" panose="020B0609020204030204" pitchFamily="49" charset="0"/>
+              </a:rPr>
+              <a:t> Model </a:t>
+            </a:r>
+            <a:r>
+              <a:rPr lang="en-US" dirty="0" smtClean="0">
+                <a:solidFill>
+                  <a:srgbClr val="0000FF"/>
+                </a:solidFill>
+                <a:latin typeface="Consolas" panose="020B0609020204030204" pitchFamily="49" charset="0"/>
+              </a:rPr>
+              <a:t>-&gt;</a:t>
+            </a:r>
+            <a:r>
+              <a:rPr lang="en-US" dirty="0" smtClean="0">
+                <a:solidFill>
+                  <a:prstClr val="black"/>
+                </a:solidFill>
+                <a:latin typeface="Consolas" panose="020B0609020204030204" pitchFamily="49" charset="0"/>
+              </a:rPr>
+              <a:t> IEvent&lt;Events&gt; </a:t>
+            </a:r>
+            <a:r>
+              <a:rPr lang="en-US" dirty="0" smtClean="0">
+                <a:solidFill>
+                  <a:srgbClr val="0000FF"/>
+                </a:solidFill>
+                <a:latin typeface="Consolas" panose="020B0609020204030204" pitchFamily="49" charset="0"/>
+              </a:rPr>
+              <a:t>-&gt;</a:t>
+            </a:r>
+            <a:r>
+              <a:rPr lang="en-US" dirty="0" smtClean="0">
+                <a:solidFill>
+                  <a:prstClr val="black"/>
+                </a:solidFill>
+                <a:latin typeface="Consolas" panose="020B0609020204030204" pitchFamily="49" charset="0"/>
+              </a:rPr>
+              <a:t> Model</a:t>
+            </a:r>
+          </a:p>
+          <a:p>
+            <a:pPr marL="0" indent="0">
+              <a:buNone/>
+            </a:pPr>
+            <a:endParaRPr lang="en-US" dirty="0">
+              <a:solidFill>
+                <a:schemeClr val="bg1"/>
+              </a:solidFill>
+            </a:endParaRPr>
           </a:p>
         </p:txBody>
       </p:sp>
     </p:spTree>
     <p:extLst>
       <p:ext uri="{BB962C8B-B14F-4D97-AF65-F5344CB8AC3E}">
-        <p14:creationId xmlns:p14="http://schemas.microsoft.com/office/powerpoint/2010/main" val="3687811577"/>
+        <p14:creationId xmlns:p14="http://schemas.microsoft.com/office/powerpoint/2010/main" val="2634465386"/>
       </p:ext>
     </p:extLst>
   </p:cSld>

--- a/NYC Meetup.2013-04-23.pptx
+++ b/NYC Meetup.2013-04-23.pptx
@@ -6,31 +6,30 @@
   </p:sldMasterIdLst>
   <p:sldIdLst>
     <p:sldId id="256" r:id="rId2"/>
-    <p:sldId id="282" r:id="rId3"/>
-    <p:sldId id="281" r:id="rId4"/>
-    <p:sldId id="257" r:id="rId5"/>
-    <p:sldId id="260" r:id="rId6"/>
-    <p:sldId id="259" r:id="rId7"/>
-    <p:sldId id="261" r:id="rId8"/>
-    <p:sldId id="262" r:id="rId9"/>
-    <p:sldId id="263" r:id="rId10"/>
-    <p:sldId id="264" r:id="rId11"/>
-    <p:sldId id="266" r:id="rId12"/>
-    <p:sldId id="265" r:id="rId13"/>
-    <p:sldId id="267" r:id="rId14"/>
-    <p:sldId id="268" r:id="rId15"/>
-    <p:sldId id="269" r:id="rId16"/>
-    <p:sldId id="270" r:id="rId17"/>
-    <p:sldId id="271" r:id="rId18"/>
-    <p:sldId id="272" r:id="rId19"/>
-    <p:sldId id="273" r:id="rId20"/>
-    <p:sldId id="274" r:id="rId21"/>
-    <p:sldId id="275" r:id="rId22"/>
-    <p:sldId id="276" r:id="rId23"/>
-    <p:sldId id="277" r:id="rId24"/>
-    <p:sldId id="278" r:id="rId25"/>
-    <p:sldId id="280" r:id="rId26"/>
-    <p:sldId id="279" r:id="rId27"/>
+    <p:sldId id="283" r:id="rId3"/>
+    <p:sldId id="257" r:id="rId4"/>
+    <p:sldId id="260" r:id="rId5"/>
+    <p:sldId id="259" r:id="rId6"/>
+    <p:sldId id="261" r:id="rId7"/>
+    <p:sldId id="262" r:id="rId8"/>
+    <p:sldId id="263" r:id="rId9"/>
+    <p:sldId id="264" r:id="rId10"/>
+    <p:sldId id="266" r:id="rId11"/>
+    <p:sldId id="265" r:id="rId12"/>
+    <p:sldId id="284" r:id="rId13"/>
+    <p:sldId id="268" r:id="rId14"/>
+    <p:sldId id="269" r:id="rId15"/>
+    <p:sldId id="270" r:id="rId16"/>
+    <p:sldId id="271" r:id="rId17"/>
+    <p:sldId id="272" r:id="rId18"/>
+    <p:sldId id="273" r:id="rId19"/>
+    <p:sldId id="274" r:id="rId20"/>
+    <p:sldId id="275" r:id="rId21"/>
+    <p:sldId id="276" r:id="rId22"/>
+    <p:sldId id="277" r:id="rId23"/>
+    <p:sldId id="278" r:id="rId24"/>
+    <p:sldId id="280" r:id="rId25"/>
+    <p:sldId id="279" r:id="rId26"/>
   </p:sldIdLst>
   <p:sldSz cx="12192000" cy="6858000"/>
   <p:notesSz cx="6858000" cy="9144000"/>
@@ -4414,7 +4413,7 @@
             <a:fld id="{B61BEF0D-F0BB-DE4B-95CE-6DB70DBA9567}" type="datetimeFigureOut">
               <a:rPr lang="en-US" smtClean="0"/>
               <a:pPr/>
-              <a:t>4/16/2013</a:t>
+              <a:t>4/19/2013</a:t>
             </a:fld>
             <a:endParaRPr lang="en-US" dirty="0"/>
           </a:p>
@@ -4683,7 +4682,7 @@
             <a:fld id="{B61BEF0D-F0BB-DE4B-95CE-6DB70DBA9567}" type="datetimeFigureOut">
               <a:rPr lang="en-US" smtClean="0"/>
               <a:pPr/>
-              <a:t>4/16/2013</a:t>
+              <a:t>4/19/2013</a:t>
             </a:fld>
             <a:endParaRPr lang="en-US" dirty="0"/>
           </a:p>
@@ -4881,7 +4880,7 @@
             <a:fld id="{B61BEF0D-F0BB-DE4B-95CE-6DB70DBA9567}" type="datetimeFigureOut">
               <a:rPr lang="en-US" smtClean="0"/>
               <a:pPr/>
-              <a:t>4/16/2013</a:t>
+              <a:t>4/19/2013</a:t>
             </a:fld>
             <a:endParaRPr lang="en-US" dirty="0"/>
           </a:p>
@@ -5146,7 +5145,7 @@
             <a:fld id="{B61BEF0D-F0BB-DE4B-95CE-6DB70DBA9567}" type="datetimeFigureOut">
               <a:rPr lang="en-US" smtClean="0"/>
               <a:pPr/>
-              <a:t>4/16/2013</a:t>
+              <a:t>4/19/2013</a:t>
             </a:fld>
             <a:endParaRPr lang="en-US" dirty="0"/>
           </a:p>
@@ -5582,7 +5581,7 @@
             <a:fld id="{B61BEF0D-F0BB-DE4B-95CE-6DB70DBA9567}" type="datetimeFigureOut">
               <a:rPr lang="en-US" smtClean="0"/>
               <a:pPr/>
-              <a:t>4/16/2013</a:t>
+              <a:t>4/19/2013</a:t>
             </a:fld>
             <a:endParaRPr lang="en-US" dirty="0"/>
           </a:p>
@@ -6130,7 +6129,7 @@
             <a:fld id="{B61BEF0D-F0BB-DE4B-95CE-6DB70DBA9567}" type="datetimeFigureOut">
               <a:rPr lang="en-US" smtClean="0"/>
               <a:pPr/>
-              <a:t>4/16/2013</a:t>
+              <a:t>4/19/2013</a:t>
             </a:fld>
             <a:endParaRPr lang="en-US" dirty="0"/>
           </a:p>
@@ -6852,7 +6851,7 @@
             <a:fld id="{B61BEF0D-F0BB-DE4B-95CE-6DB70DBA9567}" type="datetimeFigureOut">
               <a:rPr lang="en-US" smtClean="0"/>
               <a:pPr/>
-              <a:t>4/16/2013</a:t>
+              <a:t>4/19/2013</a:t>
             </a:fld>
             <a:endParaRPr lang="en-US" dirty="0"/>
           </a:p>
@@ -7024,7 +7023,7 @@
             <a:fld id="{B61BEF0D-F0BB-DE4B-95CE-6DB70DBA9567}" type="datetimeFigureOut">
               <a:rPr lang="en-US" smtClean="0"/>
               <a:pPr/>
-              <a:t>4/16/2013</a:t>
+              <a:t>4/19/2013</a:t>
             </a:fld>
             <a:endParaRPr lang="en-US" dirty="0"/>
           </a:p>
@@ -7206,7 +7205,7 @@
             <a:fld id="{B61BEF0D-F0BB-DE4B-95CE-6DB70DBA9567}" type="datetimeFigureOut">
               <a:rPr lang="en-US" smtClean="0"/>
               <a:pPr/>
-              <a:t>4/16/2013</a:t>
+              <a:t>4/19/2013</a:t>
             </a:fld>
             <a:endParaRPr lang="en-US" dirty="0"/>
           </a:p>
@@ -7378,7 +7377,7 @@
             <a:fld id="{B61BEF0D-F0BB-DE4B-95CE-6DB70DBA9567}" type="datetimeFigureOut">
               <a:rPr lang="en-US" smtClean="0"/>
               <a:pPr/>
-              <a:t>4/16/2013</a:t>
+              <a:t>4/19/2013</a:t>
             </a:fld>
             <a:endParaRPr lang="en-US" dirty="0"/>
           </a:p>
@@ -7630,7 +7629,7 @@
             <a:fld id="{B61BEF0D-F0BB-DE4B-95CE-6DB70DBA9567}" type="datetimeFigureOut">
               <a:rPr lang="en-US" smtClean="0"/>
               <a:pPr/>
-              <a:t>4/16/2013</a:t>
+              <a:t>4/19/2013</a:t>
             </a:fld>
             <a:endParaRPr lang="en-US" dirty="0"/>
           </a:p>
@@ -7864,7 +7863,7 @@
             <a:fld id="{B61BEF0D-F0BB-DE4B-95CE-6DB70DBA9567}" type="datetimeFigureOut">
               <a:rPr lang="en-US" smtClean="0"/>
               <a:pPr/>
-              <a:t>4/16/2013</a:t>
+              <a:t>4/19/2013</a:t>
             </a:fld>
             <a:endParaRPr lang="en-US" dirty="0"/>
           </a:p>
@@ -8247,7 +8246,7 @@
             <a:fld id="{B61BEF0D-F0BB-DE4B-95CE-6DB70DBA9567}" type="datetimeFigureOut">
               <a:rPr lang="en-US" smtClean="0"/>
               <a:pPr/>
-              <a:t>4/16/2013</a:t>
+              <a:t>4/19/2013</a:t>
             </a:fld>
             <a:endParaRPr lang="en-US" dirty="0"/>
           </a:p>
@@ -8367,7 +8366,7 @@
             <a:fld id="{B61BEF0D-F0BB-DE4B-95CE-6DB70DBA9567}" type="datetimeFigureOut">
               <a:rPr lang="en-US" smtClean="0"/>
               <a:pPr/>
-              <a:t>4/16/2013</a:t>
+              <a:t>4/19/2013</a:t>
             </a:fld>
             <a:endParaRPr lang="en-US" dirty="0"/>
           </a:p>
@@ -8464,7 +8463,7 @@
             <a:fld id="{B61BEF0D-F0BB-DE4B-95CE-6DB70DBA9567}" type="datetimeFigureOut">
               <a:rPr lang="en-US" smtClean="0"/>
               <a:pPr/>
-              <a:t>4/16/2013</a:t>
+              <a:t>4/19/2013</a:t>
             </a:fld>
             <a:endParaRPr lang="en-US" dirty="0"/>
           </a:p>
@@ -8715,7 +8714,7 @@
             <a:fld id="{B61BEF0D-F0BB-DE4B-95CE-6DB70DBA9567}" type="datetimeFigureOut">
               <a:rPr lang="en-US" smtClean="0"/>
               <a:pPr/>
-              <a:t>4/16/2013</a:t>
+              <a:t>4/19/2013</a:t>
             </a:fld>
             <a:endParaRPr lang="en-US" dirty="0"/>
           </a:p>
@@ -8997,7 +8996,7 @@
             <a:fld id="{B61BEF0D-F0BB-DE4B-95CE-6DB70DBA9567}" type="datetimeFigureOut">
               <a:rPr lang="en-US" smtClean="0"/>
               <a:pPr/>
-              <a:t>4/16/2013</a:t>
+              <a:t>4/19/2013</a:t>
             </a:fld>
             <a:endParaRPr lang="en-US" dirty="0"/>
           </a:p>
@@ -12076,7 +12075,7 @@
             <a:fld id="{B61BEF0D-F0BB-DE4B-95CE-6DB70DBA9567}" type="datetimeFigureOut">
               <a:rPr lang="en-US" smtClean="0"/>
               <a:pPr/>
-              <a:t>4/16/2013</a:t>
+              <a:t>4/19/2013</a:t>
             </a:fld>
             <a:endParaRPr lang="en-US" dirty="0"/>
           </a:p>
@@ -12613,127 +12612,6 @@
           <a:p>
             <a:r>
               <a:rPr lang="en-US" dirty="0" smtClean="0"/>
-              <a:t>model</a:t>
-            </a:r>
-            <a:endParaRPr lang="en-US" dirty="0"/>
-          </a:p>
-        </p:txBody>
-      </p:sp>
-      <p:sp>
-        <p:nvSpPr>
-          <p:cNvPr id="3" name="Content Placeholder 2"/>
-          <p:cNvSpPr>
-            <a:spLocks noGrp="1"/>
-          </p:cNvSpPr>
-          <p:nvPr>
-            <p:ph idx="1"/>
-          </p:nvPr>
-        </p:nvSpPr>
-        <p:spPr/>
-        <p:txBody>
-          <a:bodyPr/>
-          <a:lstStyle/>
-          <a:p>
-            <a:r>
-              <a:rPr lang="en-US" dirty="0" smtClean="0"/>
-              <a:t>Not domain model</a:t>
-            </a:r>
-          </a:p>
-          <a:p>
-            <a:r>
-              <a:rPr lang="en-US" dirty="0" smtClean="0"/>
-              <a:t>Based </a:t>
-            </a:r>
-            <a:r>
-              <a:rPr lang="en-US" dirty="0" smtClean="0"/>
-              <a:t>on Castle Dynamic Proxy</a:t>
-            </a:r>
-          </a:p>
-          <a:p>
-            <a:r>
-              <a:rPr lang="en-US" dirty="0" smtClean="0"/>
-              <a:t>Raises INPC.PropertyChanged from setter interceptor</a:t>
-            </a:r>
-          </a:p>
-          <a:p>
-            <a:r>
-              <a:rPr lang="en-US" dirty="0" smtClean="0"/>
-              <a:t>Implementation: </a:t>
-            </a:r>
-            <a:r>
-              <a:rPr lang="en-US" dirty="0" smtClean="0"/>
-              <a:t>base class + factory method</a:t>
-            </a:r>
-          </a:p>
-          <a:p>
-            <a:r>
-              <a:rPr lang="en-US" dirty="0" smtClean="0"/>
-              <a:t>Support for abstract properties makes coding in F# easier</a:t>
-            </a:r>
-          </a:p>
-          <a:p>
-            <a:r>
-              <a:rPr lang="en-US" dirty="0" smtClean="0"/>
-              <a:t>DECLARATIVE (type definition only, no imperative logic)</a:t>
-            </a:r>
-            <a:endParaRPr lang="en-US" dirty="0"/>
-          </a:p>
-        </p:txBody>
-      </p:sp>
-    </p:spTree>
-    <p:extLst>
-      <p:ext uri="{BB962C8B-B14F-4D97-AF65-F5344CB8AC3E}">
-        <p14:creationId xmlns:p14="http://schemas.microsoft.com/office/powerpoint/2010/main" val="2026110272"/>
-      </p:ext>
-    </p:extLst>
-  </p:cSld>
-  <p:clrMapOvr>
-    <a:masterClrMapping/>
-  </p:clrMapOvr>
-  <p:timing>
-    <p:tnLst>
-      <p:par>
-        <p:cTn id="1" dur="indefinite" restart="never" nodeType="tmRoot"/>
-      </p:par>
-    </p:tnLst>
-  </p:timing>
-</p:sld>
-</file>
-
-<file path=ppt/slides/slide11.xml><?xml version="1.0" encoding="utf-8"?>
-<p:sld xmlns:a="http://schemas.openxmlformats.org/drawingml/2006/main" xmlns:r="http://schemas.openxmlformats.org/officeDocument/2006/relationships" xmlns:p="http://schemas.openxmlformats.org/presentationml/2006/main">
-  <p:cSld>
-    <p:spTree>
-      <p:nvGrpSpPr>
-        <p:cNvPr id="1" name=""/>
-        <p:cNvGrpSpPr/>
-        <p:nvPr/>
-      </p:nvGrpSpPr>
-      <p:grpSpPr>
-        <a:xfrm>
-          <a:off x="0" y="0"/>
-          <a:ext cx="0" cy="0"/>
-          <a:chOff x="0" y="0"/>
-          <a:chExt cx="0" cy="0"/>
-        </a:xfrm>
-      </p:grpSpPr>
-      <p:sp>
-        <p:nvSpPr>
-          <p:cNvPr id="2" name="Title 1"/>
-          <p:cNvSpPr>
-            <a:spLocks noGrp="1"/>
-          </p:cNvSpPr>
-          <p:nvPr>
-            <p:ph type="title"/>
-          </p:nvPr>
-        </p:nvSpPr>
-        <p:spPr/>
-        <p:txBody>
-          <a:bodyPr/>
-          <a:lstStyle/>
-          <a:p>
-            <a:r>
-              <a:rPr lang="en-US" dirty="0" smtClean="0"/>
               <a:t>VIEW </a:t>
             </a:r>
             <a:endParaRPr lang="en-US" dirty="0"/>
@@ -12757,7 +12635,9 @@
           </a:xfrm>
         </p:spPr>
         <p:txBody>
-          <a:bodyPr/>
+          <a:bodyPr>
+            <a:normAutofit fontScale="92500" lnSpcReduction="10000"/>
+          </a:bodyPr>
           <a:lstStyle/>
           <a:p>
             <a:r>
@@ -12768,11 +12648,7 @@
           <a:p>
             <a:r>
               <a:rPr lang="en-US" dirty="0" smtClean="0"/>
-              <a:t>Data binding </a:t>
-            </a:r>
-            <a:r>
-              <a:rPr lang="en-US" dirty="0" smtClean="0"/>
-              <a:t>target (model is the </a:t>
+              <a:t>Data binding target (model is the </a:t>
             </a:r>
             <a:r>
               <a:rPr lang="en-US" dirty="0" err="1" smtClean="0"/>
@@ -12786,9 +12662,15 @@
           <a:p>
             <a:r>
               <a:rPr lang="en-US" dirty="0" smtClean="0"/>
+              <a:t>Both parametric (‘Events) and subtype (interface) polymorphism</a:t>
+            </a:r>
+            <a:endParaRPr lang="en-US" dirty="0" smtClean="0"/>
+          </a:p>
+          <a:p>
+            <a:r>
+              <a:rPr lang="en-US" dirty="0" smtClean="0"/>
               <a:t>F# support for .NET events makes experience really smooth</a:t>
             </a:r>
-            <a:endParaRPr lang="en-US" dirty="0" smtClean="0"/>
           </a:p>
           <a:p>
             <a:r>
@@ -12948,7 +12830,7 @@
 </p:sld>
 </file>
 
-<file path=ppt/slides/slide12.xml><?xml version="1.0" encoding="utf-8"?>
+<file path=ppt/slides/slide11.xml><?xml version="1.0" encoding="utf-8"?>
 <p:sld xmlns:a="http://schemas.openxmlformats.org/drawingml/2006/main" xmlns:r="http://schemas.openxmlformats.org/officeDocument/2006/relationships" xmlns:p="http://schemas.openxmlformats.org/presentationml/2006/main">
   <p:cSld>
     <p:spTree>
@@ -13201,6 +13083,327 @@
 </p:sld>
 </file>
 
+<file path=ppt/slides/slide12.xml><?xml version="1.0" encoding="utf-8"?>
+<p:sld xmlns:a="http://schemas.openxmlformats.org/drawingml/2006/main" xmlns:r="http://schemas.openxmlformats.org/officeDocument/2006/relationships" xmlns:p="http://schemas.openxmlformats.org/presentationml/2006/main">
+  <p:cSld>
+    <p:spTree>
+      <p:nvGrpSpPr>
+        <p:cNvPr id="1" name=""/>
+        <p:cNvGrpSpPr/>
+        <p:nvPr/>
+      </p:nvGrpSpPr>
+      <p:grpSpPr>
+        <a:xfrm>
+          <a:off x="0" y="0"/>
+          <a:ext cx="0" cy="0"/>
+          <a:chOff x="0" y="0"/>
+          <a:chExt cx="0" cy="0"/>
+        </a:xfrm>
+      </p:grpSpPr>
+      <p:sp>
+        <p:nvSpPr>
+          <p:cNvPr id="2" name="Title 1"/>
+          <p:cNvSpPr>
+            <a:spLocks noGrp="1"/>
+          </p:cNvSpPr>
+          <p:nvPr>
+            <p:ph type="title"/>
+          </p:nvPr>
+        </p:nvSpPr>
+        <p:spPr/>
+        <p:txBody>
+          <a:bodyPr/>
+          <a:lstStyle/>
+          <a:p>
+            <a:r>
+              <a:rPr lang="en-US" dirty="0" smtClean="0"/>
+              <a:t>Controller</a:t>
+            </a:r>
+            <a:endParaRPr lang="en-US" dirty="0"/>
+          </a:p>
+        </p:txBody>
+      </p:sp>
+      <p:sp>
+        <p:nvSpPr>
+          <p:cNvPr id="8" name="Content Placeholder 7"/>
+          <p:cNvSpPr>
+            <a:spLocks noGrp="1"/>
+          </p:cNvSpPr>
+          <p:nvPr>
+            <p:ph idx="1"/>
+          </p:nvPr>
+        </p:nvSpPr>
+        <p:spPr>
+          <a:xfrm>
+            <a:off x="1141412" y="3467101"/>
+            <a:ext cx="9905999" cy="2324100"/>
+          </a:xfrm>
+        </p:spPr>
+        <p:txBody>
+          <a:bodyPr/>
+          <a:lstStyle/>
+          <a:p>
+            <a:r>
+              <a:rPr lang="en-US" dirty="0" smtClean="0"/>
+              <a:t>Presentation logic container</a:t>
+            </a:r>
+          </a:p>
+          <a:p>
+            <a:r>
+              <a:rPr lang="en-US" dirty="0" smtClean="0"/>
+              <a:t>Keep it unit-testable</a:t>
+            </a:r>
+            <a:endParaRPr lang="en-US" dirty="0"/>
+          </a:p>
+        </p:txBody>
+      </p:sp>
+      <p:sp>
+        <p:nvSpPr>
+          <p:cNvPr id="6" name="Rectangle 5"/>
+          <p:cNvSpPr/>
+          <p:nvPr/>
+        </p:nvSpPr>
+        <p:spPr>
+          <a:xfrm>
+            <a:off x="1141413" y="1732687"/>
+            <a:ext cx="9905998" cy="1477328"/>
+          </a:xfrm>
+          <a:prstGeom prst="rect">
+            <a:avLst/>
+          </a:prstGeom>
+          <a:solidFill>
+            <a:schemeClr val="tx1"/>
+          </a:solidFill>
+        </p:spPr>
+        <p:txBody>
+          <a:bodyPr wrap="square">
+            <a:spAutoFit/>
+          </a:bodyPr>
+          <a:lstStyle/>
+          <a:p>
+            <a:r>
+              <a:rPr lang="en-US" dirty="0">
+                <a:solidFill>
+                  <a:srgbClr val="0000FF"/>
+                </a:solidFill>
+                <a:latin typeface="Consolas" panose="020B0609020204030204" pitchFamily="49" charset="0"/>
+              </a:rPr>
+              <a:t>type</a:t>
+            </a:r>
+            <a:r>
+              <a:rPr lang="en-US" dirty="0">
+                <a:solidFill>
+                  <a:prstClr val="black"/>
+                </a:solidFill>
+                <a:latin typeface="Consolas" panose="020B0609020204030204" pitchFamily="49" charset="0"/>
+              </a:rPr>
+              <a:t> </a:t>
+            </a:r>
+            <a:r>
+              <a:rPr lang="en-US" dirty="0" err="1">
+                <a:solidFill>
+                  <a:prstClr val="black"/>
+                </a:solidFill>
+                <a:latin typeface="Consolas" panose="020B0609020204030204" pitchFamily="49" charset="0"/>
+              </a:rPr>
+              <a:t>IController</a:t>
+            </a:r>
+            <a:r>
+              <a:rPr lang="en-US" dirty="0">
+                <a:solidFill>
+                  <a:prstClr val="black"/>
+                </a:solidFill>
+                <a:latin typeface="Consolas" panose="020B0609020204030204" pitchFamily="49" charset="0"/>
+              </a:rPr>
+              <a:t>&lt;'Events, 'Model&gt; =</a:t>
+            </a:r>
+          </a:p>
+          <a:p>
+            <a:endParaRPr lang="en-US" dirty="0">
+              <a:solidFill>
+                <a:prstClr val="black"/>
+              </a:solidFill>
+              <a:latin typeface="Consolas" panose="020B0609020204030204" pitchFamily="49" charset="0"/>
+            </a:endParaRPr>
+          </a:p>
+          <a:p>
+            <a:r>
+              <a:rPr lang="en-US" dirty="0">
+                <a:solidFill>
+                  <a:prstClr val="black"/>
+                </a:solidFill>
+                <a:latin typeface="Consolas" panose="020B0609020204030204" pitchFamily="49" charset="0"/>
+              </a:rPr>
+              <a:t>    </a:t>
+            </a:r>
+            <a:r>
+              <a:rPr lang="en-US" dirty="0">
+                <a:solidFill>
+                  <a:srgbClr val="0000FF"/>
+                </a:solidFill>
+                <a:latin typeface="Consolas" panose="020B0609020204030204" pitchFamily="49" charset="0"/>
+              </a:rPr>
+              <a:t>abstract</a:t>
+            </a:r>
+            <a:r>
+              <a:rPr lang="en-US" dirty="0">
+                <a:solidFill>
+                  <a:prstClr val="black"/>
+                </a:solidFill>
+                <a:latin typeface="Consolas" panose="020B0609020204030204" pitchFamily="49" charset="0"/>
+              </a:rPr>
+              <a:t> </a:t>
+            </a:r>
+            <a:r>
+              <a:rPr lang="en-US" dirty="0" err="1">
+                <a:solidFill>
+                  <a:prstClr val="black"/>
+                </a:solidFill>
+                <a:latin typeface="Consolas" panose="020B0609020204030204" pitchFamily="49" charset="0"/>
+              </a:rPr>
+              <a:t>InitModel</a:t>
+            </a:r>
+            <a:r>
+              <a:rPr lang="en-US" dirty="0">
+                <a:solidFill>
+                  <a:prstClr val="black"/>
+                </a:solidFill>
+                <a:latin typeface="Consolas" panose="020B0609020204030204" pitchFamily="49" charset="0"/>
+              </a:rPr>
+              <a:t> : 'Model </a:t>
+            </a:r>
+            <a:r>
+              <a:rPr lang="en-US" dirty="0">
+                <a:solidFill>
+                  <a:srgbClr val="0000FF"/>
+                </a:solidFill>
+                <a:latin typeface="Consolas" panose="020B0609020204030204" pitchFamily="49" charset="0"/>
+              </a:rPr>
+              <a:t>-&gt;</a:t>
+            </a:r>
+            <a:r>
+              <a:rPr lang="en-US" dirty="0">
+                <a:solidFill>
+                  <a:prstClr val="black"/>
+                </a:solidFill>
+                <a:latin typeface="Consolas" panose="020B0609020204030204" pitchFamily="49" charset="0"/>
+              </a:rPr>
+              <a:t> unit</a:t>
+            </a:r>
+          </a:p>
+          <a:p>
+            <a:r>
+              <a:rPr lang="en-US" dirty="0">
+                <a:solidFill>
+                  <a:prstClr val="black"/>
+                </a:solidFill>
+                <a:latin typeface="Consolas" panose="020B0609020204030204" pitchFamily="49" charset="0"/>
+              </a:rPr>
+              <a:t>    </a:t>
+            </a:r>
+            <a:r>
+              <a:rPr lang="en-US" dirty="0">
+                <a:solidFill>
+                  <a:srgbClr val="0000FF"/>
+                </a:solidFill>
+                <a:latin typeface="Consolas" panose="020B0609020204030204" pitchFamily="49" charset="0"/>
+              </a:rPr>
+              <a:t>abstract</a:t>
+            </a:r>
+            <a:r>
+              <a:rPr lang="en-US" dirty="0">
+                <a:solidFill>
+                  <a:prstClr val="black"/>
+                </a:solidFill>
+                <a:latin typeface="Consolas" panose="020B0609020204030204" pitchFamily="49" charset="0"/>
+              </a:rPr>
+              <a:t> </a:t>
+            </a:r>
+            <a:r>
+              <a:rPr lang="en-US" dirty="0" err="1">
+                <a:solidFill>
+                  <a:prstClr val="black"/>
+                </a:solidFill>
+                <a:latin typeface="Consolas" panose="020B0609020204030204" pitchFamily="49" charset="0"/>
+              </a:rPr>
+              <a:t>EventHandler</a:t>
+            </a:r>
+            <a:r>
+              <a:rPr lang="en-US" dirty="0">
+                <a:solidFill>
+                  <a:prstClr val="black"/>
+                </a:solidFill>
+                <a:latin typeface="Consolas" panose="020B0609020204030204" pitchFamily="49" charset="0"/>
+              </a:rPr>
+              <a:t> : ('Events </a:t>
+            </a:r>
+            <a:r>
+              <a:rPr lang="en-US" dirty="0">
+                <a:solidFill>
+                  <a:srgbClr val="0000FF"/>
+                </a:solidFill>
+                <a:latin typeface="Consolas" panose="020B0609020204030204" pitchFamily="49" charset="0"/>
+              </a:rPr>
+              <a:t>-&gt;</a:t>
+            </a:r>
+            <a:r>
+              <a:rPr lang="en-US" dirty="0">
+                <a:solidFill>
+                  <a:prstClr val="black"/>
+                </a:solidFill>
+                <a:latin typeface="Consolas" panose="020B0609020204030204" pitchFamily="49" charset="0"/>
+              </a:rPr>
+              <a:t> 'Model </a:t>
+            </a:r>
+            <a:r>
+              <a:rPr lang="en-US" dirty="0">
+                <a:solidFill>
+                  <a:srgbClr val="0000FF"/>
+                </a:solidFill>
+                <a:latin typeface="Consolas" panose="020B0609020204030204" pitchFamily="49" charset="0"/>
+              </a:rPr>
+              <a:t>-&gt;</a:t>
+            </a:r>
+            <a:r>
+              <a:rPr lang="en-US" dirty="0">
+                <a:solidFill>
+                  <a:prstClr val="black"/>
+                </a:solidFill>
+                <a:latin typeface="Consolas" panose="020B0609020204030204" pitchFamily="49" charset="0"/>
+              </a:rPr>
+              <a:t> unit)</a:t>
+            </a:r>
+          </a:p>
+          <a:p>
+            <a:endParaRPr lang="en-US" dirty="0">
+              <a:solidFill>
+                <a:prstClr val="black"/>
+              </a:solidFill>
+              <a:latin typeface="Consolas" panose="020B0609020204030204" pitchFamily="49" charset="0"/>
+            </a:endParaRPr>
+          </a:p>
+        </p:txBody>
+      </p:sp>
+    </p:spTree>
+    <p:extLst>
+      <p:ext uri="{BB962C8B-B14F-4D97-AF65-F5344CB8AC3E}">
+        <p14:creationId xmlns:p14="http://schemas.microsoft.com/office/powerpoint/2010/main" val="2657432877"/>
+      </p:ext>
+    </p:extLst>
+  </p:cSld>
+  <p:clrMapOvr>
+    <a:masterClrMapping/>
+  </p:clrMapOvr>
+  <p:timing>
+    <p:tnLst>
+      <p:par>
+        <p:cTn id="1" dur="indefinite" restart="never" nodeType="tmRoot"/>
+      </p:par>
+    </p:tnLst>
+  </p:timing>
+</p:sld>
+</file>
+
 <file path=ppt/slides/slide13.xml><?xml version="1.0" encoding="utf-8"?>
 <p:sld xmlns:a="http://schemas.openxmlformats.org/drawingml/2006/main" xmlns:r="http://schemas.openxmlformats.org/officeDocument/2006/relationships" xmlns:p="http://schemas.openxmlformats.org/presentationml/2006/main">
   <p:cSld>
@@ -13230,8 +13433,8 @@
         </p:nvSpPr>
         <p:spPr>
           <a:xfrm>
-            <a:off x="1141413" y="514350"/>
-            <a:ext cx="9905998" cy="704851"/>
+            <a:off x="1397479" y="256213"/>
+            <a:ext cx="9649932" cy="822093"/>
           </a:xfrm>
         </p:spPr>
         <p:txBody>
@@ -13240,51 +13443,50 @@
           <a:p>
             <a:r>
               <a:rPr lang="en-US" dirty="0" smtClean="0"/>
-              <a:t>Controller</a:t>
-            </a:r>
-            <a:endParaRPr lang="en-US" dirty="0"/>
+              <a:t>MVC – </a:t>
+            </a:r>
+            <a:r>
+              <a:rPr lang="en-US" cap="none" dirty="0" smtClean="0"/>
+              <a:t>gluing pieces together</a:t>
+            </a:r>
+            <a:endParaRPr lang="en-US" cap="none" dirty="0"/>
           </a:p>
         </p:txBody>
       </p:sp>
       <p:pic>
         <p:nvPicPr>
-          <p:cNvPr id="8" name="Content Placeholder 7"/>
+          <p:cNvPr id="5" name="Picture 4"/>
           <p:cNvPicPr>
-            <a:picLocks noGrp="1" noChangeAspect="1"/>
+            <a:picLocks noChangeAspect="1"/>
           </p:cNvPicPr>
-          <p:nvPr>
-            <p:ph idx="1"/>
-          </p:nvPr>
+          <p:nvPr/>
         </p:nvPicPr>
         <p:blipFill>
-          <a:blip r:embed="rId2">
-            <a:extLst>
-              <a:ext uri="{28A0092B-C50C-407E-A947-70E740481C1C}">
-                <a14:useLocalDpi xmlns:a14="http://schemas.microsoft.com/office/drawing/2010/main" val="0"/>
-              </a:ext>
-            </a:extLst>
-          </a:blip>
+          <a:blip r:embed="rId2"/>
           <a:stretch>
             <a:fillRect/>
           </a:stretch>
         </p:blipFill>
         <p:spPr>
           <a:xfrm>
-            <a:off x="1159333" y="1362076"/>
-            <a:ext cx="8899067" cy="4793460"/>
+            <a:off x="2216988" y="1078305"/>
+            <a:ext cx="7826467" cy="5475659"/>
           </a:xfrm>
+          <a:prstGeom prst="rect">
+            <a:avLst/>
+          </a:prstGeom>
         </p:spPr>
       </p:pic>
       <p:sp>
         <p:nvSpPr>
-          <p:cNvPr id="3" name="Left Arrow 2"/>
+          <p:cNvPr id="7" name="Left Arrow 6"/>
           <p:cNvSpPr/>
           <p:nvPr/>
         </p:nvSpPr>
         <p:spPr>
-          <a:xfrm>
-            <a:off x="7029449" y="1714500"/>
-            <a:ext cx="4648201" cy="808482"/>
+          <a:xfrm rot="20567305">
+            <a:off x="6982850" y="536609"/>
+            <a:ext cx="4648201" cy="625222"/>
           </a:xfrm>
           <a:prstGeom prst="leftArrow">
             <a:avLst/>
@@ -13330,7 +13532,7 @@
     </p:spTree>
     <p:extLst>
       <p:ext uri="{BB962C8B-B14F-4D97-AF65-F5344CB8AC3E}">
-        <p14:creationId xmlns:p14="http://schemas.microsoft.com/office/powerpoint/2010/main" val="3083871841"/>
+        <p14:creationId xmlns:p14="http://schemas.microsoft.com/office/powerpoint/2010/main" val="3483119536"/>
       </p:ext>
     </p:extLst>
   </p:cSld>
@@ -13376,8 +13578,8 @@
         </p:nvSpPr>
         <p:spPr>
           <a:xfrm>
-            <a:off x="1397479" y="256213"/>
-            <a:ext cx="9649932" cy="822093"/>
+            <a:off x="1141412" y="370869"/>
+            <a:ext cx="9905998" cy="829282"/>
           </a:xfrm>
         </p:spPr>
         <p:txBody>
@@ -13386,71 +13588,362 @@
           <a:p>
             <a:r>
               <a:rPr lang="en-US" dirty="0" smtClean="0"/>
-              <a:t>MVC – </a:t>
-            </a:r>
-            <a:r>
-              <a:rPr lang="en-US" cap="none" dirty="0" smtClean="0"/>
-              <a:t>gluing pieces together</a:t>
-            </a:r>
-            <a:endParaRPr lang="en-US" cap="none" dirty="0"/>
+              <a:t>Data binding</a:t>
+            </a:r>
+            <a:endParaRPr lang="en-US" dirty="0"/>
           </a:p>
         </p:txBody>
       </p:sp>
-      <p:pic>
-        <p:nvPicPr>
-          <p:cNvPr id="4" name="Content Placeholder 3"/>
-          <p:cNvPicPr>
-            <a:picLocks noGrp="1" noChangeAspect="1"/>
-          </p:cNvPicPr>
+      <p:sp>
+        <p:nvSpPr>
+          <p:cNvPr id="3" name="Content Placeholder 2"/>
+          <p:cNvSpPr>
+            <a:spLocks noGrp="1"/>
+          </p:cNvSpPr>
           <p:nvPr>
             <p:ph idx="1"/>
           </p:nvPr>
-        </p:nvPicPr>
-        <p:blipFill>
-          <a:blip r:embed="rId2">
-            <a:extLst>
-              <a:ext uri="{28A0092B-C50C-407E-A947-70E740481C1C}">
-                <a14:useLocalDpi xmlns:a14="http://schemas.microsoft.com/office/drawing/2010/main" val="0"/>
-              </a:ext>
-            </a:extLst>
-          </a:blip>
-          <a:stretch>
-            <a:fillRect/>
-          </a:stretch>
-        </p:blipFill>
+        </p:nvSpPr>
         <p:spPr>
           <a:xfrm>
-            <a:off x="2195272" y="1078306"/>
-            <a:ext cx="7798279" cy="5487678"/>
+            <a:off x="1141412" y="4086225"/>
+            <a:ext cx="9905999" cy="1952624"/>
           </a:xfrm>
         </p:spPr>
-      </p:pic>
+        <p:txBody>
+          <a:bodyPr>
+            <a:normAutofit/>
+          </a:bodyPr>
+          <a:lstStyle/>
+          <a:p>
+            <a:r>
+              <a:rPr lang="en-US" sz="2000" dirty="0" smtClean="0"/>
+              <a:t>Making implicit dependency explicit</a:t>
+            </a:r>
+          </a:p>
+          <a:p>
+            <a:r>
+              <a:rPr lang="en-US" sz="2000" dirty="0" smtClean="0"/>
+              <a:t>Leveraging F#/.NET type system</a:t>
+            </a:r>
+          </a:p>
+          <a:p>
+            <a:r>
+              <a:rPr lang="en-US" sz="2000" dirty="0" smtClean="0"/>
+              <a:t>Leveraging IDE/compiler</a:t>
+            </a:r>
+          </a:p>
+          <a:p>
+            <a:r>
+              <a:rPr lang="en-US" sz="2000" dirty="0" smtClean="0"/>
+              <a:t>Optional </a:t>
+            </a:r>
+            <a:r>
+              <a:rPr lang="en-US" sz="2000" dirty="0" smtClean="0"/>
+              <a:t>module</a:t>
+            </a:r>
+          </a:p>
+          <a:p>
+            <a:pPr marL="0" indent="0">
+              <a:buNone/>
+            </a:pPr>
+            <a:endParaRPr lang="en-US" sz="2000" dirty="0"/>
+          </a:p>
+        </p:txBody>
+      </p:sp>
       <p:sp>
         <p:nvSpPr>
-          <p:cNvPr id="14" name="Rounded Rectangular Callout 13"/>
+          <p:cNvPr id="4" name="Rectangle 3"/>
           <p:cNvSpPr/>
           <p:nvPr/>
         </p:nvSpPr>
         <p:spPr>
           <a:xfrm>
-            <a:off x="8524875" y="621360"/>
-            <a:ext cx="2714625" cy="913891"/>
+            <a:off x="1141411" y="1200151"/>
+            <a:ext cx="9905999" cy="1200329"/>
           </a:xfrm>
-          <a:prstGeom prst="wedgeRoundRectCallout">
-            <a:avLst>
-              <a:gd name="adj1" fmla="val -103252"/>
-              <a:gd name="adj2" fmla="val 72169"/>
-              <a:gd name="adj3" fmla="val 16667"/>
-            </a:avLst>
+          <a:prstGeom prst="rect">
+            <a:avLst/>
           </a:prstGeom>
           <a:solidFill>
-            <a:srgbClr val="FF0000"/>
+            <a:schemeClr val="tx1"/>
           </a:solidFill>
-          <a:ln>
-            <a:solidFill>
-              <a:srgbClr val="FF0000"/>
-            </a:solidFill>
-          </a:ln>
+        </p:spPr>
+        <p:txBody>
+          <a:bodyPr wrap="square">
+            <a:spAutoFit/>
+          </a:bodyPr>
+          <a:lstStyle/>
+          <a:p>
+            <a:r>
+              <a:rPr lang="en-US" dirty="0">
+                <a:solidFill>
+                  <a:srgbClr val="0000FF"/>
+                </a:solidFill>
+                <a:latin typeface="Consolas" panose="020B0609020204030204" pitchFamily="49" charset="0"/>
+              </a:rPr>
+              <a:t>type</a:t>
+            </a:r>
+            <a:r>
+              <a:rPr lang="en-US" dirty="0">
+                <a:solidFill>
+                  <a:prstClr val="black"/>
+                </a:solidFill>
+                <a:latin typeface="Consolas" panose="020B0609020204030204" pitchFamily="49" charset="0"/>
+              </a:rPr>
+              <a:t> IView&lt;'Events, 'Model&gt; =</a:t>
+            </a:r>
+          </a:p>
+          <a:p>
+            <a:r>
+              <a:rPr lang="en-US" dirty="0">
+                <a:solidFill>
+                  <a:prstClr val="black"/>
+                </a:solidFill>
+                <a:latin typeface="Consolas" panose="020B0609020204030204" pitchFamily="49" charset="0"/>
+              </a:rPr>
+              <a:t>    </a:t>
+            </a:r>
+            <a:r>
+              <a:rPr lang="en-US" dirty="0">
+                <a:solidFill>
+                  <a:srgbClr val="0000FF"/>
+                </a:solidFill>
+                <a:latin typeface="Consolas" panose="020B0609020204030204" pitchFamily="49" charset="0"/>
+              </a:rPr>
+              <a:t>inherit</a:t>
+            </a:r>
+            <a:r>
+              <a:rPr lang="en-US" dirty="0">
+                <a:solidFill>
+                  <a:prstClr val="black"/>
+                </a:solidFill>
+                <a:latin typeface="Consolas" panose="020B0609020204030204" pitchFamily="49" charset="0"/>
+              </a:rPr>
+              <a:t> IObservable&lt;'Events&gt;</a:t>
+            </a:r>
+          </a:p>
+          <a:p>
+            <a:endParaRPr lang="en-US" dirty="0">
+              <a:solidFill>
+                <a:prstClr val="black"/>
+              </a:solidFill>
+              <a:latin typeface="Consolas" panose="020B0609020204030204" pitchFamily="49" charset="0"/>
+            </a:endParaRPr>
+          </a:p>
+          <a:p>
+            <a:r>
+              <a:rPr lang="en-US" dirty="0">
+                <a:solidFill>
+                  <a:prstClr val="black"/>
+                </a:solidFill>
+                <a:latin typeface="Consolas" panose="020B0609020204030204" pitchFamily="49" charset="0"/>
+              </a:rPr>
+              <a:t>    </a:t>
+            </a:r>
+            <a:r>
+              <a:rPr lang="en-US" dirty="0">
+                <a:solidFill>
+                  <a:srgbClr val="0000FF"/>
+                </a:solidFill>
+                <a:latin typeface="Consolas" panose="020B0609020204030204" pitchFamily="49" charset="0"/>
+              </a:rPr>
+              <a:t>abstract</a:t>
+            </a:r>
+            <a:r>
+              <a:rPr lang="en-US" dirty="0">
+                <a:solidFill>
+                  <a:prstClr val="black"/>
+                </a:solidFill>
+                <a:latin typeface="Consolas" panose="020B0609020204030204" pitchFamily="49" charset="0"/>
+              </a:rPr>
+              <a:t> SetBindings : 'Model </a:t>
+            </a:r>
+            <a:r>
+              <a:rPr lang="en-US" dirty="0">
+                <a:solidFill>
+                  <a:srgbClr val="0000FF"/>
+                </a:solidFill>
+                <a:latin typeface="Consolas" panose="020B0609020204030204" pitchFamily="49" charset="0"/>
+              </a:rPr>
+              <a:t>-&gt;</a:t>
+            </a:r>
+            <a:r>
+              <a:rPr lang="en-US" dirty="0">
+                <a:solidFill>
+                  <a:prstClr val="black"/>
+                </a:solidFill>
+                <a:latin typeface="Consolas" panose="020B0609020204030204" pitchFamily="49" charset="0"/>
+              </a:rPr>
+              <a:t> unit</a:t>
+            </a:r>
+          </a:p>
+        </p:txBody>
+      </p:sp>
+      <p:sp>
+        <p:nvSpPr>
+          <p:cNvPr id="7" name="Rectangle 6"/>
+          <p:cNvSpPr/>
+          <p:nvPr/>
+        </p:nvSpPr>
+        <p:spPr>
+          <a:xfrm>
+            <a:off x="1141411" y="2678473"/>
+            <a:ext cx="9905999" cy="369332"/>
+          </a:xfrm>
+          <a:prstGeom prst="rect">
+            <a:avLst/>
+          </a:prstGeom>
+          <a:solidFill>
+            <a:schemeClr val="tx1"/>
+          </a:solidFill>
+        </p:spPr>
+        <p:txBody>
+          <a:bodyPr wrap="square">
+            <a:spAutoFit/>
+          </a:bodyPr>
+          <a:lstStyle/>
+          <a:p>
+            <a:r>
+              <a:rPr lang="en-US" dirty="0">
+                <a:solidFill>
+                  <a:schemeClr val="bg1"/>
+                </a:solidFill>
+                <a:latin typeface="Consolas" panose="020B0609020204030204" pitchFamily="49" charset="0"/>
+              </a:rPr>
+              <a:t>&lt;@ </a:t>
+            </a:r>
+            <a:r>
+              <a:rPr lang="en-US" dirty="0" err="1" smtClean="0">
+                <a:solidFill>
+                  <a:schemeClr val="bg1"/>
+                </a:solidFill>
+                <a:latin typeface="Consolas" panose="020B0609020204030204" pitchFamily="49" charset="0"/>
+              </a:rPr>
+              <a:t>textBox.Text</a:t>
+            </a:r>
+            <a:r>
+              <a:rPr lang="en-US" dirty="0" smtClean="0">
+                <a:solidFill>
+                  <a:schemeClr val="bg1"/>
+                </a:solidFill>
+                <a:latin typeface="Consolas" panose="020B0609020204030204" pitchFamily="49" charset="0"/>
+              </a:rPr>
+              <a:t> </a:t>
+            </a:r>
+            <a:r>
+              <a:rPr lang="en-US" dirty="0">
+                <a:solidFill>
+                  <a:schemeClr val="bg1"/>
+                </a:solidFill>
+                <a:latin typeface="Consolas" panose="020B0609020204030204" pitchFamily="49" charset="0"/>
+              </a:rPr>
+              <a:t>&lt;- </a:t>
+            </a:r>
+            <a:r>
+              <a:rPr lang="en-US" dirty="0" err="1" smtClean="0">
+                <a:solidFill>
+                  <a:schemeClr val="bg1"/>
+                </a:solidFill>
+                <a:latin typeface="Consolas" panose="020B0609020204030204" pitchFamily="49" charset="0"/>
+              </a:rPr>
+              <a:t>model.Name</a:t>
+            </a:r>
+            <a:r>
+              <a:rPr lang="en-US" dirty="0" smtClean="0">
+                <a:solidFill>
+                  <a:schemeClr val="bg1"/>
+                </a:solidFill>
+                <a:latin typeface="Consolas" panose="020B0609020204030204" pitchFamily="49" charset="0"/>
+              </a:rPr>
+              <a:t> @&gt;</a:t>
+            </a:r>
+          </a:p>
+        </p:txBody>
+      </p:sp>
+      <p:sp>
+        <p:nvSpPr>
+          <p:cNvPr id="8" name="Rectangle 7"/>
+          <p:cNvSpPr/>
+          <p:nvPr/>
+        </p:nvSpPr>
+        <p:spPr>
+          <a:xfrm>
+            <a:off x="1141411" y="3684113"/>
+            <a:ext cx="9905999" cy="369332"/>
+          </a:xfrm>
+          <a:prstGeom prst="rect">
+            <a:avLst/>
+          </a:prstGeom>
+          <a:solidFill>
+            <a:schemeClr val="tx1"/>
+          </a:solidFill>
+        </p:spPr>
+        <p:txBody>
+          <a:bodyPr wrap="square">
+            <a:spAutoFit/>
+          </a:bodyPr>
+          <a:lstStyle/>
+          <a:p>
+            <a:r>
+              <a:rPr lang="en-US" dirty="0" err="1" smtClean="0">
+                <a:solidFill>
+                  <a:schemeClr val="bg1"/>
+                </a:solidFill>
+                <a:latin typeface="Consolas" panose="020B0609020204030204" pitchFamily="49" charset="0"/>
+              </a:rPr>
+              <a:t>textBox.SetBinding</a:t>
+            </a:r>
+            <a:r>
+              <a:rPr lang="en-US" dirty="0" smtClean="0">
+                <a:solidFill>
+                  <a:schemeClr val="bg1"/>
+                </a:solidFill>
+                <a:latin typeface="Consolas" panose="020B0609020204030204" pitchFamily="49" charset="0"/>
+              </a:rPr>
+              <a:t>(</a:t>
+            </a:r>
+            <a:r>
+              <a:rPr lang="en-US" dirty="0" err="1" smtClean="0">
+                <a:solidFill>
+                  <a:schemeClr val="bg1"/>
+                </a:solidFill>
+                <a:latin typeface="Consolas" panose="020B0609020204030204" pitchFamily="49" charset="0"/>
+              </a:rPr>
+              <a:t>TextBox.TextProperty</a:t>
+            </a:r>
+            <a:r>
+              <a:rPr lang="en-US" dirty="0" smtClean="0">
+                <a:solidFill>
+                  <a:schemeClr val="bg1"/>
+                </a:solidFill>
+                <a:latin typeface="Consolas" panose="020B0609020204030204" pitchFamily="49" charset="0"/>
+              </a:rPr>
+              <a:t>, "Name")</a:t>
+            </a:r>
+            <a:endParaRPr lang="en-US" dirty="0" smtClean="0">
+              <a:solidFill>
+                <a:schemeClr val="bg1"/>
+              </a:solidFill>
+              <a:latin typeface="Consolas" panose="020B0609020204030204" pitchFamily="49" charset="0"/>
+            </a:endParaRPr>
+          </a:p>
+        </p:txBody>
+      </p:sp>
+      <p:sp>
+        <p:nvSpPr>
+          <p:cNvPr id="6" name="Down Arrow 5"/>
+          <p:cNvSpPr/>
+          <p:nvPr/>
+        </p:nvSpPr>
+        <p:spPr>
+          <a:xfrm>
+            <a:off x="5956297" y="3159729"/>
+            <a:ext cx="276225" cy="367089"/>
+          </a:xfrm>
+          <a:prstGeom prst="downArrow">
+            <a:avLst/>
+          </a:prstGeom>
         </p:spPr>
         <p:style>
           <a:lnRef idx="2">
@@ -13473,25 +13966,14 @@
           <a:lstStyle/>
           <a:p>
             <a:pPr algn="ctr"/>
-            <a:r>
-              <a:rPr lang="en-US" dirty="0" smtClean="0"/>
-              <a:t>Depends only on ‘Events and ‘Model –</a:t>
-            </a:r>
-          </a:p>
-          <a:p>
-            <a:pPr algn="ctr"/>
-            <a:r>
-              <a:rPr lang="en-US" dirty="0" smtClean="0"/>
-              <a:t>TESTABILITY</a:t>
-            </a:r>
-            <a:endParaRPr lang="en-US" dirty="0"/>
+            <a:endParaRPr lang="en-US"/>
           </a:p>
         </p:txBody>
       </p:sp>
     </p:spTree>
     <p:extLst>
       <p:ext uri="{BB962C8B-B14F-4D97-AF65-F5344CB8AC3E}">
-        <p14:creationId xmlns:p14="http://schemas.microsoft.com/office/powerpoint/2010/main" val="3483119536"/>
+        <p14:creationId xmlns:p14="http://schemas.microsoft.com/office/powerpoint/2010/main" val="15714665"/>
       </p:ext>
     </p:extLst>
   </p:cSld>
@@ -13535,19 +14017,14 @@
             <p:ph type="title"/>
           </p:nvPr>
         </p:nvSpPr>
-        <p:spPr>
-          <a:xfrm>
-            <a:off x="1141412" y="370869"/>
-            <a:ext cx="9905998" cy="829282"/>
-          </a:xfrm>
-        </p:spPr>
+        <p:spPr/>
         <p:txBody>
           <a:bodyPr/>
           <a:lstStyle/>
           <a:p>
             <a:r>
               <a:rPr lang="en-US" dirty="0" smtClean="0"/>
-              <a:t>Data binding</a:t>
+              <a:t>Validation</a:t>
             </a:r>
             <a:endParaRPr lang="en-US" dirty="0"/>
           </a:p>
@@ -13563,242 +14040,64 @@
             <p:ph idx="1"/>
           </p:nvPr>
         </p:nvSpPr>
-        <p:spPr>
-          <a:xfrm>
-            <a:off x="1141412" y="3400424"/>
-            <a:ext cx="9905999" cy="2638425"/>
-          </a:xfrm>
-        </p:spPr>
+        <p:spPr/>
         <p:txBody>
-          <a:bodyPr>
-            <a:normAutofit lnSpcReduction="10000"/>
-          </a:bodyPr>
+          <a:bodyPr/>
           <a:lstStyle/>
           <a:p>
             <a:r>
               <a:rPr lang="en-US" dirty="0" smtClean="0"/>
-              <a:t>Making implicit dependency explicit</a:t>
-            </a:r>
-          </a:p>
-          <a:p>
+              <a:t>Optional </a:t>
+            </a:r>
             <a:r>
               <a:rPr lang="en-US" dirty="0" smtClean="0"/>
-              <a:t>Leveraging F#/.NET type system</a:t>
+              <a:t>module</a:t>
             </a:r>
           </a:p>
           <a:p>
             <a:r>
               <a:rPr lang="en-US" dirty="0" smtClean="0"/>
-              <a:t>Leveraging IDE/compiler</a:t>
-            </a:r>
+              <a:t>Statically-typed</a:t>
+            </a:r>
+            <a:endParaRPr lang="en-US" dirty="0" smtClean="0"/>
           </a:p>
           <a:p>
             <a:r>
               <a:rPr lang="en-US" dirty="0" smtClean="0"/>
-              <a:t>Doing something slightly better than “by convention”</a:t>
-            </a:r>
-          </a:p>
-          <a:p>
+              <a:t>Would be verbose without F# language features:</a:t>
+            </a:r>
+          </a:p>
+          <a:p>
+            <a:pPr lvl="1"/>
             <a:r>
               <a:rPr lang="en-US" dirty="0" smtClean="0"/>
-              <a:t>Optional module</a:t>
-            </a:r>
-          </a:p>
-          <a:p>
-            <a:pPr marL="0" indent="0">
-              <a:buNone/>
-            </a:pPr>
+              <a:t>Active patterns</a:t>
+            </a:r>
+          </a:p>
+          <a:p>
+            <a:pPr lvl="1"/>
+            <a:r>
+              <a:rPr lang="en-US" dirty="0" smtClean="0"/>
+              <a:t>Explicit member constraints</a:t>
+            </a:r>
+          </a:p>
+          <a:p>
+            <a:pPr lvl="1"/>
+            <a:r>
+              <a:rPr lang="en-US" dirty="0" smtClean="0"/>
+              <a:t>Partial application</a:t>
+            </a:r>
+          </a:p>
+          <a:p>
+            <a:pPr lvl="1"/>
             <a:endParaRPr lang="en-US" dirty="0"/>
-          </a:p>
-        </p:txBody>
-      </p:sp>
-      <p:sp>
-        <p:nvSpPr>
-          <p:cNvPr id="4" name="Rectangle 3"/>
-          <p:cNvSpPr/>
-          <p:nvPr/>
-        </p:nvSpPr>
-        <p:spPr>
-          <a:xfrm>
-            <a:off x="1141411" y="1200151"/>
-            <a:ext cx="9905999" cy="1200329"/>
-          </a:xfrm>
-          <a:prstGeom prst="rect">
-            <a:avLst/>
-          </a:prstGeom>
-          <a:solidFill>
-            <a:schemeClr val="tx1"/>
-          </a:solidFill>
-        </p:spPr>
-        <p:txBody>
-          <a:bodyPr wrap="square">
-            <a:spAutoFit/>
-          </a:bodyPr>
-          <a:lstStyle/>
-          <a:p>
-            <a:r>
-              <a:rPr lang="en-US" dirty="0">
-                <a:solidFill>
-                  <a:srgbClr val="0000FF"/>
-                </a:solidFill>
-                <a:latin typeface="Consolas" panose="020B0609020204030204" pitchFamily="49" charset="0"/>
-              </a:rPr>
-              <a:t>type</a:t>
-            </a:r>
-            <a:r>
-              <a:rPr lang="en-US" dirty="0">
-                <a:solidFill>
-                  <a:prstClr val="black"/>
-                </a:solidFill>
-                <a:latin typeface="Consolas" panose="020B0609020204030204" pitchFamily="49" charset="0"/>
-              </a:rPr>
-              <a:t> IView&lt;'Events, 'Model&gt; =</a:t>
-            </a:r>
-          </a:p>
-          <a:p>
-            <a:r>
-              <a:rPr lang="en-US" dirty="0">
-                <a:solidFill>
-                  <a:prstClr val="black"/>
-                </a:solidFill>
-                <a:latin typeface="Consolas" panose="020B0609020204030204" pitchFamily="49" charset="0"/>
-              </a:rPr>
-              <a:t>    </a:t>
-            </a:r>
-            <a:r>
-              <a:rPr lang="en-US" dirty="0">
-                <a:solidFill>
-                  <a:srgbClr val="0000FF"/>
-                </a:solidFill>
-                <a:latin typeface="Consolas" panose="020B0609020204030204" pitchFamily="49" charset="0"/>
-              </a:rPr>
-              <a:t>inherit</a:t>
-            </a:r>
-            <a:r>
-              <a:rPr lang="en-US" dirty="0">
-                <a:solidFill>
-                  <a:prstClr val="black"/>
-                </a:solidFill>
-                <a:latin typeface="Consolas" panose="020B0609020204030204" pitchFamily="49" charset="0"/>
-              </a:rPr>
-              <a:t> IObservable&lt;'Events&gt;</a:t>
-            </a:r>
-          </a:p>
-          <a:p>
-            <a:endParaRPr lang="en-US" dirty="0">
-              <a:solidFill>
-                <a:prstClr val="black"/>
-              </a:solidFill>
-              <a:latin typeface="Consolas" panose="020B0609020204030204" pitchFamily="49" charset="0"/>
-            </a:endParaRPr>
-          </a:p>
-          <a:p>
-            <a:r>
-              <a:rPr lang="en-US" dirty="0">
-                <a:solidFill>
-                  <a:prstClr val="black"/>
-                </a:solidFill>
-                <a:latin typeface="Consolas" panose="020B0609020204030204" pitchFamily="49" charset="0"/>
-              </a:rPr>
-              <a:t>    </a:t>
-            </a:r>
-            <a:r>
-              <a:rPr lang="en-US" dirty="0">
-                <a:solidFill>
-                  <a:srgbClr val="0000FF"/>
-                </a:solidFill>
-                <a:latin typeface="Consolas" panose="020B0609020204030204" pitchFamily="49" charset="0"/>
-              </a:rPr>
-              <a:t>abstract</a:t>
-            </a:r>
-            <a:r>
-              <a:rPr lang="en-US" dirty="0">
-                <a:solidFill>
-                  <a:prstClr val="black"/>
-                </a:solidFill>
-                <a:latin typeface="Consolas" panose="020B0609020204030204" pitchFamily="49" charset="0"/>
-              </a:rPr>
-              <a:t> SetBindings : 'Model </a:t>
-            </a:r>
-            <a:r>
-              <a:rPr lang="en-US" dirty="0">
-                <a:solidFill>
-                  <a:srgbClr val="0000FF"/>
-                </a:solidFill>
-                <a:latin typeface="Consolas" panose="020B0609020204030204" pitchFamily="49" charset="0"/>
-              </a:rPr>
-              <a:t>-&gt;</a:t>
-            </a:r>
-            <a:r>
-              <a:rPr lang="en-US" dirty="0">
-                <a:solidFill>
-                  <a:prstClr val="black"/>
-                </a:solidFill>
-                <a:latin typeface="Consolas" panose="020B0609020204030204" pitchFamily="49" charset="0"/>
-              </a:rPr>
-              <a:t> unit</a:t>
-            </a:r>
-          </a:p>
-        </p:txBody>
-      </p:sp>
-      <p:sp>
-        <p:nvSpPr>
-          <p:cNvPr id="7" name="Rectangle 6"/>
-          <p:cNvSpPr/>
-          <p:nvPr/>
-        </p:nvSpPr>
-        <p:spPr>
-          <a:xfrm>
-            <a:off x="1141411" y="2678473"/>
-            <a:ext cx="9905999" cy="369332"/>
-          </a:xfrm>
-          <a:prstGeom prst="rect">
-            <a:avLst/>
-          </a:prstGeom>
-          <a:solidFill>
-            <a:schemeClr val="tx1"/>
-          </a:solidFill>
-        </p:spPr>
-        <p:txBody>
-          <a:bodyPr wrap="square">
-            <a:spAutoFit/>
-          </a:bodyPr>
-          <a:lstStyle/>
-          <a:p>
-            <a:r>
-              <a:rPr lang="en-US" dirty="0">
-                <a:solidFill>
-                  <a:schemeClr val="bg1"/>
-                </a:solidFill>
-                <a:latin typeface="Consolas" panose="020B0609020204030204" pitchFamily="49" charset="0"/>
-              </a:rPr>
-              <a:t>&lt;@ control.Property &lt;- </a:t>
-            </a:r>
-            <a:r>
-              <a:rPr lang="en-US" dirty="0" smtClean="0">
-                <a:solidFill>
-                  <a:schemeClr val="bg1"/>
-                </a:solidFill>
-                <a:latin typeface="Consolas" panose="020B0609020204030204" pitchFamily="49" charset="0"/>
-              </a:rPr>
-              <a:t>model.Property </a:t>
-            </a:r>
-            <a:r>
-              <a:rPr lang="en-US" dirty="0">
-                <a:solidFill>
-                  <a:schemeClr val="bg1"/>
-                </a:solidFill>
-                <a:latin typeface="Consolas" panose="020B0609020204030204" pitchFamily="49" charset="0"/>
-              </a:rPr>
-              <a:t>@&gt;</a:t>
-            </a:r>
           </a:p>
         </p:txBody>
       </p:sp>
     </p:spTree>
     <p:extLst>
       <p:ext uri="{BB962C8B-B14F-4D97-AF65-F5344CB8AC3E}">
-        <p14:creationId xmlns:p14="http://schemas.microsoft.com/office/powerpoint/2010/main" val="15714665"/>
+        <p14:creationId xmlns:p14="http://schemas.microsoft.com/office/powerpoint/2010/main" val="423632660"/>
       </p:ext>
     </p:extLst>
   </p:cSld>
@@ -13842,14 +14141,19 @@
             <p:ph type="title"/>
           </p:nvPr>
         </p:nvSpPr>
-        <p:spPr/>
+        <p:spPr>
+          <a:xfrm>
+            <a:off x="1476375" y="247044"/>
+            <a:ext cx="9571036" cy="614366"/>
+          </a:xfrm>
+        </p:spPr>
         <p:txBody>
           <a:bodyPr/>
           <a:lstStyle/>
           <a:p>
             <a:r>
               <a:rPr lang="en-US" dirty="0" smtClean="0"/>
-              <a:t>Validation</a:t>
+              <a:t>Async</a:t>
             </a:r>
             <a:endParaRPr lang="en-US" dirty="0"/>
           </a:p>
@@ -13857,61 +14161,899 @@
       </p:sp>
       <p:sp>
         <p:nvSpPr>
-          <p:cNvPr id="3" name="Content Placeholder 2"/>
-          <p:cNvSpPr>
-            <a:spLocks noGrp="1"/>
-          </p:cNvSpPr>
-          <p:nvPr>
-            <p:ph idx="1"/>
-          </p:nvPr>
+          <p:cNvPr id="9" name="Rectangle 8"/>
+          <p:cNvSpPr/>
+          <p:nvPr/>
         </p:nvSpPr>
-        <p:spPr/>
+        <p:spPr>
+          <a:xfrm>
+            <a:off x="1476375" y="892981"/>
+            <a:ext cx="9677399" cy="923330"/>
+          </a:xfrm>
+          <a:prstGeom prst="rect">
+            <a:avLst/>
+          </a:prstGeom>
+          <a:solidFill>
+            <a:schemeClr val="tx1"/>
+          </a:solidFill>
+        </p:spPr>
         <p:txBody>
-          <a:bodyPr/>
+          <a:bodyPr wrap="square">
+            <a:spAutoFit/>
+          </a:bodyPr>
           <a:lstStyle/>
           <a:p>
             <a:r>
-              <a:rPr lang="en-US" dirty="0" smtClean="0"/>
-              <a:t>Optional module</a:t>
-            </a:r>
-          </a:p>
-          <a:p>
-            <a:r>
-              <a:rPr lang="en-US" dirty="0" smtClean="0"/>
-              <a:t>Would be verbose without F# language features:</a:t>
-            </a:r>
-          </a:p>
-          <a:p>
-            <a:pPr lvl="1"/>
-            <a:r>
-              <a:rPr lang="en-US" dirty="0" smtClean="0"/>
-              <a:t>Active patterns</a:t>
-            </a:r>
-          </a:p>
-          <a:p>
-            <a:pPr lvl="1"/>
-            <a:r>
-              <a:rPr lang="en-US" dirty="0" smtClean="0"/>
-              <a:t>Explicit member constraints</a:t>
-            </a:r>
-          </a:p>
-          <a:p>
-            <a:pPr lvl="1"/>
-            <a:r>
-              <a:rPr lang="en-US" dirty="0" smtClean="0"/>
-              <a:t>Partial application</a:t>
-            </a:r>
-          </a:p>
-          <a:p>
-            <a:pPr lvl="1"/>
-            <a:endParaRPr lang="en-US" dirty="0"/>
+              <a:rPr lang="en-US" dirty="0">
+                <a:solidFill>
+                  <a:srgbClr val="0000FF"/>
+                </a:solidFill>
+                <a:latin typeface="Consolas" panose="020B0609020204030204" pitchFamily="49" charset="0"/>
+              </a:rPr>
+              <a:t>type</a:t>
+            </a:r>
+            <a:r>
+              <a:rPr lang="en-US" dirty="0">
+                <a:solidFill>
+                  <a:prstClr val="black"/>
+                </a:solidFill>
+                <a:latin typeface="Consolas" panose="020B0609020204030204" pitchFamily="49" charset="0"/>
+              </a:rPr>
+              <a:t> IController&lt;'Event, 'Model&gt; =</a:t>
+            </a:r>
+          </a:p>
+          <a:p>
+            <a:r>
+              <a:rPr lang="en-US" dirty="0" smtClean="0">
+                <a:solidFill>
+                  <a:prstClr val="black"/>
+                </a:solidFill>
+                <a:latin typeface="Consolas" panose="020B0609020204030204" pitchFamily="49" charset="0"/>
+              </a:rPr>
+              <a:t>    </a:t>
+            </a:r>
+            <a:r>
+              <a:rPr lang="en-US" dirty="0">
+                <a:solidFill>
+                  <a:srgbClr val="0000FF"/>
+                </a:solidFill>
+                <a:latin typeface="Consolas" panose="020B0609020204030204" pitchFamily="49" charset="0"/>
+              </a:rPr>
+              <a:t>abstract</a:t>
+            </a:r>
+            <a:r>
+              <a:rPr lang="en-US" dirty="0">
+                <a:solidFill>
+                  <a:prstClr val="black"/>
+                </a:solidFill>
+                <a:latin typeface="Consolas" panose="020B0609020204030204" pitchFamily="49" charset="0"/>
+              </a:rPr>
+              <a:t> InitModel : 'Model </a:t>
+            </a:r>
+            <a:r>
+              <a:rPr lang="en-US" dirty="0">
+                <a:solidFill>
+                  <a:srgbClr val="0000FF"/>
+                </a:solidFill>
+                <a:latin typeface="Consolas" panose="020B0609020204030204" pitchFamily="49" charset="0"/>
+              </a:rPr>
+              <a:t>-&gt;</a:t>
+            </a:r>
+            <a:r>
+              <a:rPr lang="en-US" dirty="0">
+                <a:solidFill>
+                  <a:prstClr val="black"/>
+                </a:solidFill>
+                <a:latin typeface="Consolas" panose="020B0609020204030204" pitchFamily="49" charset="0"/>
+              </a:rPr>
+              <a:t> unit</a:t>
+            </a:r>
+          </a:p>
+          <a:p>
+            <a:r>
+              <a:rPr lang="en-US" dirty="0">
+                <a:solidFill>
+                  <a:prstClr val="black"/>
+                </a:solidFill>
+                <a:latin typeface="Consolas" panose="020B0609020204030204" pitchFamily="49" charset="0"/>
+              </a:rPr>
+              <a:t>    </a:t>
+            </a:r>
+            <a:r>
+              <a:rPr lang="en-US" dirty="0">
+                <a:solidFill>
+                  <a:srgbClr val="0000FF"/>
+                </a:solidFill>
+                <a:latin typeface="Consolas" panose="020B0609020204030204" pitchFamily="49" charset="0"/>
+              </a:rPr>
+              <a:t>abstract</a:t>
+            </a:r>
+            <a:r>
+              <a:rPr lang="en-US" dirty="0">
+                <a:solidFill>
+                  <a:prstClr val="black"/>
+                </a:solidFill>
+                <a:latin typeface="Consolas" panose="020B0609020204030204" pitchFamily="49" charset="0"/>
+              </a:rPr>
+              <a:t> </a:t>
+            </a:r>
+            <a:r>
+              <a:rPr lang="en-US" dirty="0" smtClean="0">
+                <a:solidFill>
+                  <a:prstClr val="black"/>
+                </a:solidFill>
+                <a:latin typeface="Consolas" panose="020B0609020204030204" pitchFamily="49" charset="0"/>
+              </a:rPr>
+              <a:t>EventHandler </a:t>
+            </a:r>
+            <a:r>
+              <a:rPr lang="en-US" dirty="0">
+                <a:solidFill>
+                  <a:prstClr val="black"/>
+                </a:solidFill>
+                <a:latin typeface="Consolas" panose="020B0609020204030204" pitchFamily="49" charset="0"/>
+              </a:rPr>
+              <a:t>: ('Event </a:t>
+            </a:r>
+            <a:r>
+              <a:rPr lang="en-US" dirty="0">
+                <a:solidFill>
+                  <a:srgbClr val="0000FF"/>
+                </a:solidFill>
+                <a:latin typeface="Consolas" panose="020B0609020204030204" pitchFamily="49" charset="0"/>
+              </a:rPr>
+              <a:t>-&gt;</a:t>
+            </a:r>
+            <a:r>
+              <a:rPr lang="en-US" dirty="0">
+                <a:solidFill>
+                  <a:prstClr val="black"/>
+                </a:solidFill>
+                <a:latin typeface="Consolas" panose="020B0609020204030204" pitchFamily="49" charset="0"/>
+              </a:rPr>
+              <a:t> 'Model </a:t>
+            </a:r>
+            <a:r>
+              <a:rPr lang="en-US" dirty="0">
+                <a:solidFill>
+                  <a:srgbClr val="0000FF"/>
+                </a:solidFill>
+                <a:latin typeface="Consolas" panose="020B0609020204030204" pitchFamily="49" charset="0"/>
+              </a:rPr>
+              <a:t>-&gt;</a:t>
+            </a:r>
+            <a:r>
+              <a:rPr lang="en-US" dirty="0">
+                <a:solidFill>
+                  <a:prstClr val="black"/>
+                </a:solidFill>
+                <a:latin typeface="Consolas" panose="020B0609020204030204" pitchFamily="49" charset="0"/>
+              </a:rPr>
+              <a:t> unit)</a:t>
+            </a:r>
+          </a:p>
+        </p:txBody>
+      </p:sp>
+      <p:sp>
+        <p:nvSpPr>
+          <p:cNvPr id="10" name="Rectangle 9"/>
+          <p:cNvSpPr/>
+          <p:nvPr/>
+        </p:nvSpPr>
+        <p:spPr>
+          <a:xfrm>
+            <a:off x="1476375" y="4432716"/>
+            <a:ext cx="9677399" cy="2031325"/>
+          </a:xfrm>
+          <a:prstGeom prst="rect">
+            <a:avLst/>
+          </a:prstGeom>
+          <a:solidFill>
+            <a:schemeClr val="tx1"/>
+          </a:solidFill>
+        </p:spPr>
+        <p:txBody>
+          <a:bodyPr wrap="square">
+            <a:spAutoFit/>
+          </a:bodyPr>
+          <a:lstStyle/>
+          <a:p>
+            <a:r>
+              <a:rPr lang="en-US" dirty="0">
+                <a:solidFill>
+                  <a:srgbClr val="0000FF"/>
+                </a:solidFill>
+                <a:latin typeface="Consolas" panose="020B0609020204030204" pitchFamily="49" charset="0"/>
+              </a:rPr>
+              <a:t>type</a:t>
+            </a:r>
+            <a:r>
+              <a:rPr lang="en-US" dirty="0">
+                <a:solidFill>
+                  <a:prstClr val="black"/>
+                </a:solidFill>
+                <a:latin typeface="Consolas" panose="020B0609020204030204" pitchFamily="49" charset="0"/>
+              </a:rPr>
+              <a:t> EventHandler&lt;'Model&gt; = </a:t>
+            </a:r>
+          </a:p>
+          <a:p>
+            <a:r>
+              <a:rPr lang="en-US" dirty="0">
+                <a:solidFill>
+                  <a:prstClr val="black"/>
+                </a:solidFill>
+                <a:latin typeface="Consolas" panose="020B0609020204030204" pitchFamily="49" charset="0"/>
+              </a:rPr>
+              <a:t>    | Sync </a:t>
+            </a:r>
+            <a:r>
+              <a:rPr lang="en-US" dirty="0">
+                <a:solidFill>
+                  <a:srgbClr val="0000FF"/>
+                </a:solidFill>
+                <a:latin typeface="Consolas" panose="020B0609020204030204" pitchFamily="49" charset="0"/>
+              </a:rPr>
+              <a:t>of</a:t>
+            </a:r>
+            <a:r>
+              <a:rPr lang="en-US" dirty="0">
+                <a:solidFill>
+                  <a:prstClr val="black"/>
+                </a:solidFill>
+                <a:latin typeface="Consolas" panose="020B0609020204030204" pitchFamily="49" charset="0"/>
+              </a:rPr>
+              <a:t> ('Model </a:t>
+            </a:r>
+            <a:r>
+              <a:rPr lang="en-US" dirty="0">
+                <a:solidFill>
+                  <a:srgbClr val="0000FF"/>
+                </a:solidFill>
+                <a:latin typeface="Consolas" panose="020B0609020204030204" pitchFamily="49" charset="0"/>
+              </a:rPr>
+              <a:t>-&gt;</a:t>
+            </a:r>
+            <a:r>
+              <a:rPr lang="en-US" dirty="0">
+                <a:solidFill>
+                  <a:prstClr val="black"/>
+                </a:solidFill>
+                <a:latin typeface="Consolas" panose="020B0609020204030204" pitchFamily="49" charset="0"/>
+              </a:rPr>
+              <a:t> unit)</a:t>
+            </a:r>
+          </a:p>
+          <a:p>
+            <a:r>
+              <a:rPr lang="en-US" dirty="0">
+                <a:solidFill>
+                  <a:prstClr val="black"/>
+                </a:solidFill>
+                <a:latin typeface="Consolas" panose="020B0609020204030204" pitchFamily="49" charset="0"/>
+              </a:rPr>
+              <a:t>    | Async </a:t>
+            </a:r>
+            <a:r>
+              <a:rPr lang="en-US" dirty="0">
+                <a:solidFill>
+                  <a:srgbClr val="0000FF"/>
+                </a:solidFill>
+                <a:latin typeface="Consolas" panose="020B0609020204030204" pitchFamily="49" charset="0"/>
+              </a:rPr>
+              <a:t>of</a:t>
+            </a:r>
+            <a:r>
+              <a:rPr lang="en-US" dirty="0">
+                <a:solidFill>
+                  <a:prstClr val="black"/>
+                </a:solidFill>
+                <a:latin typeface="Consolas" panose="020B0609020204030204" pitchFamily="49" charset="0"/>
+              </a:rPr>
+              <a:t> ('Model </a:t>
+            </a:r>
+            <a:r>
+              <a:rPr lang="en-US" dirty="0">
+                <a:solidFill>
+                  <a:srgbClr val="0000FF"/>
+                </a:solidFill>
+                <a:latin typeface="Consolas" panose="020B0609020204030204" pitchFamily="49" charset="0"/>
+              </a:rPr>
+              <a:t>-&gt;</a:t>
+            </a:r>
+            <a:r>
+              <a:rPr lang="en-US" dirty="0">
+                <a:solidFill>
+                  <a:prstClr val="black"/>
+                </a:solidFill>
+                <a:latin typeface="Consolas" panose="020B0609020204030204" pitchFamily="49" charset="0"/>
+              </a:rPr>
+              <a:t> Async&lt;unit&gt;)</a:t>
+            </a:r>
+          </a:p>
+          <a:p>
+            <a:endParaRPr lang="en-US" dirty="0">
+              <a:solidFill>
+                <a:prstClr val="black"/>
+              </a:solidFill>
+              <a:latin typeface="Consolas" panose="020B0609020204030204" pitchFamily="49" charset="0"/>
+            </a:endParaRPr>
+          </a:p>
+          <a:p>
+            <a:r>
+              <a:rPr lang="en-US" dirty="0">
+                <a:solidFill>
+                  <a:srgbClr val="0000FF"/>
+                </a:solidFill>
+                <a:latin typeface="Consolas" panose="020B0609020204030204" pitchFamily="49" charset="0"/>
+              </a:rPr>
+              <a:t>type</a:t>
+            </a:r>
+            <a:r>
+              <a:rPr lang="en-US" dirty="0">
+                <a:solidFill>
+                  <a:prstClr val="black"/>
+                </a:solidFill>
+                <a:latin typeface="Consolas" panose="020B0609020204030204" pitchFamily="49" charset="0"/>
+              </a:rPr>
+              <a:t> IController&lt;'Events, 'Model&gt; =</a:t>
+            </a:r>
+          </a:p>
+          <a:p>
+            <a:r>
+              <a:rPr lang="en-US" dirty="0" smtClean="0">
+                <a:solidFill>
+                  <a:prstClr val="black"/>
+                </a:solidFill>
+                <a:latin typeface="Consolas" panose="020B0609020204030204" pitchFamily="49" charset="0"/>
+              </a:rPr>
+              <a:t>    </a:t>
+            </a:r>
+            <a:r>
+              <a:rPr lang="en-US" dirty="0">
+                <a:solidFill>
+                  <a:srgbClr val="0000FF"/>
+                </a:solidFill>
+                <a:latin typeface="Consolas" panose="020B0609020204030204" pitchFamily="49" charset="0"/>
+              </a:rPr>
+              <a:t>abstract</a:t>
+            </a:r>
+            <a:r>
+              <a:rPr lang="en-US" dirty="0">
+                <a:solidFill>
+                  <a:prstClr val="black"/>
+                </a:solidFill>
+                <a:latin typeface="Consolas" panose="020B0609020204030204" pitchFamily="49" charset="0"/>
+              </a:rPr>
+              <a:t> InitModel : 'Model </a:t>
+            </a:r>
+            <a:r>
+              <a:rPr lang="en-US" dirty="0">
+                <a:solidFill>
+                  <a:srgbClr val="0000FF"/>
+                </a:solidFill>
+                <a:latin typeface="Consolas" panose="020B0609020204030204" pitchFamily="49" charset="0"/>
+              </a:rPr>
+              <a:t>-&gt;</a:t>
+            </a:r>
+            <a:r>
+              <a:rPr lang="en-US" dirty="0">
+                <a:solidFill>
+                  <a:prstClr val="black"/>
+                </a:solidFill>
+                <a:latin typeface="Consolas" panose="020B0609020204030204" pitchFamily="49" charset="0"/>
+              </a:rPr>
+              <a:t> unit</a:t>
+            </a:r>
+          </a:p>
+          <a:p>
+            <a:r>
+              <a:rPr lang="en-US" dirty="0">
+                <a:solidFill>
+                  <a:prstClr val="black"/>
+                </a:solidFill>
+                <a:latin typeface="Consolas" panose="020B0609020204030204" pitchFamily="49" charset="0"/>
+              </a:rPr>
+              <a:t>    </a:t>
+            </a:r>
+            <a:r>
+              <a:rPr lang="en-US" dirty="0">
+                <a:solidFill>
+                  <a:srgbClr val="0000FF"/>
+                </a:solidFill>
+                <a:latin typeface="Consolas" panose="020B0609020204030204" pitchFamily="49" charset="0"/>
+              </a:rPr>
+              <a:t>abstract</a:t>
+            </a:r>
+            <a:r>
+              <a:rPr lang="en-US" dirty="0">
+                <a:solidFill>
+                  <a:prstClr val="black"/>
+                </a:solidFill>
+                <a:latin typeface="Consolas" panose="020B0609020204030204" pitchFamily="49" charset="0"/>
+              </a:rPr>
+              <a:t> Dispatcher : ('Events </a:t>
+            </a:r>
+            <a:r>
+              <a:rPr lang="en-US" dirty="0">
+                <a:solidFill>
+                  <a:srgbClr val="0000FF"/>
+                </a:solidFill>
+                <a:latin typeface="Consolas" panose="020B0609020204030204" pitchFamily="49" charset="0"/>
+              </a:rPr>
+              <a:t>-&gt;</a:t>
+            </a:r>
+            <a:r>
+              <a:rPr lang="en-US" dirty="0">
+                <a:solidFill>
+                  <a:prstClr val="black"/>
+                </a:solidFill>
+                <a:latin typeface="Consolas" panose="020B0609020204030204" pitchFamily="49" charset="0"/>
+              </a:rPr>
+              <a:t> EventHandler&lt;'Model&gt;)</a:t>
+            </a:r>
+          </a:p>
+        </p:txBody>
+      </p:sp>
+      <p:sp>
+        <p:nvSpPr>
+          <p:cNvPr id="11" name="Down Arrow 10"/>
+          <p:cNvSpPr/>
+          <p:nvPr/>
+        </p:nvSpPr>
+        <p:spPr>
+          <a:xfrm>
+            <a:off x="5633128" y="1938635"/>
+            <a:ext cx="243797" cy="461954"/>
+          </a:xfrm>
+          <a:prstGeom prst="downArrow">
+            <a:avLst/>
+          </a:prstGeom>
+        </p:spPr>
+        <p:style>
+          <a:lnRef idx="2">
+            <a:schemeClr val="accent1">
+              <a:shade val="50000"/>
+            </a:schemeClr>
+          </a:lnRef>
+          <a:fillRef idx="1">
+            <a:schemeClr val="accent1"/>
+          </a:fillRef>
+          <a:effectRef idx="0">
+            <a:schemeClr val="accent1"/>
+          </a:effectRef>
+          <a:fontRef idx="minor">
+            <a:schemeClr val="lt1"/>
+          </a:fontRef>
+        </p:style>
+        <p:txBody>
+          <a:bodyPr rtlCol="0" anchor="ctr"/>
+          <a:lstStyle/>
+          <a:p>
+            <a:pPr algn="ctr"/>
+            <a:endParaRPr lang="en-US"/>
+          </a:p>
+        </p:txBody>
+      </p:sp>
+      <p:sp>
+        <p:nvSpPr>
+          <p:cNvPr id="3" name="Rectangle 2"/>
+          <p:cNvSpPr/>
+          <p:nvPr/>
+        </p:nvSpPr>
+        <p:spPr>
+          <a:xfrm>
+            <a:off x="3527602" y="215473"/>
+            <a:ext cx="8573728" cy="369332"/>
+          </a:xfrm>
+          <a:prstGeom prst="rect">
+            <a:avLst/>
+          </a:prstGeom>
+          <a:gradFill>
+            <a:gsLst>
+              <a:gs pos="0">
+                <a:schemeClr val="accent1">
+                  <a:lumMod val="5000"/>
+                  <a:lumOff val="95000"/>
+                </a:schemeClr>
+              </a:gs>
+              <a:gs pos="74000">
+                <a:schemeClr val="accent1">
+                  <a:lumMod val="45000"/>
+                  <a:lumOff val="55000"/>
+                </a:schemeClr>
+              </a:gs>
+              <a:gs pos="83000">
+                <a:schemeClr val="accent1">
+                  <a:lumMod val="45000"/>
+                  <a:lumOff val="55000"/>
+                </a:schemeClr>
+              </a:gs>
+              <a:gs pos="100000">
+                <a:schemeClr val="accent1">
+                  <a:lumMod val="30000"/>
+                  <a:lumOff val="70000"/>
+                </a:schemeClr>
+              </a:gs>
+            </a:gsLst>
+            <a:lin ang="5400000" scaled="1"/>
+          </a:gradFill>
+        </p:spPr>
+        <p:txBody>
+          <a:bodyPr wrap="square">
+            <a:spAutoFit/>
+          </a:bodyPr>
+          <a:lstStyle/>
+          <a:p>
+            <a:r>
+              <a:rPr lang="en-US" b="1" dirty="0" smtClean="0">
+                <a:solidFill>
+                  <a:srgbClr val="FF0000"/>
+                </a:solidFill>
+                <a:latin typeface="palatino linotype" panose="02040502050505030304" pitchFamily="18" charset="0"/>
+              </a:rPr>
+              <a:t>“Async </a:t>
+            </a:r>
+            <a:r>
+              <a:rPr lang="en-US" b="1" dirty="0">
+                <a:solidFill>
+                  <a:srgbClr val="FF0000"/>
+                </a:solidFill>
+                <a:latin typeface="palatino linotype" panose="02040502050505030304" pitchFamily="18" charset="0"/>
+              </a:rPr>
+              <a:t>in C# and F#: Asynchronous gotchas in C</a:t>
+            </a:r>
+            <a:r>
+              <a:rPr lang="en-US" b="1" dirty="0" smtClean="0">
+                <a:solidFill>
+                  <a:srgbClr val="FF0000"/>
+                </a:solidFill>
+                <a:latin typeface="palatino linotype" panose="02040502050505030304" pitchFamily="18" charset="0"/>
+              </a:rPr>
+              <a:t>#” blog post by Tomas </a:t>
+            </a:r>
+            <a:r>
+              <a:rPr lang="en-US" b="1" dirty="0" err="1" smtClean="0">
+                <a:solidFill>
+                  <a:srgbClr val="FF0000"/>
+                </a:solidFill>
+                <a:latin typeface="palatino linotype" panose="02040502050505030304" pitchFamily="18" charset="0"/>
+              </a:rPr>
+              <a:t>Petricek</a:t>
+            </a:r>
+            <a:endParaRPr lang="en-US" b="1" i="0" dirty="0">
+              <a:solidFill>
+                <a:srgbClr val="FF0000"/>
+              </a:solidFill>
+              <a:effectLst/>
+              <a:latin typeface="palatino linotype" panose="02040502050505030304" pitchFamily="18" charset="0"/>
+            </a:endParaRPr>
+          </a:p>
+        </p:txBody>
+      </p:sp>
+      <p:sp>
+        <p:nvSpPr>
+          <p:cNvPr id="7" name="Rectangle 6"/>
+          <p:cNvSpPr/>
+          <p:nvPr/>
+        </p:nvSpPr>
+        <p:spPr>
+          <a:xfrm>
+            <a:off x="1476374" y="2524349"/>
+            <a:ext cx="9677399" cy="1200329"/>
+          </a:xfrm>
+          <a:prstGeom prst="rect">
+            <a:avLst/>
+          </a:prstGeom>
+          <a:solidFill>
+            <a:schemeClr val="tx1"/>
+          </a:solidFill>
+        </p:spPr>
+        <p:txBody>
+          <a:bodyPr wrap="square">
+            <a:spAutoFit/>
+          </a:bodyPr>
+          <a:lstStyle/>
+          <a:p>
+            <a:r>
+              <a:rPr lang="en-US" dirty="0">
+                <a:solidFill>
+                  <a:srgbClr val="0000FF"/>
+                </a:solidFill>
+                <a:latin typeface="Consolas" panose="020B0609020204030204" pitchFamily="49" charset="0"/>
+              </a:rPr>
+              <a:t>type</a:t>
+            </a:r>
+            <a:r>
+              <a:rPr lang="en-US" dirty="0">
+                <a:solidFill>
+                  <a:prstClr val="black"/>
+                </a:solidFill>
+                <a:latin typeface="Consolas" panose="020B0609020204030204" pitchFamily="49" charset="0"/>
+              </a:rPr>
+              <a:t> </a:t>
+            </a:r>
+            <a:r>
+              <a:rPr lang="en-US" dirty="0" err="1">
+                <a:solidFill>
+                  <a:prstClr val="black"/>
+                </a:solidFill>
+                <a:latin typeface="Consolas" panose="020B0609020204030204" pitchFamily="49" charset="0"/>
+              </a:rPr>
+              <a:t>EventHandler</a:t>
+            </a:r>
+            <a:r>
+              <a:rPr lang="en-US" dirty="0">
+                <a:solidFill>
+                  <a:prstClr val="black"/>
+                </a:solidFill>
+                <a:latin typeface="Consolas" panose="020B0609020204030204" pitchFamily="49" charset="0"/>
+              </a:rPr>
+              <a:t> = Model </a:t>
+            </a:r>
+            <a:r>
+              <a:rPr lang="en-US" dirty="0">
+                <a:solidFill>
+                  <a:srgbClr val="0000FF"/>
+                </a:solidFill>
+                <a:latin typeface="Consolas" panose="020B0609020204030204" pitchFamily="49" charset="0"/>
+              </a:rPr>
+              <a:t>-&gt;</a:t>
+            </a:r>
+            <a:r>
+              <a:rPr lang="en-US" dirty="0">
+                <a:solidFill>
+                  <a:prstClr val="black"/>
+                </a:solidFill>
+                <a:latin typeface="Consolas" panose="020B0609020204030204" pitchFamily="49" charset="0"/>
+              </a:rPr>
+              <a:t> </a:t>
+            </a:r>
+            <a:r>
+              <a:rPr lang="en-US" dirty="0" smtClean="0">
+                <a:solidFill>
+                  <a:prstClr val="black"/>
+                </a:solidFill>
+                <a:latin typeface="Consolas" panose="020B0609020204030204" pitchFamily="49" charset="0"/>
+              </a:rPr>
+              <a:t>unit</a:t>
+            </a:r>
+            <a:endParaRPr lang="en-US" dirty="0" smtClean="0">
+              <a:solidFill>
+                <a:srgbClr val="0000FF"/>
+              </a:solidFill>
+              <a:latin typeface="Consolas" panose="020B0609020204030204" pitchFamily="49" charset="0"/>
+            </a:endParaRPr>
+          </a:p>
+          <a:p>
+            <a:r>
+              <a:rPr lang="en-US" dirty="0" smtClean="0">
+                <a:solidFill>
+                  <a:srgbClr val="0000FF"/>
+                </a:solidFill>
+                <a:latin typeface="Consolas" panose="020B0609020204030204" pitchFamily="49" charset="0"/>
+              </a:rPr>
+              <a:t>type</a:t>
+            </a:r>
+            <a:r>
+              <a:rPr lang="en-US" dirty="0" smtClean="0">
+                <a:solidFill>
+                  <a:prstClr val="black"/>
+                </a:solidFill>
+                <a:latin typeface="Consolas" panose="020B0609020204030204" pitchFamily="49" charset="0"/>
+              </a:rPr>
+              <a:t> </a:t>
+            </a:r>
+            <a:r>
+              <a:rPr lang="en-US" dirty="0" err="1" smtClean="0">
+                <a:solidFill>
+                  <a:prstClr val="black"/>
+                </a:solidFill>
+                <a:latin typeface="Consolas" panose="020B0609020204030204" pitchFamily="49" charset="0"/>
+              </a:rPr>
+              <a:t>IController</a:t>
+            </a:r>
+            <a:r>
+              <a:rPr lang="en-US" dirty="0" smtClean="0">
+                <a:solidFill>
+                  <a:prstClr val="black"/>
+                </a:solidFill>
+                <a:latin typeface="Consolas" panose="020B0609020204030204" pitchFamily="49" charset="0"/>
+              </a:rPr>
+              <a:t>&lt;'Event, 'Model&gt; =</a:t>
+            </a:r>
+          </a:p>
+          <a:p>
+            <a:r>
+              <a:rPr lang="en-US" dirty="0" smtClean="0">
+                <a:solidFill>
+                  <a:prstClr val="black"/>
+                </a:solidFill>
+                <a:latin typeface="Consolas" panose="020B0609020204030204" pitchFamily="49" charset="0"/>
+              </a:rPr>
+              <a:t>    </a:t>
+            </a:r>
+            <a:r>
+              <a:rPr lang="en-US" dirty="0">
+                <a:solidFill>
+                  <a:srgbClr val="0000FF"/>
+                </a:solidFill>
+                <a:latin typeface="Consolas" panose="020B0609020204030204" pitchFamily="49" charset="0"/>
+              </a:rPr>
+              <a:t>abstract</a:t>
+            </a:r>
+            <a:r>
+              <a:rPr lang="en-US" dirty="0">
+                <a:solidFill>
+                  <a:prstClr val="black"/>
+                </a:solidFill>
+                <a:latin typeface="Consolas" panose="020B0609020204030204" pitchFamily="49" charset="0"/>
+              </a:rPr>
+              <a:t> InitModel : 'Model </a:t>
+            </a:r>
+            <a:r>
+              <a:rPr lang="en-US" dirty="0">
+                <a:solidFill>
+                  <a:srgbClr val="0000FF"/>
+                </a:solidFill>
+                <a:latin typeface="Consolas" panose="020B0609020204030204" pitchFamily="49" charset="0"/>
+              </a:rPr>
+              <a:t>-&gt;</a:t>
+            </a:r>
+            <a:r>
+              <a:rPr lang="en-US" dirty="0">
+                <a:solidFill>
+                  <a:prstClr val="black"/>
+                </a:solidFill>
+                <a:latin typeface="Consolas" panose="020B0609020204030204" pitchFamily="49" charset="0"/>
+              </a:rPr>
+              <a:t> unit</a:t>
+            </a:r>
+          </a:p>
+          <a:p>
+            <a:r>
+              <a:rPr lang="en-US" dirty="0">
+                <a:solidFill>
+                  <a:prstClr val="black"/>
+                </a:solidFill>
+                <a:latin typeface="Consolas" panose="020B0609020204030204" pitchFamily="49" charset="0"/>
+              </a:rPr>
+              <a:t>    </a:t>
+            </a:r>
+            <a:r>
+              <a:rPr lang="en-US" dirty="0">
+                <a:solidFill>
+                  <a:srgbClr val="0000FF"/>
+                </a:solidFill>
+                <a:latin typeface="Consolas" panose="020B0609020204030204" pitchFamily="49" charset="0"/>
+              </a:rPr>
+              <a:t>abstract</a:t>
+            </a:r>
+            <a:r>
+              <a:rPr lang="en-US" dirty="0">
+                <a:solidFill>
+                  <a:prstClr val="black"/>
+                </a:solidFill>
+                <a:latin typeface="Consolas" panose="020B0609020204030204" pitchFamily="49" charset="0"/>
+              </a:rPr>
+              <a:t> </a:t>
+            </a:r>
+            <a:r>
+              <a:rPr lang="en-US" dirty="0" smtClean="0">
+                <a:solidFill>
+                  <a:prstClr val="black"/>
+                </a:solidFill>
+                <a:latin typeface="Consolas" panose="020B0609020204030204" pitchFamily="49" charset="0"/>
+              </a:rPr>
+              <a:t>EventHandler </a:t>
+            </a:r>
+            <a:r>
+              <a:rPr lang="en-US" dirty="0">
+                <a:solidFill>
+                  <a:prstClr val="black"/>
+                </a:solidFill>
+                <a:latin typeface="Consolas" panose="020B0609020204030204" pitchFamily="49" charset="0"/>
+              </a:rPr>
+              <a:t>: </a:t>
+            </a:r>
+            <a:r>
+              <a:rPr lang="en-US" dirty="0">
+                <a:solidFill>
+                  <a:prstClr val="black"/>
+                </a:solidFill>
+                <a:latin typeface="Consolas" panose="020B0609020204030204" pitchFamily="49" charset="0"/>
+              </a:rPr>
+              <a:t>('Events </a:t>
+            </a:r>
+            <a:r>
+              <a:rPr lang="en-US" dirty="0">
+                <a:solidFill>
+                  <a:srgbClr val="0000FF"/>
+                </a:solidFill>
+                <a:latin typeface="Consolas" panose="020B0609020204030204" pitchFamily="49" charset="0"/>
+              </a:rPr>
+              <a:t>-&gt;</a:t>
+            </a:r>
+            <a:r>
+              <a:rPr lang="en-US" dirty="0">
+                <a:solidFill>
+                  <a:prstClr val="black"/>
+                </a:solidFill>
+                <a:latin typeface="Consolas" panose="020B0609020204030204" pitchFamily="49" charset="0"/>
+              </a:rPr>
+              <a:t> </a:t>
+            </a:r>
+            <a:r>
+              <a:rPr lang="en-US" dirty="0" err="1">
+                <a:solidFill>
+                  <a:prstClr val="black"/>
+                </a:solidFill>
+                <a:latin typeface="Consolas" panose="020B0609020204030204" pitchFamily="49" charset="0"/>
+              </a:rPr>
+              <a:t>EventHandler</a:t>
+            </a:r>
+            <a:r>
+              <a:rPr lang="en-US" dirty="0">
+                <a:solidFill>
+                  <a:prstClr val="black"/>
+                </a:solidFill>
+                <a:latin typeface="Consolas" panose="020B0609020204030204" pitchFamily="49" charset="0"/>
+              </a:rPr>
+              <a:t>&lt;'Model&gt;)</a:t>
+            </a:r>
+            <a:endParaRPr lang="en-US" dirty="0">
+              <a:solidFill>
+                <a:prstClr val="black"/>
+              </a:solidFill>
+              <a:latin typeface="Consolas" panose="020B0609020204030204" pitchFamily="49" charset="0"/>
+            </a:endParaRPr>
+          </a:p>
+        </p:txBody>
+      </p:sp>
+      <p:sp>
+        <p:nvSpPr>
+          <p:cNvPr id="8" name="Down Arrow 7"/>
+          <p:cNvSpPr/>
+          <p:nvPr/>
+        </p:nvSpPr>
+        <p:spPr>
+          <a:xfrm>
+            <a:off x="5633128" y="3883899"/>
+            <a:ext cx="243797" cy="461954"/>
+          </a:xfrm>
+          <a:prstGeom prst="downArrow">
+            <a:avLst/>
+          </a:prstGeom>
+        </p:spPr>
+        <p:style>
+          <a:lnRef idx="2">
+            <a:schemeClr val="accent1">
+              <a:shade val="50000"/>
+            </a:schemeClr>
+          </a:lnRef>
+          <a:fillRef idx="1">
+            <a:schemeClr val="accent1"/>
+          </a:fillRef>
+          <a:effectRef idx="0">
+            <a:schemeClr val="accent1"/>
+          </a:effectRef>
+          <a:fontRef idx="minor">
+            <a:schemeClr val="lt1"/>
+          </a:fontRef>
+        </p:style>
+        <p:txBody>
+          <a:bodyPr rtlCol="0" anchor="ctr"/>
+          <a:lstStyle/>
+          <a:p>
+            <a:pPr algn="ctr"/>
+            <a:endParaRPr lang="en-US"/>
           </a:p>
         </p:txBody>
       </p:sp>
     </p:spTree>
     <p:extLst>
       <p:ext uri="{BB962C8B-B14F-4D97-AF65-F5344CB8AC3E}">
-        <p14:creationId xmlns:p14="http://schemas.microsoft.com/office/powerpoint/2010/main" val="423632660"/>
+        <p14:creationId xmlns:p14="http://schemas.microsoft.com/office/powerpoint/2010/main" val="4043113270"/>
       </p:ext>
     </p:extLst>
   </p:cSld>
@@ -13955,19 +15097,14 @@
             <p:ph type="title"/>
           </p:nvPr>
         </p:nvSpPr>
-        <p:spPr>
-          <a:xfrm>
-            <a:off x="1476375" y="247043"/>
-            <a:ext cx="9571036" cy="762607"/>
-          </a:xfrm>
-        </p:spPr>
+        <p:spPr/>
         <p:txBody>
           <a:bodyPr/>
           <a:lstStyle/>
           <a:p>
             <a:r>
               <a:rPr lang="en-US" dirty="0" smtClean="0"/>
-              <a:t>Async</a:t>
+              <a:t>Child Windows</a:t>
             </a:r>
             <a:endParaRPr lang="en-US" dirty="0"/>
           </a:p>
@@ -13975,596 +15112,37 @@
       </p:sp>
       <p:sp>
         <p:nvSpPr>
-          <p:cNvPr id="9" name="Rectangle 8"/>
-          <p:cNvSpPr/>
-          <p:nvPr/>
+          <p:cNvPr id="3" name="Content Placeholder 2"/>
+          <p:cNvSpPr>
+            <a:spLocks noGrp="1"/>
+          </p:cNvSpPr>
+          <p:nvPr>
+            <p:ph idx="1"/>
+          </p:nvPr>
         </p:nvSpPr>
-        <p:spPr>
-          <a:xfrm>
-            <a:off x="1141411" y="1009650"/>
-            <a:ext cx="10012363" cy="1200329"/>
-          </a:xfrm>
-          <a:prstGeom prst="rect">
-            <a:avLst/>
-          </a:prstGeom>
-          <a:solidFill>
-            <a:schemeClr val="tx1"/>
-          </a:solidFill>
-        </p:spPr>
+        <p:spPr/>
         <p:txBody>
-          <a:bodyPr wrap="square">
-            <a:spAutoFit/>
-          </a:bodyPr>
+          <a:bodyPr/>
           <a:lstStyle/>
           <a:p>
             <a:r>
-              <a:rPr lang="en-US" dirty="0">
-                <a:solidFill>
-                  <a:srgbClr val="0000FF"/>
-                </a:solidFill>
-                <a:latin typeface="Consolas" panose="020B0609020204030204" pitchFamily="49" charset="0"/>
-              </a:rPr>
-              <a:t>type</a:t>
-            </a:r>
-            <a:r>
-              <a:rPr lang="en-US" dirty="0">
-                <a:solidFill>
-                  <a:prstClr val="black"/>
-                </a:solidFill>
-                <a:latin typeface="Consolas" panose="020B0609020204030204" pitchFamily="49" charset="0"/>
-              </a:rPr>
-              <a:t> IController&lt;'Event, 'Model&gt; =</a:t>
-            </a:r>
-          </a:p>
-          <a:p>
-            <a:endParaRPr lang="en-US" dirty="0">
-              <a:solidFill>
-                <a:prstClr val="black"/>
-              </a:solidFill>
-              <a:latin typeface="Consolas" panose="020B0609020204030204" pitchFamily="49" charset="0"/>
-            </a:endParaRPr>
-          </a:p>
-          <a:p>
-            <a:r>
-              <a:rPr lang="en-US" dirty="0">
-                <a:solidFill>
-                  <a:prstClr val="black"/>
-                </a:solidFill>
-                <a:latin typeface="Consolas" panose="020B0609020204030204" pitchFamily="49" charset="0"/>
-              </a:rPr>
-              <a:t>    </a:t>
-            </a:r>
-            <a:r>
-              <a:rPr lang="en-US" dirty="0">
-                <a:solidFill>
-                  <a:srgbClr val="0000FF"/>
-                </a:solidFill>
-                <a:latin typeface="Consolas" panose="020B0609020204030204" pitchFamily="49" charset="0"/>
-              </a:rPr>
-              <a:t>abstract</a:t>
-            </a:r>
-            <a:r>
-              <a:rPr lang="en-US" dirty="0">
-                <a:solidFill>
-                  <a:prstClr val="black"/>
-                </a:solidFill>
-                <a:latin typeface="Consolas" panose="020B0609020204030204" pitchFamily="49" charset="0"/>
-              </a:rPr>
-              <a:t> InitModel : 'Model </a:t>
-            </a:r>
-            <a:r>
-              <a:rPr lang="en-US" dirty="0">
-                <a:solidFill>
-                  <a:srgbClr val="0000FF"/>
-                </a:solidFill>
-                <a:latin typeface="Consolas" panose="020B0609020204030204" pitchFamily="49" charset="0"/>
-              </a:rPr>
-              <a:t>-&gt;</a:t>
-            </a:r>
-            <a:r>
-              <a:rPr lang="en-US" dirty="0">
-                <a:solidFill>
-                  <a:prstClr val="black"/>
-                </a:solidFill>
-                <a:latin typeface="Consolas" panose="020B0609020204030204" pitchFamily="49" charset="0"/>
-              </a:rPr>
-              <a:t> unit</a:t>
-            </a:r>
-          </a:p>
-          <a:p>
-            <a:r>
-              <a:rPr lang="en-US" dirty="0">
-                <a:solidFill>
-                  <a:prstClr val="black"/>
-                </a:solidFill>
-                <a:latin typeface="Consolas" panose="020B0609020204030204" pitchFamily="49" charset="0"/>
-              </a:rPr>
-              <a:t>    </a:t>
-            </a:r>
-            <a:r>
-              <a:rPr lang="en-US" dirty="0">
-                <a:solidFill>
-                  <a:srgbClr val="0000FF"/>
-                </a:solidFill>
-                <a:latin typeface="Consolas" panose="020B0609020204030204" pitchFamily="49" charset="0"/>
-              </a:rPr>
-              <a:t>abstract</a:t>
-            </a:r>
-            <a:r>
-              <a:rPr lang="en-US" dirty="0">
-                <a:solidFill>
-                  <a:prstClr val="black"/>
-                </a:solidFill>
-                <a:latin typeface="Consolas" panose="020B0609020204030204" pitchFamily="49" charset="0"/>
-              </a:rPr>
-              <a:t> </a:t>
-            </a:r>
-            <a:r>
-              <a:rPr lang="en-US" dirty="0" smtClean="0">
-                <a:solidFill>
-                  <a:prstClr val="black"/>
-                </a:solidFill>
-                <a:latin typeface="Consolas" panose="020B0609020204030204" pitchFamily="49" charset="0"/>
-              </a:rPr>
-              <a:t>EventHandler </a:t>
-            </a:r>
-            <a:r>
-              <a:rPr lang="en-US" dirty="0">
-                <a:solidFill>
-                  <a:prstClr val="black"/>
-                </a:solidFill>
-                <a:latin typeface="Consolas" panose="020B0609020204030204" pitchFamily="49" charset="0"/>
-              </a:rPr>
-              <a:t>: ('Event </a:t>
-            </a:r>
-            <a:r>
-              <a:rPr lang="en-US" dirty="0">
-                <a:solidFill>
-                  <a:srgbClr val="0000FF"/>
-                </a:solidFill>
-                <a:latin typeface="Consolas" panose="020B0609020204030204" pitchFamily="49" charset="0"/>
-              </a:rPr>
-              <a:t>-&gt;</a:t>
-            </a:r>
-            <a:r>
-              <a:rPr lang="en-US" dirty="0">
-                <a:solidFill>
-                  <a:prstClr val="black"/>
-                </a:solidFill>
-                <a:latin typeface="Consolas" panose="020B0609020204030204" pitchFamily="49" charset="0"/>
-              </a:rPr>
-              <a:t> 'Model </a:t>
-            </a:r>
-            <a:r>
-              <a:rPr lang="en-US" dirty="0">
-                <a:solidFill>
-                  <a:srgbClr val="0000FF"/>
-                </a:solidFill>
-                <a:latin typeface="Consolas" panose="020B0609020204030204" pitchFamily="49" charset="0"/>
-              </a:rPr>
-              <a:t>-&gt;</a:t>
-            </a:r>
-            <a:r>
-              <a:rPr lang="en-US" dirty="0">
-                <a:solidFill>
-                  <a:prstClr val="black"/>
-                </a:solidFill>
-                <a:latin typeface="Consolas" panose="020B0609020204030204" pitchFamily="49" charset="0"/>
-              </a:rPr>
-              <a:t> unit)</a:t>
-            </a:r>
-          </a:p>
-        </p:txBody>
-      </p:sp>
-      <p:sp>
-        <p:nvSpPr>
-          <p:cNvPr id="10" name="Rectangle 9"/>
-          <p:cNvSpPr/>
-          <p:nvPr/>
-        </p:nvSpPr>
-        <p:spPr>
-          <a:xfrm>
-            <a:off x="1141411" y="3199005"/>
-            <a:ext cx="10012363" cy="2308324"/>
-          </a:xfrm>
-          <a:prstGeom prst="rect">
-            <a:avLst/>
-          </a:prstGeom>
-          <a:solidFill>
-            <a:schemeClr val="tx1"/>
-          </a:solidFill>
-        </p:spPr>
-        <p:txBody>
-          <a:bodyPr wrap="square">
-            <a:spAutoFit/>
-          </a:bodyPr>
-          <a:lstStyle/>
-          <a:p>
-            <a:r>
-              <a:rPr lang="en-US" dirty="0">
-                <a:solidFill>
-                  <a:srgbClr val="0000FF"/>
-                </a:solidFill>
-                <a:latin typeface="Consolas" panose="020B0609020204030204" pitchFamily="49" charset="0"/>
-              </a:rPr>
-              <a:t>type</a:t>
-            </a:r>
-            <a:r>
-              <a:rPr lang="en-US" dirty="0">
-                <a:solidFill>
-                  <a:prstClr val="black"/>
-                </a:solidFill>
-                <a:latin typeface="Consolas" panose="020B0609020204030204" pitchFamily="49" charset="0"/>
-              </a:rPr>
-              <a:t> EventHandler&lt;'Model&gt; = </a:t>
-            </a:r>
-          </a:p>
-          <a:p>
-            <a:r>
-              <a:rPr lang="en-US" dirty="0">
-                <a:solidFill>
-                  <a:prstClr val="black"/>
-                </a:solidFill>
-                <a:latin typeface="Consolas" panose="020B0609020204030204" pitchFamily="49" charset="0"/>
-              </a:rPr>
-              <a:t>    | Sync </a:t>
-            </a:r>
-            <a:r>
-              <a:rPr lang="en-US" dirty="0">
-                <a:solidFill>
-                  <a:srgbClr val="0000FF"/>
-                </a:solidFill>
-                <a:latin typeface="Consolas" panose="020B0609020204030204" pitchFamily="49" charset="0"/>
-              </a:rPr>
-              <a:t>of</a:t>
-            </a:r>
-            <a:r>
-              <a:rPr lang="en-US" dirty="0">
-                <a:solidFill>
-                  <a:prstClr val="black"/>
-                </a:solidFill>
-                <a:latin typeface="Consolas" panose="020B0609020204030204" pitchFamily="49" charset="0"/>
-              </a:rPr>
-              <a:t> ('Model </a:t>
-            </a:r>
-            <a:r>
-              <a:rPr lang="en-US" dirty="0">
-                <a:solidFill>
-                  <a:srgbClr val="0000FF"/>
-                </a:solidFill>
-                <a:latin typeface="Consolas" panose="020B0609020204030204" pitchFamily="49" charset="0"/>
-              </a:rPr>
-              <a:t>-&gt;</a:t>
-            </a:r>
-            <a:r>
-              <a:rPr lang="en-US" dirty="0">
-                <a:solidFill>
-                  <a:prstClr val="black"/>
-                </a:solidFill>
-                <a:latin typeface="Consolas" panose="020B0609020204030204" pitchFamily="49" charset="0"/>
-              </a:rPr>
-              <a:t> unit)</a:t>
-            </a:r>
-          </a:p>
-          <a:p>
-            <a:r>
-              <a:rPr lang="en-US" dirty="0">
-                <a:solidFill>
-                  <a:prstClr val="black"/>
-                </a:solidFill>
-                <a:latin typeface="Consolas" panose="020B0609020204030204" pitchFamily="49" charset="0"/>
-              </a:rPr>
-              <a:t>    | Async </a:t>
-            </a:r>
-            <a:r>
-              <a:rPr lang="en-US" dirty="0">
-                <a:solidFill>
-                  <a:srgbClr val="0000FF"/>
-                </a:solidFill>
-                <a:latin typeface="Consolas" panose="020B0609020204030204" pitchFamily="49" charset="0"/>
-              </a:rPr>
-              <a:t>of</a:t>
-            </a:r>
-            <a:r>
-              <a:rPr lang="en-US" dirty="0">
-                <a:solidFill>
-                  <a:prstClr val="black"/>
-                </a:solidFill>
-                <a:latin typeface="Consolas" panose="020B0609020204030204" pitchFamily="49" charset="0"/>
-              </a:rPr>
-              <a:t> ('Model </a:t>
-            </a:r>
-            <a:r>
-              <a:rPr lang="en-US" dirty="0">
-                <a:solidFill>
-                  <a:srgbClr val="0000FF"/>
-                </a:solidFill>
-                <a:latin typeface="Consolas" panose="020B0609020204030204" pitchFamily="49" charset="0"/>
-              </a:rPr>
-              <a:t>-&gt;</a:t>
-            </a:r>
-            <a:r>
-              <a:rPr lang="en-US" dirty="0">
-                <a:solidFill>
-                  <a:prstClr val="black"/>
-                </a:solidFill>
-                <a:latin typeface="Consolas" panose="020B0609020204030204" pitchFamily="49" charset="0"/>
-              </a:rPr>
-              <a:t> Async&lt;unit&gt;)</a:t>
-            </a:r>
-          </a:p>
-          <a:p>
-            <a:endParaRPr lang="en-US" dirty="0">
-              <a:solidFill>
-                <a:prstClr val="black"/>
-              </a:solidFill>
-              <a:latin typeface="Consolas" panose="020B0609020204030204" pitchFamily="49" charset="0"/>
-            </a:endParaRPr>
-          </a:p>
-          <a:p>
-            <a:r>
-              <a:rPr lang="en-US" dirty="0">
-                <a:solidFill>
-                  <a:srgbClr val="0000FF"/>
-                </a:solidFill>
-                <a:latin typeface="Consolas" panose="020B0609020204030204" pitchFamily="49" charset="0"/>
-              </a:rPr>
-              <a:t>type</a:t>
-            </a:r>
-            <a:r>
-              <a:rPr lang="en-US" dirty="0">
-                <a:solidFill>
-                  <a:prstClr val="black"/>
-                </a:solidFill>
-                <a:latin typeface="Consolas" panose="020B0609020204030204" pitchFamily="49" charset="0"/>
-              </a:rPr>
-              <a:t> IController&lt;'Events, 'Model&gt; =</a:t>
-            </a:r>
-          </a:p>
-          <a:p>
-            <a:endParaRPr lang="en-US" dirty="0">
-              <a:solidFill>
-                <a:prstClr val="black"/>
-              </a:solidFill>
-              <a:latin typeface="Consolas" panose="020B0609020204030204" pitchFamily="49" charset="0"/>
-            </a:endParaRPr>
-          </a:p>
-          <a:p>
-            <a:r>
-              <a:rPr lang="en-US" dirty="0">
-                <a:solidFill>
-                  <a:prstClr val="black"/>
-                </a:solidFill>
-                <a:latin typeface="Consolas" panose="020B0609020204030204" pitchFamily="49" charset="0"/>
-              </a:rPr>
-              <a:t>    </a:t>
-            </a:r>
-            <a:r>
-              <a:rPr lang="en-US" dirty="0">
-                <a:solidFill>
-                  <a:srgbClr val="0000FF"/>
-                </a:solidFill>
-                <a:latin typeface="Consolas" panose="020B0609020204030204" pitchFamily="49" charset="0"/>
-              </a:rPr>
-              <a:t>abstract</a:t>
-            </a:r>
-            <a:r>
-              <a:rPr lang="en-US" dirty="0">
-                <a:solidFill>
-                  <a:prstClr val="black"/>
-                </a:solidFill>
-                <a:latin typeface="Consolas" panose="020B0609020204030204" pitchFamily="49" charset="0"/>
-              </a:rPr>
-              <a:t> InitModel : 'Model </a:t>
-            </a:r>
-            <a:r>
-              <a:rPr lang="en-US" dirty="0">
-                <a:solidFill>
-                  <a:srgbClr val="0000FF"/>
-                </a:solidFill>
-                <a:latin typeface="Consolas" panose="020B0609020204030204" pitchFamily="49" charset="0"/>
-              </a:rPr>
-              <a:t>-&gt;</a:t>
-            </a:r>
-            <a:r>
-              <a:rPr lang="en-US" dirty="0">
-                <a:solidFill>
-                  <a:prstClr val="black"/>
-                </a:solidFill>
-                <a:latin typeface="Consolas" panose="020B0609020204030204" pitchFamily="49" charset="0"/>
-              </a:rPr>
-              <a:t> unit</a:t>
-            </a:r>
-          </a:p>
-          <a:p>
-            <a:r>
-              <a:rPr lang="en-US" dirty="0">
-                <a:solidFill>
-                  <a:prstClr val="black"/>
-                </a:solidFill>
-                <a:latin typeface="Consolas" panose="020B0609020204030204" pitchFamily="49" charset="0"/>
-              </a:rPr>
-              <a:t>    </a:t>
-            </a:r>
-            <a:r>
-              <a:rPr lang="en-US" dirty="0">
-                <a:solidFill>
-                  <a:srgbClr val="0000FF"/>
-                </a:solidFill>
-                <a:latin typeface="Consolas" panose="020B0609020204030204" pitchFamily="49" charset="0"/>
-              </a:rPr>
-              <a:t>abstract</a:t>
-            </a:r>
-            <a:r>
-              <a:rPr lang="en-US" dirty="0">
-                <a:solidFill>
-                  <a:prstClr val="black"/>
-                </a:solidFill>
-                <a:latin typeface="Consolas" panose="020B0609020204030204" pitchFamily="49" charset="0"/>
-              </a:rPr>
-              <a:t> Dispatcher : ('Events </a:t>
-            </a:r>
-            <a:r>
-              <a:rPr lang="en-US" dirty="0">
-                <a:solidFill>
-                  <a:srgbClr val="0000FF"/>
-                </a:solidFill>
-                <a:latin typeface="Consolas" panose="020B0609020204030204" pitchFamily="49" charset="0"/>
-              </a:rPr>
-              <a:t>-&gt;</a:t>
-            </a:r>
-            <a:r>
-              <a:rPr lang="en-US" dirty="0">
-                <a:solidFill>
-                  <a:prstClr val="black"/>
-                </a:solidFill>
-                <a:latin typeface="Consolas" panose="020B0609020204030204" pitchFamily="49" charset="0"/>
-              </a:rPr>
-              <a:t> EventHandler&lt;'Model&gt;)</a:t>
-            </a:r>
-          </a:p>
-        </p:txBody>
-      </p:sp>
-      <p:sp>
-        <p:nvSpPr>
-          <p:cNvPr id="11" name="Down Arrow 10"/>
-          <p:cNvSpPr/>
-          <p:nvPr/>
-        </p:nvSpPr>
-        <p:spPr>
-          <a:xfrm>
-            <a:off x="5905275" y="2469767"/>
-            <a:ext cx="484632" cy="627116"/>
-          </a:xfrm>
-          <a:prstGeom prst="downArrow">
-            <a:avLst/>
-          </a:prstGeom>
-        </p:spPr>
-        <p:style>
-          <a:lnRef idx="2">
-            <a:schemeClr val="accent1">
-              <a:shade val="50000"/>
-            </a:schemeClr>
-          </a:lnRef>
-          <a:fillRef idx="1">
-            <a:schemeClr val="accent1"/>
-          </a:fillRef>
-          <a:effectRef idx="0">
-            <a:schemeClr val="accent1"/>
-          </a:effectRef>
-          <a:fontRef idx="minor">
-            <a:schemeClr val="lt1"/>
-          </a:fontRef>
-        </p:style>
-        <p:txBody>
-          <a:bodyPr rtlCol="0" anchor="ctr"/>
-          <a:lstStyle/>
-          <a:p>
-            <a:pPr algn="ctr"/>
-            <a:endParaRPr lang="en-US"/>
-          </a:p>
-        </p:txBody>
-      </p:sp>
-      <p:sp>
-        <p:nvSpPr>
-          <p:cNvPr id="3" name="Rectangle 2"/>
-          <p:cNvSpPr/>
-          <p:nvPr/>
-        </p:nvSpPr>
-        <p:spPr>
-          <a:xfrm>
-            <a:off x="1860727" y="5901269"/>
-            <a:ext cx="8573728" cy="369332"/>
-          </a:xfrm>
-          <a:prstGeom prst="rect">
-            <a:avLst/>
-          </a:prstGeom>
-          <a:gradFill>
-            <a:gsLst>
-              <a:gs pos="0">
-                <a:schemeClr val="accent1">
-                  <a:lumMod val="5000"/>
-                  <a:lumOff val="95000"/>
-                </a:schemeClr>
-              </a:gs>
-              <a:gs pos="74000">
-                <a:schemeClr val="accent1">
-                  <a:lumMod val="45000"/>
-                  <a:lumOff val="55000"/>
-                </a:schemeClr>
-              </a:gs>
-              <a:gs pos="83000">
-                <a:schemeClr val="accent1">
-                  <a:lumMod val="45000"/>
-                  <a:lumOff val="55000"/>
-                </a:schemeClr>
-              </a:gs>
-              <a:gs pos="100000">
-                <a:schemeClr val="accent1">
-                  <a:lumMod val="30000"/>
-                  <a:lumOff val="70000"/>
-                </a:schemeClr>
-              </a:gs>
-            </a:gsLst>
-            <a:lin ang="5400000" scaled="1"/>
-          </a:gradFill>
-        </p:spPr>
-        <p:txBody>
-          <a:bodyPr wrap="square">
-            <a:spAutoFit/>
-          </a:bodyPr>
-          <a:lstStyle/>
-          <a:p>
-            <a:r>
-              <a:rPr lang="en-US" b="1" dirty="0" smtClean="0">
-                <a:solidFill>
-                  <a:srgbClr val="FF0000"/>
-                </a:solidFill>
-                <a:latin typeface="palatino linotype" panose="02040502050505030304" pitchFamily="18" charset="0"/>
-              </a:rPr>
-              <a:t>“Async </a:t>
-            </a:r>
-            <a:r>
-              <a:rPr lang="en-US" b="1" dirty="0">
-                <a:solidFill>
-                  <a:srgbClr val="FF0000"/>
-                </a:solidFill>
-                <a:latin typeface="palatino linotype" panose="02040502050505030304" pitchFamily="18" charset="0"/>
-              </a:rPr>
-              <a:t>in C# and F#: Asynchronous gotchas in C</a:t>
-            </a:r>
-            <a:r>
-              <a:rPr lang="en-US" b="1" dirty="0" smtClean="0">
-                <a:solidFill>
-                  <a:srgbClr val="FF0000"/>
-                </a:solidFill>
-                <a:latin typeface="palatino linotype" panose="02040502050505030304" pitchFamily="18" charset="0"/>
-              </a:rPr>
-              <a:t>#” blog post by Tomas </a:t>
-            </a:r>
-            <a:r>
-              <a:rPr lang="en-US" b="1" dirty="0" err="1" smtClean="0">
-                <a:solidFill>
-                  <a:srgbClr val="FF0000"/>
-                </a:solidFill>
-                <a:latin typeface="palatino linotype" panose="02040502050505030304" pitchFamily="18" charset="0"/>
-              </a:rPr>
-              <a:t>Petricek</a:t>
-            </a:r>
-            <a:endParaRPr lang="en-US" b="1" i="0" dirty="0">
-              <a:solidFill>
-                <a:srgbClr val="FF0000"/>
-              </a:solidFill>
-              <a:effectLst/>
-              <a:latin typeface="palatino linotype" panose="02040502050505030304" pitchFamily="18" charset="0"/>
-            </a:endParaRPr>
+              <a:rPr lang="en-US" dirty="0" smtClean="0"/>
+              <a:t>Dialog – synchronous computation </a:t>
+            </a:r>
+          </a:p>
+          <a:p>
+            <a:r>
+              <a:rPr lang="en-US" dirty="0" smtClean="0"/>
+              <a:t>Non-modal window - asynchronous </a:t>
+            </a:r>
+            <a:endParaRPr lang="en-US" dirty="0"/>
           </a:p>
         </p:txBody>
       </p:sp>
     </p:spTree>
     <p:extLst>
       <p:ext uri="{BB962C8B-B14F-4D97-AF65-F5344CB8AC3E}">
-        <p14:creationId xmlns:p14="http://schemas.microsoft.com/office/powerpoint/2010/main" val="4043113270"/>
+        <p14:creationId xmlns:p14="http://schemas.microsoft.com/office/powerpoint/2010/main" val="1103476166"/>
       </p:ext>
     </p:extLst>
   </p:cSld>
@@ -14615,95 +15193,6 @@
           <a:p>
             <a:r>
               <a:rPr lang="en-US" dirty="0" smtClean="0"/>
-              <a:t>Child Windows</a:t>
-            </a:r>
-            <a:endParaRPr lang="en-US" dirty="0"/>
-          </a:p>
-        </p:txBody>
-      </p:sp>
-      <p:sp>
-        <p:nvSpPr>
-          <p:cNvPr id="3" name="Content Placeholder 2"/>
-          <p:cNvSpPr>
-            <a:spLocks noGrp="1"/>
-          </p:cNvSpPr>
-          <p:nvPr>
-            <p:ph idx="1"/>
-          </p:nvPr>
-        </p:nvSpPr>
-        <p:spPr/>
-        <p:txBody>
-          <a:bodyPr/>
-          <a:lstStyle/>
-          <a:p>
-            <a:r>
-              <a:rPr lang="en-US" dirty="0" smtClean="0"/>
-              <a:t>Dialog – synchronous computation </a:t>
-            </a:r>
-          </a:p>
-          <a:p>
-            <a:r>
-              <a:rPr lang="en-US" dirty="0" smtClean="0"/>
-              <a:t>Non-modal window - asynchronous </a:t>
-            </a:r>
-            <a:endParaRPr lang="en-US" dirty="0"/>
-          </a:p>
-        </p:txBody>
-      </p:sp>
-    </p:spTree>
-    <p:extLst>
-      <p:ext uri="{BB962C8B-B14F-4D97-AF65-F5344CB8AC3E}">
-        <p14:creationId xmlns:p14="http://schemas.microsoft.com/office/powerpoint/2010/main" val="1103476166"/>
-      </p:ext>
-    </p:extLst>
-  </p:cSld>
-  <p:clrMapOvr>
-    <a:masterClrMapping/>
-  </p:clrMapOvr>
-  <p:timing>
-    <p:tnLst>
-      <p:par>
-        <p:cTn id="1" dur="indefinite" restart="never" nodeType="tmRoot"/>
-      </p:par>
-    </p:tnLst>
-  </p:timing>
-</p:sld>
-</file>
-
-<file path=ppt/slides/slide19.xml><?xml version="1.0" encoding="utf-8"?>
-<p:sld xmlns:a="http://schemas.openxmlformats.org/drawingml/2006/main" xmlns:r="http://schemas.openxmlformats.org/officeDocument/2006/relationships" xmlns:p="http://schemas.openxmlformats.org/presentationml/2006/main">
-  <p:cSld>
-    <p:spTree>
-      <p:nvGrpSpPr>
-        <p:cNvPr id="1" name=""/>
-        <p:cNvGrpSpPr/>
-        <p:nvPr/>
-      </p:nvGrpSpPr>
-      <p:grpSpPr>
-        <a:xfrm>
-          <a:off x="0" y="0"/>
-          <a:ext cx="0" cy="0"/>
-          <a:chOff x="0" y="0"/>
-          <a:chExt cx="0" cy="0"/>
-        </a:xfrm>
-      </p:grpSpPr>
-      <p:sp>
-        <p:nvSpPr>
-          <p:cNvPr id="2" name="Title 1"/>
-          <p:cNvSpPr>
-            <a:spLocks noGrp="1"/>
-          </p:cNvSpPr>
-          <p:nvPr>
-            <p:ph type="title"/>
-          </p:nvPr>
-        </p:nvSpPr>
-        <p:spPr/>
-        <p:txBody>
-          <a:bodyPr/>
-          <a:lstStyle/>
-          <a:p>
-            <a:r>
-              <a:rPr lang="en-US" dirty="0" smtClean="0"/>
               <a:t>Reentrancy</a:t>
             </a:r>
             <a:endParaRPr lang="en-US" dirty="0"/>
@@ -14752,141 +15241,7 @@
 </p:sld>
 </file>
 
-<file path=ppt/slides/slide2.xml><?xml version="1.0" encoding="utf-8"?>
-<p:sld xmlns:a="http://schemas.openxmlformats.org/drawingml/2006/main" xmlns:r="http://schemas.openxmlformats.org/officeDocument/2006/relationships" xmlns:p="http://schemas.openxmlformats.org/presentationml/2006/main">
-  <p:cSld>
-    <p:spTree>
-      <p:nvGrpSpPr>
-        <p:cNvPr id="1" name=""/>
-        <p:cNvGrpSpPr/>
-        <p:nvPr/>
-      </p:nvGrpSpPr>
-      <p:grpSpPr>
-        <a:xfrm>
-          <a:off x="0" y="0"/>
-          <a:ext cx="0" cy="0"/>
-          <a:chOff x="0" y="0"/>
-          <a:chExt cx="0" cy="0"/>
-        </a:xfrm>
-      </p:grpSpPr>
-      <p:sp>
-        <p:nvSpPr>
-          <p:cNvPr id="2" name="Title 1"/>
-          <p:cNvSpPr>
-            <a:spLocks noGrp="1"/>
-          </p:cNvSpPr>
-          <p:nvPr>
-            <p:ph type="title"/>
-          </p:nvPr>
-        </p:nvSpPr>
-        <p:spPr/>
-        <p:txBody>
-          <a:bodyPr/>
-          <a:lstStyle/>
-          <a:p>
-            <a:r>
-              <a:rPr lang="en-US" dirty="0"/>
-              <a:t>Deliverables</a:t>
-            </a:r>
-          </a:p>
-        </p:txBody>
-      </p:sp>
-      <p:sp>
-        <p:nvSpPr>
-          <p:cNvPr id="3" name="Content Placeholder 2"/>
-          <p:cNvSpPr>
-            <a:spLocks noGrp="1"/>
-          </p:cNvSpPr>
-          <p:nvPr>
-            <p:ph idx="1"/>
-          </p:nvPr>
-        </p:nvSpPr>
-        <p:spPr/>
-        <p:txBody>
-          <a:bodyPr/>
-          <a:lstStyle/>
-          <a:p>
-            <a:r>
-              <a:rPr lang="en-US" dirty="0" smtClean="0"/>
-              <a:t>Library: </a:t>
-            </a:r>
-            <a:r>
-              <a:rPr lang="en-US" dirty="0"/>
-              <a:t/>
-            </a:r>
-            <a:br>
-              <a:rPr lang="en-US" dirty="0"/>
-            </a:br>
-            <a:r>
-              <a:rPr lang="en-US" dirty="0">
-                <a:hlinkClick r:id="rId2"/>
-              </a:rPr>
-              <a:t>http://github.com/dmitry-a-morozov/fsharp-wpf-mvc-series</a:t>
-            </a:r>
-            <a:endParaRPr lang="en-US" dirty="0"/>
-          </a:p>
-          <a:p>
-            <a:r>
-              <a:rPr lang="en-US" dirty="0" smtClean="0"/>
-              <a:t>Learning series:</a:t>
-            </a:r>
-            <a:r>
-              <a:rPr lang="en-US" dirty="0"/>
-              <a:t/>
-            </a:r>
-            <a:br>
-              <a:rPr lang="en-US" dirty="0"/>
-            </a:br>
-            <a:r>
-              <a:rPr lang="en-US" dirty="0">
-                <a:hlinkClick r:id="rId3"/>
-              </a:rPr>
-              <a:t>http://</a:t>
-            </a:r>
-            <a:r>
-              <a:rPr lang="en-US" dirty="0" smtClean="0">
-                <a:hlinkClick r:id="rId3"/>
-              </a:rPr>
-              <a:t>github.com/dmitry-a-morozov/fsharp-wpf-mvc-series/wiki</a:t>
-            </a:r>
-            <a:endParaRPr lang="en-US" dirty="0" smtClean="0"/>
-          </a:p>
-          <a:p>
-            <a:r>
-              <a:rPr lang="en-US" dirty="0" smtClean="0"/>
-              <a:t>And today’s presentation </a:t>
-            </a:r>
-            <a:r>
-              <a:rPr lang="en-US" dirty="0" smtClean="0">
-                <a:sym typeface="Wingdings" panose="05000000000000000000" pitchFamily="2" charset="2"/>
-              </a:rPr>
-              <a:t></a:t>
-            </a:r>
-            <a:endParaRPr lang="en-US" dirty="0"/>
-          </a:p>
-        </p:txBody>
-      </p:sp>
-    </p:spTree>
-    <p:extLst>
-      <p:ext uri="{BB962C8B-B14F-4D97-AF65-F5344CB8AC3E}">
-        <p14:creationId xmlns:p14="http://schemas.microsoft.com/office/powerpoint/2010/main" val="362667298"/>
-      </p:ext>
-    </p:extLst>
-  </p:cSld>
-  <p:clrMapOvr>
-    <a:masterClrMapping/>
-  </p:clrMapOvr>
-  <p:timing>
-    <p:tnLst>
-      <p:par>
-        <p:cTn id="1" dur="indefinite" restart="never" nodeType="tmRoot"/>
-      </p:par>
-    </p:tnLst>
-  </p:timing>
-</p:sld>
-</file>
-
-<file path=ppt/slides/slide20.xml><?xml version="1.0" encoding="utf-8"?>
+<file path=ppt/slides/slide19.xml><?xml version="1.0" encoding="utf-8"?>
 <p:sld xmlns:a="http://schemas.openxmlformats.org/drawingml/2006/main" xmlns:r="http://schemas.openxmlformats.org/officeDocument/2006/relationships" xmlns:p="http://schemas.openxmlformats.org/presentationml/2006/main">
   <p:cSld>
     <p:spTree>
@@ -14975,6 +15330,457 @@
 </p:sld>
 </file>
 
+<file path=ppt/slides/slide2.xml><?xml version="1.0" encoding="utf-8"?>
+<p:sld xmlns:a="http://schemas.openxmlformats.org/drawingml/2006/main" xmlns:r="http://schemas.openxmlformats.org/officeDocument/2006/relationships" xmlns:p="http://schemas.openxmlformats.org/presentationml/2006/main">
+  <p:cSld>
+    <p:spTree>
+      <p:nvGrpSpPr>
+        <p:cNvPr id="1" name=""/>
+        <p:cNvGrpSpPr/>
+        <p:nvPr/>
+      </p:nvGrpSpPr>
+      <p:grpSpPr>
+        <a:xfrm>
+          <a:off x="0" y="0"/>
+          <a:ext cx="0" cy="0"/>
+          <a:chOff x="0" y="0"/>
+          <a:chExt cx="0" cy="0"/>
+        </a:xfrm>
+      </p:grpSpPr>
+      <p:sp>
+        <p:nvSpPr>
+          <p:cNvPr id="2" name="Title 1"/>
+          <p:cNvSpPr>
+            <a:spLocks noGrp="1"/>
+          </p:cNvSpPr>
+          <p:nvPr>
+            <p:ph type="title"/>
+          </p:nvPr>
+        </p:nvSpPr>
+        <p:spPr>
+          <a:xfrm>
+            <a:off x="1141413" y="618518"/>
+            <a:ext cx="10164762" cy="1478570"/>
+          </a:xfrm>
+        </p:spPr>
+        <p:txBody>
+          <a:bodyPr/>
+          <a:lstStyle/>
+          <a:p>
+            <a:endParaRPr lang="en-US" dirty="0"/>
+          </a:p>
+        </p:txBody>
+      </p:sp>
+      <p:graphicFrame>
+        <p:nvGraphicFramePr>
+          <p:cNvPr id="10" name="Content Placeholder 9"/>
+          <p:cNvGraphicFramePr>
+            <a:graphicFrameLocks noGrp="1"/>
+          </p:cNvGraphicFramePr>
+          <p:nvPr>
+            <p:ph idx="1"/>
+            <p:extLst>
+              <p:ext uri="{D42A27DB-BD31-4B8C-83A1-F6EECF244321}">
+                <p14:modId xmlns:p14="http://schemas.microsoft.com/office/powerpoint/2010/main" val="2733226858"/>
+              </p:ext>
+            </p:extLst>
+          </p:nvPr>
+        </p:nvGraphicFramePr>
+        <p:xfrm>
+          <a:off x="1141410" y="2259013"/>
+          <a:ext cx="10136189" cy="1838960"/>
+        </p:xfrm>
+        <a:graphic>
+          <a:graphicData uri="http://schemas.openxmlformats.org/drawingml/2006/table">
+            <a:tbl>
+              <a:tblPr firstRow="1" bandRow="1">
+                <a:tableStyleId>{5C22544A-7EE6-4342-B048-85BDC9FD1C3A}</a:tableStyleId>
+              </a:tblPr>
+              <a:tblGrid>
+                <a:gridCol w="4792665"/>
+                <a:gridCol w="5343524"/>
+              </a:tblGrid>
+              <a:tr h="370840">
+                <a:tc>
+                  <a:txBody>
+                    <a:bodyPr/>
+                    <a:lstStyle/>
+                    <a:p>
+                      <a:r>
+                        <a:rPr lang="en-US" dirty="0" smtClean="0"/>
+                        <a:t>WHY</a:t>
+                      </a:r>
+                      <a:endParaRPr lang="en-US" dirty="0"/>
+                    </a:p>
+                  </a:txBody>
+                  <a:tcPr/>
+                </a:tc>
+                <a:tc>
+                  <a:txBody>
+                    <a:bodyPr/>
+                    <a:lstStyle/>
+                    <a:p>
+                      <a:r>
+                        <a:rPr lang="en-US" dirty="0" smtClean="0"/>
+                        <a:t>WHAT</a:t>
+                      </a:r>
+                      <a:endParaRPr lang="en-US" dirty="0"/>
+                    </a:p>
+                  </a:txBody>
+                  <a:tcPr/>
+                </a:tc>
+              </a:tr>
+              <a:tr h="370840">
+                <a:tc>
+                  <a:txBody>
+                    <a:bodyPr/>
+                    <a:lstStyle/>
+                    <a:p>
+                      <a:pPr marL="0" marR="0" indent="0" algn="l" defTabSz="914400" rtl="0" eaLnBrk="1" fontAlgn="auto" latinLnBrk="0" hangingPunct="1">
+                        <a:lnSpc>
+                          <a:spcPct val="100000"/>
+                        </a:lnSpc>
+                        <a:spcBef>
+                          <a:spcPts val="0"/>
+                        </a:spcBef>
+                        <a:spcAft>
+                          <a:spcPts val="0"/>
+                        </a:spcAft>
+                        <a:buClrTx/>
+                        <a:buSzTx/>
+                        <a:buFontTx/>
+                        <a:buNone/>
+                        <a:tabLst/>
+                        <a:defRPr/>
+                      </a:pPr>
+                      <a:r>
+                        <a:rPr lang="en-US" dirty="0" smtClean="0"/>
+                        <a:t>Try F# with WPF</a:t>
+                      </a:r>
+                    </a:p>
+                  </a:txBody>
+                  <a:tcPr/>
+                </a:tc>
+                <a:tc>
+                  <a:txBody>
+                    <a:bodyPr/>
+                    <a:lstStyle/>
+                    <a:p>
+                      <a:pPr marL="0" marR="0" indent="0" algn="l" defTabSz="914400" rtl="0" eaLnBrk="1" fontAlgn="auto" latinLnBrk="0" hangingPunct="1">
+                        <a:lnSpc>
+                          <a:spcPct val="100000"/>
+                        </a:lnSpc>
+                        <a:spcBef>
+                          <a:spcPts val="0"/>
+                        </a:spcBef>
+                        <a:spcAft>
+                          <a:spcPts val="0"/>
+                        </a:spcAft>
+                        <a:buClrTx/>
+                        <a:buSzTx/>
+                        <a:buFontTx/>
+                        <a:buNone/>
+                        <a:tabLst/>
+                        <a:defRPr/>
+                      </a:pPr>
+                      <a:r>
+                        <a:rPr lang="en-US" dirty="0" smtClean="0"/>
+                        <a:t>F# is great general purpose language</a:t>
+                      </a:r>
+                    </a:p>
+                  </a:txBody>
+                  <a:tcPr/>
+                </a:tc>
+              </a:tr>
+              <a:tr h="370840">
+                <a:tc>
+                  <a:txBody>
+                    <a:bodyPr/>
+                    <a:lstStyle/>
+                    <a:p>
+                      <a:pPr marL="0" indent="0">
+                        <a:buFont typeface="+mj-lt"/>
+                        <a:buNone/>
+                      </a:pPr>
+                      <a:r>
+                        <a:rPr lang="en-US" dirty="0" smtClean="0"/>
+                        <a:t>Generalize. Deliver something reusable.</a:t>
+                      </a:r>
+                    </a:p>
+                  </a:txBody>
+                  <a:tcPr/>
+                </a:tc>
+                <a:tc>
+                  <a:txBody>
+                    <a:bodyPr/>
+                    <a:lstStyle/>
+                    <a:p>
+                      <a:pPr marL="0" marR="0" indent="0" algn="l" defTabSz="914400" rtl="0" eaLnBrk="1" fontAlgn="auto" latinLnBrk="0" hangingPunct="1">
+                        <a:lnSpc>
+                          <a:spcPct val="100000"/>
+                        </a:lnSpc>
+                        <a:spcBef>
+                          <a:spcPts val="0"/>
+                        </a:spcBef>
+                        <a:spcAft>
+                          <a:spcPts val="0"/>
+                        </a:spcAft>
+                        <a:buClrTx/>
+                        <a:buSzTx/>
+                        <a:buFontTx/>
+                        <a:buNone/>
+                        <a:tabLst/>
+                        <a:defRPr/>
+                      </a:pPr>
+                      <a:r>
+                        <a:rPr lang="en-US" dirty="0" smtClean="0"/>
+                        <a:t>F# MVC for WPF </a:t>
+                      </a:r>
+                      <a:r>
+                        <a:rPr lang="en-US" dirty="0" smtClean="0">
+                          <a:solidFill>
+                            <a:schemeClr val="bg1"/>
+                          </a:solidFill>
+                        </a:rPr>
+                        <a:t>framework</a:t>
+                      </a:r>
+                      <a:r>
+                        <a:rPr lang="en-US" dirty="0" smtClean="0"/>
+                        <a:t>.</a:t>
+                      </a:r>
+                    </a:p>
+                    <a:p>
+                      <a:pPr marL="0" marR="0" indent="0" algn="l" defTabSz="914400" rtl="0" eaLnBrk="1" fontAlgn="auto" latinLnBrk="0" hangingPunct="1">
+                        <a:lnSpc>
+                          <a:spcPct val="100000"/>
+                        </a:lnSpc>
+                        <a:spcBef>
+                          <a:spcPts val="0"/>
+                        </a:spcBef>
+                        <a:spcAft>
+                          <a:spcPts val="0"/>
+                        </a:spcAft>
+                        <a:buClrTx/>
+                        <a:buSzTx/>
+                        <a:buFontTx/>
+                        <a:buNone/>
+                        <a:tabLst/>
+                        <a:defRPr/>
+                      </a:pPr>
+                      <a:r>
+                        <a:rPr lang="en-US" sz="1200" dirty="0" smtClean="0">
+                          <a:solidFill>
+                            <a:schemeClr val="accent1">
+                              <a:lumMod val="75000"/>
+                            </a:schemeClr>
+                          </a:solidFill>
+                        </a:rPr>
+                        <a:t>http://github.com/dmitry-a-morozov/fsharp-wpf-mvc-series</a:t>
+                      </a:r>
+                    </a:p>
+                  </a:txBody>
+                  <a:tcPr/>
+                </a:tc>
+              </a:tr>
+              <a:tr h="370840">
+                <a:tc>
+                  <a:txBody>
+                    <a:bodyPr/>
+                    <a:lstStyle/>
+                    <a:p>
+                      <a:r>
+                        <a:rPr lang="en-US" dirty="0" smtClean="0"/>
+                        <a:t>Share with community</a:t>
+                      </a:r>
+                      <a:endParaRPr lang="en-US" dirty="0"/>
+                    </a:p>
+                  </a:txBody>
+                  <a:tcPr/>
+                </a:tc>
+                <a:tc>
+                  <a:txBody>
+                    <a:bodyPr/>
+                    <a:lstStyle/>
+                    <a:p>
+                      <a:pPr marL="0" marR="0" indent="0" algn="l" defTabSz="914400" rtl="0" eaLnBrk="1" fontAlgn="auto" latinLnBrk="0" hangingPunct="1">
+                        <a:lnSpc>
+                          <a:spcPct val="100000"/>
+                        </a:lnSpc>
+                        <a:spcBef>
+                          <a:spcPts val="0"/>
+                        </a:spcBef>
+                        <a:spcAft>
+                          <a:spcPts val="0"/>
+                        </a:spcAft>
+                        <a:buClrTx/>
+                        <a:buSzTx/>
+                        <a:buFontTx/>
+                        <a:buNone/>
+                        <a:tabLst/>
+                        <a:defRPr/>
+                      </a:pPr>
+                      <a:r>
+                        <a:rPr lang="en-US" dirty="0" smtClean="0"/>
+                        <a:t>Learning series. Language</a:t>
+                      </a:r>
+                      <a:r>
+                        <a:rPr lang="en-US" baseline="0" dirty="0" smtClean="0"/>
+                        <a:t> tutorial.</a:t>
+                      </a:r>
+                      <a:endParaRPr lang="en-US" dirty="0" smtClean="0"/>
+                    </a:p>
+                    <a:p>
+                      <a:pPr marL="0" marR="0" indent="0" algn="l" defTabSz="914400" rtl="0" eaLnBrk="1" fontAlgn="auto" latinLnBrk="0" hangingPunct="1">
+                        <a:lnSpc>
+                          <a:spcPct val="100000"/>
+                        </a:lnSpc>
+                        <a:spcBef>
+                          <a:spcPts val="0"/>
+                        </a:spcBef>
+                        <a:spcAft>
+                          <a:spcPts val="0"/>
+                        </a:spcAft>
+                        <a:buClrTx/>
+                        <a:buSzTx/>
+                        <a:buFontTx/>
+                        <a:buNone/>
+                        <a:tabLst/>
+                        <a:defRPr/>
+                      </a:pPr>
+                      <a:r>
+                        <a:rPr lang="en-US" sz="1200" dirty="0" smtClean="0">
+                          <a:solidFill>
+                            <a:schemeClr val="accent1">
+                              <a:lumMod val="75000"/>
+                            </a:schemeClr>
+                          </a:solidFill>
+                        </a:rPr>
+                        <a:t>http://github.com/dmitry-a-morozov/fsharp-wpf-mvc-series/wiki</a:t>
+                      </a:r>
+                    </a:p>
+                  </a:txBody>
+                  <a:tcPr/>
+                </a:tc>
+              </a:tr>
+            </a:tbl>
+          </a:graphicData>
+        </a:graphic>
+      </p:graphicFrame>
+    </p:spTree>
+    <p:extLst>
+      <p:ext uri="{BB962C8B-B14F-4D97-AF65-F5344CB8AC3E}">
+        <p14:creationId xmlns:p14="http://schemas.microsoft.com/office/powerpoint/2010/main" val="2623577395"/>
+      </p:ext>
+    </p:extLst>
+  </p:cSld>
+  <p:clrMapOvr>
+    <a:masterClrMapping/>
+  </p:clrMapOvr>
+  <p:timing>
+    <p:tnLst>
+      <p:par>
+        <p:cTn id="1" dur="indefinite" restart="never" nodeType="tmRoot"/>
+      </p:par>
+    </p:tnLst>
+  </p:timing>
+</p:sld>
+</file>
+
+<file path=ppt/slides/slide20.xml><?xml version="1.0" encoding="utf-8"?>
+<p:sld xmlns:a="http://schemas.openxmlformats.org/drawingml/2006/main" xmlns:r="http://schemas.openxmlformats.org/officeDocument/2006/relationships" xmlns:p="http://schemas.openxmlformats.org/presentationml/2006/main">
+  <p:cSld>
+    <p:spTree>
+      <p:nvGrpSpPr>
+        <p:cNvPr id="1" name=""/>
+        <p:cNvGrpSpPr/>
+        <p:nvPr/>
+      </p:nvGrpSpPr>
+      <p:grpSpPr>
+        <a:xfrm>
+          <a:off x="0" y="0"/>
+          <a:ext cx="0" cy="0"/>
+          <a:chOff x="0" y="0"/>
+          <a:chExt cx="0" cy="0"/>
+        </a:xfrm>
+      </p:grpSpPr>
+      <p:sp>
+        <p:nvSpPr>
+          <p:cNvPr id="2" name="Title 1"/>
+          <p:cNvSpPr>
+            <a:spLocks noGrp="1"/>
+          </p:cNvSpPr>
+          <p:nvPr>
+            <p:ph type="title"/>
+          </p:nvPr>
+        </p:nvSpPr>
+        <p:spPr/>
+        <p:txBody>
+          <a:bodyPr/>
+          <a:lstStyle/>
+          <a:p>
+            <a:r>
+              <a:rPr lang="en-US" dirty="0" smtClean="0"/>
+              <a:t>External event sources</a:t>
+            </a:r>
+            <a:endParaRPr lang="en-US" dirty="0"/>
+          </a:p>
+        </p:txBody>
+      </p:sp>
+      <p:sp>
+        <p:nvSpPr>
+          <p:cNvPr id="3" name="Content Placeholder 2"/>
+          <p:cNvSpPr>
+            <a:spLocks noGrp="1"/>
+          </p:cNvSpPr>
+          <p:nvPr>
+            <p:ph idx="1"/>
+          </p:nvPr>
+        </p:nvSpPr>
+        <p:spPr/>
+        <p:txBody>
+          <a:bodyPr/>
+          <a:lstStyle/>
+          <a:p>
+            <a:r>
+              <a:rPr lang="en-US" dirty="0" smtClean="0"/>
+              <a:t>As easy as composing views</a:t>
+            </a:r>
+          </a:p>
+          <a:p>
+            <a:r>
+              <a:rPr lang="en-US" dirty="0" smtClean="0"/>
+              <a:t>Rx.NET helps to ensure invocation on GUI thread</a:t>
+            </a:r>
+          </a:p>
+          <a:p>
+            <a:r>
+              <a:rPr lang="en-US" dirty="0" smtClean="0"/>
+              <a:t>Another composition option</a:t>
+            </a:r>
+            <a:endParaRPr lang="en-US" dirty="0"/>
+          </a:p>
+        </p:txBody>
+      </p:sp>
+    </p:spTree>
+    <p:extLst>
+      <p:ext uri="{BB962C8B-B14F-4D97-AF65-F5344CB8AC3E}">
+        <p14:creationId xmlns:p14="http://schemas.microsoft.com/office/powerpoint/2010/main" val="1482672398"/>
+      </p:ext>
+    </p:extLst>
+  </p:cSld>
+  <p:clrMapOvr>
+    <a:masterClrMapping/>
+  </p:clrMapOvr>
+  <p:timing>
+    <p:tnLst>
+      <p:par>
+        <p:cTn id="1" dur="indefinite" restart="never" nodeType="tmRoot"/>
+      </p:par>
+    </p:tnLst>
+  </p:timing>
+</p:sld>
+</file>
+
 <file path=ppt/slides/slide21.xml><?xml version="1.0" encoding="utf-8"?>
 <p:sld xmlns:a="http://schemas.openxmlformats.org/drawingml/2006/main" xmlns:r="http://schemas.openxmlformats.org/officeDocument/2006/relationships" xmlns:p="http://schemas.openxmlformats.org/presentationml/2006/main">
   <p:cSld>
@@ -15009,7 +15815,7 @@
           <a:p>
             <a:r>
               <a:rPr lang="en-US" dirty="0" smtClean="0"/>
-              <a:t>External event sources</a:t>
+              <a:t>Data binding micro dsl</a:t>
             </a:r>
             <a:endParaRPr lang="en-US" dirty="0"/>
           </a:p>
@@ -15032,20 +15838,25 @@
           <a:p>
             <a:r>
               <a:rPr lang="en-US" dirty="0" smtClean="0"/>
-              <a:t>As easy as composing views</a:t>
-            </a:r>
-          </a:p>
-          <a:p>
+              <a:t>Scrap </a:t>
+            </a:r>
+            <a:r>
+              <a:rPr lang="en-US" dirty="0"/>
+              <a:t>your </a:t>
+            </a:r>
             <a:r>
               <a:rPr lang="en-US" dirty="0" smtClean="0"/>
-              <a:t>Rx.NET helps to ensure invocation on GUI thread</a:t>
+              <a:t>boilerplate</a:t>
             </a:r>
           </a:p>
           <a:p>
             <a:r>
               <a:rPr lang="en-US" dirty="0" smtClean="0"/>
-              <a:t>Another composition option</a:t>
-            </a:r>
+              <a:t>F# gives great tools to build internal DSLs</a:t>
+            </a:r>
+            <a:endParaRPr lang="en-US" dirty="0"/>
+          </a:p>
+          <a:p>
             <a:endParaRPr lang="en-US" dirty="0"/>
           </a:p>
         </p:txBody>
@@ -15053,7 +15864,7 @@
     </p:spTree>
     <p:extLst>
       <p:ext uri="{BB962C8B-B14F-4D97-AF65-F5344CB8AC3E}">
-        <p14:creationId xmlns:p14="http://schemas.microsoft.com/office/powerpoint/2010/main" val="1482672398"/>
+        <p14:creationId xmlns:p14="http://schemas.microsoft.com/office/powerpoint/2010/main" val="1517226537"/>
       </p:ext>
     </p:extLst>
   </p:cSld>
@@ -15104,7 +15915,7 @@
           <a:p>
             <a:r>
               <a:rPr lang="en-US" dirty="0" smtClean="0"/>
-              <a:t>Data binding micro dsl</a:t>
+              <a:t>Derived properties</a:t>
             </a:r>
             <a:endParaRPr lang="en-US" dirty="0"/>
           </a:p>
@@ -15122,30 +15933,77 @@
         </p:nvSpPr>
         <p:spPr/>
         <p:txBody>
-          <a:bodyPr/>
+          <a:bodyPr>
+            <a:normAutofit fontScale="92500" lnSpcReduction="10000"/>
+          </a:bodyPr>
           <a:lstStyle/>
           <a:p>
             <a:r>
-              <a:rPr lang="en-US" dirty="0" smtClean="0"/>
-              <a:t>Scrap </a:t>
-            </a:r>
-            <a:r>
               <a:rPr lang="en-US" dirty="0"/>
-              <a:t>your </a:t>
+              <a:t>Scrap your </a:t>
             </a:r>
             <a:r>
               <a:rPr lang="en-US" dirty="0" smtClean="0"/>
               <a:t>boilerplate</a:t>
             </a:r>
+            <a:endParaRPr lang="en-US" dirty="0"/>
           </a:p>
           <a:p>
             <a:r>
               <a:rPr lang="en-US" dirty="0" smtClean="0"/>
-              <a:t>F# gives great tools to build internal DSLs</a:t>
-            </a:r>
-            <a:endParaRPr lang="en-US" dirty="0"/>
-          </a:p>
-          <a:p>
+              <a:t>F# pure magic</a:t>
+            </a:r>
+          </a:p>
+          <a:p>
+            <a:pPr lvl="1"/>
+            <a:r>
+              <a:rPr lang="en-US" dirty="0"/>
+              <a:t>ReflectedDefinitionAttribute</a:t>
+            </a:r>
+            <a:endParaRPr lang="en-US" dirty="0" smtClean="0"/>
+          </a:p>
+          <a:p>
+            <a:pPr lvl="1"/>
+            <a:r>
+              <a:rPr lang="en-US" dirty="0" smtClean="0"/>
+              <a:t>Quotation</a:t>
+            </a:r>
+            <a:r>
+              <a:rPr lang="en-US" dirty="0"/>
+              <a:t> </a:t>
+            </a:r>
+            <a:endParaRPr lang="en-US" dirty="0" smtClean="0"/>
+          </a:p>
+          <a:p>
+            <a:pPr lvl="1"/>
+            <a:r>
+              <a:rPr lang="en-US" dirty="0" smtClean="0"/>
+              <a:t>Active patterns (a lot)</a:t>
+            </a:r>
+          </a:p>
+          <a:p>
+            <a:r>
+              <a:rPr lang="en-US" dirty="0" smtClean="0"/>
+              <a:t>WPF black magic</a:t>
+            </a:r>
+          </a:p>
+          <a:p>
+            <a:pPr lvl="1"/>
+            <a:r>
+              <a:rPr lang="en-US" dirty="0" smtClean="0"/>
+              <a:t>Custom dynamic dependency properties</a:t>
+            </a:r>
+          </a:p>
+          <a:p>
+            <a:pPr lvl="1"/>
+            <a:r>
+              <a:rPr lang="en-US" dirty="0" err="1" smtClean="0"/>
+              <a:t>MultiBinding</a:t>
+            </a:r>
+            <a:endParaRPr lang="en-US" dirty="0" smtClean="0"/>
+          </a:p>
+          <a:p>
+            <a:pPr lvl="1"/>
             <a:endParaRPr lang="en-US" dirty="0"/>
           </a:p>
         </p:txBody>
@@ -15153,7 +16011,7 @@
     </p:spTree>
     <p:extLst>
       <p:ext uri="{BB962C8B-B14F-4D97-AF65-F5344CB8AC3E}">
-        <p14:creationId xmlns:p14="http://schemas.microsoft.com/office/powerpoint/2010/main" val="1517226537"/>
+        <p14:creationId xmlns:p14="http://schemas.microsoft.com/office/powerpoint/2010/main" val="2632499272"/>
       </p:ext>
     </p:extLst>
   </p:cSld>
@@ -15204,7 +16062,7 @@
           <a:p>
             <a:r>
               <a:rPr lang="en-US" dirty="0" smtClean="0"/>
-              <a:t>Derived properties</a:t>
+              <a:t>F# 3.0/.net4.5</a:t>
             </a:r>
             <a:endParaRPr lang="en-US" dirty="0"/>
           </a:p>
@@ -15222,77 +16080,48 @@
         </p:nvSpPr>
         <p:spPr/>
         <p:txBody>
-          <a:bodyPr>
-            <a:normAutofit fontScale="92500" lnSpcReduction="10000"/>
-          </a:bodyPr>
+          <a:bodyPr/>
           <a:lstStyle/>
           <a:p>
             <a:r>
+              <a:rPr lang="en-US" dirty="0" smtClean="0"/>
+              <a:t>Queries</a:t>
+            </a:r>
+          </a:p>
+          <a:p>
+            <a:r>
+              <a:rPr lang="en-US" dirty="0" smtClean="0"/>
+              <a:t>Type providers</a:t>
+            </a:r>
+          </a:p>
+          <a:p>
+            <a:pPr lvl="1"/>
+            <a:r>
+              <a:rPr lang="en-US" dirty="0" smtClean="0"/>
+              <a:t>WSDL</a:t>
+            </a:r>
+          </a:p>
+          <a:p>
+            <a:pPr lvl="1"/>
+            <a:r>
+              <a:rPr lang="en-US" dirty="0" smtClean="0"/>
+              <a:t>XAML</a:t>
+            </a:r>
+          </a:p>
+          <a:p>
+            <a:r>
+              <a:rPr lang="en-US" dirty="0" smtClean="0"/>
+              <a:t>INotifyDataErrorInfo</a:t>
+            </a:r>
+          </a:p>
+          <a:p>
+            <a:r>
               <a:rPr lang="en-US" dirty="0"/>
-              <a:t>Scrap your </a:t>
-            </a:r>
-            <a:r>
-              <a:rPr lang="en-US" dirty="0" smtClean="0"/>
-              <a:t>boilerplate</a:t>
-            </a:r>
-            <a:endParaRPr lang="en-US" dirty="0"/>
-          </a:p>
-          <a:p>
-            <a:r>
-              <a:rPr lang="en-US" dirty="0" smtClean="0"/>
-              <a:t>F# pure magic</a:t>
-            </a:r>
-          </a:p>
-          <a:p>
-            <a:pPr lvl="1"/>
-            <a:r>
-              <a:rPr lang="en-US" dirty="0"/>
-              <a:t>ReflectedDefinitionAttribute</a:t>
+              <a:t>ExceptionDispatchInfo</a:t>
             </a:r>
             <a:endParaRPr lang="en-US" dirty="0" smtClean="0"/>
           </a:p>
           <a:p>
-            <a:pPr lvl="1"/>
-            <a:r>
-              <a:rPr lang="en-US" dirty="0" smtClean="0"/>
-              <a:t>Quotation</a:t>
-            </a:r>
-            <a:r>
-              <a:rPr lang="en-US" dirty="0"/>
-              <a:t> </a:t>
-            </a:r>
-            <a:endParaRPr lang="en-US" dirty="0" smtClean="0"/>
-          </a:p>
-          <a:p>
-            <a:pPr lvl="1"/>
-            <a:r>
-              <a:rPr lang="en-US" dirty="0" smtClean="0"/>
-              <a:t>Active patterns (a lot)</a:t>
-            </a:r>
-          </a:p>
-          <a:p>
-            <a:r>
-              <a:rPr lang="en-US" dirty="0" smtClean="0"/>
-              <a:t>WPF black magic</a:t>
-            </a:r>
-          </a:p>
-          <a:p>
-            <a:pPr lvl="1"/>
-            <a:r>
-              <a:rPr lang="en-US" dirty="0" smtClean="0"/>
-              <a:t>Custom dynamic dependency properties</a:t>
-            </a:r>
-          </a:p>
-          <a:p>
-            <a:pPr lvl="1"/>
-            <a:r>
-              <a:rPr lang="en-US" dirty="0" err="1" smtClean="0"/>
-              <a:t>MultiBinding</a:t>
-            </a:r>
-            <a:endParaRPr lang="en-US" dirty="0" smtClean="0"/>
-          </a:p>
-          <a:p>
-            <a:pPr lvl="1"/>
             <a:endParaRPr lang="en-US" dirty="0"/>
           </a:p>
         </p:txBody>
@@ -15300,7 +16129,7 @@
     </p:spTree>
     <p:extLst>
       <p:ext uri="{BB962C8B-B14F-4D97-AF65-F5344CB8AC3E}">
-        <p14:creationId xmlns:p14="http://schemas.microsoft.com/office/powerpoint/2010/main" val="2632499272"/>
+        <p14:creationId xmlns:p14="http://schemas.microsoft.com/office/powerpoint/2010/main" val="231815751"/>
       </p:ext>
     </p:extLst>
   </p:cSld>
@@ -15351,7 +16180,15 @@
           <a:p>
             <a:r>
               <a:rPr lang="en-US" dirty="0" smtClean="0"/>
-              <a:t>F# 3.0/.net4.5</a:t>
+              <a:t>F# MVC </a:t>
+            </a:r>
+            <a:r>
+              <a:rPr lang="en-US" cap="none" dirty="0" smtClean="0"/>
+              <a:t>for</a:t>
+            </a:r>
+            <a:r>
+              <a:rPr lang="en-US" dirty="0" smtClean="0"/>
+              <a:t> WPF </a:t>
             </a:r>
             <a:endParaRPr lang="en-US" dirty="0"/>
           </a:p>
@@ -15359,66 +16196,179 @@
       </p:sp>
       <p:sp>
         <p:nvSpPr>
-          <p:cNvPr id="3" name="Content Placeholder 2"/>
+          <p:cNvPr id="11" name="Content Placeholder 10"/>
           <p:cNvSpPr>
             <a:spLocks noGrp="1"/>
           </p:cNvSpPr>
           <p:nvPr>
-            <p:ph idx="1"/>
+            <p:ph sz="half" idx="1"/>
           </p:nvPr>
         </p:nvSpPr>
-        <p:spPr/>
+        <p:spPr>
+          <a:xfrm>
+            <a:off x="781051" y="1773236"/>
+            <a:ext cx="4810125" cy="3455989"/>
+          </a:xfrm>
+        </p:spPr>
         <p:txBody>
-          <a:bodyPr/>
+          <a:bodyPr>
+            <a:normAutofit/>
+          </a:bodyPr>
           <a:lstStyle/>
           <a:p>
             <a:r>
-              <a:rPr lang="en-US" dirty="0" smtClean="0"/>
-              <a:t>Queries</a:t>
-            </a:r>
-          </a:p>
-          <a:p>
-            <a:r>
-              <a:rPr lang="en-US" dirty="0" smtClean="0"/>
-              <a:t>Type providers</a:t>
-            </a:r>
-          </a:p>
-          <a:p>
-            <a:pPr lvl="1"/>
-            <a:r>
-              <a:rPr lang="en-US" dirty="0" smtClean="0"/>
-              <a:t>WSDL</a:t>
-            </a:r>
-          </a:p>
-          <a:p>
-            <a:pPr lvl="1"/>
-            <a:r>
-              <a:rPr lang="en-US" dirty="0" smtClean="0"/>
-              <a:t>XAML</a:t>
-            </a:r>
-          </a:p>
-          <a:p>
-            <a:r>
-              <a:rPr lang="en-US" dirty="0" smtClean="0"/>
-              <a:t>INotifyDataErrorInfo</a:t>
-            </a:r>
-          </a:p>
-          <a:p>
-            <a:r>
-              <a:rPr lang="en-US" dirty="0"/>
-              <a:t>ExceptionDispatchInfo</a:t>
-            </a:r>
-            <a:endParaRPr lang="en-US" dirty="0" smtClean="0"/>
-          </a:p>
-          <a:p>
-            <a:endParaRPr lang="en-US" dirty="0"/>
+              <a:rPr lang="en-US" sz="2000" dirty="0" smtClean="0"/>
+              <a:t>No INPC boilerplate model</a:t>
+            </a:r>
+          </a:p>
+          <a:p>
+            <a:r>
+              <a:rPr lang="en-US" sz="2000" dirty="0" smtClean="0"/>
+              <a:t>Abstract polymorphic view</a:t>
+            </a:r>
+          </a:p>
+          <a:p>
+            <a:r>
+              <a:rPr lang="en-US" sz="2000" dirty="0" smtClean="0"/>
+              <a:t>Loosely couple controller</a:t>
+            </a:r>
+          </a:p>
+          <a:p>
+            <a:r>
+              <a:rPr lang="en-US" sz="2000" dirty="0" smtClean="0"/>
+              <a:t>Type checked event to handler mapping</a:t>
+            </a:r>
+          </a:p>
+          <a:p>
+            <a:r>
+              <a:rPr lang="en-US" sz="2000" dirty="0" smtClean="0"/>
+              <a:t>Statically typed data-binding DSL</a:t>
+            </a:r>
+          </a:p>
+          <a:p>
+            <a:r>
+              <a:rPr lang="en-US" sz="2000" dirty="0" smtClean="0"/>
+              <a:t>Lightweight validation</a:t>
+            </a:r>
+          </a:p>
+        </p:txBody>
+      </p:sp>
+      <p:sp>
+        <p:nvSpPr>
+          <p:cNvPr id="12" name="Content Placeholder 11"/>
+          <p:cNvSpPr>
+            <a:spLocks noGrp="1"/>
+          </p:cNvSpPr>
+          <p:nvPr>
+            <p:ph sz="half" idx="2"/>
+          </p:nvPr>
+        </p:nvSpPr>
+        <p:spPr>
+          <a:xfrm>
+            <a:off x="5540373" y="1773236"/>
+            <a:ext cx="5867400" cy="3455989"/>
+          </a:xfrm>
+        </p:spPr>
+        <p:txBody>
+          <a:bodyPr>
+            <a:normAutofit/>
+          </a:bodyPr>
+          <a:lstStyle/>
+          <a:p>
+            <a:r>
+              <a:rPr lang="en-US" sz="2000" dirty="0" smtClean="0"/>
+              <a:t>Type system supported Async</a:t>
+            </a:r>
+            <a:endParaRPr lang="en-US" sz="2000" dirty="0"/>
+          </a:p>
+          <a:p>
+            <a:r>
+              <a:rPr lang="en-US" sz="2000" dirty="0" smtClean="0"/>
+              <a:t>Dialogs/Windows as sync/</a:t>
+            </a:r>
+            <a:r>
+              <a:rPr lang="en-US" sz="2000" dirty="0" err="1" smtClean="0"/>
+              <a:t>async</a:t>
+            </a:r>
+            <a:r>
+              <a:rPr lang="en-US" sz="2000" dirty="0" smtClean="0"/>
+              <a:t> workflows </a:t>
+            </a:r>
+          </a:p>
+          <a:p>
+            <a:r>
+              <a:rPr lang="en-US" sz="2000" dirty="0" smtClean="0"/>
+              <a:t>Reentrancy problem solved at one place</a:t>
+            </a:r>
+          </a:p>
+          <a:p>
+            <a:r>
+              <a:rPr lang="en-US" sz="2000" dirty="0" smtClean="0"/>
+              <a:t>COMPOSITION</a:t>
+            </a:r>
+          </a:p>
+          <a:p>
+            <a:r>
+              <a:rPr lang="en-US" sz="2000" dirty="0" smtClean="0"/>
+              <a:t>External event source</a:t>
+            </a:r>
+          </a:p>
+          <a:p>
+            <a:r>
+              <a:rPr lang="en-US" sz="2000" dirty="0" smtClean="0"/>
+              <a:t>Declarative derived properties</a:t>
+            </a:r>
+          </a:p>
+          <a:p>
+            <a:r>
+              <a:rPr lang="en-US" sz="2000" dirty="0" smtClean="0"/>
+              <a:t>Queries, type providers …</a:t>
+            </a:r>
+            <a:endParaRPr lang="en-US" sz="2000" dirty="0"/>
+          </a:p>
+        </p:txBody>
+      </p:sp>
+      <p:sp>
+        <p:nvSpPr>
+          <p:cNvPr id="3" name="Rectangle 2"/>
+          <p:cNvSpPr/>
+          <p:nvPr/>
+        </p:nvSpPr>
+        <p:spPr>
+          <a:xfrm>
+            <a:off x="1821656" y="5444609"/>
+            <a:ext cx="8545512" cy="369332"/>
+          </a:xfrm>
+          <a:prstGeom prst="rect">
+            <a:avLst/>
+          </a:prstGeom>
+        </p:spPr>
+        <p:txBody>
+          <a:bodyPr wrap="square">
+            <a:spAutoFit/>
+          </a:bodyPr>
+          <a:lstStyle/>
+          <a:p>
+            <a:r>
+              <a:rPr lang="en-US" b="1" dirty="0" smtClean="0"/>
+              <a:t>All components replaceable/optional except IView, </a:t>
+            </a:r>
+            <a:r>
+              <a:rPr lang="en-US" b="1" dirty="0" err="1" smtClean="0"/>
+              <a:t>IController</a:t>
+            </a:r>
+            <a:r>
+              <a:rPr lang="en-US" b="1" dirty="0" smtClean="0"/>
+              <a:t> and MVC</a:t>
+            </a:r>
+            <a:endParaRPr lang="en-US" b="1" dirty="0"/>
           </a:p>
         </p:txBody>
       </p:sp>
     </p:spTree>
     <p:extLst>
       <p:ext uri="{BB962C8B-B14F-4D97-AF65-F5344CB8AC3E}">
-        <p14:creationId xmlns:p14="http://schemas.microsoft.com/office/powerpoint/2010/main" val="231815751"/>
+        <p14:creationId xmlns:p14="http://schemas.microsoft.com/office/powerpoint/2010/main" val="1134198775"/>
       </p:ext>
     </p:extLst>
   </p:cSld>
@@ -15469,208 +16419,6 @@
           <a:p>
             <a:r>
               <a:rPr lang="en-US" dirty="0" smtClean="0"/>
-              <a:t>F# MVC </a:t>
-            </a:r>
-            <a:r>
-              <a:rPr lang="en-US" cap="none" dirty="0" smtClean="0"/>
-              <a:t>for</a:t>
-            </a:r>
-            <a:r>
-              <a:rPr lang="en-US" dirty="0" smtClean="0"/>
-              <a:t> WPF </a:t>
-            </a:r>
-            <a:endParaRPr lang="en-US" dirty="0"/>
-          </a:p>
-        </p:txBody>
-      </p:sp>
-      <p:sp>
-        <p:nvSpPr>
-          <p:cNvPr id="11" name="Content Placeholder 10"/>
-          <p:cNvSpPr>
-            <a:spLocks noGrp="1"/>
-          </p:cNvSpPr>
-          <p:nvPr>
-            <p:ph sz="half" idx="1"/>
-          </p:nvPr>
-        </p:nvSpPr>
-        <p:spPr>
-          <a:xfrm>
-            <a:off x="781050" y="2249486"/>
-            <a:ext cx="4810125" cy="3541714"/>
-          </a:xfrm>
-        </p:spPr>
-        <p:txBody>
-          <a:bodyPr>
-            <a:normAutofit/>
-          </a:bodyPr>
-          <a:lstStyle/>
-          <a:p>
-            <a:r>
-              <a:rPr lang="en-US" sz="2000" dirty="0" smtClean="0"/>
-              <a:t>No INPC boilerplate model</a:t>
-            </a:r>
-          </a:p>
-          <a:p>
-            <a:r>
-              <a:rPr lang="en-US" sz="2000" dirty="0" smtClean="0"/>
-              <a:t>Abstract polymorphic view</a:t>
-            </a:r>
-          </a:p>
-          <a:p>
-            <a:r>
-              <a:rPr lang="en-US" sz="2000" dirty="0" smtClean="0"/>
-              <a:t>Loosely couple controller</a:t>
-            </a:r>
-          </a:p>
-          <a:p>
-            <a:r>
-              <a:rPr lang="en-US" sz="2000" dirty="0" smtClean="0"/>
-              <a:t>Type checked event to handler mapping</a:t>
-            </a:r>
-          </a:p>
-          <a:p>
-            <a:r>
-              <a:rPr lang="en-US" sz="2000" dirty="0" smtClean="0"/>
-              <a:t>Statically typed data-binding DSL</a:t>
-            </a:r>
-          </a:p>
-          <a:p>
-            <a:r>
-              <a:rPr lang="en-US" sz="2000" dirty="0" smtClean="0"/>
-              <a:t>Lightweight validation</a:t>
-            </a:r>
-          </a:p>
-        </p:txBody>
-      </p:sp>
-      <p:sp>
-        <p:nvSpPr>
-          <p:cNvPr id="12" name="Content Placeholder 11"/>
-          <p:cNvSpPr>
-            <a:spLocks noGrp="1"/>
-          </p:cNvSpPr>
-          <p:nvPr>
-            <p:ph sz="half" idx="2"/>
-          </p:nvPr>
-        </p:nvSpPr>
-        <p:spPr>
-          <a:xfrm>
-            <a:off x="5591176" y="2249486"/>
-            <a:ext cx="5867400" cy="3541714"/>
-          </a:xfrm>
-        </p:spPr>
-        <p:txBody>
-          <a:bodyPr>
-            <a:normAutofit/>
-          </a:bodyPr>
-          <a:lstStyle/>
-          <a:p>
-            <a:r>
-              <a:rPr lang="en-US" sz="2000" dirty="0" smtClean="0"/>
-              <a:t>Type system supported Async</a:t>
-            </a:r>
-            <a:endParaRPr lang="en-US" sz="2000" dirty="0"/>
-          </a:p>
-          <a:p>
-            <a:r>
-              <a:rPr lang="en-US" sz="2000" dirty="0" smtClean="0"/>
-              <a:t>Dialogs/Windows as sync/</a:t>
-            </a:r>
-            <a:r>
-              <a:rPr lang="en-US" sz="2000" dirty="0" err="1" smtClean="0"/>
-              <a:t>async</a:t>
-            </a:r>
-            <a:r>
-              <a:rPr lang="en-US" sz="2000" dirty="0" smtClean="0"/>
-              <a:t> workflows </a:t>
-            </a:r>
-          </a:p>
-          <a:p>
-            <a:r>
-              <a:rPr lang="en-US" sz="2000" dirty="0" smtClean="0"/>
-              <a:t>Reentrancy problem solved at one place</a:t>
-            </a:r>
-          </a:p>
-          <a:p>
-            <a:r>
-              <a:rPr lang="en-US" sz="2000" dirty="0" smtClean="0"/>
-              <a:t>COMPOSITION</a:t>
-            </a:r>
-          </a:p>
-          <a:p>
-            <a:r>
-              <a:rPr lang="en-US" sz="2000" dirty="0" smtClean="0"/>
-              <a:t>External event source</a:t>
-            </a:r>
-          </a:p>
-          <a:p>
-            <a:r>
-              <a:rPr lang="en-US" sz="2000" dirty="0" smtClean="0"/>
-              <a:t>Declarative derived properties</a:t>
-            </a:r>
-          </a:p>
-          <a:p>
-            <a:r>
-              <a:rPr lang="en-US" sz="2000" dirty="0" smtClean="0"/>
-              <a:t>Queries, type providers …</a:t>
-            </a:r>
-            <a:endParaRPr lang="en-US" sz="2000" dirty="0"/>
-          </a:p>
-        </p:txBody>
-      </p:sp>
-    </p:spTree>
-    <p:extLst>
-      <p:ext uri="{BB962C8B-B14F-4D97-AF65-F5344CB8AC3E}">
-        <p14:creationId xmlns:p14="http://schemas.microsoft.com/office/powerpoint/2010/main" val="1134198775"/>
-      </p:ext>
-    </p:extLst>
-  </p:cSld>
-  <p:clrMapOvr>
-    <a:masterClrMapping/>
-  </p:clrMapOvr>
-  <p:timing>
-    <p:tnLst>
-      <p:par>
-        <p:cTn id="1" dur="indefinite" restart="never" nodeType="tmRoot"/>
-      </p:par>
-    </p:tnLst>
-  </p:timing>
-</p:sld>
-</file>
-
-<file path=ppt/slides/slide26.xml><?xml version="1.0" encoding="utf-8"?>
-<p:sld xmlns:a="http://schemas.openxmlformats.org/drawingml/2006/main" xmlns:r="http://schemas.openxmlformats.org/officeDocument/2006/relationships" xmlns:p="http://schemas.openxmlformats.org/presentationml/2006/main">
-  <p:cSld>
-    <p:spTree>
-      <p:nvGrpSpPr>
-        <p:cNvPr id="1" name=""/>
-        <p:cNvGrpSpPr/>
-        <p:nvPr/>
-      </p:nvGrpSpPr>
-      <p:grpSpPr>
-        <a:xfrm>
-          <a:off x="0" y="0"/>
-          <a:ext cx="0" cy="0"/>
-          <a:chOff x="0" y="0"/>
-          <a:chExt cx="0" cy="0"/>
-        </a:xfrm>
-      </p:grpSpPr>
-      <p:sp>
-        <p:nvSpPr>
-          <p:cNvPr id="2" name="Title 1"/>
-          <p:cNvSpPr>
-            <a:spLocks noGrp="1"/>
-          </p:cNvSpPr>
-          <p:nvPr>
-            <p:ph type="title"/>
-          </p:nvPr>
-        </p:nvSpPr>
-        <p:spPr/>
-        <p:txBody>
-          <a:bodyPr/>
-          <a:lstStyle/>
-          <a:p>
-            <a:r>
-              <a:rPr lang="en-US" dirty="0" smtClean="0"/>
               <a:t>In summary</a:t>
             </a:r>
             <a:endParaRPr lang="en-US" dirty="0"/>
@@ -15780,7 +16528,7 @@
       </p:grpSpPr>
       <p:sp>
         <p:nvSpPr>
-          <p:cNvPr id="2" name="Title 1"/>
+          <p:cNvPr id="4" name="Title 3"/>
           <p:cNvSpPr>
             <a:spLocks noGrp="1"/>
           </p:cNvSpPr>
@@ -15795,7 +16543,7 @@
           <a:p>
             <a:r>
               <a:rPr lang="en-US" dirty="0" smtClean="0"/>
-              <a:t>GOALS</a:t>
+              <a:t>GUI APPLICATION DEVELOPMENT</a:t>
             </a:r>
             <a:endParaRPr lang="en-US" dirty="0"/>
           </a:p>
@@ -15803,35 +16551,54 @@
       </p:sp>
       <p:sp>
         <p:nvSpPr>
-          <p:cNvPr id="3" name="Content Placeholder 2"/>
+          <p:cNvPr id="5" name="Text Placeholder 4"/>
           <p:cNvSpPr>
             <a:spLocks noGrp="1"/>
           </p:cNvSpPr>
           <p:nvPr>
-            <p:ph idx="1"/>
+            <p:ph type="body" sz="half" idx="2"/>
           </p:nvPr>
         </p:nvSpPr>
-        <p:spPr/>
+        <p:spPr>
+          <a:xfrm>
+            <a:off x="1141410" y="3562709"/>
+            <a:ext cx="9904459" cy="2228490"/>
+          </a:xfrm>
+        </p:spPr>
         <p:txBody>
           <a:bodyPr/>
           <a:lstStyle/>
           <a:p>
+            <a:pPr marL="342900" indent="-342900">
+              <a:buFont typeface="Arial" panose="020B0604020202020204" pitchFamily="34" charset="0"/>
+              <a:buChar char="•"/>
+            </a:pPr>
             <a:r>
               <a:rPr lang="en-US" dirty="0" smtClean="0"/>
-              <a:t>Deliver something useful for F# community (share experience)</a:t>
-            </a:r>
-          </a:p>
-          <a:p>
+              <a:t>Inherently hard</a:t>
+            </a:r>
+          </a:p>
+          <a:p>
+            <a:pPr marL="342900" indent="-342900">
+              <a:buFont typeface="Arial" panose="020B0604020202020204" pitchFamily="34" charset="0"/>
+              <a:buChar char="•"/>
+            </a:pPr>
             <a:r>
               <a:rPr lang="en-US" dirty="0" smtClean="0"/>
-              <a:t>Support “F# is general purpose language” movement</a:t>
-            </a:r>
-          </a:p>
-          <a:p>
+              <a:t>Essential complexity</a:t>
+            </a:r>
+          </a:p>
+          <a:p>
+            <a:pPr marL="342900" indent="-342900">
+              <a:buFont typeface="Arial" panose="020B0604020202020204" pitchFamily="34" charset="0"/>
+              <a:buChar char="•"/>
+            </a:pPr>
             <a:r>
               <a:rPr lang="en-US" dirty="0" smtClean="0"/>
-              <a:t>Series that back ups demo is great language tutorial</a:t>
-            </a:r>
+              <a:t>OOP was thought as THE way to handle it</a:t>
+            </a:r>
+          </a:p>
+          <a:p>
             <a:endParaRPr lang="en-US" dirty="0"/>
           </a:p>
         </p:txBody>
@@ -15839,7 +16606,7 @@
     </p:spTree>
     <p:extLst>
       <p:ext uri="{BB962C8B-B14F-4D97-AF65-F5344CB8AC3E}">
-        <p14:creationId xmlns:p14="http://schemas.microsoft.com/office/powerpoint/2010/main" val="2902843337"/>
+        <p14:creationId xmlns:p14="http://schemas.microsoft.com/office/powerpoint/2010/main" val="3640232196"/>
       </p:ext>
     </p:extLst>
   </p:cSld>
@@ -15875,120 +16642,6 @@
       </p:grpSpPr>
       <p:sp>
         <p:nvSpPr>
-          <p:cNvPr id="4" name="Title 3"/>
-          <p:cNvSpPr>
-            <a:spLocks noGrp="1"/>
-          </p:cNvSpPr>
-          <p:nvPr>
-            <p:ph type="title"/>
-          </p:nvPr>
-        </p:nvSpPr>
-        <p:spPr/>
-        <p:txBody>
-          <a:bodyPr/>
-          <a:lstStyle/>
-          <a:p>
-            <a:r>
-              <a:rPr lang="en-US" dirty="0" smtClean="0"/>
-              <a:t>GUI APPLICATION DEVELOPMENT</a:t>
-            </a:r>
-            <a:endParaRPr lang="en-US" dirty="0"/>
-          </a:p>
-        </p:txBody>
-      </p:sp>
-      <p:sp>
-        <p:nvSpPr>
-          <p:cNvPr id="5" name="Text Placeholder 4"/>
-          <p:cNvSpPr>
-            <a:spLocks noGrp="1"/>
-          </p:cNvSpPr>
-          <p:nvPr>
-            <p:ph type="body" sz="half" idx="2"/>
-          </p:nvPr>
-        </p:nvSpPr>
-        <p:spPr>
-          <a:xfrm>
-            <a:off x="1141410" y="3562709"/>
-            <a:ext cx="9904459" cy="2228490"/>
-          </a:xfrm>
-        </p:spPr>
-        <p:txBody>
-          <a:bodyPr/>
-          <a:lstStyle/>
-          <a:p>
-            <a:pPr marL="342900" indent="-342900">
-              <a:buFont typeface="Arial" panose="020B0604020202020204" pitchFamily="34" charset="0"/>
-              <a:buChar char="•"/>
-            </a:pPr>
-            <a:r>
-              <a:rPr lang="en-US" dirty="0" smtClean="0"/>
-              <a:t>Inherently hard</a:t>
-            </a:r>
-          </a:p>
-          <a:p>
-            <a:pPr marL="342900" indent="-342900">
-              <a:buFont typeface="Arial" panose="020B0604020202020204" pitchFamily="34" charset="0"/>
-              <a:buChar char="•"/>
-            </a:pPr>
-            <a:r>
-              <a:rPr lang="en-US" dirty="0" smtClean="0"/>
-              <a:t>Essential complexity</a:t>
-            </a:r>
-          </a:p>
-          <a:p>
-            <a:pPr marL="342900" indent="-342900">
-              <a:buFont typeface="Arial" panose="020B0604020202020204" pitchFamily="34" charset="0"/>
-              <a:buChar char="•"/>
-            </a:pPr>
-            <a:r>
-              <a:rPr lang="en-US" dirty="0" smtClean="0"/>
-              <a:t>OOP was thought as THE way to handle it</a:t>
-            </a:r>
-          </a:p>
-          <a:p>
-            <a:endParaRPr lang="en-US" dirty="0"/>
-          </a:p>
-        </p:txBody>
-      </p:sp>
-    </p:spTree>
-    <p:extLst>
-      <p:ext uri="{BB962C8B-B14F-4D97-AF65-F5344CB8AC3E}">
-        <p14:creationId xmlns:p14="http://schemas.microsoft.com/office/powerpoint/2010/main" val="3640232196"/>
-      </p:ext>
-    </p:extLst>
-  </p:cSld>
-  <p:clrMapOvr>
-    <a:masterClrMapping/>
-  </p:clrMapOvr>
-  <p:timing>
-    <p:tnLst>
-      <p:par>
-        <p:cTn id="1" dur="indefinite" restart="never" nodeType="tmRoot"/>
-      </p:par>
-    </p:tnLst>
-  </p:timing>
-</p:sld>
-</file>
-
-<file path=ppt/slides/slide5.xml><?xml version="1.0" encoding="utf-8"?>
-<p:sld xmlns:a="http://schemas.openxmlformats.org/drawingml/2006/main" xmlns:r="http://schemas.openxmlformats.org/officeDocument/2006/relationships" xmlns:p="http://schemas.openxmlformats.org/presentationml/2006/main">
-  <p:cSld>
-    <p:spTree>
-      <p:nvGrpSpPr>
-        <p:cNvPr id="1" name=""/>
-        <p:cNvGrpSpPr/>
-        <p:nvPr/>
-      </p:nvGrpSpPr>
-      <p:grpSpPr>
-        <a:xfrm>
-          <a:off x="0" y="0"/>
-          <a:ext cx="0" cy="0"/>
-          <a:chOff x="0" y="0"/>
-          <a:chExt cx="0" cy="0"/>
-        </a:xfrm>
-      </p:grpSpPr>
-      <p:sp>
-        <p:nvSpPr>
           <p:cNvPr id="2" name="Title 1"/>
           <p:cNvSpPr>
             <a:spLocks noGrp="1"/>
@@ -16049,17 +16702,8 @@
           <a:p>
             <a:r>
               <a:rPr lang="en-US" sz="2000" dirty="0" smtClean="0"/>
-              <a:t>Certainly </a:t>
-            </a:r>
-            <a:r>
-              <a:rPr lang="en-US" sz="2000" dirty="0" smtClean="0"/>
-              <a:t>better than old fashion “Autonomous View</a:t>
-            </a:r>
-            <a:r>
-              <a:rPr lang="en-US" sz="2000" dirty="0" smtClean="0"/>
-              <a:t>” (Code-behind) </a:t>
-            </a:r>
-            <a:endParaRPr lang="en-US" sz="2000" dirty="0" smtClean="0"/>
+              <a:t>Certainly better than old fashion “Autonomous View” (Code-behind) </a:t>
+            </a:r>
           </a:p>
           <a:p>
             <a:r>
@@ -16231,7 +16875,7 @@
 </p:sld>
 </file>
 
-<file path=ppt/slides/slide6.xml><?xml version="1.0" encoding="utf-8"?>
+<file path=ppt/slides/slide5.xml><?xml version="1.0" encoding="utf-8"?>
 <p:sld xmlns:a="http://schemas.openxmlformats.org/drawingml/2006/main" xmlns:r="http://schemas.openxmlformats.org/officeDocument/2006/relationships" xmlns:p="http://schemas.openxmlformats.org/presentationml/2006/main">
   <p:cSld>
     <p:spTree>
@@ -16333,7 +16977,7 @@
 </p:sld>
 </file>
 
-<file path=ppt/slides/slide7.xml><?xml version="1.0" encoding="utf-8"?>
+<file path=ppt/slides/slide6.xml><?xml version="1.0" encoding="utf-8"?>
 <p:sld xmlns:a="http://schemas.openxmlformats.org/drawingml/2006/main" xmlns:r="http://schemas.openxmlformats.org/officeDocument/2006/relationships" xmlns:p="http://schemas.openxmlformats.org/presentationml/2006/main">
   <p:cSld>
     <p:spTree>
@@ -16402,37 +17046,15 @@
           <a:p>
             <a:r>
               <a:rPr lang="en-US" dirty="0" smtClean="0"/>
-              <a:t>ViewModel = Controller </a:t>
-            </a:r>
+              <a:t>ViewModel = Controller (imperative) + Model (declarative)</a:t>
+            </a:r>
+          </a:p>
+          <a:p>
+            <a:pPr lvl="1"/>
             <a:r>
               <a:rPr lang="en-US" dirty="0" smtClean="0"/>
-              <a:t>(imperative) + </a:t>
-            </a:r>
-            <a:r>
-              <a:rPr lang="en-US" dirty="0" smtClean="0"/>
-              <a:t>Model </a:t>
-            </a:r>
-            <a:r>
-              <a:rPr lang="en-US" dirty="0" smtClean="0"/>
-              <a:t>(declarative)</a:t>
-            </a:r>
-            <a:endParaRPr lang="en-US" dirty="0" smtClean="0"/>
-          </a:p>
-          <a:p>
-            <a:pPr lvl="1"/>
-            <a:r>
-              <a:rPr lang="en-US" dirty="0" smtClean="0"/>
-              <a:t>Hard </a:t>
-            </a:r>
-            <a:r>
-              <a:rPr lang="en-US" dirty="0" smtClean="0"/>
-              <a:t>to manage </a:t>
-            </a:r>
-            <a:r>
-              <a:rPr lang="en-US" dirty="0" smtClean="0"/>
-              <a:t>complexity once it grows (SRP ???)</a:t>
-            </a:r>
-            <a:endParaRPr lang="en-US" dirty="0" smtClean="0"/>
+              <a:t>Hard to manage complexity once it grows (SRP ???)</a:t>
+            </a:r>
           </a:p>
           <a:p>
             <a:pPr lvl="1"/>
@@ -16444,11 +17066,7 @@
           <a:p>
             <a:r>
               <a:rPr lang="en-US" dirty="0" smtClean="0"/>
-              <a:t>A lot of boilerplate </a:t>
-            </a:r>
-            <a:r>
-              <a:rPr lang="en-US" dirty="0" smtClean="0"/>
-              <a:t>code</a:t>
+              <a:t>A lot of boilerplate code</a:t>
             </a:r>
           </a:p>
           <a:p>
@@ -16473,18 +17091,22 @@
             </a:r>
             <a:r>
               <a:rPr lang="en-US" dirty="0" smtClean="0"/>
-              <a:t> Model-View bindings (magic strings/reflection)</a:t>
+              <a:t> </a:t>
+            </a:r>
+            <a:r>
+              <a:rPr lang="en-US" dirty="0" smtClean="0"/>
+              <a:t>ViewModel-View </a:t>
+            </a:r>
+            <a:r>
+              <a:rPr lang="en-US" dirty="0" smtClean="0"/>
+              <a:t>bindings (magic strings/reflection)</a:t>
             </a:r>
           </a:p>
           <a:p>
             <a:pPr lvl="1"/>
             <a:r>
               <a:rPr lang="en-US" dirty="0" smtClean="0"/>
-              <a:t>No </a:t>
-            </a:r>
-            <a:r>
-              <a:rPr lang="en-US" dirty="0" smtClean="0"/>
-              <a:t>support from type system/compiler</a:t>
+              <a:t>No support from type system/compiler</a:t>
             </a:r>
           </a:p>
           <a:p>
@@ -16505,11 +17127,7 @@
             <a:pPr lvl="1"/>
             <a:r>
               <a:rPr lang="en-US" dirty="0" smtClean="0"/>
-              <a:t>Commands, event handlers, blen</a:t>
-            </a:r>
-            <a:r>
-              <a:rPr lang="en-US" dirty="0" smtClean="0"/>
-              <a:t>d behaviors, etc.</a:t>
+              <a:t>Commands, event handlers, blend behaviors, etc.</a:t>
             </a:r>
             <a:endParaRPr lang="en-US" dirty="0"/>
           </a:p>
@@ -16527,6 +17145,99 @@
     <p:extLst>
       <p:ext uri="{BB962C8B-B14F-4D97-AF65-F5344CB8AC3E}">
         <p14:creationId xmlns:p14="http://schemas.microsoft.com/office/powerpoint/2010/main" val="89264255"/>
+      </p:ext>
+    </p:extLst>
+  </p:cSld>
+  <p:clrMapOvr>
+    <a:masterClrMapping/>
+  </p:clrMapOvr>
+  <p:timing>
+    <p:tnLst>
+      <p:par>
+        <p:cTn id="1" dur="indefinite" restart="never" nodeType="tmRoot"/>
+      </p:par>
+    </p:tnLst>
+  </p:timing>
+</p:sld>
+</file>
+
+<file path=ppt/slides/slide7.xml><?xml version="1.0" encoding="utf-8"?>
+<p:sld xmlns:a="http://schemas.openxmlformats.org/drawingml/2006/main" xmlns:r="http://schemas.openxmlformats.org/officeDocument/2006/relationships" xmlns:p="http://schemas.openxmlformats.org/presentationml/2006/main">
+  <p:cSld>
+    <p:spTree>
+      <p:nvGrpSpPr>
+        <p:cNvPr id="1" name=""/>
+        <p:cNvGrpSpPr/>
+        <p:nvPr/>
+      </p:nvGrpSpPr>
+      <p:grpSpPr>
+        <a:xfrm>
+          <a:off x="0" y="0"/>
+          <a:ext cx="0" cy="0"/>
+          <a:chOff x="0" y="0"/>
+          <a:chExt cx="0" cy="0"/>
+        </a:xfrm>
+      </p:grpSpPr>
+      <p:sp>
+        <p:nvSpPr>
+          <p:cNvPr id="4" name="Title 3"/>
+          <p:cNvSpPr>
+            <a:spLocks noGrp="1"/>
+          </p:cNvSpPr>
+          <p:nvPr>
+            <p:ph type="title"/>
+          </p:nvPr>
+        </p:nvSpPr>
+        <p:spPr/>
+        <p:txBody>
+          <a:bodyPr/>
+          <a:lstStyle/>
+          <a:p>
+            <a:r>
+              <a:rPr lang="en-US" dirty="0" smtClean="0"/>
+              <a:t>Can we do better </a:t>
+            </a:r>
+            <a:r>
+              <a:rPr lang="en-US" cap="none" dirty="0" smtClean="0"/>
+              <a:t>in</a:t>
+            </a:r>
+            <a:r>
+              <a:rPr lang="en-US" dirty="0" smtClean="0"/>
+              <a:t> F#?</a:t>
+            </a:r>
+            <a:endParaRPr lang="en-US" dirty="0"/>
+          </a:p>
+        </p:txBody>
+      </p:sp>
+      <p:sp>
+        <p:nvSpPr>
+          <p:cNvPr id="3" name="Content Placeholder 2"/>
+          <p:cNvSpPr>
+            <a:spLocks noGrp="1"/>
+          </p:cNvSpPr>
+          <p:nvPr>
+            <p:ph idx="1"/>
+          </p:nvPr>
+        </p:nvSpPr>
+        <p:spPr/>
+        <p:txBody>
+          <a:bodyPr/>
+          <a:lstStyle/>
+          <a:p>
+            <a:r>
+              <a:rPr lang="en-US" dirty="0" smtClean="0"/>
+              <a:t>Classic MVVM designed with C# limitations in mind</a:t>
+            </a:r>
+          </a:p>
+          <a:p>
+            <a:endParaRPr lang="en-US" dirty="0"/>
+          </a:p>
+        </p:txBody>
+      </p:sp>
+    </p:spTree>
+    <p:extLst>
+      <p:ext uri="{BB962C8B-B14F-4D97-AF65-F5344CB8AC3E}">
+        <p14:creationId xmlns:p14="http://schemas.microsoft.com/office/powerpoint/2010/main" val="3716489453"/>
       </p:ext>
     </p:extLst>
   </p:cSld>
@@ -16562,7 +17273,7 @@
       </p:grpSpPr>
       <p:sp>
         <p:nvSpPr>
-          <p:cNvPr id="4" name="Title 3"/>
+          <p:cNvPr id="2" name="Title 1"/>
           <p:cNvSpPr>
             <a:spLocks noGrp="1"/>
           </p:cNvSpPr>
@@ -16570,26 +17281,19 @@
             <p:ph type="title"/>
           </p:nvPr>
         </p:nvSpPr>
-        <p:spPr/>
+        <p:spPr>
+          <a:xfrm>
+            <a:off x="974785" y="618518"/>
+            <a:ext cx="10153290" cy="705457"/>
+          </a:xfrm>
+        </p:spPr>
         <p:txBody>
           <a:bodyPr/>
           <a:lstStyle/>
           <a:p>
             <a:r>
               <a:rPr lang="en-US" dirty="0" smtClean="0"/>
-              <a:t>Can we do </a:t>
-            </a:r>
-            <a:r>
-              <a:rPr lang="en-US" dirty="0" smtClean="0"/>
-              <a:t>better </a:t>
-            </a:r>
-            <a:r>
-              <a:rPr lang="en-US" cap="none" dirty="0" smtClean="0"/>
-              <a:t>in</a:t>
-            </a:r>
-            <a:r>
-              <a:rPr lang="en-US" dirty="0" smtClean="0"/>
-              <a:t> F#?</a:t>
+              <a:t>FIRST class EventS-Driven architecture</a:t>
             </a:r>
             <a:endParaRPr lang="en-US" dirty="0"/>
           </a:p>
@@ -16605,25 +17309,365 @@
             <p:ph idx="1"/>
           </p:nvPr>
         </p:nvSpPr>
-        <p:spPr/>
+        <p:spPr>
+          <a:xfrm>
+            <a:off x="974786" y="1466850"/>
+            <a:ext cx="10153290" cy="4324352"/>
+          </a:xfrm>
+          <a:solidFill>
+            <a:schemeClr val="tx1"/>
+          </a:solidFill>
+        </p:spPr>
         <p:txBody>
-          <a:bodyPr/>
+          <a:bodyPr>
+            <a:normAutofit fontScale="85000" lnSpcReduction="20000"/>
+          </a:bodyPr>
           <a:lstStyle/>
           <a:p>
-            <a:r>
-              <a:rPr lang="en-US" dirty="0" smtClean="0"/>
-              <a:t>Classic MVVM designed with C# limitations in mind</a:t>
-            </a:r>
-          </a:p>
-          <a:p>
-            <a:endParaRPr lang="en-US" dirty="0"/>
+            <a:pPr marL="0" indent="0">
+              <a:buNone/>
+            </a:pPr>
+            <a:r>
+              <a:rPr lang="en-US" dirty="0">
+                <a:solidFill>
+                  <a:srgbClr val="0000FF"/>
+                </a:solidFill>
+                <a:latin typeface="Consolas" panose="020B0609020204030204" pitchFamily="49" charset="0"/>
+              </a:rPr>
+              <a:t>type</a:t>
+            </a:r>
+            <a:r>
+              <a:rPr lang="en-US" dirty="0">
+                <a:solidFill>
+                  <a:prstClr val="black"/>
+                </a:solidFill>
+                <a:latin typeface="Consolas" panose="020B0609020204030204" pitchFamily="49" charset="0"/>
+              </a:rPr>
+              <a:t> View = IEvent&lt;Events&gt;  </a:t>
+            </a:r>
+          </a:p>
+          <a:p>
+            <a:pPr marL="0" indent="0">
+              <a:buNone/>
+            </a:pPr>
+            <a:r>
+              <a:rPr lang="en-US" dirty="0" smtClean="0">
+                <a:solidFill>
+                  <a:srgbClr val="0000FF"/>
+                </a:solidFill>
+                <a:latin typeface="Consolas" panose="020B0609020204030204" pitchFamily="49" charset="0"/>
+              </a:rPr>
+              <a:t>and</a:t>
+            </a:r>
+            <a:r>
+              <a:rPr lang="en-US" dirty="0" smtClean="0">
+                <a:solidFill>
+                  <a:prstClr val="black"/>
+                </a:solidFill>
+                <a:latin typeface="Consolas" panose="020B0609020204030204" pitchFamily="49" charset="0"/>
+              </a:rPr>
+              <a:t> Events = </a:t>
+            </a:r>
+          </a:p>
+          <a:p>
+            <a:pPr marL="0" indent="0">
+              <a:buNone/>
+            </a:pPr>
+            <a:r>
+              <a:rPr lang="en-US" dirty="0" smtClean="0">
+                <a:solidFill>
+                  <a:prstClr val="black"/>
+                </a:solidFill>
+                <a:latin typeface="Consolas" panose="020B0609020204030204" pitchFamily="49" charset="0"/>
+              </a:rPr>
+              <a:t>    | Add </a:t>
+            </a:r>
+            <a:r>
+              <a:rPr lang="en-US" dirty="0" smtClean="0">
+                <a:solidFill>
+                  <a:srgbClr val="0000FF"/>
+                </a:solidFill>
+                <a:latin typeface="Consolas" panose="020B0609020204030204" pitchFamily="49" charset="0"/>
+              </a:rPr>
+              <a:t>of</a:t>
+            </a:r>
+            <a:r>
+              <a:rPr lang="en-US" dirty="0" smtClean="0">
+                <a:solidFill>
+                  <a:prstClr val="black"/>
+                </a:solidFill>
+                <a:latin typeface="Consolas" panose="020B0609020204030204" pitchFamily="49" charset="0"/>
+              </a:rPr>
+              <a:t> int </a:t>
+            </a:r>
+          </a:p>
+          <a:p>
+            <a:pPr marL="0" indent="0">
+              <a:buNone/>
+            </a:pPr>
+            <a:r>
+              <a:rPr lang="en-US" dirty="0" smtClean="0">
+                <a:solidFill>
+                  <a:prstClr val="black"/>
+                </a:solidFill>
+                <a:latin typeface="Consolas" panose="020B0609020204030204" pitchFamily="49" charset="0"/>
+              </a:rPr>
+              <a:t>    | Subtract </a:t>
+            </a:r>
+            <a:r>
+              <a:rPr lang="en-US" dirty="0" smtClean="0">
+                <a:solidFill>
+                  <a:srgbClr val="0000FF"/>
+                </a:solidFill>
+                <a:latin typeface="Consolas" panose="020B0609020204030204" pitchFamily="49" charset="0"/>
+              </a:rPr>
+              <a:t>of</a:t>
+            </a:r>
+            <a:r>
+              <a:rPr lang="en-US" dirty="0" smtClean="0">
+                <a:solidFill>
+                  <a:prstClr val="black"/>
+                </a:solidFill>
+                <a:latin typeface="Consolas" panose="020B0609020204030204" pitchFamily="49" charset="0"/>
+              </a:rPr>
+              <a:t> int</a:t>
+            </a:r>
+          </a:p>
+          <a:p>
+            <a:pPr marL="0" indent="0">
+              <a:buNone/>
+            </a:pPr>
+            <a:endParaRPr lang="en-US" dirty="0" smtClean="0">
+              <a:solidFill>
+                <a:prstClr val="black"/>
+              </a:solidFill>
+              <a:latin typeface="Consolas" panose="020B0609020204030204" pitchFamily="49" charset="0"/>
+            </a:endParaRPr>
+          </a:p>
+          <a:p>
+            <a:pPr marL="0" indent="0">
+              <a:buNone/>
+            </a:pPr>
+            <a:r>
+              <a:rPr lang="en-US" dirty="0" smtClean="0">
+                <a:solidFill>
+                  <a:srgbClr val="0000FF"/>
+                </a:solidFill>
+                <a:latin typeface="Consolas" panose="020B0609020204030204" pitchFamily="49" charset="0"/>
+              </a:rPr>
+              <a:t>type</a:t>
+            </a:r>
+            <a:r>
+              <a:rPr lang="en-US" dirty="0" smtClean="0">
+                <a:solidFill>
+                  <a:prstClr val="black"/>
+                </a:solidFill>
+                <a:latin typeface="Consolas" panose="020B0609020204030204" pitchFamily="49" charset="0"/>
+              </a:rPr>
+              <a:t> Model = { State : int }</a:t>
+            </a:r>
+          </a:p>
+          <a:p>
+            <a:pPr marL="0" indent="0">
+              <a:buNone/>
+            </a:pPr>
+            <a:endParaRPr lang="en-US" dirty="0" smtClean="0">
+              <a:solidFill>
+                <a:prstClr val="black"/>
+              </a:solidFill>
+              <a:latin typeface="Consolas" panose="020B0609020204030204" pitchFamily="49" charset="0"/>
+            </a:endParaRPr>
+          </a:p>
+          <a:p>
+            <a:pPr marL="0" indent="0">
+              <a:buNone/>
+            </a:pPr>
+            <a:r>
+              <a:rPr lang="en-US" dirty="0">
+                <a:solidFill>
+                  <a:srgbClr val="0000FF"/>
+                </a:solidFill>
+                <a:latin typeface="Consolas" panose="020B0609020204030204" pitchFamily="49" charset="0"/>
+              </a:rPr>
+              <a:t>type</a:t>
+            </a:r>
+            <a:r>
+              <a:rPr lang="en-US" dirty="0">
+                <a:solidFill>
+                  <a:prstClr val="black"/>
+                </a:solidFill>
+                <a:latin typeface="Consolas" panose="020B0609020204030204" pitchFamily="49" charset="0"/>
+              </a:rPr>
+              <a:t> Controller = </a:t>
+            </a:r>
+            <a:r>
+              <a:rPr lang="en-US" dirty="0" smtClean="0">
+                <a:solidFill>
+                  <a:prstClr val="black"/>
+                </a:solidFill>
+                <a:latin typeface="Consolas" panose="020B0609020204030204" pitchFamily="49" charset="0"/>
+              </a:rPr>
+              <a:t>Events </a:t>
+            </a:r>
+            <a:r>
+              <a:rPr lang="en-US" dirty="0">
+                <a:solidFill>
+                  <a:srgbClr val="0000FF"/>
+                </a:solidFill>
+                <a:latin typeface="Consolas" panose="020B0609020204030204" pitchFamily="49" charset="0"/>
+              </a:rPr>
+              <a:t>-&gt;</a:t>
+            </a:r>
+            <a:r>
+              <a:rPr lang="en-US" dirty="0">
+                <a:solidFill>
+                  <a:prstClr val="black"/>
+                </a:solidFill>
+                <a:latin typeface="Consolas" panose="020B0609020204030204" pitchFamily="49" charset="0"/>
+              </a:rPr>
+              <a:t> Model </a:t>
+            </a:r>
+            <a:r>
+              <a:rPr lang="en-US" dirty="0">
+                <a:solidFill>
+                  <a:srgbClr val="0000FF"/>
+                </a:solidFill>
+                <a:latin typeface="Consolas" panose="020B0609020204030204" pitchFamily="49" charset="0"/>
+              </a:rPr>
+              <a:t>-&gt;</a:t>
+            </a:r>
+            <a:r>
+              <a:rPr lang="en-US" dirty="0">
+                <a:solidFill>
+                  <a:prstClr val="black"/>
+                </a:solidFill>
+                <a:latin typeface="Consolas" panose="020B0609020204030204" pitchFamily="49" charset="0"/>
+              </a:rPr>
+              <a:t> </a:t>
+            </a:r>
+            <a:r>
+              <a:rPr lang="en-US" dirty="0" smtClean="0">
+                <a:solidFill>
+                  <a:prstClr val="black"/>
+                </a:solidFill>
+                <a:latin typeface="Consolas" panose="020B0609020204030204" pitchFamily="49" charset="0"/>
+              </a:rPr>
+              <a:t>Model</a:t>
+            </a:r>
+          </a:p>
+          <a:p>
+            <a:pPr marL="0" indent="0">
+              <a:buNone/>
+            </a:pPr>
+            <a:endParaRPr lang="en-US" dirty="0" smtClean="0">
+              <a:solidFill>
+                <a:prstClr val="black"/>
+              </a:solidFill>
+              <a:latin typeface="Consolas" panose="020B0609020204030204" pitchFamily="49" charset="0"/>
+            </a:endParaRPr>
+          </a:p>
+          <a:p>
+            <a:pPr marL="0" indent="0">
+              <a:buNone/>
+            </a:pPr>
+            <a:r>
+              <a:rPr lang="en-US" dirty="0" smtClean="0">
+                <a:solidFill>
+                  <a:srgbClr val="0000FF"/>
+                </a:solidFill>
+                <a:latin typeface="Consolas" panose="020B0609020204030204" pitchFamily="49" charset="0"/>
+              </a:rPr>
+              <a:t>type</a:t>
+            </a:r>
+            <a:r>
+              <a:rPr lang="en-US" dirty="0" smtClean="0">
+                <a:solidFill>
+                  <a:prstClr val="black"/>
+                </a:solidFill>
+                <a:latin typeface="Consolas" panose="020B0609020204030204" pitchFamily="49" charset="0"/>
+              </a:rPr>
+              <a:t> Mvc </a:t>
+            </a:r>
+            <a:r>
+              <a:rPr lang="en-US" dirty="0">
+                <a:solidFill>
+                  <a:prstClr val="black"/>
+                </a:solidFill>
+                <a:latin typeface="Consolas" panose="020B0609020204030204" pitchFamily="49" charset="0"/>
+              </a:rPr>
+              <a:t>= Controller </a:t>
+            </a:r>
+            <a:r>
+              <a:rPr lang="en-US" dirty="0" smtClean="0">
+                <a:solidFill>
+                  <a:srgbClr val="0000FF"/>
+                </a:solidFill>
+                <a:latin typeface="Consolas" panose="020B0609020204030204" pitchFamily="49" charset="0"/>
+              </a:rPr>
+              <a:t>-&gt;</a:t>
+            </a:r>
+            <a:r>
+              <a:rPr lang="en-US" dirty="0" smtClean="0">
+                <a:solidFill>
+                  <a:prstClr val="black"/>
+                </a:solidFill>
+                <a:latin typeface="Consolas" panose="020B0609020204030204" pitchFamily="49" charset="0"/>
+              </a:rPr>
+              <a:t> Model </a:t>
+            </a:r>
+            <a:r>
+              <a:rPr lang="en-US" dirty="0" smtClean="0">
+                <a:solidFill>
+                  <a:srgbClr val="0000FF"/>
+                </a:solidFill>
+                <a:latin typeface="Consolas" panose="020B0609020204030204" pitchFamily="49" charset="0"/>
+              </a:rPr>
+              <a:t>-&gt;</a:t>
+            </a:r>
+            <a:r>
+              <a:rPr lang="en-US" dirty="0" smtClean="0">
+                <a:solidFill>
+                  <a:prstClr val="black"/>
+                </a:solidFill>
+                <a:latin typeface="Consolas" panose="020B0609020204030204" pitchFamily="49" charset="0"/>
+              </a:rPr>
+              <a:t> IEvent&lt;Events&gt; </a:t>
+            </a:r>
+            <a:r>
+              <a:rPr lang="en-US" dirty="0" smtClean="0">
+                <a:solidFill>
+                  <a:srgbClr val="0000FF"/>
+                </a:solidFill>
+                <a:latin typeface="Consolas" panose="020B0609020204030204" pitchFamily="49" charset="0"/>
+              </a:rPr>
+              <a:t>-&gt;</a:t>
+            </a:r>
+            <a:r>
+              <a:rPr lang="en-US" dirty="0" smtClean="0">
+                <a:solidFill>
+                  <a:prstClr val="black"/>
+                </a:solidFill>
+                <a:latin typeface="Consolas" panose="020B0609020204030204" pitchFamily="49" charset="0"/>
+              </a:rPr>
+              <a:t> Model</a:t>
+            </a:r>
+          </a:p>
+          <a:p>
+            <a:pPr marL="0" indent="0">
+              <a:buNone/>
+            </a:pPr>
+            <a:endParaRPr lang="en-US" dirty="0">
+              <a:solidFill>
+                <a:schemeClr val="bg1"/>
+              </a:solidFill>
+            </a:endParaRPr>
           </a:p>
         </p:txBody>
       </p:sp>
     </p:spTree>
     <p:extLst>
       <p:ext uri="{BB962C8B-B14F-4D97-AF65-F5344CB8AC3E}">
-        <p14:creationId xmlns:p14="http://schemas.microsoft.com/office/powerpoint/2010/main" val="3716489453"/>
+        <p14:creationId xmlns:p14="http://schemas.microsoft.com/office/powerpoint/2010/main" val="2634465386"/>
       </p:ext>
     </p:extLst>
   </p:cSld>
@@ -16667,19 +17711,14 @@
             <p:ph type="title"/>
           </p:nvPr>
         </p:nvSpPr>
-        <p:spPr>
-          <a:xfrm>
-            <a:off x="974785" y="618518"/>
-            <a:ext cx="10153290" cy="705457"/>
-          </a:xfrm>
-        </p:spPr>
+        <p:spPr/>
         <p:txBody>
           <a:bodyPr/>
           <a:lstStyle/>
           <a:p>
             <a:r>
               <a:rPr lang="en-US" dirty="0" smtClean="0"/>
-              <a:t>FIRST class EventS-Driven architecture</a:t>
+              <a:t>model</a:t>
             </a:r>
             <a:endParaRPr lang="en-US" dirty="0"/>
           </a:p>
@@ -16695,365 +17734,57 @@
             <p:ph idx="1"/>
           </p:nvPr>
         </p:nvSpPr>
-        <p:spPr>
-          <a:xfrm>
-            <a:off x="974786" y="1466850"/>
-            <a:ext cx="10153290" cy="4324352"/>
-          </a:xfrm>
-          <a:solidFill>
-            <a:schemeClr val="tx1"/>
-          </a:solidFill>
-        </p:spPr>
+        <p:spPr/>
         <p:txBody>
-          <a:bodyPr>
-            <a:normAutofit fontScale="85000" lnSpcReduction="20000"/>
-          </a:bodyPr>
+          <a:bodyPr/>
           <a:lstStyle/>
           <a:p>
-            <a:pPr marL="0" indent="0">
-              <a:buNone/>
-            </a:pPr>
-            <a:r>
-              <a:rPr lang="en-US" dirty="0">
-                <a:solidFill>
-                  <a:srgbClr val="0000FF"/>
-                </a:solidFill>
-                <a:latin typeface="Consolas" panose="020B0609020204030204" pitchFamily="49" charset="0"/>
-              </a:rPr>
-              <a:t>type</a:t>
-            </a:r>
-            <a:r>
-              <a:rPr lang="en-US" dirty="0">
-                <a:solidFill>
-                  <a:prstClr val="black"/>
-                </a:solidFill>
-                <a:latin typeface="Consolas" panose="020B0609020204030204" pitchFamily="49" charset="0"/>
-              </a:rPr>
-              <a:t> View = IEvent&lt;Events&gt;  </a:t>
-            </a:r>
-          </a:p>
-          <a:p>
-            <a:pPr marL="0" indent="0">
-              <a:buNone/>
-            </a:pPr>
-            <a:r>
-              <a:rPr lang="en-US" dirty="0" smtClean="0">
-                <a:solidFill>
-                  <a:srgbClr val="0000FF"/>
-                </a:solidFill>
-                <a:latin typeface="Consolas" panose="020B0609020204030204" pitchFamily="49" charset="0"/>
-              </a:rPr>
-              <a:t>and</a:t>
-            </a:r>
-            <a:r>
-              <a:rPr lang="en-US" dirty="0" smtClean="0">
-                <a:solidFill>
-                  <a:prstClr val="black"/>
-                </a:solidFill>
-                <a:latin typeface="Consolas" panose="020B0609020204030204" pitchFamily="49" charset="0"/>
-              </a:rPr>
-              <a:t> Events = </a:t>
-            </a:r>
-          </a:p>
-          <a:p>
-            <a:pPr marL="0" indent="0">
-              <a:buNone/>
-            </a:pPr>
-            <a:r>
-              <a:rPr lang="en-US" dirty="0" smtClean="0">
-                <a:solidFill>
-                  <a:prstClr val="black"/>
-                </a:solidFill>
-                <a:latin typeface="Consolas" panose="020B0609020204030204" pitchFamily="49" charset="0"/>
-              </a:rPr>
-              <a:t>    | Add </a:t>
-            </a:r>
-            <a:r>
-              <a:rPr lang="en-US" dirty="0" smtClean="0">
-                <a:solidFill>
-                  <a:srgbClr val="0000FF"/>
-                </a:solidFill>
-                <a:latin typeface="Consolas" panose="020B0609020204030204" pitchFamily="49" charset="0"/>
-              </a:rPr>
-              <a:t>of</a:t>
-            </a:r>
-            <a:r>
-              <a:rPr lang="en-US" dirty="0" smtClean="0">
-                <a:solidFill>
-                  <a:prstClr val="black"/>
-                </a:solidFill>
-                <a:latin typeface="Consolas" panose="020B0609020204030204" pitchFamily="49" charset="0"/>
-              </a:rPr>
-              <a:t> int </a:t>
-            </a:r>
-          </a:p>
-          <a:p>
-            <a:pPr marL="0" indent="0">
-              <a:buNone/>
-            </a:pPr>
-            <a:r>
-              <a:rPr lang="en-US" dirty="0" smtClean="0">
-                <a:solidFill>
-                  <a:prstClr val="black"/>
-                </a:solidFill>
-                <a:latin typeface="Consolas" panose="020B0609020204030204" pitchFamily="49" charset="0"/>
-              </a:rPr>
-              <a:t>    | Subtract </a:t>
-            </a:r>
-            <a:r>
-              <a:rPr lang="en-US" dirty="0" smtClean="0">
-                <a:solidFill>
-                  <a:srgbClr val="0000FF"/>
-                </a:solidFill>
-                <a:latin typeface="Consolas" panose="020B0609020204030204" pitchFamily="49" charset="0"/>
-              </a:rPr>
-              <a:t>of</a:t>
-            </a:r>
-            <a:r>
-              <a:rPr lang="en-US" dirty="0" smtClean="0">
-                <a:solidFill>
-                  <a:prstClr val="black"/>
-                </a:solidFill>
-                <a:latin typeface="Consolas" panose="020B0609020204030204" pitchFamily="49" charset="0"/>
-              </a:rPr>
-              <a:t> int</a:t>
-            </a:r>
-          </a:p>
-          <a:p>
-            <a:pPr marL="0" indent="0">
-              <a:buNone/>
-            </a:pPr>
-            <a:endParaRPr lang="en-US" dirty="0" smtClean="0">
-              <a:solidFill>
-                <a:prstClr val="black"/>
-              </a:solidFill>
-              <a:latin typeface="Consolas" panose="020B0609020204030204" pitchFamily="49" charset="0"/>
-            </a:endParaRPr>
-          </a:p>
-          <a:p>
-            <a:pPr marL="0" indent="0">
-              <a:buNone/>
-            </a:pPr>
-            <a:r>
-              <a:rPr lang="en-US" dirty="0" smtClean="0">
-                <a:solidFill>
-                  <a:srgbClr val="0000FF"/>
-                </a:solidFill>
-                <a:latin typeface="Consolas" panose="020B0609020204030204" pitchFamily="49" charset="0"/>
-              </a:rPr>
-              <a:t>type</a:t>
-            </a:r>
-            <a:r>
-              <a:rPr lang="en-US" dirty="0" smtClean="0">
-                <a:solidFill>
-                  <a:prstClr val="black"/>
-                </a:solidFill>
-                <a:latin typeface="Consolas" panose="020B0609020204030204" pitchFamily="49" charset="0"/>
-              </a:rPr>
-              <a:t> Model = { State : int }</a:t>
-            </a:r>
-          </a:p>
-          <a:p>
-            <a:pPr marL="0" indent="0">
-              <a:buNone/>
-            </a:pPr>
-            <a:endParaRPr lang="en-US" dirty="0" smtClean="0">
-              <a:solidFill>
-                <a:prstClr val="black"/>
-              </a:solidFill>
-              <a:latin typeface="Consolas" panose="020B0609020204030204" pitchFamily="49" charset="0"/>
-            </a:endParaRPr>
-          </a:p>
-          <a:p>
-            <a:pPr marL="0" indent="0">
-              <a:buNone/>
-            </a:pPr>
-            <a:r>
-              <a:rPr lang="en-US" dirty="0">
-                <a:solidFill>
-                  <a:srgbClr val="0000FF"/>
-                </a:solidFill>
-                <a:latin typeface="Consolas" panose="020B0609020204030204" pitchFamily="49" charset="0"/>
-              </a:rPr>
-              <a:t>type</a:t>
-            </a:r>
-            <a:r>
-              <a:rPr lang="en-US" dirty="0">
-                <a:solidFill>
-                  <a:prstClr val="black"/>
-                </a:solidFill>
-                <a:latin typeface="Consolas" panose="020B0609020204030204" pitchFamily="49" charset="0"/>
-              </a:rPr>
-              <a:t> Controller = </a:t>
-            </a:r>
-            <a:r>
-              <a:rPr lang="en-US" dirty="0" smtClean="0">
-                <a:solidFill>
-                  <a:prstClr val="black"/>
-                </a:solidFill>
-                <a:latin typeface="Consolas" panose="020B0609020204030204" pitchFamily="49" charset="0"/>
-              </a:rPr>
-              <a:t>Events </a:t>
-            </a:r>
-            <a:r>
-              <a:rPr lang="en-US" dirty="0">
-                <a:solidFill>
-                  <a:srgbClr val="0000FF"/>
-                </a:solidFill>
-                <a:latin typeface="Consolas" panose="020B0609020204030204" pitchFamily="49" charset="0"/>
-              </a:rPr>
-              <a:t>-&gt;</a:t>
-            </a:r>
-            <a:r>
-              <a:rPr lang="en-US" dirty="0">
-                <a:solidFill>
-                  <a:prstClr val="black"/>
-                </a:solidFill>
-                <a:latin typeface="Consolas" panose="020B0609020204030204" pitchFamily="49" charset="0"/>
-              </a:rPr>
-              <a:t> Model </a:t>
-            </a:r>
-            <a:r>
-              <a:rPr lang="en-US" dirty="0">
-                <a:solidFill>
-                  <a:srgbClr val="0000FF"/>
-                </a:solidFill>
-                <a:latin typeface="Consolas" panose="020B0609020204030204" pitchFamily="49" charset="0"/>
-              </a:rPr>
-              <a:t>-&gt;</a:t>
-            </a:r>
-            <a:r>
-              <a:rPr lang="en-US" dirty="0">
-                <a:solidFill>
-                  <a:prstClr val="black"/>
-                </a:solidFill>
-                <a:latin typeface="Consolas" panose="020B0609020204030204" pitchFamily="49" charset="0"/>
-              </a:rPr>
-              <a:t> </a:t>
-            </a:r>
-            <a:r>
-              <a:rPr lang="en-US" dirty="0" smtClean="0">
-                <a:solidFill>
-                  <a:prstClr val="black"/>
-                </a:solidFill>
-                <a:latin typeface="Consolas" panose="020B0609020204030204" pitchFamily="49" charset="0"/>
-              </a:rPr>
-              <a:t>Model</a:t>
-            </a:r>
-          </a:p>
-          <a:p>
-            <a:pPr marL="0" indent="0">
-              <a:buNone/>
-            </a:pPr>
-            <a:endParaRPr lang="en-US" dirty="0" smtClean="0">
-              <a:solidFill>
-                <a:prstClr val="black"/>
-              </a:solidFill>
-              <a:latin typeface="Consolas" panose="020B0609020204030204" pitchFamily="49" charset="0"/>
-            </a:endParaRPr>
-          </a:p>
-          <a:p>
-            <a:pPr marL="0" indent="0">
-              <a:buNone/>
-            </a:pPr>
-            <a:r>
-              <a:rPr lang="en-US" dirty="0" smtClean="0">
-                <a:solidFill>
-                  <a:srgbClr val="0000FF"/>
-                </a:solidFill>
-                <a:latin typeface="Consolas" panose="020B0609020204030204" pitchFamily="49" charset="0"/>
-              </a:rPr>
-              <a:t>type</a:t>
-            </a:r>
-            <a:r>
-              <a:rPr lang="en-US" dirty="0" smtClean="0">
-                <a:solidFill>
-                  <a:prstClr val="black"/>
-                </a:solidFill>
-                <a:latin typeface="Consolas" panose="020B0609020204030204" pitchFamily="49" charset="0"/>
-              </a:rPr>
-              <a:t> Mvc </a:t>
-            </a:r>
-            <a:r>
-              <a:rPr lang="en-US" dirty="0">
-                <a:solidFill>
-                  <a:prstClr val="black"/>
-                </a:solidFill>
-                <a:latin typeface="Consolas" panose="020B0609020204030204" pitchFamily="49" charset="0"/>
-              </a:rPr>
-              <a:t>= Controller </a:t>
-            </a:r>
-            <a:r>
-              <a:rPr lang="en-US" dirty="0" smtClean="0">
-                <a:solidFill>
-                  <a:srgbClr val="0000FF"/>
-                </a:solidFill>
-                <a:latin typeface="Consolas" panose="020B0609020204030204" pitchFamily="49" charset="0"/>
-              </a:rPr>
-              <a:t>-&gt;</a:t>
-            </a:r>
-            <a:r>
-              <a:rPr lang="en-US" dirty="0" smtClean="0">
-                <a:solidFill>
-                  <a:prstClr val="black"/>
-                </a:solidFill>
-                <a:latin typeface="Consolas" panose="020B0609020204030204" pitchFamily="49" charset="0"/>
-              </a:rPr>
-              <a:t> Model </a:t>
-            </a:r>
-            <a:r>
-              <a:rPr lang="en-US" dirty="0" smtClean="0">
-                <a:solidFill>
-                  <a:srgbClr val="0000FF"/>
-                </a:solidFill>
-                <a:latin typeface="Consolas" panose="020B0609020204030204" pitchFamily="49" charset="0"/>
-              </a:rPr>
-              <a:t>-&gt;</a:t>
-            </a:r>
-            <a:r>
-              <a:rPr lang="en-US" dirty="0" smtClean="0">
-                <a:solidFill>
-                  <a:prstClr val="black"/>
-                </a:solidFill>
-                <a:latin typeface="Consolas" panose="020B0609020204030204" pitchFamily="49" charset="0"/>
-              </a:rPr>
-              <a:t> IEvent&lt;Events&gt; </a:t>
-            </a:r>
-            <a:r>
-              <a:rPr lang="en-US" dirty="0" smtClean="0">
-                <a:solidFill>
-                  <a:srgbClr val="0000FF"/>
-                </a:solidFill>
-                <a:latin typeface="Consolas" panose="020B0609020204030204" pitchFamily="49" charset="0"/>
-              </a:rPr>
-              <a:t>-&gt;</a:t>
-            </a:r>
-            <a:r>
-              <a:rPr lang="en-US" dirty="0" smtClean="0">
-                <a:solidFill>
-                  <a:prstClr val="black"/>
-                </a:solidFill>
-                <a:latin typeface="Consolas" panose="020B0609020204030204" pitchFamily="49" charset="0"/>
-              </a:rPr>
-              <a:t> Model</a:t>
-            </a:r>
-          </a:p>
-          <a:p>
-            <a:pPr marL="0" indent="0">
-              <a:buNone/>
-            </a:pPr>
-            <a:endParaRPr lang="en-US" dirty="0">
-              <a:solidFill>
-                <a:schemeClr val="bg1"/>
-              </a:solidFill>
-            </a:endParaRPr>
+            <a:r>
+              <a:rPr lang="en-US" dirty="0" smtClean="0"/>
+              <a:t>Not domain model</a:t>
+            </a:r>
+          </a:p>
+          <a:p>
+            <a:r>
+              <a:rPr lang="en-US" dirty="0" smtClean="0"/>
+              <a:t>Based on Castle Dynamic Proxy</a:t>
+            </a:r>
+          </a:p>
+          <a:p>
+            <a:r>
+              <a:rPr lang="en-US" dirty="0" smtClean="0"/>
+              <a:t>Raises INPC.PropertyChanged from setter interceptor</a:t>
+            </a:r>
+          </a:p>
+          <a:p>
+            <a:r>
+              <a:rPr lang="en-US" dirty="0" smtClean="0"/>
+              <a:t>Restrictions: virtual properties + base </a:t>
+            </a:r>
+            <a:r>
+              <a:rPr lang="en-US" dirty="0" smtClean="0"/>
+              <a:t>class + factory method</a:t>
+            </a:r>
+          </a:p>
+          <a:p>
+            <a:r>
+              <a:rPr lang="en-US" dirty="0" smtClean="0"/>
+              <a:t>Support for abstract properties makes coding in F# easier</a:t>
+            </a:r>
+          </a:p>
+          <a:p>
+            <a:r>
+              <a:rPr lang="en-US" dirty="0" smtClean="0"/>
+              <a:t>DECLARATIVE (type definition only, no imperative logic)</a:t>
+            </a:r>
+            <a:endParaRPr lang="en-US" dirty="0"/>
           </a:p>
         </p:txBody>
       </p:sp>
     </p:spTree>
     <p:extLst>
       <p:ext uri="{BB962C8B-B14F-4D97-AF65-F5344CB8AC3E}">
-        <p14:creationId xmlns:p14="http://schemas.microsoft.com/office/powerpoint/2010/main" val="2634465386"/>
+        <p14:creationId xmlns:p14="http://schemas.microsoft.com/office/powerpoint/2010/main" val="2026110272"/>
       </p:ext>
     </p:extLst>
   </p:cSld>

--- a/NYC Meetup.2013-04-23.pptx
+++ b/NYC Meetup.2013-04-23.pptx
@@ -7,29 +7,26 @@
   <p:sldIdLst>
     <p:sldId id="256" r:id="rId2"/>
     <p:sldId id="283" r:id="rId3"/>
-    <p:sldId id="257" r:id="rId4"/>
-    <p:sldId id="260" r:id="rId5"/>
-    <p:sldId id="259" r:id="rId6"/>
-    <p:sldId id="261" r:id="rId7"/>
-    <p:sldId id="262" r:id="rId8"/>
-    <p:sldId id="263" r:id="rId9"/>
-    <p:sldId id="264" r:id="rId10"/>
-    <p:sldId id="266" r:id="rId11"/>
-    <p:sldId id="265" r:id="rId12"/>
-    <p:sldId id="284" r:id="rId13"/>
-    <p:sldId id="268" r:id="rId14"/>
-    <p:sldId id="269" r:id="rId15"/>
-    <p:sldId id="270" r:id="rId16"/>
-    <p:sldId id="271" r:id="rId17"/>
-    <p:sldId id="272" r:id="rId18"/>
-    <p:sldId id="273" r:id="rId19"/>
-    <p:sldId id="274" r:id="rId20"/>
-    <p:sldId id="275" r:id="rId21"/>
-    <p:sldId id="276" r:id="rId22"/>
-    <p:sldId id="277" r:id="rId23"/>
-    <p:sldId id="278" r:id="rId24"/>
-    <p:sldId id="280" r:id="rId25"/>
-    <p:sldId id="279" r:id="rId26"/>
+    <p:sldId id="259" r:id="rId4"/>
+    <p:sldId id="262" r:id="rId5"/>
+    <p:sldId id="263" r:id="rId6"/>
+    <p:sldId id="264" r:id="rId7"/>
+    <p:sldId id="266" r:id="rId8"/>
+    <p:sldId id="265" r:id="rId9"/>
+    <p:sldId id="284" r:id="rId10"/>
+    <p:sldId id="268" r:id="rId11"/>
+    <p:sldId id="269" r:id="rId12"/>
+    <p:sldId id="270" r:id="rId13"/>
+    <p:sldId id="271" r:id="rId14"/>
+    <p:sldId id="272" r:id="rId15"/>
+    <p:sldId id="273" r:id="rId16"/>
+    <p:sldId id="274" r:id="rId17"/>
+    <p:sldId id="275" r:id="rId18"/>
+    <p:sldId id="276" r:id="rId19"/>
+    <p:sldId id="277" r:id="rId20"/>
+    <p:sldId id="278" r:id="rId21"/>
+    <p:sldId id="280" r:id="rId22"/>
+    <p:sldId id="279" r:id="rId23"/>
   </p:sldIdLst>
   <p:sldSz cx="12192000" cy="6858000"/>
   <p:notesSz cx="6858000" cy="9144000"/>
@@ -186,7 +183,7 @@
           <a:noFill/>
           <a:extLst>
             <a:ext uri="{909E8E84-426E-40dd-AFC4-6F175D3DCCD1}">
-              <a14:hiddenFill xmlns="" xmlns:a14="http://schemas.microsoft.com/office/drawing/2010/main">
+              <a14:hiddenFill xmlns:a14="http://schemas.microsoft.com/office/drawing/2010/main" xmlns="">
                 <a:solidFill>
                   <a:srgbClr val="FFFFFF"/>
                 </a:solidFill>
@@ -246,7 +243,7 @@
             </a:ln>
             <a:extLst>
               <a:ext uri="{91240B29-F687-4f45-9708-019B960494DF}">
-                <a14:hiddenLine xmlns="" xmlns:a14="http://schemas.microsoft.com/office/drawing/2010/main" w="9525">
+                <a14:hiddenLine xmlns:a14="http://schemas.microsoft.com/office/drawing/2010/main" xmlns="" w="9525">
                   <a:solidFill>
                     <a:srgbClr val="000000"/>
                   </a:solidFill>
@@ -336,7 +333,7 @@
             </a:ln>
             <a:extLst>
               <a:ext uri="{91240B29-F687-4f45-9708-019B960494DF}">
-                <a14:hiddenLine xmlns="" xmlns:a14="http://schemas.microsoft.com/office/drawing/2010/main" w="9525">
+                <a14:hiddenLine xmlns:a14="http://schemas.microsoft.com/office/drawing/2010/main" xmlns="" w="9525">
                   <a:solidFill>
                     <a:srgbClr val="000000"/>
                   </a:solidFill>
@@ -426,7 +423,7 @@
             </a:ln>
             <a:extLst>
               <a:ext uri="{91240B29-F687-4f45-9708-019B960494DF}">
-                <a14:hiddenLine xmlns="" xmlns:a14="http://schemas.microsoft.com/office/drawing/2010/main" w="9525">
+                <a14:hiddenLine xmlns:a14="http://schemas.microsoft.com/office/drawing/2010/main" xmlns="" w="9525">
                   <a:solidFill>
                     <a:srgbClr val="000000"/>
                   </a:solidFill>
@@ -460,7 +457,7 @@
             </a:ln>
             <a:extLst>
               <a:ext uri="{91240B29-F687-4f45-9708-019B960494DF}">
-                <a14:hiddenLine xmlns="" xmlns:a14="http://schemas.microsoft.com/office/drawing/2010/main" w="9525">
+                <a14:hiddenLine xmlns:a14="http://schemas.microsoft.com/office/drawing/2010/main" xmlns="" w="9525">
                   <a:solidFill>
                     <a:srgbClr val="000000"/>
                   </a:solidFill>
@@ -550,7 +547,7 @@
             </a:ln>
             <a:extLst>
               <a:ext uri="{91240B29-F687-4f45-9708-019B960494DF}">
-                <a14:hiddenLine xmlns="" xmlns:a14="http://schemas.microsoft.com/office/drawing/2010/main" w="9525">
+                <a14:hiddenLine xmlns:a14="http://schemas.microsoft.com/office/drawing/2010/main" xmlns="" w="9525">
                   <a:solidFill>
                     <a:srgbClr val="000000"/>
                   </a:solidFill>
@@ -612,7 +609,7 @@
             </a:ln>
             <a:extLst>
               <a:ext uri="{91240B29-F687-4f45-9708-019B960494DF}">
-                <a14:hiddenLine xmlns="" xmlns:a14="http://schemas.microsoft.com/office/drawing/2010/main" w="9525">
+                <a14:hiddenLine xmlns:a14="http://schemas.microsoft.com/office/drawing/2010/main" xmlns="" w="9525">
                   <a:solidFill>
                     <a:srgbClr val="000000"/>
                   </a:solidFill>
@@ -674,7 +671,7 @@
             </a:ln>
             <a:extLst>
               <a:ext uri="{91240B29-F687-4f45-9708-019B960494DF}">
-                <a14:hiddenLine xmlns="" xmlns:a14="http://schemas.microsoft.com/office/drawing/2010/main" w="9525">
+                <a14:hiddenLine xmlns:a14="http://schemas.microsoft.com/office/drawing/2010/main" xmlns="" w="9525">
                   <a:solidFill>
                     <a:srgbClr val="000000"/>
                   </a:solidFill>
@@ -764,7 +761,7 @@
             </a:ln>
             <a:extLst>
               <a:ext uri="{91240B29-F687-4f45-9708-019B960494DF}">
-                <a14:hiddenLine xmlns="" xmlns:a14="http://schemas.microsoft.com/office/drawing/2010/main" w="9525">
+                <a14:hiddenLine xmlns:a14="http://schemas.microsoft.com/office/drawing/2010/main" xmlns="" w="9525">
                   <a:solidFill>
                     <a:srgbClr val="000000"/>
                   </a:solidFill>
@@ -826,7 +823,7 @@
             </a:ln>
             <a:extLst>
               <a:ext uri="{91240B29-F687-4f45-9708-019B960494DF}">
-                <a14:hiddenLine xmlns="" xmlns:a14="http://schemas.microsoft.com/office/drawing/2010/main" w="9525">
+                <a14:hiddenLine xmlns:a14="http://schemas.microsoft.com/office/drawing/2010/main" xmlns="" w="9525">
                   <a:solidFill>
                     <a:srgbClr val="000000"/>
                   </a:solidFill>
@@ -888,7 +885,7 @@
             </a:ln>
             <a:extLst>
               <a:ext uri="{91240B29-F687-4f45-9708-019B960494DF}">
-                <a14:hiddenLine xmlns="" xmlns:a14="http://schemas.microsoft.com/office/drawing/2010/main" w="9525">
+                <a14:hiddenLine xmlns:a14="http://schemas.microsoft.com/office/drawing/2010/main" xmlns="" w="9525">
                   <a:solidFill>
                     <a:srgbClr val="000000"/>
                   </a:solidFill>
@@ -978,7 +975,7 @@
             </a:ln>
             <a:extLst>
               <a:ext uri="{91240B29-F687-4f45-9708-019B960494DF}">
-                <a14:hiddenLine xmlns="" xmlns:a14="http://schemas.microsoft.com/office/drawing/2010/main" w="9525">
+                <a14:hiddenLine xmlns:a14="http://schemas.microsoft.com/office/drawing/2010/main" xmlns="" w="9525">
                   <a:solidFill>
                     <a:srgbClr val="000000"/>
                   </a:solidFill>
@@ -1068,7 +1065,7 @@
             </a:ln>
             <a:extLst>
               <a:ext uri="{91240B29-F687-4f45-9708-019B960494DF}">
-                <a14:hiddenLine xmlns="" xmlns:a14="http://schemas.microsoft.com/office/drawing/2010/main" w="9525">
+                <a14:hiddenLine xmlns:a14="http://schemas.microsoft.com/office/drawing/2010/main" xmlns="" w="9525">
                   <a:solidFill>
                     <a:srgbClr val="000000"/>
                   </a:solidFill>
@@ -1130,7 +1127,7 @@
             </a:ln>
             <a:extLst>
               <a:ext uri="{91240B29-F687-4f45-9708-019B960494DF}">
-                <a14:hiddenLine xmlns="" xmlns:a14="http://schemas.microsoft.com/office/drawing/2010/main" w="9525">
+                <a14:hiddenLine xmlns:a14="http://schemas.microsoft.com/office/drawing/2010/main" xmlns="" w="9525">
                   <a:solidFill>
                     <a:srgbClr val="000000"/>
                   </a:solidFill>
@@ -1240,7 +1237,7 @@
             </a:ln>
             <a:extLst>
               <a:ext uri="{91240B29-F687-4f45-9708-019B960494DF}">
-                <a14:hiddenLine xmlns="" xmlns:a14="http://schemas.microsoft.com/office/drawing/2010/main" w="9525">
+                <a14:hiddenLine xmlns:a14="http://schemas.microsoft.com/office/drawing/2010/main" xmlns="" w="9525">
                   <a:solidFill>
                     <a:srgbClr val="000000"/>
                   </a:solidFill>
@@ -1302,7 +1299,7 @@
             </a:ln>
             <a:extLst>
               <a:ext uri="{91240B29-F687-4f45-9708-019B960494DF}">
-                <a14:hiddenLine xmlns="" xmlns:a14="http://schemas.microsoft.com/office/drawing/2010/main" w="9525">
+                <a14:hiddenLine xmlns:a14="http://schemas.microsoft.com/office/drawing/2010/main" xmlns="" w="9525">
                   <a:solidFill>
                     <a:srgbClr val="000000"/>
                   </a:solidFill>
@@ -1392,7 +1389,7 @@
             </a:ln>
             <a:extLst>
               <a:ext uri="{91240B29-F687-4f45-9708-019B960494DF}">
-                <a14:hiddenLine xmlns="" xmlns:a14="http://schemas.microsoft.com/office/drawing/2010/main" w="9525">
+                <a14:hiddenLine xmlns:a14="http://schemas.microsoft.com/office/drawing/2010/main" xmlns="" w="9525">
                   <a:solidFill>
                     <a:srgbClr val="000000"/>
                   </a:solidFill>
@@ -1482,7 +1479,7 @@
             </a:ln>
             <a:extLst>
               <a:ext uri="{91240B29-F687-4f45-9708-019B960494DF}">
-                <a14:hiddenLine xmlns="" xmlns:a14="http://schemas.microsoft.com/office/drawing/2010/main" w="9525">
+                <a14:hiddenLine xmlns:a14="http://schemas.microsoft.com/office/drawing/2010/main" xmlns="" w="9525">
                   <a:solidFill>
                     <a:srgbClr val="000000"/>
                   </a:solidFill>
@@ -1544,7 +1541,7 @@
             </a:ln>
             <a:extLst>
               <a:ext uri="{91240B29-F687-4f45-9708-019B960494DF}">
-                <a14:hiddenLine xmlns="" xmlns:a14="http://schemas.microsoft.com/office/drawing/2010/main" w="9525">
+                <a14:hiddenLine xmlns:a14="http://schemas.microsoft.com/office/drawing/2010/main" xmlns="" w="9525">
                   <a:solidFill>
                     <a:srgbClr val="000000"/>
                   </a:solidFill>
@@ -1634,7 +1631,7 @@
             </a:ln>
             <a:extLst>
               <a:ext uri="{91240B29-F687-4f45-9708-019B960494DF}">
-                <a14:hiddenLine xmlns="" xmlns:a14="http://schemas.microsoft.com/office/drawing/2010/main" w="9525">
+                <a14:hiddenLine xmlns:a14="http://schemas.microsoft.com/office/drawing/2010/main" xmlns="" w="9525">
                   <a:solidFill>
                     <a:srgbClr val="000000"/>
                   </a:solidFill>
@@ -1724,7 +1721,7 @@
             </a:ln>
             <a:extLst>
               <a:ext uri="{91240B29-F687-4f45-9708-019B960494DF}">
-                <a14:hiddenLine xmlns="" xmlns:a14="http://schemas.microsoft.com/office/drawing/2010/main" w="9525">
+                <a14:hiddenLine xmlns:a14="http://schemas.microsoft.com/office/drawing/2010/main" xmlns="" w="9525">
                   <a:solidFill>
                     <a:srgbClr val="000000"/>
                   </a:solidFill>
@@ -1780,7 +1777,7 @@
             </a:ln>
             <a:extLst>
               <a:ext uri="{91240B29-F687-4f45-9708-019B960494DF}">
-                <a14:hiddenLine xmlns="" xmlns:a14="http://schemas.microsoft.com/office/drawing/2010/main" w="9525">
+                <a14:hiddenLine xmlns:a14="http://schemas.microsoft.com/office/drawing/2010/main" xmlns="" w="9525">
                   <a:solidFill>
                     <a:srgbClr val="000000"/>
                   </a:solidFill>
@@ -1870,7 +1867,7 @@
             </a:ln>
             <a:extLst>
               <a:ext uri="{91240B29-F687-4f45-9708-019B960494DF}">
-                <a14:hiddenLine xmlns="" xmlns:a14="http://schemas.microsoft.com/office/drawing/2010/main" w="9525">
+                <a14:hiddenLine xmlns:a14="http://schemas.microsoft.com/office/drawing/2010/main" xmlns="" w="9525">
                   <a:solidFill>
                     <a:srgbClr val="000000"/>
                   </a:solidFill>
@@ -1926,7 +1923,7 @@
             </a:ln>
             <a:extLst>
               <a:ext uri="{91240B29-F687-4f45-9708-019B960494DF}">
-                <a14:hiddenLine xmlns="" xmlns:a14="http://schemas.microsoft.com/office/drawing/2010/main" w="9525">
+                <a14:hiddenLine xmlns:a14="http://schemas.microsoft.com/office/drawing/2010/main" xmlns="" w="9525">
                   <a:solidFill>
                     <a:srgbClr val="000000"/>
                   </a:solidFill>
@@ -2016,7 +2013,7 @@
             </a:ln>
             <a:extLst>
               <a:ext uri="{91240B29-F687-4f45-9708-019B960494DF}">
-                <a14:hiddenLine xmlns="" xmlns:a14="http://schemas.microsoft.com/office/drawing/2010/main" w="9525">
+                <a14:hiddenLine xmlns:a14="http://schemas.microsoft.com/office/drawing/2010/main" xmlns="" w="9525">
                   <a:solidFill>
                     <a:srgbClr val="000000"/>
                   </a:solidFill>
@@ -2084,7 +2081,7 @@
             </a:ln>
             <a:extLst>
               <a:ext uri="{91240B29-F687-4f45-9708-019B960494DF}">
-                <a14:hiddenLine xmlns="" xmlns:a14="http://schemas.microsoft.com/office/drawing/2010/main" w="9525">
+                <a14:hiddenLine xmlns:a14="http://schemas.microsoft.com/office/drawing/2010/main" xmlns="" w="9525">
                   <a:solidFill>
                     <a:srgbClr val="000000"/>
                   </a:solidFill>
@@ -2174,7 +2171,7 @@
             </a:ln>
             <a:extLst>
               <a:ext uri="{91240B29-F687-4f45-9708-019B960494DF}">
-                <a14:hiddenLine xmlns="" xmlns:a14="http://schemas.microsoft.com/office/drawing/2010/main" w="9525">
+                <a14:hiddenLine xmlns:a14="http://schemas.microsoft.com/office/drawing/2010/main" xmlns="" w="9525">
                   <a:solidFill>
                     <a:srgbClr val="000000"/>
                   </a:solidFill>
@@ -2242,7 +2239,7 @@
             </a:ln>
             <a:extLst>
               <a:ext uri="{91240B29-F687-4f45-9708-019B960494DF}">
-                <a14:hiddenLine xmlns="" xmlns:a14="http://schemas.microsoft.com/office/drawing/2010/main" w="9525">
+                <a14:hiddenLine xmlns:a14="http://schemas.microsoft.com/office/drawing/2010/main" xmlns="" w="9525">
                   <a:solidFill>
                     <a:srgbClr val="000000"/>
                   </a:solidFill>
@@ -2332,7 +2329,7 @@
             </a:ln>
             <a:extLst>
               <a:ext uri="{91240B29-F687-4f45-9708-019B960494DF}">
-                <a14:hiddenLine xmlns="" xmlns:a14="http://schemas.microsoft.com/office/drawing/2010/main" w="9525">
+                <a14:hiddenLine xmlns:a14="http://schemas.microsoft.com/office/drawing/2010/main" xmlns="" w="9525">
                   <a:solidFill>
                     <a:srgbClr val="000000"/>
                   </a:solidFill>
@@ -2366,7 +2363,7 @@
             </a:ln>
             <a:extLst>
               <a:ext uri="{91240B29-F687-4f45-9708-019B960494DF}">
-                <a14:hiddenLine xmlns="" xmlns:a14="http://schemas.microsoft.com/office/drawing/2010/main" w="9525">
+                <a14:hiddenLine xmlns:a14="http://schemas.microsoft.com/office/drawing/2010/main" xmlns="" w="9525">
                   <a:solidFill>
                     <a:srgbClr val="000000"/>
                   </a:solidFill>
@@ -2456,7 +2453,7 @@
             </a:ln>
             <a:extLst>
               <a:ext uri="{91240B29-F687-4f45-9708-019B960494DF}">
-                <a14:hiddenLine xmlns="" xmlns:a14="http://schemas.microsoft.com/office/drawing/2010/main" w="9525">
+                <a14:hiddenLine xmlns:a14="http://schemas.microsoft.com/office/drawing/2010/main" xmlns="" w="9525">
                   <a:solidFill>
                     <a:srgbClr val="000000"/>
                   </a:solidFill>
@@ -2518,7 +2515,7 @@
             </a:ln>
             <a:extLst>
               <a:ext uri="{91240B29-F687-4f45-9708-019B960494DF}">
-                <a14:hiddenLine xmlns="" xmlns:a14="http://schemas.microsoft.com/office/drawing/2010/main" w="9525">
+                <a14:hiddenLine xmlns:a14="http://schemas.microsoft.com/office/drawing/2010/main" xmlns="" w="9525">
                   <a:solidFill>
                     <a:srgbClr val="000000"/>
                   </a:solidFill>
@@ -2580,7 +2577,7 @@
             </a:ln>
             <a:extLst>
               <a:ext uri="{91240B29-F687-4f45-9708-019B960494DF}">
-                <a14:hiddenLine xmlns="" xmlns:a14="http://schemas.microsoft.com/office/drawing/2010/main" w="9525">
+                <a14:hiddenLine xmlns:a14="http://schemas.microsoft.com/office/drawing/2010/main" xmlns="" w="9525">
                   <a:solidFill>
                     <a:srgbClr val="000000"/>
                   </a:solidFill>
@@ -2670,7 +2667,7 @@
             </a:ln>
             <a:extLst>
               <a:ext uri="{91240B29-F687-4f45-9708-019B960494DF}">
-                <a14:hiddenLine xmlns="" xmlns:a14="http://schemas.microsoft.com/office/drawing/2010/main" w="9525">
+                <a14:hiddenLine xmlns:a14="http://schemas.microsoft.com/office/drawing/2010/main" xmlns="" w="9525">
                   <a:solidFill>
                     <a:srgbClr val="000000"/>
                   </a:solidFill>
@@ -2738,7 +2735,7 @@
             </a:ln>
             <a:extLst>
               <a:ext uri="{91240B29-F687-4f45-9708-019B960494DF}">
-                <a14:hiddenLine xmlns="" xmlns:a14="http://schemas.microsoft.com/office/drawing/2010/main" w="9525">
+                <a14:hiddenLine xmlns:a14="http://schemas.microsoft.com/office/drawing/2010/main" xmlns="" w="9525">
                   <a:solidFill>
                     <a:srgbClr val="000000"/>
                   </a:solidFill>
@@ -2800,7 +2797,7 @@
             </a:ln>
             <a:extLst>
               <a:ext uri="{91240B29-F687-4f45-9708-019B960494DF}">
-                <a14:hiddenLine xmlns="" xmlns:a14="http://schemas.microsoft.com/office/drawing/2010/main" w="9525">
+                <a14:hiddenLine xmlns:a14="http://schemas.microsoft.com/office/drawing/2010/main" xmlns="" w="9525">
                   <a:solidFill>
                     <a:srgbClr val="000000"/>
                   </a:solidFill>
@@ -2890,7 +2887,7 @@
             </a:ln>
             <a:extLst>
               <a:ext uri="{91240B29-F687-4f45-9708-019B960494DF}">
-                <a14:hiddenLine xmlns="" xmlns:a14="http://schemas.microsoft.com/office/drawing/2010/main" w="9525">
+                <a14:hiddenLine xmlns:a14="http://schemas.microsoft.com/office/drawing/2010/main" xmlns="" w="9525">
                   <a:solidFill>
                     <a:srgbClr val="000000"/>
                   </a:solidFill>
@@ -2952,7 +2949,7 @@
             </a:ln>
             <a:extLst>
               <a:ext uri="{91240B29-F687-4f45-9708-019B960494DF}">
-                <a14:hiddenLine xmlns="" xmlns:a14="http://schemas.microsoft.com/office/drawing/2010/main" w="9525">
+                <a14:hiddenLine xmlns:a14="http://schemas.microsoft.com/office/drawing/2010/main" xmlns="" w="9525">
                   <a:solidFill>
                     <a:srgbClr val="000000"/>
                   </a:solidFill>
@@ -3042,7 +3039,7 @@
             </a:ln>
             <a:extLst>
               <a:ext uri="{91240B29-F687-4f45-9708-019B960494DF}">
-                <a14:hiddenLine xmlns="" xmlns:a14="http://schemas.microsoft.com/office/drawing/2010/main" w="9525">
+                <a14:hiddenLine xmlns:a14="http://schemas.microsoft.com/office/drawing/2010/main" xmlns="" w="9525">
                   <a:solidFill>
                     <a:srgbClr val="000000"/>
                   </a:solidFill>
@@ -3104,7 +3101,7 @@
             </a:ln>
             <a:extLst>
               <a:ext uri="{91240B29-F687-4f45-9708-019B960494DF}">
-                <a14:hiddenLine xmlns="" xmlns:a14="http://schemas.microsoft.com/office/drawing/2010/main" w="9525">
+                <a14:hiddenLine xmlns:a14="http://schemas.microsoft.com/office/drawing/2010/main" xmlns="" w="9525">
                   <a:solidFill>
                     <a:srgbClr val="000000"/>
                   </a:solidFill>
@@ -3194,7 +3191,7 @@
             </a:ln>
             <a:extLst>
               <a:ext uri="{91240B29-F687-4f45-9708-019B960494DF}">
-                <a14:hiddenLine xmlns="" xmlns:a14="http://schemas.microsoft.com/office/drawing/2010/main" w="9525">
+                <a14:hiddenLine xmlns:a14="http://schemas.microsoft.com/office/drawing/2010/main" xmlns="" w="9525">
                   <a:solidFill>
                     <a:srgbClr val="000000"/>
                   </a:solidFill>
@@ -3228,7 +3225,7 @@
             </a:ln>
             <a:extLst>
               <a:ext uri="{91240B29-F687-4f45-9708-019B960494DF}">
-                <a14:hiddenLine xmlns="" xmlns:a14="http://schemas.microsoft.com/office/drawing/2010/main" w="9525">
+                <a14:hiddenLine xmlns:a14="http://schemas.microsoft.com/office/drawing/2010/main" xmlns="" w="9525">
                   <a:solidFill>
                     <a:srgbClr val="000000"/>
                   </a:solidFill>
@@ -3293,7 +3290,7 @@
             </a:ln>
             <a:extLst>
               <a:ext uri="{91240B29-F687-4f45-9708-019B960494DF}">
-                <a14:hiddenLine xmlns="" xmlns:a14="http://schemas.microsoft.com/office/drawing/2010/main" w="9525">
+                <a14:hiddenLine xmlns:a14="http://schemas.microsoft.com/office/drawing/2010/main" xmlns="" w="9525">
                   <a:solidFill>
                     <a:srgbClr val="000000"/>
                   </a:solidFill>
@@ -3383,7 +3380,7 @@
             </a:ln>
             <a:extLst>
               <a:ext uri="{91240B29-F687-4f45-9708-019B960494DF}">
-                <a14:hiddenLine xmlns="" xmlns:a14="http://schemas.microsoft.com/office/drawing/2010/main" w="9525">
+                <a14:hiddenLine xmlns:a14="http://schemas.microsoft.com/office/drawing/2010/main" xmlns="" w="9525">
                   <a:solidFill>
                     <a:srgbClr val="000000"/>
                   </a:solidFill>
@@ -3445,7 +3442,7 @@
             </a:ln>
             <a:extLst>
               <a:ext uri="{91240B29-F687-4f45-9708-019B960494DF}">
-                <a14:hiddenLine xmlns="" xmlns:a14="http://schemas.microsoft.com/office/drawing/2010/main" w="9525">
+                <a14:hiddenLine xmlns:a14="http://schemas.microsoft.com/office/drawing/2010/main" xmlns="" w="9525">
                   <a:solidFill>
                     <a:srgbClr val="000000"/>
                   </a:solidFill>
@@ -3535,7 +3532,7 @@
             </a:ln>
             <a:extLst>
               <a:ext uri="{91240B29-F687-4f45-9708-019B960494DF}">
-                <a14:hiddenLine xmlns="" xmlns:a14="http://schemas.microsoft.com/office/drawing/2010/main" w="9525">
+                <a14:hiddenLine xmlns:a14="http://schemas.microsoft.com/office/drawing/2010/main" xmlns="" w="9525">
                   <a:solidFill>
                     <a:srgbClr val="000000"/>
                   </a:solidFill>
@@ -3625,7 +3622,7 @@
             </a:ln>
             <a:extLst>
               <a:ext uri="{91240B29-F687-4f45-9708-019B960494DF}">
-                <a14:hiddenLine xmlns="" xmlns:a14="http://schemas.microsoft.com/office/drawing/2010/main" w="9525">
+                <a14:hiddenLine xmlns:a14="http://schemas.microsoft.com/office/drawing/2010/main" xmlns="" w="9525">
                   <a:solidFill>
                     <a:srgbClr val="000000"/>
                   </a:solidFill>
@@ -3690,7 +3687,7 @@
             </a:ln>
             <a:extLst>
               <a:ext uri="{91240B29-F687-4f45-9708-019B960494DF}">
-                <a14:hiddenLine xmlns="" xmlns:a14="http://schemas.microsoft.com/office/drawing/2010/main" w="9525">
+                <a14:hiddenLine xmlns:a14="http://schemas.microsoft.com/office/drawing/2010/main" xmlns="" w="9525">
                   <a:solidFill>
                     <a:srgbClr val="000000"/>
                   </a:solidFill>
@@ -3752,7 +3749,7 @@
             </a:ln>
             <a:extLst>
               <a:ext uri="{91240B29-F687-4f45-9708-019B960494DF}">
-                <a14:hiddenLine xmlns="" xmlns:a14="http://schemas.microsoft.com/office/drawing/2010/main" w="9525">
+                <a14:hiddenLine xmlns:a14="http://schemas.microsoft.com/office/drawing/2010/main" xmlns="" w="9525">
                   <a:solidFill>
                     <a:srgbClr val="000000"/>
                   </a:solidFill>
@@ -3842,7 +3839,7 @@
             </a:ln>
             <a:extLst>
               <a:ext uri="{91240B29-F687-4f45-9708-019B960494DF}">
-                <a14:hiddenLine xmlns="" xmlns:a14="http://schemas.microsoft.com/office/drawing/2010/main" w="9525">
+                <a14:hiddenLine xmlns:a14="http://schemas.microsoft.com/office/drawing/2010/main" xmlns="" w="9525">
                   <a:solidFill>
                     <a:srgbClr val="000000"/>
                   </a:solidFill>
@@ -3932,7 +3929,7 @@
             </a:ln>
             <a:extLst>
               <a:ext uri="{91240B29-F687-4f45-9708-019B960494DF}">
-                <a14:hiddenLine xmlns="" xmlns:a14="http://schemas.microsoft.com/office/drawing/2010/main" w="9525">
+                <a14:hiddenLine xmlns:a14="http://schemas.microsoft.com/office/drawing/2010/main" xmlns="" w="9525">
                   <a:solidFill>
                     <a:srgbClr val="000000"/>
                   </a:solidFill>
@@ -3994,7 +3991,7 @@
             </a:ln>
             <a:extLst>
               <a:ext uri="{91240B29-F687-4f45-9708-019B960494DF}">
-                <a14:hiddenLine xmlns="" xmlns:a14="http://schemas.microsoft.com/office/drawing/2010/main" w="9525">
+                <a14:hiddenLine xmlns:a14="http://schemas.microsoft.com/office/drawing/2010/main" xmlns="" w="9525">
                   <a:solidFill>
                     <a:srgbClr val="000000"/>
                   </a:solidFill>
@@ -4114,7 +4111,7 @@
             </a:ln>
             <a:extLst>
               <a:ext uri="{91240B29-F687-4f45-9708-019B960494DF}">
-                <a14:hiddenLine xmlns="" xmlns:a14="http://schemas.microsoft.com/office/drawing/2010/main" w="9525">
+                <a14:hiddenLine xmlns:a14="http://schemas.microsoft.com/office/drawing/2010/main" xmlns="" w="9525">
                   <a:solidFill>
                     <a:srgbClr val="000000"/>
                   </a:solidFill>
@@ -4182,7 +4179,7 @@
             </a:ln>
             <a:extLst>
               <a:ext uri="{91240B29-F687-4f45-9708-019B960494DF}">
-                <a14:hiddenLine xmlns="" xmlns:a14="http://schemas.microsoft.com/office/drawing/2010/main" w="9525">
+                <a14:hiddenLine xmlns:a14="http://schemas.microsoft.com/office/drawing/2010/main" xmlns="" w="9525">
                   <a:solidFill>
                     <a:srgbClr val="000000"/>
                   </a:solidFill>
@@ -4272,7 +4269,7 @@
             </a:ln>
             <a:extLst>
               <a:ext uri="{91240B29-F687-4f45-9708-019B960494DF}">
-                <a14:hiddenLine xmlns="" xmlns:a14="http://schemas.microsoft.com/office/drawing/2010/main" w="9525">
+                <a14:hiddenLine xmlns:a14="http://schemas.microsoft.com/office/drawing/2010/main" xmlns="" w="9525">
                   <a:solidFill>
                     <a:srgbClr val="000000"/>
                   </a:solidFill>
@@ -4413,7 +4410,7 @@
             <a:fld id="{B61BEF0D-F0BB-DE4B-95CE-6DB70DBA9567}" type="datetimeFigureOut">
               <a:rPr lang="en-US" smtClean="0"/>
               <a:pPr/>
-              <a:t>4/19/2013</a:t>
+              <a:t>4/22/2013</a:t>
             </a:fld>
             <a:endParaRPr lang="en-US" dirty="0"/>
           </a:p>
@@ -4682,7 +4679,7 @@
             <a:fld id="{B61BEF0D-F0BB-DE4B-95CE-6DB70DBA9567}" type="datetimeFigureOut">
               <a:rPr lang="en-US" smtClean="0"/>
               <a:pPr/>
-              <a:t>4/19/2013</a:t>
+              <a:t>4/22/2013</a:t>
             </a:fld>
             <a:endParaRPr lang="en-US" dirty="0"/>
           </a:p>
@@ -4880,7 +4877,7 @@
             <a:fld id="{B61BEF0D-F0BB-DE4B-95CE-6DB70DBA9567}" type="datetimeFigureOut">
               <a:rPr lang="en-US" smtClean="0"/>
               <a:pPr/>
-              <a:t>4/19/2013</a:t>
+              <a:t>4/22/2013</a:t>
             </a:fld>
             <a:endParaRPr lang="en-US" dirty="0"/>
           </a:p>
@@ -5145,7 +5142,7 @@
             <a:fld id="{B61BEF0D-F0BB-DE4B-95CE-6DB70DBA9567}" type="datetimeFigureOut">
               <a:rPr lang="en-US" smtClean="0"/>
               <a:pPr/>
-              <a:t>4/19/2013</a:t>
+              <a:t>4/22/2013</a:t>
             </a:fld>
             <a:endParaRPr lang="en-US" dirty="0"/>
           </a:p>
@@ -5581,7 +5578,7 @@
             <a:fld id="{B61BEF0D-F0BB-DE4B-95CE-6DB70DBA9567}" type="datetimeFigureOut">
               <a:rPr lang="en-US" smtClean="0"/>
               <a:pPr/>
-              <a:t>4/19/2013</a:t>
+              <a:t>4/22/2013</a:t>
             </a:fld>
             <a:endParaRPr lang="en-US" dirty="0"/>
           </a:p>
@@ -6129,7 +6126,7 @@
             <a:fld id="{B61BEF0D-F0BB-DE4B-95CE-6DB70DBA9567}" type="datetimeFigureOut">
               <a:rPr lang="en-US" smtClean="0"/>
               <a:pPr/>
-              <a:t>4/19/2013</a:t>
+              <a:t>4/22/2013</a:t>
             </a:fld>
             <a:endParaRPr lang="en-US" dirty="0"/>
           </a:p>
@@ -6851,7 +6848,7 @@
             <a:fld id="{B61BEF0D-F0BB-DE4B-95CE-6DB70DBA9567}" type="datetimeFigureOut">
               <a:rPr lang="en-US" smtClean="0"/>
               <a:pPr/>
-              <a:t>4/19/2013</a:t>
+              <a:t>4/22/2013</a:t>
             </a:fld>
             <a:endParaRPr lang="en-US" dirty="0"/>
           </a:p>
@@ -7023,7 +7020,7 @@
             <a:fld id="{B61BEF0D-F0BB-DE4B-95CE-6DB70DBA9567}" type="datetimeFigureOut">
               <a:rPr lang="en-US" smtClean="0"/>
               <a:pPr/>
-              <a:t>4/19/2013</a:t>
+              <a:t>4/22/2013</a:t>
             </a:fld>
             <a:endParaRPr lang="en-US" dirty="0"/>
           </a:p>
@@ -7205,7 +7202,7 @@
             <a:fld id="{B61BEF0D-F0BB-DE4B-95CE-6DB70DBA9567}" type="datetimeFigureOut">
               <a:rPr lang="en-US" smtClean="0"/>
               <a:pPr/>
-              <a:t>4/19/2013</a:t>
+              <a:t>4/22/2013</a:t>
             </a:fld>
             <a:endParaRPr lang="en-US" dirty="0"/>
           </a:p>
@@ -7377,7 +7374,7 @@
             <a:fld id="{B61BEF0D-F0BB-DE4B-95CE-6DB70DBA9567}" type="datetimeFigureOut">
               <a:rPr lang="en-US" smtClean="0"/>
               <a:pPr/>
-              <a:t>4/19/2013</a:t>
+              <a:t>4/22/2013</a:t>
             </a:fld>
             <a:endParaRPr lang="en-US" dirty="0"/>
           </a:p>
@@ -7629,7 +7626,7 @@
             <a:fld id="{B61BEF0D-F0BB-DE4B-95CE-6DB70DBA9567}" type="datetimeFigureOut">
               <a:rPr lang="en-US" smtClean="0"/>
               <a:pPr/>
-              <a:t>4/19/2013</a:t>
+              <a:t>4/22/2013</a:t>
             </a:fld>
             <a:endParaRPr lang="en-US" dirty="0"/>
           </a:p>
@@ -7863,7 +7860,7 @@
             <a:fld id="{B61BEF0D-F0BB-DE4B-95CE-6DB70DBA9567}" type="datetimeFigureOut">
               <a:rPr lang="en-US" smtClean="0"/>
               <a:pPr/>
-              <a:t>4/19/2013</a:t>
+              <a:t>4/22/2013</a:t>
             </a:fld>
             <a:endParaRPr lang="en-US" dirty="0"/>
           </a:p>
@@ -8246,7 +8243,7 @@
             <a:fld id="{B61BEF0D-F0BB-DE4B-95CE-6DB70DBA9567}" type="datetimeFigureOut">
               <a:rPr lang="en-US" smtClean="0"/>
               <a:pPr/>
-              <a:t>4/19/2013</a:t>
+              <a:t>4/22/2013</a:t>
             </a:fld>
             <a:endParaRPr lang="en-US" dirty="0"/>
           </a:p>
@@ -8366,7 +8363,7 @@
             <a:fld id="{B61BEF0D-F0BB-DE4B-95CE-6DB70DBA9567}" type="datetimeFigureOut">
               <a:rPr lang="en-US" smtClean="0"/>
               <a:pPr/>
-              <a:t>4/19/2013</a:t>
+              <a:t>4/22/2013</a:t>
             </a:fld>
             <a:endParaRPr lang="en-US" dirty="0"/>
           </a:p>
@@ -8463,7 +8460,7 @@
             <a:fld id="{B61BEF0D-F0BB-DE4B-95CE-6DB70DBA9567}" type="datetimeFigureOut">
               <a:rPr lang="en-US" smtClean="0"/>
               <a:pPr/>
-              <a:t>4/19/2013</a:t>
+              <a:t>4/22/2013</a:t>
             </a:fld>
             <a:endParaRPr lang="en-US" dirty="0"/>
           </a:p>
@@ -8714,7 +8711,7 @@
             <a:fld id="{B61BEF0D-F0BB-DE4B-95CE-6DB70DBA9567}" type="datetimeFigureOut">
               <a:rPr lang="en-US" smtClean="0"/>
               <a:pPr/>
-              <a:t>4/19/2013</a:t>
+              <a:t>4/22/2013</a:t>
             </a:fld>
             <a:endParaRPr lang="en-US" dirty="0"/>
           </a:p>
@@ -8996,7 +8993,7 @@
             <a:fld id="{B61BEF0D-F0BB-DE4B-95CE-6DB70DBA9567}" type="datetimeFigureOut">
               <a:rPr lang="en-US" smtClean="0"/>
               <a:pPr/>
-              <a:t>4/19/2013</a:t>
+              <a:t>4/22/2013</a:t>
             </a:fld>
             <a:endParaRPr lang="en-US" dirty="0"/>
           </a:p>
@@ -9113,7 +9110,7 @@
           <a:noFill/>
           <a:extLst>
             <a:ext uri="{909E8E84-426E-40dd-AFC4-6F175D3DCCD1}">
-              <a14:hiddenFill xmlns="" xmlns:a14="http://schemas.microsoft.com/office/drawing/2010/main">
+              <a14:hiddenFill xmlns:a14="http://schemas.microsoft.com/office/drawing/2010/main" xmlns="">
                 <a:solidFill>
                   <a:srgbClr val="FFFFFF"/>
                 </a:solidFill>
@@ -9187,7 +9184,7 @@
               </a:ln>
               <a:extLst>
                 <a:ext uri="{91240B29-F687-4f45-9708-019B960494DF}">
-                  <a14:hiddenLine xmlns="" xmlns:a14="http://schemas.microsoft.com/office/drawing/2010/main" w="9525">
+                  <a14:hiddenLine xmlns:a14="http://schemas.microsoft.com/office/drawing/2010/main" xmlns="" w="9525">
                     <a:solidFill>
                       <a:srgbClr val="000000"/>
                     </a:solidFill>
@@ -9277,7 +9274,7 @@
               </a:ln>
               <a:extLst>
                 <a:ext uri="{91240B29-F687-4f45-9708-019B960494DF}">
-                  <a14:hiddenLine xmlns="" xmlns:a14="http://schemas.microsoft.com/office/drawing/2010/main" w="9525">
+                  <a14:hiddenLine xmlns:a14="http://schemas.microsoft.com/office/drawing/2010/main" xmlns="" w="9525">
                     <a:solidFill>
                       <a:srgbClr val="000000"/>
                     </a:solidFill>
@@ -9367,7 +9364,7 @@
               </a:ln>
               <a:extLst>
                 <a:ext uri="{91240B29-F687-4f45-9708-019B960494DF}">
-                  <a14:hiddenLine xmlns="" xmlns:a14="http://schemas.microsoft.com/office/drawing/2010/main" w="9525">
+                  <a14:hiddenLine xmlns:a14="http://schemas.microsoft.com/office/drawing/2010/main" xmlns="" w="9525">
                     <a:solidFill>
                       <a:srgbClr val="000000"/>
                     </a:solidFill>
@@ -9429,7 +9426,7 @@
               </a:ln>
               <a:extLst>
                 <a:ext uri="{91240B29-F687-4f45-9708-019B960494DF}">
-                  <a14:hiddenLine xmlns="" xmlns:a14="http://schemas.microsoft.com/office/drawing/2010/main" w="9525">
+                  <a14:hiddenLine xmlns:a14="http://schemas.microsoft.com/office/drawing/2010/main" xmlns="" w="9525">
                     <a:solidFill>
                       <a:srgbClr val="000000"/>
                     </a:solidFill>
@@ -9519,7 +9516,7 @@
               </a:ln>
               <a:extLst>
                 <a:ext uri="{91240B29-F687-4f45-9708-019B960494DF}">
-                  <a14:hiddenLine xmlns="" xmlns:a14="http://schemas.microsoft.com/office/drawing/2010/main" w="9525">
+                  <a14:hiddenLine xmlns:a14="http://schemas.microsoft.com/office/drawing/2010/main" xmlns="" w="9525">
                     <a:solidFill>
                       <a:srgbClr val="000000"/>
                     </a:solidFill>
@@ -9581,7 +9578,7 @@
               </a:ln>
               <a:extLst>
                 <a:ext uri="{91240B29-F687-4f45-9708-019B960494DF}">
-                  <a14:hiddenLine xmlns="" xmlns:a14="http://schemas.microsoft.com/office/drawing/2010/main" w="9525">
+                  <a14:hiddenLine xmlns:a14="http://schemas.microsoft.com/office/drawing/2010/main" xmlns="" w="9525">
                     <a:solidFill>
                       <a:srgbClr val="000000"/>
                     </a:solidFill>
@@ -9643,7 +9640,7 @@
               </a:ln>
               <a:extLst>
                 <a:ext uri="{91240B29-F687-4f45-9708-019B960494DF}">
-                  <a14:hiddenLine xmlns="" xmlns:a14="http://schemas.microsoft.com/office/drawing/2010/main" w="9525">
+                  <a14:hiddenLine xmlns:a14="http://schemas.microsoft.com/office/drawing/2010/main" xmlns="" w="9525">
                     <a:solidFill>
                       <a:srgbClr val="000000"/>
                     </a:solidFill>
@@ -9733,7 +9730,7 @@
               </a:ln>
               <a:extLst>
                 <a:ext uri="{91240B29-F687-4f45-9708-019B960494DF}">
-                  <a14:hiddenLine xmlns="" xmlns:a14="http://schemas.microsoft.com/office/drawing/2010/main" w="9525">
+                  <a14:hiddenLine xmlns:a14="http://schemas.microsoft.com/office/drawing/2010/main" xmlns="" w="9525">
                     <a:solidFill>
                       <a:srgbClr val="000000"/>
                     </a:solidFill>
@@ -9823,7 +9820,7 @@
               </a:ln>
               <a:extLst>
                 <a:ext uri="{91240B29-F687-4f45-9708-019B960494DF}">
-                  <a14:hiddenLine xmlns="" xmlns:a14="http://schemas.microsoft.com/office/drawing/2010/main" w="9525">
+                  <a14:hiddenLine xmlns:a14="http://schemas.microsoft.com/office/drawing/2010/main" xmlns="" w="9525">
                     <a:solidFill>
                       <a:srgbClr val="000000"/>
                     </a:solidFill>
@@ -9885,7 +9882,7 @@
               </a:ln>
               <a:extLst>
                 <a:ext uri="{91240B29-F687-4f45-9708-019B960494DF}">
-                  <a14:hiddenLine xmlns="" xmlns:a14="http://schemas.microsoft.com/office/drawing/2010/main" w="9525">
+                  <a14:hiddenLine xmlns:a14="http://schemas.microsoft.com/office/drawing/2010/main" xmlns="" w="9525">
                     <a:solidFill>
                       <a:srgbClr val="000000"/>
                     </a:solidFill>
@@ -9995,7 +9992,7 @@
               </a:ln>
               <a:extLst>
                 <a:ext uri="{91240B29-F687-4f45-9708-019B960494DF}">
-                  <a14:hiddenLine xmlns="" xmlns:a14="http://schemas.microsoft.com/office/drawing/2010/main" w="9525">
+                  <a14:hiddenLine xmlns:a14="http://schemas.microsoft.com/office/drawing/2010/main" xmlns="" w="9525">
                     <a:solidFill>
                       <a:srgbClr val="000000"/>
                     </a:solidFill>
@@ -10079,7 +10076,7 @@
               </a:ln>
               <a:extLst>
                 <a:ext uri="{91240B29-F687-4f45-9708-019B960494DF}">
-                  <a14:hiddenLine xmlns="" xmlns:a14="http://schemas.microsoft.com/office/drawing/2010/main" w="9525">
+                  <a14:hiddenLine xmlns:a14="http://schemas.microsoft.com/office/drawing/2010/main" xmlns="" w="9525">
                     <a:solidFill>
                       <a:srgbClr val="000000"/>
                     </a:solidFill>
@@ -10141,7 +10138,7 @@
               </a:ln>
               <a:extLst>
                 <a:ext uri="{91240B29-F687-4f45-9708-019B960494DF}">
-                  <a14:hiddenLine xmlns="" xmlns:a14="http://schemas.microsoft.com/office/drawing/2010/main" w="9525">
+                  <a14:hiddenLine xmlns:a14="http://schemas.microsoft.com/office/drawing/2010/main" xmlns="" w="9525">
                     <a:solidFill>
                       <a:srgbClr val="000000"/>
                     </a:solidFill>
@@ -10203,7 +10200,7 @@
               </a:ln>
               <a:extLst>
                 <a:ext uri="{91240B29-F687-4f45-9708-019B960494DF}">
-                  <a14:hiddenLine xmlns="" xmlns:a14="http://schemas.microsoft.com/office/drawing/2010/main" w="9525">
+                  <a14:hiddenLine xmlns:a14="http://schemas.microsoft.com/office/drawing/2010/main" xmlns="" w="9525">
                     <a:solidFill>
                       <a:srgbClr val="000000"/>
                     </a:solidFill>
@@ -10293,7 +10290,7 @@
               </a:ln>
               <a:extLst>
                 <a:ext uri="{91240B29-F687-4f45-9708-019B960494DF}">
-                  <a14:hiddenLine xmlns="" xmlns:a14="http://schemas.microsoft.com/office/drawing/2010/main" w="9525">
+                  <a14:hiddenLine xmlns:a14="http://schemas.microsoft.com/office/drawing/2010/main" xmlns="" w="9525">
                     <a:solidFill>
                       <a:srgbClr val="000000"/>
                     </a:solidFill>
@@ -10327,7 +10324,7 @@
               </a:ln>
               <a:extLst>
                 <a:ext uri="{91240B29-F687-4f45-9708-019B960494DF}">
-                  <a14:hiddenLine xmlns="" xmlns:a14="http://schemas.microsoft.com/office/drawing/2010/main" w="9525">
+                  <a14:hiddenLine xmlns:a14="http://schemas.microsoft.com/office/drawing/2010/main" xmlns="" w="9525">
                     <a:solidFill>
                       <a:srgbClr val="000000"/>
                     </a:solidFill>
@@ -10392,7 +10389,7 @@
               </a:ln>
               <a:extLst>
                 <a:ext uri="{91240B29-F687-4f45-9708-019B960494DF}">
-                  <a14:hiddenLine xmlns="" xmlns:a14="http://schemas.microsoft.com/office/drawing/2010/main" w="9525">
+                  <a14:hiddenLine xmlns:a14="http://schemas.microsoft.com/office/drawing/2010/main" xmlns="" w="9525">
                     <a:solidFill>
                       <a:srgbClr val="000000"/>
                     </a:solidFill>
@@ -10482,7 +10479,7 @@
               </a:ln>
               <a:extLst>
                 <a:ext uri="{91240B29-F687-4f45-9708-019B960494DF}">
-                  <a14:hiddenLine xmlns="" xmlns:a14="http://schemas.microsoft.com/office/drawing/2010/main" w="9525">
+                  <a14:hiddenLine xmlns:a14="http://schemas.microsoft.com/office/drawing/2010/main" xmlns="" w="9525">
                     <a:solidFill>
                       <a:srgbClr val="000000"/>
                     </a:solidFill>
@@ -10544,7 +10541,7 @@
               </a:ln>
               <a:extLst>
                 <a:ext uri="{91240B29-F687-4f45-9708-019B960494DF}">
-                  <a14:hiddenLine xmlns="" xmlns:a14="http://schemas.microsoft.com/office/drawing/2010/main" w="9525">
+                  <a14:hiddenLine xmlns:a14="http://schemas.microsoft.com/office/drawing/2010/main" xmlns="" w="9525">
                     <a:solidFill>
                       <a:srgbClr val="000000"/>
                     </a:solidFill>
@@ -10634,7 +10631,7 @@
               </a:ln>
               <a:extLst>
                 <a:ext uri="{91240B29-F687-4f45-9708-019B960494DF}">
-                  <a14:hiddenLine xmlns="" xmlns:a14="http://schemas.microsoft.com/office/drawing/2010/main" w="9525">
+                  <a14:hiddenLine xmlns:a14="http://schemas.microsoft.com/office/drawing/2010/main" xmlns="" w="9525">
                     <a:solidFill>
                       <a:srgbClr val="000000"/>
                     </a:solidFill>
@@ -10699,7 +10696,7 @@
               </a:ln>
               <a:extLst>
                 <a:ext uri="{91240B29-F687-4f45-9708-019B960494DF}">
-                  <a14:hiddenLine xmlns="" xmlns:a14="http://schemas.microsoft.com/office/drawing/2010/main" w="9525">
+                  <a14:hiddenLine xmlns:a14="http://schemas.microsoft.com/office/drawing/2010/main" xmlns="" w="9525">
                     <a:solidFill>
                       <a:srgbClr val="000000"/>
                     </a:solidFill>
@@ -10761,7 +10758,7 @@
               </a:ln>
               <a:extLst>
                 <a:ext uri="{91240B29-F687-4f45-9708-019B960494DF}">
-                  <a14:hiddenLine xmlns="" xmlns:a14="http://schemas.microsoft.com/office/drawing/2010/main" w="9525">
+                  <a14:hiddenLine xmlns:a14="http://schemas.microsoft.com/office/drawing/2010/main" xmlns="" w="9525">
                     <a:solidFill>
                       <a:srgbClr val="000000"/>
                     </a:solidFill>
@@ -10851,7 +10848,7 @@
               </a:ln>
               <a:extLst>
                 <a:ext uri="{91240B29-F687-4f45-9708-019B960494DF}">
-                  <a14:hiddenLine xmlns="" xmlns:a14="http://schemas.microsoft.com/office/drawing/2010/main" w="9525">
+                  <a14:hiddenLine xmlns:a14="http://schemas.microsoft.com/office/drawing/2010/main" xmlns="" w="9525">
                     <a:solidFill>
                       <a:srgbClr val="000000"/>
                     </a:solidFill>
@@ -10941,7 +10938,7 @@
               </a:ln>
               <a:extLst>
                 <a:ext uri="{91240B29-F687-4f45-9708-019B960494DF}">
-                  <a14:hiddenLine xmlns="" xmlns:a14="http://schemas.microsoft.com/office/drawing/2010/main" w="9525">
+                  <a14:hiddenLine xmlns:a14="http://schemas.microsoft.com/office/drawing/2010/main" xmlns="" w="9525">
                     <a:solidFill>
                       <a:srgbClr val="000000"/>
                     </a:solidFill>
@@ -11006,7 +11003,7 @@
               </a:ln>
               <a:extLst>
                 <a:ext uri="{91240B29-F687-4f45-9708-019B960494DF}">
-                  <a14:hiddenLine xmlns="" xmlns:a14="http://schemas.microsoft.com/office/drawing/2010/main" w="9525">
+                  <a14:hiddenLine xmlns:a14="http://schemas.microsoft.com/office/drawing/2010/main" xmlns="" w="9525">
                     <a:solidFill>
                       <a:srgbClr val="000000"/>
                     </a:solidFill>
@@ -11126,7 +11123,7 @@
               </a:ln>
               <a:extLst>
                 <a:ext uri="{91240B29-F687-4f45-9708-019B960494DF}">
-                  <a14:hiddenLine xmlns="" xmlns:a14="http://schemas.microsoft.com/office/drawing/2010/main" w="9525">
+                  <a14:hiddenLine xmlns:a14="http://schemas.microsoft.com/office/drawing/2010/main" xmlns="" w="9525">
                     <a:solidFill>
                       <a:srgbClr val="000000"/>
                     </a:solidFill>
@@ -11224,7 +11221,7 @@
               </a:ln>
               <a:extLst>
                 <a:ext uri="{91240B29-F687-4f45-9708-019B960494DF}">
-                  <a14:hiddenLine xmlns="" xmlns:a14="http://schemas.microsoft.com/office/drawing/2010/main" w="9525">
+                  <a14:hiddenLine xmlns:a14="http://schemas.microsoft.com/office/drawing/2010/main" xmlns="" w="9525">
                     <a:solidFill>
                       <a:srgbClr val="000000"/>
                     </a:solidFill>
@@ -11339,7 +11336,7 @@
               </a:ln>
               <a:extLst>
                 <a:ext uri="{91240B29-F687-4f45-9708-019B960494DF}">
-                  <a14:hiddenLine xmlns="" xmlns:a14="http://schemas.microsoft.com/office/drawing/2010/main" w="9525">
+                  <a14:hiddenLine xmlns:a14="http://schemas.microsoft.com/office/drawing/2010/main" xmlns="" w="9525">
                     <a:solidFill>
                       <a:srgbClr val="000000"/>
                     </a:solidFill>
@@ -11429,7 +11426,7 @@
               </a:ln>
               <a:extLst>
                 <a:ext uri="{91240B29-F687-4f45-9708-019B960494DF}">
-                  <a14:hiddenLine xmlns="" xmlns:a14="http://schemas.microsoft.com/office/drawing/2010/main" w="9525">
+                  <a14:hiddenLine xmlns:a14="http://schemas.microsoft.com/office/drawing/2010/main" xmlns="" w="9525">
                     <a:solidFill>
                       <a:srgbClr val="000000"/>
                     </a:solidFill>
@@ -11494,7 +11491,7 @@
               </a:ln>
               <a:extLst>
                 <a:ext uri="{91240B29-F687-4f45-9708-019B960494DF}">
-                  <a14:hiddenLine xmlns="" xmlns:a14="http://schemas.microsoft.com/office/drawing/2010/main" w="9525">
+                  <a14:hiddenLine xmlns:a14="http://schemas.microsoft.com/office/drawing/2010/main" xmlns="" w="9525">
                     <a:solidFill>
                       <a:srgbClr val="000000"/>
                     </a:solidFill>
@@ -11584,7 +11581,7 @@
               </a:ln>
               <a:extLst>
                 <a:ext uri="{91240B29-F687-4f45-9708-019B960494DF}">
-                  <a14:hiddenLine xmlns="" xmlns:a14="http://schemas.microsoft.com/office/drawing/2010/main" w="9525">
+                  <a14:hiddenLine xmlns:a14="http://schemas.microsoft.com/office/drawing/2010/main" xmlns="" w="9525">
                     <a:solidFill>
                       <a:srgbClr val="000000"/>
                     </a:solidFill>
@@ -11652,7 +11649,7 @@
               </a:ln>
               <a:extLst>
                 <a:ext uri="{91240B29-F687-4f45-9708-019B960494DF}">
-                  <a14:hiddenLine xmlns="" xmlns:a14="http://schemas.microsoft.com/office/drawing/2010/main" w="9525">
+                  <a14:hiddenLine xmlns:a14="http://schemas.microsoft.com/office/drawing/2010/main" xmlns="" w="9525">
                     <a:solidFill>
                       <a:srgbClr val="000000"/>
                     </a:solidFill>
@@ -11742,7 +11739,7 @@
               </a:ln>
               <a:extLst>
                 <a:ext uri="{91240B29-F687-4f45-9708-019B960494DF}">
-                  <a14:hiddenLine xmlns="" xmlns:a14="http://schemas.microsoft.com/office/drawing/2010/main" w="9525">
+                  <a14:hiddenLine xmlns:a14="http://schemas.microsoft.com/office/drawing/2010/main" xmlns="" w="9525">
                     <a:solidFill>
                       <a:srgbClr val="000000"/>
                     </a:solidFill>
@@ -11810,7 +11807,7 @@
               </a:ln>
               <a:extLst>
                 <a:ext uri="{91240B29-F687-4f45-9708-019B960494DF}">
-                  <a14:hiddenLine xmlns="" xmlns:a14="http://schemas.microsoft.com/office/drawing/2010/main" w="9525">
+                  <a14:hiddenLine xmlns:a14="http://schemas.microsoft.com/office/drawing/2010/main" xmlns="" w="9525">
                     <a:solidFill>
                       <a:srgbClr val="000000"/>
                     </a:solidFill>
@@ -11900,7 +11897,7 @@
               </a:ln>
               <a:extLst>
                 <a:ext uri="{91240B29-F687-4f45-9708-019B960494DF}">
-                  <a14:hiddenLine xmlns="" xmlns:a14="http://schemas.microsoft.com/office/drawing/2010/main" w="9525">
+                  <a14:hiddenLine xmlns:a14="http://schemas.microsoft.com/office/drawing/2010/main" xmlns="" w="9525">
                     <a:solidFill>
                       <a:srgbClr val="000000"/>
                     </a:solidFill>
@@ -11934,7 +11931,7 @@
               </a:ln>
               <a:extLst>
                 <a:ext uri="{91240B29-F687-4f45-9708-019B960494DF}">
-                  <a14:hiddenLine xmlns="" xmlns:a14="http://schemas.microsoft.com/office/drawing/2010/main" w="9525">
+                  <a14:hiddenLine xmlns:a14="http://schemas.microsoft.com/office/drawing/2010/main" xmlns="" w="9525">
                     <a:solidFill>
                       <a:srgbClr val="000000"/>
                     </a:solidFill>
@@ -12075,7 +12072,7 @@
             <a:fld id="{B61BEF0D-F0BB-DE4B-95CE-6DB70DBA9567}" type="datetimeFigureOut">
               <a:rPr lang="en-US" smtClean="0"/>
               <a:pPr/>
-              <a:t>4/19/2013</a:t>
+              <a:t>4/22/2013</a:t>
             </a:fld>
             <a:endParaRPr lang="en-US" dirty="0"/>
           </a:p>
@@ -12605,832 +12602,6 @@
             <p:ph type="title"/>
           </p:nvPr>
         </p:nvSpPr>
-        <p:spPr/>
-        <p:txBody>
-          <a:bodyPr/>
-          <a:lstStyle/>
-          <a:p>
-            <a:r>
-              <a:rPr lang="en-US" dirty="0" smtClean="0"/>
-              <a:t>VIEW </a:t>
-            </a:r>
-            <a:endParaRPr lang="en-US" dirty="0"/>
-          </a:p>
-        </p:txBody>
-      </p:sp>
-      <p:sp>
-        <p:nvSpPr>
-          <p:cNvPr id="3" name="Content Placeholder 2"/>
-          <p:cNvSpPr>
-            <a:spLocks noGrp="1"/>
-          </p:cNvSpPr>
-          <p:nvPr>
-            <p:ph idx="1"/>
-          </p:nvPr>
-        </p:nvSpPr>
-        <p:spPr>
-          <a:xfrm>
-            <a:off x="1141413" y="3382131"/>
-            <a:ext cx="9905999" cy="2475744"/>
-          </a:xfrm>
-        </p:spPr>
-        <p:txBody>
-          <a:bodyPr>
-            <a:normAutofit fontScale="92500" lnSpcReduction="10000"/>
-          </a:bodyPr>
-          <a:lstStyle/>
-          <a:p>
-            <a:r>
-              <a:rPr lang="en-US" dirty="0" smtClean="0"/>
-              <a:t>Event source</a:t>
-            </a:r>
-          </a:p>
-          <a:p>
-            <a:r>
-              <a:rPr lang="en-US" dirty="0" smtClean="0"/>
-              <a:t>Data binding target (model is the </a:t>
-            </a:r>
-            <a:r>
-              <a:rPr lang="en-US" dirty="0" err="1" smtClean="0"/>
-              <a:t>DataContext</a:t>
-            </a:r>
-            <a:r>
-              <a:rPr lang="en-US" dirty="0" smtClean="0"/>
-              <a:t>)</a:t>
-            </a:r>
-          </a:p>
-          <a:p>
-            <a:r>
-              <a:rPr lang="en-US" dirty="0" smtClean="0"/>
-              <a:t>Both parametric (‘Events) and subtype (interface) polymorphism</a:t>
-            </a:r>
-            <a:endParaRPr lang="en-US" dirty="0" smtClean="0"/>
-          </a:p>
-          <a:p>
-            <a:r>
-              <a:rPr lang="en-US" dirty="0" smtClean="0"/>
-              <a:t>F# support for .NET events makes experience really smooth</a:t>
-            </a:r>
-          </a:p>
-          <a:p>
-            <a:r>
-              <a:rPr lang="en-US" dirty="0" smtClean="0"/>
-              <a:t>Capture state (callback) along with event </a:t>
-            </a:r>
-            <a:endParaRPr lang="en-US" dirty="0"/>
-          </a:p>
-        </p:txBody>
-      </p:sp>
-      <p:sp>
-        <p:nvSpPr>
-          <p:cNvPr id="7" name="Rectangle 6"/>
-          <p:cNvSpPr/>
-          <p:nvPr/>
-        </p:nvSpPr>
-        <p:spPr>
-          <a:xfrm>
-            <a:off x="1141413" y="1903561"/>
-            <a:ext cx="9905999" cy="1200329"/>
-          </a:xfrm>
-          <a:prstGeom prst="rect">
-            <a:avLst/>
-          </a:prstGeom>
-          <a:solidFill>
-            <a:schemeClr val="tx1"/>
-          </a:solidFill>
-        </p:spPr>
-        <p:txBody>
-          <a:bodyPr wrap="square">
-            <a:spAutoFit/>
-          </a:bodyPr>
-          <a:lstStyle/>
-          <a:p>
-            <a:r>
-              <a:rPr lang="en-US" dirty="0">
-                <a:solidFill>
-                  <a:srgbClr val="0000FF"/>
-                </a:solidFill>
-                <a:latin typeface="Consolas" panose="020B0609020204030204" pitchFamily="49" charset="0"/>
-              </a:rPr>
-              <a:t>type</a:t>
-            </a:r>
-            <a:r>
-              <a:rPr lang="en-US" dirty="0">
-                <a:solidFill>
-                  <a:prstClr val="black"/>
-                </a:solidFill>
-                <a:latin typeface="Consolas" panose="020B0609020204030204" pitchFamily="49" charset="0"/>
-              </a:rPr>
-              <a:t> IView&lt;'Events&gt; =</a:t>
-            </a:r>
-          </a:p>
-          <a:p>
-            <a:r>
-              <a:rPr lang="en-US" dirty="0">
-                <a:solidFill>
-                  <a:prstClr val="black"/>
-                </a:solidFill>
-                <a:latin typeface="Consolas" panose="020B0609020204030204" pitchFamily="49" charset="0"/>
-              </a:rPr>
-              <a:t>    </a:t>
-            </a:r>
-            <a:r>
-              <a:rPr lang="en-US" dirty="0">
-                <a:solidFill>
-                  <a:srgbClr val="0000FF"/>
-                </a:solidFill>
-                <a:latin typeface="Consolas" panose="020B0609020204030204" pitchFamily="49" charset="0"/>
-              </a:rPr>
-              <a:t>inherit</a:t>
-            </a:r>
-            <a:r>
-              <a:rPr lang="en-US" dirty="0">
-                <a:solidFill>
-                  <a:prstClr val="black"/>
-                </a:solidFill>
-                <a:latin typeface="Consolas" panose="020B0609020204030204" pitchFamily="49" charset="0"/>
-              </a:rPr>
-              <a:t> IObservable&lt;'Events&gt;</a:t>
-            </a:r>
-          </a:p>
-          <a:p>
-            <a:endParaRPr lang="en-US" dirty="0">
-              <a:solidFill>
-                <a:prstClr val="black"/>
-              </a:solidFill>
-              <a:latin typeface="Consolas" panose="020B0609020204030204" pitchFamily="49" charset="0"/>
-            </a:endParaRPr>
-          </a:p>
-          <a:p>
-            <a:r>
-              <a:rPr lang="en-US" dirty="0">
-                <a:solidFill>
-                  <a:prstClr val="black"/>
-                </a:solidFill>
-                <a:latin typeface="Consolas" panose="020B0609020204030204" pitchFamily="49" charset="0"/>
-              </a:rPr>
-              <a:t>    </a:t>
-            </a:r>
-            <a:r>
-              <a:rPr lang="en-US" dirty="0">
-                <a:solidFill>
-                  <a:srgbClr val="0000FF"/>
-                </a:solidFill>
-                <a:latin typeface="Consolas" panose="020B0609020204030204" pitchFamily="49" charset="0"/>
-              </a:rPr>
-              <a:t>abstract</a:t>
-            </a:r>
-            <a:r>
-              <a:rPr lang="en-US" dirty="0">
-                <a:solidFill>
-                  <a:prstClr val="black"/>
-                </a:solidFill>
-                <a:latin typeface="Consolas" panose="020B0609020204030204" pitchFamily="49" charset="0"/>
-              </a:rPr>
-              <a:t> SetBindings : obj </a:t>
-            </a:r>
-            <a:r>
-              <a:rPr lang="en-US" dirty="0">
-                <a:solidFill>
-                  <a:srgbClr val="0000FF"/>
-                </a:solidFill>
-                <a:latin typeface="Consolas" panose="020B0609020204030204" pitchFamily="49" charset="0"/>
-              </a:rPr>
-              <a:t>-&gt;</a:t>
-            </a:r>
-            <a:r>
-              <a:rPr lang="en-US" dirty="0">
-                <a:solidFill>
-                  <a:prstClr val="black"/>
-                </a:solidFill>
-                <a:latin typeface="Consolas" panose="020B0609020204030204" pitchFamily="49" charset="0"/>
-              </a:rPr>
-              <a:t> unit</a:t>
-            </a:r>
-          </a:p>
-        </p:txBody>
-      </p:sp>
-    </p:spTree>
-    <p:extLst>
-      <p:ext uri="{BB962C8B-B14F-4D97-AF65-F5344CB8AC3E}">
-        <p14:creationId xmlns:p14="http://schemas.microsoft.com/office/powerpoint/2010/main" val="3687811577"/>
-      </p:ext>
-    </p:extLst>
-  </p:cSld>
-  <p:clrMapOvr>
-    <a:masterClrMapping/>
-  </p:clrMapOvr>
-  <p:timing>
-    <p:tnLst>
-      <p:par>
-        <p:cTn id="1" dur="indefinite" restart="never" nodeType="tmRoot"/>
-      </p:par>
-    </p:tnLst>
-  </p:timing>
-</p:sld>
-</file>
-
-<file path=ppt/slides/slide11.xml><?xml version="1.0" encoding="utf-8"?>
-<p:sld xmlns:a="http://schemas.openxmlformats.org/drawingml/2006/main" xmlns:r="http://schemas.openxmlformats.org/officeDocument/2006/relationships" xmlns:p="http://schemas.openxmlformats.org/presentationml/2006/main">
-  <p:cSld>
-    <p:spTree>
-      <p:nvGrpSpPr>
-        <p:cNvPr id="1" name=""/>
-        <p:cNvGrpSpPr/>
-        <p:nvPr/>
-      </p:nvGrpSpPr>
-      <p:grpSpPr>
-        <a:xfrm>
-          <a:off x="0" y="0"/>
-          <a:ext cx="0" cy="0"/>
-          <a:chOff x="0" y="0"/>
-          <a:chExt cx="0" cy="0"/>
-        </a:xfrm>
-      </p:grpSpPr>
-      <p:sp>
-        <p:nvSpPr>
-          <p:cNvPr id="2" name="Title 1"/>
-          <p:cNvSpPr>
-            <a:spLocks noGrp="1"/>
-          </p:cNvSpPr>
-          <p:nvPr>
-            <p:ph type="title"/>
-          </p:nvPr>
-        </p:nvSpPr>
-        <p:spPr/>
-        <p:txBody>
-          <a:bodyPr/>
-          <a:lstStyle/>
-          <a:p>
-            <a:r>
-              <a:rPr lang="en-US" dirty="0" smtClean="0"/>
-              <a:t>Model – </a:t>
-            </a:r>
-            <a:r>
-              <a:rPr lang="en-US" cap="none" dirty="0" smtClean="0"/>
-              <a:t>subset of view state</a:t>
-            </a:r>
-            <a:endParaRPr lang="en-US" cap="none" dirty="0"/>
-          </a:p>
-        </p:txBody>
-      </p:sp>
-      <p:sp>
-        <p:nvSpPr>
-          <p:cNvPr id="3" name="Content Placeholder 2"/>
-          <p:cNvSpPr>
-            <a:spLocks noGrp="1"/>
-          </p:cNvSpPr>
-          <p:nvPr>
-            <p:ph idx="1"/>
-          </p:nvPr>
-        </p:nvSpPr>
-        <p:spPr/>
-        <p:txBody>
-          <a:bodyPr/>
-          <a:lstStyle/>
-          <a:p>
-            <a:endParaRPr lang="en-US" dirty="0"/>
-          </a:p>
-        </p:txBody>
-      </p:sp>
-      <p:sp>
-        <p:nvSpPr>
-          <p:cNvPr id="8" name="Rectangle 7"/>
-          <p:cNvSpPr/>
-          <p:nvPr/>
-        </p:nvSpPr>
-        <p:spPr>
-          <a:xfrm>
-            <a:off x="1958196" y="2820838"/>
-            <a:ext cx="3657600" cy="2743200"/>
-          </a:xfrm>
-          <a:prstGeom prst="rect">
-            <a:avLst/>
-          </a:prstGeom>
-        </p:spPr>
-        <p:style>
-          <a:lnRef idx="2">
-            <a:schemeClr val="accent1">
-              <a:shade val="50000"/>
-            </a:schemeClr>
-          </a:lnRef>
-          <a:fillRef idx="1">
-            <a:schemeClr val="accent1"/>
-          </a:fillRef>
-          <a:effectRef idx="0">
-            <a:schemeClr val="accent1"/>
-          </a:effectRef>
-          <a:fontRef idx="minor">
-            <a:schemeClr val="lt1"/>
-          </a:fontRef>
-        </p:style>
-        <p:txBody>
-          <a:bodyPr rtlCol="0" anchor="ctr"/>
-          <a:lstStyle/>
-          <a:p>
-            <a:pPr algn="ctr"/>
-            <a:r>
-              <a:rPr lang="en-US" dirty="0" smtClean="0"/>
-              <a:t>View</a:t>
-            </a:r>
-            <a:endParaRPr lang="en-US" dirty="0"/>
-          </a:p>
-        </p:txBody>
-      </p:sp>
-      <p:sp>
-        <p:nvSpPr>
-          <p:cNvPr id="10" name="Rectangle 9"/>
-          <p:cNvSpPr/>
-          <p:nvPr/>
-        </p:nvSpPr>
-        <p:spPr>
-          <a:xfrm>
-            <a:off x="6169338" y="2833661"/>
-            <a:ext cx="1441510" cy="1189831"/>
-          </a:xfrm>
-          <a:prstGeom prst="rect">
-            <a:avLst/>
-          </a:prstGeom>
-          <a:effectLst>
-            <a:glow>
-              <a:schemeClr val="accent1">
-                <a:alpha val="40000"/>
-              </a:schemeClr>
-            </a:glow>
-            <a:outerShdw blurRad="38100" dist="2540000" dir="8700000" algn="tr" rotWithShape="0">
-              <a:prstClr val="black">
-                <a:alpha val="40000"/>
-              </a:prstClr>
-            </a:outerShdw>
-          </a:effectLst>
-        </p:spPr>
-        <p:style>
-          <a:lnRef idx="2">
-            <a:schemeClr val="accent1">
-              <a:shade val="50000"/>
-            </a:schemeClr>
-          </a:lnRef>
-          <a:fillRef idx="1">
-            <a:schemeClr val="accent1"/>
-          </a:fillRef>
-          <a:effectRef idx="0">
-            <a:schemeClr val="accent1"/>
-          </a:effectRef>
-          <a:fontRef idx="minor">
-            <a:schemeClr val="lt1"/>
-          </a:fontRef>
-        </p:style>
-        <p:txBody>
-          <a:bodyPr rtlCol="0" anchor="ctr"/>
-          <a:lstStyle/>
-          <a:p>
-            <a:pPr algn="ctr"/>
-            <a:r>
-              <a:rPr lang="en-US" dirty="0" smtClean="0"/>
-              <a:t>Model</a:t>
-            </a:r>
-            <a:endParaRPr lang="en-US" dirty="0"/>
-          </a:p>
-        </p:txBody>
-      </p:sp>
-      <p:cxnSp>
-        <p:nvCxnSpPr>
-          <p:cNvPr id="25" name="Straight Arrow Connector 24"/>
-          <p:cNvCxnSpPr>
-            <a:stCxn id="10" idx="2"/>
-          </p:cNvCxnSpPr>
-          <p:nvPr/>
-        </p:nvCxnSpPr>
-        <p:spPr>
-          <a:xfrm rot="5400000">
-            <a:off x="5742543" y="3786400"/>
-            <a:ext cx="910458" cy="1384642"/>
-          </a:xfrm>
-          <a:prstGeom prst="curvedConnector2">
-            <a:avLst/>
-          </a:prstGeom>
-          <a:ln w="25400" cmpd="sng">
-            <a:solidFill>
-              <a:schemeClr val="tx1"/>
-            </a:solidFill>
-            <a:round/>
-            <a:headEnd type="triangle" w="lg" len="lg"/>
-            <a:tailEnd type="triangle" w="lg" len="lg"/>
-          </a:ln>
-        </p:spPr>
-        <p:style>
-          <a:lnRef idx="1">
-            <a:schemeClr val="accent1"/>
-          </a:lnRef>
-          <a:fillRef idx="0">
-            <a:schemeClr val="accent1"/>
-          </a:fillRef>
-          <a:effectRef idx="0">
-            <a:schemeClr val="accent1"/>
-          </a:effectRef>
-          <a:fontRef idx="minor">
-            <a:schemeClr val="tx1"/>
-          </a:fontRef>
-        </p:style>
-      </p:cxnSp>
-      <p:sp>
-        <p:nvSpPr>
-          <p:cNvPr id="26" name="TextBox 25"/>
-          <p:cNvSpPr txBox="1"/>
-          <p:nvPr/>
-        </p:nvSpPr>
-        <p:spPr>
-          <a:xfrm>
-            <a:off x="6432580" y="4686008"/>
-            <a:ext cx="2028825" cy="369332"/>
-          </a:xfrm>
-          <a:prstGeom prst="rect">
-            <a:avLst/>
-          </a:prstGeom>
-          <a:noFill/>
-        </p:spPr>
-        <p:txBody>
-          <a:bodyPr wrap="square" rtlCol="0">
-            <a:spAutoFit/>
-          </a:bodyPr>
-          <a:lstStyle/>
-          <a:p>
-            <a:r>
-              <a:rPr lang="en-US" dirty="0" smtClean="0"/>
-              <a:t>Data binding</a:t>
-            </a:r>
-            <a:endParaRPr lang="en-US" dirty="0"/>
-          </a:p>
-        </p:txBody>
-      </p:sp>
-    </p:spTree>
-    <p:extLst>
-      <p:ext uri="{BB962C8B-B14F-4D97-AF65-F5344CB8AC3E}">
-        <p14:creationId xmlns:p14="http://schemas.microsoft.com/office/powerpoint/2010/main" val="2071602770"/>
-      </p:ext>
-    </p:extLst>
-  </p:cSld>
-  <p:clrMapOvr>
-    <a:masterClrMapping/>
-  </p:clrMapOvr>
-  <p:timing>
-    <p:tnLst>
-      <p:par>
-        <p:cTn id="1" dur="indefinite" restart="never" nodeType="tmRoot"/>
-      </p:par>
-    </p:tnLst>
-  </p:timing>
-</p:sld>
-</file>
-
-<file path=ppt/slides/slide12.xml><?xml version="1.0" encoding="utf-8"?>
-<p:sld xmlns:a="http://schemas.openxmlformats.org/drawingml/2006/main" xmlns:r="http://schemas.openxmlformats.org/officeDocument/2006/relationships" xmlns:p="http://schemas.openxmlformats.org/presentationml/2006/main">
-  <p:cSld>
-    <p:spTree>
-      <p:nvGrpSpPr>
-        <p:cNvPr id="1" name=""/>
-        <p:cNvGrpSpPr/>
-        <p:nvPr/>
-      </p:nvGrpSpPr>
-      <p:grpSpPr>
-        <a:xfrm>
-          <a:off x="0" y="0"/>
-          <a:ext cx="0" cy="0"/>
-          <a:chOff x="0" y="0"/>
-          <a:chExt cx="0" cy="0"/>
-        </a:xfrm>
-      </p:grpSpPr>
-      <p:sp>
-        <p:nvSpPr>
-          <p:cNvPr id="2" name="Title 1"/>
-          <p:cNvSpPr>
-            <a:spLocks noGrp="1"/>
-          </p:cNvSpPr>
-          <p:nvPr>
-            <p:ph type="title"/>
-          </p:nvPr>
-        </p:nvSpPr>
-        <p:spPr/>
-        <p:txBody>
-          <a:bodyPr/>
-          <a:lstStyle/>
-          <a:p>
-            <a:r>
-              <a:rPr lang="en-US" dirty="0" smtClean="0"/>
-              <a:t>Controller</a:t>
-            </a:r>
-            <a:endParaRPr lang="en-US" dirty="0"/>
-          </a:p>
-        </p:txBody>
-      </p:sp>
-      <p:sp>
-        <p:nvSpPr>
-          <p:cNvPr id="8" name="Content Placeholder 7"/>
-          <p:cNvSpPr>
-            <a:spLocks noGrp="1"/>
-          </p:cNvSpPr>
-          <p:nvPr>
-            <p:ph idx="1"/>
-          </p:nvPr>
-        </p:nvSpPr>
-        <p:spPr>
-          <a:xfrm>
-            <a:off x="1141412" y="3467101"/>
-            <a:ext cx="9905999" cy="2324100"/>
-          </a:xfrm>
-        </p:spPr>
-        <p:txBody>
-          <a:bodyPr/>
-          <a:lstStyle/>
-          <a:p>
-            <a:r>
-              <a:rPr lang="en-US" dirty="0" smtClean="0"/>
-              <a:t>Presentation logic container</a:t>
-            </a:r>
-          </a:p>
-          <a:p>
-            <a:r>
-              <a:rPr lang="en-US" dirty="0" smtClean="0"/>
-              <a:t>Keep it unit-testable</a:t>
-            </a:r>
-            <a:endParaRPr lang="en-US" dirty="0"/>
-          </a:p>
-        </p:txBody>
-      </p:sp>
-      <p:sp>
-        <p:nvSpPr>
-          <p:cNvPr id="6" name="Rectangle 5"/>
-          <p:cNvSpPr/>
-          <p:nvPr/>
-        </p:nvSpPr>
-        <p:spPr>
-          <a:xfrm>
-            <a:off x="1141413" y="1732687"/>
-            <a:ext cx="9905998" cy="1477328"/>
-          </a:xfrm>
-          <a:prstGeom prst="rect">
-            <a:avLst/>
-          </a:prstGeom>
-          <a:solidFill>
-            <a:schemeClr val="tx1"/>
-          </a:solidFill>
-        </p:spPr>
-        <p:txBody>
-          <a:bodyPr wrap="square">
-            <a:spAutoFit/>
-          </a:bodyPr>
-          <a:lstStyle/>
-          <a:p>
-            <a:r>
-              <a:rPr lang="en-US" dirty="0">
-                <a:solidFill>
-                  <a:srgbClr val="0000FF"/>
-                </a:solidFill>
-                <a:latin typeface="Consolas" panose="020B0609020204030204" pitchFamily="49" charset="0"/>
-              </a:rPr>
-              <a:t>type</a:t>
-            </a:r>
-            <a:r>
-              <a:rPr lang="en-US" dirty="0">
-                <a:solidFill>
-                  <a:prstClr val="black"/>
-                </a:solidFill>
-                <a:latin typeface="Consolas" panose="020B0609020204030204" pitchFamily="49" charset="0"/>
-              </a:rPr>
-              <a:t> </a:t>
-            </a:r>
-            <a:r>
-              <a:rPr lang="en-US" dirty="0" err="1">
-                <a:solidFill>
-                  <a:prstClr val="black"/>
-                </a:solidFill>
-                <a:latin typeface="Consolas" panose="020B0609020204030204" pitchFamily="49" charset="0"/>
-              </a:rPr>
-              <a:t>IController</a:t>
-            </a:r>
-            <a:r>
-              <a:rPr lang="en-US" dirty="0">
-                <a:solidFill>
-                  <a:prstClr val="black"/>
-                </a:solidFill>
-                <a:latin typeface="Consolas" panose="020B0609020204030204" pitchFamily="49" charset="0"/>
-              </a:rPr>
-              <a:t>&lt;'Events, 'Model&gt; =</a:t>
-            </a:r>
-          </a:p>
-          <a:p>
-            <a:endParaRPr lang="en-US" dirty="0">
-              <a:solidFill>
-                <a:prstClr val="black"/>
-              </a:solidFill>
-              <a:latin typeface="Consolas" panose="020B0609020204030204" pitchFamily="49" charset="0"/>
-            </a:endParaRPr>
-          </a:p>
-          <a:p>
-            <a:r>
-              <a:rPr lang="en-US" dirty="0">
-                <a:solidFill>
-                  <a:prstClr val="black"/>
-                </a:solidFill>
-                <a:latin typeface="Consolas" panose="020B0609020204030204" pitchFamily="49" charset="0"/>
-              </a:rPr>
-              <a:t>    </a:t>
-            </a:r>
-            <a:r>
-              <a:rPr lang="en-US" dirty="0">
-                <a:solidFill>
-                  <a:srgbClr val="0000FF"/>
-                </a:solidFill>
-                <a:latin typeface="Consolas" panose="020B0609020204030204" pitchFamily="49" charset="0"/>
-              </a:rPr>
-              <a:t>abstract</a:t>
-            </a:r>
-            <a:r>
-              <a:rPr lang="en-US" dirty="0">
-                <a:solidFill>
-                  <a:prstClr val="black"/>
-                </a:solidFill>
-                <a:latin typeface="Consolas" panose="020B0609020204030204" pitchFamily="49" charset="0"/>
-              </a:rPr>
-              <a:t> </a:t>
-            </a:r>
-            <a:r>
-              <a:rPr lang="en-US" dirty="0" err="1">
-                <a:solidFill>
-                  <a:prstClr val="black"/>
-                </a:solidFill>
-                <a:latin typeface="Consolas" panose="020B0609020204030204" pitchFamily="49" charset="0"/>
-              </a:rPr>
-              <a:t>InitModel</a:t>
-            </a:r>
-            <a:r>
-              <a:rPr lang="en-US" dirty="0">
-                <a:solidFill>
-                  <a:prstClr val="black"/>
-                </a:solidFill>
-                <a:latin typeface="Consolas" panose="020B0609020204030204" pitchFamily="49" charset="0"/>
-              </a:rPr>
-              <a:t> : 'Model </a:t>
-            </a:r>
-            <a:r>
-              <a:rPr lang="en-US" dirty="0">
-                <a:solidFill>
-                  <a:srgbClr val="0000FF"/>
-                </a:solidFill>
-                <a:latin typeface="Consolas" panose="020B0609020204030204" pitchFamily="49" charset="0"/>
-              </a:rPr>
-              <a:t>-&gt;</a:t>
-            </a:r>
-            <a:r>
-              <a:rPr lang="en-US" dirty="0">
-                <a:solidFill>
-                  <a:prstClr val="black"/>
-                </a:solidFill>
-                <a:latin typeface="Consolas" panose="020B0609020204030204" pitchFamily="49" charset="0"/>
-              </a:rPr>
-              <a:t> unit</a:t>
-            </a:r>
-          </a:p>
-          <a:p>
-            <a:r>
-              <a:rPr lang="en-US" dirty="0">
-                <a:solidFill>
-                  <a:prstClr val="black"/>
-                </a:solidFill>
-                <a:latin typeface="Consolas" panose="020B0609020204030204" pitchFamily="49" charset="0"/>
-              </a:rPr>
-              <a:t>    </a:t>
-            </a:r>
-            <a:r>
-              <a:rPr lang="en-US" dirty="0">
-                <a:solidFill>
-                  <a:srgbClr val="0000FF"/>
-                </a:solidFill>
-                <a:latin typeface="Consolas" panose="020B0609020204030204" pitchFamily="49" charset="0"/>
-              </a:rPr>
-              <a:t>abstract</a:t>
-            </a:r>
-            <a:r>
-              <a:rPr lang="en-US" dirty="0">
-                <a:solidFill>
-                  <a:prstClr val="black"/>
-                </a:solidFill>
-                <a:latin typeface="Consolas" panose="020B0609020204030204" pitchFamily="49" charset="0"/>
-              </a:rPr>
-              <a:t> </a:t>
-            </a:r>
-            <a:r>
-              <a:rPr lang="en-US" dirty="0" err="1">
-                <a:solidFill>
-                  <a:prstClr val="black"/>
-                </a:solidFill>
-                <a:latin typeface="Consolas" panose="020B0609020204030204" pitchFamily="49" charset="0"/>
-              </a:rPr>
-              <a:t>EventHandler</a:t>
-            </a:r>
-            <a:r>
-              <a:rPr lang="en-US" dirty="0">
-                <a:solidFill>
-                  <a:prstClr val="black"/>
-                </a:solidFill>
-                <a:latin typeface="Consolas" panose="020B0609020204030204" pitchFamily="49" charset="0"/>
-              </a:rPr>
-              <a:t> : ('Events </a:t>
-            </a:r>
-            <a:r>
-              <a:rPr lang="en-US" dirty="0">
-                <a:solidFill>
-                  <a:srgbClr val="0000FF"/>
-                </a:solidFill>
-                <a:latin typeface="Consolas" panose="020B0609020204030204" pitchFamily="49" charset="0"/>
-              </a:rPr>
-              <a:t>-&gt;</a:t>
-            </a:r>
-            <a:r>
-              <a:rPr lang="en-US" dirty="0">
-                <a:solidFill>
-                  <a:prstClr val="black"/>
-                </a:solidFill>
-                <a:latin typeface="Consolas" panose="020B0609020204030204" pitchFamily="49" charset="0"/>
-              </a:rPr>
-              <a:t> 'Model </a:t>
-            </a:r>
-            <a:r>
-              <a:rPr lang="en-US" dirty="0">
-                <a:solidFill>
-                  <a:srgbClr val="0000FF"/>
-                </a:solidFill>
-                <a:latin typeface="Consolas" panose="020B0609020204030204" pitchFamily="49" charset="0"/>
-              </a:rPr>
-              <a:t>-&gt;</a:t>
-            </a:r>
-            <a:r>
-              <a:rPr lang="en-US" dirty="0">
-                <a:solidFill>
-                  <a:prstClr val="black"/>
-                </a:solidFill>
-                <a:latin typeface="Consolas" panose="020B0609020204030204" pitchFamily="49" charset="0"/>
-              </a:rPr>
-              <a:t> unit)</a:t>
-            </a:r>
-          </a:p>
-          <a:p>
-            <a:endParaRPr lang="en-US" dirty="0">
-              <a:solidFill>
-                <a:prstClr val="black"/>
-              </a:solidFill>
-              <a:latin typeface="Consolas" panose="020B0609020204030204" pitchFamily="49" charset="0"/>
-            </a:endParaRPr>
-          </a:p>
-        </p:txBody>
-      </p:sp>
-    </p:spTree>
-    <p:extLst>
-      <p:ext uri="{BB962C8B-B14F-4D97-AF65-F5344CB8AC3E}">
-        <p14:creationId xmlns:p14="http://schemas.microsoft.com/office/powerpoint/2010/main" val="2657432877"/>
-      </p:ext>
-    </p:extLst>
-  </p:cSld>
-  <p:clrMapOvr>
-    <a:masterClrMapping/>
-  </p:clrMapOvr>
-  <p:timing>
-    <p:tnLst>
-      <p:par>
-        <p:cTn id="1" dur="indefinite" restart="never" nodeType="tmRoot"/>
-      </p:par>
-    </p:tnLst>
-  </p:timing>
-</p:sld>
-</file>
-
-<file path=ppt/slides/slide13.xml><?xml version="1.0" encoding="utf-8"?>
-<p:sld xmlns:a="http://schemas.openxmlformats.org/drawingml/2006/main" xmlns:r="http://schemas.openxmlformats.org/officeDocument/2006/relationships" xmlns:p="http://schemas.openxmlformats.org/presentationml/2006/main">
-  <p:cSld>
-    <p:spTree>
-      <p:nvGrpSpPr>
-        <p:cNvPr id="1" name=""/>
-        <p:cNvGrpSpPr/>
-        <p:nvPr/>
-      </p:nvGrpSpPr>
-      <p:grpSpPr>
-        <a:xfrm>
-          <a:off x="0" y="0"/>
-          <a:ext cx="0" cy="0"/>
-          <a:chOff x="0" y="0"/>
-          <a:chExt cx="0" cy="0"/>
-        </a:xfrm>
-      </p:grpSpPr>
-      <p:sp>
-        <p:nvSpPr>
-          <p:cNvPr id="2" name="Title 1"/>
-          <p:cNvSpPr>
-            <a:spLocks noGrp="1"/>
-          </p:cNvSpPr>
-          <p:nvPr>
-            <p:ph type="title"/>
-          </p:nvPr>
-        </p:nvSpPr>
         <p:spPr>
           <a:xfrm>
             <a:off x="1397479" y="256213"/>
@@ -13549,7 +12720,7 @@
 </p:sld>
 </file>
 
-<file path=ppt/slides/slide14.xml><?xml version="1.0" encoding="utf-8"?>
+<file path=ppt/slides/slide11.xml><?xml version="1.0" encoding="utf-8"?>
 <p:sld xmlns:a="http://schemas.openxmlformats.org/drawingml/2006/main" xmlns:r="http://schemas.openxmlformats.org/officeDocument/2006/relationships" xmlns:p="http://schemas.openxmlformats.org/presentationml/2006/main">
   <p:cSld>
     <p:spTree>
@@ -13636,11 +12807,7 @@
           <a:p>
             <a:r>
               <a:rPr lang="en-US" sz="2000" dirty="0" smtClean="0"/>
-              <a:t>Optional </a:t>
-            </a:r>
-            <a:r>
-              <a:rPr lang="en-US" sz="2000" dirty="0" smtClean="0"/>
-              <a:t>module</a:t>
+              <a:t>Optional module</a:t>
             </a:r>
           </a:p>
           <a:p>
@@ -13921,12 +13088,6 @@
               </a:rPr>
               <a:t>, "Name")</a:t>
             </a:r>
-            <a:endParaRPr lang="en-US" dirty="0" smtClean="0">
-              <a:solidFill>
-                <a:schemeClr val="bg1"/>
-              </a:solidFill>
-              <a:latin typeface="Consolas" panose="020B0609020204030204" pitchFamily="49" charset="0"/>
-            </a:endParaRPr>
           </a:p>
         </p:txBody>
       </p:sp>
@@ -13990,7 +13151,7 @@
 </p:sld>
 </file>
 
-<file path=ppt/slides/slide15.xml><?xml version="1.0" encoding="utf-8"?>
+<file path=ppt/slides/slide12.xml><?xml version="1.0" encoding="utf-8"?>
 <p:sld xmlns:a="http://schemas.openxmlformats.org/drawingml/2006/main" xmlns:r="http://schemas.openxmlformats.org/officeDocument/2006/relationships" xmlns:p="http://schemas.openxmlformats.org/presentationml/2006/main">
   <p:cSld>
     <p:spTree>
@@ -14047,11 +13208,7 @@
           <a:p>
             <a:r>
               <a:rPr lang="en-US" dirty="0" smtClean="0"/>
-              <a:t>Optional </a:t>
-            </a:r>
-            <a:r>
-              <a:rPr lang="en-US" dirty="0" smtClean="0"/>
-              <a:t>module</a:t>
+              <a:t>Optional module</a:t>
             </a:r>
           </a:p>
           <a:p>
@@ -14059,7 +13216,6 @@
               <a:rPr lang="en-US" dirty="0" smtClean="0"/>
               <a:t>Statically-typed</a:t>
             </a:r>
-            <a:endParaRPr lang="en-US" dirty="0" smtClean="0"/>
           </a:p>
           <a:p>
             <a:r>
@@ -14114,7 +13270,7 @@
 </p:sld>
 </file>
 
-<file path=ppt/slides/slide16.xml><?xml version="1.0" encoding="utf-8"?>
+<file path=ppt/slides/slide13.xml><?xml version="1.0" encoding="utf-8"?>
 <p:sld xmlns:a="http://schemas.openxmlformats.org/drawingml/2006/main" xmlns:r="http://schemas.openxmlformats.org/officeDocument/2006/relationships" xmlns:p="http://schemas.openxmlformats.org/presentationml/2006/main">
   <p:cSld>
     <p:spTree>
@@ -14954,16 +14110,7 @@
                 </a:solidFill>
                 <a:latin typeface="Consolas" panose="020B0609020204030204" pitchFamily="49" charset="0"/>
               </a:rPr>
-              <a:t>: </a:t>
-            </a:r>
-            <a:r>
-              <a:rPr lang="en-US" dirty="0">
-                <a:solidFill>
-                  <a:prstClr val="black"/>
-                </a:solidFill>
-                <a:latin typeface="Consolas" panose="020B0609020204030204" pitchFamily="49" charset="0"/>
-              </a:rPr>
-              <a:t>('Events </a:t>
+              <a:t>: ('Events </a:t>
             </a:r>
             <a:r>
               <a:rPr lang="en-US" dirty="0">
@@ -15001,12 +14148,6 @@
               </a:rPr>
               <a:t>&lt;'Model&gt;)</a:t>
             </a:r>
-            <a:endParaRPr lang="en-US" dirty="0">
-              <a:solidFill>
-                <a:prstClr val="black"/>
-              </a:solidFill>
-              <a:latin typeface="Consolas" panose="020B0609020204030204" pitchFamily="49" charset="0"/>
-            </a:endParaRPr>
           </a:p>
         </p:txBody>
       </p:sp>
@@ -15054,6 +14195,266 @@
     <p:extLst>
       <p:ext uri="{BB962C8B-B14F-4D97-AF65-F5344CB8AC3E}">
         <p14:creationId xmlns:p14="http://schemas.microsoft.com/office/powerpoint/2010/main" val="4043113270"/>
+      </p:ext>
+    </p:extLst>
+  </p:cSld>
+  <p:clrMapOvr>
+    <a:masterClrMapping/>
+  </p:clrMapOvr>
+  <p:timing>
+    <p:tnLst>
+      <p:par>
+        <p:cTn id="1" dur="indefinite" restart="never" nodeType="tmRoot"/>
+      </p:par>
+    </p:tnLst>
+  </p:timing>
+</p:sld>
+</file>
+
+<file path=ppt/slides/slide14.xml><?xml version="1.0" encoding="utf-8"?>
+<p:sld xmlns:a="http://schemas.openxmlformats.org/drawingml/2006/main" xmlns:r="http://schemas.openxmlformats.org/officeDocument/2006/relationships" xmlns:p="http://schemas.openxmlformats.org/presentationml/2006/main">
+  <p:cSld>
+    <p:spTree>
+      <p:nvGrpSpPr>
+        <p:cNvPr id="1" name=""/>
+        <p:cNvGrpSpPr/>
+        <p:nvPr/>
+      </p:nvGrpSpPr>
+      <p:grpSpPr>
+        <a:xfrm>
+          <a:off x="0" y="0"/>
+          <a:ext cx="0" cy="0"/>
+          <a:chOff x="0" y="0"/>
+          <a:chExt cx="0" cy="0"/>
+        </a:xfrm>
+      </p:grpSpPr>
+      <p:sp>
+        <p:nvSpPr>
+          <p:cNvPr id="2" name="Title 1"/>
+          <p:cNvSpPr>
+            <a:spLocks noGrp="1"/>
+          </p:cNvSpPr>
+          <p:nvPr>
+            <p:ph type="title"/>
+          </p:nvPr>
+        </p:nvSpPr>
+        <p:spPr/>
+        <p:txBody>
+          <a:bodyPr/>
+          <a:lstStyle/>
+          <a:p>
+            <a:r>
+              <a:rPr lang="en-US" dirty="0" smtClean="0"/>
+              <a:t>Child Windows</a:t>
+            </a:r>
+            <a:endParaRPr lang="en-US" dirty="0"/>
+          </a:p>
+        </p:txBody>
+      </p:sp>
+      <p:sp>
+        <p:nvSpPr>
+          <p:cNvPr id="3" name="Content Placeholder 2"/>
+          <p:cNvSpPr>
+            <a:spLocks noGrp="1"/>
+          </p:cNvSpPr>
+          <p:nvPr>
+            <p:ph idx="1"/>
+          </p:nvPr>
+        </p:nvSpPr>
+        <p:spPr/>
+        <p:txBody>
+          <a:bodyPr/>
+          <a:lstStyle/>
+          <a:p>
+            <a:r>
+              <a:rPr lang="en-US" dirty="0" smtClean="0"/>
+              <a:t>Dialog – synchronous computation </a:t>
+            </a:r>
+          </a:p>
+          <a:p>
+            <a:r>
+              <a:rPr lang="en-US" dirty="0" smtClean="0"/>
+              <a:t>Non-modal window - asynchronous </a:t>
+            </a:r>
+            <a:endParaRPr lang="en-US" dirty="0"/>
+          </a:p>
+        </p:txBody>
+      </p:sp>
+    </p:spTree>
+    <p:extLst>
+      <p:ext uri="{BB962C8B-B14F-4D97-AF65-F5344CB8AC3E}">
+        <p14:creationId xmlns:p14="http://schemas.microsoft.com/office/powerpoint/2010/main" val="1103476166"/>
+      </p:ext>
+    </p:extLst>
+  </p:cSld>
+  <p:clrMapOvr>
+    <a:masterClrMapping/>
+  </p:clrMapOvr>
+  <p:timing>
+    <p:tnLst>
+      <p:par>
+        <p:cTn id="1" dur="indefinite" restart="never" nodeType="tmRoot"/>
+      </p:par>
+    </p:tnLst>
+  </p:timing>
+</p:sld>
+</file>
+
+<file path=ppt/slides/slide15.xml><?xml version="1.0" encoding="utf-8"?>
+<p:sld xmlns:a="http://schemas.openxmlformats.org/drawingml/2006/main" xmlns:r="http://schemas.openxmlformats.org/officeDocument/2006/relationships" xmlns:p="http://schemas.openxmlformats.org/presentationml/2006/main">
+  <p:cSld>
+    <p:spTree>
+      <p:nvGrpSpPr>
+        <p:cNvPr id="1" name=""/>
+        <p:cNvGrpSpPr/>
+        <p:nvPr/>
+      </p:nvGrpSpPr>
+      <p:grpSpPr>
+        <a:xfrm>
+          <a:off x="0" y="0"/>
+          <a:ext cx="0" cy="0"/>
+          <a:chOff x="0" y="0"/>
+          <a:chExt cx="0" cy="0"/>
+        </a:xfrm>
+      </p:grpSpPr>
+      <p:sp>
+        <p:nvSpPr>
+          <p:cNvPr id="2" name="Title 1"/>
+          <p:cNvSpPr>
+            <a:spLocks noGrp="1"/>
+          </p:cNvSpPr>
+          <p:nvPr>
+            <p:ph type="title"/>
+          </p:nvPr>
+        </p:nvSpPr>
+        <p:spPr/>
+        <p:txBody>
+          <a:bodyPr/>
+          <a:lstStyle/>
+          <a:p>
+            <a:r>
+              <a:rPr lang="en-US" dirty="0" smtClean="0"/>
+              <a:t>Reentrancy</a:t>
+            </a:r>
+            <a:endParaRPr lang="en-US" dirty="0"/>
+          </a:p>
+        </p:txBody>
+      </p:sp>
+      <p:sp>
+        <p:nvSpPr>
+          <p:cNvPr id="3" name="Content Placeholder 2"/>
+          <p:cNvSpPr>
+            <a:spLocks noGrp="1"/>
+          </p:cNvSpPr>
+          <p:nvPr>
+            <p:ph idx="1"/>
+          </p:nvPr>
+        </p:nvSpPr>
+        <p:spPr/>
+        <p:txBody>
+          <a:bodyPr/>
+          <a:lstStyle/>
+          <a:p>
+            <a:r>
+              <a:rPr lang="en-US" dirty="0" smtClean="0"/>
+              <a:t>Very tricky problem</a:t>
+            </a:r>
+          </a:p>
+        </p:txBody>
+      </p:sp>
+    </p:spTree>
+    <p:extLst>
+      <p:ext uri="{BB962C8B-B14F-4D97-AF65-F5344CB8AC3E}">
+        <p14:creationId xmlns:p14="http://schemas.microsoft.com/office/powerpoint/2010/main" val="970238639"/>
+      </p:ext>
+    </p:extLst>
+  </p:cSld>
+  <p:clrMapOvr>
+    <a:masterClrMapping/>
+  </p:clrMapOvr>
+  <p:timing>
+    <p:tnLst>
+      <p:par>
+        <p:cTn id="1" dur="indefinite" restart="never" nodeType="tmRoot"/>
+      </p:par>
+    </p:tnLst>
+  </p:timing>
+</p:sld>
+</file>
+
+<file path=ppt/slides/slide16.xml><?xml version="1.0" encoding="utf-8"?>
+<p:sld xmlns:a="http://schemas.openxmlformats.org/drawingml/2006/main" xmlns:r="http://schemas.openxmlformats.org/officeDocument/2006/relationships" xmlns:p="http://schemas.openxmlformats.org/presentationml/2006/main">
+  <p:cSld>
+    <p:spTree>
+      <p:nvGrpSpPr>
+        <p:cNvPr id="1" name=""/>
+        <p:cNvGrpSpPr/>
+        <p:nvPr/>
+      </p:nvGrpSpPr>
+      <p:grpSpPr>
+        <a:xfrm>
+          <a:off x="0" y="0"/>
+          <a:ext cx="0" cy="0"/>
+          <a:chOff x="0" y="0"/>
+          <a:chExt cx="0" cy="0"/>
+        </a:xfrm>
+      </p:grpSpPr>
+      <p:sp>
+        <p:nvSpPr>
+          <p:cNvPr id="2" name="Title 1"/>
+          <p:cNvSpPr>
+            <a:spLocks noGrp="1"/>
+          </p:cNvSpPr>
+          <p:nvPr>
+            <p:ph type="title"/>
+          </p:nvPr>
+        </p:nvSpPr>
+        <p:spPr/>
+        <p:txBody>
+          <a:bodyPr/>
+          <a:lstStyle/>
+          <a:p>
+            <a:r>
+              <a:rPr lang="en-US" dirty="0" smtClean="0"/>
+              <a:t>composition</a:t>
+            </a:r>
+            <a:endParaRPr lang="en-US" dirty="0"/>
+          </a:p>
+        </p:txBody>
+      </p:sp>
+      <p:pic>
+        <p:nvPicPr>
+          <p:cNvPr id="4" name="Content Placeholder 3"/>
+          <p:cNvPicPr>
+            <a:picLocks noGrp="1" noChangeAspect="1"/>
+          </p:cNvPicPr>
+          <p:nvPr>
+            <p:ph idx="1"/>
+          </p:nvPr>
+        </p:nvPicPr>
+        <p:blipFill>
+          <a:blip r:embed="rId2">
+            <a:extLst>
+              <a:ext uri="{28A0092B-C50C-407E-A947-70E740481C1C}">
+                <a14:useLocalDpi xmlns:a14="http://schemas.microsoft.com/office/drawing/2010/main" val="0"/>
+              </a:ext>
+            </a:extLst>
+          </a:blip>
+          <a:stretch>
+            <a:fillRect/>
+          </a:stretch>
+        </p:blipFill>
+        <p:spPr>
+          <a:xfrm>
+            <a:off x="2232024" y="1788085"/>
+            <a:ext cx="7724775" cy="4479886"/>
+          </a:xfrm>
+        </p:spPr>
+      </p:pic>
+    </p:spTree>
+    <p:extLst>
+      <p:ext uri="{BB962C8B-B14F-4D97-AF65-F5344CB8AC3E}">
+        <p14:creationId xmlns:p14="http://schemas.microsoft.com/office/powerpoint/2010/main" val="1030256568"/>
       </p:ext>
     </p:extLst>
   </p:cSld>
@@ -15104,7 +14505,7 @@
           <a:p>
             <a:r>
               <a:rPr lang="en-US" dirty="0" smtClean="0"/>
-              <a:t>Child Windows</a:t>
+              <a:t>External event sources</a:t>
             </a:r>
             <a:endParaRPr lang="en-US" dirty="0"/>
           </a:p>
@@ -15127,13 +14528,19 @@
           <a:p>
             <a:r>
               <a:rPr lang="en-US" dirty="0" smtClean="0"/>
-              <a:t>Dialog – synchronous computation </a:t>
+              <a:t>As easy as composing views</a:t>
             </a:r>
           </a:p>
           <a:p>
             <a:r>
               <a:rPr lang="en-US" dirty="0" smtClean="0"/>
-              <a:t>Non-modal window - asynchronous </a:t>
+              <a:t>Rx.NET helps to ensure invocation on GUI thread</a:t>
+            </a:r>
+          </a:p>
+          <a:p>
+            <a:r>
+              <a:rPr lang="en-US" dirty="0" smtClean="0"/>
+              <a:t>Another composition option</a:t>
             </a:r>
             <a:endParaRPr lang="en-US" dirty="0"/>
           </a:p>
@@ -15142,7 +14549,7 @@
     </p:spTree>
     <p:extLst>
       <p:ext uri="{BB962C8B-B14F-4D97-AF65-F5344CB8AC3E}">
-        <p14:creationId xmlns:p14="http://schemas.microsoft.com/office/powerpoint/2010/main" val="1103476166"/>
+        <p14:creationId xmlns:p14="http://schemas.microsoft.com/office/powerpoint/2010/main" val="1482672398"/>
       </p:ext>
     </p:extLst>
   </p:cSld>
@@ -15193,7 +14600,7 @@
           <a:p>
             <a:r>
               <a:rPr lang="en-US" dirty="0" smtClean="0"/>
-              <a:t>Reentrancy</a:t>
+              <a:t>Data binding micro dsl</a:t>
             </a:r>
             <a:endParaRPr lang="en-US" dirty="0"/>
           </a:p>
@@ -15216,15 +14623,33 @@
           <a:p>
             <a:r>
               <a:rPr lang="en-US" dirty="0" smtClean="0"/>
-              <a:t>Very tricky problem</a:t>
-            </a:r>
+              <a:t>Scrap </a:t>
+            </a:r>
+            <a:r>
+              <a:rPr lang="en-US" dirty="0"/>
+              <a:t>your </a:t>
+            </a:r>
+            <a:r>
+              <a:rPr lang="en-US" dirty="0" smtClean="0"/>
+              <a:t>boilerplate</a:t>
+            </a:r>
+          </a:p>
+          <a:p>
+            <a:r>
+              <a:rPr lang="en-US" dirty="0" smtClean="0"/>
+              <a:t>F# gives great tools to build internal DSLs</a:t>
+            </a:r>
+            <a:endParaRPr lang="en-US" dirty="0"/>
+          </a:p>
+          <a:p>
+            <a:endParaRPr lang="en-US" dirty="0"/>
           </a:p>
         </p:txBody>
       </p:sp>
     </p:spTree>
     <p:extLst>
       <p:ext uri="{BB962C8B-B14F-4D97-AF65-F5344CB8AC3E}">
-        <p14:creationId xmlns:p14="http://schemas.microsoft.com/office/powerpoint/2010/main" val="970238639"/>
+        <p14:creationId xmlns:p14="http://schemas.microsoft.com/office/powerpoint/2010/main" val="1517226537"/>
       </p:ext>
     </p:extLst>
   </p:cSld>
@@ -15275,45 +14700,103 @@
           <a:p>
             <a:r>
               <a:rPr lang="en-US" dirty="0" smtClean="0"/>
-              <a:t>composition</a:t>
+              <a:t>Derived properties</a:t>
             </a:r>
             <a:endParaRPr lang="en-US" dirty="0"/>
           </a:p>
         </p:txBody>
       </p:sp>
-      <p:pic>
-        <p:nvPicPr>
-          <p:cNvPr id="4" name="Content Placeholder 3"/>
-          <p:cNvPicPr>
-            <a:picLocks noGrp="1" noChangeAspect="1"/>
-          </p:cNvPicPr>
+      <p:sp>
+        <p:nvSpPr>
+          <p:cNvPr id="3" name="Content Placeholder 2"/>
+          <p:cNvSpPr>
+            <a:spLocks noGrp="1"/>
+          </p:cNvSpPr>
           <p:nvPr>
             <p:ph idx="1"/>
           </p:nvPr>
-        </p:nvPicPr>
-        <p:blipFill>
-          <a:blip r:embed="rId2">
-            <a:extLst>
-              <a:ext uri="{28A0092B-C50C-407E-A947-70E740481C1C}">
-                <a14:useLocalDpi xmlns:a14="http://schemas.microsoft.com/office/drawing/2010/main" val="0"/>
-              </a:ext>
-            </a:extLst>
-          </a:blip>
-          <a:stretch>
-            <a:fillRect/>
-          </a:stretch>
-        </p:blipFill>
-        <p:spPr>
-          <a:xfrm>
-            <a:off x="2232024" y="1788085"/>
-            <a:ext cx="7724775" cy="4479886"/>
-          </a:xfrm>
-        </p:spPr>
-      </p:pic>
+        </p:nvSpPr>
+        <p:spPr/>
+        <p:txBody>
+          <a:bodyPr>
+            <a:normAutofit fontScale="92500" lnSpcReduction="10000"/>
+          </a:bodyPr>
+          <a:lstStyle/>
+          <a:p>
+            <a:r>
+              <a:rPr lang="en-US" dirty="0"/>
+              <a:t>Scrap your </a:t>
+            </a:r>
+            <a:r>
+              <a:rPr lang="en-US" dirty="0" smtClean="0"/>
+              <a:t>boilerplate</a:t>
+            </a:r>
+            <a:endParaRPr lang="en-US" dirty="0"/>
+          </a:p>
+          <a:p>
+            <a:r>
+              <a:rPr lang="en-US" dirty="0" smtClean="0"/>
+              <a:t>F# pure magic</a:t>
+            </a:r>
+          </a:p>
+          <a:p>
+            <a:pPr lvl="1"/>
+            <a:r>
+              <a:rPr lang="en-US" dirty="0"/>
+              <a:t>ReflectedDefinitionAttribute</a:t>
+            </a:r>
+            <a:endParaRPr lang="en-US" dirty="0" smtClean="0"/>
+          </a:p>
+          <a:p>
+            <a:pPr lvl="1"/>
+            <a:r>
+              <a:rPr lang="en-US" dirty="0" smtClean="0"/>
+              <a:t>Quotation</a:t>
+            </a:r>
+            <a:r>
+              <a:rPr lang="en-US" dirty="0"/>
+              <a:t> </a:t>
+            </a:r>
+            <a:endParaRPr lang="en-US" dirty="0" smtClean="0"/>
+          </a:p>
+          <a:p>
+            <a:pPr lvl="1"/>
+            <a:r>
+              <a:rPr lang="en-US" dirty="0" smtClean="0"/>
+              <a:t>Active patterns (a lot)</a:t>
+            </a:r>
+          </a:p>
+          <a:p>
+            <a:r>
+              <a:rPr lang="en-US" dirty="0" smtClean="0"/>
+              <a:t>WPF black magic</a:t>
+            </a:r>
+          </a:p>
+          <a:p>
+            <a:pPr lvl="1"/>
+            <a:r>
+              <a:rPr lang="en-US" dirty="0" smtClean="0"/>
+              <a:t>Custom dynamic dependency properties</a:t>
+            </a:r>
+          </a:p>
+          <a:p>
+            <a:pPr lvl="1"/>
+            <a:r>
+              <a:rPr lang="en-US" dirty="0" err="1" smtClean="0"/>
+              <a:t>MultiBinding</a:t>
+            </a:r>
+            <a:endParaRPr lang="en-US" dirty="0" smtClean="0"/>
+          </a:p>
+          <a:p>
+            <a:pPr lvl="1"/>
+            <a:endParaRPr lang="en-US" dirty="0"/>
+          </a:p>
+        </p:txBody>
+      </p:sp>
     </p:spTree>
     <p:extLst>
       <p:ext uri="{BB962C8B-B14F-4D97-AF65-F5344CB8AC3E}">
-        <p14:creationId xmlns:p14="http://schemas.microsoft.com/office/powerpoint/2010/main" val="1030256568"/>
+        <p14:creationId xmlns:p14="http://schemas.microsoft.com/office/powerpoint/2010/main" val="2632499272"/>
       </p:ext>
     </p:extLst>
   </p:cSld>
@@ -15381,7 +14864,7 @@
             <p:ph idx="1"/>
             <p:extLst>
               <p:ext uri="{D42A27DB-BD31-4B8C-83A1-F6EECF244321}">
-                <p14:modId xmlns:p14="http://schemas.microsoft.com/office/powerpoint/2010/main" val="2733226858"/>
+                <p14:modId xmlns:p14="http://schemas.microsoft.com/office/powerpoint/2010/main" val="4046157891"/>
               </p:ext>
             </p:extLst>
           </p:nvPr>
@@ -15504,8 +14987,25 @@
                       </a:pPr>
                       <a:r>
                         <a:rPr lang="en-US" dirty="0" smtClean="0"/>
-                        <a:t>Generalize. Deliver something reusable.</a:t>
+                        <a:t>Deliver </a:t>
                       </a:r>
+                      <a:r>
+                        <a:rPr lang="en-US" dirty="0" smtClean="0"/>
+                        <a:t>something </a:t>
+                      </a:r>
+                      <a:r>
+                        <a:rPr lang="en-US" dirty="0" smtClean="0"/>
+                        <a:t>generic</a:t>
+                      </a:r>
+                      <a:r>
+                        <a:rPr lang="en-US" baseline="0" dirty="0" smtClean="0"/>
+                        <a:t> and </a:t>
+                      </a:r>
+                      <a:r>
+                        <a:rPr lang="en-US" dirty="0" smtClean="0"/>
+                        <a:t>reusable</a:t>
+                      </a:r>
+                      <a:endParaRPr lang="en-US" dirty="0" smtClean="0"/>
                     </a:p>
                   </a:txBody>
                   <a:tcPr/>
@@ -15544,10 +15044,7 @@
                         </a:rPr>
                         <a:t>framework</a:t>
                       </a:r>
-                      <a:r>
-                        <a:rPr lang="en-US" dirty="0" smtClean="0"/>
-                        <a:t>.</a:t>
-                      </a:r>
+                      <a:endParaRPr lang="en-US" dirty="0" smtClean="0"/>
                     </a:p>
                     <a:p>
                       <a:pPr marL="0" marR="0" indent="0" algn="l" defTabSz="914400" rtl="0" eaLnBrk="1" fontAlgn="auto" latinLnBrk="0" hangingPunct="1">
@@ -15621,11 +15118,11 @@
                       </a:pPr>
                       <a:r>
                         <a:rPr lang="en-US" dirty="0" smtClean="0"/>
-                        <a:t>Learning series. Language</a:t>
+                        <a:t>Learning </a:t>
                       </a:r>
                       <a:r>
-                        <a:rPr lang="en-US" baseline="0" dirty="0" smtClean="0"/>
-                        <a:t> tutorial.</a:t>
+                        <a:rPr lang="en-US" dirty="0" smtClean="0"/>
+                        <a:t>series</a:t>
                       </a:r>
                       <a:endParaRPr lang="en-US" dirty="0" smtClean="0"/>
                     </a:p>
@@ -15720,7 +15217,7 @@
           <a:p>
             <a:r>
               <a:rPr lang="en-US" dirty="0" smtClean="0"/>
-              <a:t>External event sources</a:t>
+              <a:t>F# 3.0/.net4.5</a:t>
             </a:r>
             <a:endParaRPr lang="en-US" dirty="0"/>
           </a:p>
@@ -15743,20 +15240,43 @@
           <a:p>
             <a:r>
               <a:rPr lang="en-US" dirty="0" smtClean="0"/>
-              <a:t>As easy as composing views</a:t>
+              <a:t>Queries</a:t>
             </a:r>
           </a:p>
           <a:p>
             <a:r>
               <a:rPr lang="en-US" dirty="0" smtClean="0"/>
-              <a:t>Rx.NET helps to ensure invocation on GUI thread</a:t>
-            </a:r>
-          </a:p>
-          <a:p>
+              <a:t>Type providers</a:t>
+            </a:r>
+          </a:p>
+          <a:p>
+            <a:pPr lvl="1"/>
             <a:r>
               <a:rPr lang="en-US" dirty="0" smtClean="0"/>
-              <a:t>Another composition option</a:t>
-            </a:r>
+              <a:t>WSDL</a:t>
+            </a:r>
+          </a:p>
+          <a:p>
+            <a:pPr lvl="1"/>
+            <a:r>
+              <a:rPr lang="en-US" dirty="0" smtClean="0"/>
+              <a:t>XAML</a:t>
+            </a:r>
+          </a:p>
+          <a:p>
+            <a:r>
+              <a:rPr lang="en-US" dirty="0" smtClean="0"/>
+              <a:t>INotifyDataErrorInfo</a:t>
+            </a:r>
+          </a:p>
+          <a:p>
+            <a:r>
+              <a:rPr lang="en-US" dirty="0"/>
+              <a:t>ExceptionDispatchInfo</a:t>
+            </a:r>
+            <a:endParaRPr lang="en-US" dirty="0" smtClean="0"/>
+          </a:p>
+          <a:p>
             <a:endParaRPr lang="en-US" dirty="0"/>
           </a:p>
         </p:txBody>
@@ -15764,7 +15284,7 @@
     </p:spTree>
     <p:extLst>
       <p:ext uri="{BB962C8B-B14F-4D97-AF65-F5344CB8AC3E}">
-        <p14:creationId xmlns:p14="http://schemas.microsoft.com/office/powerpoint/2010/main" val="1482672398"/>
+        <p14:creationId xmlns:p14="http://schemas.microsoft.com/office/powerpoint/2010/main" val="231815751"/>
       </p:ext>
     </p:extLst>
   </p:cSld>
@@ -15815,7 +15335,15 @@
           <a:p>
             <a:r>
               <a:rPr lang="en-US" dirty="0" smtClean="0"/>
-              <a:t>Data binding micro dsl</a:t>
+              <a:t>F# MVC </a:t>
+            </a:r>
+            <a:r>
+              <a:rPr lang="en-US" cap="none" dirty="0" smtClean="0"/>
+              <a:t>for</a:t>
+            </a:r>
+            <a:r>
+              <a:rPr lang="en-US" dirty="0" smtClean="0"/>
+              <a:t> WPF </a:t>
             </a:r>
             <a:endParaRPr lang="en-US" dirty="0"/>
           </a:p>
@@ -15823,48 +15351,179 @@
       </p:sp>
       <p:sp>
         <p:nvSpPr>
-          <p:cNvPr id="3" name="Content Placeholder 2"/>
+          <p:cNvPr id="11" name="Content Placeholder 10"/>
           <p:cNvSpPr>
             <a:spLocks noGrp="1"/>
           </p:cNvSpPr>
           <p:nvPr>
-            <p:ph idx="1"/>
+            <p:ph sz="half" idx="1"/>
           </p:nvPr>
         </p:nvSpPr>
-        <p:spPr/>
+        <p:spPr>
+          <a:xfrm>
+            <a:off x="781051" y="1773236"/>
+            <a:ext cx="4810125" cy="3455989"/>
+          </a:xfrm>
+        </p:spPr>
         <p:txBody>
-          <a:bodyPr/>
+          <a:bodyPr>
+            <a:normAutofit/>
+          </a:bodyPr>
           <a:lstStyle/>
           <a:p>
             <a:r>
-              <a:rPr lang="en-US" dirty="0" smtClean="0"/>
-              <a:t>Scrap </a:t>
-            </a:r>
-            <a:r>
-              <a:rPr lang="en-US" dirty="0"/>
-              <a:t>your </a:t>
-            </a:r>
-            <a:r>
-              <a:rPr lang="en-US" dirty="0" smtClean="0"/>
-              <a:t>boilerplate</a:t>
-            </a:r>
-          </a:p>
-          <a:p>
-            <a:r>
-              <a:rPr lang="en-US" dirty="0" smtClean="0"/>
-              <a:t>F# gives great tools to build internal DSLs</a:t>
-            </a:r>
-            <a:endParaRPr lang="en-US" dirty="0"/>
-          </a:p>
-          <a:p>
-            <a:endParaRPr lang="en-US" dirty="0"/>
+              <a:rPr lang="en-US" sz="2000" dirty="0" smtClean="0"/>
+              <a:t>No INPC boilerplate model</a:t>
+            </a:r>
+          </a:p>
+          <a:p>
+            <a:r>
+              <a:rPr lang="en-US" sz="2000" dirty="0" smtClean="0"/>
+              <a:t>Abstract polymorphic view</a:t>
+            </a:r>
+          </a:p>
+          <a:p>
+            <a:r>
+              <a:rPr lang="en-US" sz="2000" dirty="0" smtClean="0"/>
+              <a:t>Loosely couple controller</a:t>
+            </a:r>
+          </a:p>
+          <a:p>
+            <a:r>
+              <a:rPr lang="en-US" sz="2000" dirty="0" smtClean="0"/>
+              <a:t>Type checked event to handler mapping</a:t>
+            </a:r>
+          </a:p>
+          <a:p>
+            <a:r>
+              <a:rPr lang="en-US" sz="2000" dirty="0" smtClean="0"/>
+              <a:t>Statically typed data-binding DSL</a:t>
+            </a:r>
+          </a:p>
+          <a:p>
+            <a:r>
+              <a:rPr lang="en-US" sz="2000" dirty="0" smtClean="0"/>
+              <a:t>Lightweight validation</a:t>
+            </a:r>
+          </a:p>
+        </p:txBody>
+      </p:sp>
+      <p:sp>
+        <p:nvSpPr>
+          <p:cNvPr id="12" name="Content Placeholder 11"/>
+          <p:cNvSpPr>
+            <a:spLocks noGrp="1"/>
+          </p:cNvSpPr>
+          <p:nvPr>
+            <p:ph sz="half" idx="2"/>
+          </p:nvPr>
+        </p:nvSpPr>
+        <p:spPr>
+          <a:xfrm>
+            <a:off x="5540373" y="1773236"/>
+            <a:ext cx="5867400" cy="3455989"/>
+          </a:xfrm>
+        </p:spPr>
+        <p:txBody>
+          <a:bodyPr>
+            <a:normAutofit/>
+          </a:bodyPr>
+          <a:lstStyle/>
+          <a:p>
+            <a:r>
+              <a:rPr lang="en-US" sz="2000" dirty="0" smtClean="0"/>
+              <a:t>Type system supported Async</a:t>
+            </a:r>
+            <a:endParaRPr lang="en-US" sz="2000" dirty="0"/>
+          </a:p>
+          <a:p>
+            <a:r>
+              <a:rPr lang="en-US" sz="2000" dirty="0" smtClean="0"/>
+              <a:t>Dialogs/Windows as sync/</a:t>
+            </a:r>
+            <a:r>
+              <a:rPr lang="en-US" sz="2000" dirty="0" err="1" smtClean="0"/>
+              <a:t>async</a:t>
+            </a:r>
+            <a:r>
+              <a:rPr lang="en-US" sz="2000" dirty="0" smtClean="0"/>
+              <a:t> workflows </a:t>
+            </a:r>
+          </a:p>
+          <a:p>
+            <a:r>
+              <a:rPr lang="en-US" sz="2000" dirty="0" smtClean="0"/>
+              <a:t>Reentrancy problem solved at one place</a:t>
+            </a:r>
+          </a:p>
+          <a:p>
+            <a:r>
+              <a:rPr lang="en-US" sz="2000" dirty="0" smtClean="0"/>
+              <a:t>COMPOSITION</a:t>
+            </a:r>
+          </a:p>
+          <a:p>
+            <a:r>
+              <a:rPr lang="en-US" sz="2000" dirty="0" smtClean="0"/>
+              <a:t>External event source</a:t>
+            </a:r>
+          </a:p>
+          <a:p>
+            <a:r>
+              <a:rPr lang="en-US" sz="2000" dirty="0" smtClean="0"/>
+              <a:t>Declarative derived properties</a:t>
+            </a:r>
+          </a:p>
+          <a:p>
+            <a:r>
+              <a:rPr lang="en-US" sz="2000" dirty="0" smtClean="0"/>
+              <a:t>Queries, type providers …</a:t>
+            </a:r>
+            <a:endParaRPr lang="en-US" sz="2000" dirty="0"/>
+          </a:p>
+        </p:txBody>
+      </p:sp>
+      <p:sp>
+        <p:nvSpPr>
+          <p:cNvPr id="3" name="Rectangle 2"/>
+          <p:cNvSpPr/>
+          <p:nvPr/>
+        </p:nvSpPr>
+        <p:spPr>
+          <a:xfrm>
+            <a:off x="1821656" y="5444609"/>
+            <a:ext cx="8545512" cy="369332"/>
+          </a:xfrm>
+          <a:prstGeom prst="rect">
+            <a:avLst/>
+          </a:prstGeom>
+        </p:spPr>
+        <p:txBody>
+          <a:bodyPr wrap="square">
+            <a:spAutoFit/>
+          </a:bodyPr>
+          <a:lstStyle/>
+          <a:p>
+            <a:r>
+              <a:rPr lang="en-US" b="1" dirty="0" smtClean="0"/>
+              <a:t>All components replaceable/optional except IView, </a:t>
+            </a:r>
+            <a:r>
+              <a:rPr lang="en-US" b="1" dirty="0" err="1" smtClean="0"/>
+              <a:t>IController</a:t>
+            </a:r>
+            <a:r>
+              <a:rPr lang="en-US" b="1" dirty="0" smtClean="0"/>
+              <a:t> and MVC</a:t>
+            </a:r>
+            <a:endParaRPr lang="en-US" b="1" dirty="0"/>
           </a:p>
         </p:txBody>
       </p:sp>
     </p:spTree>
     <p:extLst>
       <p:ext uri="{BB962C8B-B14F-4D97-AF65-F5344CB8AC3E}">
-        <p14:creationId xmlns:p14="http://schemas.microsoft.com/office/powerpoint/2010/main" val="1517226537"/>
+        <p14:creationId xmlns:p14="http://schemas.microsoft.com/office/powerpoint/2010/main" val="1134198775"/>
       </p:ext>
     </p:extLst>
   </p:cSld>
@@ -15915,510 +15574,6 @@
           <a:p>
             <a:r>
               <a:rPr lang="en-US" dirty="0" smtClean="0"/>
-              <a:t>Derived properties</a:t>
-            </a:r>
-            <a:endParaRPr lang="en-US" dirty="0"/>
-          </a:p>
-        </p:txBody>
-      </p:sp>
-      <p:sp>
-        <p:nvSpPr>
-          <p:cNvPr id="3" name="Content Placeholder 2"/>
-          <p:cNvSpPr>
-            <a:spLocks noGrp="1"/>
-          </p:cNvSpPr>
-          <p:nvPr>
-            <p:ph idx="1"/>
-          </p:nvPr>
-        </p:nvSpPr>
-        <p:spPr/>
-        <p:txBody>
-          <a:bodyPr>
-            <a:normAutofit fontScale="92500" lnSpcReduction="10000"/>
-          </a:bodyPr>
-          <a:lstStyle/>
-          <a:p>
-            <a:r>
-              <a:rPr lang="en-US" dirty="0"/>
-              <a:t>Scrap your </a:t>
-            </a:r>
-            <a:r>
-              <a:rPr lang="en-US" dirty="0" smtClean="0"/>
-              <a:t>boilerplate</a:t>
-            </a:r>
-            <a:endParaRPr lang="en-US" dirty="0"/>
-          </a:p>
-          <a:p>
-            <a:r>
-              <a:rPr lang="en-US" dirty="0" smtClean="0"/>
-              <a:t>F# pure magic</a:t>
-            </a:r>
-          </a:p>
-          <a:p>
-            <a:pPr lvl="1"/>
-            <a:r>
-              <a:rPr lang="en-US" dirty="0"/>
-              <a:t>ReflectedDefinitionAttribute</a:t>
-            </a:r>
-            <a:endParaRPr lang="en-US" dirty="0" smtClean="0"/>
-          </a:p>
-          <a:p>
-            <a:pPr lvl="1"/>
-            <a:r>
-              <a:rPr lang="en-US" dirty="0" smtClean="0"/>
-              <a:t>Quotation</a:t>
-            </a:r>
-            <a:r>
-              <a:rPr lang="en-US" dirty="0"/>
-              <a:t> </a:t>
-            </a:r>
-            <a:endParaRPr lang="en-US" dirty="0" smtClean="0"/>
-          </a:p>
-          <a:p>
-            <a:pPr lvl="1"/>
-            <a:r>
-              <a:rPr lang="en-US" dirty="0" smtClean="0"/>
-              <a:t>Active patterns (a lot)</a:t>
-            </a:r>
-          </a:p>
-          <a:p>
-            <a:r>
-              <a:rPr lang="en-US" dirty="0" smtClean="0"/>
-              <a:t>WPF black magic</a:t>
-            </a:r>
-          </a:p>
-          <a:p>
-            <a:pPr lvl="1"/>
-            <a:r>
-              <a:rPr lang="en-US" dirty="0" smtClean="0"/>
-              <a:t>Custom dynamic dependency properties</a:t>
-            </a:r>
-          </a:p>
-          <a:p>
-            <a:pPr lvl="1"/>
-            <a:r>
-              <a:rPr lang="en-US" dirty="0" err="1" smtClean="0"/>
-              <a:t>MultiBinding</a:t>
-            </a:r>
-            <a:endParaRPr lang="en-US" dirty="0" smtClean="0"/>
-          </a:p>
-          <a:p>
-            <a:pPr lvl="1"/>
-            <a:endParaRPr lang="en-US" dirty="0"/>
-          </a:p>
-        </p:txBody>
-      </p:sp>
-    </p:spTree>
-    <p:extLst>
-      <p:ext uri="{BB962C8B-B14F-4D97-AF65-F5344CB8AC3E}">
-        <p14:creationId xmlns:p14="http://schemas.microsoft.com/office/powerpoint/2010/main" val="2632499272"/>
-      </p:ext>
-    </p:extLst>
-  </p:cSld>
-  <p:clrMapOvr>
-    <a:masterClrMapping/>
-  </p:clrMapOvr>
-  <p:timing>
-    <p:tnLst>
-      <p:par>
-        <p:cTn id="1" dur="indefinite" restart="never" nodeType="tmRoot"/>
-      </p:par>
-    </p:tnLst>
-  </p:timing>
-</p:sld>
-</file>
-
-<file path=ppt/slides/slide23.xml><?xml version="1.0" encoding="utf-8"?>
-<p:sld xmlns:a="http://schemas.openxmlformats.org/drawingml/2006/main" xmlns:r="http://schemas.openxmlformats.org/officeDocument/2006/relationships" xmlns:p="http://schemas.openxmlformats.org/presentationml/2006/main">
-  <p:cSld>
-    <p:spTree>
-      <p:nvGrpSpPr>
-        <p:cNvPr id="1" name=""/>
-        <p:cNvGrpSpPr/>
-        <p:nvPr/>
-      </p:nvGrpSpPr>
-      <p:grpSpPr>
-        <a:xfrm>
-          <a:off x="0" y="0"/>
-          <a:ext cx="0" cy="0"/>
-          <a:chOff x="0" y="0"/>
-          <a:chExt cx="0" cy="0"/>
-        </a:xfrm>
-      </p:grpSpPr>
-      <p:sp>
-        <p:nvSpPr>
-          <p:cNvPr id="2" name="Title 1"/>
-          <p:cNvSpPr>
-            <a:spLocks noGrp="1"/>
-          </p:cNvSpPr>
-          <p:nvPr>
-            <p:ph type="title"/>
-          </p:nvPr>
-        </p:nvSpPr>
-        <p:spPr/>
-        <p:txBody>
-          <a:bodyPr/>
-          <a:lstStyle/>
-          <a:p>
-            <a:r>
-              <a:rPr lang="en-US" dirty="0" smtClean="0"/>
-              <a:t>F# 3.0/.net4.5</a:t>
-            </a:r>
-            <a:endParaRPr lang="en-US" dirty="0"/>
-          </a:p>
-        </p:txBody>
-      </p:sp>
-      <p:sp>
-        <p:nvSpPr>
-          <p:cNvPr id="3" name="Content Placeholder 2"/>
-          <p:cNvSpPr>
-            <a:spLocks noGrp="1"/>
-          </p:cNvSpPr>
-          <p:nvPr>
-            <p:ph idx="1"/>
-          </p:nvPr>
-        </p:nvSpPr>
-        <p:spPr/>
-        <p:txBody>
-          <a:bodyPr/>
-          <a:lstStyle/>
-          <a:p>
-            <a:r>
-              <a:rPr lang="en-US" dirty="0" smtClean="0"/>
-              <a:t>Queries</a:t>
-            </a:r>
-          </a:p>
-          <a:p>
-            <a:r>
-              <a:rPr lang="en-US" dirty="0" smtClean="0"/>
-              <a:t>Type providers</a:t>
-            </a:r>
-          </a:p>
-          <a:p>
-            <a:pPr lvl="1"/>
-            <a:r>
-              <a:rPr lang="en-US" dirty="0" smtClean="0"/>
-              <a:t>WSDL</a:t>
-            </a:r>
-          </a:p>
-          <a:p>
-            <a:pPr lvl="1"/>
-            <a:r>
-              <a:rPr lang="en-US" dirty="0" smtClean="0"/>
-              <a:t>XAML</a:t>
-            </a:r>
-          </a:p>
-          <a:p>
-            <a:r>
-              <a:rPr lang="en-US" dirty="0" smtClean="0"/>
-              <a:t>INotifyDataErrorInfo</a:t>
-            </a:r>
-          </a:p>
-          <a:p>
-            <a:r>
-              <a:rPr lang="en-US" dirty="0"/>
-              <a:t>ExceptionDispatchInfo</a:t>
-            </a:r>
-            <a:endParaRPr lang="en-US" dirty="0" smtClean="0"/>
-          </a:p>
-          <a:p>
-            <a:endParaRPr lang="en-US" dirty="0"/>
-          </a:p>
-        </p:txBody>
-      </p:sp>
-    </p:spTree>
-    <p:extLst>
-      <p:ext uri="{BB962C8B-B14F-4D97-AF65-F5344CB8AC3E}">
-        <p14:creationId xmlns:p14="http://schemas.microsoft.com/office/powerpoint/2010/main" val="231815751"/>
-      </p:ext>
-    </p:extLst>
-  </p:cSld>
-  <p:clrMapOvr>
-    <a:masterClrMapping/>
-  </p:clrMapOvr>
-  <p:timing>
-    <p:tnLst>
-      <p:par>
-        <p:cTn id="1" dur="indefinite" restart="never" nodeType="tmRoot"/>
-      </p:par>
-    </p:tnLst>
-  </p:timing>
-</p:sld>
-</file>
-
-<file path=ppt/slides/slide24.xml><?xml version="1.0" encoding="utf-8"?>
-<p:sld xmlns:a="http://schemas.openxmlformats.org/drawingml/2006/main" xmlns:r="http://schemas.openxmlformats.org/officeDocument/2006/relationships" xmlns:p="http://schemas.openxmlformats.org/presentationml/2006/main">
-  <p:cSld>
-    <p:spTree>
-      <p:nvGrpSpPr>
-        <p:cNvPr id="1" name=""/>
-        <p:cNvGrpSpPr/>
-        <p:nvPr/>
-      </p:nvGrpSpPr>
-      <p:grpSpPr>
-        <a:xfrm>
-          <a:off x="0" y="0"/>
-          <a:ext cx="0" cy="0"/>
-          <a:chOff x="0" y="0"/>
-          <a:chExt cx="0" cy="0"/>
-        </a:xfrm>
-      </p:grpSpPr>
-      <p:sp>
-        <p:nvSpPr>
-          <p:cNvPr id="2" name="Title 1"/>
-          <p:cNvSpPr>
-            <a:spLocks noGrp="1"/>
-          </p:cNvSpPr>
-          <p:nvPr>
-            <p:ph type="title"/>
-          </p:nvPr>
-        </p:nvSpPr>
-        <p:spPr/>
-        <p:txBody>
-          <a:bodyPr/>
-          <a:lstStyle/>
-          <a:p>
-            <a:r>
-              <a:rPr lang="en-US" dirty="0" smtClean="0"/>
-              <a:t>F# MVC </a:t>
-            </a:r>
-            <a:r>
-              <a:rPr lang="en-US" cap="none" dirty="0" smtClean="0"/>
-              <a:t>for</a:t>
-            </a:r>
-            <a:r>
-              <a:rPr lang="en-US" dirty="0" smtClean="0"/>
-              <a:t> WPF </a:t>
-            </a:r>
-            <a:endParaRPr lang="en-US" dirty="0"/>
-          </a:p>
-        </p:txBody>
-      </p:sp>
-      <p:sp>
-        <p:nvSpPr>
-          <p:cNvPr id="11" name="Content Placeholder 10"/>
-          <p:cNvSpPr>
-            <a:spLocks noGrp="1"/>
-          </p:cNvSpPr>
-          <p:nvPr>
-            <p:ph sz="half" idx="1"/>
-          </p:nvPr>
-        </p:nvSpPr>
-        <p:spPr>
-          <a:xfrm>
-            <a:off x="781051" y="1773236"/>
-            <a:ext cx="4810125" cy="3455989"/>
-          </a:xfrm>
-        </p:spPr>
-        <p:txBody>
-          <a:bodyPr>
-            <a:normAutofit/>
-          </a:bodyPr>
-          <a:lstStyle/>
-          <a:p>
-            <a:r>
-              <a:rPr lang="en-US" sz="2000" dirty="0" smtClean="0"/>
-              <a:t>No INPC boilerplate model</a:t>
-            </a:r>
-          </a:p>
-          <a:p>
-            <a:r>
-              <a:rPr lang="en-US" sz="2000" dirty="0" smtClean="0"/>
-              <a:t>Abstract polymorphic view</a:t>
-            </a:r>
-          </a:p>
-          <a:p>
-            <a:r>
-              <a:rPr lang="en-US" sz="2000" dirty="0" smtClean="0"/>
-              <a:t>Loosely couple controller</a:t>
-            </a:r>
-          </a:p>
-          <a:p>
-            <a:r>
-              <a:rPr lang="en-US" sz="2000" dirty="0" smtClean="0"/>
-              <a:t>Type checked event to handler mapping</a:t>
-            </a:r>
-          </a:p>
-          <a:p>
-            <a:r>
-              <a:rPr lang="en-US" sz="2000" dirty="0" smtClean="0"/>
-              <a:t>Statically typed data-binding DSL</a:t>
-            </a:r>
-          </a:p>
-          <a:p>
-            <a:r>
-              <a:rPr lang="en-US" sz="2000" dirty="0" smtClean="0"/>
-              <a:t>Lightweight validation</a:t>
-            </a:r>
-          </a:p>
-        </p:txBody>
-      </p:sp>
-      <p:sp>
-        <p:nvSpPr>
-          <p:cNvPr id="12" name="Content Placeholder 11"/>
-          <p:cNvSpPr>
-            <a:spLocks noGrp="1"/>
-          </p:cNvSpPr>
-          <p:nvPr>
-            <p:ph sz="half" idx="2"/>
-          </p:nvPr>
-        </p:nvSpPr>
-        <p:spPr>
-          <a:xfrm>
-            <a:off x="5540373" y="1773236"/>
-            <a:ext cx="5867400" cy="3455989"/>
-          </a:xfrm>
-        </p:spPr>
-        <p:txBody>
-          <a:bodyPr>
-            <a:normAutofit/>
-          </a:bodyPr>
-          <a:lstStyle/>
-          <a:p>
-            <a:r>
-              <a:rPr lang="en-US" sz="2000" dirty="0" smtClean="0"/>
-              <a:t>Type system supported Async</a:t>
-            </a:r>
-            <a:endParaRPr lang="en-US" sz="2000" dirty="0"/>
-          </a:p>
-          <a:p>
-            <a:r>
-              <a:rPr lang="en-US" sz="2000" dirty="0" smtClean="0"/>
-              <a:t>Dialogs/Windows as sync/</a:t>
-            </a:r>
-            <a:r>
-              <a:rPr lang="en-US" sz="2000" dirty="0" err="1" smtClean="0"/>
-              <a:t>async</a:t>
-            </a:r>
-            <a:r>
-              <a:rPr lang="en-US" sz="2000" dirty="0" smtClean="0"/>
-              <a:t> workflows </a:t>
-            </a:r>
-          </a:p>
-          <a:p>
-            <a:r>
-              <a:rPr lang="en-US" sz="2000" dirty="0" smtClean="0"/>
-              <a:t>Reentrancy problem solved at one place</a:t>
-            </a:r>
-          </a:p>
-          <a:p>
-            <a:r>
-              <a:rPr lang="en-US" sz="2000" dirty="0" smtClean="0"/>
-              <a:t>COMPOSITION</a:t>
-            </a:r>
-          </a:p>
-          <a:p>
-            <a:r>
-              <a:rPr lang="en-US" sz="2000" dirty="0" smtClean="0"/>
-              <a:t>External event source</a:t>
-            </a:r>
-          </a:p>
-          <a:p>
-            <a:r>
-              <a:rPr lang="en-US" sz="2000" dirty="0" smtClean="0"/>
-              <a:t>Declarative derived properties</a:t>
-            </a:r>
-          </a:p>
-          <a:p>
-            <a:r>
-              <a:rPr lang="en-US" sz="2000" dirty="0" smtClean="0"/>
-              <a:t>Queries, type providers …</a:t>
-            </a:r>
-            <a:endParaRPr lang="en-US" sz="2000" dirty="0"/>
-          </a:p>
-        </p:txBody>
-      </p:sp>
-      <p:sp>
-        <p:nvSpPr>
-          <p:cNvPr id="3" name="Rectangle 2"/>
-          <p:cNvSpPr/>
-          <p:nvPr/>
-        </p:nvSpPr>
-        <p:spPr>
-          <a:xfrm>
-            <a:off x="1821656" y="5444609"/>
-            <a:ext cx="8545512" cy="369332"/>
-          </a:xfrm>
-          <a:prstGeom prst="rect">
-            <a:avLst/>
-          </a:prstGeom>
-        </p:spPr>
-        <p:txBody>
-          <a:bodyPr wrap="square">
-            <a:spAutoFit/>
-          </a:bodyPr>
-          <a:lstStyle/>
-          <a:p>
-            <a:r>
-              <a:rPr lang="en-US" b="1" dirty="0" smtClean="0"/>
-              <a:t>All components replaceable/optional except IView, </a:t>
-            </a:r>
-            <a:r>
-              <a:rPr lang="en-US" b="1" dirty="0" err="1" smtClean="0"/>
-              <a:t>IController</a:t>
-            </a:r>
-            <a:r>
-              <a:rPr lang="en-US" b="1" dirty="0" smtClean="0"/>
-              <a:t> and MVC</a:t>
-            </a:r>
-            <a:endParaRPr lang="en-US" b="1" dirty="0"/>
-          </a:p>
-        </p:txBody>
-      </p:sp>
-    </p:spTree>
-    <p:extLst>
-      <p:ext uri="{BB962C8B-B14F-4D97-AF65-F5344CB8AC3E}">
-        <p14:creationId xmlns:p14="http://schemas.microsoft.com/office/powerpoint/2010/main" val="1134198775"/>
-      </p:ext>
-    </p:extLst>
-  </p:cSld>
-  <p:clrMapOvr>
-    <a:masterClrMapping/>
-  </p:clrMapOvr>
-  <p:timing>
-    <p:tnLst>
-      <p:par>
-        <p:cTn id="1" dur="indefinite" restart="never" nodeType="tmRoot"/>
-      </p:par>
-    </p:tnLst>
-  </p:timing>
-</p:sld>
-</file>
-
-<file path=ppt/slides/slide25.xml><?xml version="1.0" encoding="utf-8"?>
-<p:sld xmlns:a="http://schemas.openxmlformats.org/drawingml/2006/main" xmlns:r="http://schemas.openxmlformats.org/officeDocument/2006/relationships" xmlns:p="http://schemas.openxmlformats.org/presentationml/2006/main">
-  <p:cSld>
-    <p:spTree>
-      <p:nvGrpSpPr>
-        <p:cNvPr id="1" name=""/>
-        <p:cNvGrpSpPr/>
-        <p:nvPr/>
-      </p:nvGrpSpPr>
-      <p:grpSpPr>
-        <a:xfrm>
-          <a:off x="0" y="0"/>
-          <a:ext cx="0" cy="0"/>
-          <a:chOff x="0" y="0"/>
-          <a:chExt cx="0" cy="0"/>
-        </a:xfrm>
-      </p:grpSpPr>
-      <p:sp>
-        <p:nvSpPr>
-          <p:cNvPr id="2" name="Title 1"/>
-          <p:cNvSpPr>
-            <a:spLocks noGrp="1"/>
-          </p:cNvSpPr>
-          <p:nvPr>
-            <p:ph type="title"/>
-          </p:nvPr>
-        </p:nvSpPr>
-        <p:spPr/>
-        <p:txBody>
-          <a:bodyPr/>
-          <a:lstStyle/>
-          <a:p>
-            <a:r>
-              <a:rPr lang="en-US" dirty="0" smtClean="0"/>
               <a:t>In summary</a:t>
             </a:r>
             <a:endParaRPr lang="en-US" dirty="0"/>
@@ -16475,9 +15630,10 @@
             </a:r>
           </a:p>
           <a:p>
-            <a:pPr marL="0" indent="0">
-              <a:buNone/>
-            </a:pPr>
+            <a:r>
+              <a:rPr lang="en-US" dirty="0" smtClean="0"/>
+              <a:t>Go thru the framework code base – it’s great language tutorial</a:t>
+            </a:r>
             <a:r>
               <a:rPr lang="en-US" dirty="0" smtClean="0"/>
               <a:t/>
@@ -16536,77 +15692,65 @@
             <p:ph type="title"/>
           </p:nvPr>
         </p:nvSpPr>
-        <p:spPr/>
-        <p:txBody>
-          <a:bodyPr/>
-          <a:lstStyle/>
-          <a:p>
-            <a:r>
-              <a:rPr lang="en-US" dirty="0" smtClean="0"/>
-              <a:t>GUI APPLICATION DEVELOPMENT</a:t>
-            </a:r>
-            <a:endParaRPr lang="en-US" dirty="0"/>
-          </a:p>
-        </p:txBody>
-      </p:sp>
-      <p:sp>
-        <p:nvSpPr>
-          <p:cNvPr id="5" name="Text Placeholder 4"/>
-          <p:cNvSpPr>
-            <a:spLocks noGrp="1"/>
-          </p:cNvSpPr>
-          <p:nvPr>
-            <p:ph type="body" sz="half" idx="2"/>
-          </p:nvPr>
-        </p:nvSpPr>
         <p:spPr>
           <a:xfrm>
-            <a:off x="1141410" y="3562709"/>
-            <a:ext cx="9904459" cy="2228490"/>
+            <a:off x="1519183" y="618518"/>
+            <a:ext cx="9528228" cy="1478570"/>
           </a:xfrm>
         </p:spPr>
         <p:txBody>
           <a:bodyPr/>
           <a:lstStyle/>
           <a:p>
-            <a:pPr marL="342900" indent="-342900">
-              <a:buFont typeface="Arial" panose="020B0604020202020204" pitchFamily="34" charset="0"/>
-              <a:buChar char="•"/>
-            </a:pPr>
             <a:r>
               <a:rPr lang="en-US" dirty="0" smtClean="0"/>
-              <a:t>Inherently hard</a:t>
-            </a:r>
-          </a:p>
-          <a:p>
-            <a:pPr marL="342900" indent="-342900">
-              <a:buFont typeface="Arial" panose="020B0604020202020204" pitchFamily="34" charset="0"/>
-              <a:buChar char="•"/>
-            </a:pPr>
+              <a:t>MVvm (</a:t>
+            </a:r>
+            <a:r>
+              <a:rPr lang="en-US" cap="none" dirty="0" smtClean="0"/>
+              <a:t>Model-View-ViewModel</a:t>
+            </a:r>
             <a:r>
               <a:rPr lang="en-US" dirty="0" smtClean="0"/>
-              <a:t>Essential complexity</a:t>
-            </a:r>
-          </a:p>
-          <a:p>
-            <a:pPr marL="342900" indent="-342900">
-              <a:buFont typeface="Arial" panose="020B0604020202020204" pitchFamily="34" charset="0"/>
-              <a:buChar char="•"/>
-            </a:pPr>
-            <a:r>
-              <a:rPr lang="en-US" dirty="0" smtClean="0"/>
-              <a:t>OOP was thought as THE way to handle it</a:t>
-            </a:r>
-          </a:p>
-          <a:p>
+              <a:t>)</a:t>
+            </a:r>
             <a:endParaRPr lang="en-US" dirty="0"/>
           </a:p>
         </p:txBody>
       </p:sp>
+      <p:pic>
+        <p:nvPicPr>
+          <p:cNvPr id="6" name="Content Placeholder 5"/>
+          <p:cNvPicPr>
+            <a:picLocks noGrp="1" noChangeAspect="1"/>
+          </p:cNvPicPr>
+          <p:nvPr>
+            <p:ph idx="1"/>
+          </p:nvPr>
+        </p:nvPicPr>
+        <p:blipFill>
+          <a:blip r:embed="rId2">
+            <a:extLst>
+              <a:ext uri="{28A0092B-C50C-407E-A947-70E740481C1C}">
+                <a14:useLocalDpi xmlns:a14="http://schemas.microsoft.com/office/drawing/2010/main" val="0"/>
+              </a:ext>
+            </a:extLst>
+          </a:blip>
+          <a:stretch>
+            <a:fillRect/>
+          </a:stretch>
+        </p:blipFill>
+        <p:spPr>
+          <a:xfrm>
+            <a:off x="1519183" y="1700221"/>
+            <a:ext cx="9150458" cy="3161068"/>
+          </a:xfrm>
+        </p:spPr>
+      </p:pic>
     </p:spTree>
     <p:extLst>
       <p:ext uri="{BB962C8B-B14F-4D97-AF65-F5344CB8AC3E}">
-        <p14:creationId xmlns:p14="http://schemas.microsoft.com/office/powerpoint/2010/main" val="3640232196"/>
+        <p14:creationId xmlns:p14="http://schemas.microsoft.com/office/powerpoint/2010/main" val="3569035093"/>
       </p:ext>
     </p:extLst>
   </p:cSld>
@@ -16642,7 +15786,7 @@
       </p:grpSpPr>
       <p:sp>
         <p:nvSpPr>
-          <p:cNvPr id="2" name="Title 1"/>
+          <p:cNvPr id="4" name="Title 3"/>
           <p:cNvSpPr>
             <a:spLocks noGrp="1"/>
           </p:cNvSpPr>
@@ -16650,25 +15794,24 @@
             <p:ph type="title"/>
           </p:nvPr>
         </p:nvSpPr>
-        <p:spPr>
-          <a:xfrm>
-            <a:off x="1923690" y="361343"/>
-            <a:ext cx="9123721" cy="829282"/>
-          </a:xfrm>
-        </p:spPr>
+        <p:spPr/>
         <p:txBody>
           <a:bodyPr/>
           <a:lstStyle/>
           <a:p>
             <a:r>
               <a:rPr lang="en-US" dirty="0" smtClean="0"/>
-              <a:t>Mvvm </a:t>
+              <a:t>Can we do better </a:t>
             </a:r>
             <a:r>
               <a:rPr lang="en-US" cap="none" dirty="0" smtClean="0"/>
-              <a:t>introduction</a:t>
-            </a:r>
-            <a:endParaRPr lang="en-US" cap="none" dirty="0"/>
+              <a:t>in</a:t>
+            </a:r>
+            <a:r>
+              <a:rPr lang="en-US" dirty="0" smtClean="0"/>
+              <a:t> F#?</a:t>
+            </a:r>
+            <a:endParaRPr lang="en-US" dirty="0"/>
           </a:p>
         </p:txBody>
       </p:sp>
@@ -16682,183 +15825,42 @@
             <p:ph idx="1"/>
           </p:nvPr>
         </p:nvSpPr>
-        <p:spPr>
-          <a:xfrm>
-            <a:off x="1923690" y="1409700"/>
-            <a:ext cx="9583947" cy="4981575"/>
-          </a:xfrm>
-        </p:spPr>
+        <p:spPr/>
         <p:txBody>
-          <a:bodyPr>
-            <a:noAutofit/>
-          </a:bodyPr>
+          <a:bodyPr/>
           <a:lstStyle/>
           <a:p>
             <a:r>
-              <a:rPr lang="en-US" sz="2000" dirty="0"/>
-              <a:t>Variation of Martin Fowler’s “Presentation Model” pattern</a:t>
-            </a:r>
-          </a:p>
-          <a:p>
-            <a:r>
-              <a:rPr lang="en-US" sz="2000" dirty="0" smtClean="0"/>
-              <a:t>Certainly better than old fashion “Autonomous View” (Code-behind) </a:t>
-            </a:r>
-          </a:p>
-          <a:p>
-            <a:r>
-              <a:rPr lang="en-US" sz="2000" dirty="0" smtClean="0"/>
-              <a:t>De-facto </a:t>
-            </a:r>
-            <a:r>
-              <a:rPr lang="en-US" sz="2000" dirty="0"/>
-              <a:t>standard for XAML-based frameworks</a:t>
-            </a:r>
-          </a:p>
-          <a:p>
-            <a:pPr lvl="1"/>
-            <a:r>
-              <a:rPr lang="en-US" dirty="0"/>
-              <a:t>WPF, Silverlight, Windows Store Apps (even </a:t>
-            </a:r>
-            <a:r>
-              <a:rPr lang="en-US" dirty="0" err="1"/>
-              <a:t>WinForms</a:t>
-            </a:r>
-            <a:r>
-              <a:rPr lang="en-US" dirty="0"/>
-              <a:t>)</a:t>
-            </a:r>
-          </a:p>
-          <a:p>
-            <a:r>
-              <a:rPr lang="en-US" sz="2000" dirty="0" smtClean="0"/>
-              <a:t>For details see </a:t>
-            </a:r>
-            <a:r>
-              <a:rPr lang="en-US" sz="2000" b="1" dirty="0"/>
-              <a:t>Chris </a:t>
-            </a:r>
-            <a:r>
-              <a:rPr lang="en-US" sz="2000" b="1" dirty="0" err="1" smtClean="0"/>
-              <a:t>Marinos’s</a:t>
-            </a:r>
-            <a:r>
-              <a:rPr lang="en-US" sz="2000" b="1" dirty="0" smtClean="0"/>
-              <a:t> “</a:t>
-            </a:r>
-            <a:r>
-              <a:rPr lang="en-US" sz="2000" b="1" dirty="0"/>
-              <a:t>Getting Your </a:t>
-            </a:r>
-            <a:r>
-              <a:rPr lang="en-US" sz="2000" b="1" dirty="0" err="1"/>
-              <a:t>Func</a:t>
-            </a:r>
-            <a:r>
-              <a:rPr lang="en-US" sz="2000" b="1" dirty="0"/>
-              <a:t>(</a:t>
-            </a:r>
-            <a:r>
-              <a:rPr lang="en-US" sz="2000" b="1" dirty="0" err="1"/>
-              <a:t>tional</a:t>
-            </a:r>
-            <a:r>
-              <a:rPr lang="en-US" sz="2000" b="1" dirty="0"/>
-              <a:t>) on with F</a:t>
-            </a:r>
-            <a:r>
-              <a:rPr lang="en-US" sz="2000" b="1" dirty="0" smtClean="0"/>
-              <a:t>#”</a:t>
-            </a:r>
-            <a:br>
-              <a:rPr lang="en-US" sz="2000" b="1" dirty="0" smtClean="0"/>
-            </a:br>
-            <a:r>
-              <a:rPr lang="en-US" sz="2000" dirty="0">
-                <a:hlinkClick r:id="rId2"/>
-              </a:rPr>
-              <a:t>http://www.meetup.com/nyc-fsharp/events/22059701/</a:t>
-            </a:r>
-            <a:endParaRPr lang="en-US" sz="2000" b="1" dirty="0"/>
-          </a:p>
-          <a:p>
-            <a:r>
-              <a:rPr lang="en-US" sz="2000" dirty="0" smtClean="0"/>
-              <a:t>Daniel </a:t>
-            </a:r>
-            <a:r>
-              <a:rPr lang="en-US" sz="2000" dirty="0" err="1" smtClean="0"/>
-              <a:t>Mohl’s</a:t>
-            </a:r>
-            <a:r>
-              <a:rPr lang="en-US" sz="2000" dirty="0" smtClean="0"/>
-              <a:t> F# Project Templates:</a:t>
-            </a:r>
-          </a:p>
-          <a:p>
-            <a:pPr lvl="1"/>
-            <a:r>
-              <a:rPr lang="en-US" b="1" dirty="0"/>
-              <a:t>F# and C# Win App (WPF, MVVM)</a:t>
-            </a:r>
-          </a:p>
-          <a:p>
-            <a:pPr lvl="1"/>
-            <a:r>
-              <a:rPr lang="en-US" b="1" dirty="0"/>
-              <a:t>F# Windows App (WPF, MVVM</a:t>
-            </a:r>
-            <a:r>
-              <a:rPr lang="en-US" b="1" dirty="0" smtClean="0"/>
-              <a:t>)</a:t>
-            </a:r>
-          </a:p>
-          <a:p>
-            <a:r>
-              <a:rPr lang="en-US" sz="2000" dirty="0" smtClean="0"/>
-              <a:t>Gustavo Guerra’s WPF helpers </a:t>
-            </a:r>
-            <a:br>
-              <a:rPr lang="en-US" sz="2000" dirty="0" smtClean="0"/>
-            </a:br>
-            <a:r>
-              <a:rPr lang="en-US" sz="2000" dirty="0" smtClean="0">
-                <a:hlinkClick r:id="rId3"/>
-              </a:rPr>
-              <a:t>http://</a:t>
-            </a:r>
-            <a:r>
-              <a:rPr lang="en-US" sz="2000" dirty="0">
-                <a:hlinkClick r:id="rId3"/>
-              </a:rPr>
-              <a:t>github.com/ovatsus/FsWpf</a:t>
-            </a:r>
-            <a:r>
-              <a:rPr lang="en-US" sz="2000" dirty="0" smtClean="0"/>
-              <a:t/>
-            </a:r>
-            <a:br>
-              <a:rPr lang="en-US" sz="2000" dirty="0" smtClean="0"/>
-            </a:br>
-            <a:r>
-              <a:rPr lang="en-US" sz="2000" dirty="0" smtClean="0"/>
-              <a:t/>
-            </a:r>
-            <a:br>
-              <a:rPr lang="en-US" sz="2000" dirty="0" smtClean="0"/>
-            </a:br>
-            <a:endParaRPr lang="en-US" sz="2000" dirty="0" smtClean="0"/>
-          </a:p>
-          <a:p>
-            <a:endParaRPr lang="en-US" sz="2000" dirty="0"/>
+              <a:rPr lang="en-US" dirty="0" smtClean="0"/>
+              <a:t>MVVM has many shortcomings</a:t>
+            </a:r>
+            <a:endParaRPr lang="en-US" dirty="0" smtClean="0"/>
+          </a:p>
+          <a:p>
+            <a:r>
+              <a:rPr lang="en-US" dirty="0" smtClean="0"/>
+              <a:t>It’s still hard to develop WPF apps using MVVM</a:t>
+            </a:r>
+          </a:p>
+          <a:p>
+            <a:r>
+              <a:rPr lang="en-US" dirty="0" smtClean="0"/>
+              <a:t>MVVM was designed </a:t>
+            </a:r>
+            <a:r>
+              <a:rPr lang="en-US" dirty="0" smtClean="0"/>
+              <a:t>with C# limitations in mind</a:t>
+            </a:r>
+          </a:p>
+          <a:p>
+            <a:endParaRPr lang="en-US" dirty="0"/>
           </a:p>
         </p:txBody>
       </p:sp>
     </p:spTree>
     <p:extLst>
       <p:ext uri="{BB962C8B-B14F-4D97-AF65-F5344CB8AC3E}">
-        <p14:creationId xmlns:p14="http://schemas.microsoft.com/office/powerpoint/2010/main" val="3952447967"/>
+        <p14:creationId xmlns:p14="http://schemas.microsoft.com/office/powerpoint/2010/main" val="3716489453"/>
       </p:ext>
     </p:extLst>
   </p:cSld>
@@ -16894,7 +15896,7 @@
       </p:grpSpPr>
       <p:sp>
         <p:nvSpPr>
-          <p:cNvPr id="4" name="Title 3"/>
+          <p:cNvPr id="2" name="Title 1"/>
           <p:cNvSpPr>
             <a:spLocks noGrp="1"/>
           </p:cNvSpPr>
@@ -16904,8 +15906,8 @@
         </p:nvSpPr>
         <p:spPr>
           <a:xfrm>
-            <a:off x="1519183" y="618518"/>
-            <a:ext cx="9528228" cy="1478570"/>
+            <a:off x="974785" y="618518"/>
+            <a:ext cx="10153290" cy="705457"/>
           </a:xfrm>
         </p:spPr>
         <p:txBody>
@@ -16914,53 +15916,381 @@
           <a:p>
             <a:r>
               <a:rPr lang="en-US" dirty="0" smtClean="0"/>
-              <a:t>MVvm (</a:t>
-            </a:r>
-            <a:r>
-              <a:rPr lang="en-US" cap="none" dirty="0" smtClean="0"/>
-              <a:t>Model-View-ViewModel</a:t>
-            </a:r>
-            <a:r>
-              <a:rPr lang="en-US" dirty="0" smtClean="0"/>
-              <a:t>)</a:t>
+              <a:t>FIRST class EventS-Driven architecture</a:t>
             </a:r>
             <a:endParaRPr lang="en-US" dirty="0"/>
           </a:p>
         </p:txBody>
       </p:sp>
-      <p:pic>
-        <p:nvPicPr>
-          <p:cNvPr id="6" name="Content Placeholder 5"/>
-          <p:cNvPicPr>
-            <a:picLocks noGrp="1" noChangeAspect="1"/>
-          </p:cNvPicPr>
+      <p:sp>
+        <p:nvSpPr>
+          <p:cNvPr id="3" name="Content Placeholder 2"/>
+          <p:cNvSpPr>
+            <a:spLocks noGrp="1"/>
+          </p:cNvSpPr>
           <p:nvPr>
             <p:ph idx="1"/>
           </p:nvPr>
-        </p:nvPicPr>
-        <p:blipFill>
-          <a:blip r:embed="rId2">
-            <a:extLst>
-              <a:ext uri="{28A0092B-C50C-407E-A947-70E740481C1C}">
-                <a14:useLocalDpi xmlns:a14="http://schemas.microsoft.com/office/drawing/2010/main" val="0"/>
-              </a:ext>
-            </a:extLst>
-          </a:blip>
-          <a:stretch>
-            <a:fillRect/>
-          </a:stretch>
-        </p:blipFill>
+        </p:nvSpPr>
         <p:spPr>
           <a:xfrm>
-            <a:off x="1519183" y="2347202"/>
-            <a:ext cx="9150458" cy="3161068"/>
+            <a:off x="974786" y="1466850"/>
+            <a:ext cx="10153290" cy="4324352"/>
           </a:xfrm>
+          <a:solidFill>
+            <a:schemeClr val="tx1"/>
+          </a:solidFill>
         </p:spPr>
-      </p:pic>
+        <p:txBody>
+          <a:bodyPr>
+            <a:normAutofit fontScale="85000" lnSpcReduction="20000"/>
+          </a:bodyPr>
+          <a:lstStyle/>
+          <a:p>
+            <a:pPr marL="0" indent="0">
+              <a:buNone/>
+            </a:pPr>
+            <a:r>
+              <a:rPr lang="en-US" dirty="0">
+                <a:solidFill>
+                  <a:srgbClr val="0000FF"/>
+                </a:solidFill>
+                <a:latin typeface="Consolas" panose="020B0609020204030204" pitchFamily="49" charset="0"/>
+              </a:rPr>
+              <a:t>type</a:t>
+            </a:r>
+            <a:r>
+              <a:rPr lang="en-US" dirty="0">
+                <a:solidFill>
+                  <a:prstClr val="black"/>
+                </a:solidFill>
+                <a:latin typeface="Consolas" panose="020B0609020204030204" pitchFamily="49" charset="0"/>
+              </a:rPr>
+              <a:t> View = IEvent&lt;Events&gt;  </a:t>
+            </a:r>
+          </a:p>
+          <a:p>
+            <a:pPr marL="0" indent="0">
+              <a:buNone/>
+            </a:pPr>
+            <a:r>
+              <a:rPr lang="en-US" dirty="0" smtClean="0">
+                <a:solidFill>
+                  <a:srgbClr val="0000FF"/>
+                </a:solidFill>
+                <a:latin typeface="Consolas" panose="020B0609020204030204" pitchFamily="49" charset="0"/>
+              </a:rPr>
+              <a:t>and</a:t>
+            </a:r>
+            <a:r>
+              <a:rPr lang="en-US" dirty="0" smtClean="0">
+                <a:solidFill>
+                  <a:prstClr val="black"/>
+                </a:solidFill>
+                <a:latin typeface="Consolas" panose="020B0609020204030204" pitchFamily="49" charset="0"/>
+              </a:rPr>
+              <a:t> Events = </a:t>
+            </a:r>
+          </a:p>
+          <a:p>
+            <a:pPr marL="0" indent="0">
+              <a:buNone/>
+            </a:pPr>
+            <a:r>
+              <a:rPr lang="en-US" dirty="0" smtClean="0">
+                <a:solidFill>
+                  <a:prstClr val="black"/>
+                </a:solidFill>
+                <a:latin typeface="Consolas" panose="020B0609020204030204" pitchFamily="49" charset="0"/>
+              </a:rPr>
+              <a:t>    | Add </a:t>
+            </a:r>
+            <a:r>
+              <a:rPr lang="en-US" dirty="0" smtClean="0">
+                <a:solidFill>
+                  <a:srgbClr val="0000FF"/>
+                </a:solidFill>
+                <a:latin typeface="Consolas" panose="020B0609020204030204" pitchFamily="49" charset="0"/>
+              </a:rPr>
+              <a:t>of</a:t>
+            </a:r>
+            <a:r>
+              <a:rPr lang="en-US" dirty="0" smtClean="0">
+                <a:solidFill>
+                  <a:prstClr val="black"/>
+                </a:solidFill>
+                <a:latin typeface="Consolas" panose="020B0609020204030204" pitchFamily="49" charset="0"/>
+              </a:rPr>
+              <a:t> int </a:t>
+            </a:r>
+          </a:p>
+          <a:p>
+            <a:pPr marL="0" indent="0">
+              <a:buNone/>
+            </a:pPr>
+            <a:r>
+              <a:rPr lang="en-US" dirty="0" smtClean="0">
+                <a:solidFill>
+                  <a:prstClr val="black"/>
+                </a:solidFill>
+                <a:latin typeface="Consolas" panose="020B0609020204030204" pitchFamily="49" charset="0"/>
+              </a:rPr>
+              <a:t>    | Subtract </a:t>
+            </a:r>
+            <a:r>
+              <a:rPr lang="en-US" dirty="0" smtClean="0">
+                <a:solidFill>
+                  <a:srgbClr val="0000FF"/>
+                </a:solidFill>
+                <a:latin typeface="Consolas" panose="020B0609020204030204" pitchFamily="49" charset="0"/>
+              </a:rPr>
+              <a:t>of</a:t>
+            </a:r>
+            <a:r>
+              <a:rPr lang="en-US" dirty="0" smtClean="0">
+                <a:solidFill>
+                  <a:prstClr val="black"/>
+                </a:solidFill>
+                <a:latin typeface="Consolas" panose="020B0609020204030204" pitchFamily="49" charset="0"/>
+              </a:rPr>
+              <a:t> int</a:t>
+            </a:r>
+          </a:p>
+          <a:p>
+            <a:pPr marL="0" indent="0">
+              <a:buNone/>
+            </a:pPr>
+            <a:endParaRPr lang="en-US" dirty="0" smtClean="0">
+              <a:solidFill>
+                <a:prstClr val="black"/>
+              </a:solidFill>
+              <a:latin typeface="Consolas" panose="020B0609020204030204" pitchFamily="49" charset="0"/>
+            </a:endParaRPr>
+          </a:p>
+          <a:p>
+            <a:pPr marL="0" indent="0">
+              <a:buNone/>
+            </a:pPr>
+            <a:r>
+              <a:rPr lang="en-US" dirty="0" smtClean="0">
+                <a:solidFill>
+                  <a:srgbClr val="0000FF"/>
+                </a:solidFill>
+                <a:latin typeface="Consolas" panose="020B0609020204030204" pitchFamily="49" charset="0"/>
+              </a:rPr>
+              <a:t>type</a:t>
+            </a:r>
+            <a:r>
+              <a:rPr lang="en-US" dirty="0" smtClean="0">
+                <a:solidFill>
+                  <a:prstClr val="black"/>
+                </a:solidFill>
+                <a:latin typeface="Consolas" panose="020B0609020204030204" pitchFamily="49" charset="0"/>
+              </a:rPr>
+              <a:t> Model = { State : int }</a:t>
+            </a:r>
+          </a:p>
+          <a:p>
+            <a:pPr marL="0" indent="0">
+              <a:buNone/>
+            </a:pPr>
+            <a:endParaRPr lang="en-US" dirty="0" smtClean="0">
+              <a:solidFill>
+                <a:prstClr val="black"/>
+              </a:solidFill>
+              <a:latin typeface="Consolas" panose="020B0609020204030204" pitchFamily="49" charset="0"/>
+            </a:endParaRPr>
+          </a:p>
+          <a:p>
+            <a:pPr marL="0" indent="0">
+              <a:buNone/>
+            </a:pPr>
+            <a:r>
+              <a:rPr lang="en-US" dirty="0">
+                <a:solidFill>
+                  <a:srgbClr val="0000FF"/>
+                </a:solidFill>
+                <a:latin typeface="Consolas" panose="020B0609020204030204" pitchFamily="49" charset="0"/>
+              </a:rPr>
+              <a:t>type</a:t>
+            </a:r>
+            <a:r>
+              <a:rPr lang="en-US" dirty="0">
+                <a:solidFill>
+                  <a:prstClr val="black"/>
+                </a:solidFill>
+                <a:latin typeface="Consolas" panose="020B0609020204030204" pitchFamily="49" charset="0"/>
+              </a:rPr>
+              <a:t> Controller = </a:t>
+            </a:r>
+            <a:r>
+              <a:rPr lang="en-US" dirty="0" smtClean="0">
+                <a:solidFill>
+                  <a:prstClr val="black"/>
+                </a:solidFill>
+                <a:latin typeface="Consolas" panose="020B0609020204030204" pitchFamily="49" charset="0"/>
+              </a:rPr>
+              <a:t>Events </a:t>
+            </a:r>
+            <a:r>
+              <a:rPr lang="en-US" dirty="0">
+                <a:solidFill>
+                  <a:srgbClr val="0000FF"/>
+                </a:solidFill>
+                <a:latin typeface="Consolas" panose="020B0609020204030204" pitchFamily="49" charset="0"/>
+              </a:rPr>
+              <a:t>-&gt;</a:t>
+            </a:r>
+            <a:r>
+              <a:rPr lang="en-US" dirty="0">
+                <a:solidFill>
+                  <a:prstClr val="black"/>
+                </a:solidFill>
+                <a:latin typeface="Consolas" panose="020B0609020204030204" pitchFamily="49" charset="0"/>
+              </a:rPr>
+              <a:t> Model </a:t>
+            </a:r>
+            <a:r>
+              <a:rPr lang="en-US" dirty="0">
+                <a:solidFill>
+                  <a:srgbClr val="0000FF"/>
+                </a:solidFill>
+                <a:latin typeface="Consolas" panose="020B0609020204030204" pitchFamily="49" charset="0"/>
+              </a:rPr>
+              <a:t>-&gt;</a:t>
+            </a:r>
+            <a:r>
+              <a:rPr lang="en-US" dirty="0">
+                <a:solidFill>
+                  <a:prstClr val="black"/>
+                </a:solidFill>
+                <a:latin typeface="Consolas" panose="020B0609020204030204" pitchFamily="49" charset="0"/>
+              </a:rPr>
+              <a:t> </a:t>
+            </a:r>
+            <a:r>
+              <a:rPr lang="en-US" dirty="0" smtClean="0">
+                <a:solidFill>
+                  <a:prstClr val="black"/>
+                </a:solidFill>
+                <a:latin typeface="Consolas" panose="020B0609020204030204" pitchFamily="49" charset="0"/>
+              </a:rPr>
+              <a:t>Model</a:t>
+            </a:r>
+          </a:p>
+          <a:p>
+            <a:pPr marL="0" indent="0">
+              <a:buNone/>
+            </a:pPr>
+            <a:endParaRPr lang="en-US" dirty="0" smtClean="0">
+              <a:solidFill>
+                <a:prstClr val="black"/>
+              </a:solidFill>
+              <a:latin typeface="Consolas" panose="020B0609020204030204" pitchFamily="49" charset="0"/>
+            </a:endParaRPr>
+          </a:p>
+          <a:p>
+            <a:pPr marL="0" indent="0">
+              <a:buNone/>
+            </a:pPr>
+            <a:r>
+              <a:rPr lang="en-US" dirty="0" smtClean="0">
+                <a:solidFill>
+                  <a:srgbClr val="0000FF"/>
+                </a:solidFill>
+                <a:latin typeface="Consolas" panose="020B0609020204030204" pitchFamily="49" charset="0"/>
+              </a:rPr>
+              <a:t>type</a:t>
+            </a:r>
+            <a:r>
+              <a:rPr lang="en-US" dirty="0" smtClean="0">
+                <a:solidFill>
+                  <a:prstClr val="black"/>
+                </a:solidFill>
+                <a:latin typeface="Consolas" panose="020B0609020204030204" pitchFamily="49" charset="0"/>
+              </a:rPr>
+              <a:t> Mvc </a:t>
+            </a:r>
+            <a:r>
+              <a:rPr lang="en-US" dirty="0">
+                <a:solidFill>
+                  <a:prstClr val="black"/>
+                </a:solidFill>
+                <a:latin typeface="Consolas" panose="020B0609020204030204" pitchFamily="49" charset="0"/>
+              </a:rPr>
+              <a:t>= Controller </a:t>
+            </a:r>
+            <a:r>
+              <a:rPr lang="en-US" dirty="0" smtClean="0">
+                <a:solidFill>
+                  <a:srgbClr val="0000FF"/>
+                </a:solidFill>
+                <a:latin typeface="Consolas" panose="020B0609020204030204" pitchFamily="49" charset="0"/>
+              </a:rPr>
+              <a:t>-&gt;</a:t>
+            </a:r>
+            <a:r>
+              <a:rPr lang="en-US" dirty="0" smtClean="0">
+                <a:solidFill>
+                  <a:prstClr val="black"/>
+                </a:solidFill>
+                <a:latin typeface="Consolas" panose="020B0609020204030204" pitchFamily="49" charset="0"/>
+              </a:rPr>
+              <a:t> Model </a:t>
+            </a:r>
+            <a:r>
+              <a:rPr lang="en-US" dirty="0" smtClean="0">
+                <a:solidFill>
+                  <a:srgbClr val="0000FF"/>
+                </a:solidFill>
+                <a:latin typeface="Consolas" panose="020B0609020204030204" pitchFamily="49" charset="0"/>
+              </a:rPr>
+              <a:t>-&gt;</a:t>
+            </a:r>
+            <a:r>
+              <a:rPr lang="en-US" dirty="0" smtClean="0">
+                <a:solidFill>
+                  <a:prstClr val="black"/>
+                </a:solidFill>
+                <a:latin typeface="Consolas" panose="020B0609020204030204" pitchFamily="49" charset="0"/>
+              </a:rPr>
+              <a:t> IEvent&lt;Events&gt; </a:t>
+            </a:r>
+            <a:r>
+              <a:rPr lang="en-US" dirty="0" smtClean="0">
+                <a:solidFill>
+                  <a:srgbClr val="0000FF"/>
+                </a:solidFill>
+                <a:latin typeface="Consolas" panose="020B0609020204030204" pitchFamily="49" charset="0"/>
+              </a:rPr>
+              <a:t>-&gt;</a:t>
+            </a:r>
+            <a:r>
+              <a:rPr lang="en-US" dirty="0" smtClean="0">
+                <a:solidFill>
+                  <a:prstClr val="black"/>
+                </a:solidFill>
+                <a:latin typeface="Consolas" panose="020B0609020204030204" pitchFamily="49" charset="0"/>
+              </a:rPr>
+              <a:t> Model</a:t>
+            </a:r>
+          </a:p>
+          <a:p>
+            <a:pPr marL="0" indent="0">
+              <a:buNone/>
+            </a:pPr>
+            <a:endParaRPr lang="en-US" dirty="0">
+              <a:solidFill>
+                <a:schemeClr val="bg1"/>
+              </a:solidFill>
+            </a:endParaRPr>
+          </a:p>
+        </p:txBody>
+      </p:sp>
     </p:spTree>
     <p:extLst>
       <p:ext uri="{BB962C8B-B14F-4D97-AF65-F5344CB8AC3E}">
-        <p14:creationId xmlns:p14="http://schemas.microsoft.com/office/powerpoint/2010/main" val="3569035093"/>
+        <p14:creationId xmlns:p14="http://schemas.microsoft.com/office/powerpoint/2010/main" val="2634465386"/>
       </p:ext>
     </p:extLst>
   </p:cSld>
@@ -17004,19 +16334,14 @@
             <p:ph type="title"/>
           </p:nvPr>
         </p:nvSpPr>
-        <p:spPr>
-          <a:xfrm>
-            <a:off x="1141413" y="376110"/>
-            <a:ext cx="9905998" cy="643066"/>
-          </a:xfrm>
-        </p:spPr>
+        <p:spPr/>
         <p:txBody>
           <a:bodyPr/>
           <a:lstStyle/>
           <a:p>
             <a:r>
               <a:rPr lang="en-US" dirty="0" smtClean="0"/>
-              <a:t>Mvvm shortcomings</a:t>
+              <a:t>model</a:t>
             </a:r>
             <a:endParaRPr lang="en-US" dirty="0"/>
           </a:p>
@@ -17034,109 +16359,95 @@
         </p:nvSpPr>
         <p:spPr>
           <a:xfrm>
-            <a:off x="1141412" y="1328468"/>
-            <a:ext cx="9905999" cy="5236233"/>
+            <a:off x="1141412" y="1984075"/>
+            <a:ext cx="9905999" cy="3807126"/>
           </a:xfrm>
         </p:spPr>
         <p:txBody>
           <a:bodyPr>
-            <a:normAutofit/>
+            <a:normAutofit fontScale="92500" lnSpcReduction="20000"/>
           </a:bodyPr>
           <a:lstStyle/>
           <a:p>
             <a:r>
               <a:rPr lang="en-US" dirty="0" smtClean="0"/>
-              <a:t>ViewModel = Controller (imperative) + Model (declarative)</a:t>
+              <a:t>Not domain model</a:t>
+            </a:r>
+          </a:p>
+          <a:p>
+            <a:r>
+              <a:rPr lang="en-US" dirty="0" smtClean="0"/>
+              <a:t>Based on Castle Dynamic Proxy</a:t>
+            </a:r>
+          </a:p>
+          <a:p>
+            <a:r>
+              <a:rPr lang="en-US" dirty="0" smtClean="0"/>
+              <a:t>Raises INPC.PropertyChanged from setter interceptor</a:t>
+            </a:r>
+          </a:p>
+          <a:p>
+            <a:r>
+              <a:rPr lang="en-US" dirty="0" smtClean="0"/>
+              <a:t>Restrictions: </a:t>
+            </a:r>
+            <a:r>
+              <a:rPr lang="en-US" dirty="0" smtClean="0"/>
+              <a:t>virtual properties </a:t>
+            </a:r>
+            <a:r>
+              <a:rPr lang="en-US" dirty="0" smtClean="0"/>
+              <a:t>+ base class + factory </a:t>
+            </a:r>
+            <a:r>
+              <a:rPr lang="en-US" dirty="0"/>
+              <a:t>method +</a:t>
+            </a:r>
+            <a:r>
+              <a:rPr lang="en-US" dirty="0" err="1"/>
+              <a:t>parameterless</a:t>
+            </a:r>
+            <a:r>
+              <a:rPr lang="en-US" dirty="0"/>
+              <a:t> </a:t>
+            </a:r>
+            <a:r>
+              <a:rPr lang="en-US" dirty="0" err="1" smtClean="0"/>
+              <a:t>ctor</a:t>
+            </a:r>
+            <a:endParaRPr lang="en-US" dirty="0" smtClean="0"/>
+          </a:p>
+          <a:p>
+            <a:r>
+              <a:rPr lang="en-US" dirty="0" smtClean="0"/>
+              <a:t>DECLARATIVE, FUNCTIONAL STYLE</a:t>
             </a:r>
           </a:p>
           <a:p>
             <a:pPr lvl="1"/>
             <a:r>
+              <a:rPr lang="en-US" dirty="0"/>
+              <a:t>T</a:t>
+            </a:r>
+            <a:r>
               <a:rPr lang="en-US" dirty="0" smtClean="0"/>
-              <a:t>Hard to manage complexity once it grows (SRP ???)</a:t>
+              <a:t>ype </a:t>
+            </a:r>
+            <a:r>
+              <a:rPr lang="en-US" dirty="0" smtClean="0"/>
+              <a:t>definition only, no imperative </a:t>
+            </a:r>
+            <a:r>
+              <a:rPr lang="en-US" dirty="0" smtClean="0"/>
+              <a:t>logic</a:t>
             </a:r>
           </a:p>
           <a:p>
             <a:pPr lvl="1"/>
             <a:r>
-              <a:rPr lang="en-US" dirty="0" smtClean="0"/>
-              <a:t>No support for presentation logic composition</a:t>
-            </a:r>
-          </a:p>
-          <a:p>
-            <a:r>
-              <a:rPr lang="en-US" dirty="0" smtClean="0"/>
-              <a:t>A lot of boilerplate code</a:t>
-            </a:r>
-          </a:p>
-          <a:p>
-            <a:pPr lvl="1"/>
-            <a:r>
-              <a:rPr lang="en-US" dirty="0" err="1" smtClean="0"/>
-              <a:t>INotifyPropertyChanged</a:t>
-            </a:r>
-            <a:endParaRPr lang="en-US" dirty="0" smtClean="0"/>
-          </a:p>
-          <a:p>
-            <a:pPr lvl="1"/>
-            <a:r>
-              <a:rPr lang="en-US" dirty="0" smtClean="0"/>
-              <a:t>Event subscriptions, Command bindings</a:t>
-            </a:r>
-          </a:p>
-          <a:p>
-            <a:r>
-              <a:rPr lang="en-US" dirty="0" err="1" smtClean="0"/>
-              <a:t>Typeless</a:t>
-            </a:r>
-            <a:r>
-              <a:rPr lang="en-US" dirty="0" smtClean="0"/>
-              <a:t> </a:t>
-            </a:r>
-            <a:r>
-              <a:rPr lang="en-US" dirty="0" smtClean="0"/>
-              <a:t>ViewModel-View </a:t>
-            </a:r>
-            <a:r>
-              <a:rPr lang="en-US" dirty="0" smtClean="0"/>
-              <a:t>bindings (magic strings/reflection)</a:t>
-            </a:r>
-          </a:p>
-          <a:p>
-            <a:pPr lvl="1"/>
-            <a:r>
-              <a:rPr lang="en-US" dirty="0" smtClean="0"/>
-              <a:t>No support from type system/compiler</a:t>
-            </a:r>
-          </a:p>
-          <a:p>
-            <a:pPr lvl="1"/>
-            <a:r>
-              <a:rPr lang="en-US" dirty="0" smtClean="0"/>
-              <a:t>No support from IDE (refactoring/navigation)</a:t>
-            </a:r>
-            <a:endParaRPr lang="en-US" dirty="0"/>
-          </a:p>
-          <a:p>
-            <a:r>
-              <a:rPr lang="en-US" dirty="0" smtClean="0"/>
-              <a:t>Inconsistent event processing</a:t>
-            </a:r>
-          </a:p>
-          <a:p>
-            <a:pPr lvl="1"/>
-            <a:r>
-              <a:rPr lang="en-US" dirty="0" smtClean="0"/>
-              <a:t>Commands, event handlers, blend behaviors, etc.</a:t>
-            </a:r>
-            <a:endParaRPr lang="en-US" dirty="0"/>
-          </a:p>
-          <a:p>
-            <a:pPr lvl="1"/>
-            <a:endParaRPr lang="en-US" dirty="0" smtClean="0"/>
-          </a:p>
-          <a:p>
-            <a:pPr lvl="1"/>
+              <a:rPr lang="en-US" dirty="0"/>
+              <a:t>It is better to have 100 functions operate on one data structure than 10 functions on 10 data structures.</a:t>
+            </a:r>
             <a:endParaRPr lang="en-US" dirty="0"/>
           </a:p>
         </p:txBody>
@@ -17144,7 +16455,7 @@
     </p:spTree>
     <p:extLst>
       <p:ext uri="{BB962C8B-B14F-4D97-AF65-F5344CB8AC3E}">
-        <p14:creationId xmlns:p14="http://schemas.microsoft.com/office/powerpoint/2010/main" val="89264255"/>
+        <p14:creationId xmlns:p14="http://schemas.microsoft.com/office/powerpoint/2010/main" val="2026110272"/>
       </p:ext>
     </p:extLst>
   </p:cSld>
@@ -17180,7 +16491,7 @@
       </p:grpSpPr>
       <p:sp>
         <p:nvSpPr>
-          <p:cNvPr id="4" name="Title 3"/>
+          <p:cNvPr id="2" name="Title 1"/>
           <p:cNvSpPr>
             <a:spLocks noGrp="1"/>
           </p:cNvSpPr>
@@ -17195,15 +16506,7 @@
           <a:p>
             <a:r>
               <a:rPr lang="en-US" dirty="0" smtClean="0"/>
-              <a:t>Can we do better </a:t>
-            </a:r>
-            <a:r>
-              <a:rPr lang="en-US" cap="none" dirty="0" smtClean="0"/>
-              <a:t>in</a:t>
-            </a:r>
-            <a:r>
-              <a:rPr lang="en-US" dirty="0" smtClean="0"/>
-              <a:t> F#?</a:t>
+              <a:t>VIEW </a:t>
             </a:r>
             <a:endParaRPr lang="en-US" dirty="0"/>
           </a:p>
@@ -17219,25 +16522,211 @@
             <p:ph idx="1"/>
           </p:nvPr>
         </p:nvSpPr>
-        <p:spPr/>
+        <p:spPr>
+          <a:xfrm>
+            <a:off x="1141413" y="3382131"/>
+            <a:ext cx="9905999" cy="2475744"/>
+          </a:xfrm>
+        </p:spPr>
         <p:txBody>
-          <a:bodyPr/>
+          <a:bodyPr>
+            <a:normAutofit fontScale="92500" lnSpcReduction="10000"/>
+          </a:bodyPr>
           <a:lstStyle/>
           <a:p>
             <a:r>
               <a:rPr lang="en-US" dirty="0" smtClean="0"/>
-              <a:t>Classic MVVM designed with C# limitations in mind</a:t>
-            </a:r>
-          </a:p>
-          <a:p>
+              <a:t>Event source</a:t>
+            </a:r>
+          </a:p>
+          <a:p>
+            <a:r>
+              <a:rPr lang="en-US" dirty="0" smtClean="0"/>
+              <a:t>Data binding target </a:t>
+            </a:r>
+            <a:r>
+              <a:rPr lang="en-US" dirty="0" smtClean="0"/>
+              <a:t>(model </a:t>
+            </a:r>
+            <a:r>
+              <a:rPr lang="en-US" dirty="0" smtClean="0"/>
+              <a:t>is the </a:t>
+            </a:r>
+            <a:r>
+              <a:rPr lang="en-US" dirty="0" err="1" smtClean="0"/>
+              <a:t>DataContext</a:t>
+            </a:r>
+            <a:r>
+              <a:rPr lang="en-US" dirty="0" smtClean="0"/>
+              <a:t>)</a:t>
+            </a:r>
+          </a:p>
+          <a:p>
+            <a:r>
+              <a:rPr lang="en-US" dirty="0" smtClean="0"/>
+              <a:t>Both </a:t>
+            </a:r>
+            <a:r>
+              <a:rPr lang="en-US" dirty="0" smtClean="0"/>
+              <a:t>parametric (‘Events) and subtype (interface) polymorphism</a:t>
+            </a:r>
+          </a:p>
+          <a:p>
+            <a:r>
+              <a:rPr lang="en-US" dirty="0" smtClean="0"/>
+              <a:t>F# support for .NET events makes experience really smooth</a:t>
+            </a:r>
+          </a:p>
+          <a:p>
+            <a:r>
+              <a:rPr lang="en-US" dirty="0" smtClean="0"/>
+              <a:t>DU is better than </a:t>
+            </a:r>
+            <a:r>
+              <a:rPr lang="en-US" dirty="0" err="1" smtClean="0"/>
+              <a:t>Enum</a:t>
+            </a:r>
+            <a:r>
+              <a:rPr lang="en-US" dirty="0" smtClean="0"/>
+              <a:t> (pattern matching, extra state)</a:t>
+            </a:r>
             <a:endParaRPr lang="en-US" dirty="0"/>
+          </a:p>
+        </p:txBody>
+      </p:sp>
+      <p:sp>
+        <p:nvSpPr>
+          <p:cNvPr id="7" name="Rectangle 6"/>
+          <p:cNvSpPr/>
+          <p:nvPr/>
+        </p:nvSpPr>
+        <p:spPr>
+          <a:xfrm>
+            <a:off x="1141413" y="1903561"/>
+            <a:ext cx="9905999" cy="1200329"/>
+          </a:xfrm>
+          <a:prstGeom prst="rect">
+            <a:avLst/>
+          </a:prstGeom>
+          <a:solidFill>
+            <a:schemeClr val="tx1"/>
+          </a:solidFill>
+        </p:spPr>
+        <p:txBody>
+          <a:bodyPr wrap="square">
+            <a:spAutoFit/>
+          </a:bodyPr>
+          <a:lstStyle/>
+          <a:p>
+            <a:r>
+              <a:rPr lang="en-US" dirty="0">
+                <a:solidFill>
+                  <a:srgbClr val="0000FF"/>
+                </a:solidFill>
+                <a:latin typeface="Consolas" panose="020B0609020204030204" pitchFamily="49" charset="0"/>
+              </a:rPr>
+              <a:t>type</a:t>
+            </a:r>
+            <a:r>
+              <a:rPr lang="en-US" dirty="0">
+                <a:solidFill>
+                  <a:prstClr val="black"/>
+                </a:solidFill>
+                <a:latin typeface="Consolas" panose="020B0609020204030204" pitchFamily="49" charset="0"/>
+              </a:rPr>
+              <a:t> IView&lt;'Events&gt; =</a:t>
+            </a:r>
+          </a:p>
+          <a:p>
+            <a:r>
+              <a:rPr lang="en-US" dirty="0">
+                <a:solidFill>
+                  <a:prstClr val="black"/>
+                </a:solidFill>
+                <a:latin typeface="Consolas" panose="020B0609020204030204" pitchFamily="49" charset="0"/>
+              </a:rPr>
+              <a:t>    </a:t>
+            </a:r>
+            <a:r>
+              <a:rPr lang="en-US" dirty="0">
+                <a:solidFill>
+                  <a:srgbClr val="0000FF"/>
+                </a:solidFill>
+                <a:latin typeface="Consolas" panose="020B0609020204030204" pitchFamily="49" charset="0"/>
+              </a:rPr>
+              <a:t>inherit</a:t>
+            </a:r>
+            <a:r>
+              <a:rPr lang="en-US" dirty="0">
+                <a:solidFill>
+                  <a:prstClr val="black"/>
+                </a:solidFill>
+                <a:latin typeface="Consolas" panose="020B0609020204030204" pitchFamily="49" charset="0"/>
+              </a:rPr>
+              <a:t> IObservable&lt;'Events&gt;</a:t>
+            </a:r>
+          </a:p>
+          <a:p>
+            <a:endParaRPr lang="en-US" dirty="0">
+              <a:solidFill>
+                <a:prstClr val="black"/>
+              </a:solidFill>
+              <a:latin typeface="Consolas" panose="020B0609020204030204" pitchFamily="49" charset="0"/>
+            </a:endParaRPr>
+          </a:p>
+          <a:p>
+            <a:r>
+              <a:rPr lang="en-US" dirty="0">
+                <a:solidFill>
+                  <a:prstClr val="black"/>
+                </a:solidFill>
+                <a:latin typeface="Consolas" panose="020B0609020204030204" pitchFamily="49" charset="0"/>
+              </a:rPr>
+              <a:t>    </a:t>
+            </a:r>
+            <a:r>
+              <a:rPr lang="en-US" dirty="0">
+                <a:solidFill>
+                  <a:srgbClr val="0000FF"/>
+                </a:solidFill>
+                <a:latin typeface="Consolas" panose="020B0609020204030204" pitchFamily="49" charset="0"/>
+              </a:rPr>
+              <a:t>abstract</a:t>
+            </a:r>
+            <a:r>
+              <a:rPr lang="en-US" dirty="0">
+                <a:solidFill>
+                  <a:prstClr val="black"/>
+                </a:solidFill>
+                <a:latin typeface="Consolas" panose="020B0609020204030204" pitchFamily="49" charset="0"/>
+              </a:rPr>
+              <a:t> SetBindings : obj </a:t>
+            </a:r>
+            <a:r>
+              <a:rPr lang="en-US" dirty="0">
+                <a:solidFill>
+                  <a:srgbClr val="0000FF"/>
+                </a:solidFill>
+                <a:latin typeface="Consolas" panose="020B0609020204030204" pitchFamily="49" charset="0"/>
+              </a:rPr>
+              <a:t>-&gt;</a:t>
+            </a:r>
+            <a:r>
+              <a:rPr lang="en-US" dirty="0">
+                <a:solidFill>
+                  <a:prstClr val="black"/>
+                </a:solidFill>
+                <a:latin typeface="Consolas" panose="020B0609020204030204" pitchFamily="49" charset="0"/>
+              </a:rPr>
+              <a:t> unit</a:t>
+            </a:r>
           </a:p>
         </p:txBody>
       </p:sp>
     </p:spTree>
     <p:extLst>
       <p:ext uri="{BB962C8B-B14F-4D97-AF65-F5344CB8AC3E}">
-        <p14:creationId xmlns:p14="http://schemas.microsoft.com/office/powerpoint/2010/main" val="3716489453"/>
+        <p14:creationId xmlns:p14="http://schemas.microsoft.com/office/powerpoint/2010/main" val="3687811577"/>
       </p:ext>
     </p:extLst>
   </p:cSld>
@@ -17281,21 +16770,20 @@
             <p:ph type="title"/>
           </p:nvPr>
         </p:nvSpPr>
-        <p:spPr>
-          <a:xfrm>
-            <a:off x="974785" y="618518"/>
-            <a:ext cx="10153290" cy="705457"/>
-          </a:xfrm>
-        </p:spPr>
+        <p:spPr/>
         <p:txBody>
           <a:bodyPr/>
           <a:lstStyle/>
           <a:p>
             <a:r>
               <a:rPr lang="en-US" dirty="0" smtClean="0"/>
-              <a:t>FIRST class EventS-Driven architecture</a:t>
-            </a:r>
-            <a:endParaRPr lang="en-US" dirty="0"/>
+              <a:t>Model – </a:t>
+            </a:r>
+            <a:r>
+              <a:rPr lang="en-US" cap="none" dirty="0" smtClean="0"/>
+              <a:t>subset of view state</a:t>
+            </a:r>
+            <a:endParaRPr lang="en-US" cap="none" dirty="0"/>
           </a:p>
         </p:txBody>
       </p:sp>
@@ -17309,365 +16797,189 @@
             <p:ph idx="1"/>
           </p:nvPr>
         </p:nvSpPr>
+        <p:spPr/>
+        <p:txBody>
+          <a:bodyPr/>
+          <a:lstStyle/>
+          <a:p>
+            <a:endParaRPr lang="en-US" dirty="0"/>
+          </a:p>
+        </p:txBody>
+      </p:sp>
+      <p:sp>
+        <p:nvSpPr>
+          <p:cNvPr id="8" name="Rectangle 7"/>
+          <p:cNvSpPr/>
+          <p:nvPr/>
+        </p:nvSpPr>
         <p:spPr>
           <a:xfrm>
-            <a:off x="974786" y="1466850"/>
-            <a:ext cx="10153290" cy="4324352"/>
+            <a:off x="1958196" y="2820838"/>
+            <a:ext cx="3657600" cy="2743200"/>
           </a:xfrm>
-          <a:solidFill>
+          <a:prstGeom prst="rect">
+            <a:avLst/>
+          </a:prstGeom>
+        </p:spPr>
+        <p:style>
+          <a:lnRef idx="2">
+            <a:schemeClr val="accent1">
+              <a:shade val="50000"/>
+            </a:schemeClr>
+          </a:lnRef>
+          <a:fillRef idx="1">
+            <a:schemeClr val="accent1"/>
+          </a:fillRef>
+          <a:effectRef idx="0">
+            <a:schemeClr val="accent1"/>
+          </a:effectRef>
+          <a:fontRef idx="minor">
+            <a:schemeClr val="lt1"/>
+          </a:fontRef>
+        </p:style>
+        <p:txBody>
+          <a:bodyPr rtlCol="0" anchor="ctr"/>
+          <a:lstStyle/>
+          <a:p>
+            <a:pPr algn="ctr"/>
+            <a:r>
+              <a:rPr lang="en-US" dirty="0" smtClean="0"/>
+              <a:t>View</a:t>
+            </a:r>
+            <a:endParaRPr lang="en-US" dirty="0"/>
+          </a:p>
+        </p:txBody>
+      </p:sp>
+      <p:sp>
+        <p:nvSpPr>
+          <p:cNvPr id="10" name="Rectangle 9"/>
+          <p:cNvSpPr/>
+          <p:nvPr/>
+        </p:nvSpPr>
+        <p:spPr>
+          <a:xfrm>
+            <a:off x="6169338" y="2833661"/>
+            <a:ext cx="1441510" cy="1189831"/>
+          </a:xfrm>
+          <a:prstGeom prst="rect">
+            <a:avLst/>
+          </a:prstGeom>
+          <a:effectLst>
+            <a:glow>
+              <a:schemeClr val="accent1">
+                <a:alpha val="40000"/>
+              </a:schemeClr>
+            </a:glow>
+            <a:outerShdw blurRad="38100" dist="2540000" dir="8700000" algn="tr" rotWithShape="0">
+              <a:prstClr val="black">
+                <a:alpha val="40000"/>
+              </a:prstClr>
+            </a:outerShdw>
+          </a:effectLst>
+        </p:spPr>
+        <p:style>
+          <a:lnRef idx="2">
+            <a:schemeClr val="accent1">
+              <a:shade val="50000"/>
+            </a:schemeClr>
+          </a:lnRef>
+          <a:fillRef idx="1">
+            <a:schemeClr val="accent1"/>
+          </a:fillRef>
+          <a:effectRef idx="0">
+            <a:schemeClr val="accent1"/>
+          </a:effectRef>
+          <a:fontRef idx="minor">
+            <a:schemeClr val="lt1"/>
+          </a:fontRef>
+        </p:style>
+        <p:txBody>
+          <a:bodyPr rtlCol="0" anchor="ctr"/>
+          <a:lstStyle/>
+          <a:p>
+            <a:pPr algn="ctr"/>
+            <a:r>
+              <a:rPr lang="en-US" dirty="0" smtClean="0"/>
+              <a:t>Model</a:t>
+            </a:r>
+            <a:endParaRPr lang="en-US" dirty="0"/>
+          </a:p>
+        </p:txBody>
+      </p:sp>
+      <p:cxnSp>
+        <p:nvCxnSpPr>
+          <p:cNvPr id="25" name="Straight Arrow Connector 24"/>
+          <p:cNvCxnSpPr>
+            <a:stCxn id="10" idx="2"/>
+          </p:cNvCxnSpPr>
+          <p:nvPr/>
+        </p:nvCxnSpPr>
+        <p:spPr>
+          <a:xfrm rot="5400000">
+            <a:off x="5742543" y="3786400"/>
+            <a:ext cx="910458" cy="1384642"/>
+          </a:xfrm>
+          <a:prstGeom prst="curvedConnector2">
+            <a:avLst/>
+          </a:prstGeom>
+          <a:ln w="25400" cmpd="sng">
+            <a:solidFill>
+              <a:schemeClr val="tx1"/>
+            </a:solidFill>
+            <a:round/>
+            <a:headEnd type="triangle" w="lg" len="lg"/>
+            <a:tailEnd type="triangle" w="lg" len="lg"/>
+          </a:ln>
+        </p:spPr>
+        <p:style>
+          <a:lnRef idx="1">
+            <a:schemeClr val="accent1"/>
+          </a:lnRef>
+          <a:fillRef idx="0">
+            <a:schemeClr val="accent1"/>
+          </a:fillRef>
+          <a:effectRef idx="0">
+            <a:schemeClr val="accent1"/>
+          </a:effectRef>
+          <a:fontRef idx="minor">
             <a:schemeClr val="tx1"/>
-          </a:solidFill>
+          </a:fontRef>
+        </p:style>
+      </p:cxnSp>
+      <p:sp>
+        <p:nvSpPr>
+          <p:cNvPr id="26" name="TextBox 25"/>
+          <p:cNvSpPr txBox="1"/>
+          <p:nvPr/>
+        </p:nvSpPr>
+        <p:spPr>
+          <a:xfrm>
+            <a:off x="6432580" y="4686008"/>
+            <a:ext cx="2028825" cy="369332"/>
+          </a:xfrm>
+          <a:prstGeom prst="rect">
+            <a:avLst/>
+          </a:prstGeom>
+          <a:noFill/>
         </p:spPr>
         <p:txBody>
-          <a:bodyPr>
-            <a:normAutofit fontScale="85000" lnSpcReduction="20000"/>
+          <a:bodyPr wrap="square" rtlCol="0">
+            <a:spAutoFit/>
           </a:bodyPr>
           <a:lstStyle/>
           <a:p>
-            <a:pPr marL="0" indent="0">
-              <a:buNone/>
-            </a:pPr>
-            <a:r>
-              <a:rPr lang="en-US" dirty="0">
-                <a:solidFill>
-                  <a:srgbClr val="0000FF"/>
-                </a:solidFill>
-                <a:latin typeface="Consolas" panose="020B0609020204030204" pitchFamily="49" charset="0"/>
-              </a:rPr>
-              <a:t>type</a:t>
-            </a:r>
-            <a:r>
-              <a:rPr lang="en-US" dirty="0">
-                <a:solidFill>
-                  <a:prstClr val="black"/>
-                </a:solidFill>
-                <a:latin typeface="Consolas" panose="020B0609020204030204" pitchFamily="49" charset="0"/>
-              </a:rPr>
-              <a:t> View = IEvent&lt;Events&gt;  </a:t>
-            </a:r>
-          </a:p>
-          <a:p>
-            <a:pPr marL="0" indent="0">
-              <a:buNone/>
-            </a:pPr>
-            <a:r>
-              <a:rPr lang="en-US" dirty="0" smtClean="0">
-                <a:solidFill>
-                  <a:srgbClr val="0000FF"/>
-                </a:solidFill>
-                <a:latin typeface="Consolas" panose="020B0609020204030204" pitchFamily="49" charset="0"/>
-              </a:rPr>
-              <a:t>and</a:t>
-            </a:r>
-            <a:r>
-              <a:rPr lang="en-US" dirty="0" smtClean="0">
-                <a:solidFill>
-                  <a:prstClr val="black"/>
-                </a:solidFill>
-                <a:latin typeface="Consolas" panose="020B0609020204030204" pitchFamily="49" charset="0"/>
-              </a:rPr>
-              <a:t> Events = </a:t>
-            </a:r>
-          </a:p>
-          <a:p>
-            <a:pPr marL="0" indent="0">
-              <a:buNone/>
-            </a:pPr>
-            <a:r>
-              <a:rPr lang="en-US" dirty="0" smtClean="0">
-                <a:solidFill>
-                  <a:prstClr val="black"/>
-                </a:solidFill>
-                <a:latin typeface="Consolas" panose="020B0609020204030204" pitchFamily="49" charset="0"/>
-              </a:rPr>
-              <a:t>    | Add </a:t>
-            </a:r>
-            <a:r>
-              <a:rPr lang="en-US" dirty="0" smtClean="0">
-                <a:solidFill>
-                  <a:srgbClr val="0000FF"/>
-                </a:solidFill>
-                <a:latin typeface="Consolas" panose="020B0609020204030204" pitchFamily="49" charset="0"/>
-              </a:rPr>
-              <a:t>of</a:t>
-            </a:r>
-            <a:r>
-              <a:rPr lang="en-US" dirty="0" smtClean="0">
-                <a:solidFill>
-                  <a:prstClr val="black"/>
-                </a:solidFill>
-                <a:latin typeface="Consolas" panose="020B0609020204030204" pitchFamily="49" charset="0"/>
-              </a:rPr>
-              <a:t> int </a:t>
-            </a:r>
-          </a:p>
-          <a:p>
-            <a:pPr marL="0" indent="0">
-              <a:buNone/>
-            </a:pPr>
-            <a:r>
-              <a:rPr lang="en-US" dirty="0" smtClean="0">
-                <a:solidFill>
-                  <a:prstClr val="black"/>
-                </a:solidFill>
-                <a:latin typeface="Consolas" panose="020B0609020204030204" pitchFamily="49" charset="0"/>
-              </a:rPr>
-              <a:t>    | Subtract </a:t>
-            </a:r>
-            <a:r>
-              <a:rPr lang="en-US" dirty="0" smtClean="0">
-                <a:solidFill>
-                  <a:srgbClr val="0000FF"/>
-                </a:solidFill>
-                <a:latin typeface="Consolas" panose="020B0609020204030204" pitchFamily="49" charset="0"/>
-              </a:rPr>
-              <a:t>of</a:t>
-            </a:r>
-            <a:r>
-              <a:rPr lang="en-US" dirty="0" smtClean="0">
-                <a:solidFill>
-                  <a:prstClr val="black"/>
-                </a:solidFill>
-                <a:latin typeface="Consolas" panose="020B0609020204030204" pitchFamily="49" charset="0"/>
-              </a:rPr>
-              <a:t> int</a:t>
-            </a:r>
-          </a:p>
-          <a:p>
-            <a:pPr marL="0" indent="0">
-              <a:buNone/>
-            </a:pPr>
-            <a:endParaRPr lang="en-US" dirty="0" smtClean="0">
-              <a:solidFill>
-                <a:prstClr val="black"/>
-              </a:solidFill>
-              <a:latin typeface="Consolas" panose="020B0609020204030204" pitchFamily="49" charset="0"/>
-            </a:endParaRPr>
-          </a:p>
-          <a:p>
-            <a:pPr marL="0" indent="0">
-              <a:buNone/>
-            </a:pPr>
-            <a:r>
-              <a:rPr lang="en-US" dirty="0" smtClean="0">
-                <a:solidFill>
-                  <a:srgbClr val="0000FF"/>
-                </a:solidFill>
-                <a:latin typeface="Consolas" panose="020B0609020204030204" pitchFamily="49" charset="0"/>
-              </a:rPr>
-              <a:t>type</a:t>
-            </a:r>
-            <a:r>
-              <a:rPr lang="en-US" dirty="0" smtClean="0">
-                <a:solidFill>
-                  <a:prstClr val="black"/>
-                </a:solidFill>
-                <a:latin typeface="Consolas" panose="020B0609020204030204" pitchFamily="49" charset="0"/>
-              </a:rPr>
-              <a:t> Model = { State : int }</a:t>
-            </a:r>
-          </a:p>
-          <a:p>
-            <a:pPr marL="0" indent="0">
-              <a:buNone/>
-            </a:pPr>
-            <a:endParaRPr lang="en-US" dirty="0" smtClean="0">
-              <a:solidFill>
-                <a:prstClr val="black"/>
-              </a:solidFill>
-              <a:latin typeface="Consolas" panose="020B0609020204030204" pitchFamily="49" charset="0"/>
-            </a:endParaRPr>
-          </a:p>
-          <a:p>
-            <a:pPr marL="0" indent="0">
-              <a:buNone/>
-            </a:pPr>
-            <a:r>
-              <a:rPr lang="en-US" dirty="0">
-                <a:solidFill>
-                  <a:srgbClr val="0000FF"/>
-                </a:solidFill>
-                <a:latin typeface="Consolas" panose="020B0609020204030204" pitchFamily="49" charset="0"/>
-              </a:rPr>
-              <a:t>type</a:t>
-            </a:r>
-            <a:r>
-              <a:rPr lang="en-US" dirty="0">
-                <a:solidFill>
-                  <a:prstClr val="black"/>
-                </a:solidFill>
-                <a:latin typeface="Consolas" panose="020B0609020204030204" pitchFamily="49" charset="0"/>
-              </a:rPr>
-              <a:t> Controller = </a:t>
-            </a:r>
-            <a:r>
-              <a:rPr lang="en-US" dirty="0" smtClean="0">
-                <a:solidFill>
-                  <a:prstClr val="black"/>
-                </a:solidFill>
-                <a:latin typeface="Consolas" panose="020B0609020204030204" pitchFamily="49" charset="0"/>
-              </a:rPr>
-              <a:t>Events </a:t>
-            </a:r>
-            <a:r>
-              <a:rPr lang="en-US" dirty="0">
-                <a:solidFill>
-                  <a:srgbClr val="0000FF"/>
-                </a:solidFill>
-                <a:latin typeface="Consolas" panose="020B0609020204030204" pitchFamily="49" charset="0"/>
-              </a:rPr>
-              <a:t>-&gt;</a:t>
-            </a:r>
-            <a:r>
-              <a:rPr lang="en-US" dirty="0">
-                <a:solidFill>
-                  <a:prstClr val="black"/>
-                </a:solidFill>
-                <a:latin typeface="Consolas" panose="020B0609020204030204" pitchFamily="49" charset="0"/>
-              </a:rPr>
-              <a:t> Model </a:t>
-            </a:r>
-            <a:r>
-              <a:rPr lang="en-US" dirty="0">
-                <a:solidFill>
-                  <a:srgbClr val="0000FF"/>
-                </a:solidFill>
-                <a:latin typeface="Consolas" panose="020B0609020204030204" pitchFamily="49" charset="0"/>
-              </a:rPr>
-              <a:t>-&gt;</a:t>
-            </a:r>
-            <a:r>
-              <a:rPr lang="en-US" dirty="0">
-                <a:solidFill>
-                  <a:prstClr val="black"/>
-                </a:solidFill>
-                <a:latin typeface="Consolas" panose="020B0609020204030204" pitchFamily="49" charset="0"/>
-              </a:rPr>
-              <a:t> </a:t>
-            </a:r>
-            <a:r>
-              <a:rPr lang="en-US" dirty="0" smtClean="0">
-                <a:solidFill>
-                  <a:prstClr val="black"/>
-                </a:solidFill>
-                <a:latin typeface="Consolas" panose="020B0609020204030204" pitchFamily="49" charset="0"/>
-              </a:rPr>
-              <a:t>Model</a:t>
-            </a:r>
-          </a:p>
-          <a:p>
-            <a:pPr marL="0" indent="0">
-              <a:buNone/>
-            </a:pPr>
-            <a:endParaRPr lang="en-US" dirty="0" smtClean="0">
-              <a:solidFill>
-                <a:prstClr val="black"/>
-              </a:solidFill>
-              <a:latin typeface="Consolas" panose="020B0609020204030204" pitchFamily="49" charset="0"/>
-            </a:endParaRPr>
-          </a:p>
-          <a:p>
-            <a:pPr marL="0" indent="0">
-              <a:buNone/>
-            </a:pPr>
-            <a:r>
-              <a:rPr lang="en-US" dirty="0" smtClean="0">
-                <a:solidFill>
-                  <a:srgbClr val="0000FF"/>
-                </a:solidFill>
-                <a:latin typeface="Consolas" panose="020B0609020204030204" pitchFamily="49" charset="0"/>
-              </a:rPr>
-              <a:t>type</a:t>
-            </a:r>
-            <a:r>
-              <a:rPr lang="en-US" dirty="0" smtClean="0">
-                <a:solidFill>
-                  <a:prstClr val="black"/>
-                </a:solidFill>
-                <a:latin typeface="Consolas" panose="020B0609020204030204" pitchFamily="49" charset="0"/>
-              </a:rPr>
-              <a:t> Mvc </a:t>
-            </a:r>
-            <a:r>
-              <a:rPr lang="en-US" dirty="0">
-                <a:solidFill>
-                  <a:prstClr val="black"/>
-                </a:solidFill>
-                <a:latin typeface="Consolas" panose="020B0609020204030204" pitchFamily="49" charset="0"/>
-              </a:rPr>
-              <a:t>= Controller </a:t>
-            </a:r>
-            <a:r>
-              <a:rPr lang="en-US" dirty="0" smtClean="0">
-                <a:solidFill>
-                  <a:srgbClr val="0000FF"/>
-                </a:solidFill>
-                <a:latin typeface="Consolas" panose="020B0609020204030204" pitchFamily="49" charset="0"/>
-              </a:rPr>
-              <a:t>-&gt;</a:t>
-            </a:r>
-            <a:r>
-              <a:rPr lang="en-US" dirty="0" smtClean="0">
-                <a:solidFill>
-                  <a:prstClr val="black"/>
-                </a:solidFill>
-                <a:latin typeface="Consolas" panose="020B0609020204030204" pitchFamily="49" charset="0"/>
-              </a:rPr>
-              <a:t> Model </a:t>
-            </a:r>
-            <a:r>
-              <a:rPr lang="en-US" dirty="0" smtClean="0">
-                <a:solidFill>
-                  <a:srgbClr val="0000FF"/>
-                </a:solidFill>
-                <a:latin typeface="Consolas" panose="020B0609020204030204" pitchFamily="49" charset="0"/>
-              </a:rPr>
-              <a:t>-&gt;</a:t>
-            </a:r>
-            <a:r>
-              <a:rPr lang="en-US" dirty="0" smtClean="0">
-                <a:solidFill>
-                  <a:prstClr val="black"/>
-                </a:solidFill>
-                <a:latin typeface="Consolas" panose="020B0609020204030204" pitchFamily="49" charset="0"/>
-              </a:rPr>
-              <a:t> IEvent&lt;Events&gt; </a:t>
-            </a:r>
-            <a:r>
-              <a:rPr lang="en-US" dirty="0" smtClean="0">
-                <a:solidFill>
-                  <a:srgbClr val="0000FF"/>
-                </a:solidFill>
-                <a:latin typeface="Consolas" panose="020B0609020204030204" pitchFamily="49" charset="0"/>
-              </a:rPr>
-              <a:t>-&gt;</a:t>
-            </a:r>
-            <a:r>
-              <a:rPr lang="en-US" dirty="0" smtClean="0">
-                <a:solidFill>
-                  <a:prstClr val="black"/>
-                </a:solidFill>
-                <a:latin typeface="Consolas" panose="020B0609020204030204" pitchFamily="49" charset="0"/>
-              </a:rPr>
-              <a:t> Model</a:t>
-            </a:r>
-          </a:p>
-          <a:p>
-            <a:pPr marL="0" indent="0">
-              <a:buNone/>
-            </a:pPr>
-            <a:endParaRPr lang="en-US" dirty="0">
-              <a:solidFill>
-                <a:schemeClr val="bg1"/>
-              </a:solidFill>
-            </a:endParaRPr>
+            <a:r>
+              <a:rPr lang="en-US" dirty="0" smtClean="0"/>
+              <a:t>Data binding</a:t>
+            </a:r>
+            <a:endParaRPr lang="en-US" dirty="0"/>
           </a:p>
         </p:txBody>
       </p:sp>
     </p:spTree>
     <p:extLst>
       <p:ext uri="{BB962C8B-B14F-4D97-AF65-F5344CB8AC3E}">
-        <p14:creationId xmlns:p14="http://schemas.microsoft.com/office/powerpoint/2010/main" val="2634465386"/>
+        <p14:creationId xmlns:p14="http://schemas.microsoft.com/office/powerpoint/2010/main" val="2071602770"/>
       </p:ext>
     </p:extLst>
   </p:cSld>
@@ -17718,7 +17030,7 @@
           <a:p>
             <a:r>
               <a:rPr lang="en-US" dirty="0" smtClean="0"/>
-              <a:t>model</a:t>
+              <a:t>Controller</a:t>
             </a:r>
             <a:endParaRPr lang="en-US" dirty="0"/>
           </a:p>
@@ -17726,65 +17038,235 @@
       </p:sp>
       <p:sp>
         <p:nvSpPr>
-          <p:cNvPr id="3" name="Content Placeholder 2"/>
-          <p:cNvSpPr>
-            <a:spLocks noGrp="1"/>
-          </p:cNvSpPr>
-          <p:nvPr>
-            <p:ph idx="1"/>
-          </p:nvPr>
+          <p:cNvPr id="6" name="Rectangle 5"/>
+          <p:cNvSpPr/>
+          <p:nvPr/>
         </p:nvSpPr>
-        <p:spPr/>
+        <p:spPr>
+          <a:xfrm>
+            <a:off x="1141413" y="1732687"/>
+            <a:ext cx="9905998" cy="1477328"/>
+          </a:xfrm>
+          <a:prstGeom prst="rect">
+            <a:avLst/>
+          </a:prstGeom>
+          <a:solidFill>
+            <a:schemeClr val="tx1"/>
+          </a:solidFill>
+        </p:spPr>
         <p:txBody>
-          <a:bodyPr/>
+          <a:bodyPr wrap="square">
+            <a:spAutoFit/>
+          </a:bodyPr>
           <a:lstStyle/>
           <a:p>
             <a:r>
-              <a:rPr lang="en-US" dirty="0" smtClean="0"/>
-              <a:t>Not domain model</a:t>
-            </a:r>
-          </a:p>
-          <a:p>
-            <a:r>
-              <a:rPr lang="en-US" dirty="0" smtClean="0"/>
-              <a:t>Based on Castle Dynamic Proxy</a:t>
-            </a:r>
-          </a:p>
-          <a:p>
-            <a:r>
-              <a:rPr lang="en-US" dirty="0" smtClean="0"/>
-              <a:t>Raises INPC.PropertyChanged from setter interceptor</a:t>
-            </a:r>
-          </a:p>
-          <a:p>
-            <a:r>
-              <a:rPr lang="en-US" dirty="0" smtClean="0"/>
-              <a:t>Restrictions: virtual properties + base </a:t>
-            </a:r>
-            <a:r>
-              <a:rPr lang="en-US" dirty="0" smtClean="0"/>
-              <a:t>class + factory method</a:t>
-            </a:r>
-          </a:p>
-          <a:p>
-            <a:r>
-              <a:rPr lang="en-US" dirty="0" smtClean="0"/>
-              <a:t>Support for abstract properties makes coding in F# easier</a:t>
-            </a:r>
-          </a:p>
-          <a:p>
-            <a:r>
-              <a:rPr lang="en-US" dirty="0" smtClean="0"/>
-              <a:t>DECLARATIVE (type definition only, no imperative logic)</a:t>
-            </a:r>
-            <a:endParaRPr lang="en-US" dirty="0"/>
+              <a:rPr lang="en-US" dirty="0">
+                <a:solidFill>
+                  <a:srgbClr val="0000FF"/>
+                </a:solidFill>
+                <a:latin typeface="Consolas" panose="020B0609020204030204" pitchFamily="49" charset="0"/>
+              </a:rPr>
+              <a:t>type</a:t>
+            </a:r>
+            <a:r>
+              <a:rPr lang="en-US" dirty="0">
+                <a:solidFill>
+                  <a:prstClr val="black"/>
+                </a:solidFill>
+                <a:latin typeface="Consolas" panose="020B0609020204030204" pitchFamily="49" charset="0"/>
+              </a:rPr>
+              <a:t> </a:t>
+            </a:r>
+            <a:r>
+              <a:rPr lang="en-US" dirty="0" err="1">
+                <a:solidFill>
+                  <a:prstClr val="black"/>
+                </a:solidFill>
+                <a:latin typeface="Consolas" panose="020B0609020204030204" pitchFamily="49" charset="0"/>
+              </a:rPr>
+              <a:t>IController</a:t>
+            </a:r>
+            <a:r>
+              <a:rPr lang="en-US" dirty="0">
+                <a:solidFill>
+                  <a:prstClr val="black"/>
+                </a:solidFill>
+                <a:latin typeface="Consolas" panose="020B0609020204030204" pitchFamily="49" charset="0"/>
+              </a:rPr>
+              <a:t>&lt;'Events, 'Model&gt; =</a:t>
+            </a:r>
+          </a:p>
+          <a:p>
+            <a:endParaRPr lang="en-US" dirty="0">
+              <a:solidFill>
+                <a:prstClr val="black"/>
+              </a:solidFill>
+              <a:latin typeface="Consolas" panose="020B0609020204030204" pitchFamily="49" charset="0"/>
+            </a:endParaRPr>
+          </a:p>
+          <a:p>
+            <a:r>
+              <a:rPr lang="en-US" dirty="0">
+                <a:solidFill>
+                  <a:prstClr val="black"/>
+                </a:solidFill>
+                <a:latin typeface="Consolas" panose="020B0609020204030204" pitchFamily="49" charset="0"/>
+              </a:rPr>
+              <a:t>    </a:t>
+            </a:r>
+            <a:r>
+              <a:rPr lang="en-US" dirty="0">
+                <a:solidFill>
+                  <a:srgbClr val="0000FF"/>
+                </a:solidFill>
+                <a:latin typeface="Consolas" panose="020B0609020204030204" pitchFamily="49" charset="0"/>
+              </a:rPr>
+              <a:t>abstract</a:t>
+            </a:r>
+            <a:r>
+              <a:rPr lang="en-US" dirty="0">
+                <a:solidFill>
+                  <a:prstClr val="black"/>
+                </a:solidFill>
+                <a:latin typeface="Consolas" panose="020B0609020204030204" pitchFamily="49" charset="0"/>
+              </a:rPr>
+              <a:t> </a:t>
+            </a:r>
+            <a:r>
+              <a:rPr lang="en-US" dirty="0" err="1">
+                <a:solidFill>
+                  <a:prstClr val="black"/>
+                </a:solidFill>
+                <a:latin typeface="Consolas" panose="020B0609020204030204" pitchFamily="49" charset="0"/>
+              </a:rPr>
+              <a:t>InitModel</a:t>
+            </a:r>
+            <a:r>
+              <a:rPr lang="en-US" dirty="0">
+                <a:solidFill>
+                  <a:prstClr val="black"/>
+                </a:solidFill>
+                <a:latin typeface="Consolas" panose="020B0609020204030204" pitchFamily="49" charset="0"/>
+              </a:rPr>
+              <a:t> : 'Model </a:t>
+            </a:r>
+            <a:r>
+              <a:rPr lang="en-US" dirty="0">
+                <a:solidFill>
+                  <a:srgbClr val="0000FF"/>
+                </a:solidFill>
+                <a:latin typeface="Consolas" panose="020B0609020204030204" pitchFamily="49" charset="0"/>
+              </a:rPr>
+              <a:t>-&gt;</a:t>
+            </a:r>
+            <a:r>
+              <a:rPr lang="en-US" dirty="0">
+                <a:solidFill>
+                  <a:prstClr val="black"/>
+                </a:solidFill>
+                <a:latin typeface="Consolas" panose="020B0609020204030204" pitchFamily="49" charset="0"/>
+              </a:rPr>
+              <a:t> unit</a:t>
+            </a:r>
+          </a:p>
+          <a:p>
+            <a:r>
+              <a:rPr lang="en-US" dirty="0">
+                <a:solidFill>
+                  <a:prstClr val="black"/>
+                </a:solidFill>
+                <a:latin typeface="Consolas" panose="020B0609020204030204" pitchFamily="49" charset="0"/>
+              </a:rPr>
+              <a:t>    </a:t>
+            </a:r>
+            <a:r>
+              <a:rPr lang="en-US" dirty="0">
+                <a:solidFill>
+                  <a:srgbClr val="0000FF"/>
+                </a:solidFill>
+                <a:latin typeface="Consolas" panose="020B0609020204030204" pitchFamily="49" charset="0"/>
+              </a:rPr>
+              <a:t>abstract</a:t>
+            </a:r>
+            <a:r>
+              <a:rPr lang="en-US" dirty="0">
+                <a:solidFill>
+                  <a:prstClr val="black"/>
+                </a:solidFill>
+                <a:latin typeface="Consolas" panose="020B0609020204030204" pitchFamily="49" charset="0"/>
+              </a:rPr>
+              <a:t> </a:t>
+            </a:r>
+            <a:r>
+              <a:rPr lang="en-US" dirty="0" err="1">
+                <a:solidFill>
+                  <a:prstClr val="black"/>
+                </a:solidFill>
+                <a:latin typeface="Consolas" panose="020B0609020204030204" pitchFamily="49" charset="0"/>
+              </a:rPr>
+              <a:t>EventHandler</a:t>
+            </a:r>
+            <a:r>
+              <a:rPr lang="en-US" dirty="0">
+                <a:solidFill>
+                  <a:prstClr val="black"/>
+                </a:solidFill>
+                <a:latin typeface="Consolas" panose="020B0609020204030204" pitchFamily="49" charset="0"/>
+              </a:rPr>
+              <a:t> : ('Events </a:t>
+            </a:r>
+            <a:r>
+              <a:rPr lang="en-US" dirty="0">
+                <a:solidFill>
+                  <a:srgbClr val="0000FF"/>
+                </a:solidFill>
+                <a:latin typeface="Consolas" panose="020B0609020204030204" pitchFamily="49" charset="0"/>
+              </a:rPr>
+              <a:t>-&gt;</a:t>
+            </a:r>
+            <a:r>
+              <a:rPr lang="en-US" dirty="0">
+                <a:solidFill>
+                  <a:prstClr val="black"/>
+                </a:solidFill>
+                <a:latin typeface="Consolas" panose="020B0609020204030204" pitchFamily="49" charset="0"/>
+              </a:rPr>
+              <a:t> 'Model </a:t>
+            </a:r>
+            <a:r>
+              <a:rPr lang="en-US" dirty="0">
+                <a:solidFill>
+                  <a:srgbClr val="0000FF"/>
+                </a:solidFill>
+                <a:latin typeface="Consolas" panose="020B0609020204030204" pitchFamily="49" charset="0"/>
+              </a:rPr>
+              <a:t>-&gt;</a:t>
+            </a:r>
+            <a:r>
+              <a:rPr lang="en-US" dirty="0">
+                <a:solidFill>
+                  <a:prstClr val="black"/>
+                </a:solidFill>
+                <a:latin typeface="Consolas" panose="020B0609020204030204" pitchFamily="49" charset="0"/>
+              </a:rPr>
+              <a:t> unit)</a:t>
+            </a:r>
+          </a:p>
+          <a:p>
+            <a:endParaRPr lang="en-US" dirty="0">
+              <a:solidFill>
+                <a:prstClr val="black"/>
+              </a:solidFill>
+              <a:latin typeface="Consolas" panose="020B0609020204030204" pitchFamily="49" charset="0"/>
+            </a:endParaRPr>
           </a:p>
         </p:txBody>
       </p:sp>
     </p:spTree>
     <p:extLst>
       <p:ext uri="{BB962C8B-B14F-4D97-AF65-F5344CB8AC3E}">
-        <p14:creationId xmlns:p14="http://schemas.microsoft.com/office/powerpoint/2010/main" val="2026110272"/>
+        <p14:creationId xmlns:p14="http://schemas.microsoft.com/office/powerpoint/2010/main" val="2657432877"/>
       </p:ext>
     </p:extLst>
   </p:cSld>

--- a/NYC Meetup.2013-04-23.pptx
+++ b/NYC Meetup.2013-04-23.pptx
@@ -6,27 +6,26 @@
   </p:sldMasterIdLst>
   <p:sldIdLst>
     <p:sldId id="256" r:id="rId2"/>
-    <p:sldId id="283" r:id="rId3"/>
-    <p:sldId id="259" r:id="rId4"/>
-    <p:sldId id="262" r:id="rId5"/>
-    <p:sldId id="263" r:id="rId6"/>
-    <p:sldId id="264" r:id="rId7"/>
-    <p:sldId id="266" r:id="rId8"/>
-    <p:sldId id="265" r:id="rId9"/>
-    <p:sldId id="284" r:id="rId10"/>
-    <p:sldId id="268" r:id="rId11"/>
-    <p:sldId id="269" r:id="rId12"/>
-    <p:sldId id="270" r:id="rId13"/>
-    <p:sldId id="271" r:id="rId14"/>
-    <p:sldId id="272" r:id="rId15"/>
-    <p:sldId id="273" r:id="rId16"/>
-    <p:sldId id="274" r:id="rId17"/>
-    <p:sldId id="275" r:id="rId18"/>
-    <p:sldId id="276" r:id="rId19"/>
-    <p:sldId id="277" r:id="rId20"/>
-    <p:sldId id="278" r:id="rId21"/>
-    <p:sldId id="280" r:id="rId22"/>
-    <p:sldId id="279" r:id="rId23"/>
+    <p:sldId id="259" r:id="rId3"/>
+    <p:sldId id="262" r:id="rId4"/>
+    <p:sldId id="263" r:id="rId5"/>
+    <p:sldId id="264" r:id="rId6"/>
+    <p:sldId id="266" r:id="rId7"/>
+    <p:sldId id="265" r:id="rId8"/>
+    <p:sldId id="284" r:id="rId9"/>
+    <p:sldId id="268" r:id="rId10"/>
+    <p:sldId id="269" r:id="rId11"/>
+    <p:sldId id="271" r:id="rId12"/>
+    <p:sldId id="272" r:id="rId13"/>
+    <p:sldId id="273" r:id="rId14"/>
+    <p:sldId id="274" r:id="rId15"/>
+    <p:sldId id="275" r:id="rId16"/>
+    <p:sldId id="276" r:id="rId17"/>
+    <p:sldId id="277" r:id="rId18"/>
+    <p:sldId id="270" r:id="rId19"/>
+    <p:sldId id="278" r:id="rId20"/>
+    <p:sldId id="280" r:id="rId21"/>
+    <p:sldId id="279" r:id="rId22"/>
   </p:sldIdLst>
   <p:sldSz cx="12192000" cy="6858000"/>
   <p:notesSz cx="6858000" cy="9144000"/>
@@ -12604,6 +12603,4302 @@
         </p:nvSpPr>
         <p:spPr>
           <a:xfrm>
+            <a:off x="1141412" y="370869"/>
+            <a:ext cx="9905998" cy="829282"/>
+          </a:xfrm>
+        </p:spPr>
+        <p:txBody>
+          <a:bodyPr/>
+          <a:lstStyle/>
+          <a:p>
+            <a:r>
+              <a:rPr lang="en-US" dirty="0" smtClean="0"/>
+              <a:t>Data binding</a:t>
+            </a:r>
+            <a:endParaRPr lang="en-US" dirty="0"/>
+          </a:p>
+        </p:txBody>
+      </p:sp>
+      <p:sp>
+        <p:nvSpPr>
+          <p:cNvPr id="3" name="Content Placeholder 2"/>
+          <p:cNvSpPr>
+            <a:spLocks noGrp="1"/>
+          </p:cNvSpPr>
+          <p:nvPr>
+            <p:ph idx="1"/>
+          </p:nvPr>
+        </p:nvSpPr>
+        <p:spPr>
+          <a:xfrm>
+            <a:off x="1141412" y="4477109"/>
+            <a:ext cx="9905999" cy="1561739"/>
+          </a:xfrm>
+        </p:spPr>
+        <p:txBody>
+          <a:bodyPr>
+            <a:normAutofit/>
+          </a:bodyPr>
+          <a:lstStyle/>
+          <a:p>
+            <a:r>
+              <a:rPr lang="en-US" sz="2000" dirty="0" smtClean="0"/>
+              <a:t>Making implicit dependency explicit</a:t>
+            </a:r>
+          </a:p>
+          <a:p>
+            <a:r>
+              <a:rPr lang="en-US" sz="2000" dirty="0" smtClean="0"/>
+              <a:t>Leveraging F#/.NET type system</a:t>
+            </a:r>
+          </a:p>
+          <a:p>
+            <a:r>
+              <a:rPr lang="en-US" sz="2000" dirty="0" smtClean="0"/>
+              <a:t>Leveraging </a:t>
+            </a:r>
+            <a:r>
+              <a:rPr lang="en-US" sz="2000" dirty="0" smtClean="0"/>
+              <a:t>IDE/compiler</a:t>
+            </a:r>
+            <a:endParaRPr lang="en-US" sz="2000" dirty="0" smtClean="0"/>
+          </a:p>
+        </p:txBody>
+      </p:sp>
+      <p:sp>
+        <p:nvSpPr>
+          <p:cNvPr id="4" name="Rectangle 3"/>
+          <p:cNvSpPr/>
+          <p:nvPr/>
+        </p:nvSpPr>
+        <p:spPr>
+          <a:xfrm>
+            <a:off x="1141411" y="1200151"/>
+            <a:ext cx="9905999" cy="1200329"/>
+          </a:xfrm>
+          <a:prstGeom prst="rect">
+            <a:avLst/>
+          </a:prstGeom>
+          <a:solidFill>
+            <a:schemeClr val="tx1"/>
+          </a:solidFill>
+        </p:spPr>
+        <p:txBody>
+          <a:bodyPr wrap="square">
+            <a:spAutoFit/>
+          </a:bodyPr>
+          <a:lstStyle/>
+          <a:p>
+            <a:r>
+              <a:rPr lang="en-US" dirty="0">
+                <a:solidFill>
+                  <a:srgbClr val="0000FF"/>
+                </a:solidFill>
+                <a:latin typeface="Consolas" panose="020B0609020204030204" pitchFamily="49" charset="0"/>
+              </a:rPr>
+              <a:t>type</a:t>
+            </a:r>
+            <a:r>
+              <a:rPr lang="en-US" dirty="0">
+                <a:solidFill>
+                  <a:prstClr val="black"/>
+                </a:solidFill>
+                <a:latin typeface="Consolas" panose="020B0609020204030204" pitchFamily="49" charset="0"/>
+              </a:rPr>
+              <a:t> IView&lt;'Events, 'Model&gt; =</a:t>
+            </a:r>
+          </a:p>
+          <a:p>
+            <a:r>
+              <a:rPr lang="en-US" dirty="0">
+                <a:solidFill>
+                  <a:prstClr val="black"/>
+                </a:solidFill>
+                <a:latin typeface="Consolas" panose="020B0609020204030204" pitchFamily="49" charset="0"/>
+              </a:rPr>
+              <a:t>    </a:t>
+            </a:r>
+            <a:r>
+              <a:rPr lang="en-US" dirty="0">
+                <a:solidFill>
+                  <a:srgbClr val="0000FF"/>
+                </a:solidFill>
+                <a:latin typeface="Consolas" panose="020B0609020204030204" pitchFamily="49" charset="0"/>
+              </a:rPr>
+              <a:t>inherit</a:t>
+            </a:r>
+            <a:r>
+              <a:rPr lang="en-US" dirty="0">
+                <a:solidFill>
+                  <a:prstClr val="black"/>
+                </a:solidFill>
+                <a:latin typeface="Consolas" panose="020B0609020204030204" pitchFamily="49" charset="0"/>
+              </a:rPr>
+              <a:t> IObservable&lt;'Events&gt;</a:t>
+            </a:r>
+          </a:p>
+          <a:p>
+            <a:endParaRPr lang="en-US" dirty="0">
+              <a:solidFill>
+                <a:prstClr val="black"/>
+              </a:solidFill>
+              <a:latin typeface="Consolas" panose="020B0609020204030204" pitchFamily="49" charset="0"/>
+            </a:endParaRPr>
+          </a:p>
+          <a:p>
+            <a:r>
+              <a:rPr lang="en-US" dirty="0">
+                <a:solidFill>
+                  <a:prstClr val="black"/>
+                </a:solidFill>
+                <a:latin typeface="Consolas" panose="020B0609020204030204" pitchFamily="49" charset="0"/>
+              </a:rPr>
+              <a:t>    </a:t>
+            </a:r>
+            <a:r>
+              <a:rPr lang="en-US" dirty="0">
+                <a:solidFill>
+                  <a:srgbClr val="0000FF"/>
+                </a:solidFill>
+                <a:latin typeface="Consolas" panose="020B0609020204030204" pitchFamily="49" charset="0"/>
+              </a:rPr>
+              <a:t>abstract</a:t>
+            </a:r>
+            <a:r>
+              <a:rPr lang="en-US" dirty="0">
+                <a:solidFill>
+                  <a:prstClr val="black"/>
+                </a:solidFill>
+                <a:latin typeface="Consolas" panose="020B0609020204030204" pitchFamily="49" charset="0"/>
+              </a:rPr>
+              <a:t> SetBindings : 'Model </a:t>
+            </a:r>
+            <a:r>
+              <a:rPr lang="en-US" dirty="0">
+                <a:solidFill>
+                  <a:srgbClr val="0000FF"/>
+                </a:solidFill>
+                <a:latin typeface="Consolas" panose="020B0609020204030204" pitchFamily="49" charset="0"/>
+              </a:rPr>
+              <a:t>-&gt;</a:t>
+            </a:r>
+            <a:r>
+              <a:rPr lang="en-US" dirty="0">
+                <a:solidFill>
+                  <a:prstClr val="black"/>
+                </a:solidFill>
+                <a:latin typeface="Consolas" panose="020B0609020204030204" pitchFamily="49" charset="0"/>
+              </a:rPr>
+              <a:t> unit</a:t>
+            </a:r>
+          </a:p>
+        </p:txBody>
+      </p:sp>
+      <p:sp>
+        <p:nvSpPr>
+          <p:cNvPr id="7" name="Rectangle 6"/>
+          <p:cNvSpPr/>
+          <p:nvPr/>
+        </p:nvSpPr>
+        <p:spPr>
+          <a:xfrm>
+            <a:off x="1141411" y="2678473"/>
+            <a:ext cx="9905999" cy="369332"/>
+          </a:xfrm>
+          <a:prstGeom prst="rect">
+            <a:avLst/>
+          </a:prstGeom>
+          <a:solidFill>
+            <a:schemeClr val="tx1"/>
+          </a:solidFill>
+        </p:spPr>
+        <p:txBody>
+          <a:bodyPr wrap="square">
+            <a:spAutoFit/>
+          </a:bodyPr>
+          <a:lstStyle/>
+          <a:p>
+            <a:r>
+              <a:rPr lang="en-US" dirty="0">
+                <a:solidFill>
+                  <a:schemeClr val="bg1"/>
+                </a:solidFill>
+                <a:latin typeface="Consolas" panose="020B0609020204030204" pitchFamily="49" charset="0"/>
+              </a:rPr>
+              <a:t>&lt;@ </a:t>
+            </a:r>
+            <a:r>
+              <a:rPr lang="en-US" dirty="0" err="1" smtClean="0">
+                <a:solidFill>
+                  <a:schemeClr val="bg1"/>
+                </a:solidFill>
+                <a:latin typeface="Consolas" panose="020B0609020204030204" pitchFamily="49" charset="0"/>
+              </a:rPr>
+              <a:t>textBox.Text</a:t>
+            </a:r>
+            <a:r>
+              <a:rPr lang="en-US" dirty="0" smtClean="0">
+                <a:solidFill>
+                  <a:schemeClr val="bg1"/>
+                </a:solidFill>
+                <a:latin typeface="Consolas" panose="020B0609020204030204" pitchFamily="49" charset="0"/>
+              </a:rPr>
+              <a:t> </a:t>
+            </a:r>
+            <a:r>
+              <a:rPr lang="en-US" dirty="0">
+                <a:solidFill>
+                  <a:schemeClr val="bg1"/>
+                </a:solidFill>
+                <a:latin typeface="Consolas" panose="020B0609020204030204" pitchFamily="49" charset="0"/>
+              </a:rPr>
+              <a:t>&lt;- </a:t>
+            </a:r>
+            <a:r>
+              <a:rPr lang="en-US" dirty="0" err="1" smtClean="0">
+                <a:solidFill>
+                  <a:schemeClr val="bg1"/>
+                </a:solidFill>
+                <a:latin typeface="Consolas" panose="020B0609020204030204" pitchFamily="49" charset="0"/>
+              </a:rPr>
+              <a:t>model.Name</a:t>
+            </a:r>
+            <a:r>
+              <a:rPr lang="en-US" dirty="0" smtClean="0">
+                <a:solidFill>
+                  <a:schemeClr val="bg1"/>
+                </a:solidFill>
+                <a:latin typeface="Consolas" panose="020B0609020204030204" pitchFamily="49" charset="0"/>
+              </a:rPr>
+              <a:t> @&gt;</a:t>
+            </a:r>
+          </a:p>
+        </p:txBody>
+      </p:sp>
+      <p:sp>
+        <p:nvSpPr>
+          <p:cNvPr id="8" name="Rectangle 7"/>
+          <p:cNvSpPr/>
+          <p:nvPr/>
+        </p:nvSpPr>
+        <p:spPr>
+          <a:xfrm>
+            <a:off x="1141411" y="3684113"/>
+            <a:ext cx="9905999" cy="369332"/>
+          </a:xfrm>
+          <a:prstGeom prst="rect">
+            <a:avLst/>
+          </a:prstGeom>
+          <a:solidFill>
+            <a:schemeClr val="tx1"/>
+          </a:solidFill>
+        </p:spPr>
+        <p:txBody>
+          <a:bodyPr wrap="square">
+            <a:spAutoFit/>
+          </a:bodyPr>
+          <a:lstStyle/>
+          <a:p>
+            <a:r>
+              <a:rPr lang="en-US" dirty="0" err="1" smtClean="0">
+                <a:solidFill>
+                  <a:schemeClr val="bg1"/>
+                </a:solidFill>
+                <a:latin typeface="Consolas" panose="020B0609020204030204" pitchFamily="49" charset="0"/>
+              </a:rPr>
+              <a:t>textBox.SetBinding</a:t>
+            </a:r>
+            <a:r>
+              <a:rPr lang="en-US" dirty="0" smtClean="0">
+                <a:solidFill>
+                  <a:schemeClr val="bg1"/>
+                </a:solidFill>
+                <a:latin typeface="Consolas" panose="020B0609020204030204" pitchFamily="49" charset="0"/>
+              </a:rPr>
+              <a:t>(</a:t>
+            </a:r>
+            <a:r>
+              <a:rPr lang="en-US" dirty="0" err="1" smtClean="0">
+                <a:solidFill>
+                  <a:schemeClr val="bg1"/>
+                </a:solidFill>
+                <a:latin typeface="Consolas" panose="020B0609020204030204" pitchFamily="49" charset="0"/>
+              </a:rPr>
+              <a:t>TextBox.TextProperty</a:t>
+            </a:r>
+            <a:r>
+              <a:rPr lang="en-US" dirty="0" smtClean="0">
+                <a:solidFill>
+                  <a:schemeClr val="bg1"/>
+                </a:solidFill>
+                <a:latin typeface="Consolas" panose="020B0609020204030204" pitchFamily="49" charset="0"/>
+              </a:rPr>
+              <a:t>, "Name")</a:t>
+            </a:r>
+          </a:p>
+        </p:txBody>
+      </p:sp>
+      <p:sp>
+        <p:nvSpPr>
+          <p:cNvPr id="6" name="Down Arrow 5"/>
+          <p:cNvSpPr/>
+          <p:nvPr/>
+        </p:nvSpPr>
+        <p:spPr>
+          <a:xfrm>
+            <a:off x="5956297" y="3159729"/>
+            <a:ext cx="276225" cy="367089"/>
+          </a:xfrm>
+          <a:prstGeom prst="downArrow">
+            <a:avLst/>
+          </a:prstGeom>
+        </p:spPr>
+        <p:style>
+          <a:lnRef idx="2">
+            <a:schemeClr val="accent1">
+              <a:shade val="50000"/>
+            </a:schemeClr>
+          </a:lnRef>
+          <a:fillRef idx="1">
+            <a:schemeClr val="accent1"/>
+          </a:fillRef>
+          <a:effectRef idx="0">
+            <a:schemeClr val="accent1"/>
+          </a:effectRef>
+          <a:fontRef idx="minor">
+            <a:schemeClr val="lt1"/>
+          </a:fontRef>
+        </p:style>
+        <p:txBody>
+          <a:bodyPr rtlCol="0" anchor="ctr"/>
+          <a:lstStyle/>
+          <a:p>
+            <a:pPr algn="ctr"/>
+            <a:endParaRPr lang="en-US"/>
+          </a:p>
+        </p:txBody>
+      </p:sp>
+    </p:spTree>
+    <p:extLst>
+      <p:ext uri="{BB962C8B-B14F-4D97-AF65-F5344CB8AC3E}">
+        <p14:creationId xmlns:p14="http://schemas.microsoft.com/office/powerpoint/2010/main" val="15714665"/>
+      </p:ext>
+    </p:extLst>
+  </p:cSld>
+  <p:clrMapOvr>
+    <a:masterClrMapping/>
+  </p:clrMapOvr>
+  <p:timing>
+    <p:tnLst>
+      <p:par>
+        <p:cTn id="1" dur="indefinite" restart="never" nodeType="tmRoot"/>
+      </p:par>
+    </p:tnLst>
+  </p:timing>
+</p:sld>
+</file>
+
+<file path=ppt/slides/slide11.xml><?xml version="1.0" encoding="utf-8"?>
+<p:sld xmlns:a="http://schemas.openxmlformats.org/drawingml/2006/main" xmlns:r="http://schemas.openxmlformats.org/officeDocument/2006/relationships" xmlns:p="http://schemas.openxmlformats.org/presentationml/2006/main">
+  <p:cSld>
+    <p:spTree>
+      <p:nvGrpSpPr>
+        <p:cNvPr id="1" name=""/>
+        <p:cNvGrpSpPr/>
+        <p:nvPr/>
+      </p:nvGrpSpPr>
+      <p:grpSpPr>
+        <a:xfrm>
+          <a:off x="0" y="0"/>
+          <a:ext cx="0" cy="0"/>
+          <a:chOff x="0" y="0"/>
+          <a:chExt cx="0" cy="0"/>
+        </a:xfrm>
+      </p:grpSpPr>
+      <p:sp>
+        <p:nvSpPr>
+          <p:cNvPr id="2" name="Title 1"/>
+          <p:cNvSpPr>
+            <a:spLocks noGrp="1"/>
+          </p:cNvSpPr>
+          <p:nvPr>
+            <p:ph type="title"/>
+          </p:nvPr>
+        </p:nvSpPr>
+        <p:spPr>
+          <a:xfrm>
+            <a:off x="1476375" y="247044"/>
+            <a:ext cx="9571036" cy="614366"/>
+          </a:xfrm>
+        </p:spPr>
+        <p:txBody>
+          <a:bodyPr/>
+          <a:lstStyle/>
+          <a:p>
+            <a:r>
+              <a:rPr lang="en-US" dirty="0" smtClean="0"/>
+              <a:t>Async</a:t>
+            </a:r>
+            <a:endParaRPr lang="en-US" dirty="0"/>
+          </a:p>
+        </p:txBody>
+      </p:sp>
+      <p:sp>
+        <p:nvSpPr>
+          <p:cNvPr id="9" name="Rectangle 8"/>
+          <p:cNvSpPr/>
+          <p:nvPr/>
+        </p:nvSpPr>
+        <p:spPr>
+          <a:xfrm>
+            <a:off x="1476375" y="892981"/>
+            <a:ext cx="9677399" cy="923330"/>
+          </a:xfrm>
+          <a:prstGeom prst="rect">
+            <a:avLst/>
+          </a:prstGeom>
+          <a:solidFill>
+            <a:schemeClr val="tx1"/>
+          </a:solidFill>
+        </p:spPr>
+        <p:txBody>
+          <a:bodyPr wrap="square">
+            <a:spAutoFit/>
+          </a:bodyPr>
+          <a:lstStyle/>
+          <a:p>
+            <a:r>
+              <a:rPr lang="en-US" dirty="0">
+                <a:solidFill>
+                  <a:srgbClr val="0000FF"/>
+                </a:solidFill>
+                <a:latin typeface="Consolas" panose="020B0609020204030204" pitchFamily="49" charset="0"/>
+              </a:rPr>
+              <a:t>type</a:t>
+            </a:r>
+            <a:r>
+              <a:rPr lang="en-US" dirty="0">
+                <a:solidFill>
+                  <a:prstClr val="black"/>
+                </a:solidFill>
+                <a:latin typeface="Consolas" panose="020B0609020204030204" pitchFamily="49" charset="0"/>
+              </a:rPr>
+              <a:t> IController&lt;</a:t>
+            </a:r>
+            <a:r>
+              <a:rPr lang="en-US" dirty="0" smtClean="0">
+                <a:solidFill>
+                  <a:prstClr val="black"/>
+                </a:solidFill>
+                <a:latin typeface="Consolas" panose="020B0609020204030204" pitchFamily="49" charset="0"/>
+              </a:rPr>
+              <a:t>'Events, </a:t>
+            </a:r>
+            <a:r>
+              <a:rPr lang="en-US" dirty="0">
+                <a:solidFill>
+                  <a:prstClr val="black"/>
+                </a:solidFill>
+                <a:latin typeface="Consolas" panose="020B0609020204030204" pitchFamily="49" charset="0"/>
+              </a:rPr>
+              <a:t>'Model&gt; =</a:t>
+            </a:r>
+          </a:p>
+          <a:p>
+            <a:r>
+              <a:rPr lang="en-US" dirty="0" smtClean="0">
+                <a:solidFill>
+                  <a:prstClr val="black"/>
+                </a:solidFill>
+                <a:latin typeface="Consolas" panose="020B0609020204030204" pitchFamily="49" charset="0"/>
+              </a:rPr>
+              <a:t>    </a:t>
+            </a:r>
+            <a:r>
+              <a:rPr lang="en-US" dirty="0">
+                <a:solidFill>
+                  <a:srgbClr val="0000FF"/>
+                </a:solidFill>
+                <a:latin typeface="Consolas" panose="020B0609020204030204" pitchFamily="49" charset="0"/>
+              </a:rPr>
+              <a:t>abstract</a:t>
+            </a:r>
+            <a:r>
+              <a:rPr lang="en-US" dirty="0">
+                <a:solidFill>
+                  <a:prstClr val="black"/>
+                </a:solidFill>
+                <a:latin typeface="Consolas" panose="020B0609020204030204" pitchFamily="49" charset="0"/>
+              </a:rPr>
+              <a:t> InitModel : 'Model </a:t>
+            </a:r>
+            <a:r>
+              <a:rPr lang="en-US" dirty="0">
+                <a:solidFill>
+                  <a:srgbClr val="0000FF"/>
+                </a:solidFill>
+                <a:latin typeface="Consolas" panose="020B0609020204030204" pitchFamily="49" charset="0"/>
+              </a:rPr>
+              <a:t>-&gt;</a:t>
+            </a:r>
+            <a:r>
+              <a:rPr lang="en-US" dirty="0">
+                <a:solidFill>
+                  <a:prstClr val="black"/>
+                </a:solidFill>
+                <a:latin typeface="Consolas" panose="020B0609020204030204" pitchFamily="49" charset="0"/>
+              </a:rPr>
+              <a:t> unit</a:t>
+            </a:r>
+          </a:p>
+          <a:p>
+            <a:r>
+              <a:rPr lang="en-US" dirty="0">
+                <a:solidFill>
+                  <a:prstClr val="black"/>
+                </a:solidFill>
+                <a:latin typeface="Consolas" panose="020B0609020204030204" pitchFamily="49" charset="0"/>
+              </a:rPr>
+              <a:t>    </a:t>
+            </a:r>
+            <a:r>
+              <a:rPr lang="en-US" dirty="0">
+                <a:solidFill>
+                  <a:srgbClr val="0000FF"/>
+                </a:solidFill>
+                <a:latin typeface="Consolas" panose="020B0609020204030204" pitchFamily="49" charset="0"/>
+              </a:rPr>
+              <a:t>abstract</a:t>
+            </a:r>
+            <a:r>
+              <a:rPr lang="en-US" dirty="0">
+                <a:solidFill>
+                  <a:prstClr val="black"/>
+                </a:solidFill>
+                <a:latin typeface="Consolas" panose="020B0609020204030204" pitchFamily="49" charset="0"/>
+              </a:rPr>
+              <a:t> </a:t>
+            </a:r>
+            <a:r>
+              <a:rPr lang="en-US" dirty="0" smtClean="0">
+                <a:solidFill>
+                  <a:prstClr val="black"/>
+                </a:solidFill>
+                <a:latin typeface="Consolas" panose="020B0609020204030204" pitchFamily="49" charset="0"/>
+              </a:rPr>
+              <a:t>EventHandler </a:t>
+            </a:r>
+            <a:r>
+              <a:rPr lang="en-US" dirty="0">
+                <a:solidFill>
+                  <a:prstClr val="black"/>
+                </a:solidFill>
+                <a:latin typeface="Consolas" panose="020B0609020204030204" pitchFamily="49" charset="0"/>
+              </a:rPr>
+              <a:t>: (</a:t>
+            </a:r>
+            <a:r>
+              <a:rPr lang="en-US" dirty="0" smtClean="0">
+                <a:solidFill>
+                  <a:prstClr val="black"/>
+                </a:solidFill>
+                <a:latin typeface="Consolas" panose="020B0609020204030204" pitchFamily="49" charset="0"/>
+              </a:rPr>
+              <a:t>'Events </a:t>
+            </a:r>
+            <a:r>
+              <a:rPr lang="en-US" dirty="0">
+                <a:solidFill>
+                  <a:srgbClr val="0000FF"/>
+                </a:solidFill>
+                <a:latin typeface="Consolas" panose="020B0609020204030204" pitchFamily="49" charset="0"/>
+              </a:rPr>
+              <a:t>-&gt;</a:t>
+            </a:r>
+            <a:r>
+              <a:rPr lang="en-US" dirty="0">
+                <a:solidFill>
+                  <a:prstClr val="black"/>
+                </a:solidFill>
+                <a:latin typeface="Consolas" panose="020B0609020204030204" pitchFamily="49" charset="0"/>
+              </a:rPr>
+              <a:t> 'Model </a:t>
+            </a:r>
+            <a:r>
+              <a:rPr lang="en-US" dirty="0">
+                <a:solidFill>
+                  <a:srgbClr val="0000FF"/>
+                </a:solidFill>
+                <a:latin typeface="Consolas" panose="020B0609020204030204" pitchFamily="49" charset="0"/>
+              </a:rPr>
+              <a:t>-&gt;</a:t>
+            </a:r>
+            <a:r>
+              <a:rPr lang="en-US" dirty="0">
+                <a:solidFill>
+                  <a:prstClr val="black"/>
+                </a:solidFill>
+                <a:latin typeface="Consolas" panose="020B0609020204030204" pitchFamily="49" charset="0"/>
+              </a:rPr>
+              <a:t> unit)</a:t>
+            </a:r>
+          </a:p>
+        </p:txBody>
+      </p:sp>
+      <p:sp>
+        <p:nvSpPr>
+          <p:cNvPr id="10" name="Rectangle 9"/>
+          <p:cNvSpPr/>
+          <p:nvPr/>
+        </p:nvSpPr>
+        <p:spPr>
+          <a:xfrm>
+            <a:off x="1476375" y="4432716"/>
+            <a:ext cx="9677399" cy="2031325"/>
+          </a:xfrm>
+          <a:prstGeom prst="rect">
+            <a:avLst/>
+          </a:prstGeom>
+          <a:solidFill>
+            <a:schemeClr val="tx1"/>
+          </a:solidFill>
+        </p:spPr>
+        <p:txBody>
+          <a:bodyPr wrap="square">
+            <a:spAutoFit/>
+          </a:bodyPr>
+          <a:lstStyle/>
+          <a:p>
+            <a:r>
+              <a:rPr lang="en-US" dirty="0">
+                <a:solidFill>
+                  <a:srgbClr val="0000FF"/>
+                </a:solidFill>
+                <a:latin typeface="Consolas" panose="020B0609020204030204" pitchFamily="49" charset="0"/>
+              </a:rPr>
+              <a:t>type</a:t>
+            </a:r>
+            <a:r>
+              <a:rPr lang="en-US" dirty="0">
+                <a:solidFill>
+                  <a:prstClr val="black"/>
+                </a:solidFill>
+                <a:latin typeface="Consolas" panose="020B0609020204030204" pitchFamily="49" charset="0"/>
+              </a:rPr>
+              <a:t> EventHandler&lt;'Model&gt; = </a:t>
+            </a:r>
+          </a:p>
+          <a:p>
+            <a:r>
+              <a:rPr lang="en-US" dirty="0">
+                <a:solidFill>
+                  <a:prstClr val="black"/>
+                </a:solidFill>
+                <a:latin typeface="Consolas" panose="020B0609020204030204" pitchFamily="49" charset="0"/>
+              </a:rPr>
+              <a:t>    | Sync </a:t>
+            </a:r>
+            <a:r>
+              <a:rPr lang="en-US" dirty="0">
+                <a:solidFill>
+                  <a:srgbClr val="0000FF"/>
+                </a:solidFill>
+                <a:latin typeface="Consolas" panose="020B0609020204030204" pitchFamily="49" charset="0"/>
+              </a:rPr>
+              <a:t>of</a:t>
+            </a:r>
+            <a:r>
+              <a:rPr lang="en-US" dirty="0">
+                <a:solidFill>
+                  <a:prstClr val="black"/>
+                </a:solidFill>
+                <a:latin typeface="Consolas" panose="020B0609020204030204" pitchFamily="49" charset="0"/>
+              </a:rPr>
+              <a:t> ('Model </a:t>
+            </a:r>
+            <a:r>
+              <a:rPr lang="en-US" dirty="0">
+                <a:solidFill>
+                  <a:srgbClr val="0000FF"/>
+                </a:solidFill>
+                <a:latin typeface="Consolas" panose="020B0609020204030204" pitchFamily="49" charset="0"/>
+              </a:rPr>
+              <a:t>-&gt;</a:t>
+            </a:r>
+            <a:r>
+              <a:rPr lang="en-US" dirty="0">
+                <a:solidFill>
+                  <a:prstClr val="black"/>
+                </a:solidFill>
+                <a:latin typeface="Consolas" panose="020B0609020204030204" pitchFamily="49" charset="0"/>
+              </a:rPr>
+              <a:t> unit)</a:t>
+            </a:r>
+          </a:p>
+          <a:p>
+            <a:r>
+              <a:rPr lang="en-US" dirty="0">
+                <a:solidFill>
+                  <a:prstClr val="black"/>
+                </a:solidFill>
+                <a:latin typeface="Consolas" panose="020B0609020204030204" pitchFamily="49" charset="0"/>
+              </a:rPr>
+              <a:t>    | Async </a:t>
+            </a:r>
+            <a:r>
+              <a:rPr lang="en-US" dirty="0">
+                <a:solidFill>
+                  <a:srgbClr val="0000FF"/>
+                </a:solidFill>
+                <a:latin typeface="Consolas" panose="020B0609020204030204" pitchFamily="49" charset="0"/>
+              </a:rPr>
+              <a:t>of</a:t>
+            </a:r>
+            <a:r>
+              <a:rPr lang="en-US" dirty="0">
+                <a:solidFill>
+                  <a:prstClr val="black"/>
+                </a:solidFill>
+                <a:latin typeface="Consolas" panose="020B0609020204030204" pitchFamily="49" charset="0"/>
+              </a:rPr>
+              <a:t> ('Model </a:t>
+            </a:r>
+            <a:r>
+              <a:rPr lang="en-US" dirty="0">
+                <a:solidFill>
+                  <a:srgbClr val="0000FF"/>
+                </a:solidFill>
+                <a:latin typeface="Consolas" panose="020B0609020204030204" pitchFamily="49" charset="0"/>
+              </a:rPr>
+              <a:t>-&gt;</a:t>
+            </a:r>
+            <a:r>
+              <a:rPr lang="en-US" dirty="0">
+                <a:solidFill>
+                  <a:prstClr val="black"/>
+                </a:solidFill>
+                <a:latin typeface="Consolas" panose="020B0609020204030204" pitchFamily="49" charset="0"/>
+              </a:rPr>
+              <a:t> Async&lt;unit&gt;)</a:t>
+            </a:r>
+          </a:p>
+          <a:p>
+            <a:endParaRPr lang="en-US" dirty="0">
+              <a:solidFill>
+                <a:prstClr val="black"/>
+              </a:solidFill>
+              <a:latin typeface="Consolas" panose="020B0609020204030204" pitchFamily="49" charset="0"/>
+            </a:endParaRPr>
+          </a:p>
+          <a:p>
+            <a:r>
+              <a:rPr lang="en-US" dirty="0">
+                <a:solidFill>
+                  <a:srgbClr val="0000FF"/>
+                </a:solidFill>
+                <a:latin typeface="Consolas" panose="020B0609020204030204" pitchFamily="49" charset="0"/>
+              </a:rPr>
+              <a:t>type</a:t>
+            </a:r>
+            <a:r>
+              <a:rPr lang="en-US" dirty="0">
+                <a:solidFill>
+                  <a:prstClr val="black"/>
+                </a:solidFill>
+                <a:latin typeface="Consolas" panose="020B0609020204030204" pitchFamily="49" charset="0"/>
+              </a:rPr>
+              <a:t> IController&lt;'Events, 'Model&gt; =</a:t>
+            </a:r>
+          </a:p>
+          <a:p>
+            <a:r>
+              <a:rPr lang="en-US" dirty="0" smtClean="0">
+                <a:solidFill>
+                  <a:prstClr val="black"/>
+                </a:solidFill>
+                <a:latin typeface="Consolas" panose="020B0609020204030204" pitchFamily="49" charset="0"/>
+              </a:rPr>
+              <a:t>    </a:t>
+            </a:r>
+            <a:r>
+              <a:rPr lang="en-US" dirty="0">
+                <a:solidFill>
+                  <a:srgbClr val="0000FF"/>
+                </a:solidFill>
+                <a:latin typeface="Consolas" panose="020B0609020204030204" pitchFamily="49" charset="0"/>
+              </a:rPr>
+              <a:t>abstract</a:t>
+            </a:r>
+            <a:r>
+              <a:rPr lang="en-US" dirty="0">
+                <a:solidFill>
+                  <a:prstClr val="black"/>
+                </a:solidFill>
+                <a:latin typeface="Consolas" panose="020B0609020204030204" pitchFamily="49" charset="0"/>
+              </a:rPr>
+              <a:t> InitModel : 'Model </a:t>
+            </a:r>
+            <a:r>
+              <a:rPr lang="en-US" dirty="0">
+                <a:solidFill>
+                  <a:srgbClr val="0000FF"/>
+                </a:solidFill>
+                <a:latin typeface="Consolas" panose="020B0609020204030204" pitchFamily="49" charset="0"/>
+              </a:rPr>
+              <a:t>-&gt;</a:t>
+            </a:r>
+            <a:r>
+              <a:rPr lang="en-US" dirty="0">
+                <a:solidFill>
+                  <a:prstClr val="black"/>
+                </a:solidFill>
+                <a:latin typeface="Consolas" panose="020B0609020204030204" pitchFamily="49" charset="0"/>
+              </a:rPr>
+              <a:t> unit</a:t>
+            </a:r>
+          </a:p>
+          <a:p>
+            <a:r>
+              <a:rPr lang="en-US" dirty="0">
+                <a:solidFill>
+                  <a:prstClr val="black"/>
+                </a:solidFill>
+                <a:latin typeface="Consolas" panose="020B0609020204030204" pitchFamily="49" charset="0"/>
+              </a:rPr>
+              <a:t>    </a:t>
+            </a:r>
+            <a:r>
+              <a:rPr lang="en-US" dirty="0">
+                <a:solidFill>
+                  <a:srgbClr val="0000FF"/>
+                </a:solidFill>
+                <a:latin typeface="Consolas" panose="020B0609020204030204" pitchFamily="49" charset="0"/>
+              </a:rPr>
+              <a:t>abstract</a:t>
+            </a:r>
+            <a:r>
+              <a:rPr lang="en-US" dirty="0">
+                <a:solidFill>
+                  <a:prstClr val="black"/>
+                </a:solidFill>
+                <a:latin typeface="Consolas" panose="020B0609020204030204" pitchFamily="49" charset="0"/>
+              </a:rPr>
+              <a:t> Dispatcher : ('Events </a:t>
+            </a:r>
+            <a:r>
+              <a:rPr lang="en-US" dirty="0">
+                <a:solidFill>
+                  <a:srgbClr val="0000FF"/>
+                </a:solidFill>
+                <a:latin typeface="Consolas" panose="020B0609020204030204" pitchFamily="49" charset="0"/>
+              </a:rPr>
+              <a:t>-&gt;</a:t>
+            </a:r>
+            <a:r>
+              <a:rPr lang="en-US" dirty="0">
+                <a:solidFill>
+                  <a:prstClr val="black"/>
+                </a:solidFill>
+                <a:latin typeface="Consolas" panose="020B0609020204030204" pitchFamily="49" charset="0"/>
+              </a:rPr>
+              <a:t> EventHandler&lt;'Model&gt;)</a:t>
+            </a:r>
+          </a:p>
+        </p:txBody>
+      </p:sp>
+      <p:sp>
+        <p:nvSpPr>
+          <p:cNvPr id="11" name="Down Arrow 10"/>
+          <p:cNvSpPr/>
+          <p:nvPr/>
+        </p:nvSpPr>
+        <p:spPr>
+          <a:xfrm>
+            <a:off x="5633128" y="1938635"/>
+            <a:ext cx="243797" cy="461954"/>
+          </a:xfrm>
+          <a:prstGeom prst="downArrow">
+            <a:avLst/>
+          </a:prstGeom>
+        </p:spPr>
+        <p:style>
+          <a:lnRef idx="2">
+            <a:schemeClr val="accent1">
+              <a:shade val="50000"/>
+            </a:schemeClr>
+          </a:lnRef>
+          <a:fillRef idx="1">
+            <a:schemeClr val="accent1"/>
+          </a:fillRef>
+          <a:effectRef idx="0">
+            <a:schemeClr val="accent1"/>
+          </a:effectRef>
+          <a:fontRef idx="minor">
+            <a:schemeClr val="lt1"/>
+          </a:fontRef>
+        </p:style>
+        <p:txBody>
+          <a:bodyPr rtlCol="0" anchor="ctr"/>
+          <a:lstStyle/>
+          <a:p>
+            <a:pPr algn="ctr"/>
+            <a:endParaRPr lang="en-US"/>
+          </a:p>
+        </p:txBody>
+      </p:sp>
+      <p:sp>
+        <p:nvSpPr>
+          <p:cNvPr id="3" name="Rectangle 2"/>
+          <p:cNvSpPr/>
+          <p:nvPr/>
+        </p:nvSpPr>
+        <p:spPr>
+          <a:xfrm>
+            <a:off x="3527602" y="215473"/>
+            <a:ext cx="8573728" cy="369332"/>
+          </a:xfrm>
+          <a:prstGeom prst="rect">
+            <a:avLst/>
+          </a:prstGeom>
+          <a:gradFill>
+            <a:gsLst>
+              <a:gs pos="0">
+                <a:schemeClr val="accent1">
+                  <a:lumMod val="5000"/>
+                  <a:lumOff val="95000"/>
+                </a:schemeClr>
+              </a:gs>
+              <a:gs pos="74000">
+                <a:schemeClr val="accent1">
+                  <a:lumMod val="45000"/>
+                  <a:lumOff val="55000"/>
+                </a:schemeClr>
+              </a:gs>
+              <a:gs pos="83000">
+                <a:schemeClr val="accent1">
+                  <a:lumMod val="45000"/>
+                  <a:lumOff val="55000"/>
+                </a:schemeClr>
+              </a:gs>
+              <a:gs pos="100000">
+                <a:schemeClr val="accent1">
+                  <a:lumMod val="30000"/>
+                  <a:lumOff val="70000"/>
+                </a:schemeClr>
+              </a:gs>
+            </a:gsLst>
+            <a:lin ang="5400000" scaled="1"/>
+          </a:gradFill>
+        </p:spPr>
+        <p:txBody>
+          <a:bodyPr wrap="square">
+            <a:spAutoFit/>
+          </a:bodyPr>
+          <a:lstStyle/>
+          <a:p>
+            <a:r>
+              <a:rPr lang="en-US" b="1" dirty="0" smtClean="0">
+                <a:solidFill>
+                  <a:srgbClr val="FF0000"/>
+                </a:solidFill>
+                <a:latin typeface="palatino linotype" panose="02040502050505030304" pitchFamily="18" charset="0"/>
+              </a:rPr>
+              <a:t>“Async </a:t>
+            </a:r>
+            <a:r>
+              <a:rPr lang="en-US" b="1" dirty="0">
+                <a:solidFill>
+                  <a:srgbClr val="FF0000"/>
+                </a:solidFill>
+                <a:latin typeface="palatino linotype" panose="02040502050505030304" pitchFamily="18" charset="0"/>
+              </a:rPr>
+              <a:t>in C# and F#: Asynchronous gotchas in C</a:t>
+            </a:r>
+            <a:r>
+              <a:rPr lang="en-US" b="1" dirty="0" smtClean="0">
+                <a:solidFill>
+                  <a:srgbClr val="FF0000"/>
+                </a:solidFill>
+                <a:latin typeface="palatino linotype" panose="02040502050505030304" pitchFamily="18" charset="0"/>
+              </a:rPr>
+              <a:t>#” blog post by Tomas </a:t>
+            </a:r>
+            <a:r>
+              <a:rPr lang="en-US" b="1" dirty="0" err="1" smtClean="0">
+                <a:solidFill>
+                  <a:srgbClr val="FF0000"/>
+                </a:solidFill>
+                <a:latin typeface="palatino linotype" panose="02040502050505030304" pitchFamily="18" charset="0"/>
+              </a:rPr>
+              <a:t>Petricek</a:t>
+            </a:r>
+            <a:endParaRPr lang="en-US" b="1" i="0" dirty="0">
+              <a:solidFill>
+                <a:srgbClr val="FF0000"/>
+              </a:solidFill>
+              <a:effectLst/>
+              <a:latin typeface="palatino linotype" panose="02040502050505030304" pitchFamily="18" charset="0"/>
+            </a:endParaRPr>
+          </a:p>
+        </p:txBody>
+      </p:sp>
+      <p:sp>
+        <p:nvSpPr>
+          <p:cNvPr id="7" name="Rectangle 6"/>
+          <p:cNvSpPr/>
+          <p:nvPr/>
+        </p:nvSpPr>
+        <p:spPr>
+          <a:xfrm>
+            <a:off x="1476374" y="2524349"/>
+            <a:ext cx="9677399" cy="1200329"/>
+          </a:xfrm>
+          <a:prstGeom prst="rect">
+            <a:avLst/>
+          </a:prstGeom>
+          <a:solidFill>
+            <a:schemeClr val="tx1"/>
+          </a:solidFill>
+        </p:spPr>
+        <p:txBody>
+          <a:bodyPr wrap="square">
+            <a:spAutoFit/>
+          </a:bodyPr>
+          <a:lstStyle/>
+          <a:p>
+            <a:r>
+              <a:rPr lang="en-US" dirty="0">
+                <a:solidFill>
+                  <a:srgbClr val="0000FF"/>
+                </a:solidFill>
+                <a:latin typeface="Consolas" panose="020B0609020204030204" pitchFamily="49" charset="0"/>
+              </a:rPr>
+              <a:t>type</a:t>
+            </a:r>
+            <a:r>
+              <a:rPr lang="en-US" dirty="0">
+                <a:solidFill>
+                  <a:prstClr val="black"/>
+                </a:solidFill>
+                <a:latin typeface="Consolas" panose="020B0609020204030204" pitchFamily="49" charset="0"/>
+              </a:rPr>
+              <a:t> </a:t>
+            </a:r>
+            <a:r>
+              <a:rPr lang="en-US" dirty="0" err="1" smtClean="0">
+                <a:solidFill>
+                  <a:prstClr val="black"/>
+                </a:solidFill>
+                <a:latin typeface="Consolas" panose="020B0609020204030204" pitchFamily="49" charset="0"/>
+              </a:rPr>
+              <a:t>EventHandler</a:t>
+            </a:r>
+            <a:r>
+              <a:rPr lang="en-US" dirty="0" smtClean="0">
+                <a:solidFill>
+                  <a:prstClr val="black"/>
+                </a:solidFill>
+                <a:latin typeface="Consolas" panose="020B0609020204030204" pitchFamily="49" charset="0"/>
+              </a:rPr>
+              <a:t>&lt;</a:t>
+            </a:r>
+            <a:r>
+              <a:rPr lang="en-US" dirty="0">
+                <a:solidFill>
+                  <a:prstClr val="black"/>
+                </a:solidFill>
+                <a:latin typeface="Consolas" panose="020B0609020204030204" pitchFamily="49" charset="0"/>
+              </a:rPr>
+              <a:t>'Model&gt; = 'Model </a:t>
+            </a:r>
+            <a:r>
+              <a:rPr lang="en-US" dirty="0">
+                <a:solidFill>
+                  <a:srgbClr val="0000FF"/>
+                </a:solidFill>
+                <a:latin typeface="Consolas" panose="020B0609020204030204" pitchFamily="49" charset="0"/>
+              </a:rPr>
+              <a:t>-&gt;</a:t>
+            </a:r>
+            <a:r>
+              <a:rPr lang="en-US" dirty="0">
+                <a:solidFill>
+                  <a:prstClr val="black"/>
+                </a:solidFill>
+                <a:latin typeface="Consolas" panose="020B0609020204030204" pitchFamily="49" charset="0"/>
+              </a:rPr>
+              <a:t> </a:t>
+            </a:r>
+            <a:r>
+              <a:rPr lang="en-US" dirty="0" smtClean="0">
+                <a:solidFill>
+                  <a:prstClr val="black"/>
+                </a:solidFill>
+                <a:latin typeface="Consolas" panose="020B0609020204030204" pitchFamily="49" charset="0"/>
+              </a:rPr>
+              <a:t>unit</a:t>
+            </a:r>
+            <a:endParaRPr lang="en-US" dirty="0" smtClean="0">
+              <a:solidFill>
+                <a:srgbClr val="0000FF"/>
+              </a:solidFill>
+              <a:latin typeface="Consolas" panose="020B0609020204030204" pitchFamily="49" charset="0"/>
+            </a:endParaRPr>
+          </a:p>
+          <a:p>
+            <a:r>
+              <a:rPr lang="en-US" dirty="0" smtClean="0">
+                <a:solidFill>
+                  <a:srgbClr val="0000FF"/>
+                </a:solidFill>
+                <a:latin typeface="Consolas" panose="020B0609020204030204" pitchFamily="49" charset="0"/>
+              </a:rPr>
+              <a:t>type</a:t>
+            </a:r>
+            <a:r>
+              <a:rPr lang="en-US" dirty="0" smtClean="0">
+                <a:solidFill>
+                  <a:prstClr val="black"/>
+                </a:solidFill>
+                <a:latin typeface="Consolas" panose="020B0609020204030204" pitchFamily="49" charset="0"/>
+              </a:rPr>
+              <a:t> </a:t>
+            </a:r>
+            <a:r>
+              <a:rPr lang="en-US" dirty="0" err="1" smtClean="0">
+                <a:solidFill>
+                  <a:prstClr val="black"/>
+                </a:solidFill>
+                <a:latin typeface="Consolas" panose="020B0609020204030204" pitchFamily="49" charset="0"/>
+              </a:rPr>
+              <a:t>IController</a:t>
+            </a:r>
+            <a:r>
+              <a:rPr lang="en-US" dirty="0" smtClean="0">
+                <a:solidFill>
+                  <a:prstClr val="black"/>
+                </a:solidFill>
+                <a:latin typeface="Consolas" panose="020B0609020204030204" pitchFamily="49" charset="0"/>
+              </a:rPr>
+              <a:t>&lt;</a:t>
+            </a:r>
+            <a:r>
+              <a:rPr lang="en-US" dirty="0" smtClean="0">
+                <a:solidFill>
+                  <a:prstClr val="black"/>
+                </a:solidFill>
+                <a:latin typeface="Consolas" panose="020B0609020204030204" pitchFamily="49" charset="0"/>
+              </a:rPr>
+              <a:t>'Events, </a:t>
+            </a:r>
+            <a:r>
+              <a:rPr lang="en-US" dirty="0" smtClean="0">
+                <a:solidFill>
+                  <a:prstClr val="black"/>
+                </a:solidFill>
+                <a:latin typeface="Consolas" panose="020B0609020204030204" pitchFamily="49" charset="0"/>
+              </a:rPr>
+              <a:t>'Model&gt; =</a:t>
+            </a:r>
+          </a:p>
+          <a:p>
+            <a:r>
+              <a:rPr lang="en-US" dirty="0" smtClean="0">
+                <a:solidFill>
+                  <a:prstClr val="black"/>
+                </a:solidFill>
+                <a:latin typeface="Consolas" panose="020B0609020204030204" pitchFamily="49" charset="0"/>
+              </a:rPr>
+              <a:t>    </a:t>
+            </a:r>
+            <a:r>
+              <a:rPr lang="en-US" dirty="0">
+                <a:solidFill>
+                  <a:srgbClr val="0000FF"/>
+                </a:solidFill>
+                <a:latin typeface="Consolas" panose="020B0609020204030204" pitchFamily="49" charset="0"/>
+              </a:rPr>
+              <a:t>abstract</a:t>
+            </a:r>
+            <a:r>
+              <a:rPr lang="en-US" dirty="0">
+                <a:solidFill>
+                  <a:prstClr val="black"/>
+                </a:solidFill>
+                <a:latin typeface="Consolas" panose="020B0609020204030204" pitchFamily="49" charset="0"/>
+              </a:rPr>
+              <a:t> InitModel : 'Model </a:t>
+            </a:r>
+            <a:r>
+              <a:rPr lang="en-US" dirty="0">
+                <a:solidFill>
+                  <a:srgbClr val="0000FF"/>
+                </a:solidFill>
+                <a:latin typeface="Consolas" panose="020B0609020204030204" pitchFamily="49" charset="0"/>
+              </a:rPr>
+              <a:t>-&gt;</a:t>
+            </a:r>
+            <a:r>
+              <a:rPr lang="en-US" dirty="0">
+                <a:solidFill>
+                  <a:prstClr val="black"/>
+                </a:solidFill>
+                <a:latin typeface="Consolas" panose="020B0609020204030204" pitchFamily="49" charset="0"/>
+              </a:rPr>
+              <a:t> unit</a:t>
+            </a:r>
+          </a:p>
+          <a:p>
+            <a:r>
+              <a:rPr lang="en-US" dirty="0">
+                <a:solidFill>
+                  <a:prstClr val="black"/>
+                </a:solidFill>
+                <a:latin typeface="Consolas" panose="020B0609020204030204" pitchFamily="49" charset="0"/>
+              </a:rPr>
+              <a:t>    </a:t>
+            </a:r>
+            <a:r>
+              <a:rPr lang="en-US" dirty="0">
+                <a:solidFill>
+                  <a:srgbClr val="0000FF"/>
+                </a:solidFill>
+                <a:latin typeface="Consolas" panose="020B0609020204030204" pitchFamily="49" charset="0"/>
+              </a:rPr>
+              <a:t>abstract</a:t>
+            </a:r>
+            <a:r>
+              <a:rPr lang="en-US" dirty="0">
+                <a:solidFill>
+                  <a:prstClr val="black"/>
+                </a:solidFill>
+                <a:latin typeface="Consolas" panose="020B0609020204030204" pitchFamily="49" charset="0"/>
+              </a:rPr>
+              <a:t> </a:t>
+            </a:r>
+            <a:r>
+              <a:rPr lang="en-US" dirty="0" smtClean="0">
+                <a:solidFill>
+                  <a:prstClr val="black"/>
+                </a:solidFill>
+                <a:latin typeface="Consolas" panose="020B0609020204030204" pitchFamily="49" charset="0"/>
+              </a:rPr>
+              <a:t>EventHandler </a:t>
+            </a:r>
+            <a:r>
+              <a:rPr lang="en-US" dirty="0">
+                <a:solidFill>
+                  <a:prstClr val="black"/>
+                </a:solidFill>
+                <a:latin typeface="Consolas" panose="020B0609020204030204" pitchFamily="49" charset="0"/>
+              </a:rPr>
+              <a:t>: ('Events </a:t>
+            </a:r>
+            <a:r>
+              <a:rPr lang="en-US" dirty="0">
+                <a:solidFill>
+                  <a:srgbClr val="0000FF"/>
+                </a:solidFill>
+                <a:latin typeface="Consolas" panose="020B0609020204030204" pitchFamily="49" charset="0"/>
+              </a:rPr>
+              <a:t>-&gt;</a:t>
+            </a:r>
+            <a:r>
+              <a:rPr lang="en-US" dirty="0">
+                <a:solidFill>
+                  <a:prstClr val="black"/>
+                </a:solidFill>
+                <a:latin typeface="Consolas" panose="020B0609020204030204" pitchFamily="49" charset="0"/>
+              </a:rPr>
+              <a:t> </a:t>
+            </a:r>
+            <a:r>
+              <a:rPr lang="en-US" dirty="0" err="1">
+                <a:solidFill>
+                  <a:prstClr val="black"/>
+                </a:solidFill>
+                <a:latin typeface="Consolas" panose="020B0609020204030204" pitchFamily="49" charset="0"/>
+              </a:rPr>
+              <a:t>EventHandler</a:t>
+            </a:r>
+            <a:r>
+              <a:rPr lang="en-US" dirty="0">
+                <a:solidFill>
+                  <a:prstClr val="black"/>
+                </a:solidFill>
+                <a:latin typeface="Consolas" panose="020B0609020204030204" pitchFamily="49" charset="0"/>
+              </a:rPr>
+              <a:t>&lt;'Model&gt;)</a:t>
+            </a:r>
+          </a:p>
+        </p:txBody>
+      </p:sp>
+      <p:sp>
+        <p:nvSpPr>
+          <p:cNvPr id="8" name="Down Arrow 7"/>
+          <p:cNvSpPr/>
+          <p:nvPr/>
+        </p:nvSpPr>
+        <p:spPr>
+          <a:xfrm>
+            <a:off x="5633128" y="3883899"/>
+            <a:ext cx="243797" cy="461954"/>
+          </a:xfrm>
+          <a:prstGeom prst="downArrow">
+            <a:avLst/>
+          </a:prstGeom>
+        </p:spPr>
+        <p:style>
+          <a:lnRef idx="2">
+            <a:schemeClr val="accent1">
+              <a:shade val="50000"/>
+            </a:schemeClr>
+          </a:lnRef>
+          <a:fillRef idx="1">
+            <a:schemeClr val="accent1"/>
+          </a:fillRef>
+          <a:effectRef idx="0">
+            <a:schemeClr val="accent1"/>
+          </a:effectRef>
+          <a:fontRef idx="minor">
+            <a:schemeClr val="lt1"/>
+          </a:fontRef>
+        </p:style>
+        <p:txBody>
+          <a:bodyPr rtlCol="0" anchor="ctr"/>
+          <a:lstStyle/>
+          <a:p>
+            <a:pPr algn="ctr"/>
+            <a:endParaRPr lang="en-US"/>
+          </a:p>
+        </p:txBody>
+      </p:sp>
+    </p:spTree>
+    <p:extLst>
+      <p:ext uri="{BB962C8B-B14F-4D97-AF65-F5344CB8AC3E}">
+        <p14:creationId xmlns:p14="http://schemas.microsoft.com/office/powerpoint/2010/main" val="4043113270"/>
+      </p:ext>
+    </p:extLst>
+  </p:cSld>
+  <p:clrMapOvr>
+    <a:masterClrMapping/>
+  </p:clrMapOvr>
+  <p:timing>
+    <p:tnLst>
+      <p:par>
+        <p:cTn id="1" dur="indefinite" restart="never" nodeType="tmRoot"/>
+      </p:par>
+    </p:tnLst>
+  </p:timing>
+</p:sld>
+</file>
+
+<file path=ppt/slides/slide12.xml><?xml version="1.0" encoding="utf-8"?>
+<p:sld xmlns:a="http://schemas.openxmlformats.org/drawingml/2006/main" xmlns:r="http://schemas.openxmlformats.org/officeDocument/2006/relationships" xmlns:p="http://schemas.openxmlformats.org/presentationml/2006/main">
+  <p:cSld>
+    <p:spTree>
+      <p:nvGrpSpPr>
+        <p:cNvPr id="1" name=""/>
+        <p:cNvGrpSpPr/>
+        <p:nvPr/>
+      </p:nvGrpSpPr>
+      <p:grpSpPr>
+        <a:xfrm>
+          <a:off x="0" y="0"/>
+          <a:ext cx="0" cy="0"/>
+          <a:chOff x="0" y="0"/>
+          <a:chExt cx="0" cy="0"/>
+        </a:xfrm>
+      </p:grpSpPr>
+      <p:sp>
+        <p:nvSpPr>
+          <p:cNvPr id="2" name="Title 1"/>
+          <p:cNvSpPr>
+            <a:spLocks noGrp="1"/>
+          </p:cNvSpPr>
+          <p:nvPr>
+            <p:ph type="title"/>
+          </p:nvPr>
+        </p:nvSpPr>
+        <p:spPr/>
+        <p:txBody>
+          <a:bodyPr/>
+          <a:lstStyle/>
+          <a:p>
+            <a:r>
+              <a:rPr lang="en-US" dirty="0" smtClean="0"/>
+              <a:t>Child Windows</a:t>
+            </a:r>
+            <a:endParaRPr lang="en-US" dirty="0"/>
+          </a:p>
+        </p:txBody>
+      </p:sp>
+      <p:sp>
+        <p:nvSpPr>
+          <p:cNvPr id="3" name="Content Placeholder 2"/>
+          <p:cNvSpPr>
+            <a:spLocks noGrp="1"/>
+          </p:cNvSpPr>
+          <p:nvPr>
+            <p:ph idx="1"/>
+          </p:nvPr>
+        </p:nvSpPr>
+        <p:spPr/>
+        <p:txBody>
+          <a:bodyPr/>
+          <a:lstStyle/>
+          <a:p>
+            <a:r>
+              <a:rPr lang="en-US" dirty="0" smtClean="0"/>
+              <a:t>Dialog – synchronous computation </a:t>
+            </a:r>
+          </a:p>
+          <a:p>
+            <a:r>
+              <a:rPr lang="en-US" dirty="0" smtClean="0"/>
+              <a:t>Non-modal window - asynchronous </a:t>
+            </a:r>
+            <a:endParaRPr lang="en-US" dirty="0"/>
+          </a:p>
+        </p:txBody>
+      </p:sp>
+    </p:spTree>
+    <p:extLst>
+      <p:ext uri="{BB962C8B-B14F-4D97-AF65-F5344CB8AC3E}">
+        <p14:creationId xmlns:p14="http://schemas.microsoft.com/office/powerpoint/2010/main" val="1103476166"/>
+      </p:ext>
+    </p:extLst>
+  </p:cSld>
+  <p:clrMapOvr>
+    <a:masterClrMapping/>
+  </p:clrMapOvr>
+  <p:timing>
+    <p:tnLst>
+      <p:par>
+        <p:cTn id="1" dur="indefinite" restart="never" nodeType="tmRoot"/>
+      </p:par>
+    </p:tnLst>
+  </p:timing>
+</p:sld>
+</file>
+
+<file path=ppt/slides/slide13.xml><?xml version="1.0" encoding="utf-8"?>
+<p:sld xmlns:a="http://schemas.openxmlformats.org/drawingml/2006/main" xmlns:r="http://schemas.openxmlformats.org/officeDocument/2006/relationships" xmlns:p="http://schemas.openxmlformats.org/presentationml/2006/main">
+  <p:cSld>
+    <p:spTree>
+      <p:nvGrpSpPr>
+        <p:cNvPr id="1" name=""/>
+        <p:cNvGrpSpPr/>
+        <p:nvPr/>
+      </p:nvGrpSpPr>
+      <p:grpSpPr>
+        <a:xfrm>
+          <a:off x="0" y="0"/>
+          <a:ext cx="0" cy="0"/>
+          <a:chOff x="0" y="0"/>
+          <a:chExt cx="0" cy="0"/>
+        </a:xfrm>
+      </p:grpSpPr>
+      <p:sp>
+        <p:nvSpPr>
+          <p:cNvPr id="2" name="Title 1"/>
+          <p:cNvSpPr>
+            <a:spLocks noGrp="1"/>
+          </p:cNvSpPr>
+          <p:nvPr>
+            <p:ph type="title"/>
+          </p:nvPr>
+        </p:nvSpPr>
+        <p:spPr/>
+        <p:txBody>
+          <a:bodyPr/>
+          <a:lstStyle/>
+          <a:p>
+            <a:r>
+              <a:rPr lang="en-US" dirty="0" smtClean="0"/>
+              <a:t>Reentrancy</a:t>
+            </a:r>
+            <a:endParaRPr lang="en-US" dirty="0"/>
+          </a:p>
+        </p:txBody>
+      </p:sp>
+      <p:sp>
+        <p:nvSpPr>
+          <p:cNvPr id="3" name="Content Placeholder 2"/>
+          <p:cNvSpPr>
+            <a:spLocks noGrp="1"/>
+          </p:cNvSpPr>
+          <p:nvPr>
+            <p:ph idx="1"/>
+          </p:nvPr>
+        </p:nvSpPr>
+        <p:spPr/>
+        <p:txBody>
+          <a:bodyPr/>
+          <a:lstStyle/>
+          <a:p>
+            <a:r>
+              <a:rPr lang="en-US" dirty="0" smtClean="0"/>
+              <a:t>Very tricky problem</a:t>
+            </a:r>
+          </a:p>
+        </p:txBody>
+      </p:sp>
+    </p:spTree>
+    <p:extLst>
+      <p:ext uri="{BB962C8B-B14F-4D97-AF65-F5344CB8AC3E}">
+        <p14:creationId xmlns:p14="http://schemas.microsoft.com/office/powerpoint/2010/main" val="970238639"/>
+      </p:ext>
+    </p:extLst>
+  </p:cSld>
+  <p:clrMapOvr>
+    <a:masterClrMapping/>
+  </p:clrMapOvr>
+  <p:timing>
+    <p:tnLst>
+      <p:par>
+        <p:cTn id="1" dur="indefinite" restart="never" nodeType="tmRoot"/>
+      </p:par>
+    </p:tnLst>
+  </p:timing>
+</p:sld>
+</file>
+
+<file path=ppt/slides/slide14.xml><?xml version="1.0" encoding="utf-8"?>
+<p:sld xmlns:a="http://schemas.openxmlformats.org/drawingml/2006/main" xmlns:r="http://schemas.openxmlformats.org/officeDocument/2006/relationships" xmlns:p="http://schemas.openxmlformats.org/presentationml/2006/main">
+  <p:cSld>
+    <p:spTree>
+      <p:nvGrpSpPr>
+        <p:cNvPr id="1" name=""/>
+        <p:cNvGrpSpPr/>
+        <p:nvPr/>
+      </p:nvGrpSpPr>
+      <p:grpSpPr>
+        <a:xfrm>
+          <a:off x="0" y="0"/>
+          <a:ext cx="0" cy="0"/>
+          <a:chOff x="0" y="0"/>
+          <a:chExt cx="0" cy="0"/>
+        </a:xfrm>
+      </p:grpSpPr>
+      <p:sp>
+        <p:nvSpPr>
+          <p:cNvPr id="2" name="Title 1"/>
+          <p:cNvSpPr>
+            <a:spLocks noGrp="1"/>
+          </p:cNvSpPr>
+          <p:nvPr>
+            <p:ph type="title"/>
+          </p:nvPr>
+        </p:nvSpPr>
+        <p:spPr/>
+        <p:txBody>
+          <a:bodyPr/>
+          <a:lstStyle/>
+          <a:p>
+            <a:r>
+              <a:rPr lang="en-US" dirty="0" smtClean="0"/>
+              <a:t>composition</a:t>
+            </a:r>
+            <a:endParaRPr lang="en-US" dirty="0"/>
+          </a:p>
+        </p:txBody>
+      </p:sp>
+      <p:pic>
+        <p:nvPicPr>
+          <p:cNvPr id="4" name="Content Placeholder 3"/>
+          <p:cNvPicPr>
+            <a:picLocks noGrp="1" noChangeAspect="1"/>
+          </p:cNvPicPr>
+          <p:nvPr>
+            <p:ph idx="1"/>
+          </p:nvPr>
+        </p:nvPicPr>
+        <p:blipFill>
+          <a:blip r:embed="rId2">
+            <a:extLst>
+              <a:ext uri="{28A0092B-C50C-407E-A947-70E740481C1C}">
+                <a14:useLocalDpi xmlns:a14="http://schemas.microsoft.com/office/drawing/2010/main" val="0"/>
+              </a:ext>
+            </a:extLst>
+          </a:blip>
+          <a:stretch>
+            <a:fillRect/>
+          </a:stretch>
+        </p:blipFill>
+        <p:spPr>
+          <a:xfrm>
+            <a:off x="2232024" y="1788085"/>
+            <a:ext cx="7724775" cy="4479886"/>
+          </a:xfrm>
+        </p:spPr>
+      </p:pic>
+    </p:spTree>
+    <p:extLst>
+      <p:ext uri="{BB962C8B-B14F-4D97-AF65-F5344CB8AC3E}">
+        <p14:creationId xmlns:p14="http://schemas.microsoft.com/office/powerpoint/2010/main" val="1030256568"/>
+      </p:ext>
+    </p:extLst>
+  </p:cSld>
+  <p:clrMapOvr>
+    <a:masterClrMapping/>
+  </p:clrMapOvr>
+  <p:timing>
+    <p:tnLst>
+      <p:par>
+        <p:cTn id="1" dur="indefinite" restart="never" nodeType="tmRoot"/>
+      </p:par>
+    </p:tnLst>
+  </p:timing>
+</p:sld>
+</file>
+
+<file path=ppt/slides/slide15.xml><?xml version="1.0" encoding="utf-8"?>
+<p:sld xmlns:a="http://schemas.openxmlformats.org/drawingml/2006/main" xmlns:r="http://schemas.openxmlformats.org/officeDocument/2006/relationships" xmlns:p="http://schemas.openxmlformats.org/presentationml/2006/main">
+  <p:cSld>
+    <p:spTree>
+      <p:nvGrpSpPr>
+        <p:cNvPr id="1" name=""/>
+        <p:cNvGrpSpPr/>
+        <p:nvPr/>
+      </p:nvGrpSpPr>
+      <p:grpSpPr>
+        <a:xfrm>
+          <a:off x="0" y="0"/>
+          <a:ext cx="0" cy="0"/>
+          <a:chOff x="0" y="0"/>
+          <a:chExt cx="0" cy="0"/>
+        </a:xfrm>
+      </p:grpSpPr>
+      <p:sp>
+        <p:nvSpPr>
+          <p:cNvPr id="2" name="Title 1"/>
+          <p:cNvSpPr>
+            <a:spLocks noGrp="1"/>
+          </p:cNvSpPr>
+          <p:nvPr>
+            <p:ph type="title"/>
+          </p:nvPr>
+        </p:nvSpPr>
+        <p:spPr/>
+        <p:txBody>
+          <a:bodyPr/>
+          <a:lstStyle/>
+          <a:p>
+            <a:r>
+              <a:rPr lang="en-US" dirty="0" smtClean="0"/>
+              <a:t>External event sources</a:t>
+            </a:r>
+            <a:endParaRPr lang="en-US" dirty="0"/>
+          </a:p>
+        </p:txBody>
+      </p:sp>
+      <p:sp>
+        <p:nvSpPr>
+          <p:cNvPr id="3" name="Content Placeholder 2"/>
+          <p:cNvSpPr>
+            <a:spLocks noGrp="1"/>
+          </p:cNvSpPr>
+          <p:nvPr>
+            <p:ph idx="1"/>
+          </p:nvPr>
+        </p:nvSpPr>
+        <p:spPr/>
+        <p:txBody>
+          <a:bodyPr/>
+          <a:lstStyle/>
+          <a:p>
+            <a:r>
+              <a:rPr lang="en-US" dirty="0" smtClean="0"/>
+              <a:t>As easy as composing views</a:t>
+            </a:r>
+          </a:p>
+          <a:p>
+            <a:r>
+              <a:rPr lang="en-US" dirty="0" smtClean="0"/>
+              <a:t>Rx.NET helps to ensure invocation on GUI thread</a:t>
+            </a:r>
+          </a:p>
+          <a:p>
+            <a:r>
+              <a:rPr lang="en-US" dirty="0" smtClean="0"/>
+              <a:t>Another composition option</a:t>
+            </a:r>
+            <a:endParaRPr lang="en-US" dirty="0"/>
+          </a:p>
+        </p:txBody>
+      </p:sp>
+    </p:spTree>
+    <p:extLst>
+      <p:ext uri="{BB962C8B-B14F-4D97-AF65-F5344CB8AC3E}">
+        <p14:creationId xmlns:p14="http://schemas.microsoft.com/office/powerpoint/2010/main" val="1482672398"/>
+      </p:ext>
+    </p:extLst>
+  </p:cSld>
+  <p:clrMapOvr>
+    <a:masterClrMapping/>
+  </p:clrMapOvr>
+  <p:timing>
+    <p:tnLst>
+      <p:par>
+        <p:cTn id="1" dur="indefinite" restart="never" nodeType="tmRoot"/>
+      </p:par>
+    </p:tnLst>
+  </p:timing>
+</p:sld>
+</file>
+
+<file path=ppt/slides/slide16.xml><?xml version="1.0" encoding="utf-8"?>
+<p:sld xmlns:a="http://schemas.openxmlformats.org/drawingml/2006/main" xmlns:r="http://schemas.openxmlformats.org/officeDocument/2006/relationships" xmlns:p="http://schemas.openxmlformats.org/presentationml/2006/main">
+  <p:cSld>
+    <p:spTree>
+      <p:nvGrpSpPr>
+        <p:cNvPr id="1" name=""/>
+        <p:cNvGrpSpPr/>
+        <p:nvPr/>
+      </p:nvGrpSpPr>
+      <p:grpSpPr>
+        <a:xfrm>
+          <a:off x="0" y="0"/>
+          <a:ext cx="0" cy="0"/>
+          <a:chOff x="0" y="0"/>
+          <a:chExt cx="0" cy="0"/>
+        </a:xfrm>
+      </p:grpSpPr>
+      <p:sp>
+        <p:nvSpPr>
+          <p:cNvPr id="2" name="Title 1"/>
+          <p:cNvSpPr>
+            <a:spLocks noGrp="1"/>
+          </p:cNvSpPr>
+          <p:nvPr>
+            <p:ph type="title"/>
+          </p:nvPr>
+        </p:nvSpPr>
+        <p:spPr/>
+        <p:txBody>
+          <a:bodyPr/>
+          <a:lstStyle/>
+          <a:p>
+            <a:r>
+              <a:rPr lang="en-US" dirty="0" smtClean="0"/>
+              <a:t>Data binding micro dsl</a:t>
+            </a:r>
+            <a:endParaRPr lang="en-US" dirty="0"/>
+          </a:p>
+        </p:txBody>
+      </p:sp>
+      <p:sp>
+        <p:nvSpPr>
+          <p:cNvPr id="3" name="Content Placeholder 2"/>
+          <p:cNvSpPr>
+            <a:spLocks noGrp="1"/>
+          </p:cNvSpPr>
+          <p:nvPr>
+            <p:ph idx="1"/>
+          </p:nvPr>
+        </p:nvSpPr>
+        <p:spPr/>
+        <p:txBody>
+          <a:bodyPr/>
+          <a:lstStyle/>
+          <a:p>
+            <a:r>
+              <a:rPr lang="en-US" dirty="0" smtClean="0"/>
+              <a:t>Scrap </a:t>
+            </a:r>
+            <a:r>
+              <a:rPr lang="en-US" dirty="0"/>
+              <a:t>your </a:t>
+            </a:r>
+            <a:r>
+              <a:rPr lang="en-US" dirty="0" smtClean="0"/>
+              <a:t>boilerplate</a:t>
+            </a:r>
+          </a:p>
+          <a:p>
+            <a:r>
+              <a:rPr lang="en-US" dirty="0" smtClean="0"/>
+              <a:t>F# gives great tools to build internal DSLs</a:t>
+            </a:r>
+            <a:endParaRPr lang="en-US" dirty="0"/>
+          </a:p>
+          <a:p>
+            <a:endParaRPr lang="en-US" dirty="0"/>
+          </a:p>
+        </p:txBody>
+      </p:sp>
+    </p:spTree>
+    <p:extLst>
+      <p:ext uri="{BB962C8B-B14F-4D97-AF65-F5344CB8AC3E}">
+        <p14:creationId xmlns:p14="http://schemas.microsoft.com/office/powerpoint/2010/main" val="1517226537"/>
+      </p:ext>
+    </p:extLst>
+  </p:cSld>
+  <p:clrMapOvr>
+    <a:masterClrMapping/>
+  </p:clrMapOvr>
+  <p:timing>
+    <p:tnLst>
+      <p:par>
+        <p:cTn id="1" dur="indefinite" restart="never" nodeType="tmRoot"/>
+      </p:par>
+    </p:tnLst>
+  </p:timing>
+</p:sld>
+</file>
+
+<file path=ppt/slides/slide17.xml><?xml version="1.0" encoding="utf-8"?>
+<p:sld xmlns:a="http://schemas.openxmlformats.org/drawingml/2006/main" xmlns:r="http://schemas.openxmlformats.org/officeDocument/2006/relationships" xmlns:p="http://schemas.openxmlformats.org/presentationml/2006/main">
+  <p:cSld>
+    <p:spTree>
+      <p:nvGrpSpPr>
+        <p:cNvPr id="1" name=""/>
+        <p:cNvGrpSpPr/>
+        <p:nvPr/>
+      </p:nvGrpSpPr>
+      <p:grpSpPr>
+        <a:xfrm>
+          <a:off x="0" y="0"/>
+          <a:ext cx="0" cy="0"/>
+          <a:chOff x="0" y="0"/>
+          <a:chExt cx="0" cy="0"/>
+        </a:xfrm>
+      </p:grpSpPr>
+      <p:sp>
+        <p:nvSpPr>
+          <p:cNvPr id="2" name="Title 1"/>
+          <p:cNvSpPr>
+            <a:spLocks noGrp="1"/>
+          </p:cNvSpPr>
+          <p:nvPr>
+            <p:ph type="title"/>
+          </p:nvPr>
+        </p:nvSpPr>
+        <p:spPr/>
+        <p:txBody>
+          <a:bodyPr/>
+          <a:lstStyle/>
+          <a:p>
+            <a:r>
+              <a:rPr lang="en-US" dirty="0" smtClean="0"/>
+              <a:t>Derived properties</a:t>
+            </a:r>
+            <a:endParaRPr lang="en-US" dirty="0"/>
+          </a:p>
+        </p:txBody>
+      </p:sp>
+      <p:sp>
+        <p:nvSpPr>
+          <p:cNvPr id="3" name="Content Placeholder 2"/>
+          <p:cNvSpPr>
+            <a:spLocks noGrp="1"/>
+          </p:cNvSpPr>
+          <p:nvPr>
+            <p:ph idx="1"/>
+          </p:nvPr>
+        </p:nvSpPr>
+        <p:spPr/>
+        <p:txBody>
+          <a:bodyPr>
+            <a:normAutofit fontScale="92500" lnSpcReduction="10000"/>
+          </a:bodyPr>
+          <a:lstStyle/>
+          <a:p>
+            <a:r>
+              <a:rPr lang="en-US" dirty="0"/>
+              <a:t>Scrap your </a:t>
+            </a:r>
+            <a:r>
+              <a:rPr lang="en-US" dirty="0" smtClean="0"/>
+              <a:t>boilerplate</a:t>
+            </a:r>
+            <a:endParaRPr lang="en-US" dirty="0"/>
+          </a:p>
+          <a:p>
+            <a:r>
+              <a:rPr lang="en-US" dirty="0" smtClean="0"/>
+              <a:t>F# pure magic</a:t>
+            </a:r>
+          </a:p>
+          <a:p>
+            <a:pPr lvl="1"/>
+            <a:r>
+              <a:rPr lang="en-US" dirty="0"/>
+              <a:t>ReflectedDefinitionAttribute</a:t>
+            </a:r>
+            <a:endParaRPr lang="en-US" dirty="0" smtClean="0"/>
+          </a:p>
+          <a:p>
+            <a:pPr lvl="1"/>
+            <a:r>
+              <a:rPr lang="en-US" dirty="0" smtClean="0"/>
+              <a:t>Quotation</a:t>
+            </a:r>
+            <a:r>
+              <a:rPr lang="en-US" dirty="0"/>
+              <a:t> </a:t>
+            </a:r>
+            <a:endParaRPr lang="en-US" dirty="0" smtClean="0"/>
+          </a:p>
+          <a:p>
+            <a:pPr lvl="1"/>
+            <a:r>
+              <a:rPr lang="en-US" dirty="0" smtClean="0"/>
+              <a:t>Active patterns (a lot)</a:t>
+            </a:r>
+          </a:p>
+          <a:p>
+            <a:r>
+              <a:rPr lang="en-US" dirty="0" smtClean="0"/>
+              <a:t>WPF black magic</a:t>
+            </a:r>
+          </a:p>
+          <a:p>
+            <a:pPr lvl="1"/>
+            <a:r>
+              <a:rPr lang="en-US" dirty="0" smtClean="0"/>
+              <a:t>Custom dynamic dependency properties</a:t>
+            </a:r>
+          </a:p>
+          <a:p>
+            <a:pPr lvl="1"/>
+            <a:r>
+              <a:rPr lang="en-US" dirty="0" err="1" smtClean="0"/>
+              <a:t>MultiBinding</a:t>
+            </a:r>
+            <a:endParaRPr lang="en-US" dirty="0" smtClean="0"/>
+          </a:p>
+          <a:p>
+            <a:pPr lvl="1"/>
+            <a:endParaRPr lang="en-US" dirty="0"/>
+          </a:p>
+        </p:txBody>
+      </p:sp>
+    </p:spTree>
+    <p:extLst>
+      <p:ext uri="{BB962C8B-B14F-4D97-AF65-F5344CB8AC3E}">
+        <p14:creationId xmlns:p14="http://schemas.microsoft.com/office/powerpoint/2010/main" val="2632499272"/>
+      </p:ext>
+    </p:extLst>
+  </p:cSld>
+  <p:clrMapOvr>
+    <a:masterClrMapping/>
+  </p:clrMapOvr>
+  <p:timing>
+    <p:tnLst>
+      <p:par>
+        <p:cTn id="1" dur="indefinite" restart="never" nodeType="tmRoot"/>
+      </p:par>
+    </p:tnLst>
+  </p:timing>
+</p:sld>
+</file>
+
+<file path=ppt/slides/slide18.xml><?xml version="1.0" encoding="utf-8"?>
+<p:sld xmlns:a="http://schemas.openxmlformats.org/drawingml/2006/main" xmlns:r="http://schemas.openxmlformats.org/officeDocument/2006/relationships" xmlns:p="http://schemas.openxmlformats.org/presentationml/2006/main">
+  <p:cSld>
+    <p:spTree>
+      <p:nvGrpSpPr>
+        <p:cNvPr id="1" name=""/>
+        <p:cNvGrpSpPr/>
+        <p:nvPr/>
+      </p:nvGrpSpPr>
+      <p:grpSpPr>
+        <a:xfrm>
+          <a:off x="0" y="0"/>
+          <a:ext cx="0" cy="0"/>
+          <a:chOff x="0" y="0"/>
+          <a:chExt cx="0" cy="0"/>
+        </a:xfrm>
+      </p:grpSpPr>
+      <p:sp>
+        <p:nvSpPr>
+          <p:cNvPr id="2" name="Title 1"/>
+          <p:cNvSpPr>
+            <a:spLocks noGrp="1"/>
+          </p:cNvSpPr>
+          <p:nvPr>
+            <p:ph type="title"/>
+          </p:nvPr>
+        </p:nvSpPr>
+        <p:spPr/>
+        <p:txBody>
+          <a:bodyPr/>
+          <a:lstStyle/>
+          <a:p>
+            <a:r>
+              <a:rPr lang="en-US" dirty="0" smtClean="0"/>
+              <a:t>Validation</a:t>
+            </a:r>
+            <a:endParaRPr lang="en-US" dirty="0"/>
+          </a:p>
+        </p:txBody>
+      </p:sp>
+      <p:sp>
+        <p:nvSpPr>
+          <p:cNvPr id="3" name="Content Placeholder 2"/>
+          <p:cNvSpPr>
+            <a:spLocks noGrp="1"/>
+          </p:cNvSpPr>
+          <p:nvPr>
+            <p:ph idx="1"/>
+          </p:nvPr>
+        </p:nvSpPr>
+        <p:spPr/>
+        <p:txBody>
+          <a:bodyPr/>
+          <a:lstStyle/>
+          <a:p>
+            <a:r>
+              <a:rPr lang="en-US" dirty="0" smtClean="0"/>
+              <a:t>Statically-typed</a:t>
+            </a:r>
+            <a:endParaRPr lang="en-US" dirty="0" smtClean="0"/>
+          </a:p>
+          <a:p>
+            <a:r>
+              <a:rPr lang="en-US" dirty="0" smtClean="0"/>
+              <a:t>Would be verbose without F# language features:</a:t>
+            </a:r>
+          </a:p>
+          <a:p>
+            <a:pPr lvl="1"/>
+            <a:r>
+              <a:rPr lang="en-US" dirty="0" smtClean="0"/>
+              <a:t>Active patterns</a:t>
+            </a:r>
+          </a:p>
+          <a:p>
+            <a:pPr lvl="1"/>
+            <a:r>
+              <a:rPr lang="en-US" dirty="0" smtClean="0"/>
+              <a:t>Explicit member constraints</a:t>
+            </a:r>
+          </a:p>
+          <a:p>
+            <a:pPr lvl="1"/>
+            <a:r>
+              <a:rPr lang="en-US" dirty="0" smtClean="0"/>
+              <a:t>Partial application</a:t>
+            </a:r>
+          </a:p>
+          <a:p>
+            <a:pPr lvl="1"/>
+            <a:endParaRPr lang="en-US" dirty="0"/>
+          </a:p>
+        </p:txBody>
+      </p:sp>
+    </p:spTree>
+    <p:extLst>
+      <p:ext uri="{BB962C8B-B14F-4D97-AF65-F5344CB8AC3E}">
+        <p14:creationId xmlns:p14="http://schemas.microsoft.com/office/powerpoint/2010/main" val="423632660"/>
+      </p:ext>
+    </p:extLst>
+  </p:cSld>
+  <p:clrMapOvr>
+    <a:masterClrMapping/>
+  </p:clrMapOvr>
+  <p:timing>
+    <p:tnLst>
+      <p:par>
+        <p:cTn id="1" dur="indefinite" restart="never" nodeType="tmRoot"/>
+      </p:par>
+    </p:tnLst>
+  </p:timing>
+</p:sld>
+</file>
+
+<file path=ppt/slides/slide19.xml><?xml version="1.0" encoding="utf-8"?>
+<p:sld xmlns:a="http://schemas.openxmlformats.org/drawingml/2006/main" xmlns:r="http://schemas.openxmlformats.org/officeDocument/2006/relationships" xmlns:p="http://schemas.openxmlformats.org/presentationml/2006/main">
+  <p:cSld>
+    <p:spTree>
+      <p:nvGrpSpPr>
+        <p:cNvPr id="1" name=""/>
+        <p:cNvGrpSpPr/>
+        <p:nvPr/>
+      </p:nvGrpSpPr>
+      <p:grpSpPr>
+        <a:xfrm>
+          <a:off x="0" y="0"/>
+          <a:ext cx="0" cy="0"/>
+          <a:chOff x="0" y="0"/>
+          <a:chExt cx="0" cy="0"/>
+        </a:xfrm>
+      </p:grpSpPr>
+      <p:sp>
+        <p:nvSpPr>
+          <p:cNvPr id="2" name="Title 1"/>
+          <p:cNvSpPr>
+            <a:spLocks noGrp="1"/>
+          </p:cNvSpPr>
+          <p:nvPr>
+            <p:ph type="title"/>
+          </p:nvPr>
+        </p:nvSpPr>
+        <p:spPr/>
+        <p:txBody>
+          <a:bodyPr/>
+          <a:lstStyle/>
+          <a:p>
+            <a:r>
+              <a:rPr lang="en-US" dirty="0" smtClean="0"/>
+              <a:t>F# 3.0/.net4.5</a:t>
+            </a:r>
+            <a:endParaRPr lang="en-US" dirty="0"/>
+          </a:p>
+        </p:txBody>
+      </p:sp>
+      <p:sp>
+        <p:nvSpPr>
+          <p:cNvPr id="3" name="Content Placeholder 2"/>
+          <p:cNvSpPr>
+            <a:spLocks noGrp="1"/>
+          </p:cNvSpPr>
+          <p:nvPr>
+            <p:ph idx="1"/>
+          </p:nvPr>
+        </p:nvSpPr>
+        <p:spPr/>
+        <p:txBody>
+          <a:bodyPr/>
+          <a:lstStyle/>
+          <a:p>
+            <a:r>
+              <a:rPr lang="en-US" dirty="0" smtClean="0"/>
+              <a:t>Queries</a:t>
+            </a:r>
+          </a:p>
+          <a:p>
+            <a:r>
+              <a:rPr lang="en-US" dirty="0" smtClean="0"/>
+              <a:t>Type providers</a:t>
+            </a:r>
+          </a:p>
+          <a:p>
+            <a:pPr lvl="1"/>
+            <a:r>
+              <a:rPr lang="en-US" dirty="0" smtClean="0"/>
+              <a:t>WSDL</a:t>
+            </a:r>
+          </a:p>
+          <a:p>
+            <a:pPr lvl="1"/>
+            <a:r>
+              <a:rPr lang="en-US" dirty="0" smtClean="0"/>
+              <a:t>XAML</a:t>
+            </a:r>
+          </a:p>
+          <a:p>
+            <a:r>
+              <a:rPr lang="en-US" dirty="0" smtClean="0"/>
+              <a:t>INotifyDataErrorInfo</a:t>
+            </a:r>
+          </a:p>
+          <a:p>
+            <a:r>
+              <a:rPr lang="en-US" dirty="0"/>
+              <a:t>ExceptionDispatchInfo</a:t>
+            </a:r>
+            <a:endParaRPr lang="en-US" dirty="0" smtClean="0"/>
+          </a:p>
+          <a:p>
+            <a:endParaRPr lang="en-US" dirty="0"/>
+          </a:p>
+        </p:txBody>
+      </p:sp>
+    </p:spTree>
+    <p:extLst>
+      <p:ext uri="{BB962C8B-B14F-4D97-AF65-F5344CB8AC3E}">
+        <p14:creationId xmlns:p14="http://schemas.microsoft.com/office/powerpoint/2010/main" val="231815751"/>
+      </p:ext>
+    </p:extLst>
+  </p:cSld>
+  <p:clrMapOvr>
+    <a:masterClrMapping/>
+  </p:clrMapOvr>
+  <p:timing>
+    <p:tnLst>
+      <p:par>
+        <p:cTn id="1" dur="indefinite" restart="never" nodeType="tmRoot"/>
+      </p:par>
+    </p:tnLst>
+  </p:timing>
+</p:sld>
+</file>
+
+<file path=ppt/slides/slide2.xml><?xml version="1.0" encoding="utf-8"?>
+<p:sld xmlns:a="http://schemas.openxmlformats.org/drawingml/2006/main" xmlns:r="http://schemas.openxmlformats.org/officeDocument/2006/relationships" xmlns:p="http://schemas.openxmlformats.org/presentationml/2006/main">
+  <p:cSld>
+    <p:spTree>
+      <p:nvGrpSpPr>
+        <p:cNvPr id="1" name=""/>
+        <p:cNvGrpSpPr/>
+        <p:nvPr/>
+      </p:nvGrpSpPr>
+      <p:grpSpPr>
+        <a:xfrm>
+          <a:off x="0" y="0"/>
+          <a:ext cx="0" cy="0"/>
+          <a:chOff x="0" y="0"/>
+          <a:chExt cx="0" cy="0"/>
+        </a:xfrm>
+      </p:grpSpPr>
+      <p:sp>
+        <p:nvSpPr>
+          <p:cNvPr id="4" name="Title 3"/>
+          <p:cNvSpPr>
+            <a:spLocks noGrp="1"/>
+          </p:cNvSpPr>
+          <p:nvPr>
+            <p:ph type="title"/>
+          </p:nvPr>
+        </p:nvSpPr>
+        <p:spPr>
+          <a:xfrm>
+            <a:off x="1519183" y="618518"/>
+            <a:ext cx="9528228" cy="1478570"/>
+          </a:xfrm>
+        </p:spPr>
+        <p:txBody>
+          <a:bodyPr/>
+          <a:lstStyle/>
+          <a:p>
+            <a:r>
+              <a:rPr lang="en-US" dirty="0" smtClean="0"/>
+              <a:t>MVvm (</a:t>
+            </a:r>
+            <a:r>
+              <a:rPr lang="en-US" cap="none" dirty="0" smtClean="0"/>
+              <a:t>Model-View-ViewModel</a:t>
+            </a:r>
+            <a:r>
+              <a:rPr lang="en-US" dirty="0" smtClean="0"/>
+              <a:t>)</a:t>
+            </a:r>
+            <a:endParaRPr lang="en-US" dirty="0"/>
+          </a:p>
+        </p:txBody>
+      </p:sp>
+      <p:pic>
+        <p:nvPicPr>
+          <p:cNvPr id="6" name="Content Placeholder 5"/>
+          <p:cNvPicPr>
+            <a:picLocks noGrp="1" noChangeAspect="1"/>
+          </p:cNvPicPr>
+          <p:nvPr>
+            <p:ph idx="1"/>
+          </p:nvPr>
+        </p:nvPicPr>
+        <p:blipFill>
+          <a:blip r:embed="rId2">
+            <a:extLst>
+              <a:ext uri="{28A0092B-C50C-407E-A947-70E740481C1C}">
+                <a14:useLocalDpi xmlns:a14="http://schemas.microsoft.com/office/drawing/2010/main" val="0"/>
+              </a:ext>
+            </a:extLst>
+          </a:blip>
+          <a:stretch>
+            <a:fillRect/>
+          </a:stretch>
+        </p:blipFill>
+        <p:spPr>
+          <a:xfrm>
+            <a:off x="1519183" y="1700221"/>
+            <a:ext cx="9150458" cy="3161068"/>
+          </a:xfrm>
+        </p:spPr>
+      </p:pic>
+    </p:spTree>
+    <p:extLst>
+      <p:ext uri="{BB962C8B-B14F-4D97-AF65-F5344CB8AC3E}">
+        <p14:creationId xmlns:p14="http://schemas.microsoft.com/office/powerpoint/2010/main" val="3569035093"/>
+      </p:ext>
+    </p:extLst>
+  </p:cSld>
+  <p:clrMapOvr>
+    <a:masterClrMapping/>
+  </p:clrMapOvr>
+  <p:timing>
+    <p:tnLst>
+      <p:par>
+        <p:cTn id="1" dur="indefinite" restart="never" nodeType="tmRoot"/>
+      </p:par>
+    </p:tnLst>
+  </p:timing>
+</p:sld>
+</file>
+
+<file path=ppt/slides/slide20.xml><?xml version="1.0" encoding="utf-8"?>
+<p:sld xmlns:a="http://schemas.openxmlformats.org/drawingml/2006/main" xmlns:r="http://schemas.openxmlformats.org/officeDocument/2006/relationships" xmlns:p="http://schemas.openxmlformats.org/presentationml/2006/main">
+  <p:cSld>
+    <p:spTree>
+      <p:nvGrpSpPr>
+        <p:cNvPr id="1" name=""/>
+        <p:cNvGrpSpPr/>
+        <p:nvPr/>
+      </p:nvGrpSpPr>
+      <p:grpSpPr>
+        <a:xfrm>
+          <a:off x="0" y="0"/>
+          <a:ext cx="0" cy="0"/>
+          <a:chOff x="0" y="0"/>
+          <a:chExt cx="0" cy="0"/>
+        </a:xfrm>
+      </p:grpSpPr>
+      <p:sp>
+        <p:nvSpPr>
+          <p:cNvPr id="2" name="Title 1"/>
+          <p:cNvSpPr>
+            <a:spLocks noGrp="1"/>
+          </p:cNvSpPr>
+          <p:nvPr>
+            <p:ph type="title"/>
+          </p:nvPr>
+        </p:nvSpPr>
+        <p:spPr/>
+        <p:txBody>
+          <a:bodyPr/>
+          <a:lstStyle/>
+          <a:p>
+            <a:r>
+              <a:rPr lang="en-US" dirty="0" smtClean="0"/>
+              <a:t>F# MVC </a:t>
+            </a:r>
+            <a:r>
+              <a:rPr lang="en-US" cap="none" dirty="0" smtClean="0"/>
+              <a:t>for</a:t>
+            </a:r>
+            <a:r>
+              <a:rPr lang="en-US" dirty="0" smtClean="0"/>
+              <a:t> WPF </a:t>
+            </a:r>
+            <a:endParaRPr lang="en-US" dirty="0"/>
+          </a:p>
+        </p:txBody>
+      </p:sp>
+      <p:sp>
+        <p:nvSpPr>
+          <p:cNvPr id="11" name="Content Placeholder 10"/>
+          <p:cNvSpPr>
+            <a:spLocks noGrp="1"/>
+          </p:cNvSpPr>
+          <p:nvPr>
+            <p:ph sz="half" idx="1"/>
+          </p:nvPr>
+        </p:nvSpPr>
+        <p:spPr>
+          <a:xfrm>
+            <a:off x="781051" y="1773236"/>
+            <a:ext cx="4810125" cy="3455989"/>
+          </a:xfrm>
+        </p:spPr>
+        <p:txBody>
+          <a:bodyPr>
+            <a:normAutofit/>
+          </a:bodyPr>
+          <a:lstStyle/>
+          <a:p>
+            <a:r>
+              <a:rPr lang="en-US" sz="2000" dirty="0" smtClean="0"/>
+              <a:t>No INPC boilerplate model</a:t>
+            </a:r>
+          </a:p>
+          <a:p>
+            <a:r>
+              <a:rPr lang="en-US" sz="2000" dirty="0" smtClean="0"/>
+              <a:t>Abstract polymorphic view</a:t>
+            </a:r>
+          </a:p>
+          <a:p>
+            <a:r>
+              <a:rPr lang="en-US" sz="2000" dirty="0" smtClean="0"/>
+              <a:t>Loosely couple controller</a:t>
+            </a:r>
+          </a:p>
+          <a:p>
+            <a:r>
+              <a:rPr lang="en-US" sz="2000" dirty="0" smtClean="0"/>
+              <a:t>Type checked event to handler mapping</a:t>
+            </a:r>
+          </a:p>
+          <a:p>
+            <a:r>
+              <a:rPr lang="en-US" sz="2000" dirty="0" smtClean="0"/>
+              <a:t>Statically typed data-binding DSL</a:t>
+            </a:r>
+          </a:p>
+          <a:p>
+            <a:r>
+              <a:rPr lang="en-US" sz="2000" dirty="0" smtClean="0"/>
+              <a:t>Lightweight validation</a:t>
+            </a:r>
+          </a:p>
+        </p:txBody>
+      </p:sp>
+      <p:sp>
+        <p:nvSpPr>
+          <p:cNvPr id="12" name="Content Placeholder 11"/>
+          <p:cNvSpPr>
+            <a:spLocks noGrp="1"/>
+          </p:cNvSpPr>
+          <p:nvPr>
+            <p:ph sz="half" idx="2"/>
+          </p:nvPr>
+        </p:nvSpPr>
+        <p:spPr>
+          <a:xfrm>
+            <a:off x="5540373" y="1773236"/>
+            <a:ext cx="5867400" cy="3455989"/>
+          </a:xfrm>
+        </p:spPr>
+        <p:txBody>
+          <a:bodyPr>
+            <a:normAutofit/>
+          </a:bodyPr>
+          <a:lstStyle/>
+          <a:p>
+            <a:r>
+              <a:rPr lang="en-US" sz="2000" dirty="0" smtClean="0"/>
+              <a:t>Type system supported Async</a:t>
+            </a:r>
+            <a:endParaRPr lang="en-US" sz="2000" dirty="0"/>
+          </a:p>
+          <a:p>
+            <a:r>
+              <a:rPr lang="en-US" sz="2000" dirty="0" smtClean="0"/>
+              <a:t>Dialogs/Windows as sync/</a:t>
+            </a:r>
+            <a:r>
+              <a:rPr lang="en-US" sz="2000" dirty="0" err="1" smtClean="0"/>
+              <a:t>async</a:t>
+            </a:r>
+            <a:r>
+              <a:rPr lang="en-US" sz="2000" dirty="0" smtClean="0"/>
+              <a:t> workflows </a:t>
+            </a:r>
+          </a:p>
+          <a:p>
+            <a:r>
+              <a:rPr lang="en-US" sz="2000" dirty="0" smtClean="0"/>
+              <a:t>Reentrancy problem solved at one place</a:t>
+            </a:r>
+          </a:p>
+          <a:p>
+            <a:r>
+              <a:rPr lang="en-US" sz="2000" dirty="0" smtClean="0"/>
+              <a:t>COMPOSITION</a:t>
+            </a:r>
+          </a:p>
+          <a:p>
+            <a:r>
+              <a:rPr lang="en-US" sz="2000" dirty="0" smtClean="0"/>
+              <a:t>External event source</a:t>
+            </a:r>
+          </a:p>
+          <a:p>
+            <a:r>
+              <a:rPr lang="en-US" sz="2000" dirty="0" smtClean="0"/>
+              <a:t>Declarative derived properties</a:t>
+            </a:r>
+          </a:p>
+          <a:p>
+            <a:r>
+              <a:rPr lang="en-US" sz="2000" dirty="0" smtClean="0"/>
+              <a:t>Queries, type providers …</a:t>
+            </a:r>
+            <a:endParaRPr lang="en-US" sz="2000" dirty="0"/>
+          </a:p>
+        </p:txBody>
+      </p:sp>
+      <p:sp>
+        <p:nvSpPr>
+          <p:cNvPr id="3" name="Rectangle 2"/>
+          <p:cNvSpPr/>
+          <p:nvPr/>
+        </p:nvSpPr>
+        <p:spPr>
+          <a:xfrm>
+            <a:off x="1821656" y="5444609"/>
+            <a:ext cx="8545512" cy="369332"/>
+          </a:xfrm>
+          <a:prstGeom prst="rect">
+            <a:avLst/>
+          </a:prstGeom>
+        </p:spPr>
+        <p:txBody>
+          <a:bodyPr wrap="square">
+            <a:spAutoFit/>
+          </a:bodyPr>
+          <a:lstStyle/>
+          <a:p>
+            <a:r>
+              <a:rPr lang="en-US" b="1" dirty="0" smtClean="0"/>
+              <a:t>All components replaceable/optional except IView, </a:t>
+            </a:r>
+            <a:r>
+              <a:rPr lang="en-US" b="1" dirty="0" err="1" smtClean="0"/>
+              <a:t>IController</a:t>
+            </a:r>
+            <a:r>
+              <a:rPr lang="en-US" b="1" dirty="0" smtClean="0"/>
+              <a:t> and MVC</a:t>
+            </a:r>
+            <a:endParaRPr lang="en-US" b="1" dirty="0"/>
+          </a:p>
+        </p:txBody>
+      </p:sp>
+    </p:spTree>
+    <p:extLst>
+      <p:ext uri="{BB962C8B-B14F-4D97-AF65-F5344CB8AC3E}">
+        <p14:creationId xmlns:p14="http://schemas.microsoft.com/office/powerpoint/2010/main" val="1134198775"/>
+      </p:ext>
+    </p:extLst>
+  </p:cSld>
+  <p:clrMapOvr>
+    <a:masterClrMapping/>
+  </p:clrMapOvr>
+  <p:timing>
+    <p:tnLst>
+      <p:par>
+        <p:cTn id="1" dur="indefinite" restart="never" nodeType="tmRoot"/>
+      </p:par>
+    </p:tnLst>
+  </p:timing>
+</p:sld>
+</file>
+
+<file path=ppt/slides/slide21.xml><?xml version="1.0" encoding="utf-8"?>
+<p:sld xmlns:a="http://schemas.openxmlformats.org/drawingml/2006/main" xmlns:r="http://schemas.openxmlformats.org/officeDocument/2006/relationships" xmlns:p="http://schemas.openxmlformats.org/presentationml/2006/main">
+  <p:cSld>
+    <p:spTree>
+      <p:nvGrpSpPr>
+        <p:cNvPr id="1" name=""/>
+        <p:cNvGrpSpPr/>
+        <p:nvPr/>
+      </p:nvGrpSpPr>
+      <p:grpSpPr>
+        <a:xfrm>
+          <a:off x="0" y="0"/>
+          <a:ext cx="0" cy="0"/>
+          <a:chOff x="0" y="0"/>
+          <a:chExt cx="0" cy="0"/>
+        </a:xfrm>
+      </p:grpSpPr>
+      <p:sp>
+        <p:nvSpPr>
+          <p:cNvPr id="2" name="Title 1"/>
+          <p:cNvSpPr>
+            <a:spLocks noGrp="1"/>
+          </p:cNvSpPr>
+          <p:nvPr>
+            <p:ph type="title"/>
+          </p:nvPr>
+        </p:nvSpPr>
+        <p:spPr/>
+        <p:txBody>
+          <a:bodyPr/>
+          <a:lstStyle/>
+          <a:p>
+            <a:r>
+              <a:rPr lang="en-US" dirty="0" smtClean="0"/>
+              <a:t>In summary</a:t>
+            </a:r>
+            <a:endParaRPr lang="en-US" dirty="0"/>
+          </a:p>
+        </p:txBody>
+      </p:sp>
+      <p:sp>
+        <p:nvSpPr>
+          <p:cNvPr id="3" name="Content Placeholder 2"/>
+          <p:cNvSpPr>
+            <a:spLocks noGrp="1"/>
+          </p:cNvSpPr>
+          <p:nvPr>
+            <p:ph idx="1"/>
+          </p:nvPr>
+        </p:nvSpPr>
+        <p:spPr>
+          <a:xfrm>
+            <a:off x="1141413" y="1854679"/>
+            <a:ext cx="10512874" cy="3936522"/>
+          </a:xfrm>
+        </p:spPr>
+        <p:txBody>
+          <a:bodyPr>
+            <a:normAutofit lnSpcReduction="10000"/>
+          </a:bodyPr>
+          <a:lstStyle/>
+          <a:p>
+            <a:r>
+              <a:rPr lang="en-US" dirty="0" smtClean="0"/>
+              <a:t>F# great general purpose language</a:t>
+            </a:r>
+          </a:p>
+          <a:p>
+            <a:r>
+              <a:rPr lang="en-US" dirty="0" smtClean="0"/>
+              <a:t>Hard </a:t>
+            </a:r>
+            <a:r>
+              <a:rPr lang="en-US" dirty="0"/>
+              <a:t>things easy </a:t>
+            </a:r>
+            <a:r>
+              <a:rPr lang="en-US" dirty="0" smtClean="0"/>
+              <a:t>impossible </a:t>
+            </a:r>
+            <a:r>
+              <a:rPr lang="en-US" dirty="0"/>
+              <a:t>things </a:t>
+            </a:r>
+            <a:r>
+              <a:rPr lang="en-US" dirty="0" smtClean="0"/>
+              <a:t>possible</a:t>
+            </a:r>
+          </a:p>
+          <a:p>
+            <a:r>
+              <a:rPr lang="en-US" dirty="0" smtClean="0"/>
+              <a:t>Go thru the framework code base – it’s great language tutorial</a:t>
+            </a:r>
+          </a:p>
+          <a:p>
+            <a:r>
+              <a:rPr lang="en-US" dirty="0" err="1" smtClean="0"/>
+              <a:t>GitHub</a:t>
+            </a:r>
+            <a:r>
+              <a:rPr lang="en-US" dirty="0" smtClean="0"/>
+              <a:t> project:</a:t>
+            </a:r>
+            <a:br>
+              <a:rPr lang="en-US" dirty="0" smtClean="0"/>
+            </a:br>
+            <a:r>
+              <a:rPr lang="en-US" dirty="0" smtClean="0">
+                <a:hlinkClick r:id="rId2"/>
+              </a:rPr>
+              <a:t>http://github.com/dmitry-a-morozov/fsharp-wpf-mvc-series</a:t>
+            </a:r>
+            <a:endParaRPr lang="en-US" dirty="0" smtClean="0"/>
+          </a:p>
+          <a:p>
+            <a:r>
+              <a:rPr lang="en-US" dirty="0" smtClean="0"/>
+              <a:t>Wiki:</a:t>
+            </a:r>
+            <a:br>
+              <a:rPr lang="en-US" dirty="0" smtClean="0"/>
+            </a:br>
+            <a:r>
+              <a:rPr lang="en-US" dirty="0" smtClean="0">
+                <a:hlinkClick r:id="rId3"/>
+              </a:rPr>
+              <a:t>http://</a:t>
+            </a:r>
+            <a:r>
+              <a:rPr lang="en-US" dirty="0">
+                <a:hlinkClick r:id="rId3"/>
+              </a:rPr>
+              <a:t>github.com/dmitry-a-morozov/fsharp-wpf-mvc-series/wiki</a:t>
+            </a:r>
+            <a:r>
+              <a:rPr lang="en-US" dirty="0" smtClean="0"/>
+              <a:t/>
+            </a:r>
+            <a:br>
+              <a:rPr lang="en-US" dirty="0" smtClean="0"/>
+            </a:br>
+            <a:endParaRPr lang="en-US" dirty="0"/>
+          </a:p>
+        </p:txBody>
+      </p:sp>
+    </p:spTree>
+    <p:extLst>
+      <p:ext uri="{BB962C8B-B14F-4D97-AF65-F5344CB8AC3E}">
+        <p14:creationId xmlns:p14="http://schemas.microsoft.com/office/powerpoint/2010/main" val="1249366738"/>
+      </p:ext>
+    </p:extLst>
+  </p:cSld>
+  <p:clrMapOvr>
+    <a:masterClrMapping/>
+  </p:clrMapOvr>
+  <p:timing>
+    <p:tnLst>
+      <p:par>
+        <p:cTn id="1" dur="indefinite" restart="never" nodeType="tmRoot"/>
+      </p:par>
+    </p:tnLst>
+  </p:timing>
+</p:sld>
+</file>
+
+<file path=ppt/slides/slide3.xml><?xml version="1.0" encoding="utf-8"?>
+<p:sld xmlns:a="http://schemas.openxmlformats.org/drawingml/2006/main" xmlns:r="http://schemas.openxmlformats.org/officeDocument/2006/relationships" xmlns:p="http://schemas.openxmlformats.org/presentationml/2006/main">
+  <p:cSld>
+    <p:spTree>
+      <p:nvGrpSpPr>
+        <p:cNvPr id="1" name=""/>
+        <p:cNvGrpSpPr/>
+        <p:nvPr/>
+      </p:nvGrpSpPr>
+      <p:grpSpPr>
+        <a:xfrm>
+          <a:off x="0" y="0"/>
+          <a:ext cx="0" cy="0"/>
+          <a:chOff x="0" y="0"/>
+          <a:chExt cx="0" cy="0"/>
+        </a:xfrm>
+      </p:grpSpPr>
+      <p:sp>
+        <p:nvSpPr>
+          <p:cNvPr id="4" name="Title 3"/>
+          <p:cNvSpPr>
+            <a:spLocks noGrp="1"/>
+          </p:cNvSpPr>
+          <p:nvPr>
+            <p:ph type="title"/>
+          </p:nvPr>
+        </p:nvSpPr>
+        <p:spPr/>
+        <p:txBody>
+          <a:bodyPr/>
+          <a:lstStyle/>
+          <a:p>
+            <a:r>
+              <a:rPr lang="en-US" dirty="0" smtClean="0"/>
+              <a:t>Can we do better </a:t>
+            </a:r>
+            <a:r>
+              <a:rPr lang="en-US" cap="none" dirty="0" smtClean="0"/>
+              <a:t>in</a:t>
+            </a:r>
+            <a:r>
+              <a:rPr lang="en-US" dirty="0" smtClean="0"/>
+              <a:t> F#?</a:t>
+            </a:r>
+            <a:endParaRPr lang="en-US" dirty="0"/>
+          </a:p>
+        </p:txBody>
+      </p:sp>
+      <p:sp>
+        <p:nvSpPr>
+          <p:cNvPr id="3" name="Content Placeholder 2"/>
+          <p:cNvSpPr>
+            <a:spLocks noGrp="1"/>
+          </p:cNvSpPr>
+          <p:nvPr>
+            <p:ph idx="1"/>
+          </p:nvPr>
+        </p:nvSpPr>
+        <p:spPr/>
+        <p:txBody>
+          <a:bodyPr/>
+          <a:lstStyle/>
+          <a:p>
+            <a:r>
+              <a:rPr lang="en-US" dirty="0" smtClean="0"/>
+              <a:t>MVVM has many shortcomings</a:t>
+            </a:r>
+            <a:endParaRPr lang="en-US" dirty="0" smtClean="0"/>
+          </a:p>
+          <a:p>
+            <a:r>
+              <a:rPr lang="en-US" dirty="0" smtClean="0"/>
+              <a:t>It’s still hard to develop WPF apps using MVVM</a:t>
+            </a:r>
+          </a:p>
+          <a:p>
+            <a:r>
+              <a:rPr lang="en-US" dirty="0" smtClean="0"/>
+              <a:t>MVVM was designed </a:t>
+            </a:r>
+            <a:r>
+              <a:rPr lang="en-US" dirty="0" smtClean="0"/>
+              <a:t>with C# limitations in mind</a:t>
+            </a:r>
+          </a:p>
+          <a:p>
+            <a:endParaRPr lang="en-US" dirty="0"/>
+          </a:p>
+        </p:txBody>
+      </p:sp>
+    </p:spTree>
+    <p:extLst>
+      <p:ext uri="{BB962C8B-B14F-4D97-AF65-F5344CB8AC3E}">
+        <p14:creationId xmlns:p14="http://schemas.microsoft.com/office/powerpoint/2010/main" val="3716489453"/>
+      </p:ext>
+    </p:extLst>
+  </p:cSld>
+  <p:clrMapOvr>
+    <a:masterClrMapping/>
+  </p:clrMapOvr>
+  <p:timing>
+    <p:tnLst>
+      <p:par>
+        <p:cTn id="1" dur="indefinite" restart="never" nodeType="tmRoot"/>
+      </p:par>
+    </p:tnLst>
+  </p:timing>
+</p:sld>
+</file>
+
+<file path=ppt/slides/slide4.xml><?xml version="1.0" encoding="utf-8"?>
+<p:sld xmlns:a="http://schemas.openxmlformats.org/drawingml/2006/main" xmlns:r="http://schemas.openxmlformats.org/officeDocument/2006/relationships" xmlns:p="http://schemas.openxmlformats.org/presentationml/2006/main">
+  <p:cSld>
+    <p:spTree>
+      <p:nvGrpSpPr>
+        <p:cNvPr id="1" name=""/>
+        <p:cNvGrpSpPr/>
+        <p:nvPr/>
+      </p:nvGrpSpPr>
+      <p:grpSpPr>
+        <a:xfrm>
+          <a:off x="0" y="0"/>
+          <a:ext cx="0" cy="0"/>
+          <a:chOff x="0" y="0"/>
+          <a:chExt cx="0" cy="0"/>
+        </a:xfrm>
+      </p:grpSpPr>
+      <p:sp>
+        <p:nvSpPr>
+          <p:cNvPr id="2" name="Title 1"/>
+          <p:cNvSpPr>
+            <a:spLocks noGrp="1"/>
+          </p:cNvSpPr>
+          <p:nvPr>
+            <p:ph type="title"/>
+          </p:nvPr>
+        </p:nvSpPr>
+        <p:spPr>
+          <a:xfrm>
+            <a:off x="974785" y="618518"/>
+            <a:ext cx="10153290" cy="705457"/>
+          </a:xfrm>
+        </p:spPr>
+        <p:txBody>
+          <a:bodyPr/>
+          <a:lstStyle/>
+          <a:p>
+            <a:r>
+              <a:rPr lang="en-US" dirty="0" smtClean="0"/>
+              <a:t>FIRST class EventS-Driven architecture</a:t>
+            </a:r>
+            <a:endParaRPr lang="en-US" dirty="0"/>
+          </a:p>
+        </p:txBody>
+      </p:sp>
+      <p:sp>
+        <p:nvSpPr>
+          <p:cNvPr id="3" name="Content Placeholder 2"/>
+          <p:cNvSpPr>
+            <a:spLocks noGrp="1"/>
+          </p:cNvSpPr>
+          <p:nvPr>
+            <p:ph idx="1"/>
+          </p:nvPr>
+        </p:nvSpPr>
+        <p:spPr>
+          <a:xfrm>
+            <a:off x="974786" y="1466850"/>
+            <a:ext cx="10153290" cy="4324352"/>
+          </a:xfrm>
+          <a:solidFill>
+            <a:schemeClr val="tx1"/>
+          </a:solidFill>
+        </p:spPr>
+        <p:txBody>
+          <a:bodyPr>
+            <a:normAutofit fontScale="85000" lnSpcReduction="20000"/>
+          </a:bodyPr>
+          <a:lstStyle/>
+          <a:p>
+            <a:pPr marL="0" indent="0">
+              <a:buNone/>
+            </a:pPr>
+            <a:r>
+              <a:rPr lang="en-US" dirty="0">
+                <a:solidFill>
+                  <a:srgbClr val="0000FF"/>
+                </a:solidFill>
+                <a:latin typeface="Consolas" panose="020B0609020204030204" pitchFamily="49" charset="0"/>
+              </a:rPr>
+              <a:t>type</a:t>
+            </a:r>
+            <a:r>
+              <a:rPr lang="en-US" dirty="0">
+                <a:solidFill>
+                  <a:prstClr val="black"/>
+                </a:solidFill>
+                <a:latin typeface="Consolas" panose="020B0609020204030204" pitchFamily="49" charset="0"/>
+              </a:rPr>
+              <a:t> View = </a:t>
+            </a:r>
+            <a:r>
+              <a:rPr lang="en-US" dirty="0" smtClean="0">
+                <a:solidFill>
+                  <a:prstClr val="black"/>
+                </a:solidFill>
+                <a:latin typeface="Consolas" panose="020B0609020204030204" pitchFamily="49" charset="0"/>
+              </a:rPr>
+              <a:t>IEvent&lt;Events&gt;  </a:t>
+            </a:r>
+            <a:endParaRPr lang="en-US" dirty="0">
+              <a:solidFill>
+                <a:prstClr val="black"/>
+              </a:solidFill>
+              <a:latin typeface="Consolas" panose="020B0609020204030204" pitchFamily="49" charset="0"/>
+            </a:endParaRPr>
+          </a:p>
+          <a:p>
+            <a:pPr marL="0" indent="0">
+              <a:buNone/>
+            </a:pPr>
+            <a:r>
+              <a:rPr lang="en-US" dirty="0" smtClean="0">
+                <a:solidFill>
+                  <a:srgbClr val="0000FF"/>
+                </a:solidFill>
+                <a:latin typeface="Consolas" panose="020B0609020204030204" pitchFamily="49" charset="0"/>
+              </a:rPr>
+              <a:t>and</a:t>
+            </a:r>
+            <a:r>
+              <a:rPr lang="en-US" dirty="0" smtClean="0">
+                <a:solidFill>
+                  <a:prstClr val="black"/>
+                </a:solidFill>
+                <a:latin typeface="Consolas" panose="020B0609020204030204" pitchFamily="49" charset="0"/>
+              </a:rPr>
+              <a:t> Events = </a:t>
+            </a:r>
+          </a:p>
+          <a:p>
+            <a:pPr marL="0" indent="0">
+              <a:buNone/>
+            </a:pPr>
+            <a:r>
+              <a:rPr lang="en-US" dirty="0" smtClean="0">
+                <a:solidFill>
+                  <a:prstClr val="black"/>
+                </a:solidFill>
+                <a:latin typeface="Consolas" panose="020B0609020204030204" pitchFamily="49" charset="0"/>
+              </a:rPr>
+              <a:t>    | Add </a:t>
+            </a:r>
+            <a:r>
+              <a:rPr lang="en-US" dirty="0" smtClean="0">
+                <a:solidFill>
+                  <a:srgbClr val="0000FF"/>
+                </a:solidFill>
+                <a:latin typeface="Consolas" panose="020B0609020204030204" pitchFamily="49" charset="0"/>
+              </a:rPr>
+              <a:t>of</a:t>
+            </a:r>
+            <a:r>
+              <a:rPr lang="en-US" dirty="0" smtClean="0">
+                <a:solidFill>
+                  <a:prstClr val="black"/>
+                </a:solidFill>
+                <a:latin typeface="Consolas" panose="020B0609020204030204" pitchFamily="49" charset="0"/>
+              </a:rPr>
+              <a:t> int </a:t>
+            </a:r>
+          </a:p>
+          <a:p>
+            <a:pPr marL="0" indent="0">
+              <a:buNone/>
+            </a:pPr>
+            <a:r>
+              <a:rPr lang="en-US" dirty="0" smtClean="0">
+                <a:solidFill>
+                  <a:prstClr val="black"/>
+                </a:solidFill>
+                <a:latin typeface="Consolas" panose="020B0609020204030204" pitchFamily="49" charset="0"/>
+              </a:rPr>
+              <a:t>    | Subtract </a:t>
+            </a:r>
+            <a:r>
+              <a:rPr lang="en-US" dirty="0" smtClean="0">
+                <a:solidFill>
+                  <a:srgbClr val="0000FF"/>
+                </a:solidFill>
+                <a:latin typeface="Consolas" panose="020B0609020204030204" pitchFamily="49" charset="0"/>
+              </a:rPr>
+              <a:t>of</a:t>
+            </a:r>
+            <a:r>
+              <a:rPr lang="en-US" dirty="0" smtClean="0">
+                <a:solidFill>
+                  <a:prstClr val="black"/>
+                </a:solidFill>
+                <a:latin typeface="Consolas" panose="020B0609020204030204" pitchFamily="49" charset="0"/>
+              </a:rPr>
+              <a:t> int</a:t>
+            </a:r>
+          </a:p>
+          <a:p>
+            <a:pPr marL="0" indent="0">
+              <a:buNone/>
+            </a:pPr>
+            <a:endParaRPr lang="en-US" dirty="0" smtClean="0">
+              <a:solidFill>
+                <a:prstClr val="black"/>
+              </a:solidFill>
+              <a:latin typeface="Consolas" panose="020B0609020204030204" pitchFamily="49" charset="0"/>
+            </a:endParaRPr>
+          </a:p>
+          <a:p>
+            <a:pPr marL="0" indent="0">
+              <a:buNone/>
+            </a:pPr>
+            <a:r>
+              <a:rPr lang="en-US" dirty="0" smtClean="0">
+                <a:solidFill>
+                  <a:srgbClr val="0000FF"/>
+                </a:solidFill>
+                <a:latin typeface="Consolas" panose="020B0609020204030204" pitchFamily="49" charset="0"/>
+              </a:rPr>
+              <a:t>type</a:t>
+            </a:r>
+            <a:r>
+              <a:rPr lang="en-US" dirty="0" smtClean="0">
+                <a:solidFill>
+                  <a:prstClr val="black"/>
+                </a:solidFill>
+                <a:latin typeface="Consolas" panose="020B0609020204030204" pitchFamily="49" charset="0"/>
+              </a:rPr>
+              <a:t> Model = { State : int }</a:t>
+            </a:r>
+          </a:p>
+          <a:p>
+            <a:pPr marL="0" indent="0">
+              <a:buNone/>
+            </a:pPr>
+            <a:endParaRPr lang="en-US" dirty="0" smtClean="0">
+              <a:solidFill>
+                <a:prstClr val="black"/>
+              </a:solidFill>
+              <a:latin typeface="Consolas" panose="020B0609020204030204" pitchFamily="49" charset="0"/>
+            </a:endParaRPr>
+          </a:p>
+          <a:p>
+            <a:pPr marL="0" indent="0">
+              <a:buNone/>
+            </a:pPr>
+            <a:r>
+              <a:rPr lang="en-US" dirty="0">
+                <a:solidFill>
+                  <a:srgbClr val="0000FF"/>
+                </a:solidFill>
+                <a:latin typeface="Consolas" panose="020B0609020204030204" pitchFamily="49" charset="0"/>
+              </a:rPr>
+              <a:t>type</a:t>
+            </a:r>
+            <a:r>
+              <a:rPr lang="en-US" dirty="0">
+                <a:solidFill>
+                  <a:prstClr val="black"/>
+                </a:solidFill>
+                <a:latin typeface="Consolas" panose="020B0609020204030204" pitchFamily="49" charset="0"/>
+              </a:rPr>
+              <a:t> Controller = </a:t>
+            </a:r>
+            <a:r>
+              <a:rPr lang="en-US" dirty="0" smtClean="0">
+                <a:solidFill>
+                  <a:prstClr val="black"/>
+                </a:solidFill>
+                <a:latin typeface="Consolas" panose="020B0609020204030204" pitchFamily="49" charset="0"/>
+              </a:rPr>
+              <a:t>Events </a:t>
+            </a:r>
+            <a:r>
+              <a:rPr lang="en-US" dirty="0">
+                <a:solidFill>
+                  <a:srgbClr val="0000FF"/>
+                </a:solidFill>
+                <a:latin typeface="Consolas" panose="020B0609020204030204" pitchFamily="49" charset="0"/>
+              </a:rPr>
+              <a:t>-&gt;</a:t>
+            </a:r>
+            <a:r>
+              <a:rPr lang="en-US" dirty="0">
+                <a:solidFill>
+                  <a:prstClr val="black"/>
+                </a:solidFill>
+                <a:latin typeface="Consolas" panose="020B0609020204030204" pitchFamily="49" charset="0"/>
+              </a:rPr>
+              <a:t> Model </a:t>
+            </a:r>
+            <a:r>
+              <a:rPr lang="en-US" dirty="0">
+                <a:solidFill>
+                  <a:srgbClr val="0000FF"/>
+                </a:solidFill>
+                <a:latin typeface="Consolas" panose="020B0609020204030204" pitchFamily="49" charset="0"/>
+              </a:rPr>
+              <a:t>-&gt;</a:t>
+            </a:r>
+            <a:r>
+              <a:rPr lang="en-US" dirty="0">
+                <a:solidFill>
+                  <a:prstClr val="black"/>
+                </a:solidFill>
+                <a:latin typeface="Consolas" panose="020B0609020204030204" pitchFamily="49" charset="0"/>
+              </a:rPr>
+              <a:t> </a:t>
+            </a:r>
+            <a:r>
+              <a:rPr lang="en-US" dirty="0" smtClean="0">
+                <a:solidFill>
+                  <a:prstClr val="black"/>
+                </a:solidFill>
+                <a:latin typeface="Consolas" panose="020B0609020204030204" pitchFamily="49" charset="0"/>
+              </a:rPr>
+              <a:t>Model</a:t>
+            </a:r>
+          </a:p>
+          <a:p>
+            <a:pPr marL="0" indent="0">
+              <a:buNone/>
+            </a:pPr>
+            <a:endParaRPr lang="en-US" dirty="0" smtClean="0">
+              <a:solidFill>
+                <a:prstClr val="black"/>
+              </a:solidFill>
+              <a:latin typeface="Consolas" panose="020B0609020204030204" pitchFamily="49" charset="0"/>
+            </a:endParaRPr>
+          </a:p>
+          <a:p>
+            <a:pPr marL="0" indent="0">
+              <a:buNone/>
+            </a:pPr>
+            <a:r>
+              <a:rPr lang="en-US" dirty="0" smtClean="0">
+                <a:solidFill>
+                  <a:srgbClr val="0000FF"/>
+                </a:solidFill>
+                <a:latin typeface="Consolas" panose="020B0609020204030204" pitchFamily="49" charset="0"/>
+              </a:rPr>
+              <a:t>type</a:t>
+            </a:r>
+            <a:r>
+              <a:rPr lang="en-US" dirty="0" smtClean="0">
+                <a:solidFill>
+                  <a:prstClr val="black"/>
+                </a:solidFill>
+                <a:latin typeface="Consolas" panose="020B0609020204030204" pitchFamily="49" charset="0"/>
+              </a:rPr>
+              <a:t> Mvc </a:t>
+            </a:r>
+            <a:r>
+              <a:rPr lang="en-US" dirty="0">
+                <a:solidFill>
+                  <a:prstClr val="black"/>
+                </a:solidFill>
+                <a:latin typeface="Consolas" panose="020B0609020204030204" pitchFamily="49" charset="0"/>
+              </a:rPr>
+              <a:t>= Controller </a:t>
+            </a:r>
+            <a:r>
+              <a:rPr lang="en-US" dirty="0" smtClean="0">
+                <a:solidFill>
+                  <a:srgbClr val="0000FF"/>
+                </a:solidFill>
+                <a:latin typeface="Consolas" panose="020B0609020204030204" pitchFamily="49" charset="0"/>
+              </a:rPr>
+              <a:t>-&gt;</a:t>
+            </a:r>
+            <a:r>
+              <a:rPr lang="en-US" dirty="0" smtClean="0">
+                <a:solidFill>
+                  <a:prstClr val="black"/>
+                </a:solidFill>
+                <a:latin typeface="Consolas" panose="020B0609020204030204" pitchFamily="49" charset="0"/>
+              </a:rPr>
+              <a:t> Model </a:t>
+            </a:r>
+            <a:r>
+              <a:rPr lang="en-US" dirty="0" smtClean="0">
+                <a:solidFill>
+                  <a:srgbClr val="0000FF"/>
+                </a:solidFill>
+                <a:latin typeface="Consolas" panose="020B0609020204030204" pitchFamily="49" charset="0"/>
+              </a:rPr>
+              <a:t>-&gt;</a:t>
+            </a:r>
+            <a:r>
+              <a:rPr lang="en-US" dirty="0" smtClean="0">
+                <a:solidFill>
+                  <a:prstClr val="black"/>
+                </a:solidFill>
+                <a:latin typeface="Consolas" panose="020B0609020204030204" pitchFamily="49" charset="0"/>
+              </a:rPr>
+              <a:t> IEvent&lt;Events&gt; </a:t>
+            </a:r>
+            <a:r>
+              <a:rPr lang="en-US" dirty="0" smtClean="0">
+                <a:solidFill>
+                  <a:srgbClr val="0000FF"/>
+                </a:solidFill>
+                <a:latin typeface="Consolas" panose="020B0609020204030204" pitchFamily="49" charset="0"/>
+              </a:rPr>
+              <a:t>-&gt;</a:t>
+            </a:r>
+            <a:r>
+              <a:rPr lang="en-US" dirty="0" smtClean="0">
+                <a:solidFill>
+                  <a:prstClr val="black"/>
+                </a:solidFill>
+                <a:latin typeface="Consolas" panose="020B0609020204030204" pitchFamily="49" charset="0"/>
+              </a:rPr>
+              <a:t> Model</a:t>
+            </a:r>
+          </a:p>
+          <a:p>
+            <a:pPr marL="0" indent="0">
+              <a:buNone/>
+            </a:pPr>
+            <a:endParaRPr lang="en-US" dirty="0">
+              <a:solidFill>
+                <a:schemeClr val="bg1"/>
+              </a:solidFill>
+            </a:endParaRPr>
+          </a:p>
+        </p:txBody>
+      </p:sp>
+    </p:spTree>
+    <p:extLst>
+      <p:ext uri="{BB962C8B-B14F-4D97-AF65-F5344CB8AC3E}">
+        <p14:creationId xmlns:p14="http://schemas.microsoft.com/office/powerpoint/2010/main" val="2634465386"/>
+      </p:ext>
+    </p:extLst>
+  </p:cSld>
+  <p:clrMapOvr>
+    <a:masterClrMapping/>
+  </p:clrMapOvr>
+  <p:timing>
+    <p:tnLst>
+      <p:par>
+        <p:cTn id="1" dur="indefinite" restart="never" nodeType="tmRoot"/>
+      </p:par>
+    </p:tnLst>
+  </p:timing>
+</p:sld>
+</file>
+
+<file path=ppt/slides/slide5.xml><?xml version="1.0" encoding="utf-8"?>
+<p:sld xmlns:a="http://schemas.openxmlformats.org/drawingml/2006/main" xmlns:r="http://schemas.openxmlformats.org/officeDocument/2006/relationships" xmlns:p="http://schemas.openxmlformats.org/presentationml/2006/main">
+  <p:cSld>
+    <p:spTree>
+      <p:nvGrpSpPr>
+        <p:cNvPr id="1" name=""/>
+        <p:cNvGrpSpPr/>
+        <p:nvPr/>
+      </p:nvGrpSpPr>
+      <p:grpSpPr>
+        <a:xfrm>
+          <a:off x="0" y="0"/>
+          <a:ext cx="0" cy="0"/>
+          <a:chOff x="0" y="0"/>
+          <a:chExt cx="0" cy="0"/>
+        </a:xfrm>
+      </p:grpSpPr>
+      <p:sp>
+        <p:nvSpPr>
+          <p:cNvPr id="2" name="Title 1"/>
+          <p:cNvSpPr>
+            <a:spLocks noGrp="1"/>
+          </p:cNvSpPr>
+          <p:nvPr>
+            <p:ph type="title"/>
+          </p:nvPr>
+        </p:nvSpPr>
+        <p:spPr/>
+        <p:txBody>
+          <a:bodyPr/>
+          <a:lstStyle/>
+          <a:p>
+            <a:r>
+              <a:rPr lang="en-US" dirty="0" smtClean="0"/>
+              <a:t>model</a:t>
+            </a:r>
+            <a:endParaRPr lang="en-US" dirty="0"/>
+          </a:p>
+        </p:txBody>
+      </p:sp>
+      <p:sp>
+        <p:nvSpPr>
+          <p:cNvPr id="3" name="Content Placeholder 2"/>
+          <p:cNvSpPr>
+            <a:spLocks noGrp="1"/>
+          </p:cNvSpPr>
+          <p:nvPr>
+            <p:ph idx="1"/>
+          </p:nvPr>
+        </p:nvSpPr>
+        <p:spPr>
+          <a:xfrm>
+            <a:off x="1141412" y="1984074"/>
+            <a:ext cx="9905999" cy="4037163"/>
+          </a:xfrm>
+        </p:spPr>
+        <p:txBody>
+          <a:bodyPr>
+            <a:normAutofit fontScale="92500" lnSpcReduction="10000"/>
+          </a:bodyPr>
+          <a:lstStyle/>
+          <a:p>
+            <a:r>
+              <a:rPr lang="en-US" dirty="0" smtClean="0"/>
+              <a:t>Not domain model</a:t>
+            </a:r>
+          </a:p>
+          <a:p>
+            <a:r>
+              <a:rPr lang="en-US" dirty="0" smtClean="0"/>
+              <a:t>Based on Castle Dynamic Proxy</a:t>
+            </a:r>
+          </a:p>
+          <a:p>
+            <a:r>
+              <a:rPr lang="en-US" dirty="0" smtClean="0"/>
+              <a:t>Raises INPC.PropertyChanged from setter interceptor</a:t>
+            </a:r>
+          </a:p>
+          <a:p>
+            <a:r>
+              <a:rPr lang="en-US" dirty="0" smtClean="0"/>
+              <a:t>Restrictions: </a:t>
+            </a:r>
+            <a:r>
+              <a:rPr lang="en-US" dirty="0" smtClean="0"/>
+              <a:t>virtual properties </a:t>
+            </a:r>
+            <a:r>
+              <a:rPr lang="en-US" dirty="0" smtClean="0"/>
+              <a:t>+ base class + factory </a:t>
+            </a:r>
+            <a:r>
+              <a:rPr lang="en-US" dirty="0"/>
+              <a:t>method +</a:t>
+            </a:r>
+            <a:r>
+              <a:rPr lang="en-US" dirty="0" err="1"/>
+              <a:t>parameterless</a:t>
+            </a:r>
+            <a:r>
+              <a:rPr lang="en-US" dirty="0"/>
+              <a:t> </a:t>
+            </a:r>
+            <a:r>
+              <a:rPr lang="en-US" dirty="0" err="1" smtClean="0"/>
+              <a:t>ctor</a:t>
+            </a:r>
+            <a:endParaRPr lang="en-US" dirty="0" smtClean="0"/>
+          </a:p>
+          <a:p>
+            <a:r>
+              <a:rPr lang="en-US" dirty="0" smtClean="0"/>
+              <a:t>DECLARATIVE, FUNCTIONAL STYLE</a:t>
+            </a:r>
+          </a:p>
+          <a:p>
+            <a:pPr lvl="1"/>
+            <a:r>
+              <a:rPr lang="en-US" dirty="0"/>
+              <a:t>T</a:t>
+            </a:r>
+            <a:r>
+              <a:rPr lang="en-US" dirty="0" smtClean="0"/>
+              <a:t>ype </a:t>
+            </a:r>
+            <a:r>
+              <a:rPr lang="en-US" dirty="0" smtClean="0"/>
+              <a:t>definition only, no imperative </a:t>
+            </a:r>
+            <a:r>
+              <a:rPr lang="en-US" dirty="0" smtClean="0"/>
+              <a:t>logic</a:t>
+            </a:r>
+          </a:p>
+          <a:p>
+            <a:pPr lvl="1"/>
+            <a:r>
+              <a:rPr lang="en-US" dirty="0"/>
+              <a:t>It is better to have 100 functions operate on one data structure than 10 functions on 10 data structures</a:t>
+            </a:r>
+            <a:r>
+              <a:rPr lang="en-US" dirty="0" smtClean="0"/>
+              <a:t>.</a:t>
+            </a:r>
+          </a:p>
+          <a:p>
+            <a:pPr lvl="1"/>
+            <a:endParaRPr lang="en-US" dirty="0" smtClean="0"/>
+          </a:p>
+          <a:p>
+            <a:pPr lvl="1"/>
+            <a:endParaRPr lang="en-US" dirty="0"/>
+          </a:p>
+        </p:txBody>
+      </p:sp>
+    </p:spTree>
+    <p:extLst>
+      <p:ext uri="{BB962C8B-B14F-4D97-AF65-F5344CB8AC3E}">
+        <p14:creationId xmlns:p14="http://schemas.microsoft.com/office/powerpoint/2010/main" val="2026110272"/>
+      </p:ext>
+    </p:extLst>
+  </p:cSld>
+  <p:clrMapOvr>
+    <a:masterClrMapping/>
+  </p:clrMapOvr>
+  <p:timing>
+    <p:tnLst>
+      <p:par>
+        <p:cTn id="1" dur="indefinite" restart="never" nodeType="tmRoot"/>
+      </p:par>
+    </p:tnLst>
+  </p:timing>
+</p:sld>
+</file>
+
+<file path=ppt/slides/slide6.xml><?xml version="1.0" encoding="utf-8"?>
+<p:sld xmlns:a="http://schemas.openxmlformats.org/drawingml/2006/main" xmlns:r="http://schemas.openxmlformats.org/officeDocument/2006/relationships" xmlns:p="http://schemas.openxmlformats.org/presentationml/2006/main">
+  <p:cSld>
+    <p:spTree>
+      <p:nvGrpSpPr>
+        <p:cNvPr id="1" name=""/>
+        <p:cNvGrpSpPr/>
+        <p:nvPr/>
+      </p:nvGrpSpPr>
+      <p:grpSpPr>
+        <a:xfrm>
+          <a:off x="0" y="0"/>
+          <a:ext cx="0" cy="0"/>
+          <a:chOff x="0" y="0"/>
+          <a:chExt cx="0" cy="0"/>
+        </a:xfrm>
+      </p:grpSpPr>
+      <p:sp>
+        <p:nvSpPr>
+          <p:cNvPr id="2" name="Title 1"/>
+          <p:cNvSpPr>
+            <a:spLocks noGrp="1"/>
+          </p:cNvSpPr>
+          <p:nvPr>
+            <p:ph type="title"/>
+          </p:nvPr>
+        </p:nvSpPr>
+        <p:spPr/>
+        <p:txBody>
+          <a:bodyPr/>
+          <a:lstStyle/>
+          <a:p>
+            <a:r>
+              <a:rPr lang="en-US" dirty="0" smtClean="0"/>
+              <a:t>VIEW </a:t>
+            </a:r>
+            <a:endParaRPr lang="en-US" dirty="0"/>
+          </a:p>
+        </p:txBody>
+      </p:sp>
+      <p:sp>
+        <p:nvSpPr>
+          <p:cNvPr id="3" name="Content Placeholder 2"/>
+          <p:cNvSpPr>
+            <a:spLocks noGrp="1"/>
+          </p:cNvSpPr>
+          <p:nvPr>
+            <p:ph idx="1"/>
+          </p:nvPr>
+        </p:nvSpPr>
+        <p:spPr>
+          <a:xfrm>
+            <a:off x="1141413" y="3382131"/>
+            <a:ext cx="9905999" cy="2475744"/>
+          </a:xfrm>
+        </p:spPr>
+        <p:txBody>
+          <a:bodyPr>
+            <a:normAutofit/>
+          </a:bodyPr>
+          <a:lstStyle/>
+          <a:p>
+            <a:r>
+              <a:rPr lang="en-US" dirty="0" smtClean="0"/>
+              <a:t>Event source</a:t>
+            </a:r>
+          </a:p>
+          <a:p>
+            <a:r>
+              <a:rPr lang="en-US" dirty="0" smtClean="0"/>
+              <a:t>Data binding target </a:t>
+            </a:r>
+            <a:r>
+              <a:rPr lang="en-US" dirty="0" smtClean="0"/>
+              <a:t>(model </a:t>
+            </a:r>
+            <a:r>
+              <a:rPr lang="en-US" dirty="0" smtClean="0"/>
+              <a:t>is the </a:t>
+            </a:r>
+            <a:r>
+              <a:rPr lang="en-US" dirty="0" err="1" smtClean="0"/>
+              <a:t>DataContext</a:t>
+            </a:r>
+            <a:r>
+              <a:rPr lang="en-US" dirty="0" smtClean="0"/>
+              <a:t>)</a:t>
+            </a:r>
+          </a:p>
+          <a:p>
+            <a:r>
+              <a:rPr lang="en-US" dirty="0" smtClean="0"/>
+              <a:t>F</a:t>
+            </a:r>
+            <a:r>
+              <a:rPr lang="en-US" dirty="0" smtClean="0"/>
+              <a:t># support for .NET events makes experience really smooth</a:t>
+            </a:r>
+          </a:p>
+          <a:p>
+            <a:r>
+              <a:rPr lang="en-US" dirty="0" smtClean="0"/>
+              <a:t>DU is better than </a:t>
+            </a:r>
+            <a:r>
+              <a:rPr lang="en-US" dirty="0" err="1" smtClean="0"/>
+              <a:t>Enum</a:t>
+            </a:r>
+            <a:r>
+              <a:rPr lang="en-US" dirty="0" smtClean="0"/>
+              <a:t> (pattern matching, extra state)</a:t>
+            </a:r>
+            <a:endParaRPr lang="en-US" dirty="0"/>
+          </a:p>
+        </p:txBody>
+      </p:sp>
+      <p:sp>
+        <p:nvSpPr>
+          <p:cNvPr id="7" name="Rectangle 6"/>
+          <p:cNvSpPr/>
+          <p:nvPr/>
+        </p:nvSpPr>
+        <p:spPr>
+          <a:xfrm>
+            <a:off x="1141413" y="1903561"/>
+            <a:ext cx="9905999" cy="1200329"/>
+          </a:xfrm>
+          <a:prstGeom prst="rect">
+            <a:avLst/>
+          </a:prstGeom>
+          <a:solidFill>
+            <a:schemeClr val="tx1"/>
+          </a:solidFill>
+        </p:spPr>
+        <p:txBody>
+          <a:bodyPr wrap="square">
+            <a:spAutoFit/>
+          </a:bodyPr>
+          <a:lstStyle/>
+          <a:p>
+            <a:r>
+              <a:rPr lang="en-US" dirty="0">
+                <a:solidFill>
+                  <a:srgbClr val="0000FF"/>
+                </a:solidFill>
+                <a:latin typeface="Consolas" panose="020B0609020204030204" pitchFamily="49" charset="0"/>
+              </a:rPr>
+              <a:t>type</a:t>
+            </a:r>
+            <a:r>
+              <a:rPr lang="en-US" dirty="0">
+                <a:solidFill>
+                  <a:prstClr val="black"/>
+                </a:solidFill>
+                <a:latin typeface="Consolas" panose="020B0609020204030204" pitchFamily="49" charset="0"/>
+              </a:rPr>
+              <a:t> IView&lt;'Events&gt; =</a:t>
+            </a:r>
+          </a:p>
+          <a:p>
+            <a:r>
+              <a:rPr lang="en-US" dirty="0">
+                <a:solidFill>
+                  <a:prstClr val="black"/>
+                </a:solidFill>
+                <a:latin typeface="Consolas" panose="020B0609020204030204" pitchFamily="49" charset="0"/>
+              </a:rPr>
+              <a:t>    </a:t>
+            </a:r>
+            <a:r>
+              <a:rPr lang="en-US" dirty="0">
+                <a:solidFill>
+                  <a:srgbClr val="0000FF"/>
+                </a:solidFill>
+                <a:latin typeface="Consolas" panose="020B0609020204030204" pitchFamily="49" charset="0"/>
+              </a:rPr>
+              <a:t>inherit</a:t>
+            </a:r>
+            <a:r>
+              <a:rPr lang="en-US" dirty="0">
+                <a:solidFill>
+                  <a:prstClr val="black"/>
+                </a:solidFill>
+                <a:latin typeface="Consolas" panose="020B0609020204030204" pitchFamily="49" charset="0"/>
+              </a:rPr>
+              <a:t> IObservable&lt;'Events&gt;</a:t>
+            </a:r>
+          </a:p>
+          <a:p>
+            <a:endParaRPr lang="en-US" dirty="0">
+              <a:solidFill>
+                <a:prstClr val="black"/>
+              </a:solidFill>
+              <a:latin typeface="Consolas" panose="020B0609020204030204" pitchFamily="49" charset="0"/>
+            </a:endParaRPr>
+          </a:p>
+          <a:p>
+            <a:r>
+              <a:rPr lang="en-US" dirty="0">
+                <a:solidFill>
+                  <a:prstClr val="black"/>
+                </a:solidFill>
+                <a:latin typeface="Consolas" panose="020B0609020204030204" pitchFamily="49" charset="0"/>
+              </a:rPr>
+              <a:t>    </a:t>
+            </a:r>
+            <a:r>
+              <a:rPr lang="en-US" dirty="0">
+                <a:solidFill>
+                  <a:srgbClr val="0000FF"/>
+                </a:solidFill>
+                <a:latin typeface="Consolas" panose="020B0609020204030204" pitchFamily="49" charset="0"/>
+              </a:rPr>
+              <a:t>abstract</a:t>
+            </a:r>
+            <a:r>
+              <a:rPr lang="en-US" dirty="0">
+                <a:solidFill>
+                  <a:prstClr val="black"/>
+                </a:solidFill>
+                <a:latin typeface="Consolas" panose="020B0609020204030204" pitchFamily="49" charset="0"/>
+              </a:rPr>
+              <a:t> SetBindings : obj </a:t>
+            </a:r>
+            <a:r>
+              <a:rPr lang="en-US" dirty="0">
+                <a:solidFill>
+                  <a:srgbClr val="0000FF"/>
+                </a:solidFill>
+                <a:latin typeface="Consolas" panose="020B0609020204030204" pitchFamily="49" charset="0"/>
+              </a:rPr>
+              <a:t>-&gt;</a:t>
+            </a:r>
+            <a:r>
+              <a:rPr lang="en-US" dirty="0">
+                <a:solidFill>
+                  <a:prstClr val="black"/>
+                </a:solidFill>
+                <a:latin typeface="Consolas" panose="020B0609020204030204" pitchFamily="49" charset="0"/>
+              </a:rPr>
+              <a:t> unit</a:t>
+            </a:r>
+          </a:p>
+        </p:txBody>
+      </p:sp>
+    </p:spTree>
+    <p:extLst>
+      <p:ext uri="{BB962C8B-B14F-4D97-AF65-F5344CB8AC3E}">
+        <p14:creationId xmlns:p14="http://schemas.microsoft.com/office/powerpoint/2010/main" val="3687811577"/>
+      </p:ext>
+    </p:extLst>
+  </p:cSld>
+  <p:clrMapOvr>
+    <a:masterClrMapping/>
+  </p:clrMapOvr>
+  <p:timing>
+    <p:tnLst>
+      <p:par>
+        <p:cTn id="1" dur="indefinite" restart="never" nodeType="tmRoot"/>
+      </p:par>
+    </p:tnLst>
+  </p:timing>
+</p:sld>
+</file>
+
+<file path=ppt/slides/slide7.xml><?xml version="1.0" encoding="utf-8"?>
+<p:sld xmlns:a="http://schemas.openxmlformats.org/drawingml/2006/main" xmlns:r="http://schemas.openxmlformats.org/officeDocument/2006/relationships" xmlns:p="http://schemas.openxmlformats.org/presentationml/2006/main">
+  <p:cSld>
+    <p:spTree>
+      <p:nvGrpSpPr>
+        <p:cNvPr id="1" name=""/>
+        <p:cNvGrpSpPr/>
+        <p:nvPr/>
+      </p:nvGrpSpPr>
+      <p:grpSpPr>
+        <a:xfrm>
+          <a:off x="0" y="0"/>
+          <a:ext cx="0" cy="0"/>
+          <a:chOff x="0" y="0"/>
+          <a:chExt cx="0" cy="0"/>
+        </a:xfrm>
+      </p:grpSpPr>
+      <p:sp>
+        <p:nvSpPr>
+          <p:cNvPr id="2" name="Title 1"/>
+          <p:cNvSpPr>
+            <a:spLocks noGrp="1"/>
+          </p:cNvSpPr>
+          <p:nvPr>
+            <p:ph type="title"/>
+          </p:nvPr>
+        </p:nvSpPr>
+        <p:spPr/>
+        <p:txBody>
+          <a:bodyPr/>
+          <a:lstStyle/>
+          <a:p>
+            <a:r>
+              <a:rPr lang="en-US" dirty="0" smtClean="0"/>
+              <a:t>Model – </a:t>
+            </a:r>
+            <a:r>
+              <a:rPr lang="en-US" cap="none" dirty="0" smtClean="0"/>
+              <a:t>subset of view state</a:t>
+            </a:r>
+            <a:endParaRPr lang="en-US" cap="none" dirty="0"/>
+          </a:p>
+        </p:txBody>
+      </p:sp>
+      <p:sp>
+        <p:nvSpPr>
+          <p:cNvPr id="3" name="Content Placeholder 2"/>
+          <p:cNvSpPr>
+            <a:spLocks noGrp="1"/>
+          </p:cNvSpPr>
+          <p:nvPr>
+            <p:ph idx="1"/>
+          </p:nvPr>
+        </p:nvSpPr>
+        <p:spPr/>
+        <p:txBody>
+          <a:bodyPr/>
+          <a:lstStyle/>
+          <a:p>
+            <a:endParaRPr lang="en-US" dirty="0"/>
+          </a:p>
+        </p:txBody>
+      </p:sp>
+      <p:sp>
+        <p:nvSpPr>
+          <p:cNvPr id="8" name="Rectangle 7"/>
+          <p:cNvSpPr/>
+          <p:nvPr/>
+        </p:nvSpPr>
+        <p:spPr>
+          <a:xfrm>
+            <a:off x="1958196" y="2820838"/>
+            <a:ext cx="3657600" cy="2743200"/>
+          </a:xfrm>
+          <a:prstGeom prst="rect">
+            <a:avLst/>
+          </a:prstGeom>
+        </p:spPr>
+        <p:style>
+          <a:lnRef idx="2">
+            <a:schemeClr val="accent1">
+              <a:shade val="50000"/>
+            </a:schemeClr>
+          </a:lnRef>
+          <a:fillRef idx="1">
+            <a:schemeClr val="accent1"/>
+          </a:fillRef>
+          <a:effectRef idx="0">
+            <a:schemeClr val="accent1"/>
+          </a:effectRef>
+          <a:fontRef idx="minor">
+            <a:schemeClr val="lt1"/>
+          </a:fontRef>
+        </p:style>
+        <p:txBody>
+          <a:bodyPr rtlCol="0" anchor="ctr"/>
+          <a:lstStyle/>
+          <a:p>
+            <a:pPr algn="ctr"/>
+            <a:r>
+              <a:rPr lang="en-US" dirty="0" smtClean="0"/>
+              <a:t>View</a:t>
+            </a:r>
+            <a:endParaRPr lang="en-US" dirty="0"/>
+          </a:p>
+        </p:txBody>
+      </p:sp>
+      <p:sp>
+        <p:nvSpPr>
+          <p:cNvPr id="10" name="Rectangle 9"/>
+          <p:cNvSpPr/>
+          <p:nvPr/>
+        </p:nvSpPr>
+        <p:spPr>
+          <a:xfrm>
+            <a:off x="6169338" y="2833661"/>
+            <a:ext cx="1441510" cy="1189831"/>
+          </a:xfrm>
+          <a:prstGeom prst="rect">
+            <a:avLst/>
+          </a:prstGeom>
+          <a:effectLst>
+            <a:glow>
+              <a:schemeClr val="accent1">
+                <a:alpha val="40000"/>
+              </a:schemeClr>
+            </a:glow>
+            <a:outerShdw blurRad="38100" dist="2540000" dir="8700000" algn="tr" rotWithShape="0">
+              <a:prstClr val="black">
+                <a:alpha val="40000"/>
+              </a:prstClr>
+            </a:outerShdw>
+          </a:effectLst>
+        </p:spPr>
+        <p:style>
+          <a:lnRef idx="2">
+            <a:schemeClr val="accent1">
+              <a:shade val="50000"/>
+            </a:schemeClr>
+          </a:lnRef>
+          <a:fillRef idx="1">
+            <a:schemeClr val="accent1"/>
+          </a:fillRef>
+          <a:effectRef idx="0">
+            <a:schemeClr val="accent1"/>
+          </a:effectRef>
+          <a:fontRef idx="minor">
+            <a:schemeClr val="lt1"/>
+          </a:fontRef>
+        </p:style>
+        <p:txBody>
+          <a:bodyPr rtlCol="0" anchor="ctr"/>
+          <a:lstStyle/>
+          <a:p>
+            <a:pPr algn="ctr"/>
+            <a:r>
+              <a:rPr lang="en-US" dirty="0" smtClean="0"/>
+              <a:t>Model</a:t>
+            </a:r>
+            <a:endParaRPr lang="en-US" dirty="0"/>
+          </a:p>
+        </p:txBody>
+      </p:sp>
+      <p:cxnSp>
+        <p:nvCxnSpPr>
+          <p:cNvPr id="25" name="Straight Arrow Connector 24"/>
+          <p:cNvCxnSpPr>
+            <a:stCxn id="10" idx="2"/>
+          </p:cNvCxnSpPr>
+          <p:nvPr/>
+        </p:nvCxnSpPr>
+        <p:spPr>
+          <a:xfrm rot="5400000">
+            <a:off x="5742543" y="3786400"/>
+            <a:ext cx="910458" cy="1384642"/>
+          </a:xfrm>
+          <a:prstGeom prst="curvedConnector2">
+            <a:avLst/>
+          </a:prstGeom>
+          <a:ln w="25400" cmpd="sng">
+            <a:solidFill>
+              <a:schemeClr val="tx1"/>
+            </a:solidFill>
+            <a:round/>
+            <a:headEnd type="triangle" w="lg" len="lg"/>
+            <a:tailEnd type="triangle" w="lg" len="lg"/>
+          </a:ln>
+        </p:spPr>
+        <p:style>
+          <a:lnRef idx="1">
+            <a:schemeClr val="accent1"/>
+          </a:lnRef>
+          <a:fillRef idx="0">
+            <a:schemeClr val="accent1"/>
+          </a:fillRef>
+          <a:effectRef idx="0">
+            <a:schemeClr val="accent1"/>
+          </a:effectRef>
+          <a:fontRef idx="minor">
+            <a:schemeClr val="tx1"/>
+          </a:fontRef>
+        </p:style>
+      </p:cxnSp>
+      <p:sp>
+        <p:nvSpPr>
+          <p:cNvPr id="26" name="TextBox 25"/>
+          <p:cNvSpPr txBox="1"/>
+          <p:nvPr/>
+        </p:nvSpPr>
+        <p:spPr>
+          <a:xfrm>
+            <a:off x="6432580" y="4686008"/>
+            <a:ext cx="2028825" cy="369332"/>
+          </a:xfrm>
+          <a:prstGeom prst="rect">
+            <a:avLst/>
+          </a:prstGeom>
+          <a:noFill/>
+        </p:spPr>
+        <p:txBody>
+          <a:bodyPr wrap="square" rtlCol="0">
+            <a:spAutoFit/>
+          </a:bodyPr>
+          <a:lstStyle/>
+          <a:p>
+            <a:r>
+              <a:rPr lang="en-US" dirty="0" smtClean="0"/>
+              <a:t>Data binding</a:t>
+            </a:r>
+            <a:endParaRPr lang="en-US" dirty="0"/>
+          </a:p>
+        </p:txBody>
+      </p:sp>
+    </p:spTree>
+    <p:extLst>
+      <p:ext uri="{BB962C8B-B14F-4D97-AF65-F5344CB8AC3E}">
+        <p14:creationId xmlns:p14="http://schemas.microsoft.com/office/powerpoint/2010/main" val="2071602770"/>
+      </p:ext>
+    </p:extLst>
+  </p:cSld>
+  <p:clrMapOvr>
+    <a:masterClrMapping/>
+  </p:clrMapOvr>
+  <p:timing>
+    <p:tnLst>
+      <p:par>
+        <p:cTn id="1" dur="indefinite" restart="never" nodeType="tmRoot"/>
+      </p:par>
+    </p:tnLst>
+  </p:timing>
+</p:sld>
+</file>
+
+<file path=ppt/slides/slide8.xml><?xml version="1.0" encoding="utf-8"?>
+<p:sld xmlns:a="http://schemas.openxmlformats.org/drawingml/2006/main" xmlns:r="http://schemas.openxmlformats.org/officeDocument/2006/relationships" xmlns:p="http://schemas.openxmlformats.org/presentationml/2006/main">
+  <p:cSld>
+    <p:spTree>
+      <p:nvGrpSpPr>
+        <p:cNvPr id="1" name=""/>
+        <p:cNvGrpSpPr/>
+        <p:nvPr/>
+      </p:nvGrpSpPr>
+      <p:grpSpPr>
+        <a:xfrm>
+          <a:off x="0" y="0"/>
+          <a:ext cx="0" cy="0"/>
+          <a:chOff x="0" y="0"/>
+          <a:chExt cx="0" cy="0"/>
+        </a:xfrm>
+      </p:grpSpPr>
+      <p:sp>
+        <p:nvSpPr>
+          <p:cNvPr id="2" name="Title 1"/>
+          <p:cNvSpPr>
+            <a:spLocks noGrp="1"/>
+          </p:cNvSpPr>
+          <p:nvPr>
+            <p:ph type="title"/>
+          </p:nvPr>
+        </p:nvSpPr>
+        <p:spPr/>
+        <p:txBody>
+          <a:bodyPr/>
+          <a:lstStyle/>
+          <a:p>
+            <a:r>
+              <a:rPr lang="en-US" dirty="0" smtClean="0"/>
+              <a:t>Controller</a:t>
+            </a:r>
+            <a:endParaRPr lang="en-US" dirty="0"/>
+          </a:p>
+        </p:txBody>
+      </p:sp>
+      <p:sp>
+        <p:nvSpPr>
+          <p:cNvPr id="6" name="Rectangle 5"/>
+          <p:cNvSpPr/>
+          <p:nvPr/>
+        </p:nvSpPr>
+        <p:spPr>
+          <a:xfrm>
+            <a:off x="1141413" y="1732687"/>
+            <a:ext cx="9905998" cy="1477328"/>
+          </a:xfrm>
+          <a:prstGeom prst="rect">
+            <a:avLst/>
+          </a:prstGeom>
+          <a:solidFill>
+            <a:schemeClr val="tx1"/>
+          </a:solidFill>
+        </p:spPr>
+        <p:txBody>
+          <a:bodyPr wrap="square">
+            <a:spAutoFit/>
+          </a:bodyPr>
+          <a:lstStyle/>
+          <a:p>
+            <a:r>
+              <a:rPr lang="en-US" dirty="0">
+                <a:solidFill>
+                  <a:srgbClr val="0000FF"/>
+                </a:solidFill>
+                <a:latin typeface="Consolas" panose="020B0609020204030204" pitchFamily="49" charset="0"/>
+              </a:rPr>
+              <a:t>type</a:t>
+            </a:r>
+            <a:r>
+              <a:rPr lang="en-US" dirty="0">
+                <a:solidFill>
+                  <a:prstClr val="black"/>
+                </a:solidFill>
+                <a:latin typeface="Consolas" panose="020B0609020204030204" pitchFamily="49" charset="0"/>
+              </a:rPr>
+              <a:t> </a:t>
+            </a:r>
+            <a:r>
+              <a:rPr lang="en-US" dirty="0" err="1">
+                <a:solidFill>
+                  <a:prstClr val="black"/>
+                </a:solidFill>
+                <a:latin typeface="Consolas" panose="020B0609020204030204" pitchFamily="49" charset="0"/>
+              </a:rPr>
+              <a:t>IController</a:t>
+            </a:r>
+            <a:r>
+              <a:rPr lang="en-US" dirty="0">
+                <a:solidFill>
+                  <a:prstClr val="black"/>
+                </a:solidFill>
+                <a:latin typeface="Consolas" panose="020B0609020204030204" pitchFamily="49" charset="0"/>
+              </a:rPr>
+              <a:t>&lt;'Events, 'Model&gt; =</a:t>
+            </a:r>
+          </a:p>
+          <a:p>
+            <a:endParaRPr lang="en-US" dirty="0">
+              <a:solidFill>
+                <a:prstClr val="black"/>
+              </a:solidFill>
+              <a:latin typeface="Consolas" panose="020B0609020204030204" pitchFamily="49" charset="0"/>
+            </a:endParaRPr>
+          </a:p>
+          <a:p>
+            <a:r>
+              <a:rPr lang="en-US" dirty="0">
+                <a:solidFill>
+                  <a:prstClr val="black"/>
+                </a:solidFill>
+                <a:latin typeface="Consolas" panose="020B0609020204030204" pitchFamily="49" charset="0"/>
+              </a:rPr>
+              <a:t>    </a:t>
+            </a:r>
+            <a:r>
+              <a:rPr lang="en-US" dirty="0">
+                <a:solidFill>
+                  <a:srgbClr val="0000FF"/>
+                </a:solidFill>
+                <a:latin typeface="Consolas" panose="020B0609020204030204" pitchFamily="49" charset="0"/>
+              </a:rPr>
+              <a:t>abstract</a:t>
+            </a:r>
+            <a:r>
+              <a:rPr lang="en-US" dirty="0">
+                <a:solidFill>
+                  <a:prstClr val="black"/>
+                </a:solidFill>
+                <a:latin typeface="Consolas" panose="020B0609020204030204" pitchFamily="49" charset="0"/>
+              </a:rPr>
+              <a:t> </a:t>
+            </a:r>
+            <a:r>
+              <a:rPr lang="en-US" dirty="0" err="1">
+                <a:solidFill>
+                  <a:prstClr val="black"/>
+                </a:solidFill>
+                <a:latin typeface="Consolas" panose="020B0609020204030204" pitchFamily="49" charset="0"/>
+              </a:rPr>
+              <a:t>InitModel</a:t>
+            </a:r>
+            <a:r>
+              <a:rPr lang="en-US" dirty="0">
+                <a:solidFill>
+                  <a:prstClr val="black"/>
+                </a:solidFill>
+                <a:latin typeface="Consolas" panose="020B0609020204030204" pitchFamily="49" charset="0"/>
+              </a:rPr>
+              <a:t> : 'Model </a:t>
+            </a:r>
+            <a:r>
+              <a:rPr lang="en-US" dirty="0">
+                <a:solidFill>
+                  <a:srgbClr val="0000FF"/>
+                </a:solidFill>
+                <a:latin typeface="Consolas" panose="020B0609020204030204" pitchFamily="49" charset="0"/>
+              </a:rPr>
+              <a:t>-&gt;</a:t>
+            </a:r>
+            <a:r>
+              <a:rPr lang="en-US" dirty="0">
+                <a:solidFill>
+                  <a:prstClr val="black"/>
+                </a:solidFill>
+                <a:latin typeface="Consolas" panose="020B0609020204030204" pitchFamily="49" charset="0"/>
+              </a:rPr>
+              <a:t> unit</a:t>
+            </a:r>
+          </a:p>
+          <a:p>
+            <a:r>
+              <a:rPr lang="en-US" dirty="0">
+                <a:solidFill>
+                  <a:prstClr val="black"/>
+                </a:solidFill>
+                <a:latin typeface="Consolas" panose="020B0609020204030204" pitchFamily="49" charset="0"/>
+              </a:rPr>
+              <a:t>    </a:t>
+            </a:r>
+            <a:r>
+              <a:rPr lang="en-US" dirty="0">
+                <a:solidFill>
+                  <a:srgbClr val="0000FF"/>
+                </a:solidFill>
+                <a:latin typeface="Consolas" panose="020B0609020204030204" pitchFamily="49" charset="0"/>
+              </a:rPr>
+              <a:t>abstract</a:t>
+            </a:r>
+            <a:r>
+              <a:rPr lang="en-US" dirty="0">
+                <a:solidFill>
+                  <a:prstClr val="black"/>
+                </a:solidFill>
+                <a:latin typeface="Consolas" panose="020B0609020204030204" pitchFamily="49" charset="0"/>
+              </a:rPr>
+              <a:t> </a:t>
+            </a:r>
+            <a:r>
+              <a:rPr lang="en-US" dirty="0" err="1">
+                <a:solidFill>
+                  <a:prstClr val="black"/>
+                </a:solidFill>
+                <a:latin typeface="Consolas" panose="020B0609020204030204" pitchFamily="49" charset="0"/>
+              </a:rPr>
+              <a:t>EventHandler</a:t>
+            </a:r>
+            <a:r>
+              <a:rPr lang="en-US" dirty="0">
+                <a:solidFill>
+                  <a:prstClr val="black"/>
+                </a:solidFill>
+                <a:latin typeface="Consolas" panose="020B0609020204030204" pitchFamily="49" charset="0"/>
+              </a:rPr>
+              <a:t> : ('Events </a:t>
+            </a:r>
+            <a:r>
+              <a:rPr lang="en-US" dirty="0">
+                <a:solidFill>
+                  <a:srgbClr val="0000FF"/>
+                </a:solidFill>
+                <a:latin typeface="Consolas" panose="020B0609020204030204" pitchFamily="49" charset="0"/>
+              </a:rPr>
+              <a:t>-&gt;</a:t>
+            </a:r>
+            <a:r>
+              <a:rPr lang="en-US" dirty="0">
+                <a:solidFill>
+                  <a:prstClr val="black"/>
+                </a:solidFill>
+                <a:latin typeface="Consolas" panose="020B0609020204030204" pitchFamily="49" charset="0"/>
+              </a:rPr>
+              <a:t> 'Model </a:t>
+            </a:r>
+            <a:r>
+              <a:rPr lang="en-US" dirty="0">
+                <a:solidFill>
+                  <a:srgbClr val="0000FF"/>
+                </a:solidFill>
+                <a:latin typeface="Consolas" panose="020B0609020204030204" pitchFamily="49" charset="0"/>
+              </a:rPr>
+              <a:t>-&gt;</a:t>
+            </a:r>
+            <a:r>
+              <a:rPr lang="en-US" dirty="0">
+                <a:solidFill>
+                  <a:prstClr val="black"/>
+                </a:solidFill>
+                <a:latin typeface="Consolas" panose="020B0609020204030204" pitchFamily="49" charset="0"/>
+              </a:rPr>
+              <a:t> unit)</a:t>
+            </a:r>
+          </a:p>
+          <a:p>
+            <a:endParaRPr lang="en-US" dirty="0">
+              <a:solidFill>
+                <a:prstClr val="black"/>
+              </a:solidFill>
+              <a:latin typeface="Consolas" panose="020B0609020204030204" pitchFamily="49" charset="0"/>
+            </a:endParaRPr>
+          </a:p>
+        </p:txBody>
+      </p:sp>
+    </p:spTree>
+    <p:extLst>
+      <p:ext uri="{BB962C8B-B14F-4D97-AF65-F5344CB8AC3E}">
+        <p14:creationId xmlns:p14="http://schemas.microsoft.com/office/powerpoint/2010/main" val="2657432877"/>
+      </p:ext>
+    </p:extLst>
+  </p:cSld>
+  <p:clrMapOvr>
+    <a:masterClrMapping/>
+  </p:clrMapOvr>
+  <p:timing>
+    <p:tnLst>
+      <p:par>
+        <p:cTn id="1" dur="indefinite" restart="never" nodeType="tmRoot"/>
+      </p:par>
+    </p:tnLst>
+  </p:timing>
+</p:sld>
+</file>
+
+<file path=ppt/slides/slide9.xml><?xml version="1.0" encoding="utf-8"?>
+<p:sld xmlns:a="http://schemas.openxmlformats.org/drawingml/2006/main" xmlns:r="http://schemas.openxmlformats.org/officeDocument/2006/relationships" xmlns:p="http://schemas.openxmlformats.org/presentationml/2006/main">
+  <p:cSld>
+    <p:spTree>
+      <p:nvGrpSpPr>
+        <p:cNvPr id="1" name=""/>
+        <p:cNvGrpSpPr/>
+        <p:nvPr/>
+      </p:nvGrpSpPr>
+      <p:grpSpPr>
+        <a:xfrm>
+          <a:off x="0" y="0"/>
+          <a:ext cx="0" cy="0"/>
+          <a:chOff x="0" y="0"/>
+          <a:chExt cx="0" cy="0"/>
+        </a:xfrm>
+      </p:grpSpPr>
+      <p:sp>
+        <p:nvSpPr>
+          <p:cNvPr id="2" name="Title 1"/>
+          <p:cNvSpPr>
+            <a:spLocks noGrp="1"/>
+          </p:cNvSpPr>
+          <p:nvPr>
+            <p:ph type="title"/>
+          </p:nvPr>
+        </p:nvSpPr>
+        <p:spPr>
+          <a:xfrm>
             <a:off x="1397479" y="256213"/>
             <a:ext cx="9649932" cy="822093"/>
           </a:xfrm>
@@ -12704,4569 +16999,6 @@
     <p:extLst>
       <p:ext uri="{BB962C8B-B14F-4D97-AF65-F5344CB8AC3E}">
         <p14:creationId xmlns:p14="http://schemas.microsoft.com/office/powerpoint/2010/main" val="3483119536"/>
-      </p:ext>
-    </p:extLst>
-  </p:cSld>
-  <p:clrMapOvr>
-    <a:masterClrMapping/>
-  </p:clrMapOvr>
-  <p:timing>
-    <p:tnLst>
-      <p:par>
-        <p:cTn id="1" dur="indefinite" restart="never" nodeType="tmRoot"/>
-      </p:par>
-    </p:tnLst>
-  </p:timing>
-</p:sld>
-</file>
-
-<file path=ppt/slides/slide11.xml><?xml version="1.0" encoding="utf-8"?>
-<p:sld xmlns:a="http://schemas.openxmlformats.org/drawingml/2006/main" xmlns:r="http://schemas.openxmlformats.org/officeDocument/2006/relationships" xmlns:p="http://schemas.openxmlformats.org/presentationml/2006/main">
-  <p:cSld>
-    <p:spTree>
-      <p:nvGrpSpPr>
-        <p:cNvPr id="1" name=""/>
-        <p:cNvGrpSpPr/>
-        <p:nvPr/>
-      </p:nvGrpSpPr>
-      <p:grpSpPr>
-        <a:xfrm>
-          <a:off x="0" y="0"/>
-          <a:ext cx="0" cy="0"/>
-          <a:chOff x="0" y="0"/>
-          <a:chExt cx="0" cy="0"/>
-        </a:xfrm>
-      </p:grpSpPr>
-      <p:sp>
-        <p:nvSpPr>
-          <p:cNvPr id="2" name="Title 1"/>
-          <p:cNvSpPr>
-            <a:spLocks noGrp="1"/>
-          </p:cNvSpPr>
-          <p:nvPr>
-            <p:ph type="title"/>
-          </p:nvPr>
-        </p:nvSpPr>
-        <p:spPr>
-          <a:xfrm>
-            <a:off x="1141412" y="370869"/>
-            <a:ext cx="9905998" cy="829282"/>
-          </a:xfrm>
-        </p:spPr>
-        <p:txBody>
-          <a:bodyPr/>
-          <a:lstStyle/>
-          <a:p>
-            <a:r>
-              <a:rPr lang="en-US" dirty="0" smtClean="0"/>
-              <a:t>Data binding</a:t>
-            </a:r>
-            <a:endParaRPr lang="en-US" dirty="0"/>
-          </a:p>
-        </p:txBody>
-      </p:sp>
-      <p:sp>
-        <p:nvSpPr>
-          <p:cNvPr id="3" name="Content Placeholder 2"/>
-          <p:cNvSpPr>
-            <a:spLocks noGrp="1"/>
-          </p:cNvSpPr>
-          <p:nvPr>
-            <p:ph idx="1"/>
-          </p:nvPr>
-        </p:nvSpPr>
-        <p:spPr>
-          <a:xfrm>
-            <a:off x="1141412" y="4086225"/>
-            <a:ext cx="9905999" cy="1952624"/>
-          </a:xfrm>
-        </p:spPr>
-        <p:txBody>
-          <a:bodyPr>
-            <a:normAutofit/>
-          </a:bodyPr>
-          <a:lstStyle/>
-          <a:p>
-            <a:r>
-              <a:rPr lang="en-US" sz="2000" dirty="0" smtClean="0"/>
-              <a:t>Making implicit dependency explicit</a:t>
-            </a:r>
-          </a:p>
-          <a:p>
-            <a:r>
-              <a:rPr lang="en-US" sz="2000" dirty="0" smtClean="0"/>
-              <a:t>Leveraging F#/.NET type system</a:t>
-            </a:r>
-          </a:p>
-          <a:p>
-            <a:r>
-              <a:rPr lang="en-US" sz="2000" dirty="0" smtClean="0"/>
-              <a:t>Leveraging IDE/compiler</a:t>
-            </a:r>
-          </a:p>
-          <a:p>
-            <a:r>
-              <a:rPr lang="en-US" sz="2000" dirty="0" smtClean="0"/>
-              <a:t>Optional module</a:t>
-            </a:r>
-          </a:p>
-          <a:p>
-            <a:pPr marL="0" indent="0">
-              <a:buNone/>
-            </a:pPr>
-            <a:endParaRPr lang="en-US" sz="2000" dirty="0"/>
-          </a:p>
-        </p:txBody>
-      </p:sp>
-      <p:sp>
-        <p:nvSpPr>
-          <p:cNvPr id="4" name="Rectangle 3"/>
-          <p:cNvSpPr/>
-          <p:nvPr/>
-        </p:nvSpPr>
-        <p:spPr>
-          <a:xfrm>
-            <a:off x="1141411" y="1200151"/>
-            <a:ext cx="9905999" cy="1200329"/>
-          </a:xfrm>
-          <a:prstGeom prst="rect">
-            <a:avLst/>
-          </a:prstGeom>
-          <a:solidFill>
-            <a:schemeClr val="tx1"/>
-          </a:solidFill>
-        </p:spPr>
-        <p:txBody>
-          <a:bodyPr wrap="square">
-            <a:spAutoFit/>
-          </a:bodyPr>
-          <a:lstStyle/>
-          <a:p>
-            <a:r>
-              <a:rPr lang="en-US" dirty="0">
-                <a:solidFill>
-                  <a:srgbClr val="0000FF"/>
-                </a:solidFill>
-                <a:latin typeface="Consolas" panose="020B0609020204030204" pitchFamily="49" charset="0"/>
-              </a:rPr>
-              <a:t>type</a:t>
-            </a:r>
-            <a:r>
-              <a:rPr lang="en-US" dirty="0">
-                <a:solidFill>
-                  <a:prstClr val="black"/>
-                </a:solidFill>
-                <a:latin typeface="Consolas" panose="020B0609020204030204" pitchFamily="49" charset="0"/>
-              </a:rPr>
-              <a:t> IView&lt;'Events, 'Model&gt; =</a:t>
-            </a:r>
-          </a:p>
-          <a:p>
-            <a:r>
-              <a:rPr lang="en-US" dirty="0">
-                <a:solidFill>
-                  <a:prstClr val="black"/>
-                </a:solidFill>
-                <a:latin typeface="Consolas" panose="020B0609020204030204" pitchFamily="49" charset="0"/>
-              </a:rPr>
-              <a:t>    </a:t>
-            </a:r>
-            <a:r>
-              <a:rPr lang="en-US" dirty="0">
-                <a:solidFill>
-                  <a:srgbClr val="0000FF"/>
-                </a:solidFill>
-                <a:latin typeface="Consolas" panose="020B0609020204030204" pitchFamily="49" charset="0"/>
-              </a:rPr>
-              <a:t>inherit</a:t>
-            </a:r>
-            <a:r>
-              <a:rPr lang="en-US" dirty="0">
-                <a:solidFill>
-                  <a:prstClr val="black"/>
-                </a:solidFill>
-                <a:latin typeface="Consolas" panose="020B0609020204030204" pitchFamily="49" charset="0"/>
-              </a:rPr>
-              <a:t> IObservable&lt;'Events&gt;</a:t>
-            </a:r>
-          </a:p>
-          <a:p>
-            <a:endParaRPr lang="en-US" dirty="0">
-              <a:solidFill>
-                <a:prstClr val="black"/>
-              </a:solidFill>
-              <a:latin typeface="Consolas" panose="020B0609020204030204" pitchFamily="49" charset="0"/>
-            </a:endParaRPr>
-          </a:p>
-          <a:p>
-            <a:r>
-              <a:rPr lang="en-US" dirty="0">
-                <a:solidFill>
-                  <a:prstClr val="black"/>
-                </a:solidFill>
-                <a:latin typeface="Consolas" panose="020B0609020204030204" pitchFamily="49" charset="0"/>
-              </a:rPr>
-              <a:t>    </a:t>
-            </a:r>
-            <a:r>
-              <a:rPr lang="en-US" dirty="0">
-                <a:solidFill>
-                  <a:srgbClr val="0000FF"/>
-                </a:solidFill>
-                <a:latin typeface="Consolas" panose="020B0609020204030204" pitchFamily="49" charset="0"/>
-              </a:rPr>
-              <a:t>abstract</a:t>
-            </a:r>
-            <a:r>
-              <a:rPr lang="en-US" dirty="0">
-                <a:solidFill>
-                  <a:prstClr val="black"/>
-                </a:solidFill>
-                <a:latin typeface="Consolas" panose="020B0609020204030204" pitchFamily="49" charset="0"/>
-              </a:rPr>
-              <a:t> SetBindings : 'Model </a:t>
-            </a:r>
-            <a:r>
-              <a:rPr lang="en-US" dirty="0">
-                <a:solidFill>
-                  <a:srgbClr val="0000FF"/>
-                </a:solidFill>
-                <a:latin typeface="Consolas" panose="020B0609020204030204" pitchFamily="49" charset="0"/>
-              </a:rPr>
-              <a:t>-&gt;</a:t>
-            </a:r>
-            <a:r>
-              <a:rPr lang="en-US" dirty="0">
-                <a:solidFill>
-                  <a:prstClr val="black"/>
-                </a:solidFill>
-                <a:latin typeface="Consolas" panose="020B0609020204030204" pitchFamily="49" charset="0"/>
-              </a:rPr>
-              <a:t> unit</a:t>
-            </a:r>
-          </a:p>
-        </p:txBody>
-      </p:sp>
-      <p:sp>
-        <p:nvSpPr>
-          <p:cNvPr id="7" name="Rectangle 6"/>
-          <p:cNvSpPr/>
-          <p:nvPr/>
-        </p:nvSpPr>
-        <p:spPr>
-          <a:xfrm>
-            <a:off x="1141411" y="2678473"/>
-            <a:ext cx="9905999" cy="369332"/>
-          </a:xfrm>
-          <a:prstGeom prst="rect">
-            <a:avLst/>
-          </a:prstGeom>
-          <a:solidFill>
-            <a:schemeClr val="tx1"/>
-          </a:solidFill>
-        </p:spPr>
-        <p:txBody>
-          <a:bodyPr wrap="square">
-            <a:spAutoFit/>
-          </a:bodyPr>
-          <a:lstStyle/>
-          <a:p>
-            <a:r>
-              <a:rPr lang="en-US" dirty="0">
-                <a:solidFill>
-                  <a:schemeClr val="bg1"/>
-                </a:solidFill>
-                <a:latin typeface="Consolas" panose="020B0609020204030204" pitchFamily="49" charset="0"/>
-              </a:rPr>
-              <a:t>&lt;@ </a:t>
-            </a:r>
-            <a:r>
-              <a:rPr lang="en-US" dirty="0" err="1" smtClean="0">
-                <a:solidFill>
-                  <a:schemeClr val="bg1"/>
-                </a:solidFill>
-                <a:latin typeface="Consolas" panose="020B0609020204030204" pitchFamily="49" charset="0"/>
-              </a:rPr>
-              <a:t>textBox.Text</a:t>
-            </a:r>
-            <a:r>
-              <a:rPr lang="en-US" dirty="0" smtClean="0">
-                <a:solidFill>
-                  <a:schemeClr val="bg1"/>
-                </a:solidFill>
-                <a:latin typeface="Consolas" panose="020B0609020204030204" pitchFamily="49" charset="0"/>
-              </a:rPr>
-              <a:t> </a:t>
-            </a:r>
-            <a:r>
-              <a:rPr lang="en-US" dirty="0">
-                <a:solidFill>
-                  <a:schemeClr val="bg1"/>
-                </a:solidFill>
-                <a:latin typeface="Consolas" panose="020B0609020204030204" pitchFamily="49" charset="0"/>
-              </a:rPr>
-              <a:t>&lt;- </a:t>
-            </a:r>
-            <a:r>
-              <a:rPr lang="en-US" dirty="0" err="1" smtClean="0">
-                <a:solidFill>
-                  <a:schemeClr val="bg1"/>
-                </a:solidFill>
-                <a:latin typeface="Consolas" panose="020B0609020204030204" pitchFamily="49" charset="0"/>
-              </a:rPr>
-              <a:t>model.Name</a:t>
-            </a:r>
-            <a:r>
-              <a:rPr lang="en-US" dirty="0" smtClean="0">
-                <a:solidFill>
-                  <a:schemeClr val="bg1"/>
-                </a:solidFill>
-                <a:latin typeface="Consolas" panose="020B0609020204030204" pitchFamily="49" charset="0"/>
-              </a:rPr>
-              <a:t> @&gt;</a:t>
-            </a:r>
-          </a:p>
-        </p:txBody>
-      </p:sp>
-      <p:sp>
-        <p:nvSpPr>
-          <p:cNvPr id="8" name="Rectangle 7"/>
-          <p:cNvSpPr/>
-          <p:nvPr/>
-        </p:nvSpPr>
-        <p:spPr>
-          <a:xfrm>
-            <a:off x="1141411" y="3684113"/>
-            <a:ext cx="9905999" cy="369332"/>
-          </a:xfrm>
-          <a:prstGeom prst="rect">
-            <a:avLst/>
-          </a:prstGeom>
-          <a:solidFill>
-            <a:schemeClr val="tx1"/>
-          </a:solidFill>
-        </p:spPr>
-        <p:txBody>
-          <a:bodyPr wrap="square">
-            <a:spAutoFit/>
-          </a:bodyPr>
-          <a:lstStyle/>
-          <a:p>
-            <a:r>
-              <a:rPr lang="en-US" dirty="0" err="1" smtClean="0">
-                <a:solidFill>
-                  <a:schemeClr val="bg1"/>
-                </a:solidFill>
-                <a:latin typeface="Consolas" panose="020B0609020204030204" pitchFamily="49" charset="0"/>
-              </a:rPr>
-              <a:t>textBox.SetBinding</a:t>
-            </a:r>
-            <a:r>
-              <a:rPr lang="en-US" dirty="0" smtClean="0">
-                <a:solidFill>
-                  <a:schemeClr val="bg1"/>
-                </a:solidFill>
-                <a:latin typeface="Consolas" panose="020B0609020204030204" pitchFamily="49" charset="0"/>
-              </a:rPr>
-              <a:t>(</a:t>
-            </a:r>
-            <a:r>
-              <a:rPr lang="en-US" dirty="0" err="1" smtClean="0">
-                <a:solidFill>
-                  <a:schemeClr val="bg1"/>
-                </a:solidFill>
-                <a:latin typeface="Consolas" panose="020B0609020204030204" pitchFamily="49" charset="0"/>
-              </a:rPr>
-              <a:t>TextBox.TextProperty</a:t>
-            </a:r>
-            <a:r>
-              <a:rPr lang="en-US" dirty="0" smtClean="0">
-                <a:solidFill>
-                  <a:schemeClr val="bg1"/>
-                </a:solidFill>
-                <a:latin typeface="Consolas" panose="020B0609020204030204" pitchFamily="49" charset="0"/>
-              </a:rPr>
-              <a:t>, "Name")</a:t>
-            </a:r>
-          </a:p>
-        </p:txBody>
-      </p:sp>
-      <p:sp>
-        <p:nvSpPr>
-          <p:cNvPr id="6" name="Down Arrow 5"/>
-          <p:cNvSpPr/>
-          <p:nvPr/>
-        </p:nvSpPr>
-        <p:spPr>
-          <a:xfrm>
-            <a:off x="5956297" y="3159729"/>
-            <a:ext cx="276225" cy="367089"/>
-          </a:xfrm>
-          <a:prstGeom prst="downArrow">
-            <a:avLst/>
-          </a:prstGeom>
-        </p:spPr>
-        <p:style>
-          <a:lnRef idx="2">
-            <a:schemeClr val="accent1">
-              <a:shade val="50000"/>
-            </a:schemeClr>
-          </a:lnRef>
-          <a:fillRef idx="1">
-            <a:schemeClr val="accent1"/>
-          </a:fillRef>
-          <a:effectRef idx="0">
-            <a:schemeClr val="accent1"/>
-          </a:effectRef>
-          <a:fontRef idx="minor">
-            <a:schemeClr val="lt1"/>
-          </a:fontRef>
-        </p:style>
-        <p:txBody>
-          <a:bodyPr rtlCol="0" anchor="ctr"/>
-          <a:lstStyle/>
-          <a:p>
-            <a:pPr algn="ctr"/>
-            <a:endParaRPr lang="en-US"/>
-          </a:p>
-        </p:txBody>
-      </p:sp>
-    </p:spTree>
-    <p:extLst>
-      <p:ext uri="{BB962C8B-B14F-4D97-AF65-F5344CB8AC3E}">
-        <p14:creationId xmlns:p14="http://schemas.microsoft.com/office/powerpoint/2010/main" val="15714665"/>
-      </p:ext>
-    </p:extLst>
-  </p:cSld>
-  <p:clrMapOvr>
-    <a:masterClrMapping/>
-  </p:clrMapOvr>
-  <p:timing>
-    <p:tnLst>
-      <p:par>
-        <p:cTn id="1" dur="indefinite" restart="never" nodeType="tmRoot"/>
-      </p:par>
-    </p:tnLst>
-  </p:timing>
-</p:sld>
-</file>
-
-<file path=ppt/slides/slide12.xml><?xml version="1.0" encoding="utf-8"?>
-<p:sld xmlns:a="http://schemas.openxmlformats.org/drawingml/2006/main" xmlns:r="http://schemas.openxmlformats.org/officeDocument/2006/relationships" xmlns:p="http://schemas.openxmlformats.org/presentationml/2006/main">
-  <p:cSld>
-    <p:spTree>
-      <p:nvGrpSpPr>
-        <p:cNvPr id="1" name=""/>
-        <p:cNvGrpSpPr/>
-        <p:nvPr/>
-      </p:nvGrpSpPr>
-      <p:grpSpPr>
-        <a:xfrm>
-          <a:off x="0" y="0"/>
-          <a:ext cx="0" cy="0"/>
-          <a:chOff x="0" y="0"/>
-          <a:chExt cx="0" cy="0"/>
-        </a:xfrm>
-      </p:grpSpPr>
-      <p:sp>
-        <p:nvSpPr>
-          <p:cNvPr id="2" name="Title 1"/>
-          <p:cNvSpPr>
-            <a:spLocks noGrp="1"/>
-          </p:cNvSpPr>
-          <p:nvPr>
-            <p:ph type="title"/>
-          </p:nvPr>
-        </p:nvSpPr>
-        <p:spPr/>
-        <p:txBody>
-          <a:bodyPr/>
-          <a:lstStyle/>
-          <a:p>
-            <a:r>
-              <a:rPr lang="en-US" dirty="0" smtClean="0"/>
-              <a:t>Validation</a:t>
-            </a:r>
-            <a:endParaRPr lang="en-US" dirty="0"/>
-          </a:p>
-        </p:txBody>
-      </p:sp>
-      <p:sp>
-        <p:nvSpPr>
-          <p:cNvPr id="3" name="Content Placeholder 2"/>
-          <p:cNvSpPr>
-            <a:spLocks noGrp="1"/>
-          </p:cNvSpPr>
-          <p:nvPr>
-            <p:ph idx="1"/>
-          </p:nvPr>
-        </p:nvSpPr>
-        <p:spPr/>
-        <p:txBody>
-          <a:bodyPr/>
-          <a:lstStyle/>
-          <a:p>
-            <a:r>
-              <a:rPr lang="en-US" dirty="0" smtClean="0"/>
-              <a:t>Optional module</a:t>
-            </a:r>
-          </a:p>
-          <a:p>
-            <a:r>
-              <a:rPr lang="en-US" dirty="0" smtClean="0"/>
-              <a:t>Statically-typed</a:t>
-            </a:r>
-          </a:p>
-          <a:p>
-            <a:r>
-              <a:rPr lang="en-US" dirty="0" smtClean="0"/>
-              <a:t>Would be verbose without F# language features:</a:t>
-            </a:r>
-          </a:p>
-          <a:p>
-            <a:pPr lvl="1"/>
-            <a:r>
-              <a:rPr lang="en-US" dirty="0" smtClean="0"/>
-              <a:t>Active patterns</a:t>
-            </a:r>
-          </a:p>
-          <a:p>
-            <a:pPr lvl="1"/>
-            <a:r>
-              <a:rPr lang="en-US" dirty="0" smtClean="0"/>
-              <a:t>Explicit member constraints</a:t>
-            </a:r>
-          </a:p>
-          <a:p>
-            <a:pPr lvl="1"/>
-            <a:r>
-              <a:rPr lang="en-US" dirty="0" smtClean="0"/>
-              <a:t>Partial application</a:t>
-            </a:r>
-          </a:p>
-          <a:p>
-            <a:pPr lvl="1"/>
-            <a:endParaRPr lang="en-US" dirty="0"/>
-          </a:p>
-        </p:txBody>
-      </p:sp>
-    </p:spTree>
-    <p:extLst>
-      <p:ext uri="{BB962C8B-B14F-4D97-AF65-F5344CB8AC3E}">
-        <p14:creationId xmlns:p14="http://schemas.microsoft.com/office/powerpoint/2010/main" val="423632660"/>
-      </p:ext>
-    </p:extLst>
-  </p:cSld>
-  <p:clrMapOvr>
-    <a:masterClrMapping/>
-  </p:clrMapOvr>
-  <p:timing>
-    <p:tnLst>
-      <p:par>
-        <p:cTn id="1" dur="indefinite" restart="never" nodeType="tmRoot"/>
-      </p:par>
-    </p:tnLst>
-  </p:timing>
-</p:sld>
-</file>
-
-<file path=ppt/slides/slide13.xml><?xml version="1.0" encoding="utf-8"?>
-<p:sld xmlns:a="http://schemas.openxmlformats.org/drawingml/2006/main" xmlns:r="http://schemas.openxmlformats.org/officeDocument/2006/relationships" xmlns:p="http://schemas.openxmlformats.org/presentationml/2006/main">
-  <p:cSld>
-    <p:spTree>
-      <p:nvGrpSpPr>
-        <p:cNvPr id="1" name=""/>
-        <p:cNvGrpSpPr/>
-        <p:nvPr/>
-      </p:nvGrpSpPr>
-      <p:grpSpPr>
-        <a:xfrm>
-          <a:off x="0" y="0"/>
-          <a:ext cx="0" cy="0"/>
-          <a:chOff x="0" y="0"/>
-          <a:chExt cx="0" cy="0"/>
-        </a:xfrm>
-      </p:grpSpPr>
-      <p:sp>
-        <p:nvSpPr>
-          <p:cNvPr id="2" name="Title 1"/>
-          <p:cNvSpPr>
-            <a:spLocks noGrp="1"/>
-          </p:cNvSpPr>
-          <p:nvPr>
-            <p:ph type="title"/>
-          </p:nvPr>
-        </p:nvSpPr>
-        <p:spPr>
-          <a:xfrm>
-            <a:off x="1476375" y="247044"/>
-            <a:ext cx="9571036" cy="614366"/>
-          </a:xfrm>
-        </p:spPr>
-        <p:txBody>
-          <a:bodyPr/>
-          <a:lstStyle/>
-          <a:p>
-            <a:r>
-              <a:rPr lang="en-US" dirty="0" smtClean="0"/>
-              <a:t>Async</a:t>
-            </a:r>
-            <a:endParaRPr lang="en-US" dirty="0"/>
-          </a:p>
-        </p:txBody>
-      </p:sp>
-      <p:sp>
-        <p:nvSpPr>
-          <p:cNvPr id="9" name="Rectangle 8"/>
-          <p:cNvSpPr/>
-          <p:nvPr/>
-        </p:nvSpPr>
-        <p:spPr>
-          <a:xfrm>
-            <a:off x="1476375" y="892981"/>
-            <a:ext cx="9677399" cy="923330"/>
-          </a:xfrm>
-          <a:prstGeom prst="rect">
-            <a:avLst/>
-          </a:prstGeom>
-          <a:solidFill>
-            <a:schemeClr val="tx1"/>
-          </a:solidFill>
-        </p:spPr>
-        <p:txBody>
-          <a:bodyPr wrap="square">
-            <a:spAutoFit/>
-          </a:bodyPr>
-          <a:lstStyle/>
-          <a:p>
-            <a:r>
-              <a:rPr lang="en-US" dirty="0">
-                <a:solidFill>
-                  <a:srgbClr val="0000FF"/>
-                </a:solidFill>
-                <a:latin typeface="Consolas" panose="020B0609020204030204" pitchFamily="49" charset="0"/>
-              </a:rPr>
-              <a:t>type</a:t>
-            </a:r>
-            <a:r>
-              <a:rPr lang="en-US" dirty="0">
-                <a:solidFill>
-                  <a:prstClr val="black"/>
-                </a:solidFill>
-                <a:latin typeface="Consolas" panose="020B0609020204030204" pitchFamily="49" charset="0"/>
-              </a:rPr>
-              <a:t> IController&lt;'Event, 'Model&gt; =</a:t>
-            </a:r>
-          </a:p>
-          <a:p>
-            <a:r>
-              <a:rPr lang="en-US" dirty="0" smtClean="0">
-                <a:solidFill>
-                  <a:prstClr val="black"/>
-                </a:solidFill>
-                <a:latin typeface="Consolas" panose="020B0609020204030204" pitchFamily="49" charset="0"/>
-              </a:rPr>
-              <a:t>    </a:t>
-            </a:r>
-            <a:r>
-              <a:rPr lang="en-US" dirty="0">
-                <a:solidFill>
-                  <a:srgbClr val="0000FF"/>
-                </a:solidFill>
-                <a:latin typeface="Consolas" panose="020B0609020204030204" pitchFamily="49" charset="0"/>
-              </a:rPr>
-              <a:t>abstract</a:t>
-            </a:r>
-            <a:r>
-              <a:rPr lang="en-US" dirty="0">
-                <a:solidFill>
-                  <a:prstClr val="black"/>
-                </a:solidFill>
-                <a:latin typeface="Consolas" panose="020B0609020204030204" pitchFamily="49" charset="0"/>
-              </a:rPr>
-              <a:t> InitModel : 'Model </a:t>
-            </a:r>
-            <a:r>
-              <a:rPr lang="en-US" dirty="0">
-                <a:solidFill>
-                  <a:srgbClr val="0000FF"/>
-                </a:solidFill>
-                <a:latin typeface="Consolas" panose="020B0609020204030204" pitchFamily="49" charset="0"/>
-              </a:rPr>
-              <a:t>-&gt;</a:t>
-            </a:r>
-            <a:r>
-              <a:rPr lang="en-US" dirty="0">
-                <a:solidFill>
-                  <a:prstClr val="black"/>
-                </a:solidFill>
-                <a:latin typeface="Consolas" panose="020B0609020204030204" pitchFamily="49" charset="0"/>
-              </a:rPr>
-              <a:t> unit</a:t>
-            </a:r>
-          </a:p>
-          <a:p>
-            <a:r>
-              <a:rPr lang="en-US" dirty="0">
-                <a:solidFill>
-                  <a:prstClr val="black"/>
-                </a:solidFill>
-                <a:latin typeface="Consolas" panose="020B0609020204030204" pitchFamily="49" charset="0"/>
-              </a:rPr>
-              <a:t>    </a:t>
-            </a:r>
-            <a:r>
-              <a:rPr lang="en-US" dirty="0">
-                <a:solidFill>
-                  <a:srgbClr val="0000FF"/>
-                </a:solidFill>
-                <a:latin typeface="Consolas" panose="020B0609020204030204" pitchFamily="49" charset="0"/>
-              </a:rPr>
-              <a:t>abstract</a:t>
-            </a:r>
-            <a:r>
-              <a:rPr lang="en-US" dirty="0">
-                <a:solidFill>
-                  <a:prstClr val="black"/>
-                </a:solidFill>
-                <a:latin typeface="Consolas" panose="020B0609020204030204" pitchFamily="49" charset="0"/>
-              </a:rPr>
-              <a:t> </a:t>
-            </a:r>
-            <a:r>
-              <a:rPr lang="en-US" dirty="0" smtClean="0">
-                <a:solidFill>
-                  <a:prstClr val="black"/>
-                </a:solidFill>
-                <a:latin typeface="Consolas" panose="020B0609020204030204" pitchFamily="49" charset="0"/>
-              </a:rPr>
-              <a:t>EventHandler </a:t>
-            </a:r>
-            <a:r>
-              <a:rPr lang="en-US" dirty="0">
-                <a:solidFill>
-                  <a:prstClr val="black"/>
-                </a:solidFill>
-                <a:latin typeface="Consolas" panose="020B0609020204030204" pitchFamily="49" charset="0"/>
-              </a:rPr>
-              <a:t>: ('Event </a:t>
-            </a:r>
-            <a:r>
-              <a:rPr lang="en-US" dirty="0">
-                <a:solidFill>
-                  <a:srgbClr val="0000FF"/>
-                </a:solidFill>
-                <a:latin typeface="Consolas" panose="020B0609020204030204" pitchFamily="49" charset="0"/>
-              </a:rPr>
-              <a:t>-&gt;</a:t>
-            </a:r>
-            <a:r>
-              <a:rPr lang="en-US" dirty="0">
-                <a:solidFill>
-                  <a:prstClr val="black"/>
-                </a:solidFill>
-                <a:latin typeface="Consolas" panose="020B0609020204030204" pitchFamily="49" charset="0"/>
-              </a:rPr>
-              <a:t> 'Model </a:t>
-            </a:r>
-            <a:r>
-              <a:rPr lang="en-US" dirty="0">
-                <a:solidFill>
-                  <a:srgbClr val="0000FF"/>
-                </a:solidFill>
-                <a:latin typeface="Consolas" panose="020B0609020204030204" pitchFamily="49" charset="0"/>
-              </a:rPr>
-              <a:t>-&gt;</a:t>
-            </a:r>
-            <a:r>
-              <a:rPr lang="en-US" dirty="0">
-                <a:solidFill>
-                  <a:prstClr val="black"/>
-                </a:solidFill>
-                <a:latin typeface="Consolas" panose="020B0609020204030204" pitchFamily="49" charset="0"/>
-              </a:rPr>
-              <a:t> unit)</a:t>
-            </a:r>
-          </a:p>
-        </p:txBody>
-      </p:sp>
-      <p:sp>
-        <p:nvSpPr>
-          <p:cNvPr id="10" name="Rectangle 9"/>
-          <p:cNvSpPr/>
-          <p:nvPr/>
-        </p:nvSpPr>
-        <p:spPr>
-          <a:xfrm>
-            <a:off x="1476375" y="4432716"/>
-            <a:ext cx="9677399" cy="2031325"/>
-          </a:xfrm>
-          <a:prstGeom prst="rect">
-            <a:avLst/>
-          </a:prstGeom>
-          <a:solidFill>
-            <a:schemeClr val="tx1"/>
-          </a:solidFill>
-        </p:spPr>
-        <p:txBody>
-          <a:bodyPr wrap="square">
-            <a:spAutoFit/>
-          </a:bodyPr>
-          <a:lstStyle/>
-          <a:p>
-            <a:r>
-              <a:rPr lang="en-US" dirty="0">
-                <a:solidFill>
-                  <a:srgbClr val="0000FF"/>
-                </a:solidFill>
-                <a:latin typeface="Consolas" panose="020B0609020204030204" pitchFamily="49" charset="0"/>
-              </a:rPr>
-              <a:t>type</a:t>
-            </a:r>
-            <a:r>
-              <a:rPr lang="en-US" dirty="0">
-                <a:solidFill>
-                  <a:prstClr val="black"/>
-                </a:solidFill>
-                <a:latin typeface="Consolas" panose="020B0609020204030204" pitchFamily="49" charset="0"/>
-              </a:rPr>
-              <a:t> EventHandler&lt;'Model&gt; = </a:t>
-            </a:r>
-          </a:p>
-          <a:p>
-            <a:r>
-              <a:rPr lang="en-US" dirty="0">
-                <a:solidFill>
-                  <a:prstClr val="black"/>
-                </a:solidFill>
-                <a:latin typeface="Consolas" panose="020B0609020204030204" pitchFamily="49" charset="0"/>
-              </a:rPr>
-              <a:t>    | Sync </a:t>
-            </a:r>
-            <a:r>
-              <a:rPr lang="en-US" dirty="0">
-                <a:solidFill>
-                  <a:srgbClr val="0000FF"/>
-                </a:solidFill>
-                <a:latin typeface="Consolas" panose="020B0609020204030204" pitchFamily="49" charset="0"/>
-              </a:rPr>
-              <a:t>of</a:t>
-            </a:r>
-            <a:r>
-              <a:rPr lang="en-US" dirty="0">
-                <a:solidFill>
-                  <a:prstClr val="black"/>
-                </a:solidFill>
-                <a:latin typeface="Consolas" panose="020B0609020204030204" pitchFamily="49" charset="0"/>
-              </a:rPr>
-              <a:t> ('Model </a:t>
-            </a:r>
-            <a:r>
-              <a:rPr lang="en-US" dirty="0">
-                <a:solidFill>
-                  <a:srgbClr val="0000FF"/>
-                </a:solidFill>
-                <a:latin typeface="Consolas" panose="020B0609020204030204" pitchFamily="49" charset="0"/>
-              </a:rPr>
-              <a:t>-&gt;</a:t>
-            </a:r>
-            <a:r>
-              <a:rPr lang="en-US" dirty="0">
-                <a:solidFill>
-                  <a:prstClr val="black"/>
-                </a:solidFill>
-                <a:latin typeface="Consolas" panose="020B0609020204030204" pitchFamily="49" charset="0"/>
-              </a:rPr>
-              <a:t> unit)</a:t>
-            </a:r>
-          </a:p>
-          <a:p>
-            <a:r>
-              <a:rPr lang="en-US" dirty="0">
-                <a:solidFill>
-                  <a:prstClr val="black"/>
-                </a:solidFill>
-                <a:latin typeface="Consolas" panose="020B0609020204030204" pitchFamily="49" charset="0"/>
-              </a:rPr>
-              <a:t>    | Async </a:t>
-            </a:r>
-            <a:r>
-              <a:rPr lang="en-US" dirty="0">
-                <a:solidFill>
-                  <a:srgbClr val="0000FF"/>
-                </a:solidFill>
-                <a:latin typeface="Consolas" panose="020B0609020204030204" pitchFamily="49" charset="0"/>
-              </a:rPr>
-              <a:t>of</a:t>
-            </a:r>
-            <a:r>
-              <a:rPr lang="en-US" dirty="0">
-                <a:solidFill>
-                  <a:prstClr val="black"/>
-                </a:solidFill>
-                <a:latin typeface="Consolas" panose="020B0609020204030204" pitchFamily="49" charset="0"/>
-              </a:rPr>
-              <a:t> ('Model </a:t>
-            </a:r>
-            <a:r>
-              <a:rPr lang="en-US" dirty="0">
-                <a:solidFill>
-                  <a:srgbClr val="0000FF"/>
-                </a:solidFill>
-                <a:latin typeface="Consolas" panose="020B0609020204030204" pitchFamily="49" charset="0"/>
-              </a:rPr>
-              <a:t>-&gt;</a:t>
-            </a:r>
-            <a:r>
-              <a:rPr lang="en-US" dirty="0">
-                <a:solidFill>
-                  <a:prstClr val="black"/>
-                </a:solidFill>
-                <a:latin typeface="Consolas" panose="020B0609020204030204" pitchFamily="49" charset="0"/>
-              </a:rPr>
-              <a:t> Async&lt;unit&gt;)</a:t>
-            </a:r>
-          </a:p>
-          <a:p>
-            <a:endParaRPr lang="en-US" dirty="0">
-              <a:solidFill>
-                <a:prstClr val="black"/>
-              </a:solidFill>
-              <a:latin typeface="Consolas" panose="020B0609020204030204" pitchFamily="49" charset="0"/>
-            </a:endParaRPr>
-          </a:p>
-          <a:p>
-            <a:r>
-              <a:rPr lang="en-US" dirty="0">
-                <a:solidFill>
-                  <a:srgbClr val="0000FF"/>
-                </a:solidFill>
-                <a:latin typeface="Consolas" panose="020B0609020204030204" pitchFamily="49" charset="0"/>
-              </a:rPr>
-              <a:t>type</a:t>
-            </a:r>
-            <a:r>
-              <a:rPr lang="en-US" dirty="0">
-                <a:solidFill>
-                  <a:prstClr val="black"/>
-                </a:solidFill>
-                <a:latin typeface="Consolas" panose="020B0609020204030204" pitchFamily="49" charset="0"/>
-              </a:rPr>
-              <a:t> IController&lt;'Events, 'Model&gt; =</a:t>
-            </a:r>
-          </a:p>
-          <a:p>
-            <a:r>
-              <a:rPr lang="en-US" dirty="0" smtClean="0">
-                <a:solidFill>
-                  <a:prstClr val="black"/>
-                </a:solidFill>
-                <a:latin typeface="Consolas" panose="020B0609020204030204" pitchFamily="49" charset="0"/>
-              </a:rPr>
-              <a:t>    </a:t>
-            </a:r>
-            <a:r>
-              <a:rPr lang="en-US" dirty="0">
-                <a:solidFill>
-                  <a:srgbClr val="0000FF"/>
-                </a:solidFill>
-                <a:latin typeface="Consolas" panose="020B0609020204030204" pitchFamily="49" charset="0"/>
-              </a:rPr>
-              <a:t>abstract</a:t>
-            </a:r>
-            <a:r>
-              <a:rPr lang="en-US" dirty="0">
-                <a:solidFill>
-                  <a:prstClr val="black"/>
-                </a:solidFill>
-                <a:latin typeface="Consolas" panose="020B0609020204030204" pitchFamily="49" charset="0"/>
-              </a:rPr>
-              <a:t> InitModel : 'Model </a:t>
-            </a:r>
-            <a:r>
-              <a:rPr lang="en-US" dirty="0">
-                <a:solidFill>
-                  <a:srgbClr val="0000FF"/>
-                </a:solidFill>
-                <a:latin typeface="Consolas" panose="020B0609020204030204" pitchFamily="49" charset="0"/>
-              </a:rPr>
-              <a:t>-&gt;</a:t>
-            </a:r>
-            <a:r>
-              <a:rPr lang="en-US" dirty="0">
-                <a:solidFill>
-                  <a:prstClr val="black"/>
-                </a:solidFill>
-                <a:latin typeface="Consolas" panose="020B0609020204030204" pitchFamily="49" charset="0"/>
-              </a:rPr>
-              <a:t> unit</a:t>
-            </a:r>
-          </a:p>
-          <a:p>
-            <a:r>
-              <a:rPr lang="en-US" dirty="0">
-                <a:solidFill>
-                  <a:prstClr val="black"/>
-                </a:solidFill>
-                <a:latin typeface="Consolas" panose="020B0609020204030204" pitchFamily="49" charset="0"/>
-              </a:rPr>
-              <a:t>    </a:t>
-            </a:r>
-            <a:r>
-              <a:rPr lang="en-US" dirty="0">
-                <a:solidFill>
-                  <a:srgbClr val="0000FF"/>
-                </a:solidFill>
-                <a:latin typeface="Consolas" panose="020B0609020204030204" pitchFamily="49" charset="0"/>
-              </a:rPr>
-              <a:t>abstract</a:t>
-            </a:r>
-            <a:r>
-              <a:rPr lang="en-US" dirty="0">
-                <a:solidFill>
-                  <a:prstClr val="black"/>
-                </a:solidFill>
-                <a:latin typeface="Consolas" panose="020B0609020204030204" pitchFamily="49" charset="0"/>
-              </a:rPr>
-              <a:t> Dispatcher : ('Events </a:t>
-            </a:r>
-            <a:r>
-              <a:rPr lang="en-US" dirty="0">
-                <a:solidFill>
-                  <a:srgbClr val="0000FF"/>
-                </a:solidFill>
-                <a:latin typeface="Consolas" panose="020B0609020204030204" pitchFamily="49" charset="0"/>
-              </a:rPr>
-              <a:t>-&gt;</a:t>
-            </a:r>
-            <a:r>
-              <a:rPr lang="en-US" dirty="0">
-                <a:solidFill>
-                  <a:prstClr val="black"/>
-                </a:solidFill>
-                <a:latin typeface="Consolas" panose="020B0609020204030204" pitchFamily="49" charset="0"/>
-              </a:rPr>
-              <a:t> EventHandler&lt;'Model&gt;)</a:t>
-            </a:r>
-          </a:p>
-        </p:txBody>
-      </p:sp>
-      <p:sp>
-        <p:nvSpPr>
-          <p:cNvPr id="11" name="Down Arrow 10"/>
-          <p:cNvSpPr/>
-          <p:nvPr/>
-        </p:nvSpPr>
-        <p:spPr>
-          <a:xfrm>
-            <a:off x="5633128" y="1938635"/>
-            <a:ext cx="243797" cy="461954"/>
-          </a:xfrm>
-          <a:prstGeom prst="downArrow">
-            <a:avLst/>
-          </a:prstGeom>
-        </p:spPr>
-        <p:style>
-          <a:lnRef idx="2">
-            <a:schemeClr val="accent1">
-              <a:shade val="50000"/>
-            </a:schemeClr>
-          </a:lnRef>
-          <a:fillRef idx="1">
-            <a:schemeClr val="accent1"/>
-          </a:fillRef>
-          <a:effectRef idx="0">
-            <a:schemeClr val="accent1"/>
-          </a:effectRef>
-          <a:fontRef idx="minor">
-            <a:schemeClr val="lt1"/>
-          </a:fontRef>
-        </p:style>
-        <p:txBody>
-          <a:bodyPr rtlCol="0" anchor="ctr"/>
-          <a:lstStyle/>
-          <a:p>
-            <a:pPr algn="ctr"/>
-            <a:endParaRPr lang="en-US"/>
-          </a:p>
-        </p:txBody>
-      </p:sp>
-      <p:sp>
-        <p:nvSpPr>
-          <p:cNvPr id="3" name="Rectangle 2"/>
-          <p:cNvSpPr/>
-          <p:nvPr/>
-        </p:nvSpPr>
-        <p:spPr>
-          <a:xfrm>
-            <a:off x="3527602" y="215473"/>
-            <a:ext cx="8573728" cy="369332"/>
-          </a:xfrm>
-          <a:prstGeom prst="rect">
-            <a:avLst/>
-          </a:prstGeom>
-          <a:gradFill>
-            <a:gsLst>
-              <a:gs pos="0">
-                <a:schemeClr val="accent1">
-                  <a:lumMod val="5000"/>
-                  <a:lumOff val="95000"/>
-                </a:schemeClr>
-              </a:gs>
-              <a:gs pos="74000">
-                <a:schemeClr val="accent1">
-                  <a:lumMod val="45000"/>
-                  <a:lumOff val="55000"/>
-                </a:schemeClr>
-              </a:gs>
-              <a:gs pos="83000">
-                <a:schemeClr val="accent1">
-                  <a:lumMod val="45000"/>
-                  <a:lumOff val="55000"/>
-                </a:schemeClr>
-              </a:gs>
-              <a:gs pos="100000">
-                <a:schemeClr val="accent1">
-                  <a:lumMod val="30000"/>
-                  <a:lumOff val="70000"/>
-                </a:schemeClr>
-              </a:gs>
-            </a:gsLst>
-            <a:lin ang="5400000" scaled="1"/>
-          </a:gradFill>
-        </p:spPr>
-        <p:txBody>
-          <a:bodyPr wrap="square">
-            <a:spAutoFit/>
-          </a:bodyPr>
-          <a:lstStyle/>
-          <a:p>
-            <a:r>
-              <a:rPr lang="en-US" b="1" dirty="0" smtClean="0">
-                <a:solidFill>
-                  <a:srgbClr val="FF0000"/>
-                </a:solidFill>
-                <a:latin typeface="palatino linotype" panose="02040502050505030304" pitchFamily="18" charset="0"/>
-              </a:rPr>
-              <a:t>“Async </a:t>
-            </a:r>
-            <a:r>
-              <a:rPr lang="en-US" b="1" dirty="0">
-                <a:solidFill>
-                  <a:srgbClr val="FF0000"/>
-                </a:solidFill>
-                <a:latin typeface="palatino linotype" panose="02040502050505030304" pitchFamily="18" charset="0"/>
-              </a:rPr>
-              <a:t>in C# and F#: Asynchronous gotchas in C</a:t>
-            </a:r>
-            <a:r>
-              <a:rPr lang="en-US" b="1" dirty="0" smtClean="0">
-                <a:solidFill>
-                  <a:srgbClr val="FF0000"/>
-                </a:solidFill>
-                <a:latin typeface="palatino linotype" panose="02040502050505030304" pitchFamily="18" charset="0"/>
-              </a:rPr>
-              <a:t>#” blog post by Tomas </a:t>
-            </a:r>
-            <a:r>
-              <a:rPr lang="en-US" b="1" dirty="0" err="1" smtClean="0">
-                <a:solidFill>
-                  <a:srgbClr val="FF0000"/>
-                </a:solidFill>
-                <a:latin typeface="palatino linotype" panose="02040502050505030304" pitchFamily="18" charset="0"/>
-              </a:rPr>
-              <a:t>Petricek</a:t>
-            </a:r>
-            <a:endParaRPr lang="en-US" b="1" i="0" dirty="0">
-              <a:solidFill>
-                <a:srgbClr val="FF0000"/>
-              </a:solidFill>
-              <a:effectLst/>
-              <a:latin typeface="palatino linotype" panose="02040502050505030304" pitchFamily="18" charset="0"/>
-            </a:endParaRPr>
-          </a:p>
-        </p:txBody>
-      </p:sp>
-      <p:sp>
-        <p:nvSpPr>
-          <p:cNvPr id="7" name="Rectangle 6"/>
-          <p:cNvSpPr/>
-          <p:nvPr/>
-        </p:nvSpPr>
-        <p:spPr>
-          <a:xfrm>
-            <a:off x="1476374" y="2524349"/>
-            <a:ext cx="9677399" cy="1200329"/>
-          </a:xfrm>
-          <a:prstGeom prst="rect">
-            <a:avLst/>
-          </a:prstGeom>
-          <a:solidFill>
-            <a:schemeClr val="tx1"/>
-          </a:solidFill>
-        </p:spPr>
-        <p:txBody>
-          <a:bodyPr wrap="square">
-            <a:spAutoFit/>
-          </a:bodyPr>
-          <a:lstStyle/>
-          <a:p>
-            <a:r>
-              <a:rPr lang="en-US" dirty="0">
-                <a:solidFill>
-                  <a:srgbClr val="0000FF"/>
-                </a:solidFill>
-                <a:latin typeface="Consolas" panose="020B0609020204030204" pitchFamily="49" charset="0"/>
-              </a:rPr>
-              <a:t>type</a:t>
-            </a:r>
-            <a:r>
-              <a:rPr lang="en-US" dirty="0">
-                <a:solidFill>
-                  <a:prstClr val="black"/>
-                </a:solidFill>
-                <a:latin typeface="Consolas" panose="020B0609020204030204" pitchFamily="49" charset="0"/>
-              </a:rPr>
-              <a:t> </a:t>
-            </a:r>
-            <a:r>
-              <a:rPr lang="en-US" dirty="0" err="1">
-                <a:solidFill>
-                  <a:prstClr val="black"/>
-                </a:solidFill>
-                <a:latin typeface="Consolas" panose="020B0609020204030204" pitchFamily="49" charset="0"/>
-              </a:rPr>
-              <a:t>EventHandler</a:t>
-            </a:r>
-            <a:r>
-              <a:rPr lang="en-US" dirty="0">
-                <a:solidFill>
-                  <a:prstClr val="black"/>
-                </a:solidFill>
-                <a:latin typeface="Consolas" panose="020B0609020204030204" pitchFamily="49" charset="0"/>
-              </a:rPr>
-              <a:t> = Model </a:t>
-            </a:r>
-            <a:r>
-              <a:rPr lang="en-US" dirty="0">
-                <a:solidFill>
-                  <a:srgbClr val="0000FF"/>
-                </a:solidFill>
-                <a:latin typeface="Consolas" panose="020B0609020204030204" pitchFamily="49" charset="0"/>
-              </a:rPr>
-              <a:t>-&gt;</a:t>
-            </a:r>
-            <a:r>
-              <a:rPr lang="en-US" dirty="0">
-                <a:solidFill>
-                  <a:prstClr val="black"/>
-                </a:solidFill>
-                <a:latin typeface="Consolas" panose="020B0609020204030204" pitchFamily="49" charset="0"/>
-              </a:rPr>
-              <a:t> </a:t>
-            </a:r>
-            <a:r>
-              <a:rPr lang="en-US" dirty="0" smtClean="0">
-                <a:solidFill>
-                  <a:prstClr val="black"/>
-                </a:solidFill>
-                <a:latin typeface="Consolas" panose="020B0609020204030204" pitchFamily="49" charset="0"/>
-              </a:rPr>
-              <a:t>unit</a:t>
-            </a:r>
-            <a:endParaRPr lang="en-US" dirty="0" smtClean="0">
-              <a:solidFill>
-                <a:srgbClr val="0000FF"/>
-              </a:solidFill>
-              <a:latin typeface="Consolas" panose="020B0609020204030204" pitchFamily="49" charset="0"/>
-            </a:endParaRPr>
-          </a:p>
-          <a:p>
-            <a:r>
-              <a:rPr lang="en-US" dirty="0" smtClean="0">
-                <a:solidFill>
-                  <a:srgbClr val="0000FF"/>
-                </a:solidFill>
-                <a:latin typeface="Consolas" panose="020B0609020204030204" pitchFamily="49" charset="0"/>
-              </a:rPr>
-              <a:t>type</a:t>
-            </a:r>
-            <a:r>
-              <a:rPr lang="en-US" dirty="0" smtClean="0">
-                <a:solidFill>
-                  <a:prstClr val="black"/>
-                </a:solidFill>
-                <a:latin typeface="Consolas" panose="020B0609020204030204" pitchFamily="49" charset="0"/>
-              </a:rPr>
-              <a:t> </a:t>
-            </a:r>
-            <a:r>
-              <a:rPr lang="en-US" dirty="0" err="1" smtClean="0">
-                <a:solidFill>
-                  <a:prstClr val="black"/>
-                </a:solidFill>
-                <a:latin typeface="Consolas" panose="020B0609020204030204" pitchFamily="49" charset="0"/>
-              </a:rPr>
-              <a:t>IController</a:t>
-            </a:r>
-            <a:r>
-              <a:rPr lang="en-US" dirty="0" smtClean="0">
-                <a:solidFill>
-                  <a:prstClr val="black"/>
-                </a:solidFill>
-                <a:latin typeface="Consolas" panose="020B0609020204030204" pitchFamily="49" charset="0"/>
-              </a:rPr>
-              <a:t>&lt;'Event, 'Model&gt; =</a:t>
-            </a:r>
-          </a:p>
-          <a:p>
-            <a:r>
-              <a:rPr lang="en-US" dirty="0" smtClean="0">
-                <a:solidFill>
-                  <a:prstClr val="black"/>
-                </a:solidFill>
-                <a:latin typeface="Consolas" panose="020B0609020204030204" pitchFamily="49" charset="0"/>
-              </a:rPr>
-              <a:t>    </a:t>
-            </a:r>
-            <a:r>
-              <a:rPr lang="en-US" dirty="0">
-                <a:solidFill>
-                  <a:srgbClr val="0000FF"/>
-                </a:solidFill>
-                <a:latin typeface="Consolas" panose="020B0609020204030204" pitchFamily="49" charset="0"/>
-              </a:rPr>
-              <a:t>abstract</a:t>
-            </a:r>
-            <a:r>
-              <a:rPr lang="en-US" dirty="0">
-                <a:solidFill>
-                  <a:prstClr val="black"/>
-                </a:solidFill>
-                <a:latin typeface="Consolas" panose="020B0609020204030204" pitchFamily="49" charset="0"/>
-              </a:rPr>
-              <a:t> InitModel : 'Model </a:t>
-            </a:r>
-            <a:r>
-              <a:rPr lang="en-US" dirty="0">
-                <a:solidFill>
-                  <a:srgbClr val="0000FF"/>
-                </a:solidFill>
-                <a:latin typeface="Consolas" panose="020B0609020204030204" pitchFamily="49" charset="0"/>
-              </a:rPr>
-              <a:t>-&gt;</a:t>
-            </a:r>
-            <a:r>
-              <a:rPr lang="en-US" dirty="0">
-                <a:solidFill>
-                  <a:prstClr val="black"/>
-                </a:solidFill>
-                <a:latin typeface="Consolas" panose="020B0609020204030204" pitchFamily="49" charset="0"/>
-              </a:rPr>
-              <a:t> unit</a:t>
-            </a:r>
-          </a:p>
-          <a:p>
-            <a:r>
-              <a:rPr lang="en-US" dirty="0">
-                <a:solidFill>
-                  <a:prstClr val="black"/>
-                </a:solidFill>
-                <a:latin typeface="Consolas" panose="020B0609020204030204" pitchFamily="49" charset="0"/>
-              </a:rPr>
-              <a:t>    </a:t>
-            </a:r>
-            <a:r>
-              <a:rPr lang="en-US" dirty="0">
-                <a:solidFill>
-                  <a:srgbClr val="0000FF"/>
-                </a:solidFill>
-                <a:latin typeface="Consolas" panose="020B0609020204030204" pitchFamily="49" charset="0"/>
-              </a:rPr>
-              <a:t>abstract</a:t>
-            </a:r>
-            <a:r>
-              <a:rPr lang="en-US" dirty="0">
-                <a:solidFill>
-                  <a:prstClr val="black"/>
-                </a:solidFill>
-                <a:latin typeface="Consolas" panose="020B0609020204030204" pitchFamily="49" charset="0"/>
-              </a:rPr>
-              <a:t> </a:t>
-            </a:r>
-            <a:r>
-              <a:rPr lang="en-US" dirty="0" smtClean="0">
-                <a:solidFill>
-                  <a:prstClr val="black"/>
-                </a:solidFill>
-                <a:latin typeface="Consolas" panose="020B0609020204030204" pitchFamily="49" charset="0"/>
-              </a:rPr>
-              <a:t>EventHandler </a:t>
-            </a:r>
-            <a:r>
-              <a:rPr lang="en-US" dirty="0">
-                <a:solidFill>
-                  <a:prstClr val="black"/>
-                </a:solidFill>
-                <a:latin typeface="Consolas" panose="020B0609020204030204" pitchFamily="49" charset="0"/>
-              </a:rPr>
-              <a:t>: ('Events </a:t>
-            </a:r>
-            <a:r>
-              <a:rPr lang="en-US" dirty="0">
-                <a:solidFill>
-                  <a:srgbClr val="0000FF"/>
-                </a:solidFill>
-                <a:latin typeface="Consolas" panose="020B0609020204030204" pitchFamily="49" charset="0"/>
-              </a:rPr>
-              <a:t>-&gt;</a:t>
-            </a:r>
-            <a:r>
-              <a:rPr lang="en-US" dirty="0">
-                <a:solidFill>
-                  <a:prstClr val="black"/>
-                </a:solidFill>
-                <a:latin typeface="Consolas" panose="020B0609020204030204" pitchFamily="49" charset="0"/>
-              </a:rPr>
-              <a:t> </a:t>
-            </a:r>
-            <a:r>
-              <a:rPr lang="en-US" dirty="0" err="1">
-                <a:solidFill>
-                  <a:prstClr val="black"/>
-                </a:solidFill>
-                <a:latin typeface="Consolas" panose="020B0609020204030204" pitchFamily="49" charset="0"/>
-              </a:rPr>
-              <a:t>EventHandler</a:t>
-            </a:r>
-            <a:r>
-              <a:rPr lang="en-US" dirty="0">
-                <a:solidFill>
-                  <a:prstClr val="black"/>
-                </a:solidFill>
-                <a:latin typeface="Consolas" panose="020B0609020204030204" pitchFamily="49" charset="0"/>
-              </a:rPr>
-              <a:t>&lt;'Model&gt;)</a:t>
-            </a:r>
-          </a:p>
-        </p:txBody>
-      </p:sp>
-      <p:sp>
-        <p:nvSpPr>
-          <p:cNvPr id="8" name="Down Arrow 7"/>
-          <p:cNvSpPr/>
-          <p:nvPr/>
-        </p:nvSpPr>
-        <p:spPr>
-          <a:xfrm>
-            <a:off x="5633128" y="3883899"/>
-            <a:ext cx="243797" cy="461954"/>
-          </a:xfrm>
-          <a:prstGeom prst="downArrow">
-            <a:avLst/>
-          </a:prstGeom>
-        </p:spPr>
-        <p:style>
-          <a:lnRef idx="2">
-            <a:schemeClr val="accent1">
-              <a:shade val="50000"/>
-            </a:schemeClr>
-          </a:lnRef>
-          <a:fillRef idx="1">
-            <a:schemeClr val="accent1"/>
-          </a:fillRef>
-          <a:effectRef idx="0">
-            <a:schemeClr val="accent1"/>
-          </a:effectRef>
-          <a:fontRef idx="minor">
-            <a:schemeClr val="lt1"/>
-          </a:fontRef>
-        </p:style>
-        <p:txBody>
-          <a:bodyPr rtlCol="0" anchor="ctr"/>
-          <a:lstStyle/>
-          <a:p>
-            <a:pPr algn="ctr"/>
-            <a:endParaRPr lang="en-US"/>
-          </a:p>
-        </p:txBody>
-      </p:sp>
-    </p:spTree>
-    <p:extLst>
-      <p:ext uri="{BB962C8B-B14F-4D97-AF65-F5344CB8AC3E}">
-        <p14:creationId xmlns:p14="http://schemas.microsoft.com/office/powerpoint/2010/main" val="4043113270"/>
-      </p:ext>
-    </p:extLst>
-  </p:cSld>
-  <p:clrMapOvr>
-    <a:masterClrMapping/>
-  </p:clrMapOvr>
-  <p:timing>
-    <p:tnLst>
-      <p:par>
-        <p:cTn id="1" dur="indefinite" restart="never" nodeType="tmRoot"/>
-      </p:par>
-    </p:tnLst>
-  </p:timing>
-</p:sld>
-</file>
-
-<file path=ppt/slides/slide14.xml><?xml version="1.0" encoding="utf-8"?>
-<p:sld xmlns:a="http://schemas.openxmlformats.org/drawingml/2006/main" xmlns:r="http://schemas.openxmlformats.org/officeDocument/2006/relationships" xmlns:p="http://schemas.openxmlformats.org/presentationml/2006/main">
-  <p:cSld>
-    <p:spTree>
-      <p:nvGrpSpPr>
-        <p:cNvPr id="1" name=""/>
-        <p:cNvGrpSpPr/>
-        <p:nvPr/>
-      </p:nvGrpSpPr>
-      <p:grpSpPr>
-        <a:xfrm>
-          <a:off x="0" y="0"/>
-          <a:ext cx="0" cy="0"/>
-          <a:chOff x="0" y="0"/>
-          <a:chExt cx="0" cy="0"/>
-        </a:xfrm>
-      </p:grpSpPr>
-      <p:sp>
-        <p:nvSpPr>
-          <p:cNvPr id="2" name="Title 1"/>
-          <p:cNvSpPr>
-            <a:spLocks noGrp="1"/>
-          </p:cNvSpPr>
-          <p:nvPr>
-            <p:ph type="title"/>
-          </p:nvPr>
-        </p:nvSpPr>
-        <p:spPr/>
-        <p:txBody>
-          <a:bodyPr/>
-          <a:lstStyle/>
-          <a:p>
-            <a:r>
-              <a:rPr lang="en-US" dirty="0" smtClean="0"/>
-              <a:t>Child Windows</a:t>
-            </a:r>
-            <a:endParaRPr lang="en-US" dirty="0"/>
-          </a:p>
-        </p:txBody>
-      </p:sp>
-      <p:sp>
-        <p:nvSpPr>
-          <p:cNvPr id="3" name="Content Placeholder 2"/>
-          <p:cNvSpPr>
-            <a:spLocks noGrp="1"/>
-          </p:cNvSpPr>
-          <p:nvPr>
-            <p:ph idx="1"/>
-          </p:nvPr>
-        </p:nvSpPr>
-        <p:spPr/>
-        <p:txBody>
-          <a:bodyPr/>
-          <a:lstStyle/>
-          <a:p>
-            <a:r>
-              <a:rPr lang="en-US" dirty="0" smtClean="0"/>
-              <a:t>Dialog – synchronous computation </a:t>
-            </a:r>
-          </a:p>
-          <a:p>
-            <a:r>
-              <a:rPr lang="en-US" dirty="0" smtClean="0"/>
-              <a:t>Non-modal window - asynchronous </a:t>
-            </a:r>
-            <a:endParaRPr lang="en-US" dirty="0"/>
-          </a:p>
-        </p:txBody>
-      </p:sp>
-    </p:spTree>
-    <p:extLst>
-      <p:ext uri="{BB962C8B-B14F-4D97-AF65-F5344CB8AC3E}">
-        <p14:creationId xmlns:p14="http://schemas.microsoft.com/office/powerpoint/2010/main" val="1103476166"/>
-      </p:ext>
-    </p:extLst>
-  </p:cSld>
-  <p:clrMapOvr>
-    <a:masterClrMapping/>
-  </p:clrMapOvr>
-  <p:timing>
-    <p:tnLst>
-      <p:par>
-        <p:cTn id="1" dur="indefinite" restart="never" nodeType="tmRoot"/>
-      </p:par>
-    </p:tnLst>
-  </p:timing>
-</p:sld>
-</file>
-
-<file path=ppt/slides/slide15.xml><?xml version="1.0" encoding="utf-8"?>
-<p:sld xmlns:a="http://schemas.openxmlformats.org/drawingml/2006/main" xmlns:r="http://schemas.openxmlformats.org/officeDocument/2006/relationships" xmlns:p="http://schemas.openxmlformats.org/presentationml/2006/main">
-  <p:cSld>
-    <p:spTree>
-      <p:nvGrpSpPr>
-        <p:cNvPr id="1" name=""/>
-        <p:cNvGrpSpPr/>
-        <p:nvPr/>
-      </p:nvGrpSpPr>
-      <p:grpSpPr>
-        <a:xfrm>
-          <a:off x="0" y="0"/>
-          <a:ext cx="0" cy="0"/>
-          <a:chOff x="0" y="0"/>
-          <a:chExt cx="0" cy="0"/>
-        </a:xfrm>
-      </p:grpSpPr>
-      <p:sp>
-        <p:nvSpPr>
-          <p:cNvPr id="2" name="Title 1"/>
-          <p:cNvSpPr>
-            <a:spLocks noGrp="1"/>
-          </p:cNvSpPr>
-          <p:nvPr>
-            <p:ph type="title"/>
-          </p:nvPr>
-        </p:nvSpPr>
-        <p:spPr/>
-        <p:txBody>
-          <a:bodyPr/>
-          <a:lstStyle/>
-          <a:p>
-            <a:r>
-              <a:rPr lang="en-US" dirty="0" smtClean="0"/>
-              <a:t>Reentrancy</a:t>
-            </a:r>
-            <a:endParaRPr lang="en-US" dirty="0"/>
-          </a:p>
-        </p:txBody>
-      </p:sp>
-      <p:sp>
-        <p:nvSpPr>
-          <p:cNvPr id="3" name="Content Placeholder 2"/>
-          <p:cNvSpPr>
-            <a:spLocks noGrp="1"/>
-          </p:cNvSpPr>
-          <p:nvPr>
-            <p:ph idx="1"/>
-          </p:nvPr>
-        </p:nvSpPr>
-        <p:spPr/>
-        <p:txBody>
-          <a:bodyPr/>
-          <a:lstStyle/>
-          <a:p>
-            <a:r>
-              <a:rPr lang="en-US" dirty="0" smtClean="0"/>
-              <a:t>Very tricky problem</a:t>
-            </a:r>
-          </a:p>
-        </p:txBody>
-      </p:sp>
-    </p:spTree>
-    <p:extLst>
-      <p:ext uri="{BB962C8B-B14F-4D97-AF65-F5344CB8AC3E}">
-        <p14:creationId xmlns:p14="http://schemas.microsoft.com/office/powerpoint/2010/main" val="970238639"/>
-      </p:ext>
-    </p:extLst>
-  </p:cSld>
-  <p:clrMapOvr>
-    <a:masterClrMapping/>
-  </p:clrMapOvr>
-  <p:timing>
-    <p:tnLst>
-      <p:par>
-        <p:cTn id="1" dur="indefinite" restart="never" nodeType="tmRoot"/>
-      </p:par>
-    </p:tnLst>
-  </p:timing>
-</p:sld>
-</file>
-
-<file path=ppt/slides/slide16.xml><?xml version="1.0" encoding="utf-8"?>
-<p:sld xmlns:a="http://schemas.openxmlformats.org/drawingml/2006/main" xmlns:r="http://schemas.openxmlformats.org/officeDocument/2006/relationships" xmlns:p="http://schemas.openxmlformats.org/presentationml/2006/main">
-  <p:cSld>
-    <p:spTree>
-      <p:nvGrpSpPr>
-        <p:cNvPr id="1" name=""/>
-        <p:cNvGrpSpPr/>
-        <p:nvPr/>
-      </p:nvGrpSpPr>
-      <p:grpSpPr>
-        <a:xfrm>
-          <a:off x="0" y="0"/>
-          <a:ext cx="0" cy="0"/>
-          <a:chOff x="0" y="0"/>
-          <a:chExt cx="0" cy="0"/>
-        </a:xfrm>
-      </p:grpSpPr>
-      <p:sp>
-        <p:nvSpPr>
-          <p:cNvPr id="2" name="Title 1"/>
-          <p:cNvSpPr>
-            <a:spLocks noGrp="1"/>
-          </p:cNvSpPr>
-          <p:nvPr>
-            <p:ph type="title"/>
-          </p:nvPr>
-        </p:nvSpPr>
-        <p:spPr/>
-        <p:txBody>
-          <a:bodyPr/>
-          <a:lstStyle/>
-          <a:p>
-            <a:r>
-              <a:rPr lang="en-US" dirty="0" smtClean="0"/>
-              <a:t>composition</a:t>
-            </a:r>
-            <a:endParaRPr lang="en-US" dirty="0"/>
-          </a:p>
-        </p:txBody>
-      </p:sp>
-      <p:pic>
-        <p:nvPicPr>
-          <p:cNvPr id="4" name="Content Placeholder 3"/>
-          <p:cNvPicPr>
-            <a:picLocks noGrp="1" noChangeAspect="1"/>
-          </p:cNvPicPr>
-          <p:nvPr>
-            <p:ph idx="1"/>
-          </p:nvPr>
-        </p:nvPicPr>
-        <p:blipFill>
-          <a:blip r:embed="rId2">
-            <a:extLst>
-              <a:ext uri="{28A0092B-C50C-407E-A947-70E740481C1C}">
-                <a14:useLocalDpi xmlns:a14="http://schemas.microsoft.com/office/drawing/2010/main" val="0"/>
-              </a:ext>
-            </a:extLst>
-          </a:blip>
-          <a:stretch>
-            <a:fillRect/>
-          </a:stretch>
-        </p:blipFill>
-        <p:spPr>
-          <a:xfrm>
-            <a:off x="2232024" y="1788085"/>
-            <a:ext cx="7724775" cy="4479886"/>
-          </a:xfrm>
-        </p:spPr>
-      </p:pic>
-    </p:spTree>
-    <p:extLst>
-      <p:ext uri="{BB962C8B-B14F-4D97-AF65-F5344CB8AC3E}">
-        <p14:creationId xmlns:p14="http://schemas.microsoft.com/office/powerpoint/2010/main" val="1030256568"/>
-      </p:ext>
-    </p:extLst>
-  </p:cSld>
-  <p:clrMapOvr>
-    <a:masterClrMapping/>
-  </p:clrMapOvr>
-  <p:timing>
-    <p:tnLst>
-      <p:par>
-        <p:cTn id="1" dur="indefinite" restart="never" nodeType="tmRoot"/>
-      </p:par>
-    </p:tnLst>
-  </p:timing>
-</p:sld>
-</file>
-
-<file path=ppt/slides/slide17.xml><?xml version="1.0" encoding="utf-8"?>
-<p:sld xmlns:a="http://schemas.openxmlformats.org/drawingml/2006/main" xmlns:r="http://schemas.openxmlformats.org/officeDocument/2006/relationships" xmlns:p="http://schemas.openxmlformats.org/presentationml/2006/main">
-  <p:cSld>
-    <p:spTree>
-      <p:nvGrpSpPr>
-        <p:cNvPr id="1" name=""/>
-        <p:cNvGrpSpPr/>
-        <p:nvPr/>
-      </p:nvGrpSpPr>
-      <p:grpSpPr>
-        <a:xfrm>
-          <a:off x="0" y="0"/>
-          <a:ext cx="0" cy="0"/>
-          <a:chOff x="0" y="0"/>
-          <a:chExt cx="0" cy="0"/>
-        </a:xfrm>
-      </p:grpSpPr>
-      <p:sp>
-        <p:nvSpPr>
-          <p:cNvPr id="2" name="Title 1"/>
-          <p:cNvSpPr>
-            <a:spLocks noGrp="1"/>
-          </p:cNvSpPr>
-          <p:nvPr>
-            <p:ph type="title"/>
-          </p:nvPr>
-        </p:nvSpPr>
-        <p:spPr/>
-        <p:txBody>
-          <a:bodyPr/>
-          <a:lstStyle/>
-          <a:p>
-            <a:r>
-              <a:rPr lang="en-US" dirty="0" smtClean="0"/>
-              <a:t>External event sources</a:t>
-            </a:r>
-            <a:endParaRPr lang="en-US" dirty="0"/>
-          </a:p>
-        </p:txBody>
-      </p:sp>
-      <p:sp>
-        <p:nvSpPr>
-          <p:cNvPr id="3" name="Content Placeholder 2"/>
-          <p:cNvSpPr>
-            <a:spLocks noGrp="1"/>
-          </p:cNvSpPr>
-          <p:nvPr>
-            <p:ph idx="1"/>
-          </p:nvPr>
-        </p:nvSpPr>
-        <p:spPr/>
-        <p:txBody>
-          <a:bodyPr/>
-          <a:lstStyle/>
-          <a:p>
-            <a:r>
-              <a:rPr lang="en-US" dirty="0" smtClean="0"/>
-              <a:t>As easy as composing views</a:t>
-            </a:r>
-          </a:p>
-          <a:p>
-            <a:r>
-              <a:rPr lang="en-US" dirty="0" smtClean="0"/>
-              <a:t>Rx.NET helps to ensure invocation on GUI thread</a:t>
-            </a:r>
-          </a:p>
-          <a:p>
-            <a:r>
-              <a:rPr lang="en-US" dirty="0" smtClean="0"/>
-              <a:t>Another composition option</a:t>
-            </a:r>
-            <a:endParaRPr lang="en-US" dirty="0"/>
-          </a:p>
-        </p:txBody>
-      </p:sp>
-    </p:spTree>
-    <p:extLst>
-      <p:ext uri="{BB962C8B-B14F-4D97-AF65-F5344CB8AC3E}">
-        <p14:creationId xmlns:p14="http://schemas.microsoft.com/office/powerpoint/2010/main" val="1482672398"/>
-      </p:ext>
-    </p:extLst>
-  </p:cSld>
-  <p:clrMapOvr>
-    <a:masterClrMapping/>
-  </p:clrMapOvr>
-  <p:timing>
-    <p:tnLst>
-      <p:par>
-        <p:cTn id="1" dur="indefinite" restart="never" nodeType="tmRoot"/>
-      </p:par>
-    </p:tnLst>
-  </p:timing>
-</p:sld>
-</file>
-
-<file path=ppt/slides/slide18.xml><?xml version="1.0" encoding="utf-8"?>
-<p:sld xmlns:a="http://schemas.openxmlformats.org/drawingml/2006/main" xmlns:r="http://schemas.openxmlformats.org/officeDocument/2006/relationships" xmlns:p="http://schemas.openxmlformats.org/presentationml/2006/main">
-  <p:cSld>
-    <p:spTree>
-      <p:nvGrpSpPr>
-        <p:cNvPr id="1" name=""/>
-        <p:cNvGrpSpPr/>
-        <p:nvPr/>
-      </p:nvGrpSpPr>
-      <p:grpSpPr>
-        <a:xfrm>
-          <a:off x="0" y="0"/>
-          <a:ext cx="0" cy="0"/>
-          <a:chOff x="0" y="0"/>
-          <a:chExt cx="0" cy="0"/>
-        </a:xfrm>
-      </p:grpSpPr>
-      <p:sp>
-        <p:nvSpPr>
-          <p:cNvPr id="2" name="Title 1"/>
-          <p:cNvSpPr>
-            <a:spLocks noGrp="1"/>
-          </p:cNvSpPr>
-          <p:nvPr>
-            <p:ph type="title"/>
-          </p:nvPr>
-        </p:nvSpPr>
-        <p:spPr/>
-        <p:txBody>
-          <a:bodyPr/>
-          <a:lstStyle/>
-          <a:p>
-            <a:r>
-              <a:rPr lang="en-US" dirty="0" smtClean="0"/>
-              <a:t>Data binding micro dsl</a:t>
-            </a:r>
-            <a:endParaRPr lang="en-US" dirty="0"/>
-          </a:p>
-        </p:txBody>
-      </p:sp>
-      <p:sp>
-        <p:nvSpPr>
-          <p:cNvPr id="3" name="Content Placeholder 2"/>
-          <p:cNvSpPr>
-            <a:spLocks noGrp="1"/>
-          </p:cNvSpPr>
-          <p:nvPr>
-            <p:ph idx="1"/>
-          </p:nvPr>
-        </p:nvSpPr>
-        <p:spPr/>
-        <p:txBody>
-          <a:bodyPr/>
-          <a:lstStyle/>
-          <a:p>
-            <a:r>
-              <a:rPr lang="en-US" dirty="0" smtClean="0"/>
-              <a:t>Scrap </a:t>
-            </a:r>
-            <a:r>
-              <a:rPr lang="en-US" dirty="0"/>
-              <a:t>your </a:t>
-            </a:r>
-            <a:r>
-              <a:rPr lang="en-US" dirty="0" smtClean="0"/>
-              <a:t>boilerplate</a:t>
-            </a:r>
-          </a:p>
-          <a:p>
-            <a:r>
-              <a:rPr lang="en-US" dirty="0" smtClean="0"/>
-              <a:t>F# gives great tools to build internal DSLs</a:t>
-            </a:r>
-            <a:endParaRPr lang="en-US" dirty="0"/>
-          </a:p>
-          <a:p>
-            <a:endParaRPr lang="en-US" dirty="0"/>
-          </a:p>
-        </p:txBody>
-      </p:sp>
-    </p:spTree>
-    <p:extLst>
-      <p:ext uri="{BB962C8B-B14F-4D97-AF65-F5344CB8AC3E}">
-        <p14:creationId xmlns:p14="http://schemas.microsoft.com/office/powerpoint/2010/main" val="1517226537"/>
-      </p:ext>
-    </p:extLst>
-  </p:cSld>
-  <p:clrMapOvr>
-    <a:masterClrMapping/>
-  </p:clrMapOvr>
-  <p:timing>
-    <p:tnLst>
-      <p:par>
-        <p:cTn id="1" dur="indefinite" restart="never" nodeType="tmRoot"/>
-      </p:par>
-    </p:tnLst>
-  </p:timing>
-</p:sld>
-</file>
-
-<file path=ppt/slides/slide19.xml><?xml version="1.0" encoding="utf-8"?>
-<p:sld xmlns:a="http://schemas.openxmlformats.org/drawingml/2006/main" xmlns:r="http://schemas.openxmlformats.org/officeDocument/2006/relationships" xmlns:p="http://schemas.openxmlformats.org/presentationml/2006/main">
-  <p:cSld>
-    <p:spTree>
-      <p:nvGrpSpPr>
-        <p:cNvPr id="1" name=""/>
-        <p:cNvGrpSpPr/>
-        <p:nvPr/>
-      </p:nvGrpSpPr>
-      <p:grpSpPr>
-        <a:xfrm>
-          <a:off x="0" y="0"/>
-          <a:ext cx="0" cy="0"/>
-          <a:chOff x="0" y="0"/>
-          <a:chExt cx="0" cy="0"/>
-        </a:xfrm>
-      </p:grpSpPr>
-      <p:sp>
-        <p:nvSpPr>
-          <p:cNvPr id="2" name="Title 1"/>
-          <p:cNvSpPr>
-            <a:spLocks noGrp="1"/>
-          </p:cNvSpPr>
-          <p:nvPr>
-            <p:ph type="title"/>
-          </p:nvPr>
-        </p:nvSpPr>
-        <p:spPr/>
-        <p:txBody>
-          <a:bodyPr/>
-          <a:lstStyle/>
-          <a:p>
-            <a:r>
-              <a:rPr lang="en-US" dirty="0" smtClean="0"/>
-              <a:t>Derived properties</a:t>
-            </a:r>
-            <a:endParaRPr lang="en-US" dirty="0"/>
-          </a:p>
-        </p:txBody>
-      </p:sp>
-      <p:sp>
-        <p:nvSpPr>
-          <p:cNvPr id="3" name="Content Placeholder 2"/>
-          <p:cNvSpPr>
-            <a:spLocks noGrp="1"/>
-          </p:cNvSpPr>
-          <p:nvPr>
-            <p:ph idx="1"/>
-          </p:nvPr>
-        </p:nvSpPr>
-        <p:spPr/>
-        <p:txBody>
-          <a:bodyPr>
-            <a:normAutofit fontScale="92500" lnSpcReduction="10000"/>
-          </a:bodyPr>
-          <a:lstStyle/>
-          <a:p>
-            <a:r>
-              <a:rPr lang="en-US" dirty="0"/>
-              <a:t>Scrap your </a:t>
-            </a:r>
-            <a:r>
-              <a:rPr lang="en-US" dirty="0" smtClean="0"/>
-              <a:t>boilerplate</a:t>
-            </a:r>
-            <a:endParaRPr lang="en-US" dirty="0"/>
-          </a:p>
-          <a:p>
-            <a:r>
-              <a:rPr lang="en-US" dirty="0" smtClean="0"/>
-              <a:t>F# pure magic</a:t>
-            </a:r>
-          </a:p>
-          <a:p>
-            <a:pPr lvl="1"/>
-            <a:r>
-              <a:rPr lang="en-US" dirty="0"/>
-              <a:t>ReflectedDefinitionAttribute</a:t>
-            </a:r>
-            <a:endParaRPr lang="en-US" dirty="0" smtClean="0"/>
-          </a:p>
-          <a:p>
-            <a:pPr lvl="1"/>
-            <a:r>
-              <a:rPr lang="en-US" dirty="0" smtClean="0"/>
-              <a:t>Quotation</a:t>
-            </a:r>
-            <a:r>
-              <a:rPr lang="en-US" dirty="0"/>
-              <a:t> </a:t>
-            </a:r>
-            <a:endParaRPr lang="en-US" dirty="0" smtClean="0"/>
-          </a:p>
-          <a:p>
-            <a:pPr lvl="1"/>
-            <a:r>
-              <a:rPr lang="en-US" dirty="0" smtClean="0"/>
-              <a:t>Active patterns (a lot)</a:t>
-            </a:r>
-          </a:p>
-          <a:p>
-            <a:r>
-              <a:rPr lang="en-US" dirty="0" smtClean="0"/>
-              <a:t>WPF black magic</a:t>
-            </a:r>
-          </a:p>
-          <a:p>
-            <a:pPr lvl="1"/>
-            <a:r>
-              <a:rPr lang="en-US" dirty="0" smtClean="0"/>
-              <a:t>Custom dynamic dependency properties</a:t>
-            </a:r>
-          </a:p>
-          <a:p>
-            <a:pPr lvl="1"/>
-            <a:r>
-              <a:rPr lang="en-US" dirty="0" err="1" smtClean="0"/>
-              <a:t>MultiBinding</a:t>
-            </a:r>
-            <a:endParaRPr lang="en-US" dirty="0" smtClean="0"/>
-          </a:p>
-          <a:p>
-            <a:pPr lvl="1"/>
-            <a:endParaRPr lang="en-US" dirty="0"/>
-          </a:p>
-        </p:txBody>
-      </p:sp>
-    </p:spTree>
-    <p:extLst>
-      <p:ext uri="{BB962C8B-B14F-4D97-AF65-F5344CB8AC3E}">
-        <p14:creationId xmlns:p14="http://schemas.microsoft.com/office/powerpoint/2010/main" val="2632499272"/>
-      </p:ext>
-    </p:extLst>
-  </p:cSld>
-  <p:clrMapOvr>
-    <a:masterClrMapping/>
-  </p:clrMapOvr>
-  <p:timing>
-    <p:tnLst>
-      <p:par>
-        <p:cTn id="1" dur="indefinite" restart="never" nodeType="tmRoot"/>
-      </p:par>
-    </p:tnLst>
-  </p:timing>
-</p:sld>
-</file>
-
-<file path=ppt/slides/slide2.xml><?xml version="1.0" encoding="utf-8"?>
-<p:sld xmlns:a="http://schemas.openxmlformats.org/drawingml/2006/main" xmlns:r="http://schemas.openxmlformats.org/officeDocument/2006/relationships" xmlns:p="http://schemas.openxmlformats.org/presentationml/2006/main">
-  <p:cSld>
-    <p:spTree>
-      <p:nvGrpSpPr>
-        <p:cNvPr id="1" name=""/>
-        <p:cNvGrpSpPr/>
-        <p:nvPr/>
-      </p:nvGrpSpPr>
-      <p:grpSpPr>
-        <a:xfrm>
-          <a:off x="0" y="0"/>
-          <a:ext cx="0" cy="0"/>
-          <a:chOff x="0" y="0"/>
-          <a:chExt cx="0" cy="0"/>
-        </a:xfrm>
-      </p:grpSpPr>
-      <p:sp>
-        <p:nvSpPr>
-          <p:cNvPr id="2" name="Title 1"/>
-          <p:cNvSpPr>
-            <a:spLocks noGrp="1"/>
-          </p:cNvSpPr>
-          <p:nvPr>
-            <p:ph type="title"/>
-          </p:nvPr>
-        </p:nvSpPr>
-        <p:spPr>
-          <a:xfrm>
-            <a:off x="1141413" y="618518"/>
-            <a:ext cx="10164762" cy="1478570"/>
-          </a:xfrm>
-        </p:spPr>
-        <p:txBody>
-          <a:bodyPr/>
-          <a:lstStyle/>
-          <a:p>
-            <a:endParaRPr lang="en-US" dirty="0"/>
-          </a:p>
-        </p:txBody>
-      </p:sp>
-      <p:graphicFrame>
-        <p:nvGraphicFramePr>
-          <p:cNvPr id="10" name="Content Placeholder 9"/>
-          <p:cNvGraphicFramePr>
-            <a:graphicFrameLocks noGrp="1"/>
-          </p:cNvGraphicFramePr>
-          <p:nvPr>
-            <p:ph idx="1"/>
-            <p:extLst>
-              <p:ext uri="{D42A27DB-BD31-4B8C-83A1-F6EECF244321}">
-                <p14:modId xmlns:p14="http://schemas.microsoft.com/office/powerpoint/2010/main" val="4046157891"/>
-              </p:ext>
-            </p:extLst>
-          </p:nvPr>
-        </p:nvGraphicFramePr>
-        <p:xfrm>
-          <a:off x="1141410" y="2259013"/>
-          <a:ext cx="10136189" cy="1838960"/>
-        </p:xfrm>
-        <a:graphic>
-          <a:graphicData uri="http://schemas.openxmlformats.org/drawingml/2006/table">
-            <a:tbl>
-              <a:tblPr firstRow="1" bandRow="1">
-                <a:tableStyleId>{5C22544A-7EE6-4342-B048-85BDC9FD1C3A}</a:tableStyleId>
-              </a:tblPr>
-              <a:tblGrid>
-                <a:gridCol w="4792665"/>
-                <a:gridCol w="5343524"/>
-              </a:tblGrid>
-              <a:tr h="370840">
-                <a:tc>
-                  <a:txBody>
-                    <a:bodyPr/>
-                    <a:lstStyle/>
-                    <a:p>
-                      <a:r>
-                        <a:rPr lang="en-US" dirty="0" smtClean="0"/>
-                        <a:t>WHY</a:t>
-                      </a:r>
-                      <a:endParaRPr lang="en-US" dirty="0"/>
-                    </a:p>
-                  </a:txBody>
-                  <a:tcPr/>
-                </a:tc>
-                <a:tc>
-                  <a:txBody>
-                    <a:bodyPr/>
-                    <a:lstStyle/>
-                    <a:p>
-                      <a:r>
-                        <a:rPr lang="en-US" dirty="0" smtClean="0"/>
-                        <a:t>WHAT</a:t>
-                      </a:r>
-                      <a:endParaRPr lang="en-US" dirty="0"/>
-                    </a:p>
-                  </a:txBody>
-                  <a:tcPr/>
-                </a:tc>
-              </a:tr>
-              <a:tr h="370840">
-                <a:tc>
-                  <a:txBody>
-                    <a:bodyPr/>
-                    <a:lstStyle/>
-                    <a:p>
-                      <a:pPr marL="0" marR="0" indent="0" algn="l" defTabSz="914400" rtl="0" eaLnBrk="1" fontAlgn="auto" latinLnBrk="0" hangingPunct="1">
-                        <a:lnSpc>
-                          <a:spcPct val="100000"/>
-                        </a:lnSpc>
-                        <a:spcBef>
-                          <a:spcPts val="0"/>
-                        </a:spcBef>
-                        <a:spcAft>
-                          <a:spcPts val="0"/>
-                        </a:spcAft>
-                        <a:buClrTx/>
-                        <a:buSzTx/>
-                        <a:buFontTx/>
-                        <a:buNone/>
-                        <a:tabLst/>
-                        <a:defRPr/>
-                      </a:pPr>
-                      <a:r>
-                        <a:rPr lang="en-US" dirty="0" smtClean="0"/>
-                        <a:t>Try F# with WPF</a:t>
-                      </a:r>
-                    </a:p>
-                  </a:txBody>
-                  <a:tcPr/>
-                </a:tc>
-                <a:tc>
-                  <a:txBody>
-                    <a:bodyPr/>
-                    <a:lstStyle/>
-                    <a:p>
-                      <a:pPr marL="0" marR="0" indent="0" algn="l" defTabSz="914400" rtl="0" eaLnBrk="1" fontAlgn="auto" latinLnBrk="0" hangingPunct="1">
-                        <a:lnSpc>
-                          <a:spcPct val="100000"/>
-                        </a:lnSpc>
-                        <a:spcBef>
-                          <a:spcPts val="0"/>
-                        </a:spcBef>
-                        <a:spcAft>
-                          <a:spcPts val="0"/>
-                        </a:spcAft>
-                        <a:buClrTx/>
-                        <a:buSzTx/>
-                        <a:buFontTx/>
-                        <a:buNone/>
-                        <a:tabLst/>
-                        <a:defRPr/>
-                      </a:pPr>
-                      <a:r>
-                        <a:rPr lang="en-US" dirty="0" smtClean="0"/>
-                        <a:t>F# is great general purpose language</a:t>
-                      </a:r>
-                    </a:p>
-                  </a:txBody>
-                  <a:tcPr/>
-                </a:tc>
-              </a:tr>
-              <a:tr h="370840">
-                <a:tc>
-                  <a:txBody>
-                    <a:bodyPr/>
-                    <a:lstStyle/>
-                    <a:p>
-                      <a:pPr marL="0" indent="0">
-                        <a:buFont typeface="+mj-lt"/>
-                        <a:buNone/>
-                      </a:pPr>
-                      <a:r>
-                        <a:rPr lang="en-US" dirty="0" smtClean="0"/>
-                        <a:t>Deliver </a:t>
-                      </a:r>
-                      <a:r>
-                        <a:rPr lang="en-US" dirty="0" smtClean="0"/>
-                        <a:t>something </a:t>
-                      </a:r>
-                      <a:r>
-                        <a:rPr lang="en-US" dirty="0" smtClean="0"/>
-                        <a:t>generic</a:t>
-                      </a:r>
-                      <a:r>
-                        <a:rPr lang="en-US" baseline="0" dirty="0" smtClean="0"/>
-                        <a:t> and </a:t>
-                      </a:r>
-                      <a:r>
-                        <a:rPr lang="en-US" dirty="0" smtClean="0"/>
-                        <a:t>reusable</a:t>
-                      </a:r>
-                      <a:endParaRPr lang="en-US" dirty="0" smtClean="0"/>
-                    </a:p>
-                  </a:txBody>
-                  <a:tcPr/>
-                </a:tc>
-                <a:tc>
-                  <a:txBody>
-                    <a:bodyPr/>
-                    <a:lstStyle/>
-                    <a:p>
-                      <a:pPr marL="0" marR="0" indent="0" algn="l" defTabSz="914400" rtl="0" eaLnBrk="1" fontAlgn="auto" latinLnBrk="0" hangingPunct="1">
-                        <a:lnSpc>
-                          <a:spcPct val="100000"/>
-                        </a:lnSpc>
-                        <a:spcBef>
-                          <a:spcPts val="0"/>
-                        </a:spcBef>
-                        <a:spcAft>
-                          <a:spcPts val="0"/>
-                        </a:spcAft>
-                        <a:buClrTx/>
-                        <a:buSzTx/>
-                        <a:buFontTx/>
-                        <a:buNone/>
-                        <a:tabLst/>
-                        <a:defRPr/>
-                      </a:pPr>
-                      <a:r>
-                        <a:rPr lang="en-US" dirty="0" smtClean="0"/>
-                        <a:t>F# MVC for WPF </a:t>
-                      </a:r>
-                      <a:r>
-                        <a:rPr lang="en-US" dirty="0" smtClean="0">
-                          <a:solidFill>
-                            <a:schemeClr val="bg1"/>
-                          </a:solidFill>
-                        </a:rPr>
-                        <a:t>framework</a:t>
-                      </a:r>
-                      <a:endParaRPr lang="en-US" dirty="0" smtClean="0"/>
-                    </a:p>
-                    <a:p>
-                      <a:pPr marL="0" marR="0" indent="0" algn="l" defTabSz="914400" rtl="0" eaLnBrk="1" fontAlgn="auto" latinLnBrk="0" hangingPunct="1">
-                        <a:lnSpc>
-                          <a:spcPct val="100000"/>
-                        </a:lnSpc>
-                        <a:spcBef>
-                          <a:spcPts val="0"/>
-                        </a:spcBef>
-                        <a:spcAft>
-                          <a:spcPts val="0"/>
-                        </a:spcAft>
-                        <a:buClrTx/>
-                        <a:buSzTx/>
-                        <a:buFontTx/>
-                        <a:buNone/>
-                        <a:tabLst/>
-                        <a:defRPr/>
-                      </a:pPr>
-                      <a:r>
-                        <a:rPr lang="en-US" sz="1200" dirty="0" smtClean="0">
-                          <a:solidFill>
-                            <a:schemeClr val="accent1">
-                              <a:lumMod val="75000"/>
-                            </a:schemeClr>
-                          </a:solidFill>
-                        </a:rPr>
-                        <a:t>http://github.com/dmitry-a-morozov/fsharp-wpf-mvc-series</a:t>
-                      </a:r>
-                    </a:p>
-                  </a:txBody>
-                  <a:tcPr/>
-                </a:tc>
-              </a:tr>
-              <a:tr h="370840">
-                <a:tc>
-                  <a:txBody>
-                    <a:bodyPr/>
-                    <a:lstStyle/>
-                    <a:p>
-                      <a:r>
-                        <a:rPr lang="en-US" dirty="0" smtClean="0"/>
-                        <a:t>Share with community</a:t>
-                      </a:r>
-                      <a:endParaRPr lang="en-US" dirty="0"/>
-                    </a:p>
-                  </a:txBody>
-                  <a:tcPr/>
-                </a:tc>
-                <a:tc>
-                  <a:txBody>
-                    <a:bodyPr/>
-                    <a:lstStyle/>
-                    <a:p>
-                      <a:pPr marL="0" marR="0" indent="0" algn="l" defTabSz="914400" rtl="0" eaLnBrk="1" fontAlgn="auto" latinLnBrk="0" hangingPunct="1">
-                        <a:lnSpc>
-                          <a:spcPct val="100000"/>
-                        </a:lnSpc>
-                        <a:spcBef>
-                          <a:spcPts val="0"/>
-                        </a:spcBef>
-                        <a:spcAft>
-                          <a:spcPts val="0"/>
-                        </a:spcAft>
-                        <a:buClrTx/>
-                        <a:buSzTx/>
-                        <a:buFontTx/>
-                        <a:buNone/>
-                        <a:tabLst/>
-                        <a:defRPr/>
-                      </a:pPr>
-                      <a:r>
-                        <a:rPr lang="en-US" dirty="0" smtClean="0"/>
-                        <a:t>Learning </a:t>
-                      </a:r>
-                      <a:r>
-                        <a:rPr lang="en-US" dirty="0" smtClean="0"/>
-                        <a:t>series</a:t>
-                      </a:r>
-                      <a:endParaRPr lang="en-US" dirty="0" smtClean="0"/>
-                    </a:p>
-                    <a:p>
-                      <a:pPr marL="0" marR="0" indent="0" algn="l" defTabSz="914400" rtl="0" eaLnBrk="1" fontAlgn="auto" latinLnBrk="0" hangingPunct="1">
-                        <a:lnSpc>
-                          <a:spcPct val="100000"/>
-                        </a:lnSpc>
-                        <a:spcBef>
-                          <a:spcPts val="0"/>
-                        </a:spcBef>
-                        <a:spcAft>
-                          <a:spcPts val="0"/>
-                        </a:spcAft>
-                        <a:buClrTx/>
-                        <a:buSzTx/>
-                        <a:buFontTx/>
-                        <a:buNone/>
-                        <a:tabLst/>
-                        <a:defRPr/>
-                      </a:pPr>
-                      <a:r>
-                        <a:rPr lang="en-US" sz="1200" dirty="0" smtClean="0">
-                          <a:solidFill>
-                            <a:schemeClr val="accent1">
-                              <a:lumMod val="75000"/>
-                            </a:schemeClr>
-                          </a:solidFill>
-                        </a:rPr>
-                        <a:t>http://github.com/dmitry-a-morozov/fsharp-wpf-mvc-series/wiki</a:t>
-                      </a:r>
-                    </a:p>
-                  </a:txBody>
-                  <a:tcPr/>
-                </a:tc>
-              </a:tr>
-            </a:tbl>
-          </a:graphicData>
-        </a:graphic>
-      </p:graphicFrame>
-    </p:spTree>
-    <p:extLst>
-      <p:ext uri="{BB962C8B-B14F-4D97-AF65-F5344CB8AC3E}">
-        <p14:creationId xmlns:p14="http://schemas.microsoft.com/office/powerpoint/2010/main" val="2623577395"/>
-      </p:ext>
-    </p:extLst>
-  </p:cSld>
-  <p:clrMapOvr>
-    <a:masterClrMapping/>
-  </p:clrMapOvr>
-  <p:timing>
-    <p:tnLst>
-      <p:par>
-        <p:cTn id="1" dur="indefinite" restart="never" nodeType="tmRoot"/>
-      </p:par>
-    </p:tnLst>
-  </p:timing>
-</p:sld>
-</file>
-
-<file path=ppt/slides/slide20.xml><?xml version="1.0" encoding="utf-8"?>
-<p:sld xmlns:a="http://schemas.openxmlformats.org/drawingml/2006/main" xmlns:r="http://schemas.openxmlformats.org/officeDocument/2006/relationships" xmlns:p="http://schemas.openxmlformats.org/presentationml/2006/main">
-  <p:cSld>
-    <p:spTree>
-      <p:nvGrpSpPr>
-        <p:cNvPr id="1" name=""/>
-        <p:cNvGrpSpPr/>
-        <p:nvPr/>
-      </p:nvGrpSpPr>
-      <p:grpSpPr>
-        <a:xfrm>
-          <a:off x="0" y="0"/>
-          <a:ext cx="0" cy="0"/>
-          <a:chOff x="0" y="0"/>
-          <a:chExt cx="0" cy="0"/>
-        </a:xfrm>
-      </p:grpSpPr>
-      <p:sp>
-        <p:nvSpPr>
-          <p:cNvPr id="2" name="Title 1"/>
-          <p:cNvSpPr>
-            <a:spLocks noGrp="1"/>
-          </p:cNvSpPr>
-          <p:nvPr>
-            <p:ph type="title"/>
-          </p:nvPr>
-        </p:nvSpPr>
-        <p:spPr/>
-        <p:txBody>
-          <a:bodyPr/>
-          <a:lstStyle/>
-          <a:p>
-            <a:r>
-              <a:rPr lang="en-US" dirty="0" smtClean="0"/>
-              <a:t>F# 3.0/.net4.5</a:t>
-            </a:r>
-            <a:endParaRPr lang="en-US" dirty="0"/>
-          </a:p>
-        </p:txBody>
-      </p:sp>
-      <p:sp>
-        <p:nvSpPr>
-          <p:cNvPr id="3" name="Content Placeholder 2"/>
-          <p:cNvSpPr>
-            <a:spLocks noGrp="1"/>
-          </p:cNvSpPr>
-          <p:nvPr>
-            <p:ph idx="1"/>
-          </p:nvPr>
-        </p:nvSpPr>
-        <p:spPr/>
-        <p:txBody>
-          <a:bodyPr/>
-          <a:lstStyle/>
-          <a:p>
-            <a:r>
-              <a:rPr lang="en-US" dirty="0" smtClean="0"/>
-              <a:t>Queries</a:t>
-            </a:r>
-          </a:p>
-          <a:p>
-            <a:r>
-              <a:rPr lang="en-US" dirty="0" smtClean="0"/>
-              <a:t>Type providers</a:t>
-            </a:r>
-          </a:p>
-          <a:p>
-            <a:pPr lvl="1"/>
-            <a:r>
-              <a:rPr lang="en-US" dirty="0" smtClean="0"/>
-              <a:t>WSDL</a:t>
-            </a:r>
-          </a:p>
-          <a:p>
-            <a:pPr lvl="1"/>
-            <a:r>
-              <a:rPr lang="en-US" dirty="0" smtClean="0"/>
-              <a:t>XAML</a:t>
-            </a:r>
-          </a:p>
-          <a:p>
-            <a:r>
-              <a:rPr lang="en-US" dirty="0" smtClean="0"/>
-              <a:t>INotifyDataErrorInfo</a:t>
-            </a:r>
-          </a:p>
-          <a:p>
-            <a:r>
-              <a:rPr lang="en-US" dirty="0"/>
-              <a:t>ExceptionDispatchInfo</a:t>
-            </a:r>
-            <a:endParaRPr lang="en-US" dirty="0" smtClean="0"/>
-          </a:p>
-          <a:p>
-            <a:endParaRPr lang="en-US" dirty="0"/>
-          </a:p>
-        </p:txBody>
-      </p:sp>
-    </p:spTree>
-    <p:extLst>
-      <p:ext uri="{BB962C8B-B14F-4D97-AF65-F5344CB8AC3E}">
-        <p14:creationId xmlns:p14="http://schemas.microsoft.com/office/powerpoint/2010/main" val="231815751"/>
-      </p:ext>
-    </p:extLst>
-  </p:cSld>
-  <p:clrMapOvr>
-    <a:masterClrMapping/>
-  </p:clrMapOvr>
-  <p:timing>
-    <p:tnLst>
-      <p:par>
-        <p:cTn id="1" dur="indefinite" restart="never" nodeType="tmRoot"/>
-      </p:par>
-    </p:tnLst>
-  </p:timing>
-</p:sld>
-</file>
-
-<file path=ppt/slides/slide21.xml><?xml version="1.0" encoding="utf-8"?>
-<p:sld xmlns:a="http://schemas.openxmlformats.org/drawingml/2006/main" xmlns:r="http://schemas.openxmlformats.org/officeDocument/2006/relationships" xmlns:p="http://schemas.openxmlformats.org/presentationml/2006/main">
-  <p:cSld>
-    <p:spTree>
-      <p:nvGrpSpPr>
-        <p:cNvPr id="1" name=""/>
-        <p:cNvGrpSpPr/>
-        <p:nvPr/>
-      </p:nvGrpSpPr>
-      <p:grpSpPr>
-        <a:xfrm>
-          <a:off x="0" y="0"/>
-          <a:ext cx="0" cy="0"/>
-          <a:chOff x="0" y="0"/>
-          <a:chExt cx="0" cy="0"/>
-        </a:xfrm>
-      </p:grpSpPr>
-      <p:sp>
-        <p:nvSpPr>
-          <p:cNvPr id="2" name="Title 1"/>
-          <p:cNvSpPr>
-            <a:spLocks noGrp="1"/>
-          </p:cNvSpPr>
-          <p:nvPr>
-            <p:ph type="title"/>
-          </p:nvPr>
-        </p:nvSpPr>
-        <p:spPr/>
-        <p:txBody>
-          <a:bodyPr/>
-          <a:lstStyle/>
-          <a:p>
-            <a:r>
-              <a:rPr lang="en-US" dirty="0" smtClean="0"/>
-              <a:t>F# MVC </a:t>
-            </a:r>
-            <a:r>
-              <a:rPr lang="en-US" cap="none" dirty="0" smtClean="0"/>
-              <a:t>for</a:t>
-            </a:r>
-            <a:r>
-              <a:rPr lang="en-US" dirty="0" smtClean="0"/>
-              <a:t> WPF </a:t>
-            </a:r>
-            <a:endParaRPr lang="en-US" dirty="0"/>
-          </a:p>
-        </p:txBody>
-      </p:sp>
-      <p:sp>
-        <p:nvSpPr>
-          <p:cNvPr id="11" name="Content Placeholder 10"/>
-          <p:cNvSpPr>
-            <a:spLocks noGrp="1"/>
-          </p:cNvSpPr>
-          <p:nvPr>
-            <p:ph sz="half" idx="1"/>
-          </p:nvPr>
-        </p:nvSpPr>
-        <p:spPr>
-          <a:xfrm>
-            <a:off x="781051" y="1773236"/>
-            <a:ext cx="4810125" cy="3455989"/>
-          </a:xfrm>
-        </p:spPr>
-        <p:txBody>
-          <a:bodyPr>
-            <a:normAutofit/>
-          </a:bodyPr>
-          <a:lstStyle/>
-          <a:p>
-            <a:r>
-              <a:rPr lang="en-US" sz="2000" dirty="0" smtClean="0"/>
-              <a:t>No INPC boilerplate model</a:t>
-            </a:r>
-          </a:p>
-          <a:p>
-            <a:r>
-              <a:rPr lang="en-US" sz="2000" dirty="0" smtClean="0"/>
-              <a:t>Abstract polymorphic view</a:t>
-            </a:r>
-          </a:p>
-          <a:p>
-            <a:r>
-              <a:rPr lang="en-US" sz="2000" dirty="0" smtClean="0"/>
-              <a:t>Loosely couple controller</a:t>
-            </a:r>
-          </a:p>
-          <a:p>
-            <a:r>
-              <a:rPr lang="en-US" sz="2000" dirty="0" smtClean="0"/>
-              <a:t>Type checked event to handler mapping</a:t>
-            </a:r>
-          </a:p>
-          <a:p>
-            <a:r>
-              <a:rPr lang="en-US" sz="2000" dirty="0" smtClean="0"/>
-              <a:t>Statically typed data-binding DSL</a:t>
-            </a:r>
-          </a:p>
-          <a:p>
-            <a:r>
-              <a:rPr lang="en-US" sz="2000" dirty="0" smtClean="0"/>
-              <a:t>Lightweight validation</a:t>
-            </a:r>
-          </a:p>
-        </p:txBody>
-      </p:sp>
-      <p:sp>
-        <p:nvSpPr>
-          <p:cNvPr id="12" name="Content Placeholder 11"/>
-          <p:cNvSpPr>
-            <a:spLocks noGrp="1"/>
-          </p:cNvSpPr>
-          <p:nvPr>
-            <p:ph sz="half" idx="2"/>
-          </p:nvPr>
-        </p:nvSpPr>
-        <p:spPr>
-          <a:xfrm>
-            <a:off x="5540373" y="1773236"/>
-            <a:ext cx="5867400" cy="3455989"/>
-          </a:xfrm>
-        </p:spPr>
-        <p:txBody>
-          <a:bodyPr>
-            <a:normAutofit/>
-          </a:bodyPr>
-          <a:lstStyle/>
-          <a:p>
-            <a:r>
-              <a:rPr lang="en-US" sz="2000" dirty="0" smtClean="0"/>
-              <a:t>Type system supported Async</a:t>
-            </a:r>
-            <a:endParaRPr lang="en-US" sz="2000" dirty="0"/>
-          </a:p>
-          <a:p>
-            <a:r>
-              <a:rPr lang="en-US" sz="2000" dirty="0" smtClean="0"/>
-              <a:t>Dialogs/Windows as sync/</a:t>
-            </a:r>
-            <a:r>
-              <a:rPr lang="en-US" sz="2000" dirty="0" err="1" smtClean="0"/>
-              <a:t>async</a:t>
-            </a:r>
-            <a:r>
-              <a:rPr lang="en-US" sz="2000" dirty="0" smtClean="0"/>
-              <a:t> workflows </a:t>
-            </a:r>
-          </a:p>
-          <a:p>
-            <a:r>
-              <a:rPr lang="en-US" sz="2000" dirty="0" smtClean="0"/>
-              <a:t>Reentrancy problem solved at one place</a:t>
-            </a:r>
-          </a:p>
-          <a:p>
-            <a:r>
-              <a:rPr lang="en-US" sz="2000" dirty="0" smtClean="0"/>
-              <a:t>COMPOSITION</a:t>
-            </a:r>
-          </a:p>
-          <a:p>
-            <a:r>
-              <a:rPr lang="en-US" sz="2000" dirty="0" smtClean="0"/>
-              <a:t>External event source</a:t>
-            </a:r>
-          </a:p>
-          <a:p>
-            <a:r>
-              <a:rPr lang="en-US" sz="2000" dirty="0" smtClean="0"/>
-              <a:t>Declarative derived properties</a:t>
-            </a:r>
-          </a:p>
-          <a:p>
-            <a:r>
-              <a:rPr lang="en-US" sz="2000" dirty="0" smtClean="0"/>
-              <a:t>Queries, type providers …</a:t>
-            </a:r>
-            <a:endParaRPr lang="en-US" sz="2000" dirty="0"/>
-          </a:p>
-        </p:txBody>
-      </p:sp>
-      <p:sp>
-        <p:nvSpPr>
-          <p:cNvPr id="3" name="Rectangle 2"/>
-          <p:cNvSpPr/>
-          <p:nvPr/>
-        </p:nvSpPr>
-        <p:spPr>
-          <a:xfrm>
-            <a:off x="1821656" y="5444609"/>
-            <a:ext cx="8545512" cy="369332"/>
-          </a:xfrm>
-          <a:prstGeom prst="rect">
-            <a:avLst/>
-          </a:prstGeom>
-        </p:spPr>
-        <p:txBody>
-          <a:bodyPr wrap="square">
-            <a:spAutoFit/>
-          </a:bodyPr>
-          <a:lstStyle/>
-          <a:p>
-            <a:r>
-              <a:rPr lang="en-US" b="1" dirty="0" smtClean="0"/>
-              <a:t>All components replaceable/optional except IView, </a:t>
-            </a:r>
-            <a:r>
-              <a:rPr lang="en-US" b="1" dirty="0" err="1" smtClean="0"/>
-              <a:t>IController</a:t>
-            </a:r>
-            <a:r>
-              <a:rPr lang="en-US" b="1" dirty="0" smtClean="0"/>
-              <a:t> and MVC</a:t>
-            </a:r>
-            <a:endParaRPr lang="en-US" b="1" dirty="0"/>
-          </a:p>
-        </p:txBody>
-      </p:sp>
-    </p:spTree>
-    <p:extLst>
-      <p:ext uri="{BB962C8B-B14F-4D97-AF65-F5344CB8AC3E}">
-        <p14:creationId xmlns:p14="http://schemas.microsoft.com/office/powerpoint/2010/main" val="1134198775"/>
-      </p:ext>
-    </p:extLst>
-  </p:cSld>
-  <p:clrMapOvr>
-    <a:masterClrMapping/>
-  </p:clrMapOvr>
-  <p:timing>
-    <p:tnLst>
-      <p:par>
-        <p:cTn id="1" dur="indefinite" restart="never" nodeType="tmRoot"/>
-      </p:par>
-    </p:tnLst>
-  </p:timing>
-</p:sld>
-</file>
-
-<file path=ppt/slides/slide22.xml><?xml version="1.0" encoding="utf-8"?>
-<p:sld xmlns:a="http://schemas.openxmlformats.org/drawingml/2006/main" xmlns:r="http://schemas.openxmlformats.org/officeDocument/2006/relationships" xmlns:p="http://schemas.openxmlformats.org/presentationml/2006/main">
-  <p:cSld>
-    <p:spTree>
-      <p:nvGrpSpPr>
-        <p:cNvPr id="1" name=""/>
-        <p:cNvGrpSpPr/>
-        <p:nvPr/>
-      </p:nvGrpSpPr>
-      <p:grpSpPr>
-        <a:xfrm>
-          <a:off x="0" y="0"/>
-          <a:ext cx="0" cy="0"/>
-          <a:chOff x="0" y="0"/>
-          <a:chExt cx="0" cy="0"/>
-        </a:xfrm>
-      </p:grpSpPr>
-      <p:sp>
-        <p:nvSpPr>
-          <p:cNvPr id="2" name="Title 1"/>
-          <p:cNvSpPr>
-            <a:spLocks noGrp="1"/>
-          </p:cNvSpPr>
-          <p:nvPr>
-            <p:ph type="title"/>
-          </p:nvPr>
-        </p:nvSpPr>
-        <p:spPr/>
-        <p:txBody>
-          <a:bodyPr/>
-          <a:lstStyle/>
-          <a:p>
-            <a:r>
-              <a:rPr lang="en-US" dirty="0" smtClean="0"/>
-              <a:t>In summary</a:t>
-            </a:r>
-            <a:endParaRPr lang="en-US" dirty="0"/>
-          </a:p>
-        </p:txBody>
-      </p:sp>
-      <p:sp>
-        <p:nvSpPr>
-          <p:cNvPr id="3" name="Content Placeholder 2"/>
-          <p:cNvSpPr>
-            <a:spLocks noGrp="1"/>
-          </p:cNvSpPr>
-          <p:nvPr>
-            <p:ph idx="1"/>
-          </p:nvPr>
-        </p:nvSpPr>
-        <p:spPr>
-          <a:xfrm>
-            <a:off x="1141413" y="2249487"/>
-            <a:ext cx="10202862" cy="3541714"/>
-          </a:xfrm>
-        </p:spPr>
-        <p:txBody>
-          <a:bodyPr>
-            <a:normAutofit/>
-          </a:bodyPr>
-          <a:lstStyle/>
-          <a:p>
-            <a:r>
-              <a:rPr lang="en-US" dirty="0" smtClean="0"/>
-              <a:t>F# great general purpose language</a:t>
-            </a:r>
-          </a:p>
-          <a:p>
-            <a:r>
-              <a:rPr lang="en-US" dirty="0" smtClean="0"/>
-              <a:t>Hard </a:t>
-            </a:r>
-            <a:r>
-              <a:rPr lang="en-US" dirty="0"/>
-              <a:t>things easy </a:t>
-            </a:r>
-            <a:r>
-              <a:rPr lang="en-US" dirty="0" smtClean="0"/>
-              <a:t>impossible </a:t>
-            </a:r>
-            <a:r>
-              <a:rPr lang="en-US" dirty="0"/>
-              <a:t>things </a:t>
-            </a:r>
-            <a:r>
-              <a:rPr lang="en-US" dirty="0" smtClean="0"/>
-              <a:t>possible</a:t>
-            </a:r>
-          </a:p>
-          <a:p>
-            <a:r>
-              <a:rPr lang="en-US" dirty="0" smtClean="0"/>
-              <a:t>Go thru the framework code base – it’s great language tutorial</a:t>
-            </a:r>
-            <a:r>
-              <a:rPr lang="en-US" dirty="0" smtClean="0"/>
-              <a:t/>
-            </a:r>
-            <a:br>
-              <a:rPr lang="en-US" dirty="0" smtClean="0"/>
-            </a:br>
-            <a:endParaRPr lang="en-US" dirty="0"/>
-          </a:p>
-        </p:txBody>
-      </p:sp>
-    </p:spTree>
-    <p:extLst>
-      <p:ext uri="{BB962C8B-B14F-4D97-AF65-F5344CB8AC3E}">
-        <p14:creationId xmlns:p14="http://schemas.microsoft.com/office/powerpoint/2010/main" val="1249366738"/>
-      </p:ext>
-    </p:extLst>
-  </p:cSld>
-  <p:clrMapOvr>
-    <a:masterClrMapping/>
-  </p:clrMapOvr>
-  <p:timing>
-    <p:tnLst>
-      <p:par>
-        <p:cTn id="1" dur="indefinite" restart="never" nodeType="tmRoot"/>
-      </p:par>
-    </p:tnLst>
-  </p:timing>
-</p:sld>
-</file>
-
-<file path=ppt/slides/slide3.xml><?xml version="1.0" encoding="utf-8"?>
-<p:sld xmlns:a="http://schemas.openxmlformats.org/drawingml/2006/main" xmlns:r="http://schemas.openxmlformats.org/officeDocument/2006/relationships" xmlns:p="http://schemas.openxmlformats.org/presentationml/2006/main">
-  <p:cSld>
-    <p:spTree>
-      <p:nvGrpSpPr>
-        <p:cNvPr id="1" name=""/>
-        <p:cNvGrpSpPr/>
-        <p:nvPr/>
-      </p:nvGrpSpPr>
-      <p:grpSpPr>
-        <a:xfrm>
-          <a:off x="0" y="0"/>
-          <a:ext cx="0" cy="0"/>
-          <a:chOff x="0" y="0"/>
-          <a:chExt cx="0" cy="0"/>
-        </a:xfrm>
-      </p:grpSpPr>
-      <p:sp>
-        <p:nvSpPr>
-          <p:cNvPr id="4" name="Title 3"/>
-          <p:cNvSpPr>
-            <a:spLocks noGrp="1"/>
-          </p:cNvSpPr>
-          <p:nvPr>
-            <p:ph type="title"/>
-          </p:nvPr>
-        </p:nvSpPr>
-        <p:spPr>
-          <a:xfrm>
-            <a:off x="1519183" y="618518"/>
-            <a:ext cx="9528228" cy="1478570"/>
-          </a:xfrm>
-        </p:spPr>
-        <p:txBody>
-          <a:bodyPr/>
-          <a:lstStyle/>
-          <a:p>
-            <a:r>
-              <a:rPr lang="en-US" dirty="0" smtClean="0"/>
-              <a:t>MVvm (</a:t>
-            </a:r>
-            <a:r>
-              <a:rPr lang="en-US" cap="none" dirty="0" smtClean="0"/>
-              <a:t>Model-View-ViewModel</a:t>
-            </a:r>
-            <a:r>
-              <a:rPr lang="en-US" dirty="0" smtClean="0"/>
-              <a:t>)</a:t>
-            </a:r>
-            <a:endParaRPr lang="en-US" dirty="0"/>
-          </a:p>
-        </p:txBody>
-      </p:sp>
-      <p:pic>
-        <p:nvPicPr>
-          <p:cNvPr id="6" name="Content Placeholder 5"/>
-          <p:cNvPicPr>
-            <a:picLocks noGrp="1" noChangeAspect="1"/>
-          </p:cNvPicPr>
-          <p:nvPr>
-            <p:ph idx="1"/>
-          </p:nvPr>
-        </p:nvPicPr>
-        <p:blipFill>
-          <a:blip r:embed="rId2">
-            <a:extLst>
-              <a:ext uri="{28A0092B-C50C-407E-A947-70E740481C1C}">
-                <a14:useLocalDpi xmlns:a14="http://schemas.microsoft.com/office/drawing/2010/main" val="0"/>
-              </a:ext>
-            </a:extLst>
-          </a:blip>
-          <a:stretch>
-            <a:fillRect/>
-          </a:stretch>
-        </p:blipFill>
-        <p:spPr>
-          <a:xfrm>
-            <a:off x="1519183" y="1700221"/>
-            <a:ext cx="9150458" cy="3161068"/>
-          </a:xfrm>
-        </p:spPr>
-      </p:pic>
-    </p:spTree>
-    <p:extLst>
-      <p:ext uri="{BB962C8B-B14F-4D97-AF65-F5344CB8AC3E}">
-        <p14:creationId xmlns:p14="http://schemas.microsoft.com/office/powerpoint/2010/main" val="3569035093"/>
-      </p:ext>
-    </p:extLst>
-  </p:cSld>
-  <p:clrMapOvr>
-    <a:masterClrMapping/>
-  </p:clrMapOvr>
-  <p:timing>
-    <p:tnLst>
-      <p:par>
-        <p:cTn id="1" dur="indefinite" restart="never" nodeType="tmRoot"/>
-      </p:par>
-    </p:tnLst>
-  </p:timing>
-</p:sld>
-</file>
-
-<file path=ppt/slides/slide4.xml><?xml version="1.0" encoding="utf-8"?>
-<p:sld xmlns:a="http://schemas.openxmlformats.org/drawingml/2006/main" xmlns:r="http://schemas.openxmlformats.org/officeDocument/2006/relationships" xmlns:p="http://schemas.openxmlformats.org/presentationml/2006/main">
-  <p:cSld>
-    <p:spTree>
-      <p:nvGrpSpPr>
-        <p:cNvPr id="1" name=""/>
-        <p:cNvGrpSpPr/>
-        <p:nvPr/>
-      </p:nvGrpSpPr>
-      <p:grpSpPr>
-        <a:xfrm>
-          <a:off x="0" y="0"/>
-          <a:ext cx="0" cy="0"/>
-          <a:chOff x="0" y="0"/>
-          <a:chExt cx="0" cy="0"/>
-        </a:xfrm>
-      </p:grpSpPr>
-      <p:sp>
-        <p:nvSpPr>
-          <p:cNvPr id="4" name="Title 3"/>
-          <p:cNvSpPr>
-            <a:spLocks noGrp="1"/>
-          </p:cNvSpPr>
-          <p:nvPr>
-            <p:ph type="title"/>
-          </p:nvPr>
-        </p:nvSpPr>
-        <p:spPr/>
-        <p:txBody>
-          <a:bodyPr/>
-          <a:lstStyle/>
-          <a:p>
-            <a:r>
-              <a:rPr lang="en-US" dirty="0" smtClean="0"/>
-              <a:t>Can we do better </a:t>
-            </a:r>
-            <a:r>
-              <a:rPr lang="en-US" cap="none" dirty="0" smtClean="0"/>
-              <a:t>in</a:t>
-            </a:r>
-            <a:r>
-              <a:rPr lang="en-US" dirty="0" smtClean="0"/>
-              <a:t> F#?</a:t>
-            </a:r>
-            <a:endParaRPr lang="en-US" dirty="0"/>
-          </a:p>
-        </p:txBody>
-      </p:sp>
-      <p:sp>
-        <p:nvSpPr>
-          <p:cNvPr id="3" name="Content Placeholder 2"/>
-          <p:cNvSpPr>
-            <a:spLocks noGrp="1"/>
-          </p:cNvSpPr>
-          <p:nvPr>
-            <p:ph idx="1"/>
-          </p:nvPr>
-        </p:nvSpPr>
-        <p:spPr/>
-        <p:txBody>
-          <a:bodyPr/>
-          <a:lstStyle/>
-          <a:p>
-            <a:r>
-              <a:rPr lang="en-US" dirty="0" smtClean="0"/>
-              <a:t>MVVM has many shortcomings</a:t>
-            </a:r>
-            <a:endParaRPr lang="en-US" dirty="0" smtClean="0"/>
-          </a:p>
-          <a:p>
-            <a:r>
-              <a:rPr lang="en-US" dirty="0" smtClean="0"/>
-              <a:t>It’s still hard to develop WPF apps using MVVM</a:t>
-            </a:r>
-          </a:p>
-          <a:p>
-            <a:r>
-              <a:rPr lang="en-US" dirty="0" smtClean="0"/>
-              <a:t>MVVM was designed </a:t>
-            </a:r>
-            <a:r>
-              <a:rPr lang="en-US" dirty="0" smtClean="0"/>
-              <a:t>with C# limitations in mind</a:t>
-            </a:r>
-          </a:p>
-          <a:p>
-            <a:endParaRPr lang="en-US" dirty="0"/>
-          </a:p>
-        </p:txBody>
-      </p:sp>
-    </p:spTree>
-    <p:extLst>
-      <p:ext uri="{BB962C8B-B14F-4D97-AF65-F5344CB8AC3E}">
-        <p14:creationId xmlns:p14="http://schemas.microsoft.com/office/powerpoint/2010/main" val="3716489453"/>
-      </p:ext>
-    </p:extLst>
-  </p:cSld>
-  <p:clrMapOvr>
-    <a:masterClrMapping/>
-  </p:clrMapOvr>
-  <p:timing>
-    <p:tnLst>
-      <p:par>
-        <p:cTn id="1" dur="indefinite" restart="never" nodeType="tmRoot"/>
-      </p:par>
-    </p:tnLst>
-  </p:timing>
-</p:sld>
-</file>
-
-<file path=ppt/slides/slide5.xml><?xml version="1.0" encoding="utf-8"?>
-<p:sld xmlns:a="http://schemas.openxmlformats.org/drawingml/2006/main" xmlns:r="http://schemas.openxmlformats.org/officeDocument/2006/relationships" xmlns:p="http://schemas.openxmlformats.org/presentationml/2006/main">
-  <p:cSld>
-    <p:spTree>
-      <p:nvGrpSpPr>
-        <p:cNvPr id="1" name=""/>
-        <p:cNvGrpSpPr/>
-        <p:nvPr/>
-      </p:nvGrpSpPr>
-      <p:grpSpPr>
-        <a:xfrm>
-          <a:off x="0" y="0"/>
-          <a:ext cx="0" cy="0"/>
-          <a:chOff x="0" y="0"/>
-          <a:chExt cx="0" cy="0"/>
-        </a:xfrm>
-      </p:grpSpPr>
-      <p:sp>
-        <p:nvSpPr>
-          <p:cNvPr id="2" name="Title 1"/>
-          <p:cNvSpPr>
-            <a:spLocks noGrp="1"/>
-          </p:cNvSpPr>
-          <p:nvPr>
-            <p:ph type="title"/>
-          </p:nvPr>
-        </p:nvSpPr>
-        <p:spPr>
-          <a:xfrm>
-            <a:off x="974785" y="618518"/>
-            <a:ext cx="10153290" cy="705457"/>
-          </a:xfrm>
-        </p:spPr>
-        <p:txBody>
-          <a:bodyPr/>
-          <a:lstStyle/>
-          <a:p>
-            <a:r>
-              <a:rPr lang="en-US" dirty="0" smtClean="0"/>
-              <a:t>FIRST class EventS-Driven architecture</a:t>
-            </a:r>
-            <a:endParaRPr lang="en-US" dirty="0"/>
-          </a:p>
-        </p:txBody>
-      </p:sp>
-      <p:sp>
-        <p:nvSpPr>
-          <p:cNvPr id="3" name="Content Placeholder 2"/>
-          <p:cNvSpPr>
-            <a:spLocks noGrp="1"/>
-          </p:cNvSpPr>
-          <p:nvPr>
-            <p:ph idx="1"/>
-          </p:nvPr>
-        </p:nvSpPr>
-        <p:spPr>
-          <a:xfrm>
-            <a:off x="974786" y="1466850"/>
-            <a:ext cx="10153290" cy="4324352"/>
-          </a:xfrm>
-          <a:solidFill>
-            <a:schemeClr val="tx1"/>
-          </a:solidFill>
-        </p:spPr>
-        <p:txBody>
-          <a:bodyPr>
-            <a:normAutofit fontScale="85000" lnSpcReduction="20000"/>
-          </a:bodyPr>
-          <a:lstStyle/>
-          <a:p>
-            <a:pPr marL="0" indent="0">
-              <a:buNone/>
-            </a:pPr>
-            <a:r>
-              <a:rPr lang="en-US" dirty="0">
-                <a:solidFill>
-                  <a:srgbClr val="0000FF"/>
-                </a:solidFill>
-                <a:latin typeface="Consolas" panose="020B0609020204030204" pitchFamily="49" charset="0"/>
-              </a:rPr>
-              <a:t>type</a:t>
-            </a:r>
-            <a:r>
-              <a:rPr lang="en-US" dirty="0">
-                <a:solidFill>
-                  <a:prstClr val="black"/>
-                </a:solidFill>
-                <a:latin typeface="Consolas" panose="020B0609020204030204" pitchFamily="49" charset="0"/>
-              </a:rPr>
-              <a:t> View = IEvent&lt;Events&gt;  </a:t>
-            </a:r>
-          </a:p>
-          <a:p>
-            <a:pPr marL="0" indent="0">
-              <a:buNone/>
-            </a:pPr>
-            <a:r>
-              <a:rPr lang="en-US" dirty="0" smtClean="0">
-                <a:solidFill>
-                  <a:srgbClr val="0000FF"/>
-                </a:solidFill>
-                <a:latin typeface="Consolas" panose="020B0609020204030204" pitchFamily="49" charset="0"/>
-              </a:rPr>
-              <a:t>and</a:t>
-            </a:r>
-            <a:r>
-              <a:rPr lang="en-US" dirty="0" smtClean="0">
-                <a:solidFill>
-                  <a:prstClr val="black"/>
-                </a:solidFill>
-                <a:latin typeface="Consolas" panose="020B0609020204030204" pitchFamily="49" charset="0"/>
-              </a:rPr>
-              <a:t> Events = </a:t>
-            </a:r>
-          </a:p>
-          <a:p>
-            <a:pPr marL="0" indent="0">
-              <a:buNone/>
-            </a:pPr>
-            <a:r>
-              <a:rPr lang="en-US" dirty="0" smtClean="0">
-                <a:solidFill>
-                  <a:prstClr val="black"/>
-                </a:solidFill>
-                <a:latin typeface="Consolas" panose="020B0609020204030204" pitchFamily="49" charset="0"/>
-              </a:rPr>
-              <a:t>    | Add </a:t>
-            </a:r>
-            <a:r>
-              <a:rPr lang="en-US" dirty="0" smtClean="0">
-                <a:solidFill>
-                  <a:srgbClr val="0000FF"/>
-                </a:solidFill>
-                <a:latin typeface="Consolas" panose="020B0609020204030204" pitchFamily="49" charset="0"/>
-              </a:rPr>
-              <a:t>of</a:t>
-            </a:r>
-            <a:r>
-              <a:rPr lang="en-US" dirty="0" smtClean="0">
-                <a:solidFill>
-                  <a:prstClr val="black"/>
-                </a:solidFill>
-                <a:latin typeface="Consolas" panose="020B0609020204030204" pitchFamily="49" charset="0"/>
-              </a:rPr>
-              <a:t> int </a:t>
-            </a:r>
-          </a:p>
-          <a:p>
-            <a:pPr marL="0" indent="0">
-              <a:buNone/>
-            </a:pPr>
-            <a:r>
-              <a:rPr lang="en-US" dirty="0" smtClean="0">
-                <a:solidFill>
-                  <a:prstClr val="black"/>
-                </a:solidFill>
-                <a:latin typeface="Consolas" panose="020B0609020204030204" pitchFamily="49" charset="0"/>
-              </a:rPr>
-              <a:t>    | Subtract </a:t>
-            </a:r>
-            <a:r>
-              <a:rPr lang="en-US" dirty="0" smtClean="0">
-                <a:solidFill>
-                  <a:srgbClr val="0000FF"/>
-                </a:solidFill>
-                <a:latin typeface="Consolas" panose="020B0609020204030204" pitchFamily="49" charset="0"/>
-              </a:rPr>
-              <a:t>of</a:t>
-            </a:r>
-            <a:r>
-              <a:rPr lang="en-US" dirty="0" smtClean="0">
-                <a:solidFill>
-                  <a:prstClr val="black"/>
-                </a:solidFill>
-                <a:latin typeface="Consolas" panose="020B0609020204030204" pitchFamily="49" charset="0"/>
-              </a:rPr>
-              <a:t> int</a:t>
-            </a:r>
-          </a:p>
-          <a:p>
-            <a:pPr marL="0" indent="0">
-              <a:buNone/>
-            </a:pPr>
-            <a:endParaRPr lang="en-US" dirty="0" smtClean="0">
-              <a:solidFill>
-                <a:prstClr val="black"/>
-              </a:solidFill>
-              <a:latin typeface="Consolas" panose="020B0609020204030204" pitchFamily="49" charset="0"/>
-            </a:endParaRPr>
-          </a:p>
-          <a:p>
-            <a:pPr marL="0" indent="0">
-              <a:buNone/>
-            </a:pPr>
-            <a:r>
-              <a:rPr lang="en-US" dirty="0" smtClean="0">
-                <a:solidFill>
-                  <a:srgbClr val="0000FF"/>
-                </a:solidFill>
-                <a:latin typeface="Consolas" panose="020B0609020204030204" pitchFamily="49" charset="0"/>
-              </a:rPr>
-              <a:t>type</a:t>
-            </a:r>
-            <a:r>
-              <a:rPr lang="en-US" dirty="0" smtClean="0">
-                <a:solidFill>
-                  <a:prstClr val="black"/>
-                </a:solidFill>
-                <a:latin typeface="Consolas" panose="020B0609020204030204" pitchFamily="49" charset="0"/>
-              </a:rPr>
-              <a:t> Model = { State : int }</a:t>
-            </a:r>
-          </a:p>
-          <a:p>
-            <a:pPr marL="0" indent="0">
-              <a:buNone/>
-            </a:pPr>
-            <a:endParaRPr lang="en-US" dirty="0" smtClean="0">
-              <a:solidFill>
-                <a:prstClr val="black"/>
-              </a:solidFill>
-              <a:latin typeface="Consolas" panose="020B0609020204030204" pitchFamily="49" charset="0"/>
-            </a:endParaRPr>
-          </a:p>
-          <a:p>
-            <a:pPr marL="0" indent="0">
-              <a:buNone/>
-            </a:pPr>
-            <a:r>
-              <a:rPr lang="en-US" dirty="0">
-                <a:solidFill>
-                  <a:srgbClr val="0000FF"/>
-                </a:solidFill>
-                <a:latin typeface="Consolas" panose="020B0609020204030204" pitchFamily="49" charset="0"/>
-              </a:rPr>
-              <a:t>type</a:t>
-            </a:r>
-            <a:r>
-              <a:rPr lang="en-US" dirty="0">
-                <a:solidFill>
-                  <a:prstClr val="black"/>
-                </a:solidFill>
-                <a:latin typeface="Consolas" panose="020B0609020204030204" pitchFamily="49" charset="0"/>
-              </a:rPr>
-              <a:t> Controller = </a:t>
-            </a:r>
-            <a:r>
-              <a:rPr lang="en-US" dirty="0" smtClean="0">
-                <a:solidFill>
-                  <a:prstClr val="black"/>
-                </a:solidFill>
-                <a:latin typeface="Consolas" panose="020B0609020204030204" pitchFamily="49" charset="0"/>
-              </a:rPr>
-              <a:t>Events </a:t>
-            </a:r>
-            <a:r>
-              <a:rPr lang="en-US" dirty="0">
-                <a:solidFill>
-                  <a:srgbClr val="0000FF"/>
-                </a:solidFill>
-                <a:latin typeface="Consolas" panose="020B0609020204030204" pitchFamily="49" charset="0"/>
-              </a:rPr>
-              <a:t>-&gt;</a:t>
-            </a:r>
-            <a:r>
-              <a:rPr lang="en-US" dirty="0">
-                <a:solidFill>
-                  <a:prstClr val="black"/>
-                </a:solidFill>
-                <a:latin typeface="Consolas" panose="020B0609020204030204" pitchFamily="49" charset="0"/>
-              </a:rPr>
-              <a:t> Model </a:t>
-            </a:r>
-            <a:r>
-              <a:rPr lang="en-US" dirty="0">
-                <a:solidFill>
-                  <a:srgbClr val="0000FF"/>
-                </a:solidFill>
-                <a:latin typeface="Consolas" panose="020B0609020204030204" pitchFamily="49" charset="0"/>
-              </a:rPr>
-              <a:t>-&gt;</a:t>
-            </a:r>
-            <a:r>
-              <a:rPr lang="en-US" dirty="0">
-                <a:solidFill>
-                  <a:prstClr val="black"/>
-                </a:solidFill>
-                <a:latin typeface="Consolas" panose="020B0609020204030204" pitchFamily="49" charset="0"/>
-              </a:rPr>
-              <a:t> </a:t>
-            </a:r>
-            <a:r>
-              <a:rPr lang="en-US" dirty="0" smtClean="0">
-                <a:solidFill>
-                  <a:prstClr val="black"/>
-                </a:solidFill>
-                <a:latin typeface="Consolas" panose="020B0609020204030204" pitchFamily="49" charset="0"/>
-              </a:rPr>
-              <a:t>Model</a:t>
-            </a:r>
-          </a:p>
-          <a:p>
-            <a:pPr marL="0" indent="0">
-              <a:buNone/>
-            </a:pPr>
-            <a:endParaRPr lang="en-US" dirty="0" smtClean="0">
-              <a:solidFill>
-                <a:prstClr val="black"/>
-              </a:solidFill>
-              <a:latin typeface="Consolas" panose="020B0609020204030204" pitchFamily="49" charset="0"/>
-            </a:endParaRPr>
-          </a:p>
-          <a:p>
-            <a:pPr marL="0" indent="0">
-              <a:buNone/>
-            </a:pPr>
-            <a:r>
-              <a:rPr lang="en-US" dirty="0" smtClean="0">
-                <a:solidFill>
-                  <a:srgbClr val="0000FF"/>
-                </a:solidFill>
-                <a:latin typeface="Consolas" panose="020B0609020204030204" pitchFamily="49" charset="0"/>
-              </a:rPr>
-              <a:t>type</a:t>
-            </a:r>
-            <a:r>
-              <a:rPr lang="en-US" dirty="0" smtClean="0">
-                <a:solidFill>
-                  <a:prstClr val="black"/>
-                </a:solidFill>
-                <a:latin typeface="Consolas" panose="020B0609020204030204" pitchFamily="49" charset="0"/>
-              </a:rPr>
-              <a:t> Mvc </a:t>
-            </a:r>
-            <a:r>
-              <a:rPr lang="en-US" dirty="0">
-                <a:solidFill>
-                  <a:prstClr val="black"/>
-                </a:solidFill>
-                <a:latin typeface="Consolas" panose="020B0609020204030204" pitchFamily="49" charset="0"/>
-              </a:rPr>
-              <a:t>= Controller </a:t>
-            </a:r>
-            <a:r>
-              <a:rPr lang="en-US" dirty="0" smtClean="0">
-                <a:solidFill>
-                  <a:srgbClr val="0000FF"/>
-                </a:solidFill>
-                <a:latin typeface="Consolas" panose="020B0609020204030204" pitchFamily="49" charset="0"/>
-              </a:rPr>
-              <a:t>-&gt;</a:t>
-            </a:r>
-            <a:r>
-              <a:rPr lang="en-US" dirty="0" smtClean="0">
-                <a:solidFill>
-                  <a:prstClr val="black"/>
-                </a:solidFill>
-                <a:latin typeface="Consolas" panose="020B0609020204030204" pitchFamily="49" charset="0"/>
-              </a:rPr>
-              <a:t> Model </a:t>
-            </a:r>
-            <a:r>
-              <a:rPr lang="en-US" dirty="0" smtClean="0">
-                <a:solidFill>
-                  <a:srgbClr val="0000FF"/>
-                </a:solidFill>
-                <a:latin typeface="Consolas" panose="020B0609020204030204" pitchFamily="49" charset="0"/>
-              </a:rPr>
-              <a:t>-&gt;</a:t>
-            </a:r>
-            <a:r>
-              <a:rPr lang="en-US" dirty="0" smtClean="0">
-                <a:solidFill>
-                  <a:prstClr val="black"/>
-                </a:solidFill>
-                <a:latin typeface="Consolas" panose="020B0609020204030204" pitchFamily="49" charset="0"/>
-              </a:rPr>
-              <a:t> IEvent&lt;Events&gt; </a:t>
-            </a:r>
-            <a:r>
-              <a:rPr lang="en-US" dirty="0" smtClean="0">
-                <a:solidFill>
-                  <a:srgbClr val="0000FF"/>
-                </a:solidFill>
-                <a:latin typeface="Consolas" panose="020B0609020204030204" pitchFamily="49" charset="0"/>
-              </a:rPr>
-              <a:t>-&gt;</a:t>
-            </a:r>
-            <a:r>
-              <a:rPr lang="en-US" dirty="0" smtClean="0">
-                <a:solidFill>
-                  <a:prstClr val="black"/>
-                </a:solidFill>
-                <a:latin typeface="Consolas" panose="020B0609020204030204" pitchFamily="49" charset="0"/>
-              </a:rPr>
-              <a:t> Model</a:t>
-            </a:r>
-          </a:p>
-          <a:p>
-            <a:pPr marL="0" indent="0">
-              <a:buNone/>
-            </a:pPr>
-            <a:endParaRPr lang="en-US" dirty="0">
-              <a:solidFill>
-                <a:schemeClr val="bg1"/>
-              </a:solidFill>
-            </a:endParaRPr>
-          </a:p>
-        </p:txBody>
-      </p:sp>
-    </p:spTree>
-    <p:extLst>
-      <p:ext uri="{BB962C8B-B14F-4D97-AF65-F5344CB8AC3E}">
-        <p14:creationId xmlns:p14="http://schemas.microsoft.com/office/powerpoint/2010/main" val="2634465386"/>
-      </p:ext>
-    </p:extLst>
-  </p:cSld>
-  <p:clrMapOvr>
-    <a:masterClrMapping/>
-  </p:clrMapOvr>
-  <p:timing>
-    <p:tnLst>
-      <p:par>
-        <p:cTn id="1" dur="indefinite" restart="never" nodeType="tmRoot"/>
-      </p:par>
-    </p:tnLst>
-  </p:timing>
-</p:sld>
-</file>
-
-<file path=ppt/slides/slide6.xml><?xml version="1.0" encoding="utf-8"?>
-<p:sld xmlns:a="http://schemas.openxmlformats.org/drawingml/2006/main" xmlns:r="http://schemas.openxmlformats.org/officeDocument/2006/relationships" xmlns:p="http://schemas.openxmlformats.org/presentationml/2006/main">
-  <p:cSld>
-    <p:spTree>
-      <p:nvGrpSpPr>
-        <p:cNvPr id="1" name=""/>
-        <p:cNvGrpSpPr/>
-        <p:nvPr/>
-      </p:nvGrpSpPr>
-      <p:grpSpPr>
-        <a:xfrm>
-          <a:off x="0" y="0"/>
-          <a:ext cx="0" cy="0"/>
-          <a:chOff x="0" y="0"/>
-          <a:chExt cx="0" cy="0"/>
-        </a:xfrm>
-      </p:grpSpPr>
-      <p:sp>
-        <p:nvSpPr>
-          <p:cNvPr id="2" name="Title 1"/>
-          <p:cNvSpPr>
-            <a:spLocks noGrp="1"/>
-          </p:cNvSpPr>
-          <p:nvPr>
-            <p:ph type="title"/>
-          </p:nvPr>
-        </p:nvSpPr>
-        <p:spPr/>
-        <p:txBody>
-          <a:bodyPr/>
-          <a:lstStyle/>
-          <a:p>
-            <a:r>
-              <a:rPr lang="en-US" dirty="0" smtClean="0"/>
-              <a:t>model</a:t>
-            </a:r>
-            <a:endParaRPr lang="en-US" dirty="0"/>
-          </a:p>
-        </p:txBody>
-      </p:sp>
-      <p:sp>
-        <p:nvSpPr>
-          <p:cNvPr id="3" name="Content Placeholder 2"/>
-          <p:cNvSpPr>
-            <a:spLocks noGrp="1"/>
-          </p:cNvSpPr>
-          <p:nvPr>
-            <p:ph idx="1"/>
-          </p:nvPr>
-        </p:nvSpPr>
-        <p:spPr>
-          <a:xfrm>
-            <a:off x="1141412" y="1984075"/>
-            <a:ext cx="9905999" cy="3807126"/>
-          </a:xfrm>
-        </p:spPr>
-        <p:txBody>
-          <a:bodyPr>
-            <a:normAutofit fontScale="92500" lnSpcReduction="20000"/>
-          </a:bodyPr>
-          <a:lstStyle/>
-          <a:p>
-            <a:r>
-              <a:rPr lang="en-US" dirty="0" smtClean="0"/>
-              <a:t>Not domain model</a:t>
-            </a:r>
-          </a:p>
-          <a:p>
-            <a:r>
-              <a:rPr lang="en-US" dirty="0" smtClean="0"/>
-              <a:t>Based on Castle Dynamic Proxy</a:t>
-            </a:r>
-          </a:p>
-          <a:p>
-            <a:r>
-              <a:rPr lang="en-US" dirty="0" smtClean="0"/>
-              <a:t>Raises INPC.PropertyChanged from setter interceptor</a:t>
-            </a:r>
-          </a:p>
-          <a:p>
-            <a:r>
-              <a:rPr lang="en-US" dirty="0" smtClean="0"/>
-              <a:t>Restrictions: </a:t>
-            </a:r>
-            <a:r>
-              <a:rPr lang="en-US" dirty="0" smtClean="0"/>
-              <a:t>virtual properties </a:t>
-            </a:r>
-            <a:r>
-              <a:rPr lang="en-US" dirty="0" smtClean="0"/>
-              <a:t>+ base class + factory </a:t>
-            </a:r>
-            <a:r>
-              <a:rPr lang="en-US" dirty="0"/>
-              <a:t>method +</a:t>
-            </a:r>
-            <a:r>
-              <a:rPr lang="en-US" dirty="0" err="1"/>
-              <a:t>parameterless</a:t>
-            </a:r>
-            <a:r>
-              <a:rPr lang="en-US" dirty="0"/>
-              <a:t> </a:t>
-            </a:r>
-            <a:r>
-              <a:rPr lang="en-US" dirty="0" err="1" smtClean="0"/>
-              <a:t>ctor</a:t>
-            </a:r>
-            <a:endParaRPr lang="en-US" dirty="0" smtClean="0"/>
-          </a:p>
-          <a:p>
-            <a:r>
-              <a:rPr lang="en-US" dirty="0" smtClean="0"/>
-              <a:t>DECLARATIVE, FUNCTIONAL STYLE</a:t>
-            </a:r>
-          </a:p>
-          <a:p>
-            <a:pPr lvl="1"/>
-            <a:r>
-              <a:rPr lang="en-US" dirty="0"/>
-              <a:t>T</a:t>
-            </a:r>
-            <a:r>
-              <a:rPr lang="en-US" dirty="0" smtClean="0"/>
-              <a:t>ype </a:t>
-            </a:r>
-            <a:r>
-              <a:rPr lang="en-US" dirty="0" smtClean="0"/>
-              <a:t>definition only, no imperative </a:t>
-            </a:r>
-            <a:r>
-              <a:rPr lang="en-US" dirty="0" smtClean="0"/>
-              <a:t>logic</a:t>
-            </a:r>
-          </a:p>
-          <a:p>
-            <a:pPr lvl="1"/>
-            <a:r>
-              <a:rPr lang="en-US" dirty="0"/>
-              <a:t>It is better to have 100 functions operate on one data structure than 10 functions on 10 data structures.</a:t>
-            </a:r>
-            <a:endParaRPr lang="en-US" dirty="0"/>
-          </a:p>
-        </p:txBody>
-      </p:sp>
-    </p:spTree>
-    <p:extLst>
-      <p:ext uri="{BB962C8B-B14F-4D97-AF65-F5344CB8AC3E}">
-        <p14:creationId xmlns:p14="http://schemas.microsoft.com/office/powerpoint/2010/main" val="2026110272"/>
-      </p:ext>
-    </p:extLst>
-  </p:cSld>
-  <p:clrMapOvr>
-    <a:masterClrMapping/>
-  </p:clrMapOvr>
-  <p:timing>
-    <p:tnLst>
-      <p:par>
-        <p:cTn id="1" dur="indefinite" restart="never" nodeType="tmRoot"/>
-      </p:par>
-    </p:tnLst>
-  </p:timing>
-</p:sld>
-</file>
-
-<file path=ppt/slides/slide7.xml><?xml version="1.0" encoding="utf-8"?>
-<p:sld xmlns:a="http://schemas.openxmlformats.org/drawingml/2006/main" xmlns:r="http://schemas.openxmlformats.org/officeDocument/2006/relationships" xmlns:p="http://schemas.openxmlformats.org/presentationml/2006/main">
-  <p:cSld>
-    <p:spTree>
-      <p:nvGrpSpPr>
-        <p:cNvPr id="1" name=""/>
-        <p:cNvGrpSpPr/>
-        <p:nvPr/>
-      </p:nvGrpSpPr>
-      <p:grpSpPr>
-        <a:xfrm>
-          <a:off x="0" y="0"/>
-          <a:ext cx="0" cy="0"/>
-          <a:chOff x="0" y="0"/>
-          <a:chExt cx="0" cy="0"/>
-        </a:xfrm>
-      </p:grpSpPr>
-      <p:sp>
-        <p:nvSpPr>
-          <p:cNvPr id="2" name="Title 1"/>
-          <p:cNvSpPr>
-            <a:spLocks noGrp="1"/>
-          </p:cNvSpPr>
-          <p:nvPr>
-            <p:ph type="title"/>
-          </p:nvPr>
-        </p:nvSpPr>
-        <p:spPr/>
-        <p:txBody>
-          <a:bodyPr/>
-          <a:lstStyle/>
-          <a:p>
-            <a:r>
-              <a:rPr lang="en-US" dirty="0" smtClean="0"/>
-              <a:t>VIEW </a:t>
-            </a:r>
-            <a:endParaRPr lang="en-US" dirty="0"/>
-          </a:p>
-        </p:txBody>
-      </p:sp>
-      <p:sp>
-        <p:nvSpPr>
-          <p:cNvPr id="3" name="Content Placeholder 2"/>
-          <p:cNvSpPr>
-            <a:spLocks noGrp="1"/>
-          </p:cNvSpPr>
-          <p:nvPr>
-            <p:ph idx="1"/>
-          </p:nvPr>
-        </p:nvSpPr>
-        <p:spPr>
-          <a:xfrm>
-            <a:off x="1141413" y="3382131"/>
-            <a:ext cx="9905999" cy="2475744"/>
-          </a:xfrm>
-        </p:spPr>
-        <p:txBody>
-          <a:bodyPr>
-            <a:normAutofit fontScale="92500" lnSpcReduction="10000"/>
-          </a:bodyPr>
-          <a:lstStyle/>
-          <a:p>
-            <a:r>
-              <a:rPr lang="en-US" dirty="0" smtClean="0"/>
-              <a:t>Event source</a:t>
-            </a:r>
-          </a:p>
-          <a:p>
-            <a:r>
-              <a:rPr lang="en-US" dirty="0" smtClean="0"/>
-              <a:t>Data binding target </a:t>
-            </a:r>
-            <a:r>
-              <a:rPr lang="en-US" dirty="0" smtClean="0"/>
-              <a:t>(model </a:t>
-            </a:r>
-            <a:r>
-              <a:rPr lang="en-US" dirty="0" smtClean="0"/>
-              <a:t>is the </a:t>
-            </a:r>
-            <a:r>
-              <a:rPr lang="en-US" dirty="0" err="1" smtClean="0"/>
-              <a:t>DataContext</a:t>
-            </a:r>
-            <a:r>
-              <a:rPr lang="en-US" dirty="0" smtClean="0"/>
-              <a:t>)</a:t>
-            </a:r>
-          </a:p>
-          <a:p>
-            <a:r>
-              <a:rPr lang="en-US" dirty="0" smtClean="0"/>
-              <a:t>Both </a:t>
-            </a:r>
-            <a:r>
-              <a:rPr lang="en-US" dirty="0" smtClean="0"/>
-              <a:t>parametric (‘Events) and subtype (interface) polymorphism</a:t>
-            </a:r>
-          </a:p>
-          <a:p>
-            <a:r>
-              <a:rPr lang="en-US" dirty="0" smtClean="0"/>
-              <a:t>F# support for .NET events makes experience really smooth</a:t>
-            </a:r>
-          </a:p>
-          <a:p>
-            <a:r>
-              <a:rPr lang="en-US" dirty="0" smtClean="0"/>
-              <a:t>DU is better than </a:t>
-            </a:r>
-            <a:r>
-              <a:rPr lang="en-US" dirty="0" err="1" smtClean="0"/>
-              <a:t>Enum</a:t>
-            </a:r>
-            <a:r>
-              <a:rPr lang="en-US" dirty="0" smtClean="0"/>
-              <a:t> (pattern matching, extra state)</a:t>
-            </a:r>
-            <a:endParaRPr lang="en-US" dirty="0"/>
-          </a:p>
-        </p:txBody>
-      </p:sp>
-      <p:sp>
-        <p:nvSpPr>
-          <p:cNvPr id="7" name="Rectangle 6"/>
-          <p:cNvSpPr/>
-          <p:nvPr/>
-        </p:nvSpPr>
-        <p:spPr>
-          <a:xfrm>
-            <a:off x="1141413" y="1903561"/>
-            <a:ext cx="9905999" cy="1200329"/>
-          </a:xfrm>
-          <a:prstGeom prst="rect">
-            <a:avLst/>
-          </a:prstGeom>
-          <a:solidFill>
-            <a:schemeClr val="tx1"/>
-          </a:solidFill>
-        </p:spPr>
-        <p:txBody>
-          <a:bodyPr wrap="square">
-            <a:spAutoFit/>
-          </a:bodyPr>
-          <a:lstStyle/>
-          <a:p>
-            <a:r>
-              <a:rPr lang="en-US" dirty="0">
-                <a:solidFill>
-                  <a:srgbClr val="0000FF"/>
-                </a:solidFill>
-                <a:latin typeface="Consolas" panose="020B0609020204030204" pitchFamily="49" charset="0"/>
-              </a:rPr>
-              <a:t>type</a:t>
-            </a:r>
-            <a:r>
-              <a:rPr lang="en-US" dirty="0">
-                <a:solidFill>
-                  <a:prstClr val="black"/>
-                </a:solidFill>
-                <a:latin typeface="Consolas" panose="020B0609020204030204" pitchFamily="49" charset="0"/>
-              </a:rPr>
-              <a:t> IView&lt;'Events&gt; =</a:t>
-            </a:r>
-          </a:p>
-          <a:p>
-            <a:r>
-              <a:rPr lang="en-US" dirty="0">
-                <a:solidFill>
-                  <a:prstClr val="black"/>
-                </a:solidFill>
-                <a:latin typeface="Consolas" panose="020B0609020204030204" pitchFamily="49" charset="0"/>
-              </a:rPr>
-              <a:t>    </a:t>
-            </a:r>
-            <a:r>
-              <a:rPr lang="en-US" dirty="0">
-                <a:solidFill>
-                  <a:srgbClr val="0000FF"/>
-                </a:solidFill>
-                <a:latin typeface="Consolas" panose="020B0609020204030204" pitchFamily="49" charset="0"/>
-              </a:rPr>
-              <a:t>inherit</a:t>
-            </a:r>
-            <a:r>
-              <a:rPr lang="en-US" dirty="0">
-                <a:solidFill>
-                  <a:prstClr val="black"/>
-                </a:solidFill>
-                <a:latin typeface="Consolas" panose="020B0609020204030204" pitchFamily="49" charset="0"/>
-              </a:rPr>
-              <a:t> IObservable&lt;'Events&gt;</a:t>
-            </a:r>
-          </a:p>
-          <a:p>
-            <a:endParaRPr lang="en-US" dirty="0">
-              <a:solidFill>
-                <a:prstClr val="black"/>
-              </a:solidFill>
-              <a:latin typeface="Consolas" panose="020B0609020204030204" pitchFamily="49" charset="0"/>
-            </a:endParaRPr>
-          </a:p>
-          <a:p>
-            <a:r>
-              <a:rPr lang="en-US" dirty="0">
-                <a:solidFill>
-                  <a:prstClr val="black"/>
-                </a:solidFill>
-                <a:latin typeface="Consolas" panose="020B0609020204030204" pitchFamily="49" charset="0"/>
-              </a:rPr>
-              <a:t>    </a:t>
-            </a:r>
-            <a:r>
-              <a:rPr lang="en-US" dirty="0">
-                <a:solidFill>
-                  <a:srgbClr val="0000FF"/>
-                </a:solidFill>
-                <a:latin typeface="Consolas" panose="020B0609020204030204" pitchFamily="49" charset="0"/>
-              </a:rPr>
-              <a:t>abstract</a:t>
-            </a:r>
-            <a:r>
-              <a:rPr lang="en-US" dirty="0">
-                <a:solidFill>
-                  <a:prstClr val="black"/>
-                </a:solidFill>
-                <a:latin typeface="Consolas" panose="020B0609020204030204" pitchFamily="49" charset="0"/>
-              </a:rPr>
-              <a:t> SetBindings : obj </a:t>
-            </a:r>
-            <a:r>
-              <a:rPr lang="en-US" dirty="0">
-                <a:solidFill>
-                  <a:srgbClr val="0000FF"/>
-                </a:solidFill>
-                <a:latin typeface="Consolas" panose="020B0609020204030204" pitchFamily="49" charset="0"/>
-              </a:rPr>
-              <a:t>-&gt;</a:t>
-            </a:r>
-            <a:r>
-              <a:rPr lang="en-US" dirty="0">
-                <a:solidFill>
-                  <a:prstClr val="black"/>
-                </a:solidFill>
-                <a:latin typeface="Consolas" panose="020B0609020204030204" pitchFamily="49" charset="0"/>
-              </a:rPr>
-              <a:t> unit</a:t>
-            </a:r>
-          </a:p>
-        </p:txBody>
-      </p:sp>
-    </p:spTree>
-    <p:extLst>
-      <p:ext uri="{BB962C8B-B14F-4D97-AF65-F5344CB8AC3E}">
-        <p14:creationId xmlns:p14="http://schemas.microsoft.com/office/powerpoint/2010/main" val="3687811577"/>
-      </p:ext>
-    </p:extLst>
-  </p:cSld>
-  <p:clrMapOvr>
-    <a:masterClrMapping/>
-  </p:clrMapOvr>
-  <p:timing>
-    <p:tnLst>
-      <p:par>
-        <p:cTn id="1" dur="indefinite" restart="never" nodeType="tmRoot"/>
-      </p:par>
-    </p:tnLst>
-  </p:timing>
-</p:sld>
-</file>
-
-<file path=ppt/slides/slide8.xml><?xml version="1.0" encoding="utf-8"?>
-<p:sld xmlns:a="http://schemas.openxmlformats.org/drawingml/2006/main" xmlns:r="http://schemas.openxmlformats.org/officeDocument/2006/relationships" xmlns:p="http://schemas.openxmlformats.org/presentationml/2006/main">
-  <p:cSld>
-    <p:spTree>
-      <p:nvGrpSpPr>
-        <p:cNvPr id="1" name=""/>
-        <p:cNvGrpSpPr/>
-        <p:nvPr/>
-      </p:nvGrpSpPr>
-      <p:grpSpPr>
-        <a:xfrm>
-          <a:off x="0" y="0"/>
-          <a:ext cx="0" cy="0"/>
-          <a:chOff x="0" y="0"/>
-          <a:chExt cx="0" cy="0"/>
-        </a:xfrm>
-      </p:grpSpPr>
-      <p:sp>
-        <p:nvSpPr>
-          <p:cNvPr id="2" name="Title 1"/>
-          <p:cNvSpPr>
-            <a:spLocks noGrp="1"/>
-          </p:cNvSpPr>
-          <p:nvPr>
-            <p:ph type="title"/>
-          </p:nvPr>
-        </p:nvSpPr>
-        <p:spPr/>
-        <p:txBody>
-          <a:bodyPr/>
-          <a:lstStyle/>
-          <a:p>
-            <a:r>
-              <a:rPr lang="en-US" dirty="0" smtClean="0"/>
-              <a:t>Model – </a:t>
-            </a:r>
-            <a:r>
-              <a:rPr lang="en-US" cap="none" dirty="0" smtClean="0"/>
-              <a:t>subset of view state</a:t>
-            </a:r>
-            <a:endParaRPr lang="en-US" cap="none" dirty="0"/>
-          </a:p>
-        </p:txBody>
-      </p:sp>
-      <p:sp>
-        <p:nvSpPr>
-          <p:cNvPr id="3" name="Content Placeholder 2"/>
-          <p:cNvSpPr>
-            <a:spLocks noGrp="1"/>
-          </p:cNvSpPr>
-          <p:nvPr>
-            <p:ph idx="1"/>
-          </p:nvPr>
-        </p:nvSpPr>
-        <p:spPr/>
-        <p:txBody>
-          <a:bodyPr/>
-          <a:lstStyle/>
-          <a:p>
-            <a:endParaRPr lang="en-US" dirty="0"/>
-          </a:p>
-        </p:txBody>
-      </p:sp>
-      <p:sp>
-        <p:nvSpPr>
-          <p:cNvPr id="8" name="Rectangle 7"/>
-          <p:cNvSpPr/>
-          <p:nvPr/>
-        </p:nvSpPr>
-        <p:spPr>
-          <a:xfrm>
-            <a:off x="1958196" y="2820838"/>
-            <a:ext cx="3657600" cy="2743200"/>
-          </a:xfrm>
-          <a:prstGeom prst="rect">
-            <a:avLst/>
-          </a:prstGeom>
-        </p:spPr>
-        <p:style>
-          <a:lnRef idx="2">
-            <a:schemeClr val="accent1">
-              <a:shade val="50000"/>
-            </a:schemeClr>
-          </a:lnRef>
-          <a:fillRef idx="1">
-            <a:schemeClr val="accent1"/>
-          </a:fillRef>
-          <a:effectRef idx="0">
-            <a:schemeClr val="accent1"/>
-          </a:effectRef>
-          <a:fontRef idx="minor">
-            <a:schemeClr val="lt1"/>
-          </a:fontRef>
-        </p:style>
-        <p:txBody>
-          <a:bodyPr rtlCol="0" anchor="ctr"/>
-          <a:lstStyle/>
-          <a:p>
-            <a:pPr algn="ctr"/>
-            <a:r>
-              <a:rPr lang="en-US" dirty="0" smtClean="0"/>
-              <a:t>View</a:t>
-            </a:r>
-            <a:endParaRPr lang="en-US" dirty="0"/>
-          </a:p>
-        </p:txBody>
-      </p:sp>
-      <p:sp>
-        <p:nvSpPr>
-          <p:cNvPr id="10" name="Rectangle 9"/>
-          <p:cNvSpPr/>
-          <p:nvPr/>
-        </p:nvSpPr>
-        <p:spPr>
-          <a:xfrm>
-            <a:off x="6169338" y="2833661"/>
-            <a:ext cx="1441510" cy="1189831"/>
-          </a:xfrm>
-          <a:prstGeom prst="rect">
-            <a:avLst/>
-          </a:prstGeom>
-          <a:effectLst>
-            <a:glow>
-              <a:schemeClr val="accent1">
-                <a:alpha val="40000"/>
-              </a:schemeClr>
-            </a:glow>
-            <a:outerShdw blurRad="38100" dist="2540000" dir="8700000" algn="tr" rotWithShape="0">
-              <a:prstClr val="black">
-                <a:alpha val="40000"/>
-              </a:prstClr>
-            </a:outerShdw>
-          </a:effectLst>
-        </p:spPr>
-        <p:style>
-          <a:lnRef idx="2">
-            <a:schemeClr val="accent1">
-              <a:shade val="50000"/>
-            </a:schemeClr>
-          </a:lnRef>
-          <a:fillRef idx="1">
-            <a:schemeClr val="accent1"/>
-          </a:fillRef>
-          <a:effectRef idx="0">
-            <a:schemeClr val="accent1"/>
-          </a:effectRef>
-          <a:fontRef idx="minor">
-            <a:schemeClr val="lt1"/>
-          </a:fontRef>
-        </p:style>
-        <p:txBody>
-          <a:bodyPr rtlCol="0" anchor="ctr"/>
-          <a:lstStyle/>
-          <a:p>
-            <a:pPr algn="ctr"/>
-            <a:r>
-              <a:rPr lang="en-US" dirty="0" smtClean="0"/>
-              <a:t>Model</a:t>
-            </a:r>
-            <a:endParaRPr lang="en-US" dirty="0"/>
-          </a:p>
-        </p:txBody>
-      </p:sp>
-      <p:cxnSp>
-        <p:nvCxnSpPr>
-          <p:cNvPr id="25" name="Straight Arrow Connector 24"/>
-          <p:cNvCxnSpPr>
-            <a:stCxn id="10" idx="2"/>
-          </p:cNvCxnSpPr>
-          <p:nvPr/>
-        </p:nvCxnSpPr>
-        <p:spPr>
-          <a:xfrm rot="5400000">
-            <a:off x="5742543" y="3786400"/>
-            <a:ext cx="910458" cy="1384642"/>
-          </a:xfrm>
-          <a:prstGeom prst="curvedConnector2">
-            <a:avLst/>
-          </a:prstGeom>
-          <a:ln w="25400" cmpd="sng">
-            <a:solidFill>
-              <a:schemeClr val="tx1"/>
-            </a:solidFill>
-            <a:round/>
-            <a:headEnd type="triangle" w="lg" len="lg"/>
-            <a:tailEnd type="triangle" w="lg" len="lg"/>
-          </a:ln>
-        </p:spPr>
-        <p:style>
-          <a:lnRef idx="1">
-            <a:schemeClr val="accent1"/>
-          </a:lnRef>
-          <a:fillRef idx="0">
-            <a:schemeClr val="accent1"/>
-          </a:fillRef>
-          <a:effectRef idx="0">
-            <a:schemeClr val="accent1"/>
-          </a:effectRef>
-          <a:fontRef idx="minor">
-            <a:schemeClr val="tx1"/>
-          </a:fontRef>
-        </p:style>
-      </p:cxnSp>
-      <p:sp>
-        <p:nvSpPr>
-          <p:cNvPr id="26" name="TextBox 25"/>
-          <p:cNvSpPr txBox="1"/>
-          <p:nvPr/>
-        </p:nvSpPr>
-        <p:spPr>
-          <a:xfrm>
-            <a:off x="6432580" y="4686008"/>
-            <a:ext cx="2028825" cy="369332"/>
-          </a:xfrm>
-          <a:prstGeom prst="rect">
-            <a:avLst/>
-          </a:prstGeom>
-          <a:noFill/>
-        </p:spPr>
-        <p:txBody>
-          <a:bodyPr wrap="square" rtlCol="0">
-            <a:spAutoFit/>
-          </a:bodyPr>
-          <a:lstStyle/>
-          <a:p>
-            <a:r>
-              <a:rPr lang="en-US" dirty="0" smtClean="0"/>
-              <a:t>Data binding</a:t>
-            </a:r>
-            <a:endParaRPr lang="en-US" dirty="0"/>
-          </a:p>
-        </p:txBody>
-      </p:sp>
-    </p:spTree>
-    <p:extLst>
-      <p:ext uri="{BB962C8B-B14F-4D97-AF65-F5344CB8AC3E}">
-        <p14:creationId xmlns:p14="http://schemas.microsoft.com/office/powerpoint/2010/main" val="2071602770"/>
-      </p:ext>
-    </p:extLst>
-  </p:cSld>
-  <p:clrMapOvr>
-    <a:masterClrMapping/>
-  </p:clrMapOvr>
-  <p:timing>
-    <p:tnLst>
-      <p:par>
-        <p:cTn id="1" dur="indefinite" restart="never" nodeType="tmRoot"/>
-      </p:par>
-    </p:tnLst>
-  </p:timing>
-</p:sld>
-</file>
-
-<file path=ppt/slides/slide9.xml><?xml version="1.0" encoding="utf-8"?>
-<p:sld xmlns:a="http://schemas.openxmlformats.org/drawingml/2006/main" xmlns:r="http://schemas.openxmlformats.org/officeDocument/2006/relationships" xmlns:p="http://schemas.openxmlformats.org/presentationml/2006/main">
-  <p:cSld>
-    <p:spTree>
-      <p:nvGrpSpPr>
-        <p:cNvPr id="1" name=""/>
-        <p:cNvGrpSpPr/>
-        <p:nvPr/>
-      </p:nvGrpSpPr>
-      <p:grpSpPr>
-        <a:xfrm>
-          <a:off x="0" y="0"/>
-          <a:ext cx="0" cy="0"/>
-          <a:chOff x="0" y="0"/>
-          <a:chExt cx="0" cy="0"/>
-        </a:xfrm>
-      </p:grpSpPr>
-      <p:sp>
-        <p:nvSpPr>
-          <p:cNvPr id="2" name="Title 1"/>
-          <p:cNvSpPr>
-            <a:spLocks noGrp="1"/>
-          </p:cNvSpPr>
-          <p:nvPr>
-            <p:ph type="title"/>
-          </p:nvPr>
-        </p:nvSpPr>
-        <p:spPr/>
-        <p:txBody>
-          <a:bodyPr/>
-          <a:lstStyle/>
-          <a:p>
-            <a:r>
-              <a:rPr lang="en-US" dirty="0" smtClean="0"/>
-              <a:t>Controller</a:t>
-            </a:r>
-            <a:endParaRPr lang="en-US" dirty="0"/>
-          </a:p>
-        </p:txBody>
-      </p:sp>
-      <p:sp>
-        <p:nvSpPr>
-          <p:cNvPr id="6" name="Rectangle 5"/>
-          <p:cNvSpPr/>
-          <p:nvPr/>
-        </p:nvSpPr>
-        <p:spPr>
-          <a:xfrm>
-            <a:off x="1141413" y="1732687"/>
-            <a:ext cx="9905998" cy="1477328"/>
-          </a:xfrm>
-          <a:prstGeom prst="rect">
-            <a:avLst/>
-          </a:prstGeom>
-          <a:solidFill>
-            <a:schemeClr val="tx1"/>
-          </a:solidFill>
-        </p:spPr>
-        <p:txBody>
-          <a:bodyPr wrap="square">
-            <a:spAutoFit/>
-          </a:bodyPr>
-          <a:lstStyle/>
-          <a:p>
-            <a:r>
-              <a:rPr lang="en-US" dirty="0">
-                <a:solidFill>
-                  <a:srgbClr val="0000FF"/>
-                </a:solidFill>
-                <a:latin typeface="Consolas" panose="020B0609020204030204" pitchFamily="49" charset="0"/>
-              </a:rPr>
-              <a:t>type</a:t>
-            </a:r>
-            <a:r>
-              <a:rPr lang="en-US" dirty="0">
-                <a:solidFill>
-                  <a:prstClr val="black"/>
-                </a:solidFill>
-                <a:latin typeface="Consolas" panose="020B0609020204030204" pitchFamily="49" charset="0"/>
-              </a:rPr>
-              <a:t> </a:t>
-            </a:r>
-            <a:r>
-              <a:rPr lang="en-US" dirty="0" err="1">
-                <a:solidFill>
-                  <a:prstClr val="black"/>
-                </a:solidFill>
-                <a:latin typeface="Consolas" panose="020B0609020204030204" pitchFamily="49" charset="0"/>
-              </a:rPr>
-              <a:t>IController</a:t>
-            </a:r>
-            <a:r>
-              <a:rPr lang="en-US" dirty="0">
-                <a:solidFill>
-                  <a:prstClr val="black"/>
-                </a:solidFill>
-                <a:latin typeface="Consolas" panose="020B0609020204030204" pitchFamily="49" charset="0"/>
-              </a:rPr>
-              <a:t>&lt;'Events, 'Model&gt; =</a:t>
-            </a:r>
-          </a:p>
-          <a:p>
-            <a:endParaRPr lang="en-US" dirty="0">
-              <a:solidFill>
-                <a:prstClr val="black"/>
-              </a:solidFill>
-              <a:latin typeface="Consolas" panose="020B0609020204030204" pitchFamily="49" charset="0"/>
-            </a:endParaRPr>
-          </a:p>
-          <a:p>
-            <a:r>
-              <a:rPr lang="en-US" dirty="0">
-                <a:solidFill>
-                  <a:prstClr val="black"/>
-                </a:solidFill>
-                <a:latin typeface="Consolas" panose="020B0609020204030204" pitchFamily="49" charset="0"/>
-              </a:rPr>
-              <a:t>    </a:t>
-            </a:r>
-            <a:r>
-              <a:rPr lang="en-US" dirty="0">
-                <a:solidFill>
-                  <a:srgbClr val="0000FF"/>
-                </a:solidFill>
-                <a:latin typeface="Consolas" panose="020B0609020204030204" pitchFamily="49" charset="0"/>
-              </a:rPr>
-              <a:t>abstract</a:t>
-            </a:r>
-            <a:r>
-              <a:rPr lang="en-US" dirty="0">
-                <a:solidFill>
-                  <a:prstClr val="black"/>
-                </a:solidFill>
-                <a:latin typeface="Consolas" panose="020B0609020204030204" pitchFamily="49" charset="0"/>
-              </a:rPr>
-              <a:t> </a:t>
-            </a:r>
-            <a:r>
-              <a:rPr lang="en-US" dirty="0" err="1">
-                <a:solidFill>
-                  <a:prstClr val="black"/>
-                </a:solidFill>
-                <a:latin typeface="Consolas" panose="020B0609020204030204" pitchFamily="49" charset="0"/>
-              </a:rPr>
-              <a:t>InitModel</a:t>
-            </a:r>
-            <a:r>
-              <a:rPr lang="en-US" dirty="0">
-                <a:solidFill>
-                  <a:prstClr val="black"/>
-                </a:solidFill>
-                <a:latin typeface="Consolas" panose="020B0609020204030204" pitchFamily="49" charset="0"/>
-              </a:rPr>
-              <a:t> : 'Model </a:t>
-            </a:r>
-            <a:r>
-              <a:rPr lang="en-US" dirty="0">
-                <a:solidFill>
-                  <a:srgbClr val="0000FF"/>
-                </a:solidFill>
-                <a:latin typeface="Consolas" panose="020B0609020204030204" pitchFamily="49" charset="0"/>
-              </a:rPr>
-              <a:t>-&gt;</a:t>
-            </a:r>
-            <a:r>
-              <a:rPr lang="en-US" dirty="0">
-                <a:solidFill>
-                  <a:prstClr val="black"/>
-                </a:solidFill>
-                <a:latin typeface="Consolas" panose="020B0609020204030204" pitchFamily="49" charset="0"/>
-              </a:rPr>
-              <a:t> unit</a:t>
-            </a:r>
-          </a:p>
-          <a:p>
-            <a:r>
-              <a:rPr lang="en-US" dirty="0">
-                <a:solidFill>
-                  <a:prstClr val="black"/>
-                </a:solidFill>
-                <a:latin typeface="Consolas" panose="020B0609020204030204" pitchFamily="49" charset="0"/>
-              </a:rPr>
-              <a:t>    </a:t>
-            </a:r>
-            <a:r>
-              <a:rPr lang="en-US" dirty="0">
-                <a:solidFill>
-                  <a:srgbClr val="0000FF"/>
-                </a:solidFill>
-                <a:latin typeface="Consolas" panose="020B0609020204030204" pitchFamily="49" charset="0"/>
-              </a:rPr>
-              <a:t>abstract</a:t>
-            </a:r>
-            <a:r>
-              <a:rPr lang="en-US" dirty="0">
-                <a:solidFill>
-                  <a:prstClr val="black"/>
-                </a:solidFill>
-                <a:latin typeface="Consolas" panose="020B0609020204030204" pitchFamily="49" charset="0"/>
-              </a:rPr>
-              <a:t> </a:t>
-            </a:r>
-            <a:r>
-              <a:rPr lang="en-US" dirty="0" err="1">
-                <a:solidFill>
-                  <a:prstClr val="black"/>
-                </a:solidFill>
-                <a:latin typeface="Consolas" panose="020B0609020204030204" pitchFamily="49" charset="0"/>
-              </a:rPr>
-              <a:t>EventHandler</a:t>
-            </a:r>
-            <a:r>
-              <a:rPr lang="en-US" dirty="0">
-                <a:solidFill>
-                  <a:prstClr val="black"/>
-                </a:solidFill>
-                <a:latin typeface="Consolas" panose="020B0609020204030204" pitchFamily="49" charset="0"/>
-              </a:rPr>
-              <a:t> : ('Events </a:t>
-            </a:r>
-            <a:r>
-              <a:rPr lang="en-US" dirty="0">
-                <a:solidFill>
-                  <a:srgbClr val="0000FF"/>
-                </a:solidFill>
-                <a:latin typeface="Consolas" panose="020B0609020204030204" pitchFamily="49" charset="0"/>
-              </a:rPr>
-              <a:t>-&gt;</a:t>
-            </a:r>
-            <a:r>
-              <a:rPr lang="en-US" dirty="0">
-                <a:solidFill>
-                  <a:prstClr val="black"/>
-                </a:solidFill>
-                <a:latin typeface="Consolas" panose="020B0609020204030204" pitchFamily="49" charset="0"/>
-              </a:rPr>
-              <a:t> 'Model </a:t>
-            </a:r>
-            <a:r>
-              <a:rPr lang="en-US" dirty="0">
-                <a:solidFill>
-                  <a:srgbClr val="0000FF"/>
-                </a:solidFill>
-                <a:latin typeface="Consolas" panose="020B0609020204030204" pitchFamily="49" charset="0"/>
-              </a:rPr>
-              <a:t>-&gt;</a:t>
-            </a:r>
-            <a:r>
-              <a:rPr lang="en-US" dirty="0">
-                <a:solidFill>
-                  <a:prstClr val="black"/>
-                </a:solidFill>
-                <a:latin typeface="Consolas" panose="020B0609020204030204" pitchFamily="49" charset="0"/>
-              </a:rPr>
-              <a:t> unit)</a:t>
-            </a:r>
-          </a:p>
-          <a:p>
-            <a:endParaRPr lang="en-US" dirty="0">
-              <a:solidFill>
-                <a:prstClr val="black"/>
-              </a:solidFill>
-              <a:latin typeface="Consolas" panose="020B0609020204030204" pitchFamily="49" charset="0"/>
-            </a:endParaRPr>
-          </a:p>
-        </p:txBody>
-      </p:sp>
-    </p:spTree>
-    <p:extLst>
-      <p:ext uri="{BB962C8B-B14F-4D97-AF65-F5344CB8AC3E}">
-        <p14:creationId xmlns:p14="http://schemas.microsoft.com/office/powerpoint/2010/main" val="2657432877"/>
       </p:ext>
     </p:extLst>
   </p:cSld>

--- a/NYC Meetup.2013-04-23.pptx
+++ b/NYC Meetup.2013-04-23.pptx
@@ -16,16 +16,17 @@
     <p:sldId id="268" r:id="rId10"/>
     <p:sldId id="269" r:id="rId11"/>
     <p:sldId id="271" r:id="rId12"/>
-    <p:sldId id="272" r:id="rId13"/>
-    <p:sldId id="273" r:id="rId14"/>
-    <p:sldId id="274" r:id="rId15"/>
-    <p:sldId id="275" r:id="rId16"/>
-    <p:sldId id="276" r:id="rId17"/>
-    <p:sldId id="277" r:id="rId18"/>
-    <p:sldId id="270" r:id="rId19"/>
+    <p:sldId id="285" r:id="rId13"/>
+    <p:sldId id="272" r:id="rId14"/>
+    <p:sldId id="273" r:id="rId15"/>
+    <p:sldId id="274" r:id="rId16"/>
+    <p:sldId id="275" r:id="rId17"/>
+    <p:sldId id="276" r:id="rId18"/>
+    <p:sldId id="277" r:id="rId19"/>
     <p:sldId id="278" r:id="rId20"/>
-    <p:sldId id="280" r:id="rId21"/>
-    <p:sldId id="279" r:id="rId22"/>
+    <p:sldId id="286" r:id="rId21"/>
+    <p:sldId id="280" r:id="rId22"/>
+    <p:sldId id="279" r:id="rId23"/>
   </p:sldIdLst>
   <p:sldSz cx="12192000" cy="6858000"/>
   <p:notesSz cx="6858000" cy="9144000"/>
@@ -4409,7 +4410,7 @@
             <a:fld id="{B61BEF0D-F0BB-DE4B-95CE-6DB70DBA9567}" type="datetimeFigureOut">
               <a:rPr lang="en-US" smtClean="0"/>
               <a:pPr/>
-              <a:t>4/22/2013</a:t>
+              <a:t>11/7/2013</a:t>
             </a:fld>
             <a:endParaRPr lang="en-US" dirty="0"/>
           </a:p>
@@ -4678,7 +4679,7 @@
             <a:fld id="{B61BEF0D-F0BB-DE4B-95CE-6DB70DBA9567}" type="datetimeFigureOut">
               <a:rPr lang="en-US" smtClean="0"/>
               <a:pPr/>
-              <a:t>4/22/2013</a:t>
+              <a:t>11/7/2013</a:t>
             </a:fld>
             <a:endParaRPr lang="en-US" dirty="0"/>
           </a:p>
@@ -4876,7 +4877,7 @@
             <a:fld id="{B61BEF0D-F0BB-DE4B-95CE-6DB70DBA9567}" type="datetimeFigureOut">
               <a:rPr lang="en-US" smtClean="0"/>
               <a:pPr/>
-              <a:t>4/22/2013</a:t>
+              <a:t>11/7/2013</a:t>
             </a:fld>
             <a:endParaRPr lang="en-US" dirty="0"/>
           </a:p>
@@ -5141,7 +5142,7 @@
             <a:fld id="{B61BEF0D-F0BB-DE4B-95CE-6DB70DBA9567}" type="datetimeFigureOut">
               <a:rPr lang="en-US" smtClean="0"/>
               <a:pPr/>
-              <a:t>4/22/2013</a:t>
+              <a:t>11/7/2013</a:t>
             </a:fld>
             <a:endParaRPr lang="en-US" dirty="0"/>
           </a:p>
@@ -5577,7 +5578,7 @@
             <a:fld id="{B61BEF0D-F0BB-DE4B-95CE-6DB70DBA9567}" type="datetimeFigureOut">
               <a:rPr lang="en-US" smtClean="0"/>
               <a:pPr/>
-              <a:t>4/22/2013</a:t>
+              <a:t>11/7/2013</a:t>
             </a:fld>
             <a:endParaRPr lang="en-US" dirty="0"/>
           </a:p>
@@ -6125,7 +6126,7 @@
             <a:fld id="{B61BEF0D-F0BB-DE4B-95CE-6DB70DBA9567}" type="datetimeFigureOut">
               <a:rPr lang="en-US" smtClean="0"/>
               <a:pPr/>
-              <a:t>4/22/2013</a:t>
+              <a:t>11/7/2013</a:t>
             </a:fld>
             <a:endParaRPr lang="en-US" dirty="0"/>
           </a:p>
@@ -6847,7 +6848,7 @@
             <a:fld id="{B61BEF0D-F0BB-DE4B-95CE-6DB70DBA9567}" type="datetimeFigureOut">
               <a:rPr lang="en-US" smtClean="0"/>
               <a:pPr/>
-              <a:t>4/22/2013</a:t>
+              <a:t>11/7/2013</a:t>
             </a:fld>
             <a:endParaRPr lang="en-US" dirty="0"/>
           </a:p>
@@ -7019,7 +7020,7 @@
             <a:fld id="{B61BEF0D-F0BB-DE4B-95CE-6DB70DBA9567}" type="datetimeFigureOut">
               <a:rPr lang="en-US" smtClean="0"/>
               <a:pPr/>
-              <a:t>4/22/2013</a:t>
+              <a:t>11/7/2013</a:t>
             </a:fld>
             <a:endParaRPr lang="en-US" dirty="0"/>
           </a:p>
@@ -7201,7 +7202,7 @@
             <a:fld id="{B61BEF0D-F0BB-DE4B-95CE-6DB70DBA9567}" type="datetimeFigureOut">
               <a:rPr lang="en-US" smtClean="0"/>
               <a:pPr/>
-              <a:t>4/22/2013</a:t>
+              <a:t>11/7/2013</a:t>
             </a:fld>
             <a:endParaRPr lang="en-US" dirty="0"/>
           </a:p>
@@ -7373,7 +7374,7 @@
             <a:fld id="{B61BEF0D-F0BB-DE4B-95CE-6DB70DBA9567}" type="datetimeFigureOut">
               <a:rPr lang="en-US" smtClean="0"/>
               <a:pPr/>
-              <a:t>4/22/2013</a:t>
+              <a:t>11/7/2013</a:t>
             </a:fld>
             <a:endParaRPr lang="en-US" dirty="0"/>
           </a:p>
@@ -7625,7 +7626,7 @@
             <a:fld id="{B61BEF0D-F0BB-DE4B-95CE-6DB70DBA9567}" type="datetimeFigureOut">
               <a:rPr lang="en-US" smtClean="0"/>
               <a:pPr/>
-              <a:t>4/22/2013</a:t>
+              <a:t>11/7/2013</a:t>
             </a:fld>
             <a:endParaRPr lang="en-US" dirty="0"/>
           </a:p>
@@ -7859,7 +7860,7 @@
             <a:fld id="{B61BEF0D-F0BB-DE4B-95CE-6DB70DBA9567}" type="datetimeFigureOut">
               <a:rPr lang="en-US" smtClean="0"/>
               <a:pPr/>
-              <a:t>4/22/2013</a:t>
+              <a:t>11/7/2013</a:t>
             </a:fld>
             <a:endParaRPr lang="en-US" dirty="0"/>
           </a:p>
@@ -8242,7 +8243,7 @@
             <a:fld id="{B61BEF0D-F0BB-DE4B-95CE-6DB70DBA9567}" type="datetimeFigureOut">
               <a:rPr lang="en-US" smtClean="0"/>
               <a:pPr/>
-              <a:t>4/22/2013</a:t>
+              <a:t>11/7/2013</a:t>
             </a:fld>
             <a:endParaRPr lang="en-US" dirty="0"/>
           </a:p>
@@ -8362,7 +8363,7 @@
             <a:fld id="{B61BEF0D-F0BB-DE4B-95CE-6DB70DBA9567}" type="datetimeFigureOut">
               <a:rPr lang="en-US" smtClean="0"/>
               <a:pPr/>
-              <a:t>4/22/2013</a:t>
+              <a:t>11/7/2013</a:t>
             </a:fld>
             <a:endParaRPr lang="en-US" dirty="0"/>
           </a:p>
@@ -8459,7 +8460,7 @@
             <a:fld id="{B61BEF0D-F0BB-DE4B-95CE-6DB70DBA9567}" type="datetimeFigureOut">
               <a:rPr lang="en-US" smtClean="0"/>
               <a:pPr/>
-              <a:t>4/22/2013</a:t>
+              <a:t>11/7/2013</a:t>
             </a:fld>
             <a:endParaRPr lang="en-US" dirty="0"/>
           </a:p>
@@ -8710,7 +8711,7 @@
             <a:fld id="{B61BEF0D-F0BB-DE4B-95CE-6DB70DBA9567}" type="datetimeFigureOut">
               <a:rPr lang="en-US" smtClean="0"/>
               <a:pPr/>
-              <a:t>4/22/2013</a:t>
+              <a:t>11/7/2013</a:t>
             </a:fld>
             <a:endParaRPr lang="en-US" dirty="0"/>
           </a:p>
@@ -8992,7 +8993,7 @@
             <a:fld id="{B61BEF0D-F0BB-DE4B-95CE-6DB70DBA9567}" type="datetimeFigureOut">
               <a:rPr lang="en-US" smtClean="0"/>
               <a:pPr/>
-              <a:t>4/22/2013</a:t>
+              <a:t>11/7/2013</a:t>
             </a:fld>
             <a:endParaRPr lang="en-US" dirty="0"/>
           </a:p>
@@ -12071,7 +12072,7 @@
             <a:fld id="{B61BEF0D-F0BB-DE4B-95CE-6DB70DBA9567}" type="datetimeFigureOut">
               <a:rPr lang="en-US" smtClean="0"/>
               <a:pPr/>
-              <a:t>4/22/2013</a:t>
+              <a:t>11/7/2013</a:t>
             </a:fld>
             <a:endParaRPr lang="en-US" dirty="0"/>
           </a:p>
@@ -12655,13 +12656,8 @@
           <a:p>
             <a:r>
               <a:rPr lang="en-US" sz="2000" dirty="0" smtClean="0"/>
-              <a:t>Leveraging </a:t>
-            </a:r>
-            <a:r>
-              <a:rPr lang="en-US" sz="2000" dirty="0" smtClean="0"/>
-              <a:t>IDE/compiler</a:t>
-            </a:r>
-            <a:endParaRPr lang="en-US" sz="2000" dirty="0" smtClean="0"/>
+              <a:t>Leveraging IDE/compiler</a:t>
+            </a:r>
           </a:p>
         </p:txBody>
       </p:sp>
@@ -13780,25 +13776,7 @@
                 </a:solidFill>
                 <a:latin typeface="Consolas" panose="020B0609020204030204" pitchFamily="49" charset="0"/>
               </a:rPr>
-              <a:t>&lt;</a:t>
-            </a:r>
-            <a:r>
-              <a:rPr lang="en-US" dirty="0" smtClean="0">
-                <a:solidFill>
-                  <a:prstClr val="black"/>
-                </a:solidFill>
-                <a:latin typeface="Consolas" panose="020B0609020204030204" pitchFamily="49" charset="0"/>
-              </a:rPr>
-              <a:t>'Events, </a:t>
-            </a:r>
-            <a:r>
-              <a:rPr lang="en-US" dirty="0" smtClean="0">
-                <a:solidFill>
-                  <a:prstClr val="black"/>
-                </a:solidFill>
-                <a:latin typeface="Consolas" panose="020B0609020204030204" pitchFamily="49" charset="0"/>
-              </a:rPr>
-              <a:t>'Model&gt; =</a:t>
+              <a:t>&lt;'Events, 'Model&gt; =</a:t>
             </a:r>
           </a:p>
           <a:p>
@@ -14027,7 +14005,7 @@
           <a:p>
             <a:r>
               <a:rPr lang="en-US" dirty="0" smtClean="0"/>
-              <a:t>Child Windows</a:t>
+              <a:t>Validation</a:t>
             </a:r>
             <a:endParaRPr lang="en-US" dirty="0"/>
           </a:p>
@@ -14050,14 +14028,38 @@
           <a:p>
             <a:r>
               <a:rPr lang="en-US" dirty="0" smtClean="0"/>
-              <a:t>Dialog – synchronous computation </a:t>
+              <a:t>Statically-typed</a:t>
             </a:r>
           </a:p>
           <a:p>
             <a:r>
               <a:rPr lang="en-US" dirty="0" smtClean="0"/>
-              <a:t>Non-modal window - asynchronous </a:t>
-            </a:r>
+              <a:t>Would be verbose without F# language features:</a:t>
+            </a:r>
+          </a:p>
+          <a:p>
+            <a:pPr lvl="1"/>
+            <a:r>
+              <a:rPr lang="en-US" dirty="0" smtClean="0"/>
+              <a:t>Active patterns</a:t>
+            </a:r>
+          </a:p>
+          <a:p>
+            <a:pPr lvl="1"/>
+            <a:r>
+              <a:rPr lang="en-US" dirty="0" smtClean="0"/>
+              <a:t>Explicit member constraints</a:t>
+            </a:r>
+          </a:p>
+          <a:p>
+            <a:pPr lvl="1"/>
+            <a:r>
+              <a:rPr lang="en-US" dirty="0" smtClean="0"/>
+              <a:t>Partial application</a:t>
+            </a:r>
+          </a:p>
+          <a:p>
+            <a:pPr lvl="1"/>
             <a:endParaRPr lang="en-US" dirty="0"/>
           </a:p>
         </p:txBody>
@@ -14065,7 +14067,7 @@
     </p:spTree>
     <p:extLst>
       <p:ext uri="{BB962C8B-B14F-4D97-AF65-F5344CB8AC3E}">
-        <p14:creationId xmlns:p14="http://schemas.microsoft.com/office/powerpoint/2010/main" val="1103476166"/>
+        <p14:creationId xmlns:p14="http://schemas.microsoft.com/office/powerpoint/2010/main" val="1857805310"/>
       </p:ext>
     </p:extLst>
   </p:cSld>
@@ -14116,6 +14118,95 @@
           <a:p>
             <a:r>
               <a:rPr lang="en-US" dirty="0" smtClean="0"/>
+              <a:t>Child Windows</a:t>
+            </a:r>
+            <a:endParaRPr lang="en-US" dirty="0"/>
+          </a:p>
+        </p:txBody>
+      </p:sp>
+      <p:sp>
+        <p:nvSpPr>
+          <p:cNvPr id="3" name="Content Placeholder 2"/>
+          <p:cNvSpPr>
+            <a:spLocks noGrp="1"/>
+          </p:cNvSpPr>
+          <p:nvPr>
+            <p:ph idx="1"/>
+          </p:nvPr>
+        </p:nvSpPr>
+        <p:spPr/>
+        <p:txBody>
+          <a:bodyPr/>
+          <a:lstStyle/>
+          <a:p>
+            <a:r>
+              <a:rPr lang="en-US" dirty="0" smtClean="0"/>
+              <a:t>Dialog – synchronous computation </a:t>
+            </a:r>
+          </a:p>
+          <a:p>
+            <a:r>
+              <a:rPr lang="en-US" dirty="0" smtClean="0"/>
+              <a:t>Non-modal window - asynchronous </a:t>
+            </a:r>
+            <a:endParaRPr lang="en-US" dirty="0"/>
+          </a:p>
+        </p:txBody>
+      </p:sp>
+    </p:spTree>
+    <p:extLst>
+      <p:ext uri="{BB962C8B-B14F-4D97-AF65-F5344CB8AC3E}">
+        <p14:creationId xmlns:p14="http://schemas.microsoft.com/office/powerpoint/2010/main" val="1103476166"/>
+      </p:ext>
+    </p:extLst>
+  </p:cSld>
+  <p:clrMapOvr>
+    <a:masterClrMapping/>
+  </p:clrMapOvr>
+  <p:timing>
+    <p:tnLst>
+      <p:par>
+        <p:cTn id="1" dur="indefinite" restart="never" nodeType="tmRoot"/>
+      </p:par>
+    </p:tnLst>
+  </p:timing>
+</p:sld>
+</file>
+
+<file path=ppt/slides/slide14.xml><?xml version="1.0" encoding="utf-8"?>
+<p:sld xmlns:a="http://schemas.openxmlformats.org/drawingml/2006/main" xmlns:r="http://schemas.openxmlformats.org/officeDocument/2006/relationships" xmlns:p="http://schemas.openxmlformats.org/presentationml/2006/main">
+  <p:cSld>
+    <p:spTree>
+      <p:nvGrpSpPr>
+        <p:cNvPr id="1" name=""/>
+        <p:cNvGrpSpPr/>
+        <p:nvPr/>
+      </p:nvGrpSpPr>
+      <p:grpSpPr>
+        <a:xfrm>
+          <a:off x="0" y="0"/>
+          <a:ext cx="0" cy="0"/>
+          <a:chOff x="0" y="0"/>
+          <a:chExt cx="0" cy="0"/>
+        </a:xfrm>
+      </p:grpSpPr>
+      <p:sp>
+        <p:nvSpPr>
+          <p:cNvPr id="2" name="Title 1"/>
+          <p:cNvSpPr>
+            <a:spLocks noGrp="1"/>
+          </p:cNvSpPr>
+          <p:nvPr>
+            <p:ph type="title"/>
+          </p:nvPr>
+        </p:nvSpPr>
+        <p:spPr/>
+        <p:txBody>
+          <a:bodyPr/>
+          <a:lstStyle/>
+          <a:p>
+            <a:r>
+              <a:rPr lang="en-US" dirty="0" smtClean="0"/>
               <a:t>Reentrancy</a:t>
             </a:r>
             <a:endParaRPr lang="en-US" dirty="0"/>
@@ -14164,7 +14255,7 @@
 </p:sld>
 </file>
 
-<file path=ppt/slides/slide14.xml><?xml version="1.0" encoding="utf-8"?>
+<file path=ppt/slides/slide15.xml><?xml version="1.0" encoding="utf-8"?>
 <p:sld xmlns:a="http://schemas.openxmlformats.org/drawingml/2006/main" xmlns:r="http://schemas.openxmlformats.org/officeDocument/2006/relationships" xmlns:p="http://schemas.openxmlformats.org/presentationml/2006/main">
   <p:cSld>
     <p:spTree>
@@ -14253,101 +14344,6 @@
 </p:sld>
 </file>
 
-<file path=ppt/slides/slide15.xml><?xml version="1.0" encoding="utf-8"?>
-<p:sld xmlns:a="http://schemas.openxmlformats.org/drawingml/2006/main" xmlns:r="http://schemas.openxmlformats.org/officeDocument/2006/relationships" xmlns:p="http://schemas.openxmlformats.org/presentationml/2006/main">
-  <p:cSld>
-    <p:spTree>
-      <p:nvGrpSpPr>
-        <p:cNvPr id="1" name=""/>
-        <p:cNvGrpSpPr/>
-        <p:nvPr/>
-      </p:nvGrpSpPr>
-      <p:grpSpPr>
-        <a:xfrm>
-          <a:off x="0" y="0"/>
-          <a:ext cx="0" cy="0"/>
-          <a:chOff x="0" y="0"/>
-          <a:chExt cx="0" cy="0"/>
-        </a:xfrm>
-      </p:grpSpPr>
-      <p:sp>
-        <p:nvSpPr>
-          <p:cNvPr id="2" name="Title 1"/>
-          <p:cNvSpPr>
-            <a:spLocks noGrp="1"/>
-          </p:cNvSpPr>
-          <p:nvPr>
-            <p:ph type="title"/>
-          </p:nvPr>
-        </p:nvSpPr>
-        <p:spPr/>
-        <p:txBody>
-          <a:bodyPr/>
-          <a:lstStyle/>
-          <a:p>
-            <a:r>
-              <a:rPr lang="en-US" dirty="0" smtClean="0"/>
-              <a:t>External event sources</a:t>
-            </a:r>
-            <a:endParaRPr lang="en-US" dirty="0"/>
-          </a:p>
-        </p:txBody>
-      </p:sp>
-      <p:sp>
-        <p:nvSpPr>
-          <p:cNvPr id="3" name="Content Placeholder 2"/>
-          <p:cNvSpPr>
-            <a:spLocks noGrp="1"/>
-          </p:cNvSpPr>
-          <p:nvPr>
-            <p:ph idx="1"/>
-          </p:nvPr>
-        </p:nvSpPr>
-        <p:spPr/>
-        <p:txBody>
-          <a:bodyPr/>
-          <a:lstStyle/>
-          <a:p>
-            <a:r>
-              <a:rPr lang="en-US" dirty="0" smtClean="0"/>
-              <a:t>As easy as composing views</a:t>
-            </a:r>
-          </a:p>
-          <a:p>
-            <a:r>
-              <a:rPr lang="en-US" dirty="0" smtClean="0"/>
-              <a:t>Rx.NET helps to ensure invocation on GUI thread</a:t>
-            </a:r>
-          </a:p>
-          <a:p>
-            <a:r>
-              <a:rPr lang="en-US" dirty="0" smtClean="0"/>
-              <a:t>Another composition option</a:t>
-            </a:r>
-            <a:endParaRPr lang="en-US" dirty="0"/>
-          </a:p>
-        </p:txBody>
-      </p:sp>
-    </p:spTree>
-    <p:extLst>
-      <p:ext uri="{BB962C8B-B14F-4D97-AF65-F5344CB8AC3E}">
-        <p14:creationId xmlns:p14="http://schemas.microsoft.com/office/powerpoint/2010/main" val="1482672398"/>
-      </p:ext>
-    </p:extLst>
-  </p:cSld>
-  <p:clrMapOvr>
-    <a:masterClrMapping/>
-  </p:clrMapOvr>
-  <p:timing>
-    <p:tnLst>
-      <p:par>
-        <p:cTn id="1" dur="indefinite" restart="never" nodeType="tmRoot"/>
-      </p:par>
-    </p:tnLst>
-  </p:timing>
-</p:sld>
-</file>
-
 <file path=ppt/slides/slide16.xml><?xml version="1.0" encoding="utf-8"?>
 <p:sld xmlns:a="http://schemas.openxmlformats.org/drawingml/2006/main" xmlns:r="http://schemas.openxmlformats.org/officeDocument/2006/relationships" xmlns:p="http://schemas.openxmlformats.org/presentationml/2006/main">
   <p:cSld>
@@ -14382,7 +14378,7 @@
           <a:p>
             <a:r>
               <a:rPr lang="en-US" dirty="0" smtClean="0"/>
-              <a:t>Data binding micro dsl</a:t>
+              <a:t>External event sources</a:t>
             </a:r>
             <a:endParaRPr lang="en-US" dirty="0"/>
           </a:p>
@@ -14405,25 +14401,20 @@
           <a:p>
             <a:r>
               <a:rPr lang="en-US" dirty="0" smtClean="0"/>
-              <a:t>Scrap </a:t>
-            </a:r>
-            <a:r>
-              <a:rPr lang="en-US" dirty="0"/>
-              <a:t>your </a:t>
-            </a:r>
+              <a:t>As easy as composing views</a:t>
+            </a:r>
+          </a:p>
+          <a:p>
             <a:r>
               <a:rPr lang="en-US" dirty="0" smtClean="0"/>
-              <a:t>boilerplate</a:t>
+              <a:t>Rx.NET helps to ensure invocation on GUI thread</a:t>
             </a:r>
           </a:p>
           <a:p>
             <a:r>
               <a:rPr lang="en-US" dirty="0" smtClean="0"/>
-              <a:t>F# gives great tools to build internal DSLs</a:t>
-            </a:r>
-            <a:endParaRPr lang="en-US" dirty="0"/>
-          </a:p>
-          <a:p>
+              <a:t>Another composition option</a:t>
+            </a:r>
             <a:endParaRPr lang="en-US" dirty="0"/>
           </a:p>
         </p:txBody>
@@ -14431,7 +14422,7 @@
     </p:spTree>
     <p:extLst>
       <p:ext uri="{BB962C8B-B14F-4D97-AF65-F5344CB8AC3E}">
-        <p14:creationId xmlns:p14="http://schemas.microsoft.com/office/powerpoint/2010/main" val="1517226537"/>
+        <p14:creationId xmlns:p14="http://schemas.microsoft.com/office/powerpoint/2010/main" val="1482672398"/>
       </p:ext>
     </p:extLst>
   </p:cSld>
@@ -14482,7 +14473,7 @@
           <a:p>
             <a:r>
               <a:rPr lang="en-US" dirty="0" smtClean="0"/>
-              <a:t>Derived properties</a:t>
+              <a:t>Data binding micro dsl</a:t>
             </a:r>
             <a:endParaRPr lang="en-US" dirty="0"/>
           </a:p>
@@ -14500,77 +14491,30 @@
         </p:nvSpPr>
         <p:spPr/>
         <p:txBody>
-          <a:bodyPr>
-            <a:normAutofit fontScale="92500" lnSpcReduction="10000"/>
-          </a:bodyPr>
+          <a:bodyPr/>
           <a:lstStyle/>
           <a:p>
             <a:r>
+              <a:rPr lang="en-US" dirty="0" smtClean="0"/>
+              <a:t>Scrap </a:t>
+            </a:r>
+            <a:r>
               <a:rPr lang="en-US" dirty="0"/>
-              <a:t>Scrap your </a:t>
+              <a:t>your </a:t>
             </a:r>
             <a:r>
               <a:rPr lang="en-US" dirty="0" smtClean="0"/>
               <a:t>boilerplate</a:t>
             </a:r>
+          </a:p>
+          <a:p>
+            <a:r>
+              <a:rPr lang="en-US" dirty="0" smtClean="0"/>
+              <a:t>F# gives great tools to build internal DSLs</a:t>
+            </a:r>
             <a:endParaRPr lang="en-US" dirty="0"/>
           </a:p>
           <a:p>
-            <a:r>
-              <a:rPr lang="en-US" dirty="0" smtClean="0"/>
-              <a:t>F# pure magic</a:t>
-            </a:r>
-          </a:p>
-          <a:p>
-            <a:pPr lvl="1"/>
-            <a:r>
-              <a:rPr lang="en-US" dirty="0"/>
-              <a:t>ReflectedDefinitionAttribute</a:t>
-            </a:r>
-            <a:endParaRPr lang="en-US" dirty="0" smtClean="0"/>
-          </a:p>
-          <a:p>
-            <a:pPr lvl="1"/>
-            <a:r>
-              <a:rPr lang="en-US" dirty="0" smtClean="0"/>
-              <a:t>Quotation</a:t>
-            </a:r>
-            <a:r>
-              <a:rPr lang="en-US" dirty="0"/>
-              <a:t> </a:t>
-            </a:r>
-            <a:endParaRPr lang="en-US" dirty="0" smtClean="0"/>
-          </a:p>
-          <a:p>
-            <a:pPr lvl="1"/>
-            <a:r>
-              <a:rPr lang="en-US" dirty="0" smtClean="0"/>
-              <a:t>Active patterns (a lot)</a:t>
-            </a:r>
-          </a:p>
-          <a:p>
-            <a:r>
-              <a:rPr lang="en-US" dirty="0" smtClean="0"/>
-              <a:t>WPF black magic</a:t>
-            </a:r>
-          </a:p>
-          <a:p>
-            <a:pPr lvl="1"/>
-            <a:r>
-              <a:rPr lang="en-US" dirty="0" smtClean="0"/>
-              <a:t>Custom dynamic dependency properties</a:t>
-            </a:r>
-          </a:p>
-          <a:p>
-            <a:pPr lvl="1"/>
-            <a:r>
-              <a:rPr lang="en-US" dirty="0" err="1" smtClean="0"/>
-              <a:t>MultiBinding</a:t>
-            </a:r>
-            <a:endParaRPr lang="en-US" dirty="0" smtClean="0"/>
-          </a:p>
-          <a:p>
-            <a:pPr lvl="1"/>
             <a:endParaRPr lang="en-US" dirty="0"/>
           </a:p>
         </p:txBody>
@@ -14578,7 +14522,7 @@
     </p:spTree>
     <p:extLst>
       <p:ext uri="{BB962C8B-B14F-4D97-AF65-F5344CB8AC3E}">
-        <p14:creationId xmlns:p14="http://schemas.microsoft.com/office/powerpoint/2010/main" val="2632499272"/>
+        <p14:creationId xmlns:p14="http://schemas.microsoft.com/office/powerpoint/2010/main" val="1517226537"/>
       </p:ext>
     </p:extLst>
   </p:cSld>
@@ -14629,7 +14573,7 @@
           <a:p>
             <a:r>
               <a:rPr lang="en-US" dirty="0" smtClean="0"/>
-              <a:t>Validation</a:t>
+              <a:t>Derived properties</a:t>
             </a:r>
             <a:endParaRPr lang="en-US" dirty="0"/>
           </a:p>
@@ -14647,41 +14591,74 @@
         </p:nvSpPr>
         <p:spPr/>
         <p:txBody>
-          <a:bodyPr/>
+          <a:bodyPr>
+            <a:normAutofit fontScale="92500" lnSpcReduction="10000"/>
+          </a:bodyPr>
           <a:lstStyle/>
           <a:p>
             <a:r>
+              <a:rPr lang="en-US" dirty="0"/>
+              <a:t>Scrap your </a:t>
+            </a:r>
+            <a:r>
               <a:rPr lang="en-US" dirty="0" smtClean="0"/>
-              <a:t>Statically-typed</a:t>
+              <a:t>boilerplate</a:t>
+            </a:r>
+            <a:endParaRPr lang="en-US" dirty="0"/>
+          </a:p>
+          <a:p>
+            <a:r>
+              <a:rPr lang="en-US" dirty="0" smtClean="0"/>
+              <a:t>F# pure magic</a:t>
+            </a:r>
+          </a:p>
+          <a:p>
+            <a:pPr lvl="1"/>
+            <a:r>
+              <a:rPr lang="en-US" dirty="0"/>
+              <a:t>ReflectedDefinitionAttribute</a:t>
             </a:r>
             <a:endParaRPr lang="en-US" dirty="0" smtClean="0"/>
           </a:p>
           <a:p>
+            <a:pPr lvl="1"/>
             <a:r>
               <a:rPr lang="en-US" dirty="0" smtClean="0"/>
-              <a:t>Would be verbose without F# language features:</a:t>
-            </a:r>
+              <a:t>Quotation</a:t>
+            </a:r>
+            <a:r>
+              <a:rPr lang="en-US" dirty="0"/>
+              <a:t> </a:t>
+            </a:r>
+            <a:endParaRPr lang="en-US" dirty="0" smtClean="0"/>
           </a:p>
           <a:p>
             <a:pPr lvl="1"/>
             <a:r>
               <a:rPr lang="en-US" dirty="0" smtClean="0"/>
-              <a:t>Active patterns</a:t>
+              <a:t>Active patterns (a lot)</a:t>
+            </a:r>
+          </a:p>
+          <a:p>
+            <a:r>
+              <a:rPr lang="en-US" dirty="0" smtClean="0"/>
+              <a:t>WPF black magic</a:t>
             </a:r>
           </a:p>
           <a:p>
             <a:pPr lvl="1"/>
             <a:r>
               <a:rPr lang="en-US" dirty="0" smtClean="0"/>
-              <a:t>Explicit member constraints</a:t>
+              <a:t>Custom dynamic dependency properties</a:t>
             </a:r>
           </a:p>
           <a:p>
             <a:pPr lvl="1"/>
             <a:r>
-              <a:rPr lang="en-US" dirty="0" smtClean="0"/>
-              <a:t>Partial application</a:t>
-            </a:r>
+              <a:rPr lang="en-US" dirty="0" err="1" smtClean="0"/>
+              <a:t>MultiBinding</a:t>
+            </a:r>
+            <a:endParaRPr lang="en-US" dirty="0" smtClean="0"/>
           </a:p>
           <a:p>
             <a:pPr lvl="1"/>
@@ -14692,7 +14669,7 @@
     </p:spTree>
     <p:extLst>
       <p:ext uri="{BB962C8B-B14F-4D97-AF65-F5344CB8AC3E}">
-        <p14:creationId xmlns:p14="http://schemas.microsoft.com/office/powerpoint/2010/main" val="423632660"/>
+        <p14:creationId xmlns:p14="http://schemas.microsoft.com/office/powerpoint/2010/main" val="2632499272"/>
       </p:ext>
     </p:extLst>
   </p:cSld>
@@ -14963,6 +14940,85 @@
           <a:p>
             <a:r>
               <a:rPr lang="en-US" dirty="0" smtClean="0"/>
+              <a:t>INPC type Provider</a:t>
+            </a:r>
+            <a:endParaRPr lang="en-US" dirty="0"/>
+          </a:p>
+        </p:txBody>
+      </p:sp>
+      <p:sp>
+        <p:nvSpPr>
+          <p:cNvPr id="3" name="Content Placeholder 2"/>
+          <p:cNvSpPr>
+            <a:spLocks noGrp="1"/>
+          </p:cNvSpPr>
+          <p:nvPr>
+            <p:ph idx="1"/>
+          </p:nvPr>
+        </p:nvSpPr>
+        <p:spPr/>
+        <p:txBody>
+          <a:bodyPr/>
+          <a:lstStyle/>
+          <a:p>
+            <a:endParaRPr lang="en-US" dirty="0"/>
+          </a:p>
+        </p:txBody>
+      </p:sp>
+    </p:spTree>
+    <p:extLst>
+      <p:ext uri="{BB962C8B-B14F-4D97-AF65-F5344CB8AC3E}">
+        <p14:creationId xmlns:p14="http://schemas.microsoft.com/office/powerpoint/2010/main" val="836677918"/>
+      </p:ext>
+    </p:extLst>
+  </p:cSld>
+  <p:clrMapOvr>
+    <a:masterClrMapping/>
+  </p:clrMapOvr>
+  <p:timing>
+    <p:tnLst>
+      <p:par>
+        <p:cTn id="1" dur="indefinite" restart="never" nodeType="tmRoot"/>
+      </p:par>
+    </p:tnLst>
+  </p:timing>
+</p:sld>
+</file>
+
+<file path=ppt/slides/slide21.xml><?xml version="1.0" encoding="utf-8"?>
+<p:sld xmlns:a="http://schemas.openxmlformats.org/drawingml/2006/main" xmlns:r="http://schemas.openxmlformats.org/officeDocument/2006/relationships" xmlns:p="http://schemas.openxmlformats.org/presentationml/2006/main">
+  <p:cSld>
+    <p:spTree>
+      <p:nvGrpSpPr>
+        <p:cNvPr id="1" name=""/>
+        <p:cNvGrpSpPr/>
+        <p:nvPr/>
+      </p:nvGrpSpPr>
+      <p:grpSpPr>
+        <a:xfrm>
+          <a:off x="0" y="0"/>
+          <a:ext cx="0" cy="0"/>
+          <a:chOff x="0" y="0"/>
+          <a:chExt cx="0" cy="0"/>
+        </a:xfrm>
+      </p:grpSpPr>
+      <p:sp>
+        <p:nvSpPr>
+          <p:cNvPr id="2" name="Title 1"/>
+          <p:cNvSpPr>
+            <a:spLocks noGrp="1"/>
+          </p:cNvSpPr>
+          <p:nvPr>
+            <p:ph type="title"/>
+          </p:nvPr>
+        </p:nvSpPr>
+        <p:spPr/>
+        <p:txBody>
+          <a:bodyPr/>
+          <a:lstStyle/>
+          <a:p>
+            <a:r>
+              <a:rPr lang="en-US" dirty="0" smtClean="0"/>
               <a:t>F# MVC </a:t>
             </a:r>
             <a:r>
@@ -15168,7 +15224,7 @@
 </p:sld>
 </file>
 
-<file path=ppt/slides/slide21.xml><?xml version="1.0" encoding="utf-8"?>
+<file path=ppt/slides/slide22.xml><?xml version="1.0" encoding="utf-8"?>
 <p:sld xmlns:a="http://schemas.openxmlformats.org/drawingml/2006/main" xmlns:r="http://schemas.openxmlformats.org/officeDocument/2006/relationships" xmlns:p="http://schemas.openxmlformats.org/presentationml/2006/main">
   <p:cSld>
     <p:spTree>
@@ -15401,7 +15457,6 @@
               <a:rPr lang="en-US" dirty="0" smtClean="0"/>
               <a:t>MVVM has many shortcomings</a:t>
             </a:r>
-            <a:endParaRPr lang="en-US" dirty="0" smtClean="0"/>
           </a:p>
           <a:p>
             <a:r>
@@ -15412,11 +15467,7 @@
           <a:p>
             <a:r>
               <a:rPr lang="en-US" dirty="0" smtClean="0"/>
-              <a:t>MVVM was designed </a:t>
-            </a:r>
-            <a:r>
-              <a:rPr lang="en-US" dirty="0" smtClean="0"/>
-              <a:t>with C# limitations in mind</a:t>
+              <a:t>MVVM was designed with C# limitations in mind</a:t>
             </a:r>
           </a:p>
           <a:p>
@@ -15510,7 +15561,7 @@
         </p:spPr>
         <p:txBody>
           <a:bodyPr>
-            <a:normAutofit fontScale="85000" lnSpcReduction="20000"/>
+            <a:normAutofit lnSpcReduction="10000"/>
           </a:bodyPr>
           <a:lstStyle/>
           <a:p>
@@ -15518,7 +15569,7 @@
               <a:buNone/>
             </a:pPr>
             <a:r>
-              <a:rPr lang="en-US" dirty="0">
+              <a:rPr lang="en-US" dirty="0" smtClean="0">
                 <a:solidFill>
                   <a:srgbClr val="0000FF"/>
                 </a:solidFill>
@@ -15527,22 +15578,72 @@
               <a:t>type</a:t>
             </a:r>
             <a:r>
-              <a:rPr lang="en-US" dirty="0">
+              <a:rPr lang="en-US" dirty="0" smtClean="0">
                 <a:solidFill>
                   <a:prstClr val="black"/>
                 </a:solidFill>
                 <a:latin typeface="Consolas" panose="020B0609020204030204" pitchFamily="49" charset="0"/>
               </a:rPr>
-              <a:t> View = </a:t>
-            </a:r>
-            <a:r>
-              <a:rPr lang="en-US" dirty="0" smtClean="0">
+              <a:t> </a:t>
+            </a:r>
+            <a:r>
+              <a:rPr lang="en-US" dirty="0">
                 <a:solidFill>
                   <a:prstClr val="black"/>
                 </a:solidFill>
                 <a:latin typeface="Consolas" panose="020B0609020204030204" pitchFamily="49" charset="0"/>
               </a:rPr>
-              <a:t>IEvent&lt;Events&gt;  </a:t>
+              <a:t>View = IEvent&lt;Events&gt;  </a:t>
+            </a:r>
+          </a:p>
+          <a:p>
+            <a:pPr marL="0" indent="0">
+              <a:buNone/>
+            </a:pPr>
+            <a:r>
+              <a:rPr lang="en-US" dirty="0">
+                <a:solidFill>
+                  <a:srgbClr val="0000FF"/>
+                </a:solidFill>
+                <a:latin typeface="Consolas" panose="020B0609020204030204" pitchFamily="49" charset="0"/>
+              </a:rPr>
+              <a:t>and</a:t>
+            </a:r>
+            <a:r>
+              <a:rPr lang="en-US" dirty="0">
+                <a:solidFill>
+                  <a:prstClr val="black"/>
+                </a:solidFill>
+                <a:latin typeface="Consolas" panose="020B0609020204030204" pitchFamily="49" charset="0"/>
+              </a:rPr>
+              <a:t> Events = </a:t>
+            </a:r>
+            <a:r>
+              <a:rPr lang="en-US" dirty="0" err="1">
+                <a:solidFill>
+                  <a:prstClr val="black"/>
+                </a:solidFill>
+                <a:latin typeface="Consolas" panose="020B0609020204030204" pitchFamily="49" charset="0"/>
+              </a:rPr>
+              <a:t>Incr</a:t>
+            </a:r>
+            <a:r>
+              <a:rPr lang="en-US" dirty="0">
+                <a:solidFill>
+                  <a:prstClr val="black"/>
+                </a:solidFill>
+                <a:latin typeface="Consolas" panose="020B0609020204030204" pitchFamily="49" charset="0"/>
+              </a:rPr>
+              <a:t> | </a:t>
+            </a:r>
+            <a:r>
+              <a:rPr lang="en-US" dirty="0" err="1">
+                <a:solidFill>
+                  <a:prstClr val="black"/>
+                </a:solidFill>
+                <a:latin typeface="Consolas" panose="020B0609020204030204" pitchFamily="49" charset="0"/>
+              </a:rPr>
+              <a:t>Decr</a:t>
             </a:r>
             <a:endParaRPr lang="en-US" dirty="0">
               <a:solidFill>
@@ -15555,6 +15656,17 @@
             <a:pPr marL="0" indent="0">
               <a:buNone/>
             </a:pPr>
+            <a:endParaRPr lang="en-US" dirty="0" smtClean="0">
+              <a:solidFill>
+                <a:srgbClr val="0000FF"/>
+              </a:solidFill>
+              <a:latin typeface="Consolas" panose="020B0609020204030204" pitchFamily="49" charset="0"/>
+            </a:endParaRPr>
+          </a:p>
+          <a:p>
+            <a:pPr marL="0" indent="0">
+              <a:buNone/>
+            </a:pPr>
             <a:r>
               <a:rPr lang="en-US" dirty="0" smtClean="0">
                 <a:solidFill>
@@ -15562,7 +15674,7 @@
                 </a:solidFill>
                 <a:latin typeface="Consolas" panose="020B0609020204030204" pitchFamily="49" charset="0"/>
               </a:rPr>
-              <a:t>and</a:t>
+              <a:t>type</a:t>
             </a:r>
             <a:r>
               <a:rPr lang="en-US" dirty="0" smtClean="0">
@@ -15571,78 +15683,23 @@
                 </a:solidFill>
                 <a:latin typeface="Consolas" panose="020B0609020204030204" pitchFamily="49" charset="0"/>
               </a:rPr>
-              <a:t> Events = </a:t>
-            </a:r>
-          </a:p>
-          <a:p>
-            <a:pPr marL="0" indent="0">
-              <a:buNone/>
-            </a:pPr>
-            <a:r>
-              <a:rPr lang="en-US" dirty="0" smtClean="0">
+              <a:t> </a:t>
+            </a:r>
+            <a:r>
+              <a:rPr lang="en-US" dirty="0">
                 <a:solidFill>
                   <a:prstClr val="black"/>
                 </a:solidFill>
                 <a:latin typeface="Consolas" panose="020B0609020204030204" pitchFamily="49" charset="0"/>
               </a:rPr>
-              <a:t>    | Add </a:t>
-            </a:r>
-            <a:r>
-              <a:rPr lang="en-US" dirty="0" smtClean="0">
-                <a:solidFill>
-                  <a:srgbClr val="0000FF"/>
-                </a:solidFill>
-                <a:latin typeface="Consolas" panose="020B0609020204030204" pitchFamily="49" charset="0"/>
-              </a:rPr>
-              <a:t>of</a:t>
-            </a:r>
-            <a:r>
-              <a:rPr lang="en-US" dirty="0" smtClean="0">
-                <a:solidFill>
-                  <a:prstClr val="black"/>
-                </a:solidFill>
-                <a:latin typeface="Consolas" panose="020B0609020204030204" pitchFamily="49" charset="0"/>
-              </a:rPr>
-              <a:t> int </a:t>
+              <a:t>Model = { State : int }</a:t>
             </a:r>
           </a:p>
           <a:p>
             <a:pPr marL="0" indent="0">
               <a:buNone/>
             </a:pPr>
-            <a:r>
-              <a:rPr lang="en-US" dirty="0" smtClean="0">
-                <a:solidFill>
-                  <a:prstClr val="black"/>
-                </a:solidFill>
-                <a:latin typeface="Consolas" panose="020B0609020204030204" pitchFamily="49" charset="0"/>
-              </a:rPr>
-              <a:t>    | Subtract </a:t>
-            </a:r>
-            <a:r>
-              <a:rPr lang="en-US" dirty="0" smtClean="0">
-                <a:solidFill>
-                  <a:srgbClr val="0000FF"/>
-                </a:solidFill>
-                <a:latin typeface="Consolas" panose="020B0609020204030204" pitchFamily="49" charset="0"/>
-              </a:rPr>
-              <a:t>of</a:t>
-            </a:r>
-            <a:r>
-              <a:rPr lang="en-US" dirty="0" smtClean="0">
-                <a:solidFill>
-                  <a:prstClr val="black"/>
-                </a:solidFill>
-                <a:latin typeface="Consolas" panose="020B0609020204030204" pitchFamily="49" charset="0"/>
-              </a:rPr>
-              <a:t> int</a:t>
-            </a:r>
-          </a:p>
-          <a:p>
-            <a:pPr marL="0" indent="0">
-              <a:buNone/>
-            </a:pPr>
-            <a:endParaRPr lang="en-US" dirty="0" smtClean="0">
+            <a:endParaRPr lang="en-US" dirty="0">
               <a:solidFill>
                 <a:prstClr val="black"/>
               </a:solidFill>
@@ -15654,7 +15711,7 @@
               <a:buNone/>
             </a:pPr>
             <a:r>
-              <a:rPr lang="en-US" dirty="0" smtClean="0">
+              <a:rPr lang="en-US" dirty="0">
                 <a:solidFill>
                   <a:srgbClr val="0000FF"/>
                 </a:solidFill>
@@ -15663,20 +15720,56 @@
               <a:t>type</a:t>
             </a:r>
             <a:r>
-              <a:rPr lang="en-US" dirty="0" smtClean="0">
+              <a:rPr lang="en-US" dirty="0">
                 <a:solidFill>
                   <a:prstClr val="black"/>
                 </a:solidFill>
                 <a:latin typeface="Consolas" panose="020B0609020204030204" pitchFamily="49" charset="0"/>
               </a:rPr>
-              <a:t> Model = { State : int }</a:t>
+              <a:t> Controller = Model </a:t>
+            </a:r>
+            <a:r>
+              <a:rPr lang="en-US" dirty="0">
+                <a:solidFill>
+                  <a:srgbClr val="0000FF"/>
+                </a:solidFill>
+                <a:latin typeface="Consolas" panose="020B0609020204030204" pitchFamily="49" charset="0"/>
+              </a:rPr>
+              <a:t>-&gt;</a:t>
+            </a:r>
+            <a:r>
+              <a:rPr lang="en-US" dirty="0">
+                <a:solidFill>
+                  <a:prstClr val="black"/>
+                </a:solidFill>
+                <a:latin typeface="Consolas" panose="020B0609020204030204" pitchFamily="49" charset="0"/>
+              </a:rPr>
+              <a:t> Events </a:t>
+            </a:r>
+            <a:r>
+              <a:rPr lang="en-US" dirty="0">
+                <a:solidFill>
+                  <a:srgbClr val="0000FF"/>
+                </a:solidFill>
+                <a:latin typeface="Consolas" panose="020B0609020204030204" pitchFamily="49" charset="0"/>
+              </a:rPr>
+              <a:t>-&gt;</a:t>
+            </a:r>
+            <a:r>
+              <a:rPr lang="en-US" dirty="0">
+                <a:solidFill>
+                  <a:prstClr val="black"/>
+                </a:solidFill>
+                <a:latin typeface="Consolas" panose="020B0609020204030204" pitchFamily="49" charset="0"/>
+              </a:rPr>
+              <a:t> Model</a:t>
             </a:r>
           </a:p>
           <a:p>
             <a:pPr marL="0" indent="0">
               <a:buNone/>
             </a:pPr>
-            <a:endParaRPr lang="en-US" dirty="0" smtClean="0">
+            <a:endParaRPr lang="en-US" dirty="0">
               <a:solidFill>
                 <a:prstClr val="black"/>
               </a:solidFill>
@@ -15688,7 +15781,7 @@
               <a:buNone/>
             </a:pPr>
             <a:r>
-              <a:rPr lang="en-US" dirty="0">
+              <a:rPr lang="nb-NO" dirty="0">
                 <a:solidFill>
                   <a:srgbClr val="0000FF"/>
                 </a:solidFill>
@@ -15697,25 +15790,16 @@
               <a:t>type</a:t>
             </a:r>
             <a:r>
-              <a:rPr lang="en-US" dirty="0">
+              <a:rPr lang="nb-NO" dirty="0">
                 <a:solidFill>
                   <a:prstClr val="black"/>
                 </a:solidFill>
                 <a:latin typeface="Consolas" panose="020B0609020204030204" pitchFamily="49" charset="0"/>
               </a:rPr>
-              <a:t> Controller = </a:t>
-            </a:r>
-            <a:r>
-              <a:rPr lang="en-US" dirty="0" smtClean="0">
-                <a:solidFill>
-                  <a:prstClr val="black"/>
-                </a:solidFill>
-                <a:latin typeface="Consolas" panose="020B0609020204030204" pitchFamily="49" charset="0"/>
-              </a:rPr>
-              <a:t>Events </a:t>
-            </a:r>
-            <a:r>
-              <a:rPr lang="en-US" dirty="0">
+              <a:t> Mvc = Controller </a:t>
+            </a:r>
+            <a:r>
+              <a:rPr lang="nb-NO" dirty="0">
                 <a:solidFill>
                   <a:srgbClr val="0000FF"/>
                 </a:solidFill>
@@ -15724,7 +15808,7 @@
               <a:t>-&gt;</a:t>
             </a:r>
             <a:r>
-              <a:rPr lang="en-US" dirty="0">
+              <a:rPr lang="nb-NO" dirty="0">
                 <a:solidFill>
                   <a:prstClr val="black"/>
                 </a:solidFill>
@@ -15733,7 +15817,7 @@
               <a:t> Model </a:t>
             </a:r>
             <a:r>
-              <a:rPr lang="en-US" dirty="0">
+              <a:rPr lang="nb-NO" dirty="0">
                 <a:solidFill>
                   <a:srgbClr val="0000FF"/>
                 </a:solidFill>
@@ -15742,68 +15826,16 @@
               <a:t>-&gt;</a:t>
             </a:r>
             <a:r>
-              <a:rPr lang="en-US" dirty="0">
+              <a:rPr lang="nb-NO" dirty="0">
                 <a:solidFill>
                   <a:prstClr val="black"/>
                 </a:solidFill>
                 <a:latin typeface="Consolas" panose="020B0609020204030204" pitchFamily="49" charset="0"/>
               </a:rPr>
-              <a:t> </a:t>
-            </a:r>
-            <a:r>
-              <a:rPr lang="en-US" dirty="0" smtClean="0">
-                <a:solidFill>
-                  <a:prstClr val="black"/>
-                </a:solidFill>
-                <a:latin typeface="Consolas" panose="020B0609020204030204" pitchFamily="49" charset="0"/>
-              </a:rPr>
-              <a:t>Model</a:t>
-            </a:r>
-          </a:p>
-          <a:p>
-            <a:pPr marL="0" indent="0">
-              <a:buNone/>
-            </a:pPr>
-            <a:endParaRPr lang="en-US" dirty="0" smtClean="0">
-              <a:solidFill>
-                <a:prstClr val="black"/>
-              </a:solidFill>
-              <a:latin typeface="Consolas" panose="020B0609020204030204" pitchFamily="49" charset="0"/>
-            </a:endParaRPr>
-          </a:p>
-          <a:p>
-            <a:pPr marL="0" indent="0">
-              <a:buNone/>
-            </a:pPr>
-            <a:r>
-              <a:rPr lang="en-US" dirty="0" smtClean="0">
-                <a:solidFill>
-                  <a:srgbClr val="0000FF"/>
-                </a:solidFill>
-                <a:latin typeface="Consolas" panose="020B0609020204030204" pitchFamily="49" charset="0"/>
-              </a:rPr>
-              <a:t>type</a:t>
-            </a:r>
-            <a:r>
-              <a:rPr lang="en-US" dirty="0" smtClean="0">
-                <a:solidFill>
-                  <a:prstClr val="black"/>
-                </a:solidFill>
-                <a:latin typeface="Consolas" panose="020B0609020204030204" pitchFamily="49" charset="0"/>
-              </a:rPr>
-              <a:t> Mvc </a:t>
-            </a:r>
-            <a:r>
-              <a:rPr lang="en-US" dirty="0">
-                <a:solidFill>
-                  <a:prstClr val="black"/>
-                </a:solidFill>
-                <a:latin typeface="Consolas" panose="020B0609020204030204" pitchFamily="49" charset="0"/>
-              </a:rPr>
-              <a:t>= Controller </a:t>
-            </a:r>
-            <a:r>
-              <a:rPr lang="en-US" dirty="0" smtClean="0">
+              <a:t> IEvent&lt;Events&gt; </a:t>
+            </a:r>
+            <a:r>
+              <a:rPr lang="nb-NO" dirty="0">
                 <a:solidFill>
                   <a:srgbClr val="0000FF"/>
                 </a:solidFill>
@@ -15812,43 +15844,7 @@
               <a:t>-&gt;</a:t>
             </a:r>
             <a:r>
-              <a:rPr lang="en-US" dirty="0" smtClean="0">
-                <a:solidFill>
-                  <a:prstClr val="black"/>
-                </a:solidFill>
-                <a:latin typeface="Consolas" panose="020B0609020204030204" pitchFamily="49" charset="0"/>
-              </a:rPr>
-              <a:t> Model </a:t>
-            </a:r>
-            <a:r>
-              <a:rPr lang="en-US" dirty="0" smtClean="0">
-                <a:solidFill>
-                  <a:srgbClr val="0000FF"/>
-                </a:solidFill>
-                <a:latin typeface="Consolas" panose="020B0609020204030204" pitchFamily="49" charset="0"/>
-              </a:rPr>
-              <a:t>-&gt;</a:t>
-            </a:r>
-            <a:r>
-              <a:rPr lang="en-US" dirty="0" smtClean="0">
-                <a:solidFill>
-                  <a:prstClr val="black"/>
-                </a:solidFill>
-                <a:latin typeface="Consolas" panose="020B0609020204030204" pitchFamily="49" charset="0"/>
-              </a:rPr>
-              <a:t> IEvent&lt;Events&gt; </a:t>
-            </a:r>
-            <a:r>
-              <a:rPr lang="en-US" dirty="0" smtClean="0">
-                <a:solidFill>
-                  <a:srgbClr val="0000FF"/>
-                </a:solidFill>
-                <a:latin typeface="Consolas" panose="020B0609020204030204" pitchFamily="49" charset="0"/>
-              </a:rPr>
-              <a:t>-&gt;</a:t>
-            </a:r>
-            <a:r>
-              <a:rPr lang="en-US" dirty="0" smtClean="0">
+              <a:rPr lang="nb-NO" dirty="0">
                 <a:solidFill>
                   <a:prstClr val="black"/>
                 </a:solidFill>
@@ -15947,7 +15943,7 @@
         </p:spPr>
         <p:txBody>
           <a:bodyPr>
-            <a:normAutofit fontScale="92500" lnSpcReduction="10000"/>
+            <a:normAutofit fontScale="92500"/>
           </a:bodyPr>
           <a:lstStyle/>
           <a:p>
@@ -15971,15 +15967,7 @@
           <a:p>
             <a:r>
               <a:rPr lang="en-US" dirty="0" smtClean="0"/>
-              <a:t>Restrictions: </a:t>
-            </a:r>
-            <a:r>
-              <a:rPr lang="en-US" dirty="0" smtClean="0"/>
-              <a:t>virtual properties </a:t>
-            </a:r>
-            <a:r>
-              <a:rPr lang="en-US" dirty="0" smtClean="0"/>
-              <a:t>+ base class + factory </a:t>
+              <a:t>Restrictions: virtual properties + base class + factory </a:t>
             </a:r>
             <a:r>
               <a:rPr lang="en-US" dirty="0"/>
@@ -16013,15 +16001,7 @@
             </a:r>
             <a:r>
               <a:rPr lang="en-US" dirty="0" smtClean="0"/>
-              <a:t>ype </a:t>
-            </a:r>
-            <a:r>
-              <a:rPr lang="en-US" dirty="0" smtClean="0"/>
-              <a:t>definition only, no imperative </a:t>
-            </a:r>
-            <a:r>
-              <a:rPr lang="en-US" dirty="0" smtClean="0"/>
-              <a:t>logic</a:t>
+              <a:t>ype definition only, no imperative logic</a:t>
             </a:r>
           </a:p>
           <a:p>
@@ -16135,15 +16115,7 @@
           <a:p>
             <a:r>
               <a:rPr lang="en-US" dirty="0" smtClean="0"/>
-              <a:t>Data binding target </a:t>
-            </a:r>
-            <a:r>
-              <a:rPr lang="en-US" dirty="0" smtClean="0"/>
-              <a:t>(model </a:t>
-            </a:r>
-            <a:r>
-              <a:rPr lang="en-US" dirty="0" smtClean="0"/>
-              <a:t>is the </a:t>
+              <a:t>Data binding target (model is the </a:t>
             </a:r>
             <a:r>
               <a:rPr lang="en-US" dirty="0" err="1" smtClean="0"/>
@@ -16157,11 +16129,7 @@
           <a:p>
             <a:r>
               <a:rPr lang="en-US" dirty="0" smtClean="0"/>
-              <a:t>F</a:t>
-            </a:r>
-            <a:r>
-              <a:rPr lang="en-US" dirty="0" smtClean="0"/>
-              <a:t># support for .NET events makes experience really smooth</a:t>
+              <a:t>F# support for .NET events makes experience really smooth</a:t>
             </a:r>
           </a:p>
           <a:p>
@@ -16430,10 +16398,18 @@
           <a:p>
             <a:pPr algn="ctr"/>
             <a:r>
-              <a:rPr lang="en-US" dirty="0" smtClean="0"/>
+              <a:rPr lang="en-US" dirty="0" smtClean="0">
+                <a:solidFill>
+                  <a:schemeClr val="bg1"/>
+                </a:solidFill>
+              </a:rPr>
               <a:t>View</a:t>
             </a:r>
-            <a:endParaRPr lang="en-US" dirty="0"/>
+            <a:endParaRPr lang="en-US" dirty="0">
+              <a:solidFill>
+                <a:schemeClr val="bg1"/>
+              </a:solidFill>
+            </a:endParaRPr>
           </a:p>
         </p:txBody>
       </p:sp>
@@ -16486,10 +16462,18 @@
           <a:p>
             <a:pPr algn="ctr"/>
             <a:r>
-              <a:rPr lang="en-US" dirty="0" smtClean="0"/>
+              <a:rPr lang="en-US" dirty="0" smtClean="0">
+                <a:solidFill>
+                  <a:schemeClr val="bg1"/>
+                </a:solidFill>
+              </a:rPr>
               <a:t>Model</a:t>
             </a:r>
-            <a:endParaRPr lang="en-US" dirty="0"/>
+            <a:endParaRPr lang="en-US" dirty="0">
+              <a:solidFill>
+                <a:schemeClr val="bg1"/>
+              </a:solidFill>
+            </a:endParaRPr>
           </a:p>
         </p:txBody>
       </p:sp>
@@ -16511,7 +16495,7 @@
           </a:prstGeom>
           <a:ln w="25400" cmpd="sng">
             <a:solidFill>
-              <a:schemeClr val="tx1"/>
+              <a:schemeClr val="bg1"/>
             </a:solidFill>
             <a:round/>
             <a:headEnd type="triangle" w="lg" len="lg"/>
@@ -16556,10 +16540,30 @@
           <a:lstStyle/>
           <a:p>
             <a:r>
+              <a:rPr lang="en-US" dirty="0" smtClean="0">
+                <a:solidFill>
+                  <a:schemeClr val="bg1"/>
+                </a:solidFill>
+              </a:rPr>
+              <a:t>Data</a:t>
+            </a:r>
+            <a:r>
               <a:rPr lang="en-US" dirty="0" smtClean="0"/>
-              <a:t>Data binding</a:t>
-            </a:r>
-            <a:endParaRPr lang="en-US" dirty="0"/>
+              <a:t> </a:t>
+            </a:r>
+            <a:r>
+              <a:rPr lang="en-US" dirty="0" smtClean="0">
+                <a:solidFill>
+                  <a:schemeClr val="bg1"/>
+                </a:solidFill>
+              </a:rPr>
+              <a:t>binding</a:t>
+            </a:r>
+            <a:endParaRPr lang="en-US" dirty="0">
+              <a:solidFill>
+                <a:schemeClr val="bg1"/>
+              </a:solidFill>
+            </a:endParaRPr>
           </a:p>
         </p:txBody>
       </p:sp>

--- a/NYC Meetup.2013-04-23.pptx
+++ b/NYC Meetup.2013-04-23.pptx
@@ -8,15 +8,15 @@
     <p:sldId id="256" r:id="rId2"/>
     <p:sldId id="259" r:id="rId3"/>
     <p:sldId id="262" r:id="rId4"/>
-    <p:sldId id="263" r:id="rId5"/>
+    <p:sldId id="287" r:id="rId5"/>
     <p:sldId id="264" r:id="rId6"/>
     <p:sldId id="266" r:id="rId7"/>
     <p:sldId id="265" r:id="rId8"/>
     <p:sldId id="284" r:id="rId9"/>
     <p:sldId id="268" r:id="rId10"/>
     <p:sldId id="269" r:id="rId11"/>
-    <p:sldId id="271" r:id="rId12"/>
-    <p:sldId id="285" r:id="rId13"/>
+    <p:sldId id="285" r:id="rId12"/>
+    <p:sldId id="271" r:id="rId13"/>
     <p:sldId id="272" r:id="rId14"/>
     <p:sldId id="273" r:id="rId15"/>
     <p:sldId id="274" r:id="rId16"/>
@@ -183,7 +183,7 @@
           <a:noFill/>
           <a:extLst>
             <a:ext uri="{909E8E84-426E-40dd-AFC4-6F175D3DCCD1}">
-              <a14:hiddenFill xmlns:a14="http://schemas.microsoft.com/office/drawing/2010/main" xmlns="">
+              <a14:hiddenFill xmlns="" xmlns:a14="http://schemas.microsoft.com/office/drawing/2010/main">
                 <a:solidFill>
                   <a:srgbClr val="FFFFFF"/>
                 </a:solidFill>
@@ -243,7 +243,7 @@
             </a:ln>
             <a:extLst>
               <a:ext uri="{91240B29-F687-4f45-9708-019B960494DF}">
-                <a14:hiddenLine xmlns:a14="http://schemas.microsoft.com/office/drawing/2010/main" xmlns="" w="9525">
+                <a14:hiddenLine xmlns="" xmlns:a14="http://schemas.microsoft.com/office/drawing/2010/main" w="9525">
                   <a:solidFill>
                     <a:srgbClr val="000000"/>
                   </a:solidFill>
@@ -333,7 +333,7 @@
             </a:ln>
             <a:extLst>
               <a:ext uri="{91240B29-F687-4f45-9708-019B960494DF}">
-                <a14:hiddenLine xmlns:a14="http://schemas.microsoft.com/office/drawing/2010/main" xmlns="" w="9525">
+                <a14:hiddenLine xmlns="" xmlns:a14="http://schemas.microsoft.com/office/drawing/2010/main" w="9525">
                   <a:solidFill>
                     <a:srgbClr val="000000"/>
                   </a:solidFill>
@@ -423,7 +423,7 @@
             </a:ln>
             <a:extLst>
               <a:ext uri="{91240B29-F687-4f45-9708-019B960494DF}">
-                <a14:hiddenLine xmlns:a14="http://schemas.microsoft.com/office/drawing/2010/main" xmlns="" w="9525">
+                <a14:hiddenLine xmlns="" xmlns:a14="http://schemas.microsoft.com/office/drawing/2010/main" w="9525">
                   <a:solidFill>
                     <a:srgbClr val="000000"/>
                   </a:solidFill>
@@ -457,7 +457,7 @@
             </a:ln>
             <a:extLst>
               <a:ext uri="{91240B29-F687-4f45-9708-019B960494DF}">
-                <a14:hiddenLine xmlns:a14="http://schemas.microsoft.com/office/drawing/2010/main" xmlns="" w="9525">
+                <a14:hiddenLine xmlns="" xmlns:a14="http://schemas.microsoft.com/office/drawing/2010/main" w="9525">
                   <a:solidFill>
                     <a:srgbClr val="000000"/>
                   </a:solidFill>
@@ -547,7 +547,7 @@
             </a:ln>
             <a:extLst>
               <a:ext uri="{91240B29-F687-4f45-9708-019B960494DF}">
-                <a14:hiddenLine xmlns:a14="http://schemas.microsoft.com/office/drawing/2010/main" xmlns="" w="9525">
+                <a14:hiddenLine xmlns="" xmlns:a14="http://schemas.microsoft.com/office/drawing/2010/main" w="9525">
                   <a:solidFill>
                     <a:srgbClr val="000000"/>
                   </a:solidFill>
@@ -609,7 +609,7 @@
             </a:ln>
             <a:extLst>
               <a:ext uri="{91240B29-F687-4f45-9708-019B960494DF}">
-                <a14:hiddenLine xmlns:a14="http://schemas.microsoft.com/office/drawing/2010/main" xmlns="" w="9525">
+                <a14:hiddenLine xmlns="" xmlns:a14="http://schemas.microsoft.com/office/drawing/2010/main" w="9525">
                   <a:solidFill>
                     <a:srgbClr val="000000"/>
                   </a:solidFill>
@@ -671,7 +671,7 @@
             </a:ln>
             <a:extLst>
               <a:ext uri="{91240B29-F687-4f45-9708-019B960494DF}">
-                <a14:hiddenLine xmlns:a14="http://schemas.microsoft.com/office/drawing/2010/main" xmlns="" w="9525">
+                <a14:hiddenLine xmlns="" xmlns:a14="http://schemas.microsoft.com/office/drawing/2010/main" w="9525">
                   <a:solidFill>
                     <a:srgbClr val="000000"/>
                   </a:solidFill>
@@ -761,7 +761,7 @@
             </a:ln>
             <a:extLst>
               <a:ext uri="{91240B29-F687-4f45-9708-019B960494DF}">
-                <a14:hiddenLine xmlns:a14="http://schemas.microsoft.com/office/drawing/2010/main" xmlns="" w="9525">
+                <a14:hiddenLine xmlns="" xmlns:a14="http://schemas.microsoft.com/office/drawing/2010/main" w="9525">
                   <a:solidFill>
                     <a:srgbClr val="000000"/>
                   </a:solidFill>
@@ -823,7 +823,7 @@
             </a:ln>
             <a:extLst>
               <a:ext uri="{91240B29-F687-4f45-9708-019B960494DF}">
-                <a14:hiddenLine xmlns:a14="http://schemas.microsoft.com/office/drawing/2010/main" xmlns="" w="9525">
+                <a14:hiddenLine xmlns="" xmlns:a14="http://schemas.microsoft.com/office/drawing/2010/main" w="9525">
                   <a:solidFill>
                     <a:srgbClr val="000000"/>
                   </a:solidFill>
@@ -885,7 +885,7 @@
             </a:ln>
             <a:extLst>
               <a:ext uri="{91240B29-F687-4f45-9708-019B960494DF}">
-                <a14:hiddenLine xmlns:a14="http://schemas.microsoft.com/office/drawing/2010/main" xmlns="" w="9525">
+                <a14:hiddenLine xmlns="" xmlns:a14="http://schemas.microsoft.com/office/drawing/2010/main" w="9525">
                   <a:solidFill>
                     <a:srgbClr val="000000"/>
                   </a:solidFill>
@@ -975,7 +975,7 @@
             </a:ln>
             <a:extLst>
               <a:ext uri="{91240B29-F687-4f45-9708-019B960494DF}">
-                <a14:hiddenLine xmlns:a14="http://schemas.microsoft.com/office/drawing/2010/main" xmlns="" w="9525">
+                <a14:hiddenLine xmlns="" xmlns:a14="http://schemas.microsoft.com/office/drawing/2010/main" w="9525">
                   <a:solidFill>
                     <a:srgbClr val="000000"/>
                   </a:solidFill>
@@ -1065,7 +1065,7 @@
             </a:ln>
             <a:extLst>
               <a:ext uri="{91240B29-F687-4f45-9708-019B960494DF}">
-                <a14:hiddenLine xmlns:a14="http://schemas.microsoft.com/office/drawing/2010/main" xmlns="" w="9525">
+                <a14:hiddenLine xmlns="" xmlns:a14="http://schemas.microsoft.com/office/drawing/2010/main" w="9525">
                   <a:solidFill>
                     <a:srgbClr val="000000"/>
                   </a:solidFill>
@@ -1127,7 +1127,7 @@
             </a:ln>
             <a:extLst>
               <a:ext uri="{91240B29-F687-4f45-9708-019B960494DF}">
-                <a14:hiddenLine xmlns:a14="http://schemas.microsoft.com/office/drawing/2010/main" xmlns="" w="9525">
+                <a14:hiddenLine xmlns="" xmlns:a14="http://schemas.microsoft.com/office/drawing/2010/main" w="9525">
                   <a:solidFill>
                     <a:srgbClr val="000000"/>
                   </a:solidFill>
@@ -1237,7 +1237,7 @@
             </a:ln>
             <a:extLst>
               <a:ext uri="{91240B29-F687-4f45-9708-019B960494DF}">
-                <a14:hiddenLine xmlns:a14="http://schemas.microsoft.com/office/drawing/2010/main" xmlns="" w="9525">
+                <a14:hiddenLine xmlns="" xmlns:a14="http://schemas.microsoft.com/office/drawing/2010/main" w="9525">
                   <a:solidFill>
                     <a:srgbClr val="000000"/>
                   </a:solidFill>
@@ -1299,7 +1299,7 @@
             </a:ln>
             <a:extLst>
               <a:ext uri="{91240B29-F687-4f45-9708-019B960494DF}">
-                <a14:hiddenLine xmlns:a14="http://schemas.microsoft.com/office/drawing/2010/main" xmlns="" w="9525">
+                <a14:hiddenLine xmlns="" xmlns:a14="http://schemas.microsoft.com/office/drawing/2010/main" w="9525">
                   <a:solidFill>
                     <a:srgbClr val="000000"/>
                   </a:solidFill>
@@ -1389,7 +1389,7 @@
             </a:ln>
             <a:extLst>
               <a:ext uri="{91240B29-F687-4f45-9708-019B960494DF}">
-                <a14:hiddenLine xmlns:a14="http://schemas.microsoft.com/office/drawing/2010/main" xmlns="" w="9525">
+                <a14:hiddenLine xmlns="" xmlns:a14="http://schemas.microsoft.com/office/drawing/2010/main" w="9525">
                   <a:solidFill>
                     <a:srgbClr val="000000"/>
                   </a:solidFill>
@@ -1479,7 +1479,7 @@
             </a:ln>
             <a:extLst>
               <a:ext uri="{91240B29-F687-4f45-9708-019B960494DF}">
-                <a14:hiddenLine xmlns:a14="http://schemas.microsoft.com/office/drawing/2010/main" xmlns="" w="9525">
+                <a14:hiddenLine xmlns="" xmlns:a14="http://schemas.microsoft.com/office/drawing/2010/main" w="9525">
                   <a:solidFill>
                     <a:srgbClr val="000000"/>
                   </a:solidFill>
@@ -1541,7 +1541,7 @@
             </a:ln>
             <a:extLst>
               <a:ext uri="{91240B29-F687-4f45-9708-019B960494DF}">
-                <a14:hiddenLine xmlns:a14="http://schemas.microsoft.com/office/drawing/2010/main" xmlns="" w="9525">
+                <a14:hiddenLine xmlns="" xmlns:a14="http://schemas.microsoft.com/office/drawing/2010/main" w="9525">
                   <a:solidFill>
                     <a:srgbClr val="000000"/>
                   </a:solidFill>
@@ -1631,7 +1631,7 @@
             </a:ln>
             <a:extLst>
               <a:ext uri="{91240B29-F687-4f45-9708-019B960494DF}">
-                <a14:hiddenLine xmlns:a14="http://schemas.microsoft.com/office/drawing/2010/main" xmlns="" w="9525">
+                <a14:hiddenLine xmlns="" xmlns:a14="http://schemas.microsoft.com/office/drawing/2010/main" w="9525">
                   <a:solidFill>
                     <a:srgbClr val="000000"/>
                   </a:solidFill>
@@ -1721,7 +1721,7 @@
             </a:ln>
             <a:extLst>
               <a:ext uri="{91240B29-F687-4f45-9708-019B960494DF}">
-                <a14:hiddenLine xmlns:a14="http://schemas.microsoft.com/office/drawing/2010/main" xmlns="" w="9525">
+                <a14:hiddenLine xmlns="" xmlns:a14="http://schemas.microsoft.com/office/drawing/2010/main" w="9525">
                   <a:solidFill>
                     <a:srgbClr val="000000"/>
                   </a:solidFill>
@@ -1777,7 +1777,7 @@
             </a:ln>
             <a:extLst>
               <a:ext uri="{91240B29-F687-4f45-9708-019B960494DF}">
-                <a14:hiddenLine xmlns:a14="http://schemas.microsoft.com/office/drawing/2010/main" xmlns="" w="9525">
+                <a14:hiddenLine xmlns="" xmlns:a14="http://schemas.microsoft.com/office/drawing/2010/main" w="9525">
                   <a:solidFill>
                     <a:srgbClr val="000000"/>
                   </a:solidFill>
@@ -1867,7 +1867,7 @@
             </a:ln>
             <a:extLst>
               <a:ext uri="{91240B29-F687-4f45-9708-019B960494DF}">
-                <a14:hiddenLine xmlns:a14="http://schemas.microsoft.com/office/drawing/2010/main" xmlns="" w="9525">
+                <a14:hiddenLine xmlns="" xmlns:a14="http://schemas.microsoft.com/office/drawing/2010/main" w="9525">
                   <a:solidFill>
                     <a:srgbClr val="000000"/>
                   </a:solidFill>
@@ -1923,7 +1923,7 @@
             </a:ln>
             <a:extLst>
               <a:ext uri="{91240B29-F687-4f45-9708-019B960494DF}">
-                <a14:hiddenLine xmlns:a14="http://schemas.microsoft.com/office/drawing/2010/main" xmlns="" w="9525">
+                <a14:hiddenLine xmlns="" xmlns:a14="http://schemas.microsoft.com/office/drawing/2010/main" w="9525">
                   <a:solidFill>
                     <a:srgbClr val="000000"/>
                   </a:solidFill>
@@ -2013,7 +2013,7 @@
             </a:ln>
             <a:extLst>
               <a:ext uri="{91240B29-F687-4f45-9708-019B960494DF}">
-                <a14:hiddenLine xmlns:a14="http://schemas.microsoft.com/office/drawing/2010/main" xmlns="" w="9525">
+                <a14:hiddenLine xmlns="" xmlns:a14="http://schemas.microsoft.com/office/drawing/2010/main" w="9525">
                   <a:solidFill>
                     <a:srgbClr val="000000"/>
                   </a:solidFill>
@@ -2081,7 +2081,7 @@
             </a:ln>
             <a:extLst>
               <a:ext uri="{91240B29-F687-4f45-9708-019B960494DF}">
-                <a14:hiddenLine xmlns:a14="http://schemas.microsoft.com/office/drawing/2010/main" xmlns="" w="9525">
+                <a14:hiddenLine xmlns="" xmlns:a14="http://schemas.microsoft.com/office/drawing/2010/main" w="9525">
                   <a:solidFill>
                     <a:srgbClr val="000000"/>
                   </a:solidFill>
@@ -2171,7 +2171,7 @@
             </a:ln>
             <a:extLst>
               <a:ext uri="{91240B29-F687-4f45-9708-019B960494DF}">
-                <a14:hiddenLine xmlns:a14="http://schemas.microsoft.com/office/drawing/2010/main" xmlns="" w="9525">
+                <a14:hiddenLine xmlns="" xmlns:a14="http://schemas.microsoft.com/office/drawing/2010/main" w="9525">
                   <a:solidFill>
                     <a:srgbClr val="000000"/>
                   </a:solidFill>
@@ -2239,7 +2239,7 @@
             </a:ln>
             <a:extLst>
               <a:ext uri="{91240B29-F687-4f45-9708-019B960494DF}">
-                <a14:hiddenLine xmlns:a14="http://schemas.microsoft.com/office/drawing/2010/main" xmlns="" w="9525">
+                <a14:hiddenLine xmlns="" xmlns:a14="http://schemas.microsoft.com/office/drawing/2010/main" w="9525">
                   <a:solidFill>
                     <a:srgbClr val="000000"/>
                   </a:solidFill>
@@ -2329,7 +2329,7 @@
             </a:ln>
             <a:extLst>
               <a:ext uri="{91240B29-F687-4f45-9708-019B960494DF}">
-                <a14:hiddenLine xmlns:a14="http://schemas.microsoft.com/office/drawing/2010/main" xmlns="" w="9525">
+                <a14:hiddenLine xmlns="" xmlns:a14="http://schemas.microsoft.com/office/drawing/2010/main" w="9525">
                   <a:solidFill>
                     <a:srgbClr val="000000"/>
                   </a:solidFill>
@@ -2363,7 +2363,7 @@
             </a:ln>
             <a:extLst>
               <a:ext uri="{91240B29-F687-4f45-9708-019B960494DF}">
-                <a14:hiddenLine xmlns:a14="http://schemas.microsoft.com/office/drawing/2010/main" xmlns="" w="9525">
+                <a14:hiddenLine xmlns="" xmlns:a14="http://schemas.microsoft.com/office/drawing/2010/main" w="9525">
                   <a:solidFill>
                     <a:srgbClr val="000000"/>
                   </a:solidFill>
@@ -2453,7 +2453,7 @@
             </a:ln>
             <a:extLst>
               <a:ext uri="{91240B29-F687-4f45-9708-019B960494DF}">
-                <a14:hiddenLine xmlns:a14="http://schemas.microsoft.com/office/drawing/2010/main" xmlns="" w="9525">
+                <a14:hiddenLine xmlns="" xmlns:a14="http://schemas.microsoft.com/office/drawing/2010/main" w="9525">
                   <a:solidFill>
                     <a:srgbClr val="000000"/>
                   </a:solidFill>
@@ -2515,7 +2515,7 @@
             </a:ln>
             <a:extLst>
               <a:ext uri="{91240B29-F687-4f45-9708-019B960494DF}">
-                <a14:hiddenLine xmlns:a14="http://schemas.microsoft.com/office/drawing/2010/main" xmlns="" w="9525">
+                <a14:hiddenLine xmlns="" xmlns:a14="http://schemas.microsoft.com/office/drawing/2010/main" w="9525">
                   <a:solidFill>
                     <a:srgbClr val="000000"/>
                   </a:solidFill>
@@ -2577,7 +2577,7 @@
             </a:ln>
             <a:extLst>
               <a:ext uri="{91240B29-F687-4f45-9708-019B960494DF}">
-                <a14:hiddenLine xmlns:a14="http://schemas.microsoft.com/office/drawing/2010/main" xmlns="" w="9525">
+                <a14:hiddenLine xmlns="" xmlns:a14="http://schemas.microsoft.com/office/drawing/2010/main" w="9525">
                   <a:solidFill>
                     <a:srgbClr val="000000"/>
                   </a:solidFill>
@@ -2667,7 +2667,7 @@
             </a:ln>
             <a:extLst>
               <a:ext uri="{91240B29-F687-4f45-9708-019B960494DF}">
-                <a14:hiddenLine xmlns:a14="http://schemas.microsoft.com/office/drawing/2010/main" xmlns="" w="9525">
+                <a14:hiddenLine xmlns="" xmlns:a14="http://schemas.microsoft.com/office/drawing/2010/main" w="9525">
                   <a:solidFill>
                     <a:srgbClr val="000000"/>
                   </a:solidFill>
@@ -2735,7 +2735,7 @@
             </a:ln>
             <a:extLst>
               <a:ext uri="{91240B29-F687-4f45-9708-019B960494DF}">
-                <a14:hiddenLine xmlns:a14="http://schemas.microsoft.com/office/drawing/2010/main" xmlns="" w="9525">
+                <a14:hiddenLine xmlns="" xmlns:a14="http://schemas.microsoft.com/office/drawing/2010/main" w="9525">
                   <a:solidFill>
                     <a:srgbClr val="000000"/>
                   </a:solidFill>
@@ -2797,7 +2797,7 @@
             </a:ln>
             <a:extLst>
               <a:ext uri="{91240B29-F687-4f45-9708-019B960494DF}">
-                <a14:hiddenLine xmlns:a14="http://schemas.microsoft.com/office/drawing/2010/main" xmlns="" w="9525">
+                <a14:hiddenLine xmlns="" xmlns:a14="http://schemas.microsoft.com/office/drawing/2010/main" w="9525">
                   <a:solidFill>
                     <a:srgbClr val="000000"/>
                   </a:solidFill>
@@ -2887,7 +2887,7 @@
             </a:ln>
             <a:extLst>
               <a:ext uri="{91240B29-F687-4f45-9708-019B960494DF}">
-                <a14:hiddenLine xmlns:a14="http://schemas.microsoft.com/office/drawing/2010/main" xmlns="" w="9525">
+                <a14:hiddenLine xmlns="" xmlns:a14="http://schemas.microsoft.com/office/drawing/2010/main" w="9525">
                   <a:solidFill>
                     <a:srgbClr val="000000"/>
                   </a:solidFill>
@@ -2949,7 +2949,7 @@
             </a:ln>
             <a:extLst>
               <a:ext uri="{91240B29-F687-4f45-9708-019B960494DF}">
-                <a14:hiddenLine xmlns:a14="http://schemas.microsoft.com/office/drawing/2010/main" xmlns="" w="9525">
+                <a14:hiddenLine xmlns="" xmlns:a14="http://schemas.microsoft.com/office/drawing/2010/main" w="9525">
                   <a:solidFill>
                     <a:srgbClr val="000000"/>
                   </a:solidFill>
@@ -3039,7 +3039,7 @@
             </a:ln>
             <a:extLst>
               <a:ext uri="{91240B29-F687-4f45-9708-019B960494DF}">
-                <a14:hiddenLine xmlns:a14="http://schemas.microsoft.com/office/drawing/2010/main" xmlns="" w="9525">
+                <a14:hiddenLine xmlns="" xmlns:a14="http://schemas.microsoft.com/office/drawing/2010/main" w="9525">
                   <a:solidFill>
                     <a:srgbClr val="000000"/>
                   </a:solidFill>
@@ -3101,7 +3101,7 @@
             </a:ln>
             <a:extLst>
               <a:ext uri="{91240B29-F687-4f45-9708-019B960494DF}">
-                <a14:hiddenLine xmlns:a14="http://schemas.microsoft.com/office/drawing/2010/main" xmlns="" w="9525">
+                <a14:hiddenLine xmlns="" xmlns:a14="http://schemas.microsoft.com/office/drawing/2010/main" w="9525">
                   <a:solidFill>
                     <a:srgbClr val="000000"/>
                   </a:solidFill>
@@ -3191,7 +3191,7 @@
             </a:ln>
             <a:extLst>
               <a:ext uri="{91240B29-F687-4f45-9708-019B960494DF}">
-                <a14:hiddenLine xmlns:a14="http://schemas.microsoft.com/office/drawing/2010/main" xmlns="" w="9525">
+                <a14:hiddenLine xmlns="" xmlns:a14="http://schemas.microsoft.com/office/drawing/2010/main" w="9525">
                   <a:solidFill>
                     <a:srgbClr val="000000"/>
                   </a:solidFill>
@@ -3225,7 +3225,7 @@
             </a:ln>
             <a:extLst>
               <a:ext uri="{91240B29-F687-4f45-9708-019B960494DF}">
-                <a14:hiddenLine xmlns:a14="http://schemas.microsoft.com/office/drawing/2010/main" xmlns="" w="9525">
+                <a14:hiddenLine xmlns="" xmlns:a14="http://schemas.microsoft.com/office/drawing/2010/main" w="9525">
                   <a:solidFill>
                     <a:srgbClr val="000000"/>
                   </a:solidFill>
@@ -3290,7 +3290,7 @@
             </a:ln>
             <a:extLst>
               <a:ext uri="{91240B29-F687-4f45-9708-019B960494DF}">
-                <a14:hiddenLine xmlns:a14="http://schemas.microsoft.com/office/drawing/2010/main" xmlns="" w="9525">
+                <a14:hiddenLine xmlns="" xmlns:a14="http://schemas.microsoft.com/office/drawing/2010/main" w="9525">
                   <a:solidFill>
                     <a:srgbClr val="000000"/>
                   </a:solidFill>
@@ -3380,7 +3380,7 @@
             </a:ln>
             <a:extLst>
               <a:ext uri="{91240B29-F687-4f45-9708-019B960494DF}">
-                <a14:hiddenLine xmlns:a14="http://schemas.microsoft.com/office/drawing/2010/main" xmlns="" w="9525">
+                <a14:hiddenLine xmlns="" xmlns:a14="http://schemas.microsoft.com/office/drawing/2010/main" w="9525">
                   <a:solidFill>
                     <a:srgbClr val="000000"/>
                   </a:solidFill>
@@ -3442,7 +3442,7 @@
             </a:ln>
             <a:extLst>
               <a:ext uri="{91240B29-F687-4f45-9708-019B960494DF}">
-                <a14:hiddenLine xmlns:a14="http://schemas.microsoft.com/office/drawing/2010/main" xmlns="" w="9525">
+                <a14:hiddenLine xmlns="" xmlns:a14="http://schemas.microsoft.com/office/drawing/2010/main" w="9525">
                   <a:solidFill>
                     <a:srgbClr val="000000"/>
                   </a:solidFill>
@@ -3532,7 +3532,7 @@
             </a:ln>
             <a:extLst>
               <a:ext uri="{91240B29-F687-4f45-9708-019B960494DF}">
-                <a14:hiddenLine xmlns:a14="http://schemas.microsoft.com/office/drawing/2010/main" xmlns="" w="9525">
+                <a14:hiddenLine xmlns="" xmlns:a14="http://schemas.microsoft.com/office/drawing/2010/main" w="9525">
                   <a:solidFill>
                     <a:srgbClr val="000000"/>
                   </a:solidFill>
@@ -3622,7 +3622,7 @@
             </a:ln>
             <a:extLst>
               <a:ext uri="{91240B29-F687-4f45-9708-019B960494DF}">
-                <a14:hiddenLine xmlns:a14="http://schemas.microsoft.com/office/drawing/2010/main" xmlns="" w="9525">
+                <a14:hiddenLine xmlns="" xmlns:a14="http://schemas.microsoft.com/office/drawing/2010/main" w="9525">
                   <a:solidFill>
                     <a:srgbClr val="000000"/>
                   </a:solidFill>
@@ -3687,7 +3687,7 @@
             </a:ln>
             <a:extLst>
               <a:ext uri="{91240B29-F687-4f45-9708-019B960494DF}">
-                <a14:hiddenLine xmlns:a14="http://schemas.microsoft.com/office/drawing/2010/main" xmlns="" w="9525">
+                <a14:hiddenLine xmlns="" xmlns:a14="http://schemas.microsoft.com/office/drawing/2010/main" w="9525">
                   <a:solidFill>
                     <a:srgbClr val="000000"/>
                   </a:solidFill>
@@ -3749,7 +3749,7 @@
             </a:ln>
             <a:extLst>
               <a:ext uri="{91240B29-F687-4f45-9708-019B960494DF}">
-                <a14:hiddenLine xmlns:a14="http://schemas.microsoft.com/office/drawing/2010/main" xmlns="" w="9525">
+                <a14:hiddenLine xmlns="" xmlns:a14="http://schemas.microsoft.com/office/drawing/2010/main" w="9525">
                   <a:solidFill>
                     <a:srgbClr val="000000"/>
                   </a:solidFill>
@@ -3839,7 +3839,7 @@
             </a:ln>
             <a:extLst>
               <a:ext uri="{91240B29-F687-4f45-9708-019B960494DF}">
-                <a14:hiddenLine xmlns:a14="http://schemas.microsoft.com/office/drawing/2010/main" xmlns="" w="9525">
+                <a14:hiddenLine xmlns="" xmlns:a14="http://schemas.microsoft.com/office/drawing/2010/main" w="9525">
                   <a:solidFill>
                     <a:srgbClr val="000000"/>
                   </a:solidFill>
@@ -3929,7 +3929,7 @@
             </a:ln>
             <a:extLst>
               <a:ext uri="{91240B29-F687-4f45-9708-019B960494DF}">
-                <a14:hiddenLine xmlns:a14="http://schemas.microsoft.com/office/drawing/2010/main" xmlns="" w="9525">
+                <a14:hiddenLine xmlns="" xmlns:a14="http://schemas.microsoft.com/office/drawing/2010/main" w="9525">
                   <a:solidFill>
                     <a:srgbClr val="000000"/>
                   </a:solidFill>
@@ -3991,7 +3991,7 @@
             </a:ln>
             <a:extLst>
               <a:ext uri="{91240B29-F687-4f45-9708-019B960494DF}">
-                <a14:hiddenLine xmlns:a14="http://schemas.microsoft.com/office/drawing/2010/main" xmlns="" w="9525">
+                <a14:hiddenLine xmlns="" xmlns:a14="http://schemas.microsoft.com/office/drawing/2010/main" w="9525">
                   <a:solidFill>
                     <a:srgbClr val="000000"/>
                   </a:solidFill>
@@ -4111,7 +4111,7 @@
             </a:ln>
             <a:extLst>
               <a:ext uri="{91240B29-F687-4f45-9708-019B960494DF}">
-                <a14:hiddenLine xmlns:a14="http://schemas.microsoft.com/office/drawing/2010/main" xmlns="" w="9525">
+                <a14:hiddenLine xmlns="" xmlns:a14="http://schemas.microsoft.com/office/drawing/2010/main" w="9525">
                   <a:solidFill>
                     <a:srgbClr val="000000"/>
                   </a:solidFill>
@@ -4179,7 +4179,7 @@
             </a:ln>
             <a:extLst>
               <a:ext uri="{91240B29-F687-4f45-9708-019B960494DF}">
-                <a14:hiddenLine xmlns:a14="http://schemas.microsoft.com/office/drawing/2010/main" xmlns="" w="9525">
+                <a14:hiddenLine xmlns="" xmlns:a14="http://schemas.microsoft.com/office/drawing/2010/main" w="9525">
                   <a:solidFill>
                     <a:srgbClr val="000000"/>
                   </a:solidFill>
@@ -4269,7 +4269,7 @@
             </a:ln>
             <a:extLst>
               <a:ext uri="{91240B29-F687-4f45-9708-019B960494DF}">
-                <a14:hiddenLine xmlns:a14="http://schemas.microsoft.com/office/drawing/2010/main" xmlns="" w="9525">
+                <a14:hiddenLine xmlns="" xmlns:a14="http://schemas.microsoft.com/office/drawing/2010/main" w="9525">
                   <a:solidFill>
                     <a:srgbClr val="000000"/>
                   </a:solidFill>
@@ -4410,7 +4410,7 @@
             <a:fld id="{B61BEF0D-F0BB-DE4B-95CE-6DB70DBA9567}" type="datetimeFigureOut">
               <a:rPr lang="en-US" smtClean="0"/>
               <a:pPr/>
-              <a:t>11/7/2013</a:t>
+              <a:t>12/3/2013</a:t>
             </a:fld>
             <a:endParaRPr lang="en-US" dirty="0"/>
           </a:p>
@@ -4679,7 +4679,7 @@
             <a:fld id="{B61BEF0D-F0BB-DE4B-95CE-6DB70DBA9567}" type="datetimeFigureOut">
               <a:rPr lang="en-US" smtClean="0"/>
               <a:pPr/>
-              <a:t>11/7/2013</a:t>
+              <a:t>12/3/2013</a:t>
             </a:fld>
             <a:endParaRPr lang="en-US" dirty="0"/>
           </a:p>
@@ -4877,7 +4877,7 @@
             <a:fld id="{B61BEF0D-F0BB-DE4B-95CE-6DB70DBA9567}" type="datetimeFigureOut">
               <a:rPr lang="en-US" smtClean="0"/>
               <a:pPr/>
-              <a:t>11/7/2013</a:t>
+              <a:t>12/3/2013</a:t>
             </a:fld>
             <a:endParaRPr lang="en-US" dirty="0"/>
           </a:p>
@@ -5142,7 +5142,7 @@
             <a:fld id="{B61BEF0D-F0BB-DE4B-95CE-6DB70DBA9567}" type="datetimeFigureOut">
               <a:rPr lang="en-US" smtClean="0"/>
               <a:pPr/>
-              <a:t>11/7/2013</a:t>
+              <a:t>12/3/2013</a:t>
             </a:fld>
             <a:endParaRPr lang="en-US" dirty="0"/>
           </a:p>
@@ -5578,7 +5578,7 @@
             <a:fld id="{B61BEF0D-F0BB-DE4B-95CE-6DB70DBA9567}" type="datetimeFigureOut">
               <a:rPr lang="en-US" smtClean="0"/>
               <a:pPr/>
-              <a:t>11/7/2013</a:t>
+              <a:t>12/3/2013</a:t>
             </a:fld>
             <a:endParaRPr lang="en-US" dirty="0"/>
           </a:p>
@@ -6126,7 +6126,7 @@
             <a:fld id="{B61BEF0D-F0BB-DE4B-95CE-6DB70DBA9567}" type="datetimeFigureOut">
               <a:rPr lang="en-US" smtClean="0"/>
               <a:pPr/>
-              <a:t>11/7/2013</a:t>
+              <a:t>12/3/2013</a:t>
             </a:fld>
             <a:endParaRPr lang="en-US" dirty="0"/>
           </a:p>
@@ -6848,7 +6848,7 @@
             <a:fld id="{B61BEF0D-F0BB-DE4B-95CE-6DB70DBA9567}" type="datetimeFigureOut">
               <a:rPr lang="en-US" smtClean="0"/>
               <a:pPr/>
-              <a:t>11/7/2013</a:t>
+              <a:t>12/3/2013</a:t>
             </a:fld>
             <a:endParaRPr lang="en-US" dirty="0"/>
           </a:p>
@@ -7020,7 +7020,7 @@
             <a:fld id="{B61BEF0D-F0BB-DE4B-95CE-6DB70DBA9567}" type="datetimeFigureOut">
               <a:rPr lang="en-US" smtClean="0"/>
               <a:pPr/>
-              <a:t>11/7/2013</a:t>
+              <a:t>12/3/2013</a:t>
             </a:fld>
             <a:endParaRPr lang="en-US" dirty="0"/>
           </a:p>
@@ -7202,7 +7202,7 @@
             <a:fld id="{B61BEF0D-F0BB-DE4B-95CE-6DB70DBA9567}" type="datetimeFigureOut">
               <a:rPr lang="en-US" smtClean="0"/>
               <a:pPr/>
-              <a:t>11/7/2013</a:t>
+              <a:t>12/3/2013</a:t>
             </a:fld>
             <a:endParaRPr lang="en-US" dirty="0"/>
           </a:p>
@@ -7374,7 +7374,7 @@
             <a:fld id="{B61BEF0D-F0BB-DE4B-95CE-6DB70DBA9567}" type="datetimeFigureOut">
               <a:rPr lang="en-US" smtClean="0"/>
               <a:pPr/>
-              <a:t>11/7/2013</a:t>
+              <a:t>12/3/2013</a:t>
             </a:fld>
             <a:endParaRPr lang="en-US" dirty="0"/>
           </a:p>
@@ -7626,7 +7626,7 @@
             <a:fld id="{B61BEF0D-F0BB-DE4B-95CE-6DB70DBA9567}" type="datetimeFigureOut">
               <a:rPr lang="en-US" smtClean="0"/>
               <a:pPr/>
-              <a:t>11/7/2013</a:t>
+              <a:t>12/3/2013</a:t>
             </a:fld>
             <a:endParaRPr lang="en-US" dirty="0"/>
           </a:p>
@@ -7860,7 +7860,7 @@
             <a:fld id="{B61BEF0D-F0BB-DE4B-95CE-6DB70DBA9567}" type="datetimeFigureOut">
               <a:rPr lang="en-US" smtClean="0"/>
               <a:pPr/>
-              <a:t>11/7/2013</a:t>
+              <a:t>12/3/2013</a:t>
             </a:fld>
             <a:endParaRPr lang="en-US" dirty="0"/>
           </a:p>
@@ -8243,7 +8243,7 @@
             <a:fld id="{B61BEF0D-F0BB-DE4B-95CE-6DB70DBA9567}" type="datetimeFigureOut">
               <a:rPr lang="en-US" smtClean="0"/>
               <a:pPr/>
-              <a:t>11/7/2013</a:t>
+              <a:t>12/3/2013</a:t>
             </a:fld>
             <a:endParaRPr lang="en-US" dirty="0"/>
           </a:p>
@@ -8363,7 +8363,7 @@
             <a:fld id="{B61BEF0D-F0BB-DE4B-95CE-6DB70DBA9567}" type="datetimeFigureOut">
               <a:rPr lang="en-US" smtClean="0"/>
               <a:pPr/>
-              <a:t>11/7/2013</a:t>
+              <a:t>12/3/2013</a:t>
             </a:fld>
             <a:endParaRPr lang="en-US" dirty="0"/>
           </a:p>
@@ -8460,7 +8460,7 @@
             <a:fld id="{B61BEF0D-F0BB-DE4B-95CE-6DB70DBA9567}" type="datetimeFigureOut">
               <a:rPr lang="en-US" smtClean="0"/>
               <a:pPr/>
-              <a:t>11/7/2013</a:t>
+              <a:t>12/3/2013</a:t>
             </a:fld>
             <a:endParaRPr lang="en-US" dirty="0"/>
           </a:p>
@@ -8711,7 +8711,7 @@
             <a:fld id="{B61BEF0D-F0BB-DE4B-95CE-6DB70DBA9567}" type="datetimeFigureOut">
               <a:rPr lang="en-US" smtClean="0"/>
               <a:pPr/>
-              <a:t>11/7/2013</a:t>
+              <a:t>12/3/2013</a:t>
             </a:fld>
             <a:endParaRPr lang="en-US" dirty="0"/>
           </a:p>
@@ -8993,7 +8993,7 @@
             <a:fld id="{B61BEF0D-F0BB-DE4B-95CE-6DB70DBA9567}" type="datetimeFigureOut">
               <a:rPr lang="en-US" smtClean="0"/>
               <a:pPr/>
-              <a:t>11/7/2013</a:t>
+              <a:t>12/3/2013</a:t>
             </a:fld>
             <a:endParaRPr lang="en-US" dirty="0"/>
           </a:p>
@@ -9110,7 +9110,7 @@
           <a:noFill/>
           <a:extLst>
             <a:ext uri="{909E8E84-426E-40dd-AFC4-6F175D3DCCD1}">
-              <a14:hiddenFill xmlns:a14="http://schemas.microsoft.com/office/drawing/2010/main" xmlns="">
+              <a14:hiddenFill xmlns="" xmlns:a14="http://schemas.microsoft.com/office/drawing/2010/main">
                 <a:solidFill>
                   <a:srgbClr val="FFFFFF"/>
                 </a:solidFill>
@@ -9184,7 +9184,7 @@
               </a:ln>
               <a:extLst>
                 <a:ext uri="{91240B29-F687-4f45-9708-019B960494DF}">
-                  <a14:hiddenLine xmlns:a14="http://schemas.microsoft.com/office/drawing/2010/main" xmlns="" w="9525">
+                  <a14:hiddenLine xmlns="" xmlns:a14="http://schemas.microsoft.com/office/drawing/2010/main" w="9525">
                     <a:solidFill>
                       <a:srgbClr val="000000"/>
                     </a:solidFill>
@@ -9274,7 +9274,7 @@
               </a:ln>
               <a:extLst>
                 <a:ext uri="{91240B29-F687-4f45-9708-019B960494DF}">
-                  <a14:hiddenLine xmlns:a14="http://schemas.microsoft.com/office/drawing/2010/main" xmlns="" w="9525">
+                  <a14:hiddenLine xmlns="" xmlns:a14="http://schemas.microsoft.com/office/drawing/2010/main" w="9525">
                     <a:solidFill>
                       <a:srgbClr val="000000"/>
                     </a:solidFill>
@@ -9364,7 +9364,7 @@
               </a:ln>
               <a:extLst>
                 <a:ext uri="{91240B29-F687-4f45-9708-019B960494DF}">
-                  <a14:hiddenLine xmlns:a14="http://schemas.microsoft.com/office/drawing/2010/main" xmlns="" w="9525">
+                  <a14:hiddenLine xmlns="" xmlns:a14="http://schemas.microsoft.com/office/drawing/2010/main" w="9525">
                     <a:solidFill>
                       <a:srgbClr val="000000"/>
                     </a:solidFill>
@@ -9426,7 +9426,7 @@
               </a:ln>
               <a:extLst>
                 <a:ext uri="{91240B29-F687-4f45-9708-019B960494DF}">
-                  <a14:hiddenLine xmlns:a14="http://schemas.microsoft.com/office/drawing/2010/main" xmlns="" w="9525">
+                  <a14:hiddenLine xmlns="" xmlns:a14="http://schemas.microsoft.com/office/drawing/2010/main" w="9525">
                     <a:solidFill>
                       <a:srgbClr val="000000"/>
                     </a:solidFill>
@@ -9516,7 +9516,7 @@
               </a:ln>
               <a:extLst>
                 <a:ext uri="{91240B29-F687-4f45-9708-019B960494DF}">
-                  <a14:hiddenLine xmlns:a14="http://schemas.microsoft.com/office/drawing/2010/main" xmlns="" w="9525">
+                  <a14:hiddenLine xmlns="" xmlns:a14="http://schemas.microsoft.com/office/drawing/2010/main" w="9525">
                     <a:solidFill>
                       <a:srgbClr val="000000"/>
                     </a:solidFill>
@@ -9578,7 +9578,7 @@
               </a:ln>
               <a:extLst>
                 <a:ext uri="{91240B29-F687-4f45-9708-019B960494DF}">
-                  <a14:hiddenLine xmlns:a14="http://schemas.microsoft.com/office/drawing/2010/main" xmlns="" w="9525">
+                  <a14:hiddenLine xmlns="" xmlns:a14="http://schemas.microsoft.com/office/drawing/2010/main" w="9525">
                     <a:solidFill>
                       <a:srgbClr val="000000"/>
                     </a:solidFill>
@@ -9640,7 +9640,7 @@
               </a:ln>
               <a:extLst>
                 <a:ext uri="{91240B29-F687-4f45-9708-019B960494DF}">
-                  <a14:hiddenLine xmlns:a14="http://schemas.microsoft.com/office/drawing/2010/main" xmlns="" w="9525">
+                  <a14:hiddenLine xmlns="" xmlns:a14="http://schemas.microsoft.com/office/drawing/2010/main" w="9525">
                     <a:solidFill>
                       <a:srgbClr val="000000"/>
                     </a:solidFill>
@@ -9730,7 +9730,7 @@
               </a:ln>
               <a:extLst>
                 <a:ext uri="{91240B29-F687-4f45-9708-019B960494DF}">
-                  <a14:hiddenLine xmlns:a14="http://schemas.microsoft.com/office/drawing/2010/main" xmlns="" w="9525">
+                  <a14:hiddenLine xmlns="" xmlns:a14="http://schemas.microsoft.com/office/drawing/2010/main" w="9525">
                     <a:solidFill>
                       <a:srgbClr val="000000"/>
                     </a:solidFill>
@@ -9820,7 +9820,7 @@
               </a:ln>
               <a:extLst>
                 <a:ext uri="{91240B29-F687-4f45-9708-019B960494DF}">
-                  <a14:hiddenLine xmlns:a14="http://schemas.microsoft.com/office/drawing/2010/main" xmlns="" w="9525">
+                  <a14:hiddenLine xmlns="" xmlns:a14="http://schemas.microsoft.com/office/drawing/2010/main" w="9525">
                     <a:solidFill>
                       <a:srgbClr val="000000"/>
                     </a:solidFill>
@@ -9882,7 +9882,7 @@
               </a:ln>
               <a:extLst>
                 <a:ext uri="{91240B29-F687-4f45-9708-019B960494DF}">
-                  <a14:hiddenLine xmlns:a14="http://schemas.microsoft.com/office/drawing/2010/main" xmlns="" w="9525">
+                  <a14:hiddenLine xmlns="" xmlns:a14="http://schemas.microsoft.com/office/drawing/2010/main" w="9525">
                     <a:solidFill>
                       <a:srgbClr val="000000"/>
                     </a:solidFill>
@@ -9992,7 +9992,7 @@
               </a:ln>
               <a:extLst>
                 <a:ext uri="{91240B29-F687-4f45-9708-019B960494DF}">
-                  <a14:hiddenLine xmlns:a14="http://schemas.microsoft.com/office/drawing/2010/main" xmlns="" w="9525">
+                  <a14:hiddenLine xmlns="" xmlns:a14="http://schemas.microsoft.com/office/drawing/2010/main" w="9525">
                     <a:solidFill>
                       <a:srgbClr val="000000"/>
                     </a:solidFill>
@@ -10076,7 +10076,7 @@
               </a:ln>
               <a:extLst>
                 <a:ext uri="{91240B29-F687-4f45-9708-019B960494DF}">
-                  <a14:hiddenLine xmlns:a14="http://schemas.microsoft.com/office/drawing/2010/main" xmlns="" w="9525">
+                  <a14:hiddenLine xmlns="" xmlns:a14="http://schemas.microsoft.com/office/drawing/2010/main" w="9525">
                     <a:solidFill>
                       <a:srgbClr val="000000"/>
                     </a:solidFill>
@@ -10138,7 +10138,7 @@
               </a:ln>
               <a:extLst>
                 <a:ext uri="{91240B29-F687-4f45-9708-019B960494DF}">
-                  <a14:hiddenLine xmlns:a14="http://schemas.microsoft.com/office/drawing/2010/main" xmlns="" w="9525">
+                  <a14:hiddenLine xmlns="" xmlns:a14="http://schemas.microsoft.com/office/drawing/2010/main" w="9525">
                     <a:solidFill>
                       <a:srgbClr val="000000"/>
                     </a:solidFill>
@@ -10200,7 +10200,7 @@
               </a:ln>
               <a:extLst>
                 <a:ext uri="{91240B29-F687-4f45-9708-019B960494DF}">
-                  <a14:hiddenLine xmlns:a14="http://schemas.microsoft.com/office/drawing/2010/main" xmlns="" w="9525">
+                  <a14:hiddenLine xmlns="" xmlns:a14="http://schemas.microsoft.com/office/drawing/2010/main" w="9525">
                     <a:solidFill>
                       <a:srgbClr val="000000"/>
                     </a:solidFill>
@@ -10290,7 +10290,7 @@
               </a:ln>
               <a:extLst>
                 <a:ext uri="{91240B29-F687-4f45-9708-019B960494DF}">
-                  <a14:hiddenLine xmlns:a14="http://schemas.microsoft.com/office/drawing/2010/main" xmlns="" w="9525">
+                  <a14:hiddenLine xmlns="" xmlns:a14="http://schemas.microsoft.com/office/drawing/2010/main" w="9525">
                     <a:solidFill>
                       <a:srgbClr val="000000"/>
                     </a:solidFill>
@@ -10324,7 +10324,7 @@
               </a:ln>
               <a:extLst>
                 <a:ext uri="{91240B29-F687-4f45-9708-019B960494DF}">
-                  <a14:hiddenLine xmlns:a14="http://schemas.microsoft.com/office/drawing/2010/main" xmlns="" w="9525">
+                  <a14:hiddenLine xmlns="" xmlns:a14="http://schemas.microsoft.com/office/drawing/2010/main" w="9525">
                     <a:solidFill>
                       <a:srgbClr val="000000"/>
                     </a:solidFill>
@@ -10389,7 +10389,7 @@
               </a:ln>
               <a:extLst>
                 <a:ext uri="{91240B29-F687-4f45-9708-019B960494DF}">
-                  <a14:hiddenLine xmlns:a14="http://schemas.microsoft.com/office/drawing/2010/main" xmlns="" w="9525">
+                  <a14:hiddenLine xmlns="" xmlns:a14="http://schemas.microsoft.com/office/drawing/2010/main" w="9525">
                     <a:solidFill>
                       <a:srgbClr val="000000"/>
                     </a:solidFill>
@@ -10479,7 +10479,7 @@
               </a:ln>
               <a:extLst>
                 <a:ext uri="{91240B29-F687-4f45-9708-019B960494DF}">
-                  <a14:hiddenLine xmlns:a14="http://schemas.microsoft.com/office/drawing/2010/main" xmlns="" w="9525">
+                  <a14:hiddenLine xmlns="" xmlns:a14="http://schemas.microsoft.com/office/drawing/2010/main" w="9525">
                     <a:solidFill>
                       <a:srgbClr val="000000"/>
                     </a:solidFill>
@@ -10541,7 +10541,7 @@
               </a:ln>
               <a:extLst>
                 <a:ext uri="{91240B29-F687-4f45-9708-019B960494DF}">
-                  <a14:hiddenLine xmlns:a14="http://schemas.microsoft.com/office/drawing/2010/main" xmlns="" w="9525">
+                  <a14:hiddenLine xmlns="" xmlns:a14="http://schemas.microsoft.com/office/drawing/2010/main" w="9525">
                     <a:solidFill>
                       <a:srgbClr val="000000"/>
                     </a:solidFill>
@@ -10631,7 +10631,7 @@
               </a:ln>
               <a:extLst>
                 <a:ext uri="{91240B29-F687-4f45-9708-019B960494DF}">
-                  <a14:hiddenLine xmlns:a14="http://schemas.microsoft.com/office/drawing/2010/main" xmlns="" w="9525">
+                  <a14:hiddenLine xmlns="" xmlns:a14="http://schemas.microsoft.com/office/drawing/2010/main" w="9525">
                     <a:solidFill>
                       <a:srgbClr val="000000"/>
                     </a:solidFill>
@@ -10696,7 +10696,7 @@
               </a:ln>
               <a:extLst>
                 <a:ext uri="{91240B29-F687-4f45-9708-019B960494DF}">
-                  <a14:hiddenLine xmlns:a14="http://schemas.microsoft.com/office/drawing/2010/main" xmlns="" w="9525">
+                  <a14:hiddenLine xmlns="" xmlns:a14="http://schemas.microsoft.com/office/drawing/2010/main" w="9525">
                     <a:solidFill>
                       <a:srgbClr val="000000"/>
                     </a:solidFill>
@@ -10758,7 +10758,7 @@
               </a:ln>
               <a:extLst>
                 <a:ext uri="{91240B29-F687-4f45-9708-019B960494DF}">
-                  <a14:hiddenLine xmlns:a14="http://schemas.microsoft.com/office/drawing/2010/main" xmlns="" w="9525">
+                  <a14:hiddenLine xmlns="" xmlns:a14="http://schemas.microsoft.com/office/drawing/2010/main" w="9525">
                     <a:solidFill>
                       <a:srgbClr val="000000"/>
                     </a:solidFill>
@@ -10848,7 +10848,7 @@
               </a:ln>
               <a:extLst>
                 <a:ext uri="{91240B29-F687-4f45-9708-019B960494DF}">
-                  <a14:hiddenLine xmlns:a14="http://schemas.microsoft.com/office/drawing/2010/main" xmlns="" w="9525">
+                  <a14:hiddenLine xmlns="" xmlns:a14="http://schemas.microsoft.com/office/drawing/2010/main" w="9525">
                     <a:solidFill>
                       <a:srgbClr val="000000"/>
                     </a:solidFill>
@@ -10938,7 +10938,7 @@
               </a:ln>
               <a:extLst>
                 <a:ext uri="{91240B29-F687-4f45-9708-019B960494DF}">
-                  <a14:hiddenLine xmlns:a14="http://schemas.microsoft.com/office/drawing/2010/main" xmlns="" w="9525">
+                  <a14:hiddenLine xmlns="" xmlns:a14="http://schemas.microsoft.com/office/drawing/2010/main" w="9525">
                     <a:solidFill>
                       <a:srgbClr val="000000"/>
                     </a:solidFill>
@@ -11003,7 +11003,7 @@
               </a:ln>
               <a:extLst>
                 <a:ext uri="{91240B29-F687-4f45-9708-019B960494DF}">
-                  <a14:hiddenLine xmlns:a14="http://schemas.microsoft.com/office/drawing/2010/main" xmlns="" w="9525">
+                  <a14:hiddenLine xmlns="" xmlns:a14="http://schemas.microsoft.com/office/drawing/2010/main" w="9525">
                     <a:solidFill>
                       <a:srgbClr val="000000"/>
                     </a:solidFill>
@@ -11123,7 +11123,7 @@
               </a:ln>
               <a:extLst>
                 <a:ext uri="{91240B29-F687-4f45-9708-019B960494DF}">
-                  <a14:hiddenLine xmlns:a14="http://schemas.microsoft.com/office/drawing/2010/main" xmlns="" w="9525">
+                  <a14:hiddenLine xmlns="" xmlns:a14="http://schemas.microsoft.com/office/drawing/2010/main" w="9525">
                     <a:solidFill>
                       <a:srgbClr val="000000"/>
                     </a:solidFill>
@@ -11221,7 +11221,7 @@
               </a:ln>
               <a:extLst>
                 <a:ext uri="{91240B29-F687-4f45-9708-019B960494DF}">
-                  <a14:hiddenLine xmlns:a14="http://schemas.microsoft.com/office/drawing/2010/main" xmlns="" w="9525">
+                  <a14:hiddenLine xmlns="" xmlns:a14="http://schemas.microsoft.com/office/drawing/2010/main" w="9525">
                     <a:solidFill>
                       <a:srgbClr val="000000"/>
                     </a:solidFill>
@@ -11336,7 +11336,7 @@
               </a:ln>
               <a:extLst>
                 <a:ext uri="{91240B29-F687-4f45-9708-019B960494DF}">
-                  <a14:hiddenLine xmlns:a14="http://schemas.microsoft.com/office/drawing/2010/main" xmlns="" w="9525">
+                  <a14:hiddenLine xmlns="" xmlns:a14="http://schemas.microsoft.com/office/drawing/2010/main" w="9525">
                     <a:solidFill>
                       <a:srgbClr val="000000"/>
                     </a:solidFill>
@@ -11426,7 +11426,7 @@
               </a:ln>
               <a:extLst>
                 <a:ext uri="{91240B29-F687-4f45-9708-019B960494DF}">
-                  <a14:hiddenLine xmlns:a14="http://schemas.microsoft.com/office/drawing/2010/main" xmlns="" w="9525">
+                  <a14:hiddenLine xmlns="" xmlns:a14="http://schemas.microsoft.com/office/drawing/2010/main" w="9525">
                     <a:solidFill>
                       <a:srgbClr val="000000"/>
                     </a:solidFill>
@@ -11491,7 +11491,7 @@
               </a:ln>
               <a:extLst>
                 <a:ext uri="{91240B29-F687-4f45-9708-019B960494DF}">
-                  <a14:hiddenLine xmlns:a14="http://schemas.microsoft.com/office/drawing/2010/main" xmlns="" w="9525">
+                  <a14:hiddenLine xmlns="" xmlns:a14="http://schemas.microsoft.com/office/drawing/2010/main" w="9525">
                     <a:solidFill>
                       <a:srgbClr val="000000"/>
                     </a:solidFill>
@@ -11581,7 +11581,7 @@
               </a:ln>
               <a:extLst>
                 <a:ext uri="{91240B29-F687-4f45-9708-019B960494DF}">
-                  <a14:hiddenLine xmlns:a14="http://schemas.microsoft.com/office/drawing/2010/main" xmlns="" w="9525">
+                  <a14:hiddenLine xmlns="" xmlns:a14="http://schemas.microsoft.com/office/drawing/2010/main" w="9525">
                     <a:solidFill>
                       <a:srgbClr val="000000"/>
                     </a:solidFill>
@@ -11649,7 +11649,7 @@
               </a:ln>
               <a:extLst>
                 <a:ext uri="{91240B29-F687-4f45-9708-019B960494DF}">
-                  <a14:hiddenLine xmlns:a14="http://schemas.microsoft.com/office/drawing/2010/main" xmlns="" w="9525">
+                  <a14:hiddenLine xmlns="" xmlns:a14="http://schemas.microsoft.com/office/drawing/2010/main" w="9525">
                     <a:solidFill>
                       <a:srgbClr val="000000"/>
                     </a:solidFill>
@@ -11739,7 +11739,7 @@
               </a:ln>
               <a:extLst>
                 <a:ext uri="{91240B29-F687-4f45-9708-019B960494DF}">
-                  <a14:hiddenLine xmlns:a14="http://schemas.microsoft.com/office/drawing/2010/main" xmlns="" w="9525">
+                  <a14:hiddenLine xmlns="" xmlns:a14="http://schemas.microsoft.com/office/drawing/2010/main" w="9525">
                     <a:solidFill>
                       <a:srgbClr val="000000"/>
                     </a:solidFill>
@@ -11807,7 +11807,7 @@
               </a:ln>
               <a:extLst>
                 <a:ext uri="{91240B29-F687-4f45-9708-019B960494DF}">
-                  <a14:hiddenLine xmlns:a14="http://schemas.microsoft.com/office/drawing/2010/main" xmlns="" w="9525">
+                  <a14:hiddenLine xmlns="" xmlns:a14="http://schemas.microsoft.com/office/drawing/2010/main" w="9525">
                     <a:solidFill>
                       <a:srgbClr val="000000"/>
                     </a:solidFill>
@@ -11897,7 +11897,7 @@
               </a:ln>
               <a:extLst>
                 <a:ext uri="{91240B29-F687-4f45-9708-019B960494DF}">
-                  <a14:hiddenLine xmlns:a14="http://schemas.microsoft.com/office/drawing/2010/main" xmlns="" w="9525">
+                  <a14:hiddenLine xmlns="" xmlns:a14="http://schemas.microsoft.com/office/drawing/2010/main" w="9525">
                     <a:solidFill>
                       <a:srgbClr val="000000"/>
                     </a:solidFill>
@@ -11931,7 +11931,7 @@
               </a:ln>
               <a:extLst>
                 <a:ext uri="{91240B29-F687-4f45-9708-019B960494DF}">
-                  <a14:hiddenLine xmlns:a14="http://schemas.microsoft.com/office/drawing/2010/main" xmlns="" w="9525">
+                  <a14:hiddenLine xmlns="" xmlns:a14="http://schemas.microsoft.com/office/drawing/2010/main" w="9525">
                     <a:solidFill>
                       <a:srgbClr val="000000"/>
                     </a:solidFill>
@@ -12072,7 +12072,7 @@
             <a:fld id="{B61BEF0D-F0BB-DE4B-95CE-6DB70DBA9567}" type="datetimeFigureOut">
               <a:rPr lang="en-US" smtClean="0"/>
               <a:pPr/>
-              <a:t>11/7/2013</a:t>
+              <a:t>12/3/2013</a:t>
             </a:fld>
             <a:endParaRPr lang="en-US" dirty="0"/>
           </a:p>
@@ -13021,6 +13021,119 @@
             <p:ph type="title"/>
           </p:nvPr>
         </p:nvSpPr>
+        <p:spPr/>
+        <p:txBody>
+          <a:bodyPr/>
+          <a:lstStyle/>
+          <a:p>
+            <a:r>
+              <a:rPr lang="en-US" dirty="0" smtClean="0"/>
+              <a:t>Validation</a:t>
+            </a:r>
+            <a:endParaRPr lang="en-US" dirty="0"/>
+          </a:p>
+        </p:txBody>
+      </p:sp>
+      <p:sp>
+        <p:nvSpPr>
+          <p:cNvPr id="3" name="Content Placeholder 2"/>
+          <p:cNvSpPr>
+            <a:spLocks noGrp="1"/>
+          </p:cNvSpPr>
+          <p:nvPr>
+            <p:ph idx="1"/>
+          </p:nvPr>
+        </p:nvSpPr>
+        <p:spPr/>
+        <p:txBody>
+          <a:bodyPr/>
+          <a:lstStyle/>
+          <a:p>
+            <a:r>
+              <a:rPr lang="en-US" dirty="0" smtClean="0"/>
+              <a:t>Statically-typed</a:t>
+            </a:r>
+          </a:p>
+          <a:p>
+            <a:r>
+              <a:rPr lang="en-US" dirty="0" smtClean="0"/>
+              <a:t>Would be verbose without F# language features:</a:t>
+            </a:r>
+          </a:p>
+          <a:p>
+            <a:pPr lvl="1"/>
+            <a:r>
+              <a:rPr lang="en-US" dirty="0" smtClean="0"/>
+              <a:t>Active patterns</a:t>
+            </a:r>
+          </a:p>
+          <a:p>
+            <a:pPr lvl="1"/>
+            <a:r>
+              <a:rPr lang="en-US" dirty="0" smtClean="0"/>
+              <a:t>Explicit member constraints</a:t>
+            </a:r>
+          </a:p>
+          <a:p>
+            <a:pPr lvl="1"/>
+            <a:r>
+              <a:rPr lang="en-US" dirty="0" smtClean="0"/>
+              <a:t>Partial application</a:t>
+            </a:r>
+          </a:p>
+          <a:p>
+            <a:pPr lvl="1"/>
+            <a:endParaRPr lang="en-US" dirty="0"/>
+          </a:p>
+        </p:txBody>
+      </p:sp>
+    </p:spTree>
+    <p:extLst>
+      <p:ext uri="{BB962C8B-B14F-4D97-AF65-F5344CB8AC3E}">
+        <p14:creationId xmlns:p14="http://schemas.microsoft.com/office/powerpoint/2010/main" val="1857805310"/>
+      </p:ext>
+    </p:extLst>
+  </p:cSld>
+  <p:clrMapOvr>
+    <a:masterClrMapping/>
+  </p:clrMapOvr>
+  <p:timing>
+    <p:tnLst>
+      <p:par>
+        <p:cTn id="1" dur="indefinite" restart="never" nodeType="tmRoot"/>
+      </p:par>
+    </p:tnLst>
+  </p:timing>
+</p:sld>
+</file>
+
+<file path=ppt/slides/slide12.xml><?xml version="1.0" encoding="utf-8"?>
+<p:sld xmlns:a="http://schemas.openxmlformats.org/drawingml/2006/main" xmlns:r="http://schemas.openxmlformats.org/officeDocument/2006/relationships" xmlns:p="http://schemas.openxmlformats.org/presentationml/2006/main">
+  <p:cSld>
+    <p:spTree>
+      <p:nvGrpSpPr>
+        <p:cNvPr id="1" name=""/>
+        <p:cNvGrpSpPr/>
+        <p:nvPr/>
+      </p:nvGrpSpPr>
+      <p:grpSpPr>
+        <a:xfrm>
+          <a:off x="0" y="0"/>
+          <a:ext cx="0" cy="0"/>
+          <a:chOff x="0" y="0"/>
+          <a:chExt cx="0" cy="0"/>
+        </a:xfrm>
+      </p:grpSpPr>
+      <p:sp>
+        <p:nvSpPr>
+          <p:cNvPr id="2" name="Title 1"/>
+          <p:cNvSpPr>
+            <a:spLocks noGrp="1"/>
+          </p:cNvSpPr>
+          <p:nvPr>
+            <p:ph type="title"/>
+          </p:nvPr>
+        </p:nvSpPr>
         <p:spPr>
           <a:xfrm>
             <a:off x="1476375" y="247044"/>
@@ -13955,119 +14068,6 @@
     <p:extLst>
       <p:ext uri="{BB962C8B-B14F-4D97-AF65-F5344CB8AC3E}">
         <p14:creationId xmlns:p14="http://schemas.microsoft.com/office/powerpoint/2010/main" val="4043113270"/>
-      </p:ext>
-    </p:extLst>
-  </p:cSld>
-  <p:clrMapOvr>
-    <a:masterClrMapping/>
-  </p:clrMapOvr>
-  <p:timing>
-    <p:tnLst>
-      <p:par>
-        <p:cTn id="1" dur="indefinite" restart="never" nodeType="tmRoot"/>
-      </p:par>
-    </p:tnLst>
-  </p:timing>
-</p:sld>
-</file>
-
-<file path=ppt/slides/slide12.xml><?xml version="1.0" encoding="utf-8"?>
-<p:sld xmlns:a="http://schemas.openxmlformats.org/drawingml/2006/main" xmlns:r="http://schemas.openxmlformats.org/officeDocument/2006/relationships" xmlns:p="http://schemas.openxmlformats.org/presentationml/2006/main">
-  <p:cSld>
-    <p:spTree>
-      <p:nvGrpSpPr>
-        <p:cNvPr id="1" name=""/>
-        <p:cNvGrpSpPr/>
-        <p:nvPr/>
-      </p:nvGrpSpPr>
-      <p:grpSpPr>
-        <a:xfrm>
-          <a:off x="0" y="0"/>
-          <a:ext cx="0" cy="0"/>
-          <a:chOff x="0" y="0"/>
-          <a:chExt cx="0" cy="0"/>
-        </a:xfrm>
-      </p:grpSpPr>
-      <p:sp>
-        <p:nvSpPr>
-          <p:cNvPr id="2" name="Title 1"/>
-          <p:cNvSpPr>
-            <a:spLocks noGrp="1"/>
-          </p:cNvSpPr>
-          <p:nvPr>
-            <p:ph type="title"/>
-          </p:nvPr>
-        </p:nvSpPr>
-        <p:spPr/>
-        <p:txBody>
-          <a:bodyPr/>
-          <a:lstStyle/>
-          <a:p>
-            <a:r>
-              <a:rPr lang="en-US" dirty="0" smtClean="0"/>
-              <a:t>Validation</a:t>
-            </a:r>
-            <a:endParaRPr lang="en-US" dirty="0"/>
-          </a:p>
-        </p:txBody>
-      </p:sp>
-      <p:sp>
-        <p:nvSpPr>
-          <p:cNvPr id="3" name="Content Placeholder 2"/>
-          <p:cNvSpPr>
-            <a:spLocks noGrp="1"/>
-          </p:cNvSpPr>
-          <p:nvPr>
-            <p:ph idx="1"/>
-          </p:nvPr>
-        </p:nvSpPr>
-        <p:spPr/>
-        <p:txBody>
-          <a:bodyPr/>
-          <a:lstStyle/>
-          <a:p>
-            <a:r>
-              <a:rPr lang="en-US" dirty="0" smtClean="0"/>
-              <a:t>Statically-typed</a:t>
-            </a:r>
-          </a:p>
-          <a:p>
-            <a:r>
-              <a:rPr lang="en-US" dirty="0" smtClean="0"/>
-              <a:t>Would be verbose without F# language features:</a:t>
-            </a:r>
-          </a:p>
-          <a:p>
-            <a:pPr lvl="1"/>
-            <a:r>
-              <a:rPr lang="en-US" dirty="0" smtClean="0"/>
-              <a:t>Active patterns</a:t>
-            </a:r>
-          </a:p>
-          <a:p>
-            <a:pPr lvl="1"/>
-            <a:r>
-              <a:rPr lang="en-US" dirty="0" smtClean="0"/>
-              <a:t>Explicit member constraints</a:t>
-            </a:r>
-          </a:p>
-          <a:p>
-            <a:pPr lvl="1"/>
-            <a:r>
-              <a:rPr lang="en-US" dirty="0" smtClean="0"/>
-              <a:t>Partial application</a:t>
-            </a:r>
-          </a:p>
-          <a:p>
-            <a:pPr lvl="1"/>
-            <a:endParaRPr lang="en-US" dirty="0"/>
-          </a:p>
-        </p:txBody>
-      </p:sp>
-    </p:spTree>
-    <p:extLst>
-      <p:ext uri="{BB962C8B-B14F-4D97-AF65-F5344CB8AC3E}">
-        <p14:creationId xmlns:p14="http://schemas.microsoft.com/office/powerpoint/2010/main" val="1857805310"/>
       </p:ext>
     </p:extLst>
   </p:cSld>
@@ -15868,7 +15868,7 @@
     </p:spTree>
     <p:extLst>
       <p:ext uri="{BB962C8B-B14F-4D97-AF65-F5344CB8AC3E}">
-        <p14:creationId xmlns:p14="http://schemas.microsoft.com/office/powerpoint/2010/main" val="2634465386"/>
+        <p14:creationId xmlns:p14="http://schemas.microsoft.com/office/powerpoint/2010/main" val="2946165068"/>
       </p:ext>
     </p:extLst>
   </p:cSld>
